--- a/Project/01. Document/실전 프로젝트 기획발표.pptx
+++ b/Project/01. Document/실전 프로젝트 기획발표.pptx
@@ -17,8 +17,7 @@
     <p:sldId id="265" r:id="rId14"/>
     <p:sldId id="266" r:id="rId15"/>
     <p:sldId id="267" r:id="rId16"/>
-    <p:sldId id="268" r:id="rId17"/>
-    <p:sldId id="269" r:id="rId18"/>
+    <p:sldId id="269" r:id="rId17"/>
   </p:sldIdLst>
   <p:sldSz cx="12192000" cy="6858000"/>
   <p:notesSz cx="6858000" cy="9144000"/>
@@ -138,7 +137,6 @@
             <p14:sldId id="265"/>
             <p14:sldId id="266"/>
             <p14:sldId id="267"/>
-            <p14:sldId id="268"/>
             <p14:sldId id="269"/>
           </p14:sldIdLst>
         </p14:section>
@@ -1305,2718 +1303,2713 @@
           <cx:layoutPr>
             <cx:geography cultureLanguage="ko-KR" cultureRegion="KR" attribution="제공: Bing">
               <cx:geoCache provider="{E9337A44-BEBE-4D9F-B70C-5C5E7DAFC167}">
-                <cx:binary>1HtJjyTJld5fadRZnm1ubuZmTkzPwTwiMrbc18iLI3Iz883Md3fz03BEXSQBkg4DARIFCJqLDhqI
-oDQEBXD+UHfNf9DzrKpmVXaRbBLdkDpQqKr0Lcze8r3vfc/zrx6Gnz1kT/vqiyHPdP2zh+GrN6pp
-ip99+WX9oJ7yfX2Qxw+Vqc1zc/Bg8i/N83P88PTlY7XvYy2/xMglXz6ofdU8DW/++q/gafLJbM3D
-vomNPmufKnv+VLdZU/+Rc5899cX+MY/1LK6bKn5o3K/efP2rv3v7n//9N//uF2++eNJN3NhLWzx9
-9eaTy9588eXrh33ni7/IYG1N+wj3euyAeZ5HOCfBu8+bLzKj5fvTLuYHmPuI+tT9cPrdVx/vc7j9
-e63oZT37x8fqqa5hTy//fnLrJxv45MyDaXUzGVCCLb96882//Zt//rtffvM/f/f1P/7Dmy/i2oTv
-zodm2svm/GXzX37qgdfW+Hjz/IDBtghyA/Ty8V5tnh0Q33UpZ/SDxf/fbPs3P4dtf2bDp5/f8CsL
-gP9fHfkoKl+b50+d+k5Qgk++/sf/8fX//g9v/+M/vP03sMofLDTpAQ9cn1MSvHILP/A9xCim9HMx
-+W5Bf2wdnw/ID/e9isYPh3+QUHzlhx/XM1//+p++/u2vfmi4wL4fBBzzd6Znr1zjHwQBCgLmuR8c
-8D5jvs9aPu+Xj7bxyjUfnflJeuftv/z5N3/7339YB9EDAHMfvwc0hF5DGj/wGPNRgOkL4n3XTd9r
-UX/QUx/d/V1nfXTyJ+uv3/z8h/WXf+B5Lg1873UmQW3yfA9zFzz4Scn99T9NdvyT6/ijLnp/9+dd
-9P7kT9BFUIT+/nc/Tilyse+5GL+vOK8rkn/AoRj5xPdfOetlRR+OfY6u/QE3vb/vtYPeH/7puQaq
-6Nv/+osfwzWQQNRFyGXkHYcDRPuEwLIDjwPWYZd8cMO7ivRuRR+OfX/XfLjvlWs+HP4JuuY3f/P2
-b3/1Y7iGHgB9g86B8neuwa9cExwgBs0T8V/R629eVvQXuOb9fa9d8/7wT881b3/xy7f/6bf//K//
-zzf/6xc/LLdmB5Ri5rrf4dYTgaMB9Qk46+Oy824pH459/3T5cN8rn3w4/FP0yW/f/rd/9b198orx
-/6n26p1U8FIUXqsI3+m8IDR+tMSFpgs+2HvH8vl3EtdzGWCu9/78h7B4h6zv1vXh2J8RKi/7efPp
-Pr968+FxP8FQ+S+/ffvrX/4YyDoJE9Tjro8/j6z+gR9gDDz/25r4SS6/rOsvcND7+17n8vvD//87
-6I+u8GPd4pML/1xJzT8gHscgmwEtmT6vWzB2wIHXM0QgrT52C1CIj9StP7ycz1PGT+/+ZAN/qXD2
-Crv+hFrx6uqPkO5bAXK2b/bzF+Xye5/9AIWvbn1vuM+By/tTq8ev3jguoaBGvPt85MbpYZ+YfsrR
-v//dB3d85tanfd189cbF7ABhxD2QBIHsEw6csn96dwZSDjRSwiamySEA3nyhTdUokFjpAabYJ2wC
-S4Q9AjfVpn1/ClHEOUe+S+EM3PVhv6cms9Lob033/ucvdJufmlg39VdvMIJuo3h33bRkxj0PxFxK
-MKfQ4TMWTOcf9uegUsPl7r/oSeGNOG34yZgnx5yRPWqah75Rx228GoLcFcqnV0EfnWIPrYJAaML2
-Y8fZxhTjkanvK6zCiA5SxD7PBS3aWDSqv4ypeWoGpOa2iee5E6RHko9bWnkb7QTHqB+20rgXhrVX
-WMqTsO78k4b0J71n1yof1g51jty2uXV41i5Nr9FcuW6YNUG58EzfC7cen23aPnpVITwThcHoNtuK
-Fxce1TdG0UcW1zcySs/cuNsSmqylHC81VVeUjNfaaxuBM7ro3HIrR3MpiT6maO4HmRbd0DRhVaj1
-YLP9UGZFmGTOVo/xXV8MJ1mGLkt75nipyPyoEG5XtqIo+z1JzbHbSlFkJQndqE9E6aTnXZWGDmXn
-ZVFs2647Hgs/HFWQCKXaU6zZvuL5YvT7uRf0yaazYYH8fB7hajnqjRr7XOA2R0e8R7txcPVF7YUu
-Gewi01SGXXCaj9m9F+fPNHCHMPDiMKP0VKo2ngdDugt0sG7ZqSzQysHxITfBYd6dd7Y+QfYs5+iw
-SbPtYKNln8wTHs10yo5z7G7HjBvh950nOPbnhY8ECmizKEx7kqQ2FszYTVtfDnn0IFl6QoJ2G1Wu
-sKSbD7Vznhd5JXKvPOvbcuFAlFhP8lkbB/Ogt7us6Evh6GibNTj0m3JFMv+Cm+SUpOVxi9VaB90i
-68at9T0jArc8GcfsPM+jXmTGnpf4OC2LME/cXZXSJ1kVVox3WVZ7Im38DU3lWS85nalgm9G6FX2L
-E2GSkNWeDGFqkoJv2yWlznbkXIlsqJ4g0245ObLDGAlHKjzPs1iKqpDZCqNip0NshztDWiYKopJQ
-+/HW8bnoGrNDDS1EP/p7Duau/XIf9SgVcZHPKOGrj5X4T3L3wRS2iqV6P//59se/vjQ5/HmR5n9/
-cBof/f6now9zpz961eGTmYhX/fqiCZC/fdbvwXsCv28nAq9g9VP6+eec/N6A7OH3eAwayrejqu8C
-8mdUrvew/PED3sOyhw4CQjAOXBBomE8B9z7AMhRbhOg0LPA9wiZ95gMsTy2Q6/IA7vMRg78/hmUK
-EirI2Jh6xGUB+7Ng2WWgQbzGZeQin3iuRxAlUwX4GJcLqXSXNGV1aiweRB2pbO71aSrasqSLvi6X
-TPMUoKcuRI6GkMVUA+QQyE7eybAdnEMb5yvjOnkY1/3C+DAZ7J1a2CDrRYFnbmCNMLnNhM6ubKsu
-naE9y3BnheMFqaidZGVNtCpodj8QE4u84FpUFRWpb65IZB+dNqiFJNVz1e40S6XQNktFhFAgkgSd
-Bdw5NSg/jyJ7UrDCE41UpWijcMT2KadaCjbEjUiJc1V1waxDaVjX5KHzkiUyY1i3OhUDSkfhoToR
-tO2FtbByQoJCkBI9uiXAGHNPrLYn3ZjM25JxESBY6RDA+tvsrMW0E03DLji64tE8LvxAtGk7ijjJ
-qeg9HAuX0iWhckYblgpWAMawor8qR75zqhmPij2BtcBV9q5PqsNIDs9JRhhgI3ks2mzul9FtNviF
-aAr5SDs6y428JjlZRU4519Iq0celCnPEdgGrTmmBFqqmXBRc3Setv8tH77hh/ilzGhla5pz7WbvN
-dTmKIM8OizRdppO3SE6h3NA+EFXUnWaDnVObj8LX45LV9kghsHvAxhUldOW4dKUattAYStRoSSAG
-Tx5qxyw85S+KyB7WGIggXtZlsrBdvWh1AVWj2+QcpwKN2ToNmpBh9OzELMQqS0RcDs+OaZ8rRW6T
-9qj0ZSOiMU6Fq4oePBrEojaRoAO9LAtcCtnJa5VCqFZ6WPZBNhulPkLlZH0ehbiH60lGHlLZh5pa
-LYznw7PyNBYoLea0a5Sgo7puJHoe6/Y5S2ZxRR/SobvhbnE02Y0Rs3WadqZcVApdMSiTdJRhAx5t
-XHuKE33r53gzetkgKr8JU1+uSmbOkITvVqg8jfPoPDP9SQp1nqfkhvbxYYLbY1a1RBiFr3hZnuPG
-PPhJfOs62S5V9L5u8lXVQfIE+cxtyDirk/62H3grVNmFZY03AWuOGc6vaRIpMbTZugn0xrcJlCgy
-XhVld8b8/MyzdFmNOpwWYnm1wE4WC2oX1omN6Fw9HyJ3hr14o+gYZsO4xBG+0bQ9RpVzPGZdLKK8
-KARDImJontf4BNVohdNxnbrdevqWkbg3Hh0OUZ7OeMPXEYMo1iyzopTBrWzpXd6VlSAIiq1/Ftty
-3lf3RZde5Nk8T/RDlPRGoGwMCy86TRx3GxN8XJX82C+uamOuW7+ohamMFqlL7+r8uvMBhtC0j1aV
-Z4HjrHy3ycIqI3d1FFGBBhbSEbBFWdYJY3OR5nLfcLzsS+dY1Wd+3x/GzOyMQo1osZmPMTtjrtyN
-hVrWPrmY9u7pTnCVnakqioQckp0nHeHk8lg12gmzCJ+ytHyYHhXk5XGRQP7VBKIJ5cOJp+VFmfAN
-KqCEU6fYTAvwAu/K7Z+JxJkYitQF4Er3TdVvGZC4NojmDcIhQ+XS0cVZZ6pbtwZm5PpZGeb4mWRl
-KqTs545V57pKShGYoYPYLrKwrXg4Zu5ps6dpdq6Re5cmzbNVkosoBaTOBNLJeVYAyPVoEF2HusPg
-zhZ6UzP2GOflke44mBQ5KrQlDX3MO1FQjed1lmHhFSPUhKKbKeus8mbcailvgslhiNYCeSoKS1ct
-uQ7bepGZAvIiLZswH4p93pDDZEoZq5esYLUgTXBfNs51jMts4drq0Om3PouhfjjyhONq7tB3W27T
-4KpV/lFcDWFTj+d61JkYA3ur8nRJ0ioR3NA4LEx55kcoLDm9BbQ71trOuoTfR9yue8PX1OdPTuYe
-sbJf6SzvhJfWJxQrkaTVcS7lSrO7ZDF50YtEMcRrByqG8Nw2Dls3zUUTHZIeypYdIQn6nM3BDUqk
-NVQjXZJLJ2ikQF0/Yy0xc+Y6auaz8oIytB5RCSvRwP/TjYWUkWVx1EbkpHDkokD5URO4K1LlqUgj
-f9cP6sJYd5cTc65xM0OmW3s5XkpqiJCNIyLTbJvkyneKDtjuWeeb2xz8bDGgBKYPvLAbOQRnyF2m
-HdomFYYeLUqFqoI2LFG+aJtrB5pRUaK7AV5oCRG0Ai719z6qwxb7x3XRpqJr65M4qi6qIlkkfffQ
-dPq4GvNH5ctHXj0Fpt0MvQOkFqKmKpyLpMVzB1fbPO721GQr11fberJahYMr5alto4tlXpR2mUM7
-UYxqlqp+HatCCRz1FaTlhW4A1VVTQNAhMktx/zxKzwIc9IMYan8eBDoLlZdgoeLsoSn1fFRuMTNe
-kYQJiebQ69znWXnCZXNGUH7Sau96nJZR1aIn5bKSw83Q67BQ7CGR/cq67rV11P0YD2GbRzNHdSGj
-8VFZjZcQh0+OKQVk6J3pu6cM2ph8COG9Kw0lCHpWpG95cI1kwkSUdGyeLLKgUjMPUl8C4ISx6m4S
-b1wS2CXO5Dro+Zx1apWPkSscv7pyW3roK+9IWhw2Wp/xyFn71QOL2kPloR1to0QETfxsy1Cx+iSL
-gHRN12kEzJ+3zdaf4r7JRNmx64RXN4Er73HvHSvqrPq+u2x5PANXnqQsWclIHQV9dhHVw6m2+LAg
-vhgG/8Jvh1VPAZl1dtbr7Lap/HVeJOsWtTcU0sR4eS9y3Dwl6KGpoH3EnN/TNr3IIv+iVM2pXy2g
-vt5rlkDYFM8d4dCUQx8maltfaU4zga1MYcMZgL7Zj1EVytpb+VVzbnSshJ8DK0lrcgGIeMTjYl11
-485Btg9RH4W0V2ZeJuqo8jhwkALa0wxncypHMe2Exvm+NcO5KvxNMsojy53DwD/v52mV3+KUz1Ps
-XRSWH49WLunoPAxFKTpbbWmGRGFoIpK2usRP7kL1+bLI1S4CEsqhSLC4unGNukBOs68uuljNSWZv
-SOYWgsZSz9Kkm3ee3XpOsHaILYSp1SGOu/lI2Qp2NNjyyiV6LV2qgHRxaCHbAkiz7KB0RvvMyfdu
-amdxIiXkJbkqy2KG/LYJbbxi1J6lZbutynyRdCQRTdDucpv6Qvr0EPp+BWwMonVQ3VGKC+gHx1nr
-txcuH0XONbyGpr37NlXHjDAFVYpcBdZZ9g09y/Ly0FbpcZRnotb20dVsXaDhCLs47CBkzZyvepLe
-JTUFhupkdFZUzl1XliedE8zVGDx0ORD50vaPRdEvEHcfbcHDHkpCy9itJ1soEF0KyO7IZZrhC7eE
-8s+DBHC8VYMYK6EDKNVuNJduG4gRw+kSGST6Wy8dOWSb04ZV78843o7V+Aiqza6S+ayW/g4l/s5x
-svOIbNM4ukJZdwWS/84H2sz6WZKXncCqedYtv2iAanuRgsYAAdsHnr6Pu2VEtBYJLCbsYiTDlIyJ
-ACwDCliHEeCSsAg4nU2AfZM7rPeZX0HfTgnQf1APRJ25m4jrI0yBAOu4u4/cXjgGPY60X3j+cEoU
-wJAieFfgIRNtfOXjAQsbF6GD6wYYMdaCJMOjtEkMcKRC6XRzdySzxOmB1eVSlFV0RU0359y5qXvh
-qRNtPQ30Sc6Hkp2DwAT1xQCTj/uNl4BS0BugrlVZPOgodIC+pENy007Hgr7TwrHOIaLtmXTxvRO4
-Wti0fqhYC5QVttAaCNMyz+CR0Brp3D9HJwnd2NaFehnHwnOiTjCV3peKxcJn6aEMJMhmAAEUThce
-+JE7iAgo0vGgtGhJnwmWhFz3NXQIXhlmKDMh0fKa1tma2GjG5S3w7lVSBWteEugSuvQ+KT2w0kju
-/HzbcGixWtfpRVKpWJSlyLwavMnnMjEyTNIxA82j2sURP5KynGdBhydp5Iy49Uw6FuAaYVF15ugl
-5koFe/XyJ5ZQkFKSZCZLvrUuEP+e5zPD3AfexNdYJuc8AGuqwrv3y3GmS7CMBKlOKOMI7HqzxEvu
-O6eAoLGBqMfmOQ1qJYIqj4Vl5yYmJ0kvL8vuWOdsV0I3Y4OhFO6QAtkiEOcsMKs+15vBh35jbE9j
-CyxoLGDjQ1EJyC8lughCuZf3nl/expBTU2TVybQQDlEZD3XYmQYoN7vRNTy7DBIwEmWN6GnYFlqJ
-tldpSLrkFpfDOvaDdQSFRbju+Ciz6HIgoNLFkGERzk50kZ+m6bxwCyoMNISlxDJ0zmTaLRC2d3Xb
-DzNb9JcRbuZcOnFI0hSuZMGVF6hl0nRLTzlXvQesOmAKkiSD1VnoFN12O5px7hfOXGqdhFnvxSJr
-6C1pgN6nUMCm8Ap8CJ265cuW9Tde6KXRw4spuSFj6KJhRZxo3qo8zKS9LjNeAyfwhINTCwFfSEHx
-ZVGMnsg4tHxd2SnQZPmCtfUm5dDN6rTeKMJBAoD1RV10UVfdQjKyyJi6dQ25icZhDbW2M9CiTNAk
-m2RG2tuW4MPed876YdQCRVEOkQhFy0x5RgLI3dJZjFWyf4kV1NMb5fFd1TZLW7aziDbPoN9g8WIq
-Z/R27rDvaXLegsmEHTZuVHmg8EJOJX53l3XeFXL8EDv40Ssg1DPHux+7fR6DoRmnTx2jC79SSGDD
-T4CvTjI1VP0IxA4mk3sS7IMaDF5GmQOYn1Eo5kaKEZKxP0oVfCNBzSaNUBlKhnXYOSwSDHT6VdMM
-whnj9aiDDSv8k8qo8EWVcFEiQ9/J70uLoIvhx9pa6HCHu7HycngARD/L4kc35RdluksAz0UKNNhk
-ADdTHheqlKGs1DUhvYLUVRdsmEXKPvPUfRwI3A4q/bIa8AlYE+hlPjznY3+dg3nqwd9xDGFe5/0j
-cOo1GHLjTrnttOCGpL/ueVyLKJ6Xur1FSl3QuFuZeCwF7hIICBUOXDkiNumth2QM6FEkYgD5P4nN
-rohkWPQBdOrTtZYA4pmy2CLIgFjC7kdARK9C927EevGyzwpUGBWEKR+e2CgvjfZ3Rh7GSQmcSXar
-dDQndoivKQvOQNvVUEXyR6QNVBsojrWbXEpQNoasEYFGq2rC0gS+B1XjYZk6k7UAfkvSH0mtroBT
-9UAgGbDSFJ1WcXMYF9GFh8FesgAJIhifWHDaDhMIvKzWB4jMq2ZRMXqajrde5QKM+1qGbhbfDngH
-AWeB4/gNtOnrYQiWxLJDGpP7vpxlRXBv2ngrlXMZReA45WRp2Bo7a3R9V0WeK4LY6cTAx8ciXcFI
-CZSwxt40Vl728bjKumhRlnAfncSpPihXDQappmZ56ILOlrj96VCm95GFcuCPEAGsmGG3UoJ0IOnX
-LRS+xCYVBE0SluCIsGoT8EgL/VHhhZJ3KxjgbNN8uCkKaGHUouHJevRH2MuEtfFUOWs/U2FgynWJ
-8KIehnWQDWddN1w77WBFoYdVY4uTvPdvnOhYNsMNzDOioqleoswFo43FPKrJRjMYGo02bAaoWQ2y
-Dy46y+WwVw1ksULebkj4hWfAJ52dgWyWhpltn1Vy3OgEiSGamr4kvslTFwYu0DzngOa5U911Kd3p
-Ghoq4p16FXnycjTL1FS9GujB+sI7SdvoQrGbrBmPteSn2uQXPIPK1k4pgdgOusewiYPHoQguEkE0
-uWpkBKoHC3YvAEIkW4yDA82iPHTLQzakpeCFemRRDEGCTq1dtPFwQyJ9C649hTmI0EXai74uDkH6
-XzQJaLUTmwK6BN/cXtQduF2dpSlaYhdMDMrhtVssJuwssmuiu3O79CK3ElOpRDUAMqiFMyetDlto
-Vvo+9mGV/WNq3Me2jC4yDvldllClYr7u0zCWyW2baQSMUp2b3p41tTmNIb46BdUaB85ZgMHFJA40
-XOvMSY7nLVIhEEmI5Al4vIlRFUOyJrFZRxpAME6HQ8a6EH5HJgnHHDbUcx2LLnGuTD9cZKV9rKP6
-bkKsIolmo5sec0iUDAVrDxQ+Qu0jN1B2c6i/3GO7uLYSOn34Aee3qLVXhaPTEEabUtx6NWRUCyhG
-6uhisqp0Kgc2iB6hTNPxrMKuAIBxgQHJXuA8GYSB3J+SIOodWEvaCMd5DEAehyLSHHt1NtMouy99
-QkQSn1cTwXJTA7Q5AkTLm6vRo9uGOLNoYm3EaU6G2CzGRj0WgM+V4g8g7Wx01ZzIFj2+iLBR650n
-5bhNkxwQbUJbE2fji3EzBuqSqcBm2N2ryD8OhqAMe4BspzFHqHMeOqcSvapuvKRZmryDUSKBtqTn
-/T4joKnjbh5g3QAfBXlYGqAuCAp9W5SzoQseIIUAfbSgaTp7YbwNCnNXirYtdy/Og0pxmNXkXfxH
-AZgIxe6joeNOZzBRK0MYPF5OjuIdPN/poOuv5IISdjm07blvuivtt5cZKPM+6GyUFGs+zR/e5a8D
-aWADspsuBfiaOSxYlswJXwDKQoy7rrwMerOJTCCavLvoowhkRwhymcYwzEX+UeSkW7eBEcPET4K+
-4oI6YHZaSh8qXDBzomoDdRrI/tRiSB+KMiuzcPS7ZQPDEM4cKC2ozcRUNpoAKnw3ePMRLcu026au
-mg+aLfupPHvJtT+4SBj/SJ7IxIY080E/a/f54mXvbiTPA07uX+YbTYfOLN3HCT6N3X45wrnU7x4T
-CuzYddGClXj2spESw4qoxOsm1RcvAPFiHxAVVwYHsym/XvBDmfvO2BvuJae2WVUDAGoSaBA/WAFF
-C/qMXpItInKuJ0MQUGNF4qCbDMtDmGtui9QejlLepX5+2lRs57duI6aRMwx4F8CjYAh6C2QA6AvN
-1j7pF5mLMjAXutO3ZQRKVe15mcgKA2piPioB7waExgxaBARIWy+BZqXS23iN2cRseDaZf9/XlUjq
-5qZvNnEPJAm50Krxq7Ttbl0pHysJHgQha5Xael56UBd7SAFg7lCbWiqKgu6aHDCFxqCWlml10hqz
-xCUEoOdCVycxbGJIRNSOUvjwugSEFCBLC7NUnqaHjitP3TieTU7pS38ng/quq7JbEl0GBYNoqWgJ
-bZMBD11OMwpVRDukoY6PKdnbYJFAPUm7cVEovnlZFwyBprnS0EBD3J6P1s5tdkQmK/Lee25Hvxad
-VOewnJlXORsr7fNEuSd7u5rMkOPO3UbPOrD9GE96NyBSzNDV6C7zaZgBtU5BRxZcl8YscninQhAP
-zAjdSGDSncmhBA4dOJ3bcma3PuegtaIbn2y8IT6D1UJrhbrnNObHyMGzl2laE3WOGMf2znOciyA3
-m7pj27J9NOjqxVaRPz54IjfuvCqq+xj3dy9To2l+YgpggTBem1N4q3Ni0sBxCRBB7J10UXeeVBBj
-tUeBZsB/NmRSDgwfb7xxhAYOJTeVZxYgQVMBzO+uNu4zgtcfsvQqf+mIUzrPOUSEnWi6Qv51Ca+B
-2Byoll+l2wTGHmVSQ09D0IlHLEhQ8QbeP3kwfneR8GFGhxub2x0IZ8fuUN2b0l7hslsNPjuyaTGz
-Mp5BNUmg5yifNPWuuHpMGlvBOwHQMcGoBcCxIYJNZM46g/BjfMQz/xneVX1AHWhfTTdAL57dRsju
-kj43IuudM5CantKOgwbc7/IsNQLmSBdOlQP/gkLUkuK+98pLlGfX3kp3bFPheM0iIMPBuES6eIJf
-C9zFsj+qLZ+NrVmrjG1q37+OnPq+4Hdj2Wz4NMFqguC0StmhqvsmbHu7DzSQC2t6E3ptC7POzl9G
-md14PdR9SvRwOLRr2Q31ZQfT0NHs+goGShwPu2bAp4kCoqNw/phrcizraN7BLx38X+KurEdqnkv/
-oowS24mT28pSW9fSO3AT0SzO5thx9vz6eVLMaKBBoLmZ+fQK8UHTuBL7+JxnY+Oa8UkP9bF212EX
-GGCJj1CCzlygzliBt7T09oMxuDO8wzB66CVGAdCy1ht0tZuqGC55lX6ys/aQc2BijgDWBCgavEcD
-7NmZM38LvOxM0mUPJdDXRuQnILEXYKKhcoO9MU27bZdl47q5/wD6dNu2HHVXx51WyQSdh1ePqF9j
-cJ4GA10LVqCmcSscXzz7frcztDEvaX8mWQEVTSYOdtq8VhOQSr9jzQYMX5qNn3Ey6IaChgFNchIj
-BqRZuMepdkMLF/ucDnoTbGTV2puFdrGrVRnemO587SGXFa8qQz+gjwQ1BPTZM47Bh8a9B8B3hxNc
-htpbnku0LGwAZVnVL5QDaKoqup1c/akDYu+ID75PY7KCO7dvCg5mR6bmomUIWLcMaeuh9cG5xboy
-5aGQSZA3ZTCJMHDktyFzw7YuvmKkjXMjUbC74mpdRn312uXU1Lg9s/ncqO65ZaW9QbX8qGj1IRDO
-a+lWHyaIB/BUvRB46iWbMD7lOo+XgO+18b+ZSHfeeQkwmuESaTYGYxz4I6iBrI9mRo+R08/Ew4lZ
-iPcC9rFwwbL5+bVfJsBz7oA7Hoedo9Xopfm81jk/TfsQSrH7zDJnu2Rxk6KpY2t/tAAlIH56v7Oz
-xl3REpSPvnohXYfxB9UYVMOmqWYwmPYew+lGFtbHyohPtI9Y+lH34gMkAeesQMuH3yna9Kz7Ps4y
-vgcu+B2u5u8VJS+DbffR2NYPs6jWg4ctgcsEnMA32s7JQNtQGefUtu5eFWnoKJRTNePes8n2VlvF
-wr8pdz/k3r7GOMfz6iGzyKlhnvkxM9n1EDIFTHdYlrP2zxB21QrtxbNZgAWJPVlSFrVp8ZTJgB5E
-rlmygnxbni2vg0rlQ2BT/zSOWURc8QZV2mMxuo+Fx9HPDOAVAvexz9WbV/rffXNtOudKRfmpn5w4
-K+pIjNW+SfvESctdjjloUMwOa7HEffqlVhMmRlwCpQmzKojURLeDItu+TRMvrNo20Z0FWpZvwFKO
-ZX4oWvaWlbl1VoXvvgSWCGXueQDBPwk6bcYBh59UkT8CvEAFsOIccLkrx50v9YecYlvgTn8BrN/i
-68aoncpt2dlvA8alG7xrk8cc8oasf1b1U+MXx7R1QpaXFyoxl2XLZ68CQhfw2AwYSDET1SFtrE1B
-3IegHL53FKIFpdatu1IkdC2BmfMY+Fm0rLoJOKjqDVmhNPgONlXtX8SCIeMm45BGv+Z5GWk06W1j
-PXsKjR8jwVslsStcvKpGoNGgJvua1+cJ84SFUcl3hu8AQwAq6y42DmAGXkLt0XdU4217b8N8LflK
-dvKPg54gGiPTZXLfbGAdk1cdKpt1Gz1IFAX0CRyc0MgeQExY4Cf5Uslt7tK4rPgPWznEVFDk/0GG
-6UDf+6vahzGXOoEfwIfp23CF/ar2aSuRFnKQ5b0aW1A/RG+syUWHlMU4jcdOymhpZ4wF/qbunK26
-LENw6qDr+0kv9cdlwEXz+zpQSzm8/RwrebeOgaUktbKuuLfLtkXlXvat7+2tinwtJICekQS7Os32
-VOavc+dcZJ19UAaqwVztJOSHDS7lIa3QAXlpglWHaS4iu2uOvLFOqSouebsccBccOjE8M5MmWViI
-9JCX/UPtBQkdl6OZxJ3rHnozfw0M3qckm3Zsj8XI75fgbTY6sWT3obSXz6Xskx4lai7aqyWzB/Rn
-j5Yds97etr64/fLCXDADxbe5XnWG1r6DMq/toLJorIOW6QevJ18st7wPBhwZWu+zSV4C4Z9dBtyo
-JeJEUid0dX4mmj0UlfraluJLOU8nIDHekpAi/Z6T+jstxGsTZPtytC7AqzAHlFse0CQ3y6PH+60r
-iovPdSw9ds7Wi0XPUcpbYFhewtrXJbOO7atx04NP6NE2UTXGzDUQcLm7Qvdfqy6xXBIR4e/s4NPg
-x1MhYzBIX9cvkGVznBjYl8BB2+SdxnaKVe5sFmltqZiede7vvHmJ8/UbvuHG/L6wLMmoF3PQbz4+
-bOOIl3rJILNtAeOIhywn0BEAZs/FR63J3f+tjPH/T6EIWdT/BEv8rPuGQu+nc/abLvFXlf0Pjf6q
-S7z9sZ/UiMTmSI6AUhzTJb7hf6sR2X8gSwPycNv2uR/YP6kRkWngEAjAkSYS2Kh8sAO3/yUSp/8B
-lweFoPuHGNEL/jdqxFWI/mtVwNICrG7Vo3sEzshfq5NbOp5YLEtcJ+Zhd5uiQE/Al3hSkP0IGuyE
-ak+kJnbccoBAeoJyxRMhqXCKnKHLw7HAZDC53bkcpzwh0EagkbrMo++DJZsv+FT5wXRWth0r/H43
-ie+W7vpTloPKN9ODTLW3U0FexhnX3RZ06qBp5EOxdLCHawr6A1JmZ9pZwSJPGT3/9Lb+VBX/8PF9
-mzDo9F0b05gD1efPUkyIwT0edEZcbVLW+94xkKMIuwu9Hh3tfFKD8UEhWmyDi9g5tMCvVD210Tx3
-5iPt/QO0EseJ2Bcxcmtja09uiZVPm3+schXq/yLkJw5KNt4Q/sN2Ie9eUteorGO8qq6lyqF3li5N
-APGjUXDG4lA3OUhNTTZgc4BoOQsk3bJIymH+vtiZFWcjrvJAml1maoLy6BWHfyyP/S5oRcAALEY3
-hzr6o/Up/2Q0mIc0GNQoqmvmWXdBIyHhW3/gEOy1tnc3oDWKG1elccYweGf+EDUzaULCBhWaYOan
-EixLOjlzbFeQ6Ad9jq/XttpPs+2cuQcJn5UuauMOIGJshSI+t07Cq5688mVkJzp16b07nEUZ2JEi
-2ouFN9ONNwOvDeocHIj0j7w1X4OafnPaxtna1ICfu2JcpaRjsU4hbqg88jRRX0WjxgjLrFY/2QP0
-NbzNIKkiswUEKrfQohsIwCnPAzACHTRNeVTlvd5DXPDSNXYO6Ud6MlYjEssf3FA1xTP6WBKWgHuj
-oTb6ZFy1xZse94EwTqiKatihpXF3ndbpEfE732jdZFtTTCphanGPJvPMKWvGs6U0HsLUqQdFytAm
-QRHVVHf7qXFl7PoTxRUBtavVtf61F66/raxZw4TASKSg/ABjsqv11djedPA9CU6/qe9GJeAtKFS5
-X4KmAMs5L2cmy6Ppun43ZEORMPwVm2Lizqs0g3PG0WQn7V6HvLaSnLftfhXRVm3eb6eKV0B8QcZD
-aqW3EsLl0JkyevBNcD/b9WEu+hKoTHNvFhdz3kg/2pBmWmUlnubldbFTSHzL4AhYpAkVC0LQeWTv
-2u62qf3xpPo0i5pgiEeixhgioDl0XGZvPF/oc5nhjs2F95XkD6KDYOLvm5z8aY8DwSYcbRw8yrc2
-76c9LkYFZSurFDwYVh0zWrIjuNx0M7C7yRPFoVvHJn9mx87BHK1EY0MuF0C3wTyR5ApTpDIl2dbT
-ps4kwJ4lDYXNl21eQu3iQG7HRx6Ef1+081vPRxGZYyOMAJp2nE/3XXnzuqpZKqtorhN4VLDz+q5B
-nssRFH0X5Q6qmdsXKmygttg30I4wbR9FD7JZ9scgdc0zcTv6POfZ89/XRSHu/7WgrT0x9ZCkxAIS
-eN67gpGVhFTS79GLEj+CgaqFRC0widdaBy5JeYaQ7moBwbmdpwHiwWkhoB+dloTZ+gOv9M5j+hU0
-BEnguRs3EEU7wLVEe7x9lSLQG6EbyhLwsDIuoQmK+xJjYSVj3QqWaNPl23m56enMgzewAXMB5Jdp
-1aC7hfUFsy74GG6cs7e4TQRB0AzBge3+Y185/H1xZ0DaOao6AFCfw3ywbryfNhYnKdduP/eXej1d
-vWFqryEjLo0KJ3eEWKUB2Akm4UPfNR3oZmX8O2A8MgRbIuNa6sey5fl9bzaNc9+h6ga595JlK3+B
-77cUqj5kgbgwrvOtzT4o1nW7W3HNVrLbaVAHUoya0Vh7UNZxdzp0Dc2ilnjypD6PqXWUuJ3uBzeD
-lYibeuv6VrOZ6mw6+WKAfn/m6tCl8tQK8FVWUDzqDLy+Kjy1n7uqQjtQ80tFVMTqbuePg3fGuCqi
-ehFfRvhvHmfCX5Sk+Gr70zh0d7Oyg1C6/XDEcfsIn9wX6kJO4OSOiuAaiIkSfVKq1D0WvCsTj07g
-fgeMw7J364grFQUcdwfUA09GGBPTJZfh7M9AiX26besxDPTBsUhYj8BZb/tDBk2dsLx4Bo+zKQeI
-RfOcNUc4+vDMUts9eszak7p1TxJ/aD9PJh6s3tzxTsWlnru7MeP3BIzQDh8gT5o+f+2H5mRzW2xa
-M9NYVVA78idB6aE1tX1qOOX3xpbOWbUy3zIGn2STg+jhZeRC9JrwmZ68jrS7ocEITugE4ivTgPFH
-emlbsRWFt4R9OZRgNmQGdRy+S0M0/G2Lga9q3fRz6vmhqEcrqQcVA14EKNKR5jG3EqOG9AjlXBvC
-NAE4y58+zyteITq/3BMjoagBcKEsD2I5hjfDfAEpoV/5Ntbb4K4J9Bj50LAVsNLdMQpSyM6zx4ln
-zt4U9AXWrCtxerblkCH2vdlhcqzjzPWeSDHJpyH/5hNmJz6mpn01YweONc6z6O8sSHItNtUXgCYq
-sVgF+mYujzU5/r0COWvL9HNLxVyfIe3NZdQD/oDQt19PnRuM9Vw4xr6k0PXsWo5udSm12LUuiOjJ
-rZ0zzdqzcSBQwhUFUAUM2/bva2C/VWeChhsuJfSe60/e+4AyiI6gDAJXO8Gxc4ZTA6LmaXwDZ+ZE
-raXEnW+lIipNeqfQVF68bkBVdthBL3W7QU5eyPtGnFzpkfOMzbet8mQoVHu3aC2e9NRFzVh/Y+08
-hPBdfvcqOUUYBQqwOJPcBoN/MEXQHKEFcu3ujaFpON32eq1K/WDcqd3kuXRC2FU57lk+3ZteTKE3
-8wZ1ZLBCJxBQlKwX+Yg7LA4WoXeC+t///pSc3+4Kgviq9eK1PYb3Fby7w2QKZBACrOp6q2c8zT7z
-dlAJoW25g0K0CUsCcUZuKrlzdUGjXHH1EniqS2hZ1ckUiHjsO+gleJmeYdqxQiipp53vWQ8wGhS7
-vy+XrMv5eWNRLNfnHA5fzHucBSsc9FM5b23sfx609fVW0jBxRKPl3XV9NiSgpKBxTi087wqIwdzS
-Y842MCM8yTL97lSO2vX+86gt/3XqquPCMZUVAl6ktQGe1mfsDcEro04R/33RDOPkr4tGgB6zPZcj
-DAxm39tO/WnRS8ED7XYqv3Jav1qydsIcun6Ib9g34zXiSVpWXC2Wfyzj2nmwe6946rR5osDUzwMN
-ProAbuLbH/HxS5APK71r0lU6HjQECkXzki1y+Tx2oAZn/lRp3EXjzO6sGcpM4WbHW2dJe5Bsi1Kn
-Qoo4XVp+13HsOLPMSwTfDXrdMYVGuZBPLQYEq2/v7Mab7xuOe2fyCaipPJTtQvf+VCzh4JXmH8/p
-Ng7+8nJBXHoQStsE9B33VsP3zy/XtQo3n3o4qn9MJ87knLuhiNtgseNxhmzEcQa84vWOkAXBQKK9
-V2XP7pE0eA5/f2m/A4sU6yA+RV6Y7+Hn70qYJJAKz27aXoQeWCjGMRLaLPt+tQzlI1ChND3odYqa
-C+LsR0u85B6ECIBR+4Rb/Mv/fjnrUwGQsNokgWf8+mw67si+gjzuAh0uDmEAVNDKDAoZsCjj5FAx
-6ImEt+7sdhvUAq/LklAXYgzKt53V/+sJkfV1/Pq6KI4jY77rwNaGLuXXJaXNBHUlhrkLGecH3dvq
-DFj5wGEQH7KtxbJm67dQlPnwn1AD5jVQnf5YrDu/sACNlw3wiSUAW+aKIx/LOmpBQFlu0g2Y+TRn
-od9Bi9JZ0CI4GaDofzzR30oJklgdzw0w8Nvru37XJUvsKI3Z377cJmDmW7Fl9QC9x2rnrr1fUaFl
-cNKpOulyogn1Y2J3bZzmw9PfV0J+u6mwkjVhBLeU7yMF9t2+d9xeQDzasUtpvOLOZcMUCoxJEEoM
-xbnUJd/lrb1EmojlKFm9ZdkgE6VTa6s9jMAS9v+yz6KuGM9iXoadVSg8vAnNRiYV7JvZtLeK5WxZ
-GfRswOF3NC/Ytcrovx7p74UOWxMwhUM9zyaO825HNHYbZGND2IV3XrEN8qCKl678ulgT6lcwyQQs
-z26elXmk9KlpPHMWqYRhwOhomWv5XFOIjkbhuhtXp86e+NkY/eNZv58HKKXrY6YcAjaYlN8fa9ur
-Sm92IHnGKjB2CLmRXdChD4TfqpTsYNI37qC3vjWnSwaxotI1TC7VxejlozFsvp+mPAYfTWPTjhKE
-ch1sm0XpO3jU4PZt/Ph22FhuQcJQ1emGlCSLxdj+46Osu+Ld8fvlk7ybbHq/kUM5ZuwipfdBZDkI
-v+If3QH949NC0gUQPAe37vudiWIGpYPwyYXAfXNVmfBiNoIcrgomoxKi4ATEB3SIWfM21uJD6Rff
-br8aWI3ekLqoQpEVcjOMPa5Ya2x3tjBnmLn6sB2HIHGk3hZiioSk3WbATLxxRhcDGtef14O7g9Ph
-3LBCHllhTIKmaTfBhtlRenVsZd01PK3xPWovlBZ9+vtGWRPrfnu8OIs2riRc2/b7IbqF+QnkRkEv
-jNDuubCDR4xI9mYweQ8+LAcOaHc2ZKzUDjGavQmd8nPnIRBCBTPDaItMhKU27PL3ZdE/1AoXQDcG
-WfyHNn79/Z96CcuFqqH2B3aBgOyugR7zuVMYND0Qh0ft38/aI0cq0xriRa+8QjZUhMCo5Was6ZZZ
-ULnqnlkH0TP7ga66IfQ+sK68VV5fXNPW5FGpfTi4AZnEPhjZ2yA/5gAFbAcj4WCa8UdTWvDRRAza
-6p3vz+g7PGgjFBcBrFxoTjp5/cfn/sPrAMbPnBVy+UNvsCBGbXRJ61wIkieSHL6dRNnj3Q3CoAP8
-8L10tlAFjHAMZ5DTC6jK2AwBj6Pcc26pAB6jAMrY0eUxJe0lSPUS2jkMkuOQxT0sREeHLUFI8rTe
-9elKYsEVertPV+G0FiNkdrX+cnti8CQeJbfqs9cU955r6YRlnv+PduhP1wI4Ax+pOkCXAnz2X1/1
-4i8OBDT4yFK/FEMzh0i86Xczz6wz4FoANpZbJ0OqaGKp6VPe+18Wy+7vQASsphJ6ygv+Jbf4HvaN
-7Ciq8bkCtBoPS6PwMtFIDQB2DLRJsT03n3NHJL3W/j8mQfp+EkS99YDBoH9yge05zlphftqvkGwv
-zGoccrmNMgBw2WZuLHmcYDmJhZih2lj7OceAAE/TwuyNjeSDSe1dTKrlDK1e5W9skzo7nnt8D2my
-jKxBtYlDnYehh1BO9m0Rd2Cu71ASP3vdGAJgsVCiCLwNohg284A5pMoKDh2x94+B5E9lwkNEkRdg
-0kWEwpqu+PPnC8DLCGsqnIvwPmTI8IEFJdfJ7NqbbjH+/Q1PWxuRo92P0HKXL6bog/u+hSBTyf4+
-a/7d2Pw20uGR35gvygjwA/tdY+NONiVNXTkXRBsAyVjGo1eJMbIk+eIMvh/6Ho9yPcOvtOLpruQg
-mqtP84JjPA1De1AgYlU6gKdGzsvUu9mpWiEqS1H3H7vjDx0/HhvFYm229pLvp0+YQpasCEYsVY/u
-EdkA1ZWU0NpNrK2OfVpCx5HWeJcyeJwtam9K2CPOVbZrmtz711rWx/LuPvXA3q+YNlDa33JDgt7p
-K2PVBP0gIBxn6vfAI6vQKd19KoMTn5hIbq9TsHLZlcQUUZZ7LJ7bBZLipQ12ppycDbRK6bZQfMMl
-m7ZOb1f/WujvVwBiUhyQoCu7GcDZ/OuW473pOZ3IcqEWJHBFRcstFKrB1oBP2YAYbBInQ2bED2g2
-ZxiiViTshiKspkjo4xe4WJecbGG3HZK/F2r/95YBq1tjXjApU0D57wYVPjq64zWUi7JK+1gipiCC
-j0R/HAbB4SKtaIRLtUncoPfCtFFfOrCQEItgJpW+5IeqTY+TIBBB9J1OFK2DGHhxMtLajYdxopE7
-WG1SpAzQSflKLUd/vNFYeXuXKzOdbDpdGug9Q2ZgXaXtOMJ4PniJmu3V5errj7eficlBW4Ikkz0t
-GhOL0nA0p18yQC9JJqFpwmy549KBzKA0J8erIWy5DXsZuVqjsiIL/9sUwrM2owG1y0rkeyAzLOnc
-w7ykT3n7lPbOsLOX3k4sTEBw0k7RrdQ1zlhe86yAdmIEzaal/ugvVXY31PRJOSMNBw27GWBMuMlY
-CSBIVO3G0mOxsxqk0FgwsojBtaJZOZ+h8OVRQ+h2hh0rub1iP2PwHFmExU4aRAXk0XCBQpH+99eM
-+P8/vGi8ZNQ9BweGIhzx121Y1UNTin78r8q+6Ck7N/buBoS7zafWRZ5Tz7Xe89rD/dnNNDKWBHBQ
-6g/+JGOvqPTD1HhxWgh+FhQuuxSXer8OqjfOAVla9oauCVh0mtrYkZzGc63rzTQyL2xmDxFph5zZ
-2aMfEFi8dHZZ8uAbobyJ0X/CFVU3HC6oeQrH3lH7VjefLQZ9NsH0qchJo5e59pZ7uZECMpVyj8Cg
-4Si6aicQqdUVy3Bv5SLmI3KzIEGqQAvDXQD1p7NNLTkmVtBiSCtFEGUp8l3KudF7ViD4pVm3SsUt
-G07/1IrkpHhsGa/DdiiLu8loOLxVGtkDog6037zlAOBC6E90ZHj1FcpY8FXCoyFyImDqK2GGLSDG
-CiEw/Xa7RgkM5l9YJgS+3rWTPG/mqA7e3KC+VrDl5RWZIjB9cW2kd66BARjXzk+4cpw+lAIRH5Tg
-IAkXMnEIfpK6r69IZ2hj5dPsBzWMeAkcsMnCn5y/69Fadj7Dv5tSD+NpchFD4VvJnNb1c9XZh87D
-d26LGc7tlWeo4I6qtettAo+7IZkKWIWn8eRxC0eVVF+7tHGvrBGv3B58yFO5c71hFySAJ6+3g+FK
-WI/8scx+ksO586f5A0l7gN6mAnnQf/ORKrCtkSIzWvMXuRRiv6YK9TwAKwISPp7xbPcdUms2HtKW
-tiK3dFwglQmeBjMlvr3s9dTuM7Yg7AEpSTeqwy8L5+y0AFRwRxWhJ8EL49NH/Yr+94vRV1fCWDt1
-z4gpy7e30josnXOGrZ+IWX7hSiSDGqIJdiO8MYCJt7NuV/mybQMrJK4utyPz7RCG7SCuHAwL604H
-59ziG1cIC4HxD7rH4txUhOynevrs+atEWegJbSjqZzflW69K72czTduhQqCUZdYkqhL/cosAOxk3
-iH8zI9/xHoFOVAh/y0qk9KGZ1+19D9TRrmpgKo59ulFOUzMEYVd5Q+iPOYPAElrKyXGP9AJ80Uoy
-G7swk+mB2JDZ6g4ATm8PC8Am+dK4yxJmLFV7ugwx0m1N3FejiRcAUWduB/3GmyCTdhGS4qRwwgIE
-YBGBHWOLHMIxXNtQuqTIR6gGJN51zvRKr34gs73tQDbcldkblYX7MHVttrdUBfNt6yayZ+4RSVAn
-4A7w+8PqkcCwUSZZyVrQrVrEG5FRHiLiJ98GNjBK7kIpjXtkY7Wde8wre49d6oQg4heQH+DKHdd+
-rQtmjlPnD/D9AkHTbB6T1M6+kBRLKesSzGWAKAsgQvbD0hUPNJvOFADRdvGcADJrtJUC2oOd8btm
-l0Fnf9ZjdQdGwTkPwQV/1fCEEMuvUwujAKRvTyCcdBzsh6VqYyvAHl8/VtYiF6UT4JCmZgIdcHbT
-oH8tAYBAFQpsM0DSwqHsYFzWeSIm7wM38N+M8GAnOFKXVFinW3vG8NfBukjnqF+CIzS89k4szv62
-1QqHpVvV2sc8XbptgeQ05DeAcaVOw/dCflL9h2BSMGyLanebcoht7KTssr1aN75blZBo3HBy7tAp
-8qvhO8Ke4s5BrF+jikMLK3y0rHTerZm7yVKkNNC2a2dCH0deMpQm3+pfMpx7eBsACQVQV7jgLivU
-PUAFfZoUrNzaHaruiNDFW7G7danSFltt5/JgtfJsZH0aDX+G+0qfptFroG7haZiJfABxcV/acK9W
-BHtl/vFOb0dxWfQZSktreyMHG5uxe0Slvd5+b/TdAfV3kHeIPrIjT+bfYINfEJkljpO236Bnv7e1
-yh+HAM+gLkvzWMusgjCYsgstOju6rbTuLRrXPgY1eGSjdFg16utNYLd5OHSVPNy+Ki3ru5vggqeI
-qSrn3j0yol9tWrjwMAZfmzEFnleob4DiE2CUsD/WuR0OxOQPS+bGt1dQ2eJNekqvmVoalrgU0+4K
-Wt6wTAztBs73DCcAWhnfnrF1nB3BTkpk6X3TjYtYMUWqEG602F5J+FvFyjLnJFRZXuu+S2qfyfi2
-3iBb9LYzcOAb6bzctuuo2qtGwqmjuuaDu/D2lLerVxaBGHs5z8927el4kj3SJrAIP2feY++msFJA
-tIC4FLiyMvtFFrM+LgMhCBmwum06we3VE8vdA7WFDMi+Kt4GYWY5ztFHVAtORoWsTlmT+cBQkZbF
-nmHmn74ohYg7CpUtgiXkG7BPnP51moBXEYbaiqXJbSsu5Wen8c1dnbHjPHQPXCzzwbB0k0OAfeCi
-NeG8+JDdLVa9bXvqIaSAzxuvr00y1TbowNJ6NIEUkWBtGxE5nhbW+veWNR3RVpgdHhEuzwnSOndw
-ILBxsldPwaG8yfAor26hTjV3v7fSdQ63JikdBx5Zs5y2BP/GwmWyXhjcKLfSjMOtEPHWGsSeKWTh
-eZxEnbgvq8w7zoqxU5qip5JjUR1IjsibYZhjwdwm8RTMYJNlqV0L0Ves3bKP+zaAOADfulBulhiE
-HiV6mMu4m6fXOqXiAe6IPSIIEPZG2R4heg+VEHSXN9iWjQ8zpG6Bipu31JjgxGp+l7sQHg3IjYtl
-3ieDv16IiBrck+/YU1xsxJTCvqkPgykjSMembVv6bjhi3N0p7e61s6gIYSD6x3vhheoToRCgI9u4
-A9aGG23fOLOATEWnYdEukYcwj41u8vGaF2b80sERbqhd3kk63i8KjlHA5vOhgicTQVdIlrH9HetP
-TjAhCU6OZPVKGuTk1VcQ82FTpdXmR3Ei/X2tYbialAefAJoYKEV7+HGDXt4zmX++XfN2o8/Iw2Bn
-v0P+DmLNUlCg97dzjelnD4dgisxSQPa3o4dAIv9qLWfB4LeYgpClFbCmH2UIl976/3r8sk4b++S6
-ygOGrNCp2/l4sepshjlh+nYbNG5Hb+GIAMlabeK8rfIdsWEHGcdPXoZpB/4x/OAWdOPoOKsdCN1z
-O9/dqmWWDxxCA2RJNhiyaOOdHfiVS3uoICpBzNmYQboAc/VhRMuNuxqSUtY4MaAEvlsQeHCeG+dr
-FSgYUpH0ktR4mXnvzdhKBpWcwufkBZ2boGWJBv15tnC7+pkyMUQwz2kNZr0P6uR2cf0nZWeyYzeW
-ZdlfScScAXaXDZAZA3t8/bPeJJM0IUwyE3tekpf9uOb1K4Ua5SR/KOsnapEWQLokL1dlICCEPCS3
-15CX55y99zp1b0f7saAVqKxsU7RRGtQ5VSEdIK5UckkoRqvyrLftKTE8XDk6aY8aDvB5sq19lywK
-0nI75+lidcVGNfK6jlofteg1TDkr+7B+VmQieYT0VX3OfWBZrV18aBH+r3SO0L1DGn8LfKM4F6q3
-gr6YO545RnYpmR1FxjBeY9kWlobKCS2HwDtgGF10n6knv9kjT7twEdHCJDxMYYGVULsNVfyUearf
-4PEd77IqJ21JUi6sKu2a8A0k3+5gZtHbLMbqqOyi2I5gUIPM4aYgjg9asVARCelpQsXtytN6Qc0x
-p1AOjmITpXWLD/bQDoMBBqA6o9ACQHCY/+Vx/zBgbjvMA0hFwk+Ebg9teGU3VfacpEYfeHUVAiMa
-0Ibt6qHosRqVdpjsyrChVpmzr7X2PBsA5EK06JtB46ZINI8G1DvEnUYayY/iUzTY97rlJBi6AJHo
-EQX0WiAx/9d2yiHDv+iz1CImrnmNrn6pnvQIBlQMWXALT/9VlJp1iLravqrMEdP/fHJ0q7zv28e6
-17VgKIa3kGtoH9c1tTs0rJNf+K8SOTXGAXDUh069t26ohA7BhaBF9YZkFcHFE+YjFVUGSsF3DlTm
-3X6d0w8Gl6EyZn+ncoAlCCjbquzCPSWHfgBVJ6m4B+8KmtR4Fn62z9tBblNINNsk09uH2e0k+XMC
-G0VXkQJKx3ifNYr0PqDcW+hLH1ZdyLDyNvDSYoB1jYXWmZOtUo19B+ptk1oFf3sySQzX3XjFifE4
-5/OXok0owAUgDamcy3C9dhxz8pB06bDP4ijl1Zn7KMqiY59Ob5AR37Du+MdsLOglSITpkYfwq4Vy
-32tzMIFGf9eovNSHwUNTugwx6oAA/CnKzkoxQuVT/hyl5mMa2c9Y+fqbzgYJQjIdRodG3jprdqr0
-b2w/r65SS9fPYeE812Ph7RmGYWa27IoPWlqkk6e7ykumbdrFyQ2cEjim4ZtuV93O0is9KIX8aIhP
-jb+bM+EctCbSSM+ZD24Y9bssnKsPWvIh7velR/wltlQZDGGZP7bIa7Mv6oe1alRIZ1fAVS7GUg5E
-WUEW2dQAHS02MYFod5NlXlDXMnvv2CHp3YmWWKce3yd+n541BonbyibDjQ4AFTTpRNDm8Vff89J9
-meHoaQYfNTcyTFjidbWrCfluifUOx/XaccMcpI3sxEY0pr2LbZtZTFhH+1q3voVaDoZnIU/JKLuf
-c2kdE8md0JbmJ+rWjjICYXv03FcxxVsH+ujDjNbl2gawCK6PxgZz9u4yEdlLMg7DxtOy7LgOH9wB
-/2iVZNzykiuhKNxkM8H7ulixl9/woYE89W60agTLzkwBbtUdB3qExV/bUW9ZNHTK3uJAoWqIszww
-PJs5V4yfcaj5zNqk6k9mUX01RePfShG+ZjaW5rXzHQr9UaaJ2ovajm5ozeGgeB2D6erUjqMLMN1Q
-hyL03H2YJo8AH1+EEBNGyra7Irhe8gEwJV6/wG4QXwwK13sS55MX7jStbY/YE/ub9SuMlNi0wMwu
-bn+H2h8G8P3Fzuiyz70n1JaJWLsZbBupokvMrekug7gKSKVN9o02Ux7aWV7srkQNrMfmNsluas17
-zVMvezS78jO7CcKNPbVqjzh5XU+JcaMn/gspCOi5hvwSi/wwO9ELmkP25A0+qd16K5ykva91OO18
-gDcaHPT35ydstbQz4iBuJuMxbUbsCrl/gjJjMigxPkpbfZXZHN2bjDIwjoU3fVFMRI8GzqJcMfDI
-jOQls8OTKsxpM2Z9da+iDIORDhbAJkscmTw5wrb/wPyb76sf5ntvjPZTS4jJFzEQRyd3j3WeM2mO
-6unI236MzLbeakPYkmVHLdkN8RhipHVhV/R4KGf1msBoxFn6Ktz8xeF5YdtZ/kXXP6m531fQgl9b
-iOtN6Hv3kkSj54b1QU+1ZFdwU20BxvYMvvJPjD79o8Qdx4mSfyKpkh0464mM9VxkibmT9pidhyIv
-QLGQNC60gmSfYec7H9f72Zrs99tJKa3fjSo6CxI4uxgHZICXqDhlZUy0cbyvMhG/SoMoYRzulBFn
-xxazCaD8hZmtD9ZRFzVdDf3Nk66Xr3MqDjMn4qX1i31Z8InacefCeAWbM3tJw6SjfZsWAIsXTjrT
-qfalXsZRrafw3vf1JUywQ9VDi7Mj9t1T1jBj6sf8Zjat7+E0VgfiBgUuTLjLcR7dukNqbJOuyy9k
-EXA2TwAOVDeNr3qlUTK5zpXZN/5hGMx9SCGf43ZYAAVwLMrvc17dTan4kNQisGNILGHRwu/GolUT
-/MX3WWxrU/vKB8NTgpEG3B+q5emrWwAKo0rQInmYLJLTThKetDCEbeiVKfEGKESD/dDib7ht024X
-5wOMHHJxiMXAn+r2c9nCvQjdZfUBHREA/p1YMm1OYTQblbVMKtN5y0M4IjOr4O6kNM/FmF5PRvNg
-q2jcYoil85H5qRHmx7TwN4kdOkFYDLdzZBJ0aJIPtVl8aAqb+UMHAxLQcd0yjOosupWcYZ+e3PR6
-RhXhQHXoGjfZWY13Up7dbQnS4JrAj8o8eZOWqHSzVW26GM6ehEnHMNB+nkReBIWRx0GDri2wYG00
-RsHBlNM32VB909z0oDt/UTO39tBWPR9scq3F1ndfohU6gT7WESwaf9f3IXw9br59ObHEYvTvXKm9
-NQqyuGkoSQy22BWNEW56HmCBNiM8NUTJjoWO6s+V5vficWRavNFG09gweefaJc5RMG1Nosk49aYP
-X8Tfe0VEHtagB0+W1nVS9c5LdaLnsQc1aNJv/In21XLe7KHvMQ4bwQhoGDM8EpLnjzsn5plVmQZe
-HYqy1DNOi5qe03QtFnkam8wC+ho/YyI96A26icbR43dNtWF2Uga6O8BNByuABfV7Hc/5poJREWit
-u6mmyT3Ptf2YVQNDPLcsN7mL/KdrBalSJlKY+op9L8Y1wBl5xyaOcSm6kFuzJmjJAg0J+epy8G2y
-k0TjQy/w5PBUeP53poSMrNQnh2zuBiAEuBlPHNVoIsAOVrjJi/Qsa3jevlFT6XrhM18PHKB+ehJJ
-9jK7I/ABf0GWaD3p5eaKbhUvNTh7XwM1VfsjIRxdBY7IHpWyv2du8xJHxmPUq03cOnUQ68mndGKg
-kPp3Jn8SAkdkktM2nnocrZC2SrjyTbzzB/HJaUWznXTTIkbWeAd4WKADtIQXbvMJPkRujA3cLe/q
-EAhHKorNkOn5vjW1MJg+UUn0u8pw870aSzA+2WM067Az4gnqHpVgVVKVWbOrbc2WtS83CYUpgaFw
-CBJhf5CjXjLmgdkDmeItT9WxHTH262T2nb4vD6PbX2t+aJH1k6fRkR/0wpmDueBNuW23GUwv27WT
-ce8V2a1rJdURVh5UBMgzGfX8aBKq8+zsGCZawjVcT4BO031o8wINBsQnbObfjDjtT1wKL3ZXX4sG
-jI2Rksm3i303kDjwe9zovTzprbnLmIJfRZ0KuP9Jzmrkjjak4fQg9cejSQO7jUynDVpHdjCERLPx
-vcg9p7yrqrppMxOEP0/HA/IyZFR752h49Cu9Yswy2t5VIeLPI7dWENrOWStZsVCEXXlI/UdtHGh9
-VO5t6sYNsP5SK6hl+8ptr9Ow82FuWndISLuJWyfCe5KX09khSTP5x9lNwXya3/zcQJgLSTEr51tk
-xG/gr3JHYypfRD74FeldmSL3N74TCYjlSX6f195pMvrPmUUsZpDwxTE5GycpB/TbSiLAdf65E/KU
-MqHwO7PZJ07LRp+kHe40NBfJZE/JxASl1I03sxZep1oGLyonJjFVXMV8FsOuL8jwh6SFt9JmmQr7
-UQwe3tZrPPbhkfgzFUKVXuiz1EmZ2qMYWv1JmpyekiTP9dxHJ8eqvQM7KvCRTbl3Ccvh66jJ4sbQ
-P9eh863V6gywys5A+Tm5Rp/vYBjXgc8865DzKZ8rOv/MDR9nqefHqbPjvRIiPgx2QzpUDlceqJC9
-20PecaMhgUYr3LvYi/H/jDqD7uazYc0z7BKAjUvSVMd07Hn36y8VaKigi8kb+G7pv/8zAuVvzqyL
-0/qPmrAkD9XPUxCZlbisv7j07Je2ChMM8KG7g8VXn3LbB90r4wvjWBb6MBQJnBFlr7TtgYFRq9HF
-1eDd3AG1b5pSRt4Rc6HGRJiDfTC4Epv8MipI5pABN30yykb/Nba7/gm1zR+yhyiX2nn1x2bGNGxH
-zSfNNj3irjwuWQEIRg6gADJCg1Z8jxzFACniTPOnOzG3LDeQ40vT4EmrogpVkoZssobhWjMfDSMu
-94RM8806+V8N10pv/YNFy6IxmCUJktNHJc8NRbUFz7W2vEOZiGpTZ9iSPNV+NZJ6azSy2ntNVeLm
-dMdrm6c5M2aD8Sm7PFA8QZz0H70JW7c9b4HRNfdEzN5/AqPGR7/C4ukJtgRdOQK8jOIyVtm0k6ki
-LwfXBgUDxsSgbs1Gfe1E05/6QoFVMfGBC+umK4djUTFasYV8Wr1fVegfSG6hMi/vAmT6m+tpzVbv
-AV9mIadHHHpPq00Kf5h1resJBmBmFGffJFvcOC+F1mtM9adTqJt3djhO53YooS8uGlnZxbBu8Xy+
-+9CQUtpYVI+wCjgf9SR5n/dFCUalKRu/lChWgc/o51TmbYyoB+A88ll2FOZef3EABV1ljHU3ig41
-yKZ5PAgNuJ2nqUfYu/LI/8j3tWFpOxouZHkEsm52z6JDrGLo18mrppX5BuMmvnnbqk+DP6Dky/mo
-o9lZS8TLqSoonsDK64J5gJHddW4H2a3GR+Z4LdfNKv21ojpGneFchOffDD6OwaQkKlXZkjrd6bIA
-Z00JaloXm5prAneubgWatO+pqvPdqtZUXvZJYf+DNGOJR01qPMPV2fZC6s522T9RUsE7lSf2HYku
-1FKyysW0G0JH3jI0Ojlt5J2XlRfEs6hkSv995hmNxIPDHLJvVHgkAesOvFQCc2Loqg2rAvojuQn0
-GGd4LLyeikuB0LKnZVC5ZERZiOKZ6hymVX92rWuPFBHLK+uTQSIwoA2Gzggv6jp26ydSowxuu/jR
-GMudNrj2xbWmWz5RnzvYh7gZz+ZmtLI3O26bXRtJk2cu10TkmtCmu0Lsx9hmJ9X66cWZd1sW6k6f
-acWqJLU+iDE7DEvymbzFTbzT0B540Ij6kpRu9RntPT5rtX0cRFedx4xpRmuzGKGwlX0IWwwAtjXv
-3LIYt0no0D/n7xPdCjY48NwPdQ60FY4dWh798HLtlI28tarxber18WLW+NLT8Mt62sxz6Z1ZBYIH
-CFRrHaaSwQJb3prOIHAS9kxq4Wn6o7qgzRfXOovX2LTQ3gvyUHrUxrfemG/9tGa+MQYlhGY/LuYv
-npw+pBlfW6lF46maMD+towKTevy+hUBO7bsceNFMrBKmVHYz2TS03HoMwRM5pJsut8ctHhxcmrp7
-Hy5Z9d5hsKK0INcvE+Oc3SqFETC0zkaaP49LymmNDis+IohOqtp4OlsDVlNuQh4tHvQ+WO9VI63F
-eRbNLg4xq9TK3MG49Y4xPXjoYlUc8ek9xi3u9HLIrnHDQsGMwT3PwsFBUIQ8mHHxbVXretzMM6ye
-5btklFAcmHhdraIUiMpnJAv2cCwi60BtcDXL0gjWy4RhjxeEC8BT42RGfxvTfaKP31JNAmuyPjlG
-A2+3deif3OpkMuYdDQ+46iK6E2JEfAhreCZdYmyjnDdPk33F1bqlhphfrGUTSYbtxndq+CYuuz3W
-d50WimTNcpXmZTkc3Cj8omm4vZYLpDMAb2WzX11oHIkH+mP12c1xf0Szv+8oWR4ngTNz6h4sus1D
-lg7lZowbd0ts6WvLp3iuzJmvbdSVw4C6758MerPVeecmRhN0enMrQchsVw2E69TZZolF/5+i0djE
-yTTQYZS6zp3bN6/rQMuei2kTQQ5j2xQcKLPSw43u6d1GLF4M4q5Ik1Zh0W3ducyxNmE0xzuzjdAF
-lvc4pdYyRn0qVSMCs4GxeuXV+IXnutm5i+k3tqZiJ4oi2vFRImpzeSyxNYVzeBzP0smgE/Zmha8z
-dwLbQOw1mEUzLRzlAVAmSmoYn4UyDojGA0pCwbRI6AFHqkfBZ/gMcgPeD9h6eQa8aT5pRXUJBWnq
-5aVHCeNh2cfTnhSU3MIGxCfQEMoF8G4Ebv2B55fxKCIU81hEbDVIfUqoqSRbOmyrRZeNZvJ/vWkc
-UtNng53x7mzGjvDNaUaOUQarq6iTGOYXjfFCUDo1F6LLepDEAJxXTyVlHsTB9cf6Xvo816x3gLQ2
-4tMq+xNhs4uJU2FD9AL2JsawHUNtuNTI4seSQSMpnSuoco9Z5OUotYSsbb9uP4Qqu4UoRSBReenB
-1eRdF+vjHQn5O9boZKknn7tq/m5YivlG4Qzf+nL81nYiuyARAfIkNDg3BZ4dtvqMTmbvfWSIuxSj
-7gXK25Humk41JLxNRMR3kpe4xvehVSWBw8FG58gAKrwrXFXK+RWxU6dmdU7jYK4GHFa73XSqB8+B
-SpQsyC0ulp7E6b3i9oCFUT813R3OO+MmL8+MydQtbrZk17CfseUkZqmSfsl5bIY+wNi5Lrp9Izpn
-12UtMf4KFcLR1LLKpefr56m47zALf+M7ojPz5vCQRzpQg/oLmw8I1StIehPK4sjeJ081SIuzC3jP
-bTcy7vp9Mtk7N3TyvcwHb4djct5hM4fGPaB81qbxjUS8Cvj3Rscc3W+TEPc+FDHjOG/6nkZ+cafD
-bqbRdpCxkuluqMyvg5cnF1NhLCnrUL84WUelsVpZZJE/YFST2HJSgclkYIPK7A/6jbH8YrWtcxU/
-RDqjeC+LSUzzwIgikAvd4rAfw7r6PM3IB2Yze0+sWbwySPE/I2JY227EHGJw3W+xI9WPcTM2sPlo
-+xR3bxp/MgeYxsop6JfXPGPd5JspTPLA1fiA2kJh7qmnPeSY6iBrsbeqzoFp4qgjIYMtNmJ5xDZy
-GFt+VoFvZ/VFpOpbMXTyUHeoJDmSxdHNTzWesQNgJhGMnjK2roVPJpKtvWFdUhFEPFiCIvTLKy+2
-xd6cUVwEse+xgr8QjtSiOAHBM/aPRkxyzzJTa6NXHqPPGYSqZjc3Wq8+ro8iM+zh1Ea5czTS6VDO
-o3fNmjPXH9FL9I+JXSFzhOo4VC2a/FLTGq24linwXtn37LKQ8A07ab6UJL031qjLhY0F64Dku8zt
-9zMOYxgip5W8aknv3TslmzfyWFM3Tui9iKG87eF8IOIC7Yqt8Q4X6nmy7HMqwzveaIYjKtxUnTJu
-GC5C1KTkQ2knLkKzu01pwysXrbjl/YNVNSiVBGA9DZ9DVrTmO3BBcQ3e+HUlzjAhwS1GDEQi8q2d
-NBi2CrngibMjch+2Kc39wMWa7REkoYVJtliFOSUkOTVU4kKNAXDBjGLUemwtjcVmnRVIJ70pSk3b
-Oy0Dkj4DuI3h5ttch9j95aku3Aodo/64arCxxVqPyrXTnV8QFk1LpR3HhEdhjWnz5FDugqPr6CtX
-ewUIpTNk2qIe40c7Fj7h0n2ppE8PO588w3+29F4/rw+wvtSprWVzdCYAossZvRbTvkwvmIbqPatr
-2Bu6uJSXbxbNHmeN1h6MuUMkMY9lCOYV9jUOn5hVc1/WBk5WgZYX9h7ZLl2aFw6wUkuXsp/NJHN4
-6p2GtplT3u4BI0qCyaREaMbCJGYh0VQccsmSO7eUS3NyXy+RfSfSvhgLAdkyyv6DMCPjqu7s8FAP
-4OTSSndYs8TNkginYFRJN1DIdLzQAL17g0PgMvvRBb2T4946aNK19gN4CjJwUECklu+cIm8CktUt
-dyQd6bJndeMY0r/l2wsmMoLnVTRPPS05Qj0BJ23r2i7S+2e1dF9rkVy7s36wxLVFUAWzVmti5LB6
-cs42AImciRxFF+uKk20uarVJo4olSLVFedI/NLVZHtNuwM/SozdC7JbDx9aInIPy4mnrcvwNsgW3
-0NHJ5XU7gxYNi91Q59E1lxCgY4CrPEPCMTyikA2XecSqBFZtPaBVVLJcpRV+oNx4k4OqOFW+SV6V
-qtI2RrjJIUbpQS9tehI7vU90a8MB2O75evegok4iqaNznKavWapY0ma3I3sKnqMMSUg68beo8vJA
-0jafYkjBbmbpp7RWDHmr5joazYvWT8vHEH4ODYPJyAgR3enLFyceX2ezL3iyDqd8crnFQmb0Qt2w
-BBCsvg6Kdaqjz447ZxflZEHku8WhmLmyO0cebG619/h0hM2a/ox5NYzXba0NeKeAwNGINxcdHA/h
-qhsGm7gi7DvAyt7DWmuyaWXbOWi4tlgsNnH1Mcpj9zyOkzw63oDIZjyEBLU3Vj8InG+xQZVBFhUg
-UnlITPQV3CmX1QERjlqxXR+2BmayA6ulG6AzYuJVpQ5VMQ5PSxoIchaznAyAktN1jzxzsCgTlGcw
-kduHPD2mCZXuGH5hQ0wSJCbtCtsaJFb5eTM32wECysmZx3bnmHm6a8zqlt7VZ9phZIAtYmi74kwI
-+ktYx2HwO1P5LxEM4iqu5wnPsATAtJ8s5XVLZTNJ8Iir4zCDcHirGykxylOfYzZtAbJfAYE8OLVB
-B8z+a8hOuA6MhRfs5Qyeh7Aw8ERfCWAiZ77QK9uNqmdnMgGGxNpDC7qd7Bj4KwvFLKVIz6zfpDP+
-JLVFdMTTXUssGCP350BQNzZMeqpsvtXN2cXc7pY7J5HVdVTT/Sx7AiQ8hS7GLQtVXF6rNO22fbPs
-CWtHmz0FkbmbWmv8rKzh6njwJqQnVwu/d256G8Ive9E08J+C7VnPUy/1ZS/Qb6z9xq8sJph1kPRM
-dvEaJM1/YiwkDeuXulDz3iNbpRXKIGxCelMD+lVawk9eQRZkFmY8AiAYwgacdGZXv02YLz/px0iO
-63sG24F11rnrpvtTnrhXqk+rItJu1+5QK+3mY4kwBEMbxllZ1lg4pnIDkxzqZ0YVUBgjExXa1bPn
-jqgWoH/B2vAIjbBqN82XPGE6ljnj4gxqN/1i+YI5AIHXtQ9wsNTjX1/P1p++fmHrS/DNMK01Qf+H
-8Bu9OnOedtZuK6vaTpyft2zqWpaDj+KwFhzMdoIY+zBTCA5PP9a07drlGwRArxiEs85dvEaVDoRf
-2c96QwljsqG7rJ7Lrkt3pfvsN32zmwbwSW7MhhlfzVkQVpxSJWgi3IRsRR1w7h4jCf65R1UPmrSl
-aym938D+fkVzWJ7OsIUgBIE4T1hL3v4PbzbMRekMbm3fogDR8+EyvhnS+TQvjfBa661fIosMEgYH
-UO9rT239pBp3uIVWpx0rVYttBznVknF6Ln1CFxnO0aGM3xzxuvYjeuvJ42++pF85ANBaDTYeWwCi
-3F9YNUwyzbyFH3rbQAnY1jDzXUlsHp/po4V2cxW2uKmF5e8js+52aZGq7aChmOUJ1rHJ+bgaPyb+
-6LE00SmFzVJNm6DVMdqvzVwjcPioxVsiWO75nhlZ20plFHxrwNfZbhZeKHjEO1RKuA24YYOJ2l+/
-0z/9hhZcA0vnodTCzP3xG5I20ntcIKAoDnn2CmCmmqr51UxruBX9bNEZEQtNh3Dr+c1J19iCEBlj
-High2RHhQM3Tx4ExC4cevli33qxF0GpmZcprBz7UdD1Hp2R73/6vX7v166HEtyTAIxBocXgHP11d
-lmlUTqmRpyazfWFZNUPGJslZagMGpWOL/ZXfDcUlY5/Rtk3gRrHYcuPbikadziqKZBekesOmB00X
-l1TlGzDO+SZEd8OZmNO75NYDe1jAttbfsVax5bohwleSwd4R8reu1quvtsmLSZI3avBPaxH612/y
-VxgPt5AwiR8K3RICzsCPX9BC+BhYWGZi/26Ztsx199nIM1ZaOOxi1mY7PNs9NNtTrEzvLloC97G7
-kch3ezlX2Cu7rDk1rRDBoCcf2NCRBWWBw5mdguNvrqU/eUh4fA/LocbNA/f4p0e1pvcGSgjpryTn
-Fs46PjLCcD3eCg9qX1pV7JXkaWfWU8d5hxjuizKH4K3LzW8+tF/jkLwSIHw+hAIQnt5PMenBrM1Z
-63NyaAbmuXhMvre+sq6tXaUsPRA5e3M6d1ZHK2GIjbR0BmqW1MVxPf4d5Wmsomjkb3LB5q9Hv6cT
-zuRqNXXft52fPh8SWSQ8wObd9i4DX/b0YFeOwTUmM1vaOdzXW40FlgGefZvKc2BbprS5uwSa7xQ3
-r7Ij4ki+Lwuk1oFeqN09BNzx2mRvyF7q3nci68RFqEN+U8H8CdbQM4hr860uWBJHX6L4fzjIKfKk
-0Afl3C5+f2y7p17Hfu9X5NzWu8nr6QxqEtfozv6bRA02qsR+H63mqnuUS1Y+Z9Hjb77oPzkCOKZd
-ElhLYUJe+MfXRZZbs4sxE7frzWi6rE1gCeL3cQZlabXkNkDM2XeVBk9/Zd6sMz6jpPn/6xfyZ+co
-z3OhU6jqvsU9++ML0RoDEDnSy20+p9Pe0njiptaR1TYjkjs4DDq0aVchX49zRpW/lKiSas5HOd/g
-lHO3sLnZZ0dc/DqOtH6fhsIkhF9dr5MKUQ88RKR7bSs3+t1L/5ObhVdOa+4Y4A4M56fv1gKjTC3i
-OLeOXZtntx6e81L67FXUG0JA1BgAmpCi4uJbOeoxG0MJ56jBZIZASF/D03BfDrFBCoPfzpNtQw7O
-hz2mSfuQdZ8KU9qEssJhq2rjsfRpXrW0009Ltu2//x0sh6XN9WlyVv5cWlW2VWiR5Xq3se5roJC1
-/qlTzsNaPYEAfR68+DYeQNHYrAtGfnB3mY7CIK/lQKBk7aTfOUmyP5RsWumImTrZeDOcXcItw5iF
-D3/9itfD+8di1qM7dqElwUtaPG8/XjXtCHI1iTtxu5ole4E30s6YF6kp2eEpQdienW8kFEKCS8Xt
-evHqkX1dsLAXfb6zNr4+pTesEDiicWbbv3511q/oHrBqBqeobdq+h9P/x1fXdZV0Zjar3a1eTRki
-SOIesLaspo/4eOm3RhdrjuNKaJ3J8FiX8WE9DUJ3+oiCOFx3YBceK8d4NvH6nBrnHobkgMmz0y6q
-EiMQyatID6m4W2h7/Kh3uU9BYFOZmO41l81QUuzXAEzmt98oZUuogZm5OG62Q+LuE6Pzju5iqvvr
-N/8nGIKFEG4TZ/Zod+jffnzzuRhsbazYLaKW54PuRU8lSUsmBqYdxHhe9rHeffCaKD57sxkeV/Ej
-z2z/Djz9b17K+uD86TLxYLZCgnJ5PRQYP74WXLCDPSszvlvrqojp+LEqYHlICZCyhEPFsLmxmGFl
-s3urSoM6oQAJup2S67HyCCYRhekdAz6fvuQiU/I07eeQexHv7H3V1QnWjzHoav1jXjnD1sFYuFt/
-mS2MckZbxFvKC+SyNnkobYa5bt/PF0PrPZY7u9lmreLl5HXMVrENZ5X1ZC3mbCXZUzE7E1A0Ijtd
-AjEUtZ/tRm5Lqo6Jg44oM3LkaRlQbyJzppg/FrH1ZT1LSid7yRNgzwkLSnIljZuYvclW3Wkbv1Qs
-V1y4uVl3dg350vV0cx0KwNU6RdFtIlZp/cl3JjK4CS7aGXrDVRYXzv04uB8Zp2CfTG9ZMFW8lnZ+
-q+HEpVlSzFjLCxFJ6z4qvd3q5E9bkrapXQeC0CcaSmcwIpujS+F6D1HfU8LzzSFjYEkuCCkfK/Kk
-hIQrFpLW9nehNzAaQxpRP2a1xiDeNwD8v5ddLE+4n64NEJJLbhoknW7//GQmyZGRw+M6XSewRuHf
-FLZD8Rqbr54+4m7KJoY0xjQdVz15PUO8TjXHHrPAby7UPzkwfGpUE6Sh6XAC/1SrRj6qLZJ6cjdG
-ALyNcnK2a3a/GvQTOaL+sL6EFeXyZpJP3NOw1puGtW5+MT+NjHODRrW7MCNzShJn/k3DYPyK88B3
-aOJ0dxYQ2S9TjF4oqxwaAQOJ6SsToE1UKPNzUxBb7Cq2JxkzwPRlnV0BEfLAgpXDHPO8rewELhAy
-5abyrK9xS4QjlpWx6dL46PbpP4uaZdfCfy0wUf/4V37/TVZTw4LK9qff/uNJFvz3X3/Yz/Dj3/jH
-dcLJr+T39i//1P5N3rwUb+rnP/TDv5mf/s9Xt+xb+OE325LWaLrv3prp4Y31Q+36Kngfy5/8//0/
-/+Vt/bc8TdXbv/3t5bVISKWotgEO8MfNDxr+Gc//53/+cOX9sgPiP//3f/znv/+v//M//8df/O1/
-roIw3b/zcPV14Zkm6xt8Ts4/roLwiS8yRrIXXMXf/qXkORb/298s7+9gYpez1mfquCyQ+K9VEM7f
-PbZTCTZHcCHZLAn476yCcH+pXsFs8dpMimraHaSAH891OycsjfU+ugMsdmi96NxZ3VbKCaktXrjc
-ZPiLiypt/EpWdafa+au/bJMP2SbfENRMCmMrG/WlcxlIW3X4pJVq2xBjExZqXWzK01SZpKhmIhvR
-8MJGtXQazr2rWOfWia8WGugV/Kd95ae0I1oDAaYtyTvJc+GHbEisvpcyfFWWekrjEdK692B6MDTs
-ufzeLz9ybtqrWuCf7brhM+YGQj8KsH0hGFzXGJo9FPapuotnolwdWcHN/yXsPJYbx7Zt+ys3Xh8R
-8KZxO6A3kkiRsh1EymHDe/v1d0CvU6IUUuNEnsoqiSCwsc1ac47ZaHBIfF08AAsgPM+xdtSiXoIc
-Hrvlvdmia9zUYHWyzacwJxbZKh+nP6lDWORWYmNVGyL4/jN0Dv9/pvyftEkOJJvW1f/+v8+F/MsE
-qqJvUDmRgVsEWmJNE+x/jjZVgLUtC1P/IMXWTRvbhMLTOwko1BZacxsScddOub5VO5I5JvYkUChG
-Thgbfl585nht/DtNx66EZFKD764GUuvSwXw1JKtzmSvdVkH5npYCBBcgcN3AOkfcwoHKJdG/qrbV
-U/m2iTSIDTYI+64g/TxACAGN4p/a1mhVKO4mdnyUObs7lrj5vM4SE0dBUGwbEs/0+x353Cdf3hGN
-U57D+6Kj1bq4IxgjirCpM/+AoTOeYbSAYCoLjnfFh922j0av6q5CFGtAoJ4aNHdd+jDKGT4ERopi
-9U8YnnHPRIivFNO7hsYs3BQBj6PUt2nJFsozF71RxPOo0/8o3H3fUE+5HcjftAmFxH7pYtfWqD0x
-E2kUH5xKWocpgWa9NS8pCNvpzug7Enl33nlQOoZ7A/x+pZUORsdmEerxvLCDP45W9rejFZdjszjD
-PmKO4ZK+ji2jgQ5thmV8iFtjo2FwJSL6Bl9NLYiqLO7t7tUe1BtMTA+and6LDE1Zj7XP8a9ZSuld
-A/gskpmUcuG0oYgZyck5pCDqGctC9EccxetS9dY0rFZBkM4sv5izG12OYbIq+5cyNhdmOm7wZGdL
-dpArYXew3pxZ5sH9pncjLHsua9JaZCmUe3VeNgGxAObM1wSyCAf7T7Ka7o5jIkIRCpuoZmMLiSiZ
-0EVIsW08WFimPKvRW0qWjIaNDjExYooSk6NMJY6+qUOMQB6/ABGAFOxsTMLgbMzLWCAWISn2PMlZ
-7DhnhT97g0p0ZhCHpr+KWn/sSOaDkbIc1XE/VigfxOvvI/17BVFVFZljL2NcV1TnsnxQJL4wRy+M
-0fj7s9qXXIOIqkh/rlOZaiFY/WYmp+M8Ri8xXZzsmRuambOKcwsl7wVbnXnJqCkDE/iIQEqIRnks
-FjmFT4mGYEB+TwSEyeGZaRgeGh+buUnH0srmIo//em+/bW9U1i3oS9N7q5rswr6OtopXo+gDAjMs
-T1/BgzuM+mJ8CeFxeCppWPk6iaJDKKGt0k+eRo/MKDegULZmYoC0MjYPRgnFqEuvda3aJD3k5xi5
-f5WQAVBBMrppKN75fYkjdTj+/iCM7yvhtORaCsccVbe/dUXMjBgAiznnIFfdoQObPtf0dFPoqCh9
-f2M73Z0gtIZoS6iVanUHnwJy1LmGLlKIge6uttDD/KaLsxtDNC8BglIZxjB5dmgEU2CkpfURRMOV
-V8bgwN+cUFo6erDWBu1BGWKw+6xLSaY+C086dZW9ICobdUh4JZrsGYPkJvdSQTC3edTHcVFq/spL
-+CHMmygHI0QWvafjQdPJZek4KiR/DFNrKgN8nZBVtva6gjNUp756yR3V2N+LSArzA0vVLA+eiU48
-wPqmDSi6+yBXngM5IundkIggEyjimu0gDU9DWL9KLbO3GQZn2/MbtxT9zmvtHdHqtyoxa624lYPs
-NbSIek6xqDaOs44beFZBMNwVdXOe9hAezV01lPeBqj4kYXdIbOtED2tHKfc0VnuM3htJcN7Pknu5
-wyQZD/4+7+yz39PU1DCoInJT4Qqme9uJt0jYVzncKBe0z0EjlVCSnySiKV2IozGgDf+olMUNTtTM
-ls8JoU+uldhPA9xeOgtTavX08pwqgZ0rL/C6VE2xCdr2qVRM2qk4pXD8i6I+555/hcFug86Hhq9M
-RJaN8Uvx8VL+PnS/0yxVHg41XYetHHuIy8of/nEP0zJ6vLqYcD5RPCtr5R/o5sEVIx3H1r4TTXCb
-+USH1BU82OyFpt1SVw5tRzQApbd9mTu7lpNQRVI3tbgdh8ndUCMIMK4n9o2p+kssCTu5V5/ptyK7
-j65yecphxnT9+7eZpohvI42aFBtm6n5QVS+mkLRkJ0TsxSHN1I0kexvH8BeSZ5/CwLn6/aN+WKu5
-cf/5rIvykhDs2noPW2Td6gvPN1dxegW1aGtH/tagAx536T5Wg10VMtj0Urg01HwMes+ILZ7MroLx
-Vf2xf/jp6yt0lxXS3mwg7xeXZEiaTQ5okR3aXFr7cb71EKqMYXgTGtEfJXX9p5eaOIyJE8qE/a0b
-kAZ+ITqopp/7zqGODkmPwy8xwwfHKz88yTt3KYZpq9s2ZnVVBMnOHmAkt8NNEAQLu0zn03SeDQou
-pvpfzCw0RNqiUofdQJCLxDpLeOijMCcNb7MZC+KMgxwrYiLaWyks54OMO0k8F1TWMZ6NtCHDeqWG
-4j4w+ude7ig+nmIQ9x6C1Wnkmb2pwzTkLRXeeHQC6r/VI43Yuygdyj+G4Q8rGU0kdobU04krulyX
-tX6owhE0+aFgbQ7qct7BmWlgoGUN3segvSJL7PfR6Pz0OFR2G5zG2BEYl8VOVSorpTCi/KAN11O4
-NhKbh9q3Xm0PgSY53DrEsMe4GvY1w9GCiOL2Akm+lj2REP9BLs4cZvba8hpyt8lMstiuiUDfl5hs
-odqfHSg8s1Im9DiX76Akok4YbE5OJpsHcZ+1r6nR3n7mURj6c2iKK0NrNnKxoVRzwF2DCLaW91pf
-vmLhQFaRub1CxzUo1A+LDPrOSe9zDGFurdlLtZVCTmDqSIr3XhHNOSvFwhi0+8bLtj5xag0fgdZ5
-FZvaxsPVEdvNFUEFt95QLyKYYZCNpaWXN+DuytdaMY5NHVKSQzbXkUWY6zeS7WwcdN8uaXgzG0lN
-W4Z3JaAK/I8xSTYCGGakY2IYKYw11alEdDuNFOidkACR8uuE1Ka1g3krPwbmexWLk5aKK5sJZ3rT
-dLm7GqA3TH8nd9Lt74/6exmI3bhKrJ9pUweyOPp9neSaQK9ww7fxISyTe3q+69EryZsL63MWFs+k
-1NnJLq61a8dzqDETHuIfM+SUpaKdPIzTMBLJ9VH1d8XU/tgHfdLwL+ZfnRoeUkgLtY3jXGzhghoJ
-oU8O1yFF6Ey9b23W5r3UFltvyutDy+ezBe+Q2KtRsigjczH0mMDKpn738V2SH7xUh+lF75X332/a
-DzOjbqjGpMRiVeBM8/WeTd3BwlbT7KDnAXvccY0e/aokDo/I1j/SDT8bTpc34T+fdbmiTuQBHbp7
-dsjH8FkSxiaXxaJrqa9au0RtFhGwBJmuAFcRVe186P/FneHiXd7lcbMo8fKO8KwoubjITfeldls0
-CbrADoxlhXIhqjagW2V65p83WOibiH66bhWUBYfnZETM3eDoAsYz84NsJ3X2vZZ3OwcXXjHkNxWA
-i0K2X52wW2qjceAg2TYDByQ0iX1TvA8pifX08Ved1jyRYHCY+GBZ591g39wYTKgpwQEYFY6mHVzT
-e1v6o72e/vt8skX46t5Rmj/2KN/qsgx4Q6UQNkVZssG+OBVrWIWUTBbZgcjxVaykG18LV6PtL+jm
-rodWPf0+Vn6YvfUpgJlJlG4iVPqvYyXzOlv1hyQ7YJq+AiL/FAX1IvNAYNQO04R2LrHm/f6RdKX4
-pZeDhgQgZwodcVTtcumOVLI5Et3ID40cPdQCClo6bdDr6sOCx+ew+QtN5UAm8S5XoIdCGs/gY1JV
-gidBfXehgZBO5Ws7k647z7/O+jS5sarZWA3WknSd5yY1wTX0poukdZtzXplxODihN1z4kgpjMBNH
-o5BOuNHvqqzaji7EFuZlEsQcLwKLl4sX4AQ71MJbpUHPP/2HjdE8KGa3Cnsga743t1v5Q2vKdHKR
-+C4qzRuS5NMBN6aRtfeQeO4aYqH4IiOmjLycw1v+B19IzDtiB2gQRbNctapl0k7bckRlau8gHY0V
-Ul/6hqvpd8LMWcShAONohaKgwnoEToSXuq0SOKBW6XqDvS4c8ts8mrRpOGpu4CXo8Q3ICnmErp8w
-zLfIhCJaOtpEGg0RCVPnJoU21KYuiR5uCi0hjjyt42XV6KZLXi2II4ylLjp9vdCvgXHNtbZ/1ZOR
-Qp/yIjXFyerPcjPeyQrOXQV9hkC/Wifeux7aA+VKr4YYG78bBMRYNZjChMiDuVUWiVvhpyyHGrFn
-69YpcScNyYORiDdJ0r6kXdrj/vDvpAzmWxJsZBSmC68uXsb+EWFNO7M+v7mdv0Tdm5RYCytsfSoS
-Nh7j3IQXWySqaxko8DN+U1ePBCey8ONFgjWVlmQDbDKVc3GfRtdZAcZT6tqZ6lE9bDi7pHJ7HSgB
-xIlyeFBJDvqjwPRdHcSbzTLGHpKQJHoaF6+aAg5P7oSVUcBYdKVNsjfu20LsMNgs2hALgJZOlsal
-MojHqpMXjj1sFcL8kDNdIxFeIwBEs7aysOFFnMx+fynVn+Ydk6BaGWmBSpLYxUKbjnbSyqAGD0He
-salqNm1tX40a0uVrpqNbhVTUIRq3bZezr4+UQ23WR68rHyrvA0v7keSGM5T4U9VV/2piCNtp3fOr
-Faaydd//U7T0ZErm3A/GK0s4698vXv9pxbNk8CLTPKbJl7MYb3fYIrjPP3cJNcZx+qpQTJwl3VhK
-dsoGsNO60p11pTlXBZBZRfQEe0YPNtciA8jBUXdrxNpHlaVkzIY4WVoQK0Qq5pZ2XTTNtanET0Yk
-vw/VI28CrcuqXNVxt+4GFWKCMW9rXDM7tOOPyLdR3OC861CSWCYE4HguWem+mQp4/XiWNX9JdXut
-adVeqP0fR5WfTmr0tS1adDbB1d+243ZBnryWGclBrd/ULKP4V3tkGFrhZgQLxaIMASX1rrO2/yfL
-5V3Z1dDYy4MBaqKbxC/Udv7aw2nfp3vGPBMBBWr6n5fTfSER6xu2kjiEgZ+6XNRTbqcYJIKl1SIm
-LbNVJ3WboNe2stKvjKpbDU0yV0r/jzH+OYYv1h3KzPSWNFqfOrK1r4udgiJCbgjwO5SOeWrbflXi
-kIklZWHWGKGU4NjhfNXUA4mIVwMyGa1eNxmFEbs7VAEm7Vglh7tbWaUMh29Yql4CM6JaDOqLWVXL
-gDQ2rTKvLIzKkSlt7ByTStMf8mFD73pZ6hLFnGQNkfShDsx9HIMlVj15WfnSu1JjZtebu9/fi+9S
-MBLQUMRq9K107vxlk7epUbJI1NgPcHY2WiNtirwAlwfgjGtMmRRdqZfcJCivMi26CWgEBSphwV1y
-6wfqwbDSP0TGP23nbcRf6hRaSG7EZXXMrBDYkKQXHWzlqIQSwmHrJKzggASQRpoTb/Ss3mZ0fdWW
-LKdAOXhN8E+1bitZe/f7Zi9y9R4MDMkA0R/7rh/OlHQKCZTiblmq/L03jw+5bzNSkrLyJBGs3OUY
-/KRzGxUU9cfXgTiCQOh/FVaUH14OnoxloddnItcvC8HqgIIskEhn8pR6PyLT18bmuhPqrnLadd/Y
-a+yzU+QSeFdp0xrWXi4Jr/X/xUnyTlHtCi7e0pHkuW1uYAwdCgxzdqQjx5lAZBwzHCQlnbMHlLg2
-7X8xlH8KoFtClyAx8bytAtOmU1Ip8C31tU+S87ufSrs6t67q8Cb229sokI/IeqkvJLddGV47Y8rc
-hckEhmQrJzsTxJE9kDVE32juKONxMM0nLzNP09jHF1XV1VkeIZ+EnArosghQKoIghL48l1L+4SmQ
-WRKUJkUY/Osaf90ZYsUJfKMpH0EWrO2EQ3EDNr1ddhkCxuIhN/X7kJuRx5RPFOdcpeUZ6tZrEHj7
-oKELkMRXmpwcW1PcDXa9r0hPqD1vjfEXOEa8Dm1/P901ziBooukOeqA4rSWgCKiFxH0mEIdln0DN
-HOaUhJyoPlf1ezGKY4vt0IisJ7sQ91GFnol7F0vRHxuFz+S6i2mKcopCL4oNMuW9i42CKYkIIoAd
-HTShHZokWQU8EcUaKACQqqKUS9uGolD3a5DguE6jYylXMISVTaIqW+yoe4HavWKjqxv9yi+52UBP
-97nfvE3fZ3qzdfYPOqm4lLCidznPb6MwOfw+93zPHuMlR78BRZ39hG1cShXxM3WaGIrwEIFYkoPx
-BTDtBjNQ0Hb4lEmKifX8RJpBBRtUuzVM9qZ2sZz+Uij6da7UwNmrrdpkhOxeBYGyyy1oaU66g0L3
-DiojpNJdrAbyRpDOvDemvlJSLBOFQRC9NOxwA1wX7WMBydpgpPaifvj9C34Lyf0MvOF7fZ7UqENd
-PCarDqQytaqQU2V+ikmcZurC5Etg/Ruftm+kBAoK97YdjL9W1B/2OzhINJWoH6ZTTb+ofXrZBJXD
-e3vwo/GNEsUJzN6NMJHigU2zs5Riob/PIk4HLTw9Xl7PRrvDdIrriaQ2w+PemX8M258Wm2njodAb
-YieGA+nr6hq1xJYN2hAe4sx7skS7h3B0RI2ZIBTYRBxj+iHfkG4164z3psrdIC7mnifwIwSHmIr7
-74/nu8p3Gn/0l8FQYt7hTP31ckBVNm00AhlViBJDt/40zQkepNjMIAdIv/YNqth5erTgXzq9v09t
-49hqKKMTsR8LeZMFGNk5punoM5RaWcn8GquDw0No9++X+oOsgUt1LM7fnPwVeuFfL1Uya0m17DL8
-3L5KAVrjvDOehn5Yq7weNNJedKtF1aGRQS477CursZxNr0KSjvVMj5OnaR4EFbrW61XQ2XtMzNvp
-5U+a1o0CZWOYAGg7c0uHmiQxZx1h/jSVHFiEvWpoNmpOsPC17m76nWOenuowuc37YN+E6jE3vLNX
-Wyv2un6SuJhum7K4U0rr9Ptd+HHao2+GyIZ3ScPC9vUu5BWnD0QM0aEfkn8S+3kOdOTZKdKzl8PB
-SaZIEj/Yo7q9nSY50mu2dtoQmyEtas58Zdntp6Ut+EzY1A7TzFBz+oCP9WgVDrKaZKHmoFqopmqA
-4/ISRDsgm9+/xac/8HLyBpmnsc3UafBeFsQsrcv7PpSTQzAMq/FVxNGutbuNYqUrn6WssujKhfpr
-l+2Aed36RrdPvGQLKHdGcXiNonjdZmSjgNBIczGzVWcL3PDNLMN1xhYpSOW5FZdnMcA1aQYMqeNe
-1fJ1nwE4bMvd9DNs/tdBHa0FF2DU7UbU6ZZ84ZU9RyYZ2gQccbTPxnjf1uYCQdahJpm9TLt9ZLwb
-ibyffl5k9ugKopPUhGeuVPJ2rOLNdEgIOFKkjr8eJWXp6SqAreE1r7GztgD6FGozvfNHvehTWnV5
-S62pzq9SZJU52nwdGIbsR0KTrPgwNt1GJU51+rOyg3tSvLc5zY/MqObUA1aRHV1ji9hMd6o2E+JC
-7Hnuw6qwCGSRPm+m6K19umsK/Mb8AFsvHxVEdYI7e1vhDEuFuQhRZ3RSeZ5+hMCGtepkW3SlV0aY
-r/C7rdqsv2+J7SkBhtS9QRQDAcx9e5sk+n4i00kdRvPsdaiaJ5S9SE4xqvJrlL5606XmPN2oDrAW
-Kol9wEerDZgEwx4474MhBUKjFvofd/DHqZnpxUGzRweLc+HXOwiqPbBAJ3EHCYqTcfTgklNSBWuq
-mFnjA0IWsjriOTDPvvTmtT5ee5RdFZrNcAqCP65G+2mrjc2X7T/WUFIFL45hQx/IctKy4yilYlfF
-1daPcVjA2ARSj4eiW6dh9Zi/iNRaKeR/tQQKGCpsZYatzCicns/0PPgNm5wb3LUbGR+VFvi7whc3
-clzswMrvZJJGTDVf2I2/l+Jboj1vNGKjFJ6mPUjn6fWcnp6DaJSMiNteWg2R9df2/oeqCuJDVmlu
-Piv1pc0KPznsAaCFB78CBadU3TmXoo0mdzeQNW/qJJk3TA5q9mwZqYBu+M8v8oWpjXMnSQK3LULX
-ihsEwv4fS87n5uTynZpsrchr8Ql988BwTu9SyuoER7Gvp8tULyl5bTORrm04alnFMIbOy6W/I99e
-NBFepnj448hlT0vwt4sgVQ2VPGa0b80dpWWRtroiPaBARYFUAn3pMnLNzXCZp9RVYD0OkXkVIX8y
-iAer4AYbc3OodopHPCtz1LpvzddIRaEe6e70hPtK/rAN3I70Pd1Osg7IWG+8GtZeY67DZVs0K05I
-u7xZ5WWz7Vp9h3WsRywSpMPnK2B34dIrs0c71Hci944Wrvw20OZdFS39ClpIX576SiHZznqcJmut
-01GnK/sIo409AKBsWv3WrsV+GqXTbN065sq36s30v2FgBAeubIYca9pZ4owrUzKQ+/ybZlZwfDhx
-SsAPrsjzc9dZqzE3Hh0lc6t8EznBcz+C0Arrlzir3urY6ucS8PYSmP8fo+PHvZNDU4DIe5KnoPl+
-nS/i3LFqy1PBmHDaqFSLzqFC2ZECLTqdNjkIDTYJ0Q+OXnuLUY0cty4jV/GGbdgrzxQ2BWPXP1iF
-8YxC042q4NhDKQBG/Nbl3SuZOX8N6O+GPbZ7eGKNTwnx1OL6eskBbgxTKZLkANIiA/UAgmdt51T3
-zHblSNq2Ka775NkMjUWObaDHZ2pzhrRurQptTlISoNUjk80xgrVBu1WEPQ8zsRgFEEB+5vdNwg+H
-fk2mSknowOQtR4X/9WL9rBgy2+6Sg1lwRPdprobFseie8g4Kt4ACAoRZ4uCnZfVatMYykJUN6Ou/
-qjHTjvzr+zddhoHfVza4eZc13zrqBg1QbnIgjnPZR7edDnZ3oHDAJViJuUiiYeHFGLzZJRYZul/H
-5TG30Mj/uB/fVwQuxJI5NXCc0uzLDbBqkYPi+whtwV/fG3JDQG43183o3k6jhRQ9NUKF8fSU1daW
-7ek6Bb7X7WmNL2yCIzARUjxs9gOncfWPCfynC0NcM0nMsYHiUf36oChVU64yeVCD3xBPaM/KNF1I
-RjmXjO5YVJjrKrJ0ombz+w353iDT5P9+7MX4wNPHXpuNPptYrDCqVFyPurzuFeuvavGP38/SmH6p
-icpYTr9+v3FQG2OEN37oI8i+ifYe+fFBONoV/OtNQzoeHsG5J13T4sVWP3dadV7kj2kWoLUE15Zp
-B0UbzuRBvkXRH7ceW9234Yk3BfcHNUGNd+WyJIcrYeiaNi0OqQJMd5QBWVCveMjZ5m2o3N7I2EPc
-olWLkywfs6IjJKgyn5gYmf9L07XkygJU7F1JrQZ7dJgxr69aRXlBh32nF0OCCqRUFp4dwmQD1k54
-5yo0g8oNKwdykI9t3B4IFzXIO8Lu5tdo+6VOOtkWfKlxirVMdw4/q6Lo0TXX0o0X5Kv5TASgZfRw
-Ts45iTaFeaaRdwwE/h5hYyVVZY/wRhlds5m8aEkdLUItJIs0Ge/1AjGkBHFipkcyRxTHnqs2zbo0
-5Rw60FgiXAZITpdiEzIcuJGaQeQYuRB++WGhWudc6LIGWTMjteuZHAZXsSYd00RSiUmE2y6qjEm8
-ATI15MQSAgoMbY1tCekzjZ89hKQZu3EBSC/gL+ryrtWaYtbAmVnWBJe7edWBHowfokB/l0rDQ+KP
-W194JCXICQ1HScyJBdmh/LoB5KbOg74VLJ6TJTN47CXvumzhehsR/Ha78pMZiKCKLrq3As296fNY
-mgmb+wY4eFn3rN+D10+76YwkdnOW2p4xG+W0Jx+PoJ4EXhJqfVIVIrIJwxiGWRO/d6jsow5qlSxt
-p5XanG5Kp0dgikENYchuK7tfUKySZk1f3IdQ03QaqLMG6yiZPUtfA+kwBEpEOHffX9mgTD2J1Y2i
-idIJ8L36eC6KiFXOv7aaP1YFZzrHfJ2OcYahpMLha05ezotVNwDCRs0no0HYDJQe5PeAhyNs6yar
-m5FZOL8tqxTGbqbNhwJ9TtM4V0MT4VwgOHxiRE7QtlOjkOFVV/nSIE7Iq3cRiksOTNgMlfqfpEDo
-xu7rIj1PZySVEmMipPu2DlARol7E0NHDqw1h3PqSsjfRVqdSNLgF1DHXge9N6sYErVN2TUaEQtCw
-WQGZXboyMM7RzuHca/AJybmKKrta2hQoR0jsM1S897CJh2hPcHDDRld9jtL0NhpoCAE+6pYpTNsZ
-zreC8a+SgBTNutyyCeKIbxBqLCIim8reOpspRWRLhe3ARRkCKD5xe6SiiTcR0qnJarqqAvx9T3M7
-gGmpSorG3wpW2QWiW21OrKY5H8JHvn+DxNR+i6gZoES1F35lPNveCHi/cwCkF+ZaZ6AiJh7mMiF2
-M5os8SIotTlg80NDKsXvU77yfTGefIEohimh4ZK/LJ/1MV7RFD70oSK4goCTY6BS86kNcxGDDeiH
-4krVzKdUWzupfMWZca5L+oyeDxgMfTD/2JorhPJ9G40YXnTjU/RIVM5l106peXOpxhYHya4oqxYz
-3U/IiWVConXPRGP4yn0E5JNliva0QktUaq4RP78RmTMtG/+CIAxnXq6/pYn5MIKlkjhVVEE6JYR6
-5Uw3xzff81jGvbnZIjIrm+HDDPQXvVVnJpEvbtcNd5i834rWcocSZ4pq1w+h8YIv/C1v2zeI1y6+
-KmIw7JD4DOu9Kqx9JnP49wOipUTkPUlq/1bIASEZifYErXuL6WQKyEqf/Lq7zsdmLXsnrvM1ITk4
-00iQSD3lYYJedHJCaaBTHdB8xabnUZQG8byZ8taI5k4DhN6k0rXy6BVMlhn4ffh5wwO8WXR9xl0E
-mdGNNFpIdrLpdO8697FbASIEB0jXLTOsJ/wmbiuRLoVai+0zU4zeNncU/VyZHgmOIgJ6DJSJ8CJg
-DzTGCtbwSs6tJ73xz59PAJKTQuwi9EaYgxJb80Jvn0fTeWc/49K3NmLroUMEp4XPPrpB3pfoNjKw
-abfg8ThVw+PsJLJsk9ZlBd8XpPggDETWTHTRPDeIeSL1BfSiPtNZkhpb3A66OHtkWo/Az1Vhnxz1
-hWH7mhsbxZGOsZSsYUnkN5KsvsgkrbmEaqGekdU9eYePgYG/V6fOkhfvUtZ8JLL19Hk3YFJDazPr
-J2UMcLklQJSi8jG6VlP/foAL6wLXYDmHmFoY+hvAfNr1UFFiBfJ5WT5lI//JNCYsZv8+8O47kMMO
-EdONpYE3JIAx5tjYKNrapEOwHuERhWBRMU6FM31I9npabYYewG4a0NjvwnynE6QytMWaWMBjYqkP
-VG+hDDpPFfjO1hkX6l3YB/fJ9Lm2LM5t3d2FALVjSAli+KiU2OfIMzx4kbksSZjXE/vUGeG96vm3
-eVvvFIKdAqsFgmoh3KW9ZAUtuxVyc6wazzxt5psWN4RTSqc0lJ50fbwqrfdG4gBlapiT/RUw3dtO
-Ge6moWjQP3UHRb3LjAEar/pW1NYTI/wlj5M7DN/+4J/B196JUty3HqKuyt6YJF1bRnsGU0PGgS+t
-VId9TRy8mZqNxUAc+RxgeP2H53w4tfLum1MLOYZhHXqwdKxzpE3ZD21NI25cmibSJ9IRAmdCvL7J
-GKfcZpiqlRMuFkTdKgrEUc01EDMYXmKTt0yXcBdGyoomy+FzhLdESlLk7e6ieCDXhGhCbhfnTq+E
-IsjCLfqPvPCZgCToJf0Q3PZNcMA9reHuOTOrVm6j8iJVCYIx0I4wmXjNxunVQnvi9gmpK15+b8qA
-2xEmgXo2xlUhxTPTvJOdLa/dhxWyS6mzCLWrj92LbGnLD1/kNvyQjIAOFpMD/vcVaS6v2lhiq6t8
-gLo2zmRDgIziuDhTI+O5KMtN061iY7gzyD4E7U38lc2Fd7za4AS5Rb23KFL5AzU3/y6yr6up6ms0
-r7xAizjAlJUF8ocRWNgMwX63qn+k3zMjx+I5sdELl87wJhnVDPnHVd2aHUReGzyjQdxpq61bPTcm
-vfONinKP2e4ARVZ2P9+jSI+WUQ6CmFSYTWXxWmbDg6/ZT3ErnTgG3Cg2m8rUeJMTXB/Tv8g1+Y6y
-kBT9K+PmWVcZ2bw2K7W/LvXqyZkwWnWTz60KGcFoxiTXB+ZONtJ029twPbUgw9BjE2USBqA+fY0Z
-puy3BkIu6o6oYZ1cehKqp610EczrtJ8gaqYxqwQLrtG6egp2Fdx4inwuuw3TPiIdhSm5EfUx09qT
-n1VXupYSMgfLN/SZYq5Ua9bBXvPzED0wC3hV8ZYqQUNsBOXEMJ916khSaGsCPNVt9C6RuC3SjFRp
-5WUILVAqmn4y5eeiGx/gJdwPg5qSz0d7L5dPfhURCOWv4ZW8mkzDeiLd+VK3B8kwm36gG6yHMTF3
-fsuzTlq+OFl+fZTKbj2NOXCvc7/17kBxMNuzabFo8hZ978aV/KbXhNMxe9MYy7tjqI+zYNcZ6q2i
-jnfDNPiG0D4Ntn8tZeKuIzeVTVn6njX9G5yZwp3+T9/tuzZ6HhVicqrhHwnxKAoptYy5h7AiurIg
-NLhehc2osDJnojHj+rzSNMKYkvaUMGX51fCWhtGNYo6LvPJO0jgc89xAAtG2t9ownKYD0DQwaKrf
-T//s8M+Knz1W9fAWOuwKRPGWreyKxsr0pZgnQvb5yX3EblBvVq3cfnQc60GCu2JKWis4sZEl/oqM
-uZwFBThqpHjmNA3qpv82vYCZJl48vTiCg54PZrxEdH5se5/XCDSy60ArcqUC0KfqXyd5iI5Yje9R
-C7qVzRs2DdgmsnLscejZh/ZK8xuVJZV3zIyD9xh1pmSIB8PYCMPg0Kc+piKb9x1ND10J/JmVO9dp
-Ld91ssMJR2V8KiMdMP+fjp86QIqBbJm8JJREhThNSUF0E8hOrJ37RDNfNPKu3NoadslE/huTl1ZG
-y1vJ7wWgPc5nEB8yuvOJ3BM+QBZ8WaFOzC1p19jBUS3XIg+fWryduIkfB0+sw1ybp5r1TvJaNNN8
-cSC1jTAu9cXw+o+u1g+dw2Ij3SVZe8Kl/AAOg0TU6WYScJUV8g2U/X3PiV4FBJTo8oM19Ldxod13
-m/9j78yVY0fS/f4usoURkNiN69TGYpFFFlksbg6CxQX7DiQWT9ILyLnWfQGZCvl6Iek+hH7Jnonp
-Pqeje+TIGqMjTp9uslBAIvP7vv/mW1RjHmgIucAPsprgg4wJDLjxU44oQ/GxDGERtAwBrHMYGQhd
-dZ3pwAj31EzvCywrwnC46y10ZAzqUrZpNJOYX3ZmwIECQ7ZxgzsT4TQyGnoMi6cWRpeV37/0vXFl
-16h+jWbv2vh7ZhORluQu0XFktBQkKHABQQ4UgbzA6YZj0LgvjUW2KuzbPFJlfyS/Zi956ES/9eZ6
-O0YtXEm+n5HWrEj3UxoUUj35qvo+7Yj16XVy3PAypiv8SPrMWv8z0un/U6RTQhmyRJfJXv/QI9Qg
-vS9X+mRCYHjAUsXOWQS9eA/o+G9rrPf1YvgsRHOlTS1kGyMFjbT8W5NYNKgVbZnSR5Zf5US6hVlg
-k21349Kvivc+TceF6S+1QSd8Bqvo5UhXjYl6c8RwuFvh8fXZwBkOneZUM6dexI2NLkEvdp1j56hq
-b+1hsi+J6DgPs4qkcT/Dro53okF+ii+kdtE7uwRy/AohJaHemLqNZg42nvXpzjSP1QDLFIhUA2u6
-MFliF6689LwH4mDF1VDlTJlE716laoQ1BtFlVyTZNuLUTZnWASLgY953r3ZBQZyK4NrFItUMk3t7
-0o5CRA/ehPJHzJexuIwmosmwLiHCz7iQrV3DUjAYs1P1BG9Trn/MkXjDvedDBNN6dLRrn+EzRCxM
-mMeBX48qKom7je6T6uq2J58ehQ3zVtfQnZJzrOu0aNFzR2e6tPzCXtgcC6M+kzDq3rVJd6AlpqIi
-ubYfrr8LPmyAPxh6N8ugtWBxmlfYycNAzeWDqEi51bwX31l3U3bOdfYFB58fPKUofts2PTs2t6AZ
-nIcOeIwciJoOp9p2Nk6q88zgKTjlafIkY/I/1D9hdF9WkqaJ8i/XKN1iPVh387AWk0feqn8srPw5
-g0awgKrrOPFytpOnevjs1f7TjuJQUpjQZ+bbIq+uIEF9xPOTO3g7LSs2o2o9yHb/0v1LSaGtNkyj
-UsGjfXE5WcFyFLN/0Qz2hJO5uURXCnLa7asY26xoMt5tL/w0KjAtex6ChdnJm8zKrn1SKSySGsJR
-fxrI3sJMWxWWenyuifGtvfE61ig9ybF+8MW0ion5WfgBhUpR06Iw/rsCKXwo7g2zpARJ7goze46a
-/kMZHhHxc2tfxo065cf5kMWeuyAupJDgRrU+vM8mbI4kXc49iwNRFQICYhS9NKPsCpkjUCcCB1JP
-ZjxsYIe0nKm1h+A9Nigu4KUtjGl+K0cMhaP4VERURsjcTFwi8reccMoqwYnUpLecJsX2GQnJRtAN
-3LXiARJHdJ93qgamlJByOmJUfFlO+8Eb3gb6ubI1kY0Si2Ka83VQRR+Bn5+1TtlHiy8GxFiG83ld
-xZE26OoOfUuW5ev3h32X+zLvTx0e/ws/5a3KGRMvZpOOO9CeUsEZ+/0/hVb2EjrJwuEjv/8/v+vp
-GPVN5kqxmN3qbrRwt4L95y7jaP7Ueozf8ba/IdiB4IFk5+DEEmiCpMp2bc6tu3B8SUudf029cQ7I
-glzGVXuXYsDf2W+l+Rx2SFNT7TSW/ausgiPKTILZJN3dIgLmRX5YHQuVlal6+wDNUaLeTPAgUgKc
-RaOKr1id95U6TRvGxpXpbkVpnotWGxGL2O+kzi71UiKe0exrLwl2rikj5nZYahA5smIgdiQl47ZU
-sM6gJ0xHrL1P5M1guKRWqIDIxLUvBxE+dr1/bzr9lzOho0TXu3LCrF+YOTfeFjsR+A+iFPhNMHaN
-0+dcRptKmh3m+B2cVXjN5Mxql2TRGViK6Fu9w3wFm8e3WiZkh8aSBG57aTTF0UpL7dl5jtCk94L0
-Lq3IHuYaVwq6dGa7ifJ2HeZNmvqbaiaLEhnfdLCZRy2EUx3bBkcawMZyTVTovcS85Lqz2wsaSGtX
-ZuRHmHULxYO168HtX8WnUk2nhvBRZrZ2YfSPSZ62y0a9T9KTm74yIWLze79nokJ77y2xNgIeEjVc
-tYSiaOD8bVG5d8dYzI5ydMdLpuaNbTtsU/X+qvT3os6w/kmma3UuNXMIas//QUjUazenW3dOzolv
-DcvANp563GzF3Lw39cJxsu0YNx5UpNBYuD3j7QHZSpMxDC97Yts0fT5jenaQhfFOrpkqj4dykSFs
-Xegu7IGml3C4s2cN0jWIeIturla5sbyVo9XMVMM9uX9V+2Xr1D34zxVhcat3c3VRjjOSmbbZ9lSI
-BA3oOKtIOm+X4PXAdKD/QoYN6mw5mDrXm7iE4AkHI+orqnFvrTvlvIW3v66mHiSgzuo1mSQz42Rv
-51VetaGufiNjlO+IMx/Ir+aALRJEmVvG9eCn50BPxDofb908jVfSq79qZ/qSQ8hgonvvh+6LQLrX
-rIEcAygCTaBYBbWOzkgnuDEpMuhQy4Hwo9hia8hkAslVgyEWVGQy5HiIrqpxTdd/ivv0IxPOvmbk
-qpiPyzEn38MZCC+AdO2n/qH0/Ku4qM9eEN/je9kuOwCCpSzJ/Z05Bxb9PE5EzDJfM0o27gyBOCTW
-IF9lVdJddlW+69tGXg9xsxuBwbe4sOzStj2Pnf5MnTmDTNSHeUoP2kxGbgi7Ha2R9arjLaRFw55M
-6ZVIn01CizFjYRLmMIekhfBajH/lTWDqh1S/zyAiUCIhI7HwbGrb4Y1sGZqLvB+WOUNrcjg+RFQf
-hNmRIFTqL1VdTWsx2hiFuLexmVS7sS6fiJe9x8eNXd2292DmuIuD/4iPxsiIEBjqZeRM9mrG5Yl1
-iOeRI/LyprGJiCji4cJqCZcYnVfbkt6uMd5TM6lX0nrM6GeX0ai/zd20aCRqtrm3ExQwN7kg7HHE
-5iYYiZTBo3rV+Aal2jzz0LrbqQSzVbVJnDMWzkv3UejtujOzs4bbOs1heqpltRrwW5jn6NYqyjOA
-rMY0w3yymVR2OjeuM3mwGu013Bmyycil5ElVzi5OsHwp0mQ1wQqsnAYDSk3f6LBSL6yYRZN3+coF
-8CgGXr1x7l9HKWB+Eg9TSEljUS2kMsltY7oiqDJ0Zj67pJvd5Q0Bs0Y17CH4Rmr+jJPwqZ0bsqBy
-99IoTon/2QuvX47q513N/+yG8EKNo8uwudCTpyZrTiQ97owgfW1M701vhqWPUzSnAoea5jALpsch
-8HeQi9IfNq5dPnyjDf/0rfsHfOvcv9rWgYX/p1875P3V+U5Z8P3Lf/jf/+Nf//3f/tvv+Nb96qf/
-5lvn/8VEqOsK21T0VYff+zffOvcvdMFwv5Bi4Wuu2AN/962D5Aqqgpecr6NwhzjWlv23pR0/JHwD
-BNC1FS2Y3/e3qzz8ghb+YkD4d3/CX1um0fwo5stvYUXctU0oXkh8PXjEP9Anm6b0TFkE84FQ0Cut
-qS9TQXkmRkIkMfcHd2HPKXNaaonyh5mWZt9OxXGsIN0mzCsXaTegi8PwWOOVlHV+BqlfxSXlCxEk
-jBUIYHDreRVX5pkBMKcvfUprpo/haL0TybuqGbsvyii4Dsj3kQ2lpZDV56RoiIJ+AoB/bzEbHgpB
-SJnRrkorukthGiw0rVqTzrOXc/MSKzMLLabZb3tvnZrtkZMlVkZtnQGigbCUVI38GjPpV9S0gh0i
-PRNmQEfQ+Lvcni7b+YkkP5I7k93AFLxqo3I5+VO9dIsBCUKyJGASu4yR+TAmG61lWQuYwkTZK1Co
-bMGXo+Q4YdblaEy5CyM/zz3ATM8YCe8G6yzja/3Orbz7uYcllrOZdyV3xrCZ6tXwKMe0fXdjZtzf
-4Igz3DWQaEdFbGDkrGbCyVPAVDAnnq2u3r/RGYFejmJtUExh6Hk0S0Pt3uduuM6J0IDjdtuA/Xra
-k1XKddUwVywRZxb+uCJ2fRVG43qQsO1VG6PAtu8JuxsPHVVHxQFDwZDLE2GkgLqF/WIybVoKZzxM
-9rAJSv3Dp9bMY3n+/gq+V+ybzLga/YEt3rYIpXGacGkUbxhYvY7JalQwll8RwygIdlva4QcjzAT3
-PB3al+cTPg6qtIjQNBXT23fnJwJojTa6OncOjr0rvwq9k3j2r+ppOlWFg3e+PKk5o4j3TVzet7P3
-kg7ei+blq87lgmPxoYd7U7qUZolcNhEHQfgWl60OdxqEclBtSJRtXIfnqIF/YVb6y5qrUDwtWnLV
-yzreJk7RgikDpIkqwCWFKNjUxyrD+vD7cVOTsOCOcbfIKr4SkjVitW59L3qz45mkKQ7iRFgj01wt
-37gj9ivEqFG1S/LhO3CQwZUTDQHPJOrTywHCQWWNDeUU3z2gZF6Q3Qe/03vNdGfD2C3bTHlUXEZY
-lkr9jJMQMUB1qqyJnFs3NZKlFvlYN3YZCHXVXGSSBt6fXjzNJXI8Mk5Nwb4xwaUVKcYz8eivPGNa
-l0Co6yDFQC8hcEooHMsixm6Zi6ZbI3Mn9F5vy+tAZNesf8strKPb0hWSSkv5ghErgcU0OXPrQAMi
-rYEY+2LVt/XRrCwiJPXe26VEYVpTfRQQQzZ2UcGPweykNidMp4XVL+UMzyIYX7Qo6Dd2C9JB9Puh
-r/w7RKDTsp6tchV66bQcQucpnvULz8wHzBwY+Aog3ynQ7+ySnkxvkU0HmpVdTITFtLMDOYf8jU3s
-sClpobHCPcu6xHpzn8qxQDFH8h8j/Vsv8OerKM+HtWnwBze0bnTu47q8SJm2fI5XXZ01iwTM8Ng3
-ucd8gXSnyRx7gmeIU/cE7V8mWcLV3NkbojiNK9GHFhwUWFJmYpuX2MhQg7jevPaVgr/yEGzXWrQm
-mcl/aeZpgV5AXDPBMjGNjLe+aS9jEX2M3/1xbgI3WrTfU7SbJypDZPn4qlE91bmWrkMSegl9Cdbl
-jL+7GdE8jnOG010ubzMcCWQj8dGqjWjVEMJl5zVp1mnHsuywdxkqTzuUucSy2yB22nAYbgD7m6sg
-HIYr8gYpnWN3BRZL1AJOCJFe1oSdjOaSlmzrpv7XXNbmhkiqajHzEWZphu8EG9jjx+Rb+ZGW+xxq
-Luty9G7ipIcpCGHiogmY6nLefFRMcdcTJLm20iZYudraiDqoFVmqY7FXA9F15r2lXoaGviAJ0n7j
-ZeE6tRzsCDUzwQJDPJGTvY7gnj5kMPXw7EhXeiuaZ5OMTMCOQKwZBmHnxdA4bYd+PZpVSNxJsw8q
-6JPuRH7iZJGn4bbgHoquJOCnZmoIAIJLh5Thpj8kD047cv+LmCGUNVY8TQQ1bGAmSAnPHT1vIqLt
-LHu5rIIAtpNfPZWMOUIoLoKjbTsM4iJgQ8r8mAmIxECiK77IkzpMiX1SzudWRFsR4HZGQfs21Iyh
-NSfO17XQzqwOuWjtSl9UxU4209mFgYawcaWF5XYyYag5MXG4KL/YUAuO0gIbz8G674Rn3nZJv4ky
-BHJlZl4AhzKRqLuXAj4l6GCu7z34ZbSFG9pwA+IZTkfE2PmrKJnXulmgdQ9aeBSJA1MCL73JaO6t
-FhRc1j5gWpntuLG0zT59XOCsgny4nUMhVmUTn2qRnxrlpjj06bQyg0PdqVmk2dy5WRItYbJKHVPV
-1OGo6xs33piNt2s9q2ckUJlEeoBgmM4yKSIgRBQIfZSVyzKlVUJl9jTZWU4uFKlRakTCuRYstYyY
-nikj3Bp4ZZlkAqYcCBaOHQtkzpIbG++1yPzySxKHnRUzgpAJlb+REmORKsUlvZjmh2L0D26pfTYt
-IKEwmIPB+NvkjRHQ69nlSps52BtU9pe5bt5aKoRb2sdRaBUzF4HaRot3aYGYPq+Z0oWTsZPCf8qE
-f+HloC2pEegkRCJimtp640GnJMDb0xmg6Tc+2/NoOp/WIOV6CnDfNSOOi6xJVp4/bhgh2Qx3jXId
-w8xIPGPnFBVSDVhWAq1tBgANzYqYnk7tw7hSaTjx+X1TLW1RFivdHS5phf3LLB+/6PeyJYcRrKbO
-ZYQ0MTfn2EsrmFOVWxTLzHVc+E35HkseWs8mzi8kqG405rehd9mgKHZN+FRd2qy60rsBOJ4J5vKt
-9ciJbgbeyiuHh9zzv2j1CS9sn9FG8TzSkrm1Z1+2I6lu9cAIJ8uTqxLRA9ayuGsSMfDE4yk3s5we
-UEm8ze7oQ+rjGfeavA3nBjw73RQsnaWvMbmo/TFlFt2uHDs9tq31lbrNG74sxxAoOeqcehXp8XPC
-mULRekDfTTiiF4p1bBoPsod22DqFvcqbSGUsPzudjVpJF+CkFRZEXpTiAKZB780g0a3uQzdy18It
-DqRNUprR7cGSzi46oQWr6XmKe7mp4CxetGOhwg2O4Qyrf4qm595C61oVAQqz2SUEsDMW0U3spema
-6I1hFdvAWoCEy1TN7Iem/cwSIo4UAOWCRI3eY6eAqURBVPO+A6/qFXBlgWDpbHPQLJ8GBW3pZbW1
-625rggQUYF+ZAsFaBYfV1tYHHesaAEDQMnJAOdIoU22H6L2yZ1Sbu6c41G/IBtq4IG4We3QHAleC
-xGkhVCUG41JBdAKsrgazixV414LigX2i16ZWVPBep4A+TZN3uTKrBwEcFRKoIEGOYOxYfOdMHPBK
-7yBRfdM7gk7/JJVjPTNpgMEZPkQKbFSsHY4r3X70QCILvp8JMkm4IHKu7JqO4BZLml8Q+ISdvQPT
-zMA2yQ45SX8tQTzJKPiSIKCVQTMfxNgYMSrNwUhpR7D6ZLMGO1Vlm2FmL/28FV561w3RtbTgduo2
-LLO8nJiDpy3/xnbhaPWyyMzPxEsxDq3OAenjWCRfJYKVIBr/zCDrMQbjJV+FgUauoZO8EAoDBmRa
-WFa7GJ7HJB4XpQKLrYGo0TmdTkXv3mDloymsAdU1GHMlnkMFOVv2ZQACnYJE2yDStYKmv4tRux73
-RV1vOgVfGwrIbkC0A5BtUO1HZk8K6g5vArBvT4HgMmeW4fYsLGnndzHlKEUQKQ0tEEF0LnR8fcfk
-4/tm2j18OmSsuIfhigP6rqhYoYLjXQXMy/RRcfFCcdFGPcd+9Yh9CAYE4Pkcnzxd2Br1Rwza34D6
-66D/VeMfy2E8KoCmpHJv/vrvAaP+Uk2wA3gEJcCRDq8gh1+gNdMHBn1PDbwDAf9Ad/axOmMVLcFX
-BAVHURVMOAsT3IVckRgs2Aw4PL1NsBskLIdhuLbs6aNR5Af1hwo2hFS0iAB+BH7mNyN8CSx20dvA
-oCiFfj+R2DKD0wxYFFDKmIpwob5UnU0MGPODCSNjUNQMrQ9OPlyNVpE2ELLrxAxS/EHn0HoAjAmG
-h4TpQV3+5GkDwm95rZakDSMEuO+d7e7CksnKSqeji7DpG4FH9faofmDKX8Ukjk5Os2KL6VzLYokv
-612pI1uCzQctpQCCGZsStrNzEcn2ihBpWlCS32gkkmRtEcEtlonKSg6fK2x+RZyvLFnvh6nD5Kq5
-6wz6Hq3Hd5EcovtB0WeGwdc3Xbtou8FgRKsoNopsY8K6CRX9JnI89NEoYVAntiQ+y10bj+16tBzz
-QmMO6GoAr4Oi9Kj6exfD8oGLkS9ka1CJjnO1srFsgFf4kns3XCS8LhasqTevQxe/9ZdGP30vDJJB
-4MTw1tsF/X3o3I6AdGrF+DCRGhhJCDIvPXKTISgnm1htkzhG6IsMCZ0Bn2mA19QrglNvbiFRAiZ9
-U580n/Wva3t3IhaScWIOKxzqaQMbErKiiO+sFA+IRiuXBcwqXEN58HQgeHq9N3CvBBwsJjscibCy
-YthZnqJpNYqwJRR1y1UkLl5tcm5OsY50rLk0YHqZivKlWZC/JlhguqKDMda3FgUMsQGm2DeyF8Ad
-m+GQqRewTYAc/DF6HBTNrKqT56kxvpSHRvEYmxDiYwPPLdacrWhqAXy1Ad5aqwhshaKyfc8PqM8u
-SD157hTdTVfEN2BlUxHhBhhxA8y4RlHkSkWW62HNOQ3X5na3hqLT2fDqEkWwK4LuhPqDLUzROxqG
-zIwILhodoJG6ksOJ90HoFNOxdpj6+MJR/XFeMJTmEeKM/TYF0Pgid1WHAd9t2hCN/NjyU8s4th8A
-A0HWeW4aVi4eBELf/7KgE9rQCmPohTY0Qxe6IazRYwH9MFY8RAdCIkk2lyZWJo3hnnCueAwgLmpj
-+OCklOg5g1VojdAbDWP+ANO/clr91JF6tMjt5gSj92S1+n3kbGJPAwQgCcBsPnHA3jeMDqrcP6oa
-qiz126Ji7A1yyl4p2QuN5oHwQPV15I0OObNUJE3ImhLSpgl5U5pIIANrk6gdS7E7A2ieDnTPWF4l
-WX9Koc8JhSRTST8apx6KKOgSluL+C0mgIIuCTEV5h5Po1iIstByKK9iXzK8U0jvY9WXpp9d1oeH9
-xoRdk8EHM+dyC3Nxm0JdzRSHFR0nkD/m5akXwBTqw2TvsBmEglN6Qr1Wmg4+5ea5kzUMf2+TTkW9
-ng0JMO6JB7tejRyEwggffFfLF+loXtKwbKycBuF78kaF+uFH+EAlT/PI2RgVsGm9FI6Qzsxjonyw
-iQ43EBbAV3JfsqxY2aK5k4FBtrS3LZ3d3ODEHfn1SY4kms7nKLrAtRhZoM2whSg9GDeOd9DK6TqY
-ZvQy8HlLqLfYVV1Wtn/jzka3mFKpDKOfGrlURYJbZGfCkT5ah5vuUFHbU3D1TWXMUgY8TgwDTGuh
-UNlpz6i/OZuR3BRN95pofEnH1om4aE5lw6hLZIwXB51fnWKmr8Z8w7T3Zv3A06eU4T+2Tbpr0/Qi
-2otir8/xQyjyfVJy+gqFxAbZ+Mwi3yIgvu/oxvESOKs1leIV1OjpGrfUhea5u8an7tPYPpSwoKcG
-T7WAtyb7asGD0pBvLgDRh7a90e+Q8G+/b4+YKJQgnmBH55zcyVli9pc3DBqFxYh0UkTGrA8/+sq4
-iFP7IzODbUE9q43F3h3HDyvnx8nt6pf+JdMPJyGUZ1LzOUsHt/C18cabp4vvAa7hzSusJXcDjIYu
-xuk/C3g8w1fhZUipp+rNp7X8HtnGOMtPjCLKjjRXk7LKVzT7pLA5nSKE1EZ2W7n1GfIk1IVu2SXt
-9RSs8olBbZG6i7iMOjYgylUsSDmy3IFbpN01zNGo5vm9jjO+sIH6c/4yq8iB792NGntbVOb2++p9
-kKNvHmDaB0c3MTZ96zwxzGX2GUYvM+3sWH4WNeyGJE3OQgFBLaHpYO/7Gr1BaLhvHaQSxSLsRiK2
-LbYsn6D0qDpbI1xvTNg4KThA9bM9JXjslw16d6axcnboGFzQLAA6ZgdpP10lNWGPSlyQRFysI+rn
-BA3TN04lAaxstUG69rgypuk1Cc2PSt0yPe1eVNK8tDhBUs08B4qXHI7vSLu/5pgD5rvssgtaQlPr
-3gt067373qZkkXQEhXZo2TA2Vb6MqbOw3fRASCKFG6Fbi8px6Cnzj++3ACOYDC656y5o9WRwbKiG
-gGs/TQiooKObOW2wAMnX393A90UHXrydLe2yDyFzVigluNeDdDaTMTKTTtkbS3eHBifDbZBNIpwY
-6vfv3w80gq4V5f4+MPKL0UIChNnsecyqY2q6a3/i3fICWn+GdNCFqlcyPE+hcF+KIoeJ3YunthX8
-fZj8MoyFpwNV3MmvBn/eEUNBukNHBTjUwW2YR5dJKre6od1nXvNC5Z4uu0rJixme2UiSK6xdF3nL
-mZm1Lsh6h46XAsblbGxUNLQaZNeMc5Oye45ZJH1gvvTKXxtPzsVUgRQQVoChcH8YHFqtf6Js/2g6
-lPEPoWz/83/9+3/9z//nv/z33wHafvUL/g60CfArnNKURBgRy6+BNtsFTXNInXd+geD+BrTZf0FQ
-5yMv9gh2QRyOzOlvQJv1FxA78DUTfyrkr571/wK0/eT0YJI97WNqZ/EH/af4GGFNXgonLTrU9niy
-kvnBbKxrK0/vy3S4L31IHb+CI/8K9P0G2PtJI0zeNcMU23cxpkeX8QOsN1d+CRMrxjSotE/ezGTC
-nVT0/MtQ9I9uXR6n4CsS4tbFm5++MILy08G3jI6ZNK7MbLz/k+vRfxKMcUGuwK7MIBvE+MnrAtbE
-XHUQrg5uFD/1cfJpkqHA2LTaz+6ujuIrgXqPxrM4lyHpvl5+oevODQ3/eWFpzWY/DBgTtqJ/CIt2
-V+rpA0gL+7E+vkpIDr2f3M1m/VnL+uhgB941694bn9pQYnajk55Vkh5t7mL6VyvvSQCpCvIoYH4s
-elCZLv0IRmOPo8l9JJ03U5xagcrKkeRoFxi0oLx4JDBjP3lBBlkNDnoa4J+b50fYXchI8R8yp2xd
-FM3toDPEcuDHOfAPeu3TTXVsU2bxZQgC0SunX1oNThWh/uYn+kznSxxGnV53bfcyGpaO60NSb1ot
-ixbaHQG1BX9xwqLjWBRMSb1WD+hJjWO0az6xL/jy9UJDfuDdR0oILKODL0DM5j4CGLB7PB2Hp6To
-2P0acenL6KONwUhyEkmtHrG6Yx7yKrj3o2ajm0BFtmQ7z2NRLgxPpXLwUPwk/xNP8J/dDdRCwPjX
-dHFyAt7+YWX2CM0DJm3JAYEKDP8CnSjFqZ3mmwQj1WB4ySftpSu5qTY2H0yD5ANOaqu5YSP+40X5
-k6JWXQmpBFwML6fu/GAKkcxIh5JMWUoN7t0otSe1ZLRAYK4hMbrN73xb/okt/E+Kej6ScBFb14Xr
-86kmaPz7231chASaGf+RWf/UzoaWHNSr6Eb5uXBtnLPKK7OH+NO7wwfxBcs//9yf7eh++GClL/3V
-B+dWRd1eETMBu2QnN5THYkquZfKQBvKuSUYc2eWDXtV/cot/tsFn68HnjzEw99n+6R5Pzlh0nLf5
-QdrvPbzfxVTfW0zmktJ7RfW4EiK+dufqiun35TjJXZCM+0jXj97UvmpVxdCjzjYlwOIfP3rjJ/cA
-dV0eyWKGhY71JxfFyGuz2tOsglUYgGlq+jKJzW1R0wo5gzyxZt5cv0Av6q4NBrsLhy3zjy/hd5YC
-lmywPyxII0TT/vBEimq0bLOai4O3jy39YEjnTh/dTetFyL/8e5fcwKmjxvzjT/29188jl8nU1Tok
-ruQHGTkjY9vJSo+gLE6iCklLv2fj3ZeTf6fDWc269CXuquMgjKOdTNv8FvHp259cw0+cE26+rZuY
-uysSy08Z5KadjhX/PTtUmG9DgLzKLeu5hwbW20vd6pbg7jvHLrc6Pf+ffPTvHEN8tDL+w/KFpHHx
-2/dgJCZZFviPYx17qnLt+7W3OO7gyS+wR1x1skJIs7Ob4lqXdIua/TwpAausb+NOzEuoMK9/fEnm
-7y0Eh2Gu7ji6gaXOD08Ej31ms46WHfQ63oskv50R+KbefvJJSuHmc8qDtYfNWyCSE2jOu6Vfwhvo
-6PmKm8IzV7ndfqgj/XvjtOyrSKuuHQlh1MHGteQR+xnCojS+imvEcYW1DsnPyzprW3L7waVP0Iae
-zXEpTMLFdFQRBX7EbAnwv1+timr4j7/wt//kbyhHPH7HE3gvsgQs3r7fPoMhacqhSTGhnnwkf0CW
-qB20tTXjm5RGJ3fwP7H/1xCweVd+3DF1bMS2Bu5QW3RjwXOp5qXsYAFL9unUrzBBbOeLuATbwfJT
-0ThAzvWF6KAuqQog6C+xAYSdhPGnHo4q1a7aGql5gS7iKhg/9KF8Vmd/qIKvIMIHcF0WLrrkEBIq
-0Fq2InbyOrAVAz23T2XZLse0/0BRcOhhev7J7RGOWoM/3h/f4Wj6DrNkl/rt/UmJV5yrQWfcUtqP
-sum+Gr5ElZsXBYaMQlSPrdu/WfC0F2mdPbTM8d1uuCLiez1WJE8YOVqMkobQy8RLZ8VfXiyVQNF5
-7fX4qsvogxl5HL0IuYVh7IoV3EKM3KsPG5CMMJv2NePsS2vzUc93xti3lIX3fikfIZZX3sjNbpeq
-5hhC7bXsvIOHLkcVZuXov00DydC51dyxvjwT8lJ36gsojfF0GIW7DXuu2awBOscK70lvhlo5bcsG
-cqMTQl0JtE0ph7NWaZ+wgnZm3poLs/ffHZhYmsUT9juxQm1/4J2Emeq1y9xFWxKHz0aZfbbMT7sA
-CLaxIeYOMC+aBuYpb05r9V/2wKykxEhbdhjEai8pNpHkGepMgvrkw4RAQe1JH6DWW8p7E2fLiZn3
-MpqQ/4jolbQyZkqUfaX0tzZHN00w1GZGqssgWBvvQXYT2NNa66Njmh9Lz107uv02sOZwVUX/Nq++
-K960iK/SQDvVTXmD+RJVmLeqfT494VJldGVnwTaQDpPION04sXmpVnBeOzgr19d+ZFHMxRCsUyXl
-MermFU+qBxv4PcWaTKvsq+DWTjCG60sEHPEcn0J4JnP8BdbykfJY7bK/1URiEsEooLD6w03h3Nkh
-xiaB2oAbLYTKFNx/VyJsB4Oh73MPRZB6kmGVHly+0zENiwcYjces3GnYICKdrsHHp72V6ay+8uRq
-jx3mWgbhKot+AJ0ZWJtuVr964A47fHvAwdLgUPkWud3h0QhAsC1316qXyUjkq/rLjloMyPBdFQa+
-0N8y7lmmqm4Hzkyc3FoZqYBJ7zw6jvOF8ck+n4M7wi8ewMF940n9rT5sjHx+kyGAqcYAYMVrtQVn
-cyAVk5I1d54FRSJf551uLOcyW4NvP4YxsTihTjMEyLhua7nHNMDmF2ERxDu0Dw0AD4CqYBVayDOM
-4TRRPTIGDVdham675qsxTLaY1iYlJUvWwrh31XyyLHMsfmpQoqJrNoCY63Fe2vCBvuv3uYAVQQZ1
-Wzyq/a9Lvc8qbg5B5KMkG+5MOkXaVB7rNH/MuTiGYgczCBODAb0ICv5wviK7ayagqv6TilX83mEN
-TkJ+F6USXfQP9XoRIqqcKiM6oM2CjJODF68yFpvaMUIb7eUc3dRGeTbZmIzKe0jN4qLywqfh/7J3
-HkmSY8t63gvneAYtBpyEThmRWkxgKaG1xogL4FI45abITfBzNK9Zd1VZ1eUbc9ZVnZURAA7Ocf/9
-F2SkeH1y0DpyUodbn2i4BkNdJCvDH3bMxRf+hw2TNh73SkO1Pecnl/QkLcLEcMeYIhMzIw+wjCij
-ViCkSKnEaAB7i9GaL/zEpXVrIbRFKt1EdoWkFnuXjNGmIiu/8Gy29moPzaAOTkULOwJU7ksvzXNy
-QHaxU15nflCs1DS+NUzyCKfgtml8l5hjWhnVbzOmsOQY9BeyGJeeDOUdQ6osvhpofdP6zY0Z1cMf
-6F37NIVRDSUGskUwwkrMuuBcRxMzGK0Y6XiAT1F1KWe0t6+TCSy7S5+iNnkyR+MquyA6Luvsft3Z
-6o4U5q+le4sgbRie9gId+aHN3qa08dbjZP3JAlBwkR+PKEjIsJMxsmWRenKE/a2d0MQaQlUG3K0z
-f2+rEU0wXzAonAM5IcXS1mcMydTI3pjZeDaooMiZau4UpbmpJ+c6jSdtjZVV+geD3Z8jBDAx5VtZ
-lokK+GfvPJR4s+oFc3Qib0Eyg4dHtSxuArbgVT0pIshuD3IiyWp1fA3dmejAOvOAviNAyNwyehin
-LS00Q/xAf2s08+X35c/PUJC0nKAyKvY7lvlj11k0SgSEFXPrKLOSoHyS9i+2zdMs6EzN6O/3n2f8
-opzAphEQiz6D7flHq3Wj6A2Ci+3oNFJKSK0bNNqt4Qz3QzOtjHQ4Osp8lONIThy/yEt4vgfYWS8+
-rmHCzJpXavUMynSQH8CJ9a1whO471kDKFSLZjslmQSaQ3UOMJcnRmOyLdqAAaWLzEUEHM8gthlp/
-Srf+2aWUZ61TykNc546qP/pQmlpSK7WZxKflvE+V8h2zxKt5rh4s+4h95WlASpqrDHtjPz0P+1nZ
-yEb6+9v7y1fBYqlB9gI//KmaTZ2qb8fcDE+FX36BT2+D2ykb9o1Xv2oTiWK82IboV1lI7lQ/mKZ7
-IKGpT9InafPRtf2p57Z/gf1xdeB/ArjheflDfU00akEHiWmXw+fNaXUtm0Y0iLkAnD4m4IzvinND
-R5A8UvOEgacgK4rgkfC6NLl+nkHjyIr0pNvVQc/bja0GzF0JGWPmvFxMynLFOQNvBTeFEbYKbYZA
-bHmqXE1NUlpIPIQtcBIz/iluTnr5MEbmfdMYr8uqapvo0FvqmWW775qjnI2UcSNysVryEscCi4aI
-wX9/zOzgFdJ42bm3fadfGeN9nBpnFiVcNTU7z2/wu0pvcQDE0Ito1YZN3ISsn7s3tesfytH9/MPT
-/uW9ZaLPvkccEqkc/9z47DTN9MazolPS22wpKRG73uychrGBZdt+TyGcvxRXWOknUHlf6pQzeZZ8
-9BzcHfaQOLQq0x82PUMagh/PP4dWGlyZjR0r539+qWqMTb/zw+SvL2UDF0aKclBHb9voGQayzhbX
-DspQs2d4zVQ/c813KYkjukwU1u9S+U4mamGX+U6AGlveeT2Kn4ehf8Jd6d1yoo/lcZqVc47LCEVo
-NX8QW39ZzdmFFifXouLzk+g+ksPUk3P2Tzfe+eVVIlYhGg4zUjrIf14lzHiiuYoqOQ2gN+u6sdUt
-VXscN7eG1asbf1/YsBgDUrNJRz44NHNFMYWYGRY3hGW9qnqyVbPhKhz6z4wi3PTRpqqVsR/VWzyJ
-0JsY6jHN/Zvl3NcdfRtze3pYqNQO7gGlKUYype1hbTbd0XCS6Rld4dkVEQvH2NsqpruaJHEyotCT
-d8jPEjtjAuWrECiYN8ny9zMYSYP7oLIoUpNBmkDWjhns4BBRqe4ayr7K/JxIjoeA/KUDCYUkYtPD
-a1dGFWFXwyR7RY68F6mXqoeEujbji8gZ2MardlUg5lihgWCCKp7Qwna14/m97rSVl+vM/pGQC76R
-TNObCgRSZpgcKjjDU0BzJjMiIVOWJi7to3NDbY66qMFjWq11TIojE0dvE8+ckrEbY0PjJBcDozun
-1tWNrfh7axqviUne6NmephM+F4hyH1Sk7/IWbWZ8+ylD+ih/UaAHbh0rmA8pZtz2WKBMb7eE2GGz
-ph9T8PPSW2L1IP5PinlkbAC5BgpI5oyHjKNHWtSsHs4zzdgFnQp1kXNJdpxMREu0STVBAchQ5nND
-ibZ1iFwxqdRPa5ROCM2kXr4lnXkj7YxfiGBvOPfV4i2iC5XuLLXMawOLuJWt0V244yeclCOyOxL1
-PP0D76DLKC2/xyK5JLkbujjS8Ux/d1poNYoDDJ+kylvlbcbUoaPO3kPQNJMtrTL1c2j1J8JwZDJt
-KqtvMr7P8FIxAnpQm3G+MoM3TC1sA4xXk1WKecpKZDJJjf3FwFph8AznV+H9K7DsX5baEFz2XngI
-M4MI7US/CynH8W5+nbN0Z2Ww1MMm2pnK8D5F8a2tKfTv0EDJwN6jQJIk5uoLdSOTVz98URvMiqa1
-48/6habF4aXEDF8CnRtbPcvJzil3aCPPGBDfxAyFWwa1LXhTkXbXgWa+EhVJ+BznRuAGGomb4X1L
-3GfR6gyLg/QijoYvpzAkvNyB35TV2+Uf2DrOiuGd0k4EFw9Ee1GKv5jl9E6NCWMB7Mcp+w89fiza
-glfJd9YLIOYChnn8D1za+1Vf2tvaHeHSG6/IcoxNOkJ98zxqmTny106CZV8VoxfvZ2xaM28q0bvQ
-4uffka/WK3cQ0gyCnRmXCfqBAPVChoXPiLez0rGf5PhCo4BaRWN2TfZfvamAAXMYRBD5LlI/f5CS
-pxl5kbtF/psRRID7j88soSszQpsaG8UHEJSCS0IAsdhBIL7S1Y7PkJtvEzCaqtp129AoOPisjh0Z
-iIP03aPyPhPUqxqFv5HVGxtht/J5AlU9bsxOO5u94Lzsgp0y9ya8Lv3ZrYxjPdXQXqZt1ynHULW2
-EM6idaXj2xPV1lbQG78b843Jvt6BAYRtRhNSzzuomxvZdvrU+5CfqgPOcDj85wUWwCxS+zuavc+4
-To7GlLtb2BlvahntWsWH1O4of7Xw1Whzhbaoze7hlEN0ddcN4isFtbYXQiiDe/fhlJKzDOraTU+K
-2lQkWBUXWddV66AZXmcvu8oUdPNyG1ul3+hdtIW/fudP1rYh4Vgl6yrddynLqfDhqTat7ax12LkD
-NFoyhG4KFwJPp517FhV1ERTXyYyJu21PEJoVZ1ekOKMiH7hUGuPbCbsDjHGx+Lhg5vAI/eM801Ok
-Oj4MqWBOb6YBC7NiHi7TKV/nivOsRP5FYEWHFLF/1Btnqp/uK7jC2MLAqzIlT4RXV/3SrODDqQmG
-GeLgkCiKwR6ebdUwfbLr+SryMQCwO0wGM/9yHB1rrTNAPTgGtbMFyunWY7junBpD09Ift0ajEf3p
-75xBxWbQ7L4i5pFFO7TnKWlAewM6P+K/4zAG54nVnPIEXlbaJMc5RYFn9QhrlLMoaE9lT9hiNnhH
-azavMMnGGC7E+h5rFPyomDBmHRb07lDDedE2pWGNW2i+5n0cz9Z6pNgCRCZhqTCv+kzd4VJ5CCv1
-UEw8fjyAKXL3Bpt4E3vn2PmQbz1PV7Z3n8QqDMwJJ1l1Bzy/qXJCf/m7qQ4u8mTaDYRmmIVyrtXe
-ZtAxlscNOSxbc8XUeGO1SDAiY0LowXrqAz1YT9xdz8lvM7/9sGFaTfp85XrRRdlofI6zEbCzRvjn
-JeqZnXw2NUMcTCrNzrgqg/Fp6LRTnOGGwUi10nu8gdSDkkUnfOr0s7lM1p2FWCSBRTOClgepj5Q9
-2ZRVu1Yol6d63DdQ6SoVuy9v3kHEgoKinrmGf9fr46max6cYIlBraVsI18g67fKhZOBzaNS+xcU9
-SN4w1otriGXzUBzgtKb7jFsKkTR/sfXd1Bg8KqJb2904NcEl7uJ4jJjbZOaOJxbammo+y/aDsFiU
-QHlvM8QxpEZz1A3WW5hbD6pZ435YMOx2msbeAWNSb1QO9CD5KaaB4Yru7VoXWhPDQeQ3iChWeLus
-PDPSN97Qbwhne3DxRXKo1pmkfcQINY0eVUfnPUBux4JAZKeqPn31GBAGISigQ7mk+NOxVLNbH2EZ
-T/hmMQMrJo7XwkHCQfJJaNbfQQ+xx8yHz2TKHhTNxJKFb+iJYpZ5xftc+GetgrpLuFHIYwEox+7G
-LrAiNO+LBHTTMiAaecMGAupAxeMCKs7D/ZQRBdfBNLXV5CzL/b3rwhmqQY//cnhB/AQZrYTgnXHE
-FmF50LmJuxnuEIC5m2whEWO5lzq3qPa27pxm+zTCXXbchq2Oldm6svlCFYg6eAaURDs9x5fhQqve
-E6s/Eu9jUKBZSFG9xzo/xZC6+tYosdHJsLcVdigbH9b5Eae623ynrXeHp/aD7V6J499iPUdzBttf
-i8+LyHm37QygPPQePGhqNu8xWUBPpXBTA84I4dweXQ0T1waOkw6FYqWOdrny3XAzh9pdbcD7Smvw
-JKYDeHXjleEn/XeiW7dmpVDJOvm66aG0+cTlyl5qhvObGJIiujkqjbau3fiizO+tcngASHMtIlyR
-3A6ZuklbFdpcsjd1vPhdHiXWylhmQ76eTaxIY1peWKrgzLl313cFfqEYWOAaZQygscw1KYTnp5p6
-py5ZSNEATTF0aSu8Y8C4Cy45aIzPaqlbA/wYGrw5aLinQMkq5Pbieb6a16oyH+Yufu/F/dQQJzin
-oHrChAUgEmz/01LwLZnnKw2R06q3N0nu3laD3FJeAF6c4brRbIKZeSM4xy4DSz3WMaTEJJ5WTp1c
-YuIqXE0BDO3H2Qefzl1wrSKxtss/mrzwISnuGwQRXtS8coE8ZaPYNfg4mEJsLN35yawqfbVPsSZc
-tYb1CUrPd3fa29TSjmE4f/oGH2IzhFs16FbKEjfuLoCI/te67l6J/H7XU3WL9MCeP5Z3qFQfcHVq
-e+fSz4oLU1HuVCwqOr9X2GrQ2WiKvsHg6dq0m29lGimLx4CQxAvHUZ9wwbqsEPPXPENU/GY/UAEV
-yQv3lXKTFzqbmH8xBN7BAnnC2JJMRuElMvawY+OhT7TPxe50QEqkt4yPiEjVc3MjDshDEjzOwfSN
-4PlC6UiqCqNb6JI4MQ7Gt9XB4Z3TK3UizsjrbicVJdHyOmFohA4+dCEj4uujqTezt1MT803LWaAp
-dshB2X3H8X2RFW9pLYoR5Gkotu+HGn8rr3ktUCiIgS46HCQLAc4tyR7xKEgVS8ixLbz5u5n/QtUg
-y4fUPnom4cD3RXGok/rYivO05Zs5Z57+onPOiovU8r1qAzmIOtRbjt2zhRA/Vt4H1Nln9U7TULOz
-8vEpwUu9aZ9I/mWoZL/HzviNvPYiDYwL7CgD/HZYoiVh5PSZUH4yhrxZSUHL1VJhyZKE015Or+w+
-eJibw8610vPCZ2bl2s9uR1nqxJi2W2tH7iJSyRe532oAPpJM+zFwLxFq70OL5SY5urGsNs0MtmNg
-Xi4mt2oEV1mcfwkklOWG0UN6GhBWkNPgruyhOGZmcgy8faDgs24OyfOywl1ya+MMGRewfZuZp9Zw
-L7RBO3g6bpRFkBz1utlRJQZrBK3sSrZyY6mw14u6PHpauLcyt1wtP+xld3GoPdt6561U9zvOs3v5
-FIfkcVR08zXt9s6JZRtODKCVYEJYIhFHivUaf3Ohn4aBkaPIOuh/akwN3PK1SZxt20UE0+pv6TQv
-HnCz7jPoGyxCdogal3FniT+TrwL0igLJwLY5CdU9tEAko/Lt/KAhMPW7QSEGp53PRh+C24oav3hi
-Q5F2dzbndFG2dx5jJH580pFB7Kd2RnCl3E1Du070ed/hm4335TNS41tSpi8idF+iExD+v+W1D6J3
-qbyz5kwPt6HVPgYJ51ZKm4RtBmwz+foAqPhA3WkJ5IS4e6gjLPWvjSIlpKJ9cPgdZYZPlRgXLOIX
-TfHwT8JpsKfnb3Mq2hY5Lz6F3gu/dhuVqvbX+lpuSThEyCQwwBoIKEV2uB/b7klECzqWHLlwlyvb
-0TD8uHGxneHYaC4Mr79aPklUFrGenvWOeazcG0Ae6MAzmK+msMn54n+TrkMrfO9KUpoC5cPt9442
-XFM2f0Q2VPMxVh6wD7/RFQX4Kdow5n1zXdB2BdrkanHc4+yhHVUvlvNDbZngF3r7PZt06fa+zXrp
-qCmUHv3+5CjTW+0tAi3OPXuY3/ibS1jFZ6E/7jSfvGgeFZRqpr/Je1gMzEo5e+zQfqm0eFuM+tkI
-LsAoFW+k3JexAOcDKBAe2iFvRwR7Ih4p2wL/Y858rMLkjsjadstsnWjFeanyEAoPN7tK2zbjcAvB
-+d4VIz6saLVPt2dDC8fpUx5+o1yRxEcnnraXlLDXllOzhgt2puUJaSEFW0hVMvA5ohXtTXbbjBBo
-R8vOe4j3GFnZbbGjbNklYkeKIjM1u7vJgLLVXrRqcFtU9nuDlwkW5ltH2NmZ0+2MAGPBYjqYE/12
-EzjH6SKd+9eweUPi2Pjz8idkBSjZa/9cS+cLp9KPLXIWv8TvqApvSv0MQ7ZdqkaXLkUnVvm8IBW3
-ximORuy9xVVB5GxlbVtEjRdInE6E016PnGeIw9C+dY2PLxhJJThgYEyil86XN5iIjIrgbLZFr1ub
-pKDk7ZXj4MUGUlGCaG99pX8LW2b3iaWvSRqgm+wwijKb+rIp2mszCJ9G/OtwL+y3ca1Zq1YvG8TC
-6o6GaRXCrd1a2fRuxWW+noTs0mWqty/TcG/wwBPP7UlNQLKWGXm1ZjD3XMTWpqQ+HXocLcJ8fKlH
-9yaAOKBNRbyOjbUbMeLGw/baMRp17ZrdWT5pl1k+3UbAHLhLnCa8Q12n+8pH4xmjuw2d20cF1kcg
-5fsy/CgbQhma4aAGaH0BV7KVFfvrJu4+E0DuJuT9S26bzImQOkx3aRwRzUhybE8bbcTup3aJHOSl
-hSFoDcQYuziXDF15QYYHw+0IdemE8mFdyCcm8SsN3qtpcbdBSao8Oxq6vq0TJBgURatRMZluYzJG
-Z9evOr86ixYurXMJNEcMpsxyrMQ99mpwUdQ21hRTsHW/m9S4MmXM50VYWy0fZ1keIrjyU5g5nqZ0
-NGy0SvpRhq2q6X7SAWwibifC/NcmiI5VEJwvBBOL/aOvarancm7WleB1DT7/67o9whHBfSVF02Il
-CIpjBSzQja4CN3ztGSnPfpwjb7QZl9pfnXWv/3UOaSoHJGZbOhL8LfL6Ac6BPy1chn6c7wodPKgf
-o22DpYkn9ApNwCp51F1kfRd4wW07auaxPYHgM9Nqm4w4TQ5zDz5IzmEtHGl7cOtN4dGmd35B84p2
-wT80BMPohsiMnyod4YWfOkd0KsxG8BZzQmogGwTC7tT3sAl9fMsp26NaPBW0ERMhCLyKgKIoi2fu
-UhgdkGrjwig4etDRtM5Zcpqjj7zGOE1zintFwbWF4Vbe+hdknDw4kZyWdrKPtfTD4DVCZkifZlX2
-/WzrW79TMC5hih2PDVhJEV/IZMRLG4Ro0YEKYVVqw305+FhVqk65bj3l2EXPWj6568xGIU6Z9KUP
-5iZT6rPUG3jfkxtNDb5G32bfZJ5mpVyCb8JaJBV8ytGN1rQD/mS++d7N3HVnoZpeq2r2BFWdm8mK
-REf+pnsvql9/2xYenPD+KMAa+tf4RWZOPoNuQdcKBdGF0OBiDddLz0Y+QxuHBOl+mCsKJk99X4ja
-fk0F0Nl7gVkXjnYkz9D1/U/2wlWAvzs2nOp7KrdQNwFsM6U9BOO3IF05ILJVh6eFgCuU6IWFMlfe
-VsdbSYUaRSjUw7ewIIXoIXhnGHaXbaAfGCqDDOScmVkd7Ns8PNdb61smp+FQahDHFKw9o/ss8l7m
-pLnOuicSadn52VfkvoXOQ9+Zu7qvrpQciwf5O5khZYyLwmbaaH1yLRgcMVOXStdg6zFSUFSbJImF
-+J6+CFsknIx3pjSnTulfUqDXZboWRgZG2dWFXylXtTJ+5EblgKJ1Gu0IFX02M7AVhje63l2e9USw
-JB8W+HvQu6+Nl67GwiAl3Kbuz9p6jaP8jYZsUjHpd5UWvL0JgwuciR41+SXYunyWRfecxDdC7S9g
-9JsN758zvI0WlViYVodSJ2J4Ib/IG1MV2mNEVI0rK5f1kKErDj8XLospjC8238OkqGckT4EdNtk9
-A0K7K3ilmaFU/H6POUrlg2w2dNtBl7znZn/6w7zpFwRhz9UMVTJITQc9yT+nTR3cgqkYIEzjB/1c
-RsmVMC2DYTiZEJwqJTjoQvfAJ+QtZWYg6+T3X+BXDAuYqq5uiQjlpxhUOhEEe66LgCOz7uvMeV4o
-c2YDFiZz1d9/2C+Y8IQjQrh3cC4Tmcw/LxYIyJ8Cw45PmLgeQvwthfIiLBdtAmS1cf2Ao/D7j9R/
-QXv14BQ5Jlnl4Ig/MnGrGbfqtq5JgPdNyCz2zm+1kwyRZbicciQmQpZyCWRVqmwT291tQvaoCDxK
-fmihmcjcUsgcMqJU53nbORrVN/hCEDF1s7A8YRRaOtSJC0/TpXXnuMdpo3W07e8vx5L18OMMFumC
-QS+pguP9OHQfKi2y3DhHgmcQdCXVQBzad0E+fYp8RUG5nFUN0+mqfFDVaItc9kGpkr2sKgVqlK0G
-uzohTARS6TKZV0BEBu8idbxmN+bRY1zan8F20UUosqkMlPxZMh5dxQCVxFhypFWstaBDdjLd++q8
-6UbzKgRLbwiIwtNDdq8gq9C1o5mR2bqdxFt5xjJJNzHSyttD26bXQnn28ojMEpt0H8X7Q6zkrwbo
-nmE7OsR3Ai5/pL+ETds2fu7Fpxzz7NVCuyqxoF5NqfsnorH2q3eISb1q6MzEybD6YS7etrgcpDhv
-kKlNWgqiGAy7DqGQepnVgOLIvDStCOzoq63iVHu5W6kREhctjMbZfoKUf/g3SPi/et1kc4GWgw4E
-ydo/X7fMtLuUFx/xewJGK9zZhRRrqfQFg5B0eMtlS/z9EvV+weQjA9UU3QPUb/3HLa1m2dZ6HWEX
-PGDXZjp4efTTdUBkZuSoe4YTd7E+HeEZrNVhwgaVdWsVrrqqEfGsBvEU07+zgQ5YJt+xPl80OJYJ
-V1gb0o/l5O+9lVk6jyOsUdgKELLFKrn+JrQQbiwSd3QNeTxcm4VLJzphQcJpVoXPWIuRbz29Cs1a
-9ard5JJRLoom+ceRHhUgtozIScC64LKYH1IrWy2DAGG0DmaxtmvjmzL31OnDk/CF4YdR3UOPz+DM
-L3V77ZRPeYcFmEkGTjpdlESKbGOCYTod9ba8Er5QzaXK69PiwgY/svODaCSGMu3XUI1xUj44U3fd
-5MlG+I5C/ewscw9a57YhCRXMPrIpc5Zia+FxYTPF6D/HD9igP/79w1yIJv/cb+Cf8Bp5Gk/UUX9c
-Q7HdzEFiG/gGt7mxbmXIndabOa0fhPCGyciDURziYvgKAdx85G+kLapWey40GjcewQwYUlKugEkr
-LMH55d8gy/y84PiOEFPgnUGX1xYhwN9YgoOq9E1HKOfJb11xrDgJdRyb+5WaBffCkPET6wBa8SA0
-pD/cn5/Pb0/VVA5QZGYqUhfZr//22SwAy+njITl5U+ets8R58PG17IPgZLja1p7Mi4pRimEepOC0
-4LrIkQf1vl4vbE0PQTTVL9M3pcP2AA9qiD1oOO+l6Pr9V4VF+9PZwXdFhGYhDIOv9WPAbUlQCtqT
-OD0ZQ453nDp++XSSk4iQOw2rl4Ue6prao457qJMnDE9RZSxkVyYp+O5r3SDclGNNLmg3lsVftWLS
-OVdYQdzmwq8PS6ilCGjJGRpIlpHKLQl9/7AQWrE823dNfy51xmBRVPXdCE8Zw++gzSoITdal41Q7
-ku9uG8//8kR9oiTDkboOb8ZXIZW4Y78vyHFsouBtsB3sjQfnfbkEKyPdTp6wnzsbcpbOdS2kmc3P
-XZJF86y+6IWrXtf1AdubVWEUV72QkFw73CeTcyZUMFQpD3YUPppCliXPcFVW9hmystu8fMVN6g78
-nVkS1ARpTFLI/UuZGjkjKbXBTeF0tJDVuJ5azPxiX9taDRhq0BVvVUI4mZ7gTmb3xd537MOAusDh
-o+Iqfzakt8zjsyr2vwONTs1aSOdTiaGNeH/NwxMbR0crGBIPstRl6agx5UcDIByfpJoIk2J99XAg
-1maXbaW+FwVuyY0Gmv5M5vZe6dqOXtc9Bqb2kWWUzhIv7rl0VWF0v/AF5e3GcDVfz6b7lGVrq2Y5
-s6FiUurRfyPKcNko1iNsi5kQqyCG5KVDYJAtnM37OtawgVIJ4BmPhmWfZP8W1o+fw2UvOO+VUHlK
-KR1ImPyShyk9uuy9DTCI/LAtKmHprpZ9zenzJ9CX9glT+1tpiJLEVjfAMzcDhiOzby5SioWZw0nz
-JCwNgk22KBHOOu6umzFv0IjjgkImTIJC7w+xWWIaEuLlZ+yElLAQHHAAddVqq1bQjRbgoSjLSx3z
-illI1Rzjm0oxXxMNHwFbKXCyk+bGhla/NEHSZsW20S99GOftLYga+IARPbW9+oYFyJ00V1OUPzJq
-goRyLW2q/App4LQ2ZkpX+k+h1x+coUeIFFzSw2KAGIfkWgDFSMOExprRo6VsptnaY8pEHqNUYGFr
-bAWv0Gr/4IIXpS5mp3ocP7nWYxqnb4OlXUYcH37SChdzfJG3Y+mOJzxH9aL/MP30wWA9Ewd5k6Tl
-3qdUFGBBGv9qIAdGCy5Jt/9OhEVmofOpee20qrk2nBSvDJpdkb202EwazovstLJ7iN5cBNdL7Zx6
-115OyGQQStqmvA8ig+pUk5iF2pIwF564R4b1QtKh7lzjVr0Ps+5k9zEYEgjP0jIz6OUN8qCqhPMW
-rthfUrmmOcr6HJYXuW/u/aH+7EyTzAZ8qghS+7BstGiBPrpb0PAWfzjG/A9xHhAaT1GmKLq6ti1/
-G4W6uF3l7wtQMuXOF8ZCjPbRlDT9da9DL8Ac481KDLxWhc/kTelHqg5PWjeforDt14b6ZHZ0+0Iq
-Cczv1prPiCF+UEM3WeshQxLFfqjn7DMDAUZj9L3on6UFj3vnqfE3Q9BEG15Vkz2TP5XexSLEICvg
-wVernTcZ28kqMHQVgbbBpshLN7yf901IRJtkd01j8AKt/ChLS3iUzlhhT5hutck6qXHztQA0Vgus
-zBmptYhEaOmXXiErw1fTDM7jsnmTfn/ovuuMIXuCUrWLMAcm7xKYX5hvUrnCvPpcemyh6fjjWK8J
-RcLtgu6CjFssCD3tRgkhEBaaUuGlgxtjSIZKnjB3jBpA8Z69sf1QnOeuY+dvS9SYuWydhqPdmwBj
-8TXKQhc2QP6oFnjYkOgWr3tcpECZgQyn0D1rm0sicZc1DVJvtC6+Wto2TXSmyBMMCfN9dqpH4j4h
-1JjrrGNcPIkht9bhxzppu9+frD9T7eVcdV1DMy3e4B/r/yLm/IdFhh9AgguQUNwX7CMEstX69FkO
-it9/4C86DnpAFZNDqbJxjfihkdaGSM3sRkfqIRRaT1Heitw466TbcNPqie1/m6GdKWICkUs23qGb
-z4auORLVCZUOOVt0nNRw/4dv9as6zDA019Zcw9R+6k3zTJ3MPIQob6jmuCaacGuPkMykByW997HQ
-rYphBRIUG+UrTMs/8JO1X9VihufwFAyDbuzHVj+z2tArPDrbNitc9HOcTrTum1kxD7aTvWDlBZVk
-PqpJ8crY797h7/4Td8A26HoM7CJtbdFI/K0aLP1AR0No5yetqa4s21+J+AIu9XVXtcdOsy/sejsK
-8VIA9N9/9s84B12uRbfLtSP1/vHiw2T2yGaEldwhBRQwh9SQswagMSXYWkRSNvvj1HT/iY91LFT3
-uuV6vAY/1L8Vb2inYgt/Emw+ZggxW+lThhFvS2o9qGXOIBbZPafQ7y9X+7nB91QHea+hWhrB0csr
-8rdbnWdx6iV9VqB20s9spP0VCCQe6acYysYAFp/k9hEj5Q/B5SM/fGoLfxvG2pkTeU8CJv7++/zc
-a/N1PAvTEbA8NNbybvzt68DySYkc8KHiUGpE1nwl57acTQkmr3AD/w2Th1+YLXiaDgrk0ZzBU1+w
-or99Jg/UNCgyslNdqbciwBDB5+wgf4IQ6qDAFHF7onpMFf7YTfzienXeMLlaz9B+Wm4OAQLhbMfZ
-iQdx7ZFFJm4zfRrdarjHa5V9JWDZcov/f1zIn+NCLP3fMTL63//9v/2v//k//sv/jRA5+/yv/wU+
-29//6b8sjNz/EKDKomk2dFPX2Er+lRXi/odh0Z157GC0iB4d5L8sjOz/UKEG2a6L2IfNVV70f1kY
-Wf9hq6ijUH1J8w3w+P9iYWT8Aj9COmKqZJmYKP9Y4P98lSLH0JgMYFeeQEh1nPG6KTV9VflIud3K
-v40hm/ghc68aK51wgC4jQYPuvbXpRw6YWehMi8mcQtnh1tqBUazEHYn51+K1NeQGrr4FAweMsR0h
-f6kFxWVQ0b0WypHrw3Bt/DTUiK7MZIDoak8dTDJTKGUSX27DsxngmpWtchcZQGuGsP4kKyhR62dt
-GgHz1MthsBVy6SusWfUUNTm7IbibP7z6XejsLZ25W1Xaj63eKNd94LybanxeDZcFTtdFq2B02+zw
-s2v8XVfoe8a9+yD1Nn1SwziEkFfgPpB9zpG6FYE/BNEKVX4Gc2rYwX8+09Vs43fqFr7ha0SN6gan
-qbK+8drD/M26U2KYB5GNP97AH3Bq85v4faACDe2QMVhQ5bdKqz0NNG77wunNnRZkJr6E2b0eM6DP
-EBSggNWbR86V1D16mEl02vVQgJW5ARSDHOMXIunrFdFvV26U4j+lnsh5PKNwD2fn6y9GmEfistI/
-l5nQw8iWRmp2hq84GtaGVmGCmhR9WTG/SvWIQR6z86Avb5HHdRsrtB5pFr+7qfrWBves6jqk6v41
-dKfXiFQyuoXrqgueLZ+gegy3g1f5PwAAVL762ZTP27TR6KIopVtK4bZLHwdRQWhhZa3QoJESS/Bv
-Efiw8nyENlpibiOlvjYImE9aifngxOszdLb09bYJN8W0elj/mD6UboTksn5xshtVtx8Nm9ozNt6a
-yYNOZigvMUBHM9ov8KQqLiyiYGzt657z0vpSWvvMLmhUdH4tZKzjrFvrlH59lTTxs6VOT8Jk6rr0
-xYVaBPGxftDy6yWdMVLHq8E/Ujtjz4QtfIvJO5yIkfjizFyHfvyluhJmpZiIcxooSWZ/Iay9usNn
-dQlITnGR14ojQRCHxWfVUFTGZhj+RzTREMMmTPQyfP1Nh/AVg1Bqk7EZptYPhT0/hCnlXB+Pl3Z7
-02rp80RqipCSHM+4QwKhzAZsY6iQC38WIwj+SmtQaxbkDMDGQdhU49ac2eY6aowLEj+C9f9h70x2
-48i2LPsvNTfB+gaomtCt8Z7OThQ1MYiUZH3f2yhRyK9I1CA/IUeF/Kj3EbUu4ylTQamkFzUs5MMT
-EBGi092tuXbuOXuvPY0neu5IxGaEGWSUfRoG1+kBExRzxJkKm8cmjvZanCIyoF2qNe17Yrm2qCei
-hzBupgDReK7mNENk69ykPY3LEP9UVvrtRGifSmaJZAdgUa3bjEQIrUi7gHUEMW+Kil6+NqvoZBfK
-ZyVcd1DQzzIbD8TYHAmSNUJPjnLDJcEDN0fc7eM8/Jil47VUDTR34QwQx4i9ezJ9NTb3A6lcTmaK
-S98rq+a+c6SNzd5yURq/1Vfk0HZ+yPPhfqXJeRV3IYwv/ZyoxWckuUQQzMpFhmo8pal60MwPFtro
-CWTjvZPv+zkC/T3RNnZoN7cMEtRhyDZzNVUbu0SWi6v+E7tS8hEzC7coeQNjjx+n6Q+gkRype25N
-FqHJOEgOHj4E7Us5nGoaD/JYfJnBZoxDumersa9G66DvlCJ/P2vNPQHvz2NFezDCZRoNw10Jbp+u
-2kSMu/0eR/mXenButCatgJ5OTynpgN04X60jrCWMNYB3za9Gop5mnEJmxi4PjvqVbfVc9wp3TNIv
-gNPiz4WhPYQq7rUSJTPbG3fOSGIzwTDY/U5HlhCH1bO5GudGG5+wn8Jgdielv5NK/SWUogNEvKsV
-xe1rVtF/lSP/IFdR/1aNUDn839PLKEf+9q///KYc+f6l38oR651BDa+YgHpwZFA+/Ec5Yr1jaKsz
-LkbsYlCPfF+O8JuYWUNbtBCcG+yAv5Uj5jvFgfxngX2T7b9KVOSD/NA1N2Sm8EyrMV0zTXuzw+ma
-ORorMO0XBJlYHpN4Oq8lKH8qAGR/5bIj9pmHqaa9JPW0jfvlpkvaTd9Iz3qqkB6dn9s1PY/IyvW1
-OjtmGFCv9MN7yUBGP0bF3koavLvS/YD1T2sz16rzBE6LiQy0BK9uYPN0rXhGuxmO2X6OK/tWT+Cl
-oLUgeYqZ2iWd5fdRbxy6aTrnNk3csPSkOjwQ+OkvJJSSemSDnddmf8ZUIHWEPTZa6CuleciH8VaC
-ix8xybZn5/T6ZFYRMdaz9VwQGFpjX02ROMWm/BgxEqYn2N9jHSXUbHhWF2QnWJPN/iwhUQVPcSvj
-TrGqZ7KCPIR6fjpWrCrzrXhgqjjaEsJPi2E9OZl+zcAk6mOsIa8BrdNVJcShIvLZLJGHr+bnOM2P
-NI9cmSfJohMzkUpPS6ieQhsRZF4ihsn6u9GwzxhwjlmRb+y5eopCgjYyFYHvkCu+qTW6S6DhUZH7
-IJ0JNFWSzYjvJu2LHVB9NzOJvpLzkzE3D8lSuXKTe8hoSGn6jBKO2ORbJX6aZfDgTYJGAXF0jwaM
-QEc2PH5cItwdHis+95rZezxMGxTw7rKMu7I0781ilyS3mUO+j2HsDOGQtJy9CKIdYOvMlDyGbhFY
-BVfZJK8q15muwAiRVkxSdYBBgSFN55fgZBAR75wW05xaXYEbcBOTDAFLC5JEc5Vi3q4Q9U1ItJ6D
-1jVuQ9csZLDcQL15vJMs0NEIkstyG8WaVzq+U6JDm/Nd1cp+qK9bqzH249ijbdOvNE3aKhz02Sj2
-2YBJyZG8WjUwO5UbRm2BJpE7qbf+KozCaX2nOdVB/Fw/9f7YNbuC6YZOQs7UdC4HMayXTWuNdGOJ
-iogRGchV0KTtFmL6piOIYbSlbVOSjCQZXsaZMyT9ynCIY8/KXTTUm6xs3MikdSdN0MJaBsSJWyDI
-FP8M7xCKmMgGkhlmpKjuCi9iJNsTxVVa5BEPuTvojExmZVfl4d5Usv34MK8dgjQse1oujseunhUg
-/5U7FdZ+1rqjPVa+QliYmuaHhDEA7W03VRV/0pZtZjRe33tj9qTwGdvWq5vSy5ovuimI+/dFJbs2
-0TJo47pNFXWnOS8PihW0ReWPRefTpDR1aSuZxDaNfcAl5OakIGChSZifkkayiWjZahNlUK/vddjV
-ip0wmeCSRKyUMMEwCOkMY2+AnbHIHxe+SmH6FsyflewTZQmmbLkUS0czdw7GMHys+/00Rv4Ukhmd
-Jsdy1Q6S3R8WhFboVWoVlE/rDxnm8yU5MFzbzBzfMpoC05ixQGm7qXc2cjnt52UI6EZCHMgPkda6
-ZSJ5I72NqcC8Wg2PgEsvXRg5HpC9a720LVdTYm+tZnrWw0xmT+J2mgJGJvWJQNphGUxAeUyGi5/G
-FSezUTUXqEugNu1+MbNdxCIL8cKVYYU7YehXYeuJiyGhJCjC9iJOH7NDFjgYbBzuEO2agYqFZ42L
-KtrBxxA5iz/12hEP06FLlj1LYdlbLjLDzcAS0Cn1rq7E6CxygcXRqOtd8gGDbnDA5VsbvYl8w7rN
-YTeVGdgKRi45bgEH8Fnd4+yyyDdjShMm5OpxurihNsSlyFPoi4tQi21YE6nnNPJBd/KjFTZcWsTb
-jPZ0sST1aVIcVpFYvtba8IPD8MQK00Cx2Go4Nv5gHgnmoUgJXx3XIykhivA6ZD7iTjryACiaKKtv
-dmaEekligisn6Q0kxmkTd+qDHYKGwPpdqr2fL8ZHgtgfmCBwezIR7Q95Jd3CQ3wPn/GlWxmHLcZ9
-VhvHpiU+gEFNB8mf7t2oV8+DGV6yeZp9O04vCD5ftNQ6VeH0qV+GgRTw4pr+3EuLnCHrdjF3SB+3
-0AFWhqeKQuRMjfElX6bzYvT5LtWQU2J3tcQ8JATspd/bK8HjOls2Q16Po4ZYFsAMJsjUgBgQl7ca
-2g+qANDh1pXcHcZkaG6ZPR6nheR0kqYzqePJNm0JIeG76qZ0XQ/Z5BXuamDTcYw9sYanWjH3agbg
-cyiCVARCyW2QduZ9Oq8fjHS+xlKR4bcY30NJit04kR60Yb5VZMt3zOaPYcFf6mKdkpe26qqv/X8X
-L3upAAAmUdy/Jqz+578FXyoRA9u9/aE/vYYY1r+/tfup//Snf+Fapky+Gb60y+2Xbsj/+P0kL4qf
-/Ef/8u/NpH+gRaV9Kwp/WRP+73/62//8tzc1ofHdS7/VhMTZyiiXBPxJzFT+syQUvStmC7R9gZrK
-JtXYtw6V8Y7mv85sAXCHCguWF30rCfV3XFMWLS20D4BA6Wv9lTTbn7aeGb1Qq8IH0X8ghAypjWWC
-Xq8yMdyz4nOpzQhZraMyoElvll3X2xQ3GZqd8XqOIm9NZzfJ492Yc2fp2YfvjuDlDzHOnyDcuihB
-34p0BJ2IIlo1jB9EOl1LDoo2ZtUls7RHWHpuXUE2nfW7uuZR0S173MwnyfhaphbQnZjhvHRLztUB
-k/6+c5TrtjECjW0f0/Zo7U6FObh2mm/bptjWCP0rBeCA6sfNfGgWPCE901ogcvVwWHvzppemQEqa
-g5TLwYItc6o98rwMkk1IOuTAYBEPBqinXbhnFTfNne4MfhO/4EXhnpuOKB3f63KxNSxS1xVc+321
-rSLdn6cxiIdyYyyyVyzwE1stPmUKDaRUP5ZSej3qAwBVVq1cBP9EW3gf296AvoIKyurw8seLu6qR
-F1JvISEOrNW+OFZ1qNvk3INelMhwt80hQPOQW+eyQpOoxnddZW8n2XAXpT4okeorrSc+TTpvSmVw
-l0hybVs+zgYpQfrk9ZaznSiujQJuQGqfta7wM0vx7ar2kgZwg1lg0WBl7JddFKuu3W0Xa3UXF8h4
-1yN4SC6jodx3qxakprQTvyJaSh9LGZ6xxDMbyevM7UokDyEeQTiHWyMf0Yuhvm+nHfAZV1+/OCWN
-yio5anTBRvAzWqQHqkZM7gcSULcR4pZmaklRMLzfXHivk80fLjxUYQadZHFHisnodxMIptPWKCmi
-VcsjVA6z90UHe8GR6PkZNxMV3iD6ivXsdeNU0byMiJsZ8jOPnD7/2JfFdsiHzzVyeMLa2ltx9epR
-9mWFLxAXy5cWKYOpV8bVx9REElEZy1O8dl9BUV7bLeDWQQNospgfrQ6+A1JYytxofelLDAtyjfZK
-zl1WjM/YOR7rLvugb2h780ZAQ6bG8QngvLJLffYKeHJEdhAG2pX5SjgTMSvhgPXQoPuGVt051ll/
-TIbwKVnnE62QR1nPqVUtiDlGGEgSYVX0f54ra/5i4LooR82fmIYL0z5mk8CUlN28Gn4MxyEd7EM6
-Gx9qk66JMxyTuSfCGvIDgZoMJwUMwoAKAbob0mZ2SKFFmPGwDaFHzFAkaLJMV50ASxgQJlKBmihh
-TtgCPoFhc19Coxim5qal93yFl0lNFXUz53OQDtYhlQ9dr7GlMZr3eq/4iD02GmUtgEFVid5bsG83
-42qd5nQM1ph+2dqCJS0HOAvrvJeKwZ3BFCCCi6/Wstz1y3JMl/LW1PQ7Q1kfCNvasn/YGuJeNlYw
-Xp2I2YqI9ovio8FqoY4hYTfpSzzEh3mofFNiezmMl6qpwd4avjQ5AC9mbOJF+d7pnUDTaJaO8jLA
-fLI/J2tMUREBwzFgitoaJtsht3AkKsujFlZfxeWvtN1pUEuPoNF9btbXloy6QI/Y9Q5NCfWYAYG8
-pOlvBAA/nccLdeS3+0BMy767D5LOsiSb4IWL7NT3alyAXSpcKqZjqRUnhV2KWAwVq3xJRsNNlOYs
-80dRl8MySa4ZPjM6d399b+o/G8bzQGBCyvOQ/Hftzx8plI180ZW2vuhrcTRV85Tqwzn8iqf4Yzf0
-qH2Am0jObhnUfQJMpoIqE4LWADt2iGT7tle1symntw3kgtEccKmonjXi6F4bgj1ntmCoQenVS5qy
-JaB03xO4mCnTJjXNoIgj36w6Hhbdoeoxy7FwfbXMFCicfoXu72qQyttff92fjCPl77/tm5lRH1KJ
-dklTX1Z9RezebxTLCcTAYQlXLDN0wgkZ/vVb/lROST4ysyqVtpUhWlDfn/QpURZ7KezqgsnEd6IR
-LFrii2fnxL250LSG2XujlmAztfXi5KbfTaQm4/apONs6ueZ5Bqo4DkppQQW/qHsLDZd0L55/olAo
-5+43B+m1VfV2uSaCQPhMNDwnmmh1fXeZmroyNwqMlcsclrum++B0+iZawPRHob/CaZPzYzRae6MZ
-UaclF4U5Vc2zL1+TUx3bF/G4yQcS2OjZtgTwOVV6TMa7vJ28lKqCIGX8AHujM05R6oBrKs5Ju+B3
-7dQre4Tr47Ar+fU5+KkK4PtvJCqj776Randz3gx//0aLgQMxrgNWfk8inmMZE08UBDDAb2yCfTFh
-7+zIPNDB2maPltTd//rTqOKe+uH4MiC1NKagrAVCo/Hdp2FLQRLjwONwdEIvn8udodSBxeYDv/TG
-SbP3C/GAshwF8DqBUzQnazT3bbhuU4pDUdqg1PsgriA9BM4DngmptbKux4bsALIod7/+uOLT/OLT
-vrWSjGvbk8Fe1pcc5Jz4UyBcT+fbgg8uTrXaU8219m9UQj+/bRzQB6hGUE29VYwMMpoxXc3qi6L2
-J3JsntbrOKmO6sRqSBKAqNCqMDr0Q7Trkumeydej/lnUUPCyvC6XDq1peeLINFXlzlW3lWw9KAk0
-tSIL2930m7XdkH96nNg/YCIyaQW/XUnVCqaKvHCcuq70a2LuyLnxrSY8iJU1cqZbwkdPTLM6Zblf
-tfjQFc02L+LXerkw6m1Vq8xwWD+p0YIcFae82K6lfsmmKig6NtDquqfp8akuzaM25YeyVm6Lqr2z
-7GyXq24tLehZkxaXePPyeoTk8tJGD30JwGjItlXFEhK2AcgCZKb1GdL3TocpDZMvUCtvyN6nU8Qe
-XPemlXABzRc1bNMOeJ0K7nw00k65jwv5QvdIzYajqq2epauubEgk6I0e7sydWOHtTDnrq/m6t5ja
-6Vx1wyN9vr0ZM2IXox0aYuLatollE7XBwphdXkPPwMMG3HOQqs/jqu6yWHpginlVRIqXZNQWNa2g
-3s7ucPpuW06pRc3bVMXFqWRmrtN7KIx+NofX5mRtDCAVy7Q8Yas4ujxmruMw2sZ4toZs3GVG5M85
-YQZT5s0iFxS2D+twfY7z5dhUjZtG+c1kAa6yoW1X0lacPyUvAxmruKiZZzv1aqIzRzP3yz4KlHD4
-1EJipB1MM48diSmMYbE3mvOukjUX7obYpDDOvyimlrjYw+kiZvsIWNLQqYeJTmg550GUyRj5849y
-Ww9XhQlnfpU/rLHlq0sVOOFy57QMC0nY3NWr6Zts523+dDlwaY4juK+g7qJDWKj3AoBx1Ur5Vqam
-EPuORSJgZ228Ctd33GFvIVSnBxuQa8Aos92Akz5djF2iKFcl30CGU/O6jUvC0xzne3G5ij0i5qOA
-jcUmKiZfplN3P1YOsSCDlycaRMa+P5ewjgvFflGn0B002nYEOOF9AfU2mPVOnK8uHm6m1e2s1o16
-nTFqedQqYyup6nZEszrDbx2ng6Osrjjbeu08p7m5rStlDx5ltK9p3rqKvdyoSRsQHMh5C1WZ8Otu
-2w21vzDYa0ZsmFp/bEeomEpyzNnClkw/2GeZQF3FaZut6LQWbK5YPSx2b+ILiwurb2ZEcNIRmMxG
-4ysVsXORUhujvuo5Kh1mrsSYJ2EGh0nsV1LKhR5fHA6EvbjnJC5+S0pu4nagRKKrWKtic+tVlYqG
-WScxTtugb0Zp2GfGWfyEDVxBxQkufhvhw35i2a4L+cIjmUhgT66MRnGNLveZBLTdPfsekDA0FHky
-FLG6X7Ba2JoRVGxu11n3hGx+MCa/C0l2um36TyoXrFlZxxgsspTKPGJMT+0M3+lhBpVAamFlJU4s
-TH1XFsr/cBzYN5IJxUNQfB5F1PSsnE1MkUZb3ShdEiewQ6Rutky+eHqFTg2NvfBFiwMX/XYsJ0/c
-+Yk2CHRZ0E5GIHyBmX2A9cGmQAaR2n1i9LCTlBgDsemm9eoze9+I4yo+sczeql49014C8QEWuXaV
-9l61aGyLNmkRX8JsCsbBuhYfQFwgxDiBBLU27JPEgi9aKeKmSyk67M5kZVwCaIv+oNj7HuhHKqVH
-LMWKOxrNfaPlxx6bmV7toG7Wu1VuuqOMFGjV7vpQufQg1OYUEfV0bI3lUUn0O3WOU/Y4txFOVMjj
-CHaEsyqz+0+ZVV+HQN4MldFAHB/gDUH6X09ZGx9MZz41sXUXVu0L+7RbLCFfLGAmIFdAHKFLdfOq
-BlEnC+BZLcIp2IPOjc8t61aqs4d0RSjJ4q9A6nJgdS3QOnR/nBHZB5p2Ef/Ncu6XdTklgnXXA73T
-gd85QPB6DGG65OwdZ9mmq7Kd1tVPgOb1wPMmQdHTWvZAAMi1+1xd4YtZzCjgB21suUi3bFyvSBdD
-MjWbfQBb/kox1dOwWNeMXxkTxu3FmJ2dotFaqNEHTcn1akP46czmMsH5G8prq+pzxEejHUxaye0S
-524zBEZFXmQ1+KxE4Tps51wdXK1tRvJhz2okD36qZb5jw1JcW0aMWARvw96rLFKXZQeSmFEML9Wa
-BHUO+ReLGs5Neu1paW2yMKbEw9MN2qffoIa9K/lZWIYDOCw3SeZnoyVdZqqeeqO/7k2UV5PSfWgn
-5zSmFKnLIhH+OrsV1/bVpD202APNqrpDTnOEqfhc0LQyqX/+H6qt76qINzsURVYiIlipIsQWUazN
-otLOKz1gF/GYaDkGhTqouUF//bZiE/KmyOPoWDapBYzKfwh5sdDa2GnIxogNfbDy5NdlGlpWvGmp
-+X/9Vj/Zg/EtGJDTmZUxKL+txZFe55K+/FHYNYQEj9BS4gxuTUj+tfEk978pYH8ymncU+k50W9Es
-0vF9swMzHaAsoR3VF/xs3Gf0KWUQQIm2cWaVMReu5eZ+Bi2wmHR5mvB3b/+zY2vQpjawHaKAffVO
-flfux4zGjCkuGjS/IpQYUA+lGJmnnjk027WwfFGp6gPJa/A1tNTYW8smb5KtOPwp65nYEv/6FPyk
-VFUQv9OYNnk4GM6bDV6xVlYyQ5G6DAWiMTYpO9RUtvJhJiZQU5/qvJ03ld7+Zhf2k374n971zYnX
-JtXs1bxuLqaYW3Uk2oQtqSnSLP/mjX769Sy6/46G1Np8S+Kf4qU0ie5rLoSsjEBOMH5C6Kper2lH
-NjZ9xUGdfvOmtvj4b28hBK6WCNbE1vBWaR4tYZhZfdxgKwiDAl+XPcPLwfjukJxDY0UrycCi/8wM
-cJdNMl285CQel+HYBMTA6lJ83ee5K6p/0p190TO3cykA2bYXH178nZ2R9SPV53LGe5ltzTXfSZV8
-0udgaZLjZBkPbC13hTqTFRxjaV988YhParBScr7BgIo0ZNg6qMjEfy+V6tSA716pmYxpcefuo5xD
-lcDoJIKb8KRtK7m470bdFTUzK/fNYpy00TkaXS08IhdRJcv9tO9t3ZtTFG9avO1nhZuog8Nnb6V7
-lZp5pkYJq/k8rrWX8zdibyO6zcogqlQuA4K9XUfptuGcb399of/s1jMZDhmWTONFf3vrKZbG47eX
-6ouD3USh4IPY4ppWHYhP+fpWf2lgB/GP/78dxP1pdvf/40yPZNe//++7syOmh3+fCorx5P/4b3/7
-5//1t3/59zczve9f+m2mZ73DG4TIS35l66vcZ99k5+Y7AuloU8o0i9lkc7a/DfWsd69UEtRcjgzI
-wWRJ+DbUs97pmvhtwDBsoAuy+VeGej88vFSmjHww6mvU58wc/9y6iQ0l74zFbi8wUxFGrduhtfZR
-qkMBaP260w9T2PzmGlatH3q0vKmj0Lh0SM9AQv/GNKIXsrw6Q91e4gJqYLNISMQxHhfV02sMeaoy
-QTBC6XEBXjTkEvp08XO0EXHwNSNIJki26aSyQ52Wj0sYgTgTTFcJ0TqEVBHkqvHbELl3kLQcp3h2
-auCvg3I0EaJi5Ea9Kd5zXD+Vyylund3aTHf2ON7mPaHg1qjcEpeFy8PNanxcOcz2P97NflC6Hk49
-vkV9qj9ZRL+AM+cNif58qIYayJn6yRG40ViZP6+W9JJZ6gprMVD7uEJFBAF6MGkXRkyLMiLrVR3G
-7gzLehn4br1TZpsyvTXr9cUSRLwMsVMoWSh/gSm3bGjQidvTdeOEByeG6OoUH5IxvzG69qW9x1N7
-PxbzwbIJAwIHW141JYeuZuPZmBLSNQ4REPdjS0zBIifPr5DRea7gFM3yo1HiXHdEuFx+1Pvx/Arr
-S7KP8pTkqJDXRw1oaRkZn0jeba60lQj5SGGj7RSPo6WQ9m6cq2XaGXZ3jre1pny0uxXlcZLfJFbv
-1YMGytcEuzZtwxZI98TKVa/P2VgeaiNpsDtU70fS2sLuyFRrm9vGIYq7h7HVAcLDLp4/YIM49yVs
-YrN8cDRNaNbuu+SCapduCQOXIo9uFXLQlq66Xyv9WSMaS84+RTMObqgcXhqmNmmnmB2ibGQcO9xU
-jnMftektyOZGka6c5mCV6yGL0vfG4MshQ2EtQaBrdryus/Zaot+P03oolvzIzitwUNEhi1zPsmTs
-oupTpA5fJ5UQhlBjOGPT8goTX3BlRwSTdWoYEF9QPtJ6KDex/Fwu2RO+NWyC+HGz8XOdNA9rwwYg
-CstTKPF7zA6IPcRr4MjOhHHCCdQEOXoWEhhBy2VTG+m1TcO8lqdT2knIBRuyT9IOMi4W5kL6SNlw
-tYb5oZEtt4vbs5Cas64oV+O6cdSSYMsVijpiNEh970EiylwzazV+nXt5E87GS9FJ80aptGe8Gduu
-pXNfMXAEQ5ltGrbSG3WG7TGlzU0i8GHT5K41Xc0J8KOiljCONxG1AgPLSLky9KuhJmlLaz86mfQg
-dfW+1D50xqd0wGhbdzeOyW81E/25Vb++ktLTceIQLJ6KA4z7y7rSqnS/FA3fpjhj6s192L5fipbE
-5UnvZVhw9U1mjdhWOjiF6Ey/W9ovf5Q9fxIb/CCHVbEGIXxAmOvg0rHf7GPW0ME0XcXdRSL3YxHZ
-L7l2p1SrS7cAaRzyqBVdWTZg9TTig4Wi7Dcf4CeLJh5TFn1oThRjb7cZmc5Wdibt6bKEjteqcdDU
-1a4QoxMiecCUbhRSQjAkG+34m70UX/BtKciXV2wa15aAoWDB/fNTwqmdlC160V0GUteuki7F2F5C
-eNSz6FGhKYap5JPUYribLHcYhvtpgFWrFNjv06oLcDIcjEH/KlXVvqzmTWRo11Fd7Z148ItlYole
-Ztm1ws9RpCqbROpREtsTzoHOaw6D0J0u0fo0jtGXwhIt8NHPTSvIdQdeWiVAjyaygTRbv46hfQQi
-vTFLT67wRFfROXGcDfmLO7V2RlxN8qNVTw9ZsS+kBjo4Bpy1qfwyDfdL9EE2qs+r0dC/LIF68g3S
-WbuMOhjjdvoiG+mjZeIVmVAecmOyjH5YoY9qi30eViZBMu4F8FIIEk2C1+vxQcCZp6T2xZ9hzB8F
-2juN1MfBgNER1luTgSh4yPi6m8x7y8BL1XfZM2HorDliGF/S7OSqz57pcMWS/aTVcDWL8b7kikOB
-phzCXnOXBqQKAJzPrzaTSB+OSl8LXu+VnLWXvjRu+nW+gRh3p2cZitAQBHO4PnYOR4qgVRljD7l7
-18SzbUYLHH1UupLd+pb5QRGc33wZYhBzPKXyNDwS4O31zvIZ2POntZA/S5/mmueWIIFbKe7eYqDP
-jwQGTAjfod/RitmRLYb5S7oLcVsJEq4GF8nmPDk9v352mo8FxGE7Z1XqecDV6AC3+Rztpo44WKiS
-m07FW68BujRElHpyXbHqFbJ6KMPwMLAcm1l/Enec6USbvVXVLmLXpxZ28cztGWkvwwqYulTrDxmD
-pdrWbsiEu4hmJYXCTSlpNwlt56z3tLw6W3n3xCDrIN6jnDRCbM/yKrwf2MaVae/0qHRaPWBeTJ+m
-YuVKlizdQI3/r8r7H3VY/GOV97/8+49qOij4/1G0f6u8nXe6iZiO+lmzgStTRH+rvJ13sixSsmlg
-UHcLod23ytt4h9MTyIRlWujmXulh3ypvlHbqq/VXxqBpCC/oX5DT/VB5YyM2+H0qHmaH5tGb7sES
-pXMaRXZPZafeDdN9D/BfejTUaB/Fzw44pF8/P4xXZNWf9/P4lnXihGDDgSh7VU5817aRIxMaKmFa
-F6ewIAGm0O6yAxzd7TSELGcVbRqJ9jGCemU8VHgYugaxdJ0eUy0JaAZdl1Z0aLp0P+HvpKhzivYG
-2PgmHQIYUNdkh20XGBOdrPi6QiyAHehhdVOqxxLxNlLtjSXDSHGuTRVGc6HtaYb7+jyeo2jcV8O8
-K/MFSbgUSIPQkSe7usTFXcDuoZdrQNHV6pnpKAG3mRr0pubiSPnYMcGtyosEjGtIcx/mw16fNnKM
-Q2Xx7EYoQOIzL3geeCD3pfpQjemdlZjeipgZTc6mzHUfXskiWZ4KCli8T60oblwx21CTG0Awe6tI
-N7T3bkXKTR2arqxOnngzotSQx4WzW1rJWdWS6yl9VMYaVH2NfHC+TS3BZQrdjNj5Wcp2Sz2eSJVp
-PMyhmxQNmQfRBkV6e2/FxDfZMQHiK+qr6Ez2l5WDf4fqM+nOQZ9FJm4xLhttIce2kHBbLAouuuok
-48gzy/hefBZLzve5XAZKmzzEheQNNXZVEJtnmRf1a7FvwGw2c0uqWvwyQYDpkQHLaB3iuj3KwTAu
-PFoqt8jxlbQO6Vbhvs+Km4qYlHq+7tsJpGHlRStnoejP4p8p8x5jo3Wpv/CXVEE6ppfZaDdF2DDO
-pDKLC3yLuB1vG9t4SM36XOfSMeNYL8vqJR3VYw9gPJfs06JDhcOuoEvGRZPUnVXipogFHXhknZ1G
-38DOe2Wu1AWNTCWKyMiNy5fMCGkNZd5gNruxLOlLsVIT5zNLt40RHSlJCNFVg0ZSjvkUHk3GtI1G
-mz69IVf2Xs4nry3sG2Pp71aVjU6R1/u26a6LjrTyaiMuZ9otB4fXSI61s5KaQCPDL6pkm1ROkOfS
-jgexW84EEY9xoIO9X0WCjbWrreQk5lhUM1dMfDbSXNFgH3mwmteSUh6MdN11g7nDZSg2CNfjhEuC
-T9wv+hZyBT6QNdmHOlebVaCgmw4GR1KwiRlXHKIUuQlXamZXQY1vddX7D+KO6cph30jDjbTQurLQ
-TuTTqQCNZIx7xcLI1ZV7ccMazm6Imn2RwtbJl5243a3J9uwFLaehnfvVhjWvBtHsTqOyVaf6oKXZ
-dZgQsc3ZQZxwNGwqJ3FF5JG81bqE0OnOT7J8a0AsU+3sLI1DkDJASmHpsPG6M6nQ2XzvnSE9yFNN
-XneLLDLbc5g24vWl81Q0g0fqTlBE+iUDZt3VORRclZdHW1hFvjg3nUwKTyeRcjGhdGm3YkWKHISi
-qXqcOue2VqeLAZ5dQ4e3qVpg/YmClRafpmvrQPoG88lR6lM+j49pywYndeVu+CrSQPCtPZjCIapk
-NWls+L1qDTryKo+0EwomxBPwsMVEoxdh2O7oPYjcgIiZz8gQzxG5CvEYvTejVeSGa/cZ/PpQ4ufn
-Jcezv7Jza00Eutlw6mL9QyQCN5r5qxbTBYhSQtdUEkmYsGVZiVQZnWvczwdg25t1xA/fpH49qNte
-ReUpB21FwJZU+YsmqD4gyioVDzfUVUjZxs7U0dNY6w5VE1kP3XJiV7s1F1wvBcm7HXj/wiCoRs/h
-hfyRgZJl27DIg7LEPmLlw5HGxe1r5Au94UuoKWdx3Bo7fk46JvxmjXfKai9NZz5RfcebNcWiB2Db
-+z/sncly5FqWXb8IabjoMfXe6XS6s3F2E1iQjEDf95iVTHP9gDSXBprUoEz/VPURWtdDzxQkw4KV
-qZmsnllmvoyGcAcubnPO3mubqbH1PPckwFkXk/uayqyc0YGt28R0o8VbV6g2co7hR07F0sz7Z1Lg
-gfLX2Tc7lc6/J/KFT/gDgTw1Ngd1+icUlzedTsRdQKFl1sRMAmXF3Vdxi6intrHJgzLJniFDzEXt
-eI7u0RpqJ0QpLseyPwDiPwRteaDP+mYa7JxHgvKAlmHIEJQ0kpBYhLglkAJV0MkhlcmR8UwEeVCO
-GUgwktFNQoY42aQ5jTLWqZlocWc5nMWkAbXTjUjchgyguhrkOmZr7VS72rfzn6plbJTnKy/4Ooh8
-WGcyVqqFJBABRxzJmxoJkellAJXbNquAJk6t02hd6aRUJTKuKpDBVdVEhBVUasokT46MtqpUQq5y
-cEDQHQm+aikh1CRhhSRi0TV9aGnvktJ8V1QarrTixo/ECjUFudrufFTHNUdZkuyaeUvilhJ7C5ej
-kVJgDG/I5BpRw5K6pG090roQ3QOXJr2LFC99cvBCT8dGbR+yUdtbxDXEgrzO+E2eICJaxVDEjNkk
-u8eKku0m9wauOAWD3IIFJx7g7l8mNZ7qAcOUOCqjfosFfJS96eDcpaZdXWtzHuFlSxNbk93skLZ2
-TXv7z3uhT1V0WB98dA0IrAk3Qf1wnM3yOFdFV7VH03hhPl0WCYGFHCt9jgr/yJUgeDlsF+lEyk3g
-L3suCrklEv6mPYa0O2ZSAhEzCTQFB2hPn77a4n08pcuv9XPTyuaWf3l/sXaKq2rMyvZoDxr6C3Vu
-6MA3yLL783eS4vZ3+0guAzeeQgQByHiRP9w9RQMNm4d0S1i7V0kJjVn5nrjGcUyhGYzKP9CG+P+x
-x2Di1vn5zy93/3OP4b/9r3/75//6ocfw61/966RDJ8G1NAMXuWsZ50PLXycdC7SNCZhM+n90aQ76
-66CD/Zw2Aro+Tjmgkm2Gy18HHftvumXwV2Q3W0eLaP4/HXQ0jcomQGZXs/jnI341RXAFT6ErwERX
-CypzyHYsgvZcUrgwikTJsjSnL167Tw1TXgTQz7JRBpqO/sr7N2EI9GywCHo7TgpW6KFiintyjAfp
-Bpbe2UYB1Z/ZX1yUt+DjmyEvS5vHtXhEbHU+vIBwwlE7+E1+HLTocYIPAmanW+itRqRj1ZgLV6fw
-Pz06JvZp2/+m64QwYCNsSfs1H81KPalMveJgj1AEnXUZjk/dJDzKKdbSMOIfJB7if3HY3yRu9S3w
-Nq0Z3LUTlXPV7VkRpyuIhCvV7G6b3tnI012EgqpDYCS9maE7zJtJOXiqfZGb9Dl0lWoziWrk8eA3
-rgKdxM36ZcJ4m5s6nsfiJKW5dWjjn+wWhpIsR4MIZyEpv/NJJuJ5Cl4qHMRN7+FnbjmRtPOmCbYO
-s5sDe9rvNnV+SstnLx9XWlguW73FjkT0XtlupNlWPozIJtpTt1DQYysHiy3sBcqCrJpXIwLLqVgl
-BlLmRKfr7eEtoGxNMkeQv6nKqlXH57Km44ssTQbKveihs3IKRcPiGgA8jS68upjji9E8ki19wn9b
-c+EUhHp2rz6KslbTHi27e7VCddenzkhVPLhKS4rcGd5XV+sF2ccVvVbzWhC0OrfLZN6bpLvYevst
-iIqt65IJhikYNR/gYG9bdgqQzpFT56uIvktPc5TI8lePSTpcudwFfmeC+JHzF5I6lT2otSyJTr29
-CvKVh91Lvg21wRmGPOiMvBJKfjPTuafYTjkcglG8SKN0boiaCFBjXjGk5XsUOslcvlPyG8phXrna
-ovaThXppEciB3UUtHzAHuSb6NCOhJ07xtiQ/D589GVlzFGPzNgsWKmDi2m15KC4tLlK6jHEbEOc7
-5hYqGtyr9gDZPF32NMeHnteXKBQNfpIvBu4mVpYGPK4SL1kJV15O4G3NwcVeCXm0JiTYdpKFKxV3
-BW4BdizSRhyF41L+mB4sQIRYTP5ampTz3CPizl8bFWHwuHMqNAIV+wzNk72IdCn8eJfmgit5i7J/
-LYzuulHT118m299U/X87j6CkshzDoir0EcnVoK9x0erlR3kPiuRuiASHW7ZvEuzA242Bq9bHw58v
-Kj4tsHIaMZh/sXRSb/+4wMaKWg29gs+S7e3sWRmjpe+TTutp1FQ5EMYeCCsOxDw+Jyg4eGsb+f40
-Vr4Mipbk9ud4+uI+nLsb79Z8+ZFQ5xtQN6mlnWtLv+xj6sQedT3gI5mw8zsKIgXogYQ7IT9NOZIL
-LwsdVbNuiIBpjLmuNdQlim3MOFJEtxhHayH5DRKQMHrEtUfU8Ol14cCpavJvKeDK4Zalkts5rEt7
-ugx1e45ofjFM+t6q3aXsucQjrQ7+XWV2CcbLhpFaZ+X5t6CUzV0VI7vY6R3FGeS49Lw4OhlQjMAm
-oDipuUNTiz4rMFYwx49edsiAlhc1lW3Gvs06QVDsI83KlZ4puwwwhFORcEtjZ8y02zQtlmZvcUhF
-ogrBQC0BIijBimDVGV3SZVJlG7aWM9usl5Fe8+8A/uO1jr48Drt5n5T3NZPj6CpfZD6crQOfno5l
-IEyUyzgO3ffLXSZiqjFulB9TjeYHY0TwGkfkqplavpCQDkPxthIMIWcN17j1ouqLPaEspb7fFNLS
-B5DH8JAgTrbW7z+CX49wYfKwPOZEgLlavLBgWtTudK1nEzG6S6oyZEv5SyU0wTsXKyXTZDDH7gex
-CesIkn+Xn1zh7/NkWn3xOv2mc6cB6EMxA3oeSKl83X4ZuznlOcUN0fTapbZsm3jRkDoX5SgmWd2Y
-IvWCCZeRJCxiLIm6//PlP+8JuDG/XP3DjaGzwfiJneJIeih8cUxg5LLJ+ZAF4s9XEvrvngHlXSSP
-CIQ+ZdqomlYqbmkXMqVog4h8Kdc4+SIwdab+LV3yhUgeckHelbotw2gD3/+LoSi/zfuRaEEmBQMK
-xZDDwUckcGBNfey5Ot+WxaAoxHlrQNTEXLQkHRU3dWFv//ytNed3Q4/ivlTeqEIW7d8/31GyNsDt
-FEc9wSOc0PDvs7UVVGIOCr1ZxD25MJXnfkdBMTMwxS5sCcEoA9wVRbOrkP9nIzNaU1jcMTelg9xc
-JIBLCpZZM7h1xu+h3a6bKVxNev42wocntmeRGDVQ+3ipOP5LLOiKOqR2VmnKGIpxNPtW8VCqenvV
-APeap/xlv0sf7fE2VR2mjNQ/CeUC0Dqo3gZ22mRGwI6ARxgW9ajWvRk0/z62ze0Y+tNyIN6Hrl2+
-DUJjP6jRrHAD/LaghHzif6HvLCaLRw26EAeAplwoXWFdpkaUzexZGz/4PlMBh2GCoIDTLmnkkiaP
-/30WW2D4CtGvIajzRWCW1WoilkbepAucnXdVML2QB7ee+mFue+qzYmBkVREh6hWq44TymkYRyPDR
-xMDkQH9Z3qolZaWOdoAbEBDtteEDpgnk672sowErHPyrqowvMmO60/ogWJr0cBUQ2Vr2LS2N7wp4
-23lVYGrqKZw06oPlNrdpqe7bFtnCmGwLfJl13wF6nCR7qF/XGE9CZUSzlD6gLlDi20CXmD/vAkTl
-RglvJwt3fjnl1WJQvOdsGE5jTdClk4KxG/KThkkIBwTkerg67MdFR4rRRCTjzCWwJCmf4+gxGSIS
-mZ12HUwkHrbea6gX1XxqKHllJ6udno3WmdNIDhZmpD/kofpspxUkCmMxuPUCYzMIj3ilK8N9k9HP
-cG5rx5nHspQ/5ZtRSKFSvLZZQRV2iCTJz6Jybj4MTbv28VPj5SA0A6k/1ReqVOUsr7ckuW97YZxE
-UdNSv1KqjlC8QQbGEYScLKGYIAQvdxOQvIba4BAa82TYN8a4jIxuVhxqbjPw+K3T1AezKI6KVm4y
-bISBpy78sFgGps4HrJYWRYoafCRCKyye2d7WrhNfWUeEdsen0apXIOx5gO21nqPRLMd5EWtzzU0o
-bnED2NUhoJ35jnrHOrxWBsADrnbou/gmT7R9Zdav8UgIoTHtvASjYqtuRgvNkrO2Y7OdmTDyEaYv
-Q1q8zkSjvwS7jNwhPTiPrruoFO2H3fO5Y5wgOsHo0HHseVLdpBit10h1yNAsHfrB4ZPMmzbZUKIm
-9cijMJvFmAbfIgJENXtainy4CWmA12Y+J1tnGYyERXTixfa0RVMF+D1JmocdgdOjvyL07YVQnqVt
-dSB7lGXQXROyES0m3Tik4+vgE7zjBvSaldam8p+v47rjJ2b95jzv/Yc882vkim79u0on//I//u2f
-/+e//ss//et/+c8fCii//oC/CijO3yyEiGxyKdZRKGER+auAImF8QPh00tTo2PzKBuZ3ZB0MMo8N
-hpqDzP+toEhssFDBLOj8vXPr+e9oFQtKLh8XVt3kVSHTy7E1y6Dw9n6Ry/MmGjuNDfgQg9QqzCe4
-GD/03D2ZQAzAAdkRaLeewnio2U9divM+NG6IKSezuEa2QKXnVUepr0a8Xp6UVKYFrTSaC0TJk/IW
-99osIsGALOfhjdyFivp6QaeHeBblSZMzi0OM5sxkSkVjuOlCztwNWaeR4Ie3HRX7aWx2To4wsvSh
-FcQsbEXTOQDYkEqMSjZrRYpny9n79G5mo8yy7hTluk27WyWnVdLnO0m6Kyfn6UzRRdKCiUrZ0D9f
-NEN/M7nGk+JHMrAU90pc8A1EUV2UnnEMQnVu+wPk7+4k/2jie3ddF6zsYvpB9BgNhiR8E1Z6l5Sc
-KgkhMacnEYo3xUXZEzcSbpya80AL12d8cuvWT20S4BsARia0WUKPx6pYS8mBEon/pqVUsar+Usnk
-+hfIn4/Pcya6ZWyohG6gKoVIDyk5AJtYIU8fguqhV4hE7ZRXvyz2Q4ekB+XLPPSsKwBr3+K8ImzO
-FjPJHzRUdJpnqHJNdheYsol0Sv3m3M0JWvUtJ8PVipNdHTivpZK+kOT8hsR15Ue0LcmonbUGTlvd
-vCR49pTX5ayw4pp9LfKiTrumpm5QeopeDIyTZklumO10wCq+p2XcIJQM7jzoUzw6VpJo4PjPLSp7
-xkVNMJhvTdfuHOj6W0CwHL3y7NFEWCQT6yfLHGfQpYFKJ3Ioxml/cor4MQJwZgFim4GifsrAdbmS
-nUq3/62i4WYGzoWDvlVFaEMI0EI+qMarnynBvOnjeNtD2R0cZEFKbIezNofL4YDUi2LQr5SOiMgu
-LgR2To7QhLorcH4jrZO1NnIICx0nMAC4EuFtEOGakje3D1TGeYFutc6PRT9eS6x1lyDkjPzoceAV
-cuj/UtlKHZpJXendJrl4M7zxrYfrPkuzfk2baD1GtIl0zlWg728MT1SzaWNm3U2Z3DPWb7ViFZEB
-nk4M8ppdYRBF1w7tl7K/1YPmtmaMmwFfKPKxKdbFOi+gm/gMpC4fj/Kutu30UJqrUjnqKQAYG/Wy
-NcQlP2EdZ2tlpFPdZ86q8nlBC9t9an2PxLbMONWzBElaG7pvMMzmJZsz3tYfbgIPN8/T29x3jmkz
-XYX2Q9J6t4i3DufxnwY0+VFlL4zK+K4Z+jEH58Nk+JQp1XOT6pJCDkiMulhkKPfoD+sZuZCAmKOr
-dGx/0BoEKteNCyNXj4Qx3ApaeU1kajNtnL4V/g1hpq8FbBdwINKFwT4UYTkVFdU2j9VgPaGfAwHa
-7/xpfJgo8TjOQzsWhzIbcItRqey74T7IpmsnnDAUa1CGyguVuzL/OY8UNKP1lEeMrRQlcrhqxl1M
-3Hsb9JeB021VtdBRSPYX0JNmo1FgIXb4LOzRON/zjHzogDO+SDDDSbEwp+DWlS9BX5J8qsonos/a
-CfrjMDiYUGtkbbC5i1L2iDVl1Q/qth39u7EZH0K5e2nqrZi0N3Pg6egTr3Wd1c9NPi58hfAgl8xa
-eqDKXdaGl6YLLbUDQmC9oNnBeI2awb2wPZSNWkFjUiDATkKoOdRJtUrIruZjyU1LqmY1WjQzAz8P
-0HHQ486Ka1No30ES/mC08yYgt63DZl3GKo5fO5vXbtSTHBOcKqPfAzlmLyn5w6Ka4DHyU2pk616m
-bkepPKHxXNvJ3SSB2sgiZyUnn9pmEhQIBkMg2GpXHpKu35ZuY83ybO3rzpMz+Xeqqn53g4VcNs4v
-pOrZgAYr9WW0CW6Sn3aK42UG+WYgDn7Wlsj0Eyk8TgRkqr58YtfNb9cMNRq1tO/TR2EToedSn5R/
-lqJlOWOW3xKteVtk7aMbUnrmGBP2917rYcV30QCrQtvFHDNqxIrU9cqZHGUJ+tRk6u/lytkZvN/l
-oB1MshBdibB3mcWUYPyRneUht6ZB8GBQBfciaH3GGUMh4cHVWED1AblzFT9psXMrZ6zz98xGO52n
-1fCcoox3UueqGNW1KednFab3uXnN+YBRaB3GzN3ZUXBRNyCgM0YLXCMSUyyN4G0yj+aDoTa7KAB7
-a/Z7Br+U6APKJsrHLYAmtVgh+pqRmbBBZb6FfU28Grh9kTuHUsHoGYX2ir4PalmJI/O+DZP1wnDi
-WSva26RY87jTT0o5Pp8nEFPgYrCsnSZFm4ad3BT+y8QLTEQV+s9avsVT/6PMu4Vi4rVKlSfRmw8u
-iV0ztYq+maWyGviz7K/5lU4kIMp5DLlGa7x3ghsvIMPReWSOW7BOmjMiozFP7dpkugiE9RDk8WMP
-lNPp+5WcO/10GtmteEdbb3aqI63EYbsbJrhVGbgYM7bQV/i6jhX41EfyZJ/T2U5CYwZSqJ4NpXqf
-mmxOmPoHKbGxnWk+yAnCBmyPdy1D+2q7m8HIUagiNz/bS5ArLwvbfhxaBBucnSKi7PyVUqrLwric
-Jm547MG6AkIwzws+nwHLIW66jeEinov9+/OtAsRKLdxol2U/3qnRNCzUTDz3Rb+K7sLAYkeGgiIX
-Eosfk30G6EFLDoOioQsYxzlFipNZa28pqsPZWAMkcsYLw0keU6d6EkK5ieNug9piO5TeoW1UauRe
-h17AnS7gWez8kjnZcSU0uXKlkFj2OrQHPlKGjMx8shJxsopn32QYuV4UzM/LvDNZS9zF1CSSl9Hg
-txSRrsPU3YcIfrugplOmt6/BeEN4KacvqvcsNxdtTAdqIhAXtoG18nVSAJqqeOr8J9VQtooTokdi
-js0UD7Syv9Qh7PEmhSu7CXeJZn2vh+x70ri307z06XOQ4JPMRt2uZ1EVvVHKnNmsszPoI8mMDHQo
-nPwSpBRLKlxSmh2o0jT2DLH3WpH4I/pXi4wyRMokuquhXC3K6EcwvJ43Q04pXpDQsZaHwVoV5VOp
-s1bFvv5GtvuzbvcL6KZsCeLo5fyhO3LuxiJ/pBgSz73cYYkvLVjJ/Q7SatjvG7vhAhM+jj5nOtCk
-MMSiKB1o6guOIzalm9xihupE9RKYS1/nYZiI4uXbWqPu9nPvW2nWF3Fa7MnOYk6znVmn8yqnaFYS
-43vnTKu0i548F5GJRxwhwoyVXKz9IXoDZ6rBh67kMCSjTFM2ivxj3fnDTukTG+mx6p74z8jmhdmy
-iNxrwniW5cRfPD9QZnqm99gm143bPgG1iGosQc0c7+WLyPIXTSSHMdD2MapNunisGbm8ZUUT7aTp
-h8L2dhRsMymgA+PPvkV2EMyNV9L5WBM97lpuVifS7S8Kb1ycVUROOayDpL8yJaDw/OntCLxwgFho
-q5PCPfdrtsvOMLz5WrpPM3MR697Gki+DTySe4b6WUmakKYxu6k14YqixQZym6noKOYh4On+dZi81
-rnDYqAd/LK9Sf/jmSHuWqgyPqvjuTIwvuReqB+xEesPCRxvBd+FCIsBS1ARhlA5pGj1/kbyQPLLQ
-3PwmS6ggJcOjLo0uMaIlvL3ZXkzhnZ7tw31Dim1TwT3RiV8RPBWV3ULf7LHDUPuOY5jP5UNKzQ0H
-zKDNAjs/WQqgPduB0WKVz5XTrJD2vCRgYmyZGnJ+C7BkTQjLWfxIG95R8kA4xkqZB+LNypIXlG13
-SjkHs/EwxN2tNREt2NrOFa/71jfLrdL1PzSbbz6NMCYt63gWh51vz2CiK0OsNDr9C3Gjrpqf1EoB
-6mtd+D48R0/sLa26TpNsIbeOZloA/x2KRVfK8qaK6jdWH1w5zXUJyZ0cih684Kg445uv8CUN6TnT
-yhJkrrYNDL6kxYQ+jvGjSEieVO/Q3LBBRaGy1B0cEaUzDwv9Jcx1a1HZcHoCbW5LmnXrR/uqI6PU
-Zxeq2/d6H85dY3ozBDelcPKnyhrqWQPBYRzMTRhqb/JL9z2eifN9a9Gg1Zepnj8OIRweE6NBWlVP
-lY3cyJLeQfntpAKvKcrvvVHfRLiBFct6DFXtsqkQWoqRJcwXGstmcUBwKymd7nVubiE5vjraiwic
-W720N3ia5kL4dy1aKF/FfKXOkX3AINaybBFzRkHk6GBj0qtl7cSXRQbWOEY+fZ48oO+ewP32LMuc
-THTaypN4GkKBbNN+cPQrWnIz1XK/j1nz7Acd+1Tjx5AzW4EDNOUpUW/9O2m5YiMFLsJYdwMzbmIi
-WwyNqeW8CZuE+dDs2lNbGWzkVHZCvaLddhine2oI55sBJDicC/rt7ECvBifdJnqxS3yLPb5unuzS
-IqR2eOhDCn0YH91Zca9V7hX9wMuUNz3mfBRb6ZEtOo8LEe6I8NEweSOl8jViF26YbCxbt9kRTPNa
-j7eCIPR8bK8g9z7pA/YR8CYX9JaeWPV45PrwFjkONHuOC37BBFxPpONW3205FQUplpmRkmLedW9y
-SGTlC9mXD1bLlmw0JXkjevPz/mSBGIJ+IajWipdO7X7YHac6NNcLQnkvjWh4C0yEyoTxofEk3FLX
-iwvb1B+0UbyFCrVAFHDf2BZTnSeMI2yvOnllp0/JenXJqRnvz0/AaWH4Y2/qZ8xDLCAgVSHyIOhk
-q16HvJkNTGknN+7hjkBIYJQV3bMlGZN5Oid5uFM5dRMGj5RCK5+tIXzLu7ZBj3FlCvuUe4IVHAaR
-1d6FrfasZs2S8gr76QQNIDghdoyhnM8rdquzxAeQkorleZ861iVkqvzSHVyaGNFwn/f2NsrRBA+y
-9FJP6SbzrK1LYZuijvN6Dohi+8CPoTGnh8mz1Uz/5w/7onVn54XGaPJvYcY+RKeye15rpfWnGF4t
-o3+aTCkDBcjP0Uj93lMtT2N2Tmrjv5yvmYYGiKKCww6zGaexkzJ2zIy1wfnLeR3k3rYYmGhsdSDc
-OLjRasTkYqsoNvGmym3pKNdnU+o4lvOiB8YZ56wK5xGRlagrEaBfKg5gJLaBo81WzePMHWcVspSJ
-vXlfule9G2+n/tRU3e35XclS/SEU4VtE4Z9VvVo7frqHcLUuk2ibQc2hgJss6C3t5EuuUr+x+XFB
-PqBlrwBIJbM4MjISttK9xomvhok/ZsEypnlQAOGsqmJuNu3OTylh6IJn5BZszFp7mmUm9R/biPcw
-4Th68hbIg1svyguU1+DSKQaQ/kfxjpj6dnIf4JUttFA2GeoLGq2HQqK4qKKcxawxCYdZXAKnVA6M
-h10W6FdG2It9dqX38aYCfL/oQX+ThnlnwyLEcX5Sm3CYk1B17VGUMSVMfVNIsLovEesVrPXcoxVa
-S/x6Bodd0yBOkHO1G1yQ4aqEtVtQ253Ivoks/8lXxKEXYbzoOvNpsscjeFx/a0F+x4lmzfmkV1mD
-mGES/tIQmk33zDhUkpqPI/g4JPU3NwtoRTnOJQ3E8SLsxDr0+/bSZnJ3lQbdDH6ZZVxxRNJX3Yje
-lZT6Q0sERh03t3HuY7HWsrsxEfuK8op8XHSbKcgkC3zRl1n1FjaclaTd7TypnEXGMq8onxRMGfMh
-08ipHPZW62GEQLrElGYT39F5hAPhrfDVbFnnKXu4rWUr1xVOWofwj4QjD/S7UvlWDswkVEPvFHm+
-x2rDxm2cUcyaE8fzgs3oRePa5xfBJm5EmbCSET8St92NShyJEYhLeLwhoViY0+2aTgUhQo95bVPt
-ai/8hn1kIJ3mRBpruGlv+BXaRiW7IaUa3/g89SxOm12tGyCrZnbmvp1Pw16uvpGd9mLm2jJS1AeN
-EsqsU9GMZ167H83pDs/5Q68uotJ+quvgfhqlpNkrf1httEh61ml5DCila9j02fdnnElmNRD6Pmpu
-0Xr5PyeURuRPqdIsGy/byHdbIOyw3Q449r1pjXsONbzz4O0b8iViTlAJlgWKbOyZShO2CKcLO7DW
-o91cyEeUGupDJQtMSkhhStV4o7oXR544B1xFoWasC7mhVeUqXef6otCqvZpR41BG77kJbruiucFa
-fS1wGbResRvNtZtULz3cTi/3H+i6HjUZ0gUvQCuthjXzBpYmi4+sP5FVgCDcuzXJCc4pEdqmCuVJ
-mbHD3VEspgQRDj80mHA0CB0KFMmm4RS/Vsp+qaKnXPRuszF978WDfYmpkzZdyNKYRD8xrP/R//l3
-9H+A2f/85xepwGfp7M/+z3/677/p//zyA/7q/wDcQKSKwgmYvK45iEj+6v+Yf6MnROASUUzn3tCv
-ClpVKqKQvaiq5mruL/0fE/K+BYEKIv/PSMm/R0ErPssqpHMP2K6B91tHXvG++8OZv/OaofEOKgmj
-zqhIv83amb6ZPm0aeNBldQIzlqhgba1sHrsy/qxZWHSlU+rMg8h3dJduwuBLAPTvPxhYIhWhmqA7
-9f6DTX2WiHDsvEOhYUtKyssxbdatV98MOqQHO1+5o7dMicXNXRRqSBnoTFyVsTPPKgRWQE1dPV+h
-KJpV7pehxLIl9l6Lwk1DEoUsWjckKeX9Z0vDMO4nN/cOTb3stXgVpfWGIxPhfq3+UPjRqx2Hu1jR
-dqqvbZKsu7KCL7Q/v1HkaA7aax1igGXZDJP3H8HL2ETZmkE4hx6vY51oqPIIs3SeP3dZtGqQ5piJ
-R2pmfSj6ais/i1t9BY/61DnEYYpkj54nz0hYH0XJGboEhNmpD7jAvHLdYlnjjYrceAPr/Lpwq4tf
-XrLjz/v7DpQgv9PH285bJHup7NqZ8t5/Z5MtpU/bzT+Crph3DsS1gLSp0V45sbmSm88SPUgJuqNj
-yP752trvHjn+Jo1GG2gZ9JPvrx2Mnq1YeaUcBABi+Y6Qx7gcOU1a7byrw6vUHVaFAWekUZBjEM6A
-IUOpm2UJ7TT3XwWgb2OiWtG1M5RKC5VsYSNsbWwN9c2fP+pvBHM8FpOmMfEVNtDkD2+OCV/Ab8H5
-H1IN+2vcHgxaIN2wKhHHJeLW1MetSYcDNSZQV29h6uptQY6PTcAjO+j1BNFsCr/rQb4svyT0YAr4
-+Ahd3B2WJkCp8SE/4NSqcDAHK7PYf9OcCzNv3+ZQYc18/ed78NVlPvS0k8ywMqcyo2M41DthxRu7
-MFcWYuY/X+azAg8hmkZUt/tbcEaGIo7wJjuCqYoH2Ic/AWrM9f3LyHe+GIC/UWJCCLFtFhATWYD2
-cQBOsWUNauLEx4Ik9rSyLhVFuWlTbU4dtsxoNXuad808Cf3Mv/CS+LKa4i9G1uevy0fAvY6DA2OH
-Lj48PJc8KJ3NcYwpWtnbFpiWspX6t30YtZs/39nPD/D9pT48QN/wpKSCbxuM2rYVxrNqG0AUqq+I
-858VnFzHJXcII4nORPphSmloCsAn8pNj0w97XwOUOpXXSTM+oo7yVDavZrEuNRzPQUkTXtkE+bTW
-PXiv1bA09Q7EW84Wzj91eD6SuNqWmrP/853QP2sv4cprpoGhX9VYxD58xMyjYazoQXqMs/i0qMzq
-oc6GS1exriF2ruT/RqJcdC48z8GmBazOOV5eqZyhIk35Rt9xo1vlRg+miyn0DqUzHetcmdUoKBRr
-mKnkkEaKeU2pmblMv+q8EIQ23sKgTR6jpdriw/b6+z9/p98OZtYuJgIoCbrzcXGPDAio1KbToxOD
-nsYhapErV3ZsNMQd1buHqkjmRTpR6Eao5YXVIYr+kfeJnAGLvHdbkNj94bbWRPE0wvWSo5KqkrD6
-bLp3GQDgKqH47B/FQJYJASZ6p+NT9i+/uvzvBrgLeBEzD6v4J6tbaOfkTKRFcEymaqNW1TyIlaWn
-YEyWxb4CBeEUL+AELBp30fgCfwPUYD+6NgTP22y/eA9++0BcqBU2uzWURx+3EyaRQAV8Eh8tcbto
-LGVeFNOmq596VlIT+XzNL/UBcYT8fzueqIad/v4hcd4eIy42pfDpw/NIWc/7tsuCYzWJuWeoi9Ya
-wO1APlPyJYWXbolPiFqxu6jDDi1StvrzB/is9eWoCHzJtg12U64uH9gvWu4wjNxJQzh6ZNqZJTyA
-ks3MiCZyDFKqyebC6ugWuLM/X1UGrn5YEN9f9sPXLqgthDoSxOMAZHgay30u/Sn+tRoIPAnJrvuZ
-JbkQGsw4z4c/5V3GwKcVa0PJuqqwGvmz5zrhTU7YEPGYzNjZynsYquEqyfHptPSBMBhYOVINWqZK
-XMzLaMQ+3q7kyKqH4HKsqL72xi5QzJWAD14SVBDD/RRtuTFxzww8g7Jqd01IskLULEKyMCPO7H5S
-zFM1vPCtHmVrMDfJ6+jtjRcktLEn9mbQy7EDf70f+7z1JG4DACk7MVdgaJG39Zen5VtYsGrHhtyZ
-RXeljzfNdbaxIfYk2uzbOvvKOPOb1/XX6300zhimQgzUQE+CYKStqH12VLq2Vgn11MjrQJOAjlMU
-F6nvy+K2dWg1oCYaG6lWfSyzEg1Se/zzyBGfd8MU9khgk4BF/bMlkE1T4TeFGx9VJLmhexulkIyY
-1IOVJKtmQ7nxkpXRWN/+fN0zkev9LlwX0LpQSmLklP/9/tZHTUo+k56Hx8lW91Fc7WBr3VMn3gcW
-yOWQliAN+Lz4EXnDtZhk6sp4Z9XbODLnaJXXTpdd5Vp+CHvjSnTmyvOrhz9/wt9NZuyPIMvC5+F/
-P66YcWlNRUvT/JiT3J5G4dVQ2wBiic4N8PbjR5tUVmsR6xRhzWuzERe8B1+MmE/HV87SnMxYXgys
-4LDV3t+lrBmKXlGY3ytQ5eDdl45qX0WYZ3I/2ygNm7ZwqL645uchwUVNF58oMDW5SftwSHHyfCKJ
-JQ7I7Emv5Eh1QrLL3HABKGNfiYsKepmaHzI+wp9vufw278YEF8YWAqqHoEBOpB9Oo0bpioCDGIf1
-iGhbhaxQS6FC7K+6UP9ia6992rLJa1GkITeEvSh8o/d31rdVTPZT7x38oVghmNmhX10OMWhDLdwG
-ybXc7ZCssRdVum7C9lqtv9dqeGmX08koE/qpfnqgZGAUjAUrWOQJ7YTe/MLW9mm+4ENiCeLEiHFJ
-/XRcbGKR/W/2ziNHkmTLsivSgnIydePUzdzcnE0UTiKUcyKqOu5tNNAL6R31JvqIVRfqp0cgomre
-wM+PTAQxNyUiT96799wG3a1/P43GPMbG1TbZYkTU8Ofrrsk7+v3Cc6AyOGdTEHMe/+fFiLIQbbGR
-KPdDQiK2FuylkKOok6MXs3MxE4y0p9woSVnQ1pPRE9xED9l4JJn+488/ya9lKt8YexASYjZw/u3b
-s5cPGEc0j9a5lTXPehUe+xYYHY9A8dPMzI8gQwGvDMdShGu/G3c2J02tlINLZU+HB7lrv/VrfaGh
-P6mJHQwVEI8k09PlYTRuQhLqVuzCGwrCZVWSTxtYB8SNyzxRCRoMrqbFLsa69+dv9cvuLL8UgBQV
-lIPGUvLtLbZR4I16XWJtJmkhok0r+FKGK7bhWMzqFDleOH5VIeiOP3/ur0sY7zAecx50zYTH7Hx7
-yFGLt71BE/xkhwNnE4cErFcfaZ47qOvaNBZthU+1P2DtYfqx9EgM/ssP8Mvuwg+gA4GHAU9vh2bj
-Px+sJEGtwRsfnoLa2A95ukBRPOKq66wIu66JC2kxRTSZ/L92ebzfXHRktS5XXueoy3v0z4+OjCnt
-baoL8mqi58Yyz8xXkKwF7iIXDD5ZzDE/Ng9tG5/0bOdGzjEcs3VtBLuu849p6p9SL5qpCEG6rIXn
-pAZH5LehDbyoPcKGPUFeudfDg45xDLLEHEcmQdHOHTGGy06vIZDpr/IPxeFbn7SbHriYoYTXnOGY
-klagJJPnMKsf62rhJFIkvB7s8X7IjHsUXO+ZW90nOuAnL5iXIZmepKYVAr1R3G8AE57MjnlXoasI
-6yKXEU+JZTVt1+3k4SSytmXk7pdjza+obvPlqm59V8zQ+pwHS3xUaUFcp3aNuuY8Qemu6fcpxoen
-4KxRK3pJefTiMKxTtXKNbJ+ccXtHpLs90u3pTWuNrfShADFWFybxaDHTHE5nR37ied12r0quHkQ/
-Yqyr0feoY/plRN5KLZp5TJ8mIDq5DLplGWVvQ8ZkYwzywxQwPIpS5RRjOuqqQ6AqG1kGtUddMXam
-Gj53FsQ0s9W9WVYt8mCjSLU39/0hUKYnUxfvvIB4Sve2inWtCzeKaVxK29xqaYeizTkn9UILMV0R
-Ff8o/9jQTh99HpwiPXuMBVqYVN3GKmO4UPsR+TwmfZatUP7NyVJq7kJQRqo+XOUNN4S3J/B6lXvR
-BSrvYUQ4dTeV47r0jI/eVH8QenTySvVVFW+qG72qSr1LNQJKgAENBOcU4NujrVa2GwKqYqZl1N2+
-bZPDBhuMrp6bp7NQJI9ZaCNnys+Wq1xyDQxUEl67/lrb0VmrXVwC7muoOqsumA4YMl5d/i6l6Ymm
-NzcAeFedZa6DJthmSMnlRQlLbTNa/alS4pcgMh7+/Jr/Zt92aKjiMtHYpzTn26EHDFHlZROGZadx
-Z25nk6zFrKnVL64TXP/8Ub8piP7xUd+WUsMYHHWaKBsTNXlOXXYpfYSYLZj2Iq5pwqWR/D8jE5B4
-IpdP/74N/mvD+LcLCSsYUFuLhqP57SNpb4ikKAb6wYO+yqzlwCObRxYZ50zNCYNdmiWVuZn8ZfH+
-5Wwi669/+Vj56/9yNmmDlpxWv4/IiVy0zWMQAl7KQLoRpeJo1l8+7Ld38F8+7NtiWYZoCLSED/MG
-8zGZ+qXioKKI9EfZjfrv30HZreB/JjvCdy/4SCymkVR6cApArrXOYaKckXWFPI8DQzzrf+vO/a6m
-QBrDjEGOWigrvm1CpUrH09JVDseYhmrbfShNZeZF13F6gRIyH1AN5t24D5uFY5I6b8XOuczqLcq3
-i+2FOx0yI4SMx8Sa7uvcXnS0K1u7XetwtpugX3aj2NVwUwyDE4qZrm/Lgl3Mw7R89KpmYTYXpzHW
-f76K5m+eSo/uPIcCOTb5ZXsLqj70tK5hDUsNkLoaci7EOrvb/zVmj8ybkLU6NXeeEFe9NNRlPhg+
-zAskybp2Rom1ULphpVbWNocHKQiY4MVbqUI/Wh0E8DJPMTeG5D3dW517bJthZxAehUTpjtHKkni2
-CwPnV78xf7o0VG0gGQJtuAxR7vrmvvG865R3D7qwngaz3+l1LOZBTfaJC98vG8NNikh2aw3kEgdV
-/sOs679coV8faZAYVAC8snLS850IEdVJ7TZuHZ4sSvTYJcU46+HwZS8C2+ifb8avh1neVTkoMVkF
-mc9+PyqOnWJBZTQIySKmKIA3o5SLrq9fAFEsTLLD+mxt4hOjml7mJgk4iOHtKp7n2gFu50Ut8sXk
-ojxvw7PH+a6c3L+83uZvTjvkrHPSlmduCrFvJ6uUHFavc6sQTTfY4lAjXS5PHpWAZLs0WfcMojwQ
-fnHWbWGv2L2x6RvzYVLLQ+FjHh5WWWc94O+GwqpurRGeaTVsXYon7xVJCSAWb28a6v2Y5XO5RtWU
-IBG0/1rvkaPZK0N9k/v5CHRIoDztzAYufXuxe3vRcrwko3TROeXyzzflNy8I0ZAMoznVAJT9XnQb
-XpOlU1OEJwqkVWGOzwm5W1kYP4VVAmWJjjx63fsq0i5//txfZ+HyYeBcyac7KmfZ78uNLig/sjI4
-SRRtT5ZDYjon2f13nDuzMzG6N6vICdbjAG1zbKiB8b4M+c4zk7XbQ4eFJrNPhn4DYOQvz4H+u4ti
-c0V4DBibwXD556YS6W5KO38MTo4QG8eoHyKiIggJ3PqWfVDtXZdMCz0RR7dv1onGwCKFhoV5T/67
-XKSLQCwmn4ToitayTnpvy+4bPvnqsAt96+yQEa6WLyFHHCdqH/LwyYyUv9xX/ZdJBtcX5QJnGhrf
-FBzfnuUijajOKsH1tXAy+829PAi2UtjiGmd5AGy1YZvlw8n10SH0gH8D66EnZc4kAWpIpg9AUDmg
-JANYaW3pFOjOrMmS1RBE90mX/aUn/usyJH9a3m4cuDwO37e7sDbLqKUJfHLZgArHnMvLKP8pc+vt
-z0/eb28uSgJ6VSAufmlYeYCdTJrfwcmvm4MR+VuVOyVoncBk4hTD4jOEDakS1Y8/f+6vo2LuCKWf
-POWy3NJQ+edT5WlJMJJXG53yJoJ83K4z5WfpWScZCJ+6266zj35uHeU7l07nKa0h7JubCttaxmrI
-iog/rdlEo1gZwV86KPbvnhbGcjwnrukxY/32xOuFGcfk1lPZtOayapRjZiQLqwm3cde/BBT2E96s
-iXRava+PcnmQ2wT6dOC0LIM6TcnMjxdAdk/24FJXlw8D+0c2BCul15ZYdVGTKldiDkg5HK65LRbc
-7lvNnSmov+Kk2dSZf3bGYG/66oNedkiQm1UB8MvlYDrk3RM17Uz+o7D2u+jAgyzZmzhIJrfeNmSp
-3ckdTBHQUgOR38uS3y+766C0s6rvNwHw1TstOtkRitqUL9DThUS+t8f4cqniWWYOf2ln/O6RZnGj
-pLJoC9nfZ8hJjI60aiiI5SX1AjK0aYYCBj36avSXNt1tGPytM+V4Kkw+6m4a1d87U4ZdDRbNhRC7
-VYopaTrIUZ6HdoiokR3zgWzotp2wl9qXH9uzPz/X8rH95bNl1U/ho/6qz8G00A488DQv7HHppChv
-BRENWU/VikzdQSgYG/M/f6Tkun//TA4anidhnPT7LPnr/1L1h/SBVSpiH1xpuA1jdRc7yayOwmtg
-h2u5cxAssoCNRoznOOF8YM4DxBeVMSRt3nSV5lzKTxWyrLum+1BZ5iQN1wTNdZc43kUD+degKf7y
-U/+mzfOPn1o+Mf/yUxtMMaAE0rj1Y3OdKyBoPVIckO8McTUH73iJG0zcIe86+0dsiKUA8BsR4mQ2
-6k5OfmRvs+jio0gxddN3IT83+8uj9JvVkeLJYVJKyhWRcd9+Rn68qcMXG550r79T39VJxwTer4EI
-zJWwX6jZ0oKp/ucL85tWOpwhxB2uHNByvvq2V9VRHQxaDqh2MpPLlGZro2xWSmSfg3G4BH303It5
-LWYBMeN//mQdxuIvjxKiHTYeAr1RfMDe+udNySCY+FMeZYSUYt3CEgUQBhCOUXtzFE7XpFG/NODS
-dVK86Eb/UwX6HCRPeSWeGxFvQ1fZ4wpEux9CjIYZUrdKcWcQJ9GFBT4n8goPvb2ywe9rYYC91+UI
-5JJeOmYjAm38gfy+WZxioNMsAp+qMdtGvrZNpfFp8D9LG2+PewnitZsWH3k9vjfABDE3GoswFJ84
-Didr1aON1dHIemhlBZrZLrwEk/+mSSlthaa2RVt7s8Lc/GMxutsR/e3N+pmiyNX0RRAj0G2kVFdm
-q6gYWSY0vC5a3lyKemuL3F1EvpmU+6bofoUUADtQIm6CYJTBQcb6THUzwegZx+tQlms/6BdlUr/e
-4lnoEqH6lVpjWsyFFB/bUoY8NiY8IClNxouw5DAyj832Z2+gkG5RMSeomYmU8dE2T2icC7TOQoqe
-DSl/Dq3pOcUo4WC9Im2QNBM2EhfFtMBZjH46lTpqKagOmvGrbwyu2mAHeNYfXB0bVxpKZ6t0iipj
-s+WXENM9t/Y5RLXNGImQLGTcFnruSnhLx+lIyyUd0o6GYan0trMZKZMMJrB4RHZZhMNU5odr3VGY
-xs7Ixicb+XynBge0KlakHsawcB+UPuGiDhgssm5OlhTkTfp6sX0BZhnNY+bHWd3gKVEe3ah6E0HG
-rBePIgShJ/3Lt/2VsLKjY0373gqPlR0fjVi7byDZ8AbNgnY8p5N0dRiftAnh+hn+sBmKCtZOTLyA
-xjFDT2E4+Ha1RKexNDt4ORFx5r4I50rQP/U5pgA7Hu4TEgWSxn5scRskrrUpu2xlJOkyJQTUyomM
-9KytagUP+bzt0EubZkjlDvj6JTbFOlWaDefnxcCdVuNyL6KuetCanYpb0fLcpWnq+ynMH2LJBU9I
-ipgLA+OnrU77Ws1CoJn1xUquU6JcQoJm7wyCHbr+rnK1dBO24zH2+mJd+lBWW1jXA7UooTbq2hnb
-TV4fmt78BNeDI3fo7kwxveuxcxi9+DNBdwTHe1h2dnCOm/oDIS4wD2doGNYjZ0wCB161Q6xkNC+G
-4jP0sqewCS9GB1wsavaavVCG6ZqN1lvBdy2laxcjxsAlaqQzA+7hOj4Fqa0dCowbth3tsuo0db1s
-EXePo+THm9b4lZbTJqgrJMANWWQuSrZw3mMN6bCIsEhhLpGukQj7yICNJMDelktfyYjBxMVoUkjH
-SY/1xJceFJZw6aaiw2ZjUGkwqlQYViT1asLA0mJk8SvrS7odU+lwqaTVBctLhPXFxQIjUSYS15Jg
-jdGxyBQTXhnbCDdmpa88TDQDZppEumpsX/kssNncrOZ2Ky69dy3qbMOzyoMIVCFRu44yg2wHB9Pw
-DThQZ3u+6L6Qrp5I+q6aEhJK2nK0jtDgjNJdXPk4hPTwsc79R8/b+FV60sb4oe+AuJr4yDyXoFkl
-cz8Vgu1xF1a35SWT3iOVaQJ0nMNtfXFhodw84EUqVl5k/IhLrA70cvGaY2oqhk9HgDeRvmIa/Bh9
-sT8Z2KBuGYRCmt1uf80obRMmtqkM+5QvfVRTCTYDXe6nP7A6Oq27afBG3H4zTlIQKxiyeGWeIMFk
-M7XYT9KxVUjGQE7eqPRyMVQRSHjwd3UuTi+6ZFOI3R7/Fxa6RYwhTFJvDI+lozKfPd+7xt2xlP4x
-PcM1lBXg9XGWCekxa0gfrGZVRjOe1tZbroXYP+lKYE3rsKi10qsWSteaL/1rrlU8lp5YVhRkSu1Q
-GDus38KDQuETrAwzQsA9dd91P3mrQqLcvOLa6E+BWa6kd68TxGwoGBdbvk2v4/BNvB96fu0zZ9NO
-NdSNNHi63diMSKZoPOQ1lv3BSc+VZ23YGfDNRZg9hPzzeVji4uqpKSqYIb2+H6furRBIYtwY7xyk
-OiviSjd+iHXdInXdrp3V2BhbGOXzKsGlrOJvHX5COdgrbXHoFIyAMT6Su05NXsAl3lWx9nyznxWY
-tNUpvKeqmlVgjcckut5c4SH2cBrwi84zn+wUo48MwZoKQt+y9t6UVhRoerw6xJwrAyiEcdKXuS6y
-WV/DUqvVYqCpZ7ymOgbBfrDNGTO5wjWg4plzs4R1YYdlubQjHHd5VXx6hBgvCrRWQIHW2lYvsa+Z
-KflWqTU8JOTnAuwxoTjE+bOuJHNCr0hkTLovLGQPzCqvZd00C8OGHzK2ysalE5bpUPmE18czNCFf
-oNTEIgkC6gjNwDxwN+ogO7rc+oB9c2kqf2mm7VfGkehuLIxDiDYo8JI3AG9jwH0yGh8rKuEtTEF2
-qiF4z5TqWSvda1fQ06za7RTUhA4Uq6CBftwMpIaFU/+l6SFvhNPtsp6Vww7IsHeZIisvhRi2YYjn
-WwdcnLtRtxyZ4M4GFji/Jwp0UrGbJdZ4ISvnS/ghwlmevTB+L1uf78FToOVvTIEoFMJ3J6QzqoOQ
-JexGEi9R8OFsDrcmqTgA69d5hpN/MIenipwHfPoEfPY9BEaLPw6QG0C/QlpRghxqMkZsZvZPiqyD
-/BtJdwjmtVeBLC62Vd585VFnzMwOxqbBM66xaNy5BhptLfV+Gr3yQrfgUkIiGRW2ISMmqT0QlCUY
-IibjEo7eqi2sF8AXr5UnXv18FgTWm9tiSmuQf04DI7l6XGpRhbFweFL7+JpQRydU0VBH9nXXrtVY
-XfYiuJLNeXGDEWNYpa26wQz3HLewF4YpGU9VzY0KnEMQafsoO6sIYVYlNdCi9/tzKPxrX9eH0AnI
-FUFZynS9WHA43cWc9u9UI9zrma3QSo34F6dfuN6AR3RQ6EI6ZbLL20sArOoOPnKyGzSgUqObbqZ2
-l1+SrF4mpHaiK5sKnLYQXzzv5IX9tGwAaYMSMvZFzErh2WjRSqhWAVnw1lM/JddUM5qlShMvaO2r
-BaCyS/JzluiLQagduT+wPI2lqiDRD73uM2o4tPYOS4LDhXECOEUYXFeen09kQw6vqBjOAh1dOK5U
-1v+8Xg89wvbYYsDaPRKE8unyO6TCNOXGWFZR3FldvLX94r5ByDvZwU84wRuXOWFDA/5OSdvP2E4P
-egRnCtQP+Pb8OapJ/RRKcCr05uh4HT+yBdUrGlbY1lFCmnstKegOOehbcvib/IJR+bPMiHY5ZVSj
-YaYUK8Wkb9G7c8Fx34m1XUvvtrGaXT6N2zx1GaV78KuCuRMEm0b9wP26M+ibaAGprY5yhQG8jBFA
-a6l/rQFjZdmC5tShq/I3KTTvdW2btMoiLpVtbwQbqQqXmunWKHh8PwNSA4kO3Xfe2SPDPKjDuSEW
-BbUGvJ6d7GS7inZW6gCsY97slUyc1B3ggw1BJoFnztQqeVBJhSwtZsGD0r9kTLdGzVjLibP8y1O1
-3VvD+wxknKE9yol4oV7Gnp+3VJ6k4cJpbKxAVnktrBnKRhzQ5r5WsiXu412l9U+4I/ejRygkXwiX
-yXJiM6K78KAI8TJqZBS54qs2zoNTnGu/egm6VcOecJtLy6tHnbMqrQsxOJzXyV7Rsrs8tb90Pp3o
-7q38RPyBj83BiU2IlPGlCEtQScbCkslUWrvTKgjGTfZgugQ/BWDRB46YZXlMrOHgm91aA3nduv2y
-5JQdxfdtF62rnFUhAcmpPQgrYusQzd4Q2jnzyteBdDPDaT5qk41OK9LDlGSHJK1PSs1QnltftPUW
-Dpqj9Rd5DTGDLKNUpu2K53QMwdJA4WbFOA3v4FAeudRvdmx8OoW5MMm/NQr3XWjJoXa9k7D1B2so
-uMLGm9slVDNkwjZ7W1GD+WSGPyu8v1LFT3TyGokNL1vNa9w/RsQmCTroBaqGQodGL1XsdQ8Tv5lN
-In5wK+sseKyCXB6z7XevSu/tQdmmdbDTuUpFUs+0ltVJZlka9ZZFZD8GVFe+4y36njYGl7NArlDB
-A3FiDn2zgILDCuL92Gcgg5Vl7+tvTa9vdUOSdtq9S3uqT112l2CrhLzQTcNG1SQLuyY7C3mCwaY7
-Ql9p7H6Wlvoah/KypoJUsmlOMsMl8NOFEmrnvOaD2p1TuJyr3uq9afoPljJusqrYDBDolQLgt+us
-yvIciXrJynXfgipwcxjb8ymcHmQv1mjL1QRQFDHZm2xj9ra2wcNy7bxgO2rNMfG6HypPN10bkg7a
-xWCQqUR5hTVBDi36Ur+Q0Tsj5O4MgWkrP7OZkIoyuAt5ZZzcuf31kv5uTALwCxMC/lq9Si8GNr84
-Xfvgt0oH+1g/kAYmoKvxYpEnDRTSP9iuIKlnlZj53o6xOnPbi0pZZ7icTLU7NWGythR9mUHrUDxr
-Zei85Hq4IUJgq48Kus98HpUk42jdduQQPGjKnW7G+OgwuXb9WujVtqy8gwDfMeQGLPR6E/Oj23a6
-NEhE813Gcwxt9bRYyTamFEr0ANPqgjXNSzFoJ+sm/DGh4R8DACY1LA/PODLbXTXYxgI0GPL9L7zx
-EopllDmQjJRHeUPln1QDJhJp/i4npIKyqFSkQX4Z4hCRfzrK6B0YjbWwBSSECbpWubVc70MuRZxa
-7tFYrzi0qjCC6sR6L2KNOCJuIfFfF72ZVQ7wEB559TNv7ZVwV5ABmGCEm4AvgckNxKZzJy9Yr40H
-jeYzQVCE4GivSe/ObBLn8gaiFnTQHRqHTYGTXf68UyeWNA4+bouBGLHDVeXKDita1ubesEoQUjkH
-sXYfTspVjvXo4W+GQDzTvmH76ggsKuY6n5aVS3igT5PSXyMUNLyciw6tpTQbyQauK4d/YkV81VKq
-jPTQ26T3MDz0rkJRYS7kaL1nGfUdo7hTnfYo5bZ+TmHBppAl04Od9R+iNvdqbZ9FhBelYgQtb3Pq
-fzBoualCsrymOe6RyWESP236F1uUi6pTWTS7tXDoPc0i+Nqqp25p5EBjXoVhcxSsH3G2Rn20LTUD
-YaDyQ74K2sDQn4J14PhmyJ49qrWUDkmQA7OMpo3dGzvByd1VK5aWHnNNcmizLr4znPAzFdpDVXFK
-KtQN+Yb7aHrIXfZ3r9OPcoe0tQqynX3y4xZ0nMvw76fDcpE4xi5urXeDZalljcm4yGMzrBvvIyx5
-pvKD3fYzLRnvY20VDCPdG6L35omUJfs1e51Fxy5vhm0LMRzaSgS30X7wGqggPHd1aZxdaXmUsmaV
-jTDGgqWY3dFnfkC74hjR7nCnl1jsnNYx5rlotijo3qouv7SWdZQWpzZm5uOJe1cVL35Xklg/PNcE
-IOptP7ejcKnU7jbsUR14qDhF6d+n5tHDfUmn98mAGZb01Xawleduao5uRRqxv+uGTyvaJgAXc2ck
-j8Ve1XLHLk37jZktjiq2BxV1WevSSWMN6YLwKS21e63WFnXtvvoakSTwlg48FmsUXJC9AxpfZqr+
-dA1IyBqDGw/GnuL/6Om81mCS1AL2d1PtyurJG5nZc0cTvptJniSvesmzK8c6hqc8uXrwKm8m5fIx
-16o12j55z7TS2EQeN1WtCVO3Z3IqJJ/WRoNQmGjqa8lqEo8dxXnTLbx4J6UiJtv2YBpbLyBALqYp
-cwd6oqznHNbXcs4T+PYe0NZW2snQxW7RRM8EuY9yICSQC+rst8IsDvK/ibh+TROCFAPgcUcDEovI
-NnalzxR/IFTSOoOykcygiKFBN/fK4s0pm/fbkq2ftTA/KGnxnhbOl2VkB6YxAAvND8YLrVO8Saee
-bybXFlmZTgE2NazUobZJkbHJtQZlDFywU5W+TF0N8szd07iJ04J0muyFOu/iI+Ajs6ZbmwHBQF1z
-jn2T2jz6lJfudoliU2NVxvxYdmyARnSyENTLiypfRsNMHgni632DRye9n5CWqTAh6tA8yyhL0wT1
-3Z7cUFUomttibjVRfZc34M+DEhhx9Ins2b/ruuAH+Y6fnfIWm81ZfplejS6ydgoZ06VoHISl0/yk
-aZv6D+ngf6VEl2ZtuKub+DpW+stwQP2AgSd61AoajqmlcH3QHYcdzT5VUOB3XGQh8xHT7sXy6rU7
-FF8xe2Gcjoukq2lgZHh57WxV92o+g1bx5lXtjvSkxz4u77o2gnwkwK3y0g93iRfPe7v/YNOg0aEN
-i5be7oIzu/wIyhOFpn5ZUo4UzB19AWHP7b1V03fNIqB1iaHcWjCwenV9eHlVdXLCFuJTlMF1/xEb
-WrdSczgfbdz7iA6hNNPlZLHKn0QBR9mynXA1NPZam+qdGb1avsdZvnQtgofyc2AGQOuC3OOYHz73
-ebPNmvqhHObjGELwl5HgJrk+Vrw06/Rnn08QjEtOgLmNWfj25ZBkoUNNFboi8eugQThrU8j9+XAw
-ApuGNzJb3yxdIPjEQhQapVESfbqdSU0sfM42U7uZwuKJvgoPfxidnYg3w6tLZKTzQQuPyCjftca0
-5nI0qSr5g+um17qmptYETJ/BRX3q1HQm+ojtNd6E/pMXTReV/aoqCXgddHK3o405iR9Zqp/gQ8rF
-B03JgwzTLCLxQ2M63Ofd2qVw8Qh5LTwoT3LVthpKn8DhW1QZCopJfUuy/Ky5GXCeYaAgDM1rCCXO
-soePyYk2WRo9GaRBDVxG72ZB9+JloS6lfhLS/aXx9Yds55c2KeIuOb9HuPl71RbrqQTIUh7Y4ZLZ
-NFUqZZr3ZItxXVXpo9AABvEN8ph9AAriXOjjWxw3JOAUd0Oq7ks3+rrV0jF0ImOa+8rwA1vGg0iz
-17RW91XMtA7AaVd4c7swXjLLXvbB9IiXaNnacK8Z7INn7eBh6mfRPQEMW5igu6zJOQHnPNqT8t4w
-u4FtOc5GK33PQTGgglqFRkfjwCWkIWqCn2btqneZwcAipa/DrEF/r0vgi2V+YFS+Gc4t+wg9oPjF
-Fw7TkPGxazDWfepBM8ta9f520Imml5SqywbJW5RguKUetHWkDeCgDkY677KEUMlRJZAHERtFwViu
-J/Nn0n1EiYZXM7xCOiJh3ZZ67HBlKiBvUDTTGvIc7qVpELGKaKFp7O1kGht52kF0Py9N56domnlP
-ZRNhLzXASzQaCmJZbMpiw+OwbJX9tm6ZNskimHWgE93SiD6zHqt1KDamsKg5qZa89sCUauXjCK5S
-8S5sB72ANgcuM7c6ZZUNw7E1aQ7Js7ch9tUwgShuEU2jnW4G/cQKxrnFBOOj5AQV/LiJywQGM2oA
-r+HUPxZnqdMqzH4hi9yhGhhkaTOdlNpam7Kln0IDx8QAuEd/zAN6tNOc1Itj4ncfUiDmqNwtvmHK
-l7Ay81qlzpqmy9ofZ4Nr3OdpfIarJdFQX3XmpDM/JZgNDJGvBu9OPHET8y6YFyJZMaQC2RcP24Ho
-W8vNf8aRdjAS68nBAyhoWcKAFft8hC6oGNqTcDHpGAadvI4uypilP4Kg9WZF3J15GRdq3KEgd+6H
-JjnJf5IQiqcF8uknbXSzTOjLlxLtnRw8xSFozo/vgOw/ynfXFM5epM42CXTotw1H9KBE9j0eJpSR
-UvKpdNG9n1m7vOvoZz3TAkOTwCAlJjODqZJvDS+W3j7X47TPyQ8E10mqSaHxcRFPLSe1221Gcy2/
-R6fws5CRtI7mqLN+VJjw5fFBltA5uEvDJ4QoG9edkpEtFt3H9EAMBzo+P3UW2B/SJ9G2GbEfkOMU
-tvCaEImE+Cq7KwZkCdlrn4F17NpTosSfYy8upQtnLqLlhtIe63uezRqqlrSbExbOlG4A4aeP7nOW
-MOSzOmM+VFZFe57iKsb/Q8o6vwskJREYTG9YvP1i1lT6wBzSUucv7dRfUYRPM+rzryqf8EHRViGE
-rU+WZfI++sZs1LOL6SePTlLDqOveIsd99mz1KWTAMs9CVZsFJmi+2rvqivclHzZGrD+jHgo7jNut
-UB8zWGtyOSsi5m6BuCJG6kFWJ0+Rnc14lMUs0khpiVDaN7U+swVNDFcj52sQOXR5EgR0ZAd3qvRI
-kIjgMC0N8JRaH70Nc6oPFZwRNS1SjtrN3m/zl6FnWER+CPubbX+4lMe6wgdIVJWX+q8RlIYgSo9V
-X696R2z0ibimqn0n55eYrSScecyxvbT4UQnnh6vPQ0d5Y9sGAcosKq+vKnOyofCPtRnPNcG5SiJ3
-nQFFBNynA+FES2K7UVpysFX1XSkHvfGNwphQFjD8uNHYJAnKA7uu9MW7CCuUd3RorKgif9GPyAqa
-p1FJDR6ToeDI4YwT5SeRpCeJlgpbn1+ynNephlw7AXOmizG3VW5wmzBH6h2gsVEgO+9WuBJpfW+O
-IBtlg8I2n+p0lpVsIK3G8C4Zx3dsGWSIjBwsxJtTPYqx35HEsr7NBW9zqZ6MNa/09jcatMh1boPv
-UeHoDB1CEhxE9uFFNnzOzC2pOtO1UOmHZNEG3XayGMKApAW+HoHaNHJRZyMACmrQhGTDk/LnJfoh
-c/X7GxzwRhs0y+lBLTmgl2QJjfbTJHnwKRBufm//sz64DcGGN2xY4HvPuVDJbpfwxNTejnWyimuu
-c9HKmY1VXktrRh4Q5HE5hK8tDuwBnZGmFduRFsa/kxQ9/YUsyF3WiCdhd0dyI9GWKa2xd3PGvDeI
-Je4IYLcDWzBxopDyLdt/GmvtZy4RhIlWPtqTOm/8YCVGdaNG2rzsiocbRKwZTJ7p6kdaAxceSi6B
-52afNQMnyQm/qUb+P7Prv8DsMv9LzK7/9T/+z//837/PbPmXv+A/mV0esEAHk7luoNxCCfyfzC6m
-BjboBsSaHKYQK/1H6q39b3hMUPVbuDjQTakIGv8j9db6NxBelqqifjUgLNj6f4fZdUMRfJO34fxy
-UCfht5U4ln/qg7zE0aIp9rx7mIKAaEGJjslR7RzUAO7CYj6DhnlRIvyd/i9757UUSZbm+VdZ63vv
-dS3MZuYiPCQEBBCo5MaNRLjW8vgzz0Ps70T1bGcClkyP7eXWRVlWUYWrI77z/VVi7Gqru1RzfTOo
-6kIt1b1OD75v6ZuZMBOqcSkCZPyjD95FvhZ08RwSjb2cZyYNBZtJpK7pl2TZCZXoJcfzI0tcpIc8
-F1em6bAlttbxzwQo7QsmHQxhbFlw50Lo+JH+NIrI7Ju0C68MbTp6PR7tqbpmYcFw+Tzuu2fkTOeJ
-rj4aafOY3qo/e3aALlGvJkP7znvlC3ocylpIfXDwed0fSYx1XhTRpKnBQXErTkC1BwvKvVP0Cg/7
-iUAVsTFL96wmMFeEVHCxg+isqdrzMal80/ANLb2uCX+Nx3InCEIFCmyPCB7WfaZvJrXdY4xPSUa+
-qk5SZdPf1xWtasM5GxtJEQ2/EVZoXyiTPNLCkZbivvTZ80Ql7KH0Oie8aqpoq1jVauyhaXXjuxE7
-S1fFBb/X4mu1yfZG4L3Add7kc3JZ0JvoDPJABrGKc3lwjcKbP3/zz4RNzUBoCk2UsyOWZh94yAnY
-ZgfJwj2M2XFuuvcRTCNJyIVJiF8Lk4e5tu//fMXPBmrMbUiwELvJYLXh2/0+iQxSFJJhCJyD7vRL
-zeWYHijuobqFa3jF0QiVNNw6OAb5oZnSVZWbPszeGzUovmH2f/Xonna6EyY1683v90GDtSgsfGoP
-SXOWN2KTZOrDZHDOyW6C6idxfN9xvj9PL2iqhof1jaozvz5aWbhThSHqyIM3c/QO1fOycmkfYwlk
-194qwvHL7swJV6kE8oVkwmkXTeLu0OP69TS8Rqs/f4fTYvX7YqZJVifWRrw/F7L3789vDeMUW95M
-d9ExJp/ao8Zet9qX1asoxfnBDdWbiA7WombQsVY/WwqWgwot8jkdFnmT3ppm/qrV9mHiDBvKML9Q
-nx4yJhTO1Ad3JKc+bTHF6m/JDrxIgvg+DUhgZllBhAgkWAV3SQMOGNtbT0CamqH70Ur5brjJNfnT
-YyLdUF1dw2bn42euNUuJkxCfxVKFSBb1y7Yy1jVINyp9UOEM747Ocxf0Uy+nIV4RYbsZZ2Wt0H0h
-t+k4uFR2rjV9IzzQP8uLmHNyQ0MDgGvcSYf+C/93NpzaC6DxHVLX2GJ7DKUWxhbHXWh+ISRtj8Aj
-O9W2ir0TBm3nsb+Bw0dd7XLEIM7HQL6aazHBMuVmJCA67q1tOI4PTlp9k/9pyYnw8Q0aBraLOMJa
-qv3RY6Kg3aplJWtxNeR3VoEBZdBe12n40OJKtogjbatbHJGU6jyPOPjnVXM9Dx7i457Tyow5+Hwn
-SsIuS2wkHRVn14leXHTRqWPnm5G9SyLcxOlshgu4MIFZ0rGHnmLH6YvjjvdqP63CaLrAQ+vF0y4U
-rCZs9apSumuBftrqu4mQTPfoFeLFMxeRi4FOoNLxMgYZEZE2Z/SI9zEMhXTSHooW/51umG7jYaL3
-FH43p76Y4qbBrDJMNi3H+GjRguQ5h4XuBYeItbSp++uhyM56ZWVAh4ld8ZCb4XmsWnuvt3U86Ecy
-l8pXhH5kRUACnes1h0ecZET9nLfpE2hdsCh0+WKy4RWbH04e5X3SxI/WhFBdn+dzOy92ejnc1gPW
-73Z9PrnuYjTrNcMBGGqOrnvxHXP9q5HLisGIMFTsDj8+ozuGrjERX3HIx2VvlZdTV1x03bRmFd9Y
-RfaWj97jUEbSRv48bcbVkIj7IkqOWBze9m536yjlPkacDbSymZOdCON7N2nKf311x50I9jqzS+dr
-fNACu70XdxPEHPwBqu0kppWtqxvHig+6vk9c1JuG+s08+bzHSz+kf17xw3oalXgBmiXraeqC53op
-jBVDX+m1tZAFhynq2z8v4F+o5uCpY0FiOLrrUrR9uGDlhEEa6LZ7iMkzoSkDhSN39/aYXlRiVP2g
-nogdIdobo+yxXU9VeSEa4rBhnoH4bB30aCmUGL1rVlDlbv58c97nAk7DeNfBf8fG7O2TiMtK9SH2
-ws499APdHYv4Xro2ZNrqb31e04826S2T+IBtjcsxcrrC8HxlD5DpTGHgmkpEt5ksehKH1SC69Brr
-Xqum575NXmah4u7NwS6pWMo5oTrjcJzcwZeZBKbT/5DjLaIHXghl0TEFYZSXbEXJ2Qgtvqndszjc
-FJZzqU5wBMYKIneoGq8TrjXMHNsP9NQX3FkSl3dI0VguEEAgk9gGrnbrDP16tip4XVmJ44s2L+hd
-PRYNdilk6/ahfZvqclaTzBiBL7pQdxpjE20MmSzT0X3FhUg9M6BOy7v2Wqej0lo1OXToOUrC5Thu
-EIbtW1rVGok+eQz6kWIX2sGZ7rvkZkRwSCzaDxZeRNXOUzTIGMYhfqlMdGsGfvBGUX+j6fmsAqFK
-QI7h2qRFIEL/UK81AwRypUAUCOlpoyf5zcBmaqN1qCMXtUJynxcBTCLz+s8jCLuVzzMKrbZqmQ4q
-EJzxThriX/ZIxUlEYZeWctChOjmPo4PsHOCbvn2OxVSPy9pQHbGXoI0MVbcaPCj/BYnzmX4sgfcz
-lwwwJUXJUWnifUqGNSlX20omSCTheWRNWxp/2hgyWR8zQzl3K/AFN2YYhQL1X2SZLrEizpOwen+K
-wCQjK9l2HZB9mTVrEan7oW39cYBLIHuXeBKdpTpt9M4wQBYK21fqGtyzqldT3RHNBr0wMelVxWP6
-kHnTo2t3t14evOv1eHmSOWis2ZX7sw/7V9QxqCtkQ60tmmOumYs5ly0VOyeiT/bmCEzyVQ5hQ/QA
-IIkMogh+FCXPinph6QqThmx6b7jBddfnP7sccVErMPMzncdCEU+aPj13vNcMsyIlJXMBFRIef5lJ
-jlKa+qat+9js3uaGOEsnb6tE07MyiCeOr4sTS1r6zqOTwq89Uy/sYSS0KP+ZEc+2oHI1MNbDpgO6
-GNVrFT4GneQ3W2R91D2EaB0uHyxJ9imF4R8p02KQLGTQN6ZIZy48GV+pRMZryol+0fUpIeDKhuDR
-DX7yNOnsfePBX08FKg6LaLSO9vekOs+IIzX42nQNu46wpLlNLjOn37clbXO1ukRMegvl+/VEqa8i
-7bW8piu0EFgOtKq4STp9ZWbizpsIXHUzwghR9IeEnaklcU6KFZHBZoQ4s6BypA0nFLpTJ9b6nBAV
-YlRRThTeuMwkP2XEpsfWUqhkMhUyvelG9EDdzBtSEJZgpqgH4y4OEI8k0c5VxL4OxueshcTcYgpC
-LKvgbV/V+UMn3C1eS0vF3qhmekV9955G8FlPWaJ2o5+HOhCvDPQMOXdKgjyEmWF8hnC7NBT4HWF4
-LRJFRlugUJiUF2MUl6mBbld5wVDfj63oJ4Qsyc7WFb4mFH9YAC2c3sa9Hh0TQ51sF8ogRImwNTpY
-btCd//VGoht7ULTFid0vMzNlP7Ozxgc7yTcTUZkmcCfJIwQLyRCfFh4uiZN8oSiOVopKwGUgk78K
-Godwa8g9gNFNO/uvGNlT6q02xPcFmaONOdzNsDaeOA6TRNeMd1E33g2xc4QIXsk8FZkixweI/FMQ
-LfETwGor98zOzpqsf8pkbikfX8YDJOqIGGs4H6P4hnbvIyqXu0yfSUPvfCk9EIX+PmNLhnUknyFD
-L9QPR8yYYaoDDBCanSREcuEHu0gnhF6tbBxH+ns+989dD8elsiBUtTB2nXG+bpvwPofNveiEtTQj
-OYzszi8LZ//XK+HH8vZZ4Z4nCN1N6qyc6qkusZngcGI5jOFJvLt6TIjhopjcJ8NJAPQRdJwuDgs0
-XSi1ty5U7bKYC/YWI3uMi/x2dt9rFRkDIbOPFOCnqNTT7blatGGzOmSnACsG90m7ULqIL4ymXZMW
-cjj9x5Gno/KDVZJDbEP4oKjE7uEKeuqjy6ucWtKIXHo1P9RdfQhSni4uWbpILZWprKEeLLtZ351S
-ff/KJCyroyaMM5t8mb++slsTyaWp61S26jN7eFXlF9JGKDX61Ww994N6HQ40oqvJ+Sm/3mnqFusy
-7J/tzN5HifAjYlMuHDpF2CrdE7PF5FfdLfSIlbDH/cAfcS0j/ziVQciDjEROyUZWQTiKika/LnvJ
-bczfZpbOKDZfKujNi2icAQEC7YbME/Bo68cpAinFXhzTzWaFfZFi3w30kh1L/+GBRkVkQUwyFMIm
-HUIhJaLTQvJvuq1moLIPqYJ7GSiRkCwRkDBhyKgJi8yJXoZPCLT/gjQKUMSVDLC1hfFTxsOpMrZC
-BjXpTsbQQssXwJtQJAjAy0iJMwk8776coz0u4j9j6OpN98KXWXUnWSD6wNTNf47OJs3tozOztAUv
-ZNc81yivbZjEpwCxoYIj1sv9AapU3cDQaPEkaQw39SMbcEGo0b5H+nehTX5fojmduxjWpQsc3qwV
-EwCEbgdRySnuqGF81gTdw6hH9279CITwbnn5o45iMkM5WU/5HdahS2Jt0GcDRE05ig35Fls68wEd
-eiFb9bls2jt07zu6+CeRYk1fn3Dn5Uj4I99gXUNscPviNkngjAimCPyI+yatGf/5qovEkuWPFE6X
-PUJmSpM7v8+9x9IANhove13ctyAPgf54EsfMEpLowCYiiVFIsOKkHWwlgFFbfifxDAlspBLiAP0h
-dcQ+syX4UYKCRKAhJ8kiWDG5JRcBaAkij3ihSgClBUnpQFQ0kBULhOUk/DkpiQrQlwAURpNwzKg+
-4sXp2xKmOalyUgndCAniaK6SrBQzBNcJ1wk4T6mYDAUbQIjwrJ9WRzoYe53V22wBMrDNlQMK55L9
-CIJ0inM6xQnl0k6FpXsIjqLsnxLW6hYMKgGLaiUolSc4lRTY2I76fQJqZYFeTaBYDWhWImGtUQJc
-vYS6RNsitqkDVILo+CQcFlQWQazcgRySJaXZAGrGiaXwDQmmRTIdfAIxJ4Kri1k6XQm8TSBw4Vg+
-ByBycoyfhG0h1YGE7E4rQn2C8cDzWnC9HHwPFum6Be9zJfBXSQhQBwtswQQx7rnEC3IXDN1dNrEr
-UgRobfzMaGtAFAOQxYDqYpJQ4ygj2MAeDTDIESyyAZMMy+TSTgeWcueHlI/2M0O6xVwwwUCRDYth
-JgFOBaTTBvGE0B6Bf6YSCIWEvcokMqoF6yjON4kFt0yd0SjnynPkNo+h5Rzp9jwZushXdfU0JBNY
-Lbq3vtMevBinSA9VZqxNi4DKNPbUH+FEralO4Wtk6BfUgftsyDemUz3mKjWUKpLrZjAu0ZqljX50
-+xwG15i8YhBpr3vPbgDZ9W09zJvGxK9vxqxoGkM/LbPXwlJkpCrZSvzZ6J/dmDC4srpSCKUOkA8N
-zpIQU9QIQgfWhtOQJ223LmMnXhPH+YLhwJ1VqeE2nSO/smom75DBUskJUa9ztKewpBCGHIvOyP0i
-uphNrV9A0GrgkEESgz5JeJ6hhbtsoGWkVLWf5DS/82cjMAHZA8tZwO+y48swMx+non6bh/Sno1d0
-k1gRFMUE1CXFChkR8O05v3JdWO0GpbJ0o/OudVxHrXxZZCTZxcWW+C2ljEB/u03QWpeTmb53IehA
-M2QEKSLG8xPHgqJ8aBSz8V3wWoZRt1NU6GTYK90OWf0yqRG5YR5BQXHSUFsqM/uLRhvHGgzfwUWq
-p1u2dsJxjejKxQXRXpnO3KDVLy/ULEj3epVUVNAc7GxCPdtc23apupwiF0pHHo3LwKMyrK3MJsoC
-aY0+iO004kngooAu+3Jp0PVaRvFeCJors9IeEksNV3kXkke8SqfWXHLIOZ89ixVRNRuUZ9mdQ/d4
-F2sDYKw5anhGEmKVe/qyrNhj0EjXdQnvfIRcEzWDsjnPGshDpM/6dluRq96NDwgsxKpBHJcL6hvL
-xL+6Sfv7JCehsynfRsd4imGsFinVZlDwDYvyYEzFdu4r6ZTU346BuycKLxrteyOsH2Jrepvb4tga
-3m1XuPgq5uohr1qBnik9xUSD4ULcTyy9QSgV3QXwSmUilbaiWHTn5qbxnB9xL+MUUV9j22fh0VXb
-vtFZV9PoPqVBubN0mDcjBc5kxxgNB3G5TMZU3baqfsCf9XI0gnoV9x5BwPl4rrbkdpPExqZfYMvN
-BVFeYuQY+0kynrVC7DW1X+kK6oNYbItJOe+ift2kE4Ytr17g3HtN9ypG715vM2vFwg5HMDBXNUGT
-Hkl1wBacIEeXwtTqujPiRecFvRK8wl10CsF4aRRbdEPU+l4KVr1EC20vhhY2lNaRKIOJBW5Pj4Oo
-oV1471apvKoKKteseHUsuu91hjViFy9BWPi3gbvCq+e5ppbicJWq+yBHrm6mPvatGI+vxpqAkTGc
-lGWFeo+0XW8lFO92wEp6nasO9vYobN2INJc+fKVfpQPl6z/HIn+1MLP21aiECFr1qyTiAAkl1vRn
-mASjHlzpSUlK94wRk8o+5Yx4s9Ih8RslIs4W5hyMiDfPi8xFH5yNAxKN02+Xlxm8ctfP+TV97X6R
-1c0ynJAzFnp0nCLtoTLitzjvj8FUvOM4/hJWAxL2Ng82QVIfcs3ee5nDnuxqqxDHWzjuJL6qE06U
-qFAyMwYLtMTbKIy7wrIeLATMaDCzxcT8TpzpQoW+Q3VxMTDEtaB8N9L23mkx1wegQJekqxyi6nMi
-Kt70qX6wIiICw599Yz/1zXiZGe1NL4ybvqJgHmCcBu50iHLx6MQZScnmRkcRIhE7lNbvtTDW1fyA
-I/dmJsosne5dxb5MdXFOfLWBneaMhwQOwhBEQjiZ+XDJCaxZwHyD2VdXdwZSavju7kYpcFG0XN9A
-NU65PrGr8onzdjVKX5DW6KG+eGmxtF1vAZWWzNBIioO77AfcEhwi3owQKWOseXddjPmN6NSbmbfQ
-BKqvj8IHyT0/fZsq0Q+FVl7kkUFM3awfKrlqJDGVoJuoyA/6NyBbnIEbBzOKbJ+72gUko7PTr/cC
-hYZGfgtTw5/d9irr4JMH4c/W5fOBErHnNdEb0Y3LsFJWdkVsbyytRZw52LFHs8n0rx5p3npudNCC
-ux8hjKdFnw30ncpq69qxd16byToU4rEOhEXjX2Md1mDq0gh9Tki4r7LuOpmMlRkGG7cl7zmEYvaW
-6ATHEUk6dCCchnhJVecJJeGTGdf3HJIg/nk8HwYBcKOepKW85WC1YI7TSgvFK9bNbLs2bXhDR5qU
-695lkly0of2DNGKaGvhaFDl4ktGlF0WOfyZ6FY2lT1bpRh+R88vBMW/IVb5pdfUhp4DGZe1g6fNy
-1utdPXjXp6DzZqAuKtSeHaHcVXeUvbQSsMkw1fjectIrtx/QpyTnXYMTBjnBUcyeouRpBqm48U/M
-pC4MLyKlv4pc+yVqyciFsjRqwUsU31cIcdUB4itZtQQxnBGygtA9IAeaTYbzfxFy2gawqHGKz+LX
-wXEWkfoS29ZF2WGu1rvLPnbuWiMghdv5EWXOi1ph4ICu2kAijMvodkhQm5QNnTgpn44zu13QrZpH
-GKWSd2OHrsPLo2eAD1COfs5v9kZSQ2iFL9vq+aPHqWOhG82yzodbYpy4KamMd1kryX2/VmKTJgoH
-Ysu5H9go4pQqr1Kg8SalegaqxD7EAuXJdpajj7cNbz2i+uXEVD22FY0bSoPSzwfHd9zwjYXyrbdV
-P52iCbYt8gdUxuCcBPv14Z2K0kz6Csiui8xGV4biLNL7u7kNz83ZvlWJLlzkaXSDMRHUd268ViAf
-utpeU6ADJhFrRP9WNN3TKBApGip5i8GLcMQrvY8zlUXeAPKozOyYyjz3tBSSozDeyYaAZ7F8E3Ha
-he+cL+hp9dbPWIFxLTLWV9Wu2I15GkOappQaitQuPNbNJs8gWJ7YY+Mc2mxD+AYqLuvTYP088cDC
-QNtg1vKjS0w6idIDYAijG/oB7xCPnQzVDaYqHCdgtMtKHsryj3qgdpfEOdxSruZpmyjKLh6KJz0y
-f5wagbaSXvYubjAW/jR18miw8kE/9cORPA9KvcmKn2zl/nRyTyoSGDNzlcHB0JFis0XBe3HEARUt
-2c9V+pg07Uw/z0YXm8lshx8WadM9qQaiaDay5xh7lDWlqtyq6gBntq5YJesfdHPIv8UjpiiHY+q0
-T0GKWCs4iIFnTG31WWC6GNKsr8PgbnQV39SUg4tGrb6NLOfOCY+xUr3oibJNKXGL7lmprQO9OdJW
-+ulOY3cnj4QTu1FSiBY8a+O35bi2xuDH6YTZxuGxM0MfROMdswiaUXG+ImH4WPXepi4xq6C/gqVG
-rDkXvaFe1Jh7KiwnfR6/p4O3FoV4zjrvaFXVvWu942BL+LAcuREyzEXhyCOd5NJhd/3G8X+p2ulq
-nPUzOatO88RrVb9NyyNnQkiC/AhBtHg+9eP/P9HtG6IbZFzThFYGwgaKBeNNMs/+93/8219myJ8i
-Ku+y5g3QVlmWf/tfb4DWndi9/vvfvvwl/6C8GerfPcJU8GxTCVaBWvZ/KW/8BPs9Q4ebgQ++ZwDw
-/Rflzfm7BXXDpb+EgarJ//VPypvzd25XR88PHAm1w3P+FcrbyePrN/BfPjwOhZoGQOpqJ3vMXzCY
-vI3yAE+s9Lp01kLf1e6ASwDJrK+tyP1Mh8Jvz0tlvMGKEEvgXV2sK+3YqBkOSd9BupgjfmQifP4S
-v5qmiWp2Ms1uk2uXk0o29RuD/o4IiRYneEu3987YXFVTwJlwhjpn3OOMlGGfZgjEw2gYAJoO+qQs
-4rg+uN26RX6lHFH7H6PoGOc7Jap8tcdkCOlFWD7wHLmDTFVZjC0IauzzeElnoJdZDmrmlwrB8Bph
-8BDjaZZhygB0Sdq9bJxFR0RbC2HMi3yMkfaMBzufFnGwndR1DYFC7x8jdGgh63Aac/hHdQaZl7S7
-JdewR3ur5uaG2xPjle3hTGhCHCwp96z1bAe7uDoG6WVYX7fGRZte68l8ltESm8NZ/u9lnN2NqUdW
-TrkMemNfsHBwgTCKLwuU7arnG0YBxxz/pIfafGm6C0e7t4tjXho+X6+ECp7pJTCouaTN7PPzbnhF
-Kg6B+63sdx7mgSryf4Maq7gyg2KJehGpRsMxtl/19oPbUexMyzh5QFHQFeRMrJ0yWge8wGEggkJg
-jTWOS4cv6I0IL7t1w76Fikjn/GRg5NDr1TJwo62R3s5SeKKu+bKJ98B/abrB1s6tnd0oy5STs1lj
-jnXFqFjgwYwcYzEOD9KLi717VelwjLoLMsgfTaOWRPEXp1t3vK+KYtSy1kVD6jE0wYKwJm1DW9Z3
-StKNU3Tfw2vX8zu9aZWFFJctttVxQy6dfWNM5YUdq9tKTx9MBh9aHQ5Uz8NENNN0Id9PeRMCwQ5w
-+rvZ2Nkd+U+kdxWK7zamP4BXmflVNTjrqN0kyXrO8yVyR7oWx9rWllaC6nNMo0M5Wkv5RfAVOrr4
-pVhmSC5Xv5fDpufeVHSSTq/5Wid8O3iFOVInxdJpxbJLLkyzPncoSBkoDKLOfuD7D8kFg6PH05pR
-TKePW+V1xGOxTeZ226LHMUtkt0F6bgWXSb4bCybZg8lADSjs0EJrvll4cooHODRD3iJVcyQG46UE
-FLVQcYSe4pNhiCch4s5sE3HJPsLsX7rE1ive8iQGPyGmsXaIVPecLY9wRc2N7co6d/Jjr2mPdjLf
-BYax7JXHQH3xmmzFn/juI4obJpVQvU3H4KNzvhVj78t/VkhDDBqaJNFRcXFYEyF+j48kv8oJP9gP
-vHxDAzHUj2NQ3U3sniYpgm6uYQrzUw2uWsY3IPv/q71SbrcvZSWaOIy69j/+7R/br9xGfvuHVSG3
-juv+rRE3b22fdb9uOP/dH/5jA/pmg1OgK1Gl/vXXn7a2//yLyf1l+vIvv+CfTG5Xh54Cd8DTCCdi
-h/onkxuWjPR6dv+x3/3Xrmb93XTZ0QjaRCn5VzphW/Zd9O9/M4y/4z/J3qufjD7Z8f6lXY2Lf6S0
-QceGtcHfVfsT97FkUzWUsrMORoWfTpHTloPLkDsXciKPHphMpK5qVhI9z1aTgxvHdzmbXzgAQ1aH
-vAMF1tagKH2gVSgTOrWx9yg088Gvmn5ptvZG8UJuxbrsjTMBCh61x06BHyqabULasWoVnM2Mbe72
-QEmkKNQaTtTlssCj55cPe/XX/v5rgMOJfvjbto+HqzRU1WHTWzJMixf4y7ZvZ2NHUp9iHSTLfS6K
-XVJCP26rJZwZvdVXdrv1zHYpvHMgVTbU8a8Z9FfR9NUNfME6geQPv4ksXRUXdvnzX24gdHQHT77W
-OmjzdOa56W6KvEtGztngBSuHXomdDcQ3ZnvZrUhLOpHGqm2EjyypqpaqHiwkm1O+JREq37ydT2UI
-L+eXe/tI5E2awsOlkDOCqLUtFlgrHVBQvpXYnL8h35x4ah8/BDxplcQC1zRp4v7+HiYiZ6wqn6zD
-MHMy5cC4ciJvi0CYA54Cpi/dScedeFdD9dIr1VXktussbLcxo6oO3N0I4TFl58E8Y0ef7aAYh0gF
-oY9/xjH6N5HfYHR/Yp7rGQRDYJ4GEmX0VIc0m+v2wgz6MzxgfZwGVRXZwQQyjp0FlLp1pqZ+z3G+
-zHCVoodeCYQPKgYNuoGNmuh0n0Q0KK3eNnJIkzR6RHvZuqM7E+Hmb9m3oT7QZq1IjnYvW6+6DLt4
-K+DlRRhzNPgIeCl0qKwB/YfSktx+M8Tlm/v4ZknvM0kRNzyOzR+MZtVoBmwzMpNGDK1iYe2mABp0
-Yfllri7d1NtmpbkJADh7Z6TTB+8mT3cn1KHSbv58L18NdnhyrmVBEP/szx7T8Ch7c7AOjqWAKUxU
-ESqNY22tZC6nQwsORb4qQ3P958t+4bWLJMbGbhcY2vnstJ6YKOWzSLMOXu2BJPQbrSUeiXCvUsTs
-rspFWcZEE9SrCJj+z9f+zO3i0h6hnx5m0c6nmKvIa4VlpJ19GMvqrK8m6IrKMsnSZaA7e+3b8I+v
-2O4Wj2hbmqbi3fZRUFKiVLa6LGA9yXUkOvW57AeqSr+yoKHm5XCmFuhdU+0QBURngiC0Xr1uRHUR
-t5inhd4Skd4GGuuqn8GtynjFJ9npibeya2UVg5643kgIHt2s+cGIwmcs2hn/pr6GjrhIXGvtWumm
-T0DY7Hw3V+Zigsz951f6hc0/7xKBAevFKUpBrlu/rJmq1s/BmDCM6C9tcjXcQQ5dcEjEOaheJQgt
-DHYzl+hMzDF8MfI84mmkS+h63QrTtR3JSjud1STKqNmtYD0OeKqKTa7o/oS7yZ/v9rTBfZx/fHnD
-IUyUA+ZH/QEBxKPd1qyidLR84N8lrhI+Fl9rSNSbiUFflfVdGoIBNRb2g4FfpSVCKOU+9uqt0jtn
-hb5I7HZtzvl+JoXQTdL7MZ9XdamdcRaBSlcGF0K0yxTDRMVYNjxdG8xbiypf7cmG5JBgdxPhy8p5
-pW3gaycwolLhAxmM9PUN+Z7YStph7dreN+v6Fy7tGo9tGaat2Qh/P+Zfq00E/UExWdeL5KIajnLW
-N1QBnTrs5MIjZ55a0RMv0acq8TdE9S946oTB6wYe16BCn4oPLCB1t55iZDepgP44roUyLCEcfGPm
-LRnIHz6xrcmSzYL8iDX7hyrCSFStSBzFQcVlbsK02Xh6zXnR29lCxSWG5muR/Ovrig1ZlcRuW6a0
-ysbIr3Mg0oo+F3NgHyIXxxuBrELKc8uZg6w8eL7+eRB/9R5/vZrx+9XcaSJKkbs4NB3sEDwj6JUv
-Z6Ve/vkyX+wPvz2U3Mp+mdjEi48lDsn2oSjwXmxXQWxux5gEevjcYo1H+6bVvqs8vtocUHzAK7dl
-xq3+ccUUA6Y/wdzaB7V9q2qMacaMb0jHGdM/gYFHtJzURyUNvvmAX40ZPKMJxyD+UW7Ovz9rPw9k
-JeCDfRozdQNfyIU014UYZRUbudDKBfXPr/eLvYgygO/oUG3alFq/X9JR5GyMZCnOMJV7Qm73S9WN
-5FA9ZPz5z5fT5O/7OC3onjtMCM21+bK/X8/UQup8rbIPMOR9p+uH5awNkM37M1dHa63ZZ6UDhmG5
-V2EQbgGW99oMA3aku1SG/4PXLUtLymz6iNqnmCNcM4U9C/vgTGDYxAXqU0XBT2kZXJbA16HhfLPw
-fx7M5G8RHs0RkIyxTzs/mozUSFFkHRrRrh23YldMNllZbzV12JZBuUyxVkzt7+QSnz8yl9WInTcc
-ogzMj+XerIdzNQ5Rdxh11ceF6pyie6OZw9ns0UgCj/zzRz6JZX//yEwe3bI0chwMuf79/pFlP1cz
-c6eFKq8Cu7jLypl39TQSBpVsh7WqWWuEoBhYaGJvRJaFr4tY6kr+knLUWohYSVeKkxsLYx+gFXWq
-+E7BXEiPmnvJL8Af6a2+EzBPYONvmzhdFmb9lCf6rdkWG3wuNkGvr+Gkk9Rg7oYgPBPdg4n9jZtg
-1kt8REBpraGQUibguRGLh1H3jmwYq7AT52WuPasFOZ6Kpl8WwwWw28WgJ9gRnsVpiNfJEL8VWbP7
-8yv7PPNpW3s2wiK+DoqDD2+MzbDvOjef0A6mqzkfwbXgf8MjiXHa6PH8pHX45yt+MRMNaFEaeyHX
-dfWPu7ASG3EStxgGWsXBEg9q9urC4xsa8sgCeobJBDmTJMn5pZuuA9LdCibHEH+Td/TFSivvQs5B
-JqHFIP19qGCqGGSd5YwHsiaXAiKvoqX4JHKa0jYVzT7u3XerVfRdTKPz1Rs/HbAtx2Ix+iiw6OcK
-dY1jjQel1K+GplrJtCV0oUzLeVdA/IUKYXjFxhAwKOBOTRwO0aZvqoGa11Lh3qnL2qtXvdsvQw2U
-mPWjG2kYdAXwvvGjm5zrYsjONJRpoedt1ewBb10IKfbbmOlLG23MWE2r3MP/wiqWUgsbtTAo0GUG
-0iEIbUbouKs6eG8c2/foNrQDeGgT7zDH2PR0AuK+x8R5XuFqXurNPlEEp8pqVSXQAES1nnWN0Mnx
-0oP5Bp1278XpzhHqWuScqSqNuOpyDbcBvoazGqfkvC7tFeS8pf6idVgXe+0uSZRzo8ukA9yisOhK
-Y5z6zSD8XERQbZG457HR0sH4GLNiWW1bBJEhDphZ+AOWkTNxL0QDrG34rHDzNwYFcVEHO9nfmG11
-E+PANwN+GxhAAh19sz6fBD0fVq7/Q9p57caRZen6iQIIb26Z3pBJJ6qkm4CkqgrvfTz9fCu7zykx
-mcOc6Wmg0EAZRYbZe6/1r9/we0wVqQ+0I86G958j2YbowXy88pR6XjpzDDEZ+UJFa+Asspwciu40
-wsQv8b5mshF7EAe6FMaz5Jr5Cz2xFvbaCgtSt1HoFCdftSDmP1utikd6tvz84X3c1Xl27BaqyaZh
-2OeW6LfKKMEgrXC49EnHU0kElHrkrLKqWdo09UOl3HhXV2IL31/v4tmYRZSPvcf1BKUT4JDXumuJ
-tyoadYlMwn5ITQ8zvnlpmZgrEh2EGFA1o4fWxgt8XJcUNDZqPCsYdxg63fh5V7oKfh41PeWMa6Is
-vsA0amLJ+9yqp5OHm2GckjrvroYAnkfi3dFvrHR3WLjpelaDjdbGN65uXnsZHu9CZVwJGORc7GMN
-2fNGR4rGKSf2dY6cQ+QooPEDbsR/qZj6K91xUMV+MWZgpT00+KoHk4YUE0vdLnxsCxdrrOhUu4zo
-aM5CYjWi4dtQ5Usmaw9uyO4QQ87UpruQqZA003mo72dAuIp6iTZm2XnJBvO7Q8oH6bS/nFzb6OPw
-VmvuCxE0j1FUHCeWO86GbtGfajpFF2Nh+XQ//yyvaKYNXRRfHig3T+JyTU9egNW+y3eChHEBRZVJ
-k/qAtxt40sawq10UFIt2MrdYJWFaXW/MEB9gAB75pBKcLdoxeCC+ZKnF1a4tiZKAiRqznhToVSXh
-l4kXrifXf2UTLorybsRBrCxJ+HE0XJ3oq5ToTWV6yam54L9IrXKLDcm21dKT4SorZXL/LsFNfUe5
-76vulBb+UjfLe+gdWxUufKVpVBjs6yFkS1I4wdEfP39A5wjgi01GQHbi6pkrWx+ilrysmgKSkMxT
-Hozb3PbWXdLvzv+v9OeWvhmWhaZsaqzIqcDDv2tukTyRTWITJcQqEoRO1ZLXUTM3th88BJr+dUib
-lZ5r5NCFC/k8AjF6BQuxhg4mFTkAkP8KBSknMQBpFuD/6G9T9Q8R7ApKrCjANEG+8hh2IU47I8gO
-4cFuFB+NJls37a1kxqtHPx0W+kYm/SiVLxYs0CmsdnOeTuzjS6oDGITza9bkd/L2GvaVMunYUl/L
-tnq58QZkq7p4A7rnMtenOlXxR7i4dF23hp+VxXTCIgGRNt7hrMcW0TDjuy1G8OgtzK3dVVtUjhvF
-gY0Sd3eGybdXh2vgiSMuVEuv7RYWgOFYVXsSQxetC71L6wnwxH7eL2F131nFPvLeOtJPa2Q+80LH
-AdSC0ieLs27GRZDMm6CzQanPfywun4bk3myKaN4mnIIEyC9T/vr89q/sVYZOv4ONKa5AqiWH8m8H
-h9lUJCnREcAmTQgyDDd15T/Nmo6yl2AKcLLPL3ftRb+73gU253h9E8LfGk4EqWPS7xCHgmEGZ6Xu
-/jQV1GaZuxhcg/TD+oaXzr+01hdv2qAV0bSz28SHfrMd0hD11r/3ZUwGd87PJC+e1MJ7rKP8jfyG
-p9H29pVfwFuGAaZPD9nQH9oS82w8OlUSnQm6huderScNaiLHrJH16wadk01M5DS1z1FWPmIAtu0o
-3fUyfe4IrYCEkbCJmBDqVUvdxpp9Fx9lgwswAWxtfRPG1SFM3E0WBmuixdZV2O571yFJd9rPzLoU
-rTg5LVa8EwJZOzjKRzc63em807fEtAc6BMR+z6DqubL+GpM/4Wesg3Q8rxw9d7d1tmo4VdDsrJO2
-eA1VZhBqvcTwZF30Gk7h8UpLsoUXJ7D6vMcGHYLNFCRrpyXGmnfGlDz5SfwoZ4hKhkhrIeqs4i+K
-+81gJD26ydaJ3G+5fk90ltqnaw9Pebicy3xMNypbd9ZTQfGdtwxBMLJ7UgZ1ZzDnw8R1ZcLcw62h
-spNlaeOCwaPyq+QIl3dLdA8G4+mjM3anIIHEVmTFi7/iHJcw2W4AlFyY5k61kK6Y/TKBRwLSeNfB
-EUlMwlyNnarjcc8YX4N2JmWiXmQApPrGH7GfbEcwVUgkVvmELw50D3ehLMMSuhu/QePBE6N99O3y
-xpK74oJkQLGhwVMNJp4fDHCSIS0CFxtjHHfCde3G937X7HKz/xo1LXgdhnSBfRiwmc/zYI3X1tqw
-/L3LL9YS9RFjSZJP5ochiG8sENv4uBMCNIktETuh9QGR8GYjmhlZkcYcxL9S09+EfntvOURfuTQz
-DjTtCDbz5E3rgK/U69Jvg1f8ZRSvUuf4zAqwflj7c/zmjvdh6h5T3z+OrvZgkVAWduMfpXEaNOex
-StTVNJB02mj3KoCPljb3s/vgKlT8Rf09jbtXuJr4L1qcTDXNfbUlyW8Rzh3ftEYqBwYrivbi++oD
-qPIfEUV1QZNvOv0OIjOS3Wrtzu6j2UbPTWGukwbr/5gvQNm4/fizCbqlPmkPY2a8TTaaLyt8G/X6
-24197sq+ih0MyI7DscK45aIGtAotrSd1Nk603MS1vEK+hVldr2VwhlHASiM+XmbYmD5vS4dYrGTl
-FNkyMaKHMOrv62Gb1eatHyWb68UGaFIYs9nrjmk7Z6zmt82+QYTXpYVhnAzPXY19cJD4Ohwkqul+
-sos7t2urFcni2WyuZuLPsBzDDWoTYi3jNNAzo/ZWx//RQwX3FIv/ycnLBOTi7B2sriNXpDdOfEx7
-Qrf3pKQwUy9POWvTc9NDNIwH3H4fzR4nnDje3nhL8ud/eCAeSIsrIBwsiPenXzYYxZR1voFNKxkv
-cfTSMtqvbWdl0jalQbKSD71Vvvt8ezcufaXsYN76z6UvPpDYr7O5aBhDS9VVQ7EQ9kKnqcus7XYK
-15MyIYitjbAdkgzKIVMR+XooQTaf/5aPSCRQkwHuyWDdYxJ5cSYPEAz6JmmNk3AKOurOHk1b179O
-gYP0v1mf68FxugFzXTFAk8uaFsN8Wlbt0poGKcqYBMi8TgEReUqJWUThL2QyonZYkmtrnRunR1jh
-n7DoUu1eqnfPHm/c/LWF+vuvuACh0dIrqHG5ecHXZbHKMlQIsJwBvvvyZhVybQ3i24hyzTLhul7y
-XbrGnkN7ak22Qmw7TZSIco5xLTO2l4W1NCKsZYfmoVDsdTju6J0wxY028nVUQ74v05vH0bUv0WII
-5+AyojkMAN4vgkaLG3Xye/NkDP6mnO31lHocSdiFqNra9tulH37HoezON4gi/SsxGyJU2of45pTs
-2puwcDs06NupSL3L3zEHxWyHiXUqC3DZ8C8FBw5p1rvmVTejW4fwtaWPJNvjw2eSADPr/V2r9pQX
-elJYJ5k4dlW9k7I97dvlqO3z6TRR1Ns4B9fRDXsk/doH8M+F9cs9ryr9uW115r0FnadRWFvZW8le
-X4c09rFlnLtONXQ2rlp+TU31oMTuxk80si281zFvvyF92475Gz4hu6oMVxHx1mWNa7JeLgRl8cCZ
-XKJ2hPvz+T5xhQ3FnFa16dE0PmG4ae+fWVqpwxgq0MVmujIcoddCEfEon+S5eSCX8oWagKNB266k
-jcey+cZ7u/70/vkJF8s1MjG1dUKeXjzaK9XqKT61jdRJeD3fmNpe2xbZlmxBLqDcOReHgxqmOJMx
-QjmN+MphN3K+VOTrqzDRVjIKDwEvBi7/+VO+hjvKNPz/X/diHeS5XqduZrMep5qtIF9YarbN9WCr
-qv4C3/xyRipJQGRD6SAlhNlY921jLxvt18wgBQcbjIitvTCHJmole3AWGhoOofjFRQ8GrK8//8VX
-d3KaR02XspEe/mIt0dL1blPyix1III2S7c0sWjRdufbIWZ9BFASokKUsc24/kb6ESHJjvtVcXisn
-fvsdl4Q0W4GMlusgjkofr8yuWwk40gT+2pk6fPfu4u8OEJdQBf8HJCLplC9rCVvHqxU3X0DHS9Sv
-mDVKYLfmy9Q1TBy/zDRKoeWTSDevpbAfFWsVEgXhh8GDhhN+A8aOa0mPqr8Zm1uHq3ttN4Xlw9nq
-ihvwpSta7ZuqW8LWZnCbPcY9STRoOYnJXNlj/CWOw7cq8u95mS8Wn88wKQdbUQ5zoj9F8bjTnPRL
-kotSlDwtynCV4tkEqxgce1sM8TGs9EeLkkyQmpygjkzPFsFUIxpGWa1tnvX2m910S8OsjiGa4EDU
-f4HotAKQUNMJdtgULjx3HxGY3E7NJqzGAwjTc4g1bdvt007fzlq0wYfnTi/514yO9DYbF5XpdQyi
-L0MeAvr7ixZEhsiKpQ9BLia5YTbo0NkClS6+Vzv9JEQSZYTID5EkK4pd0/j7PrVRbZv0XS3DBUTk
-ufpWRsoP/Pe+5OqXImi+oPk8eiUZO8iehROEY8GWzLEh8PeJEiCdKP6QZnbGyCBO9X3taaep0V8m
-U/ul1c0hzV7sTv8RRhguldkSH/GImU36NNfeVwagR/2kFtazrN6s0lCOlruwS09S3gnpyC7c+4YU
-JwSFCZRyl/BJuq61kXs7x502gscJOJyB+AoRT2hUZqBvzb5fRclpUu5bPd60NGOCKcmf0FsEI/2A
-HopDc7gMG1TS7qvjuWzYKAnmdAdzHZE9Mz1rXcbTWi3bo0xgVFrlTs8OCV2cTaaZhy+bi+ADqGxT
-l/Gm0n7Fqb1N4Qclib0UiIM3fJBPXa/bLWOzhTUYS68Hmg0sAm/KLfmR54p6wgS+R1ItR1VKhJuR
-RHi8Eo9XaS/CMxApOnyzBXXCGuz1XP3XbXWPeOEpD/p7we1vbGFXywFXgwCJ0TJkhIstTLU7BZlR
-YZ6Kwl0PI10A/DeNUzix6q8Qx5cx5jXBEn3mjStfXaf/XNi5aIHarIZdp+XsnYwqpqbcxVG+kHrf
-an811nDjatfwN9kR/t99Xh5qxeCO/MPkX4daDE/33Ap22s6p3hi5IY9fDOlraH/9/Ple3Rx/u+zF
-mVYUIf7K0JWp7fJVC6DPAbjAfe1GQ+l8fJouDnm4KQt//iOcDjM3THLXck9p6X2xa+Ih+gQvH2Qs
-S484L7irdQyBV0WxMhsbz56+w+/500Kfa4bzD3fUvxWVQxwsgSMhHAWowF/rYWCi5myDkgz32cV6
-K5GkhirHCS0kcG7Ab28O8a4qazysamxMve+yoZDtyF7fwBkNj7b+qutIauu++qp12Ah4E8liPtPD
-weygXQTJq6Gu9Nnu7mTfpBkj3DqvjwWq/7vC6V+DIkUMBJt4qr7NfCRR4rzWBiCJ5OeM/E0hAjqc
-TfhGJN+qNvvZNJ6LfxHWcRaCqzBR47s6xOTRIv97AVntR52ZB4O4GSsZv/Wzugks/WAa40Osxd/a
-AW+irOAE+PwzuPJ6TBXeqVjRO9qHuZyrBvjcDZp90uwuXgy5/6O04pM8Pc2f/hyz4MYxqF+9oNBP
-6PCFCHexumrV7yLfi52TnaL9ypkfF/1TluDPMRF+PP9daXZ4V+MoicvaJunav9I5+ToZ5oq8uoOl
-kIyZaC9jF+1lAKV4Tya7kDVr37WueKun4alHH1ya9zRWe6HrfP60PtISXEZDOl7DoohE9/G+3FYJ
-RNF6Y7RP+A0dHKt7bHX7q0pKN2RWwNnGvU9g4t54Rdcuitby7HWJ5sG7qHrpKph7dKpzKojsVt1p
-74DkKbr6SA7aws3qV2O48ZJuXfFib8DRHK9WcySDxxCrekWWmOZ8H+IO589R/YKpwxbHgv/oRmXm
-Qavp6B8IdnlI8PXMOOBE+Nd9QCkf5uRKYqM2z81b6RKr43o3mhc5RN6XiK4J/IbHPG2D6lx+jdbc
-z000pS6jpshYpHmBaVQ7hsDf7YvRBGttJHExNpf1TTzyY9vkmkhsIPYRAPGR4U4UcBvCvHZOQmuy
-+ylgv0Pn5tFAMn0ZbyDJ54L/8kZpmOC7CrsLtdL7L3cIAD9NEw/g0CK0r+xesEKHsMIWa3b20VTv
-M+IJR9N6S4L0LYkpB0z8/4tu4WrD0ixVJD8xRi99fJ4Hdn3zNEN4LkuRotvdQe/chzgnfTeuvpbK
-rN6FCUI9DyEq9gvRFG4Kh7zWqf+KQqO5y+dgqfRiieBiyhIQJ9EV5ktY598+X65X9hrYIg5vl/AN
-CzDt/U0j9a9zG23DydbHN0cZfvpRgPyG5F3bKrbFON4gqFz5miyTyR1mtPTk7iVuU+YQxkc9sk9V
-rmQLtYruz3tDEtkPflW/JRlmqX35qKrEqN24U3l/F++XG4SpZaqYyUM8eX+rLeVSYuoAAU6Mu0IT
-VpicZt/jofyzJdU4qTTicKwnbW3l+dc5nu27Uo+fYOKb2EPQuQrTMQrLn8WDBw1Pb2d8udrui5mQ
-7E693KyDeeNUZXKnzn+YXlmSYxEeY5/g6MRl+t3vurIlkxmXZMWbv3ZWvtcr54+q51zWKb/nH0Y+
-3PfGU90dI6P9oxrML1Mb0v/NwT1WH1+brHwN5+IUz9T8nn4YSmNDUvGDWzhPpKCvPe8li5pfk0rp
-QNCHjjtf7dyVCL3iPPqWL+qsVhF42tpdXVfQqi2FrL/yTz+qT4xATlGEZWmmBzee+rX3DX0cB2Lw
-chE3vH/oORnKYT7kzmnSYpTG/kuvjtg7d7gi9ObfNVBWMOXfLbt4/vxtX70u/E3kZ1BGrcvGNiM8
-cCAnm71DVV+I2dtoVb1NIab6sf+qH+rA+BqFfvm/vluGZAbSGCpBuKPWxWrKlKAOFEJwTqWRnNqx
-u2dOsMLpgYI8ptuxF4JviUrq85u9RoV8d12pZH+bkbgtubk0VCZguHcQzpY24sSJaESwDLskQ5bP
-QFGmpXRi0s9LV+Ubb8Kz+PynXClm3z+Ci/Of5Do0m75hnnUsQxz96qsG2lK4MPKSKN9yl0HvqU2C
-RDvnKaGPEqWIHfsYSLXtF107FoZH1hTD2djeE5ZXVOWxLIylXxF7ObsnxTY47AwE0SjGa0558gN6
-CAzSnnbBgKqdkHAkbIJWzIV7qMtk34T6T2kYZ1sr71pmBTRNh5h86wr+rYe9DihkYVdPcYsq3GWi
-Ln1THedfm8p+FlmXGM4bBcnsQYTsejh0U7irYFxI3x4M2ongDP6cei+9IuT4te+uS3wqGbYjbDY3
-AgHo3XCM0uAU4byX04PP4yspFblX7xV3+F9//LwDjk5AYlYewu33n4PiuDiOeZN5pu/Js56AsWoj
-x3OPfFwbUlPKZJmT68a75499v8G+v+zFWsewNHL8mctWIGfIb1aCrIWjcif0rcz58b+/msuG4hEL
-InzHi5vsMqNsTWztTkobndEPYQ8Gk7twA8y4zHrzf7vcxc0ZGbkw6ZQYZ8WhCQ8r88KTTHpkQi8Q
-xOeX+1hfgn5ZqsGp7Dngsvr7V+iF9tz6mqKfXCoerBMWo8dxPIfbBpGVqChI/7yxdK8i5aIYMVU0
-3Ah/LpbuPPZdVLqJTgakirIUW0JTX875uEUKtXAB/IUzYQCTyE4mREjhW31+2//Nb/BQc1CGoWy8
-2EGdpGmrPsr1U6gjMMAfoBjnB8DurdumK638Nef1Og1fSueMuQhd5PMfIPd4+Q1DyXaQr3BcuWcp
-4m87aVUbxGRPk34KmnrhMLw1mOIgtztzzD6/lHbGLS4uZjHNEe8Y49+S+d+37ckJYs3ySRKdfX3T
-MA4RCDjGWQ9z8y3mvQBnwb7x1Z0FWUZNlf2giI28dUSp9NB5WN2FR79kG8IhW6sRg2lLokFfZfei
-ENm7GlakGU6x9kxyRvfLH/ql3hLYzki/zZof+MHsZXo6egqc02qPI5mP/lqGeYo6bkP8I6McAp7m
-bsdIbxZWKv4fFBDVva5T/di8Cue5SzBADpaV3h3gQq8FkU1LwgyZMWBqtS+n9IvM5tQ2PGZmtVSQ
-iI42URYkfZF7ME1gp9ECs/uFouFgIkaWJ9NvTkEf7nB6Sz0C54tjBhBXmdoRw0qB4IVf0vZEKyAL
-rMnetqpoSSGzl9GOCOw7Enz90d+ao/UgEDbRJQeB8XVkSINdvHb1uG/JdJ3tpe+Y6yp5nlp2cIZB
-bFMF2LEFyUjmnMXwqwiTjbClBOvLIUFYOGdm+rSW6bvI/yeUx/CLeC/opBl0Nj5nG+/GHs2Xbsq3
-+pATxBuhjmRBsZgVm4jdEZS62QpkKEeITDl8zrXAGfYyoqzS6lFw0lrR1wNMzn4TZJiQVeDVpFLo
-XQsFWQeshGEfBpBYqoNR1zjS9HiOvmrOtDJanxSZ7AcZrNuprJaAAVt5HgIMC34s7QeeeP+yDoTj
-xwwT0KDeyMQaUBFSm7n9/GMXy4jLhcV2pkMfAF//mKKmeQRlGH5onjoL52ch3zTwckZnZwx/6ww4
-QmBUWe8Cw8pyyCRF08H01PmhZMWm16OF/HIhzExYGpS9++TZ7abHIf5GEXdt2EkaLcYOgsqhsb7Y
-6jvUNBz8FfRWfqUMOkECNwPJ4FLCYJO/KdPsgRCtByEBi9mEitYz+UPITwXewGb+TaDscbwrsTls
-cdht4f7bEPAsCMOSoTWhEQA8ePz8EV8jkAO7GAbEBOGFqBe/2yrNEnerAFSW3xzPw86N5wdS9J4R
-ossCG2DbyoiYaiTl8LpxddmZP2xmCNI5Nyi4wTLfn1iNVamJbSHJn8poJQSs84Y2ptuOhSoLU1B8
-JLoHWXV5Q3sbR0uYg5vIugVP/zdP4p/fcnGSZXNm+hp0OgqzblNBjZERTmrr+2zMdxFavTBnzld/
-kQMsnPobZ8g1vJoX8c/lL0oTe1Iq2CnA46lPgvhwmNDCZBBzQn+ZxLCVmPxGqr4SncWNl3Dl+Hp3
-5YtPoHNG0uvCkvAHa6TKUw4J28kYdlu5fN5MW2FhiyzZj59GOByymQnpWkB7w9N3Pu/r858kV/zw
-WRDkhBMJrMEPauXMdau29zjjDFqfDnKoyAF0/DZkP+rhfOcQQ/+TS7IICGx0EA1e1E5jkuEGFkR0
-YfZEH6CvZF+psJsW+nnMiIZErht3eW2aDPkQoMxBkw8XXGiKv9UNI6SpZCrhBcED2QgBa0JeNeNn
-RNhlJdRrQCD4rRoHFcTuFbtaDnXj8/u+/t399iMuiqfC1I3QzjrjZJP9MiGpmAKEUBRvSavcIcza
-J9hU6dhEyGv//NrXXjNzW6YXsKKgw1988o0SO9iDQgMVU5FsQtpIa+k9QTJcN5W1cX3zRrWqX4HJ
-GQT8dkn5Sb898lwJk8RCRH5e5PLYXaaqNR4AOv7g4jqD29iTZVVv+lPjzi/SyyEn+zlTzAUmZt4S
-sSWDSCsgZ2VhuuzNlF0a5GjRb43oj6Yq+oY5W1KuQ5Zr2XcbDw+5CTv0ysconApH9i7hC4+W9ipF
-gfBMbXO4l3Uk7AvR70ijIOS0sHOf46k7SlUpZ7mVaCAh5dkZqI/idU5VJF9q4sGv19U9iRH3Yeiw
-TkmhmJX9mIUnmy1Dn+tj13urQrE2Zm3sNYbGkekvz0UhUPCZ9RGQ7+GaqwDRjEbnWSkdqYjEoiDH
-5ufW0lCrxlF1i3uy3yYRPMkOIRxeBc5uOkf3o52e6c89lK9UYewepEzZ+r1Wv3WpeVc+nLuA+NVW
-7KWwHIVcInSJuKA2o8MVwRsRuX6RcRaNu6nLj4yqDjHdZ50d5o5oWtfZVKq5bnBD9u+FOVl3yRcI
-j3tp2jG2PRDyyZwc8Uy5EZ54nqlHbcGkMcSE1KedtaeljbOsbGxtlfyoleTeydt7vQ6ecUfGC8O/
-q4tHqdrk1yWUpfJQhApT5VjwUamVY/KWzs4iwlnUZpg/AKAUfnAYUqAqbEMbREnJoJxyfR876cEw
-tEMNX+hMa8rmewufFytuV8RlCMAwyE5L/ALGFyDiUtY1GBnM7gtCnK0X6ved9myWOq9mfJFWVe9J
-4CTNQ5QaQpiregi2DcUhr3zwkvVYFCcRcZ//07B76iHYC28gZHZG+nw0lXtsGpYyn8w9e29U9T7t
-K3I7jY1N8CAD8NqxVtKyAU2dhHSVcgAKBQinYlyH3Y0G4UN4/0HsHbLRP2ldvVOa7y2zch2WfGpH
-O3MydzVHyecbxrWTCnQCNrkhR8Nlg0s6aR2gN9NPjOlRTM0AdPg9UK9G7vj0+aU+YoFsFDBFJa6T
-/vYS+HWjlrdt0dNV2MCPTr1UjWb5V0tNLx/R4OmLUutv7MVS7Vwee0jHLY3IYJvQ24sKJM3TqAcg
-NE4jigI75iUM+NzBw/r81q71y3iFChFSxfgZptv7TXAOUPwqtQkfFbtaN592s+HvNFqRxnsWJaO0
-6aIaG43pPiNO3hlvnHyysX+40d9+wMXGX+QUOjME/VNiBvscPpseYPdAQqbSv6r4O39+v4aA9J9d
-7mLTL5WpzGMa+FMJwj3p06tsYQpSuJYWT3bWRiXrpv9hecDckHmI3jPCrcY6Ey4Nq/2A592uxMZE
-VkAGO7RQ9EM1qPdattcqk40AgSerusmmB4FHRTvmEVz6+X1c/SRtDxc9kvlAdy5KFFvtNL81GqER
-A8jaxTKgGvBakt8c5g7Ta2Iad5Wb3Pparj693y57UaVgRN4q0Vjxsui5B5WBRk53SabxnzYKu6oK
-Fh6W7qOv3agOrklv0Ub/c78XlQlRj6FWyYWVgRQiL4UyDVGcbDG0lksjwJi1F0M03OhCBv0O2V2I
-J8qkxI6yXDh9vTDncEUS3xax2UJF9qmRPPz5K7m6IbmMhrAUZMB6qeYD84EUkUDrL9RvI5JUeSMh
-Gh9NC258xFcXLScFgwJ4w6p+WaBartdNqlAPlXDeZc0695U1p/ohOhvjiYeI1IiC1YsKWur0z2/1
-SoAxAg+XcE9m/MiNL+m8BefrlIfQ/gJ8Z7X8u5OnS2lyyX3bRNiFCU4vpFExLxTM2GuwPy11aP7j
-GQiD17by+24bDs5KL+Itdq4cNjeorOa1PfTsYoNbIZFDl1YrcVtNxAdRmkjppjtQzUhiBMDaiWBN
-ZK752DwjgntIwvwoAjdhberg/iawbDnUeykIpY7TdEQaVFYOm2GLDnSkbacy9hXrKLCUnnVocvHS
-n6qjR0eosVVLBy9Ik0PEoa/+1OHYV/RIuoltOOBThktf4ITHxJ8PGmZiSCMni6G4l6U3wqZt2Qou
-dzyaepHk4DSB0cDFDl9HJVb0PYp0KtOgmjbV01D7dBQ5eoNmK/fqatE2tgZ8Yp1lWM1PGfK4n0qI
-dS1/o0ONLD+3NUu6zzsXYmTcLMK4uMvE2V77Jdpsp3COTD8YfpTIll+F3l9H5L017hlyUud+MVvT
-VlioHRYTolATYp+oHJhNU9ihTGMvdQh7pLURfKSvSFVLsZaFTVrikDKE1ZmOdgYdMbZ1mDIXzzRn
-ZrmXShL53KJTb3F3tOvfEDMXiDvgEpfsbxNhqm72qjw9fZURytB3RE8RrJzH3+ST+PfnwH+9kLbY
-9ghIox6WiVBFkfz5ujuf+h/f5T+/5uL0UidNjaqCCUlXZSsBByd5qBbdB29R+OkB+m/5NAM32sTw
-0AG4SRdBlkkTJz2D7AkC4p31HrW7smHYh3/K65F/Wk1U/MimBa8WFrsUetJiv0244GPKSVAM6ny4
-rSLQFNzy89u7toPKuPWshlaZ8b//UjujCsPcNyV5MlkjFWKiN67Ofg5MZD6/1LXzk0GF1HUowj44
-a6qD1c29AkQnTM6YujaaeHBlvErVJwF/W6++62/SjK6ZJIAHMiKB2QRT5BJhc8qAJFSDywq5F1fO
-B2msBQgmm2Nq3LPSVtB12Ss7br4xdrm/D0GJG4itKgxQ8k0eG4prSCxb6VGFbC0jTUGpdfSfMVZ+
-Z+eDXF17nHNElT7qwb7/qSMoG1iORrIVxm3F9iYrcvLznZCz7bI7REF9NJviJTfJDolPKT4CWpge
-XOvGlnQVZwAWVT2873Cgc+Tt/NZ5GyVeReQ8ApCi5DCzvdwcGX6LgEE36lBxDoXefUbG/4PX/s+F
-3QsKxxBmrQ/IwPOHijhn3xxogUUPrJ2cv39p8myUUJ9fVD7bD4sWLMkAbDAJTb+4aGLU5hSknNZC
-JpcX3tsdY4puObYTfjb1XYF/6v/tkhd8NsevDVLDuE92q6WoqKVNs8ZxIX4ZUqFGN017z4yIz27z
-oiTt52TMu5rblLbVbDGfYhiV1PFdYjw5OVQCHq6MfToyhUiF3UnP5gdgCKO74WA+ymEkvpT6qjDt
-pXzrsnGJ6to0lG3Um3cWVohiBgdJrSSrrd8LoE9ftseS/04AahFMgpEvuqnd60R5iwdLBeNTLC7y
-nJOp+pEzYRFWtmyEFkaEVm0d5Ye6s79OOIUVy1lnc/QYT+Y+cIP1ZKMBExOb8FuDO6OedMcAlErD
-KE5cGhXsS3TrTz65o0DWQd2sVIBS2LEV3s1GHC3+B+YNVz4oGl4IuxzrcDwvPXqCfnIjTzF05lwh
-UuV+Z80RigKwScvDbyR5Ks3suayGbRr6j2La4+NpkdaQGmzCZIOeYTDQg2A4sntUJgHNbcaWly2M
-gJh2jH+SYDFPq3FqSTAplh6xdXYdHgrEggL810waeduvXZg9JVG3tYlSDlpzJ+axAt6bRk4w7F3i
-fdPq/qxglKeZKvXeNAgCUH59/rFfcdM2IOjA84Uaj7ncZTXqQJHDP0+hzoNj3UJNkL9EiRPiLCG3
-K6261nl7I+yXAkfZtUMGgQ6cTOPAjFqdRuxCzJ3AJPL/n/++ax0upB6XNhuFDMOV97udPboBhh4M
-EwTW9coVxIqFtNYo/ZL5P5GrAVqa+M8ZhktffbHbmE1ZGrkBXu54KZrWV1lWspCE/xKlzUZeYjCa
-OyA44LClHPOf3+61U9zFUwOJP2j9BxaAmyVjEyhU3THZ9HfngSNofVkReqfcktNebechAcI4EDor
-TI73z9asobPOcrHS21OVI97+kqf4vjBQS+16qxG+bHkY/kTjkwzj5O/3U7gWMkLIwRMxoq6GcjGw
-EzfoNs72Qaa3JRvy7Lue6lCQx4VWbES1IeUR1entfurqgYhQQBdHZHRUl5VPoXeQT1zqAnPq7ogW
-2gApLnMKYhlbyrxJimaNua14H33+uq5VQsTb4IQivOsPRDfCtYusbRu2bRoCG2WM2Af1WE6jrBOE
-WmyBemu+sSaubGEWamAX3gKWJEy63r83QKbRcuDfnETNNAbhOqGoFWKZ7MvSCQzUM5/fqO7KqXd5
-Qv120cul4c1Z3zpGx6k4m2tLaXdiAy1FvJaGh9id11XrrkP0h3qB8wKT8XSEBzZ1a48iLIWBNwXm
-a8O/U2MjJH1hCmRV00fKSEB03PLn9kCzKgEgeuiufFpgq8P+KzielTWZcZBxb1INRJKUYBdYbfZx
-s/agk4lMy7PLL2L9YeNMTHrXSc3cZ0HnbeMrrpzA4Pp3odR4s/OoY10AqazXQ5C6hYwGZKMTxazV
-v5F4/i8bEUZkcuyKh1GBzYh8XSPphG4oKV9/CMUqpO5N8uhJWAa+MjyeLcvo3hAKfxkZAlCfrEsf
-zxBs5+oxecQq9UFJ1U3ZkoDIzAEGgiixxNRDAremBM8fnqyTWKva5rxn7eFrIu2JDHXseW/m9nJO
-9WNvlczFk1e1dTd2ZADclPucCUnHLF/YCZEy7uUMKwMTTkh7nrpO9rjaNE19VEGeZVwuI2GRXcq/
-lGK3AmlkofV7zFexK1zLdmf5m5EdT7R65oAABhKGWIzJJM9miic7o1QJXqw9dbHGryHzNAsfYVIs
-QgRRY2lupV+P++Cxhj0oB5kghylgoGjlWzTUqlbt5/FJm82DX2uLOPpLKH4mWdQ9Kms4sfsZPQvF
-AlluWxGFylh9crsXm+jJPMY1nOGQtLo8pXu1cA6JEz1Xw4Meuwv52wntiVQ3yGcwEl+4agtA6ZFO
-0W7O90xktun4+2quRGH42vro0fhPBAYS/xuxUxC58gwLxd9ZGGD3yfh3rLmvImSUsYgLpqYbOJvb
-2Fz1886mJmp5UFmnr52s3hiSAUrDKZOG3LLx9St2WZ4fhSPkM5iLGHeZw3wY8SQjKSckEMHqwl89
-tkJiJ9W3+i5mD5vCZlc0v/R2WA95sHe6+Fn+NIY7oIf+yWLvkWfY8dAixVtFzU8pqUTJKV+Uy2gp
-8Od9P3wLGN+Uc0ea+s9ZSZYaD8Rwh4OL3FBm0CaRBFqfYnI3H9tRW0n1l+CBZ2Qx+S/hPQG+dy08
-Cynz8k7dJcjPhT9O8MMf/8XZee3IjWTr+okI0JvbZPoyWUZSSbohJLWa3ns+/f5WzjnYpVSiErPR
-AwzQ3epgkhErlvmNUs/7jEcmeRgj7U3+qDaMuP1ZlKOWWz/BbfJs+1vkGk8fh6dzjL+IThS/OuAW
-j5wOcbQ/QyJ6sWFtKLhuYrq1IzPZjiFHrA38OYVsWKZrb9bWXYu+UBhvsjrdIglqLRWW7fa6iTBd
-7rsDmhM7a0KpKY7X1YSFOn/c7tqN0VY7bfm3RZwrMUAwlPlpMu27akzWRgauOV/2EDgOA0Kb8q+H
-cXs0yg47xSdRr09MGjtqssX1wepe6PxhZs7j0OmNNWvtEbto189FRZtv8YsKiXsLhRk9ZKP0O+Cy
-flC5cqpWRd1vSzc+6sm3ciruNQMpXDoKfYy436zfpwBraZ8Z1a2B/rUMjFsVTCDlJvSBiywh7jK3
-7QasDsTQJAanJImhWoS+QEnGW1Cla7c5ZDz0qzUhgoBY+vNLtki7R5T5EGSTBycN7soIdSlyZpGv
-Cr36USZVUmvLZv14E10Drrxf+pJsk1o6041c106hjYSc7R5mMpus3KdYzeskPw47QMCmaeA3WnGD
-AaNdudWFw4+qCpmMwIj+/OGRU0eh0eQ6Mh/6Z8EdZlPwrKV+3A1HUeEXPJ9oAMmcRYAkWkjfkalS
-kOKvJTYvTMGnRb+XifjHL+ZaogiuANkLEUNDcO9iC2SYW6WLEuqnktGNyDyVCO+YhBuF60mEzZwW
-8l+O6GIZnmTEHTDLl/uJjb+OU3RB0rcxsDdth392/EujPEUyf58aa6kYRwv5XC6vhngr1Y9WK492
-2T8bvfvPxz/kGlAEZBl8QovhJttZvsG73knfxW4QodF8UkWr3EI2uu9pXuB5Tr9IAdEmWSpS4eg9
-fjeirzIVTq1bwuF/OwOCEqN/xTcW0Ip+bpu+e4pIaTTkcgu2eJvvctjLDd6oS/XmRPZGgOFj2uzB
-U2Ikpj0usLoFTy2HLcp/VOWtFJYUmR99GTvfP87FxssZBteK0Wgn5cRo/NCw8Tu92WTLo6R1XeN9
-ErK/qlYvArAYYQcIREMuJBVMK5rsB5OH7lLzi+iQVkIZNUURbj5KlWwgvxtlXwWhmlkZmmDKQ0/v
-Dnreo2gHiKBcVQ3PhZ5/ru35qLbxFt3237LTcCd9mTLAtfh/kD2NZbyf0ImV+bzKQZADUIf5qgHs
-o5dYfYZh8mh4UbQShbowrl+iqfgRTsAT1qIIVWvleb4NZeWTCORpJv6LfbSJrOnRSTZVhBRZ/++E
-MnAzg5FsHg1jZR8Xtdi0OgDZ1HrQsuze4q4WJKs4KGn5qkZAYIDznhXNFztAhQj14xAd1bjV/SDL
-fNd5K1tvP6SIzI3pRrjT8vbOekmAddql8Q09PRoU2I6R3KFGtljdXhqSuRohEln6k/bstAyjhvan
-SXIgl/LAPxZJPyG3iHJwzHcSyUvBTEiD+gz6qQ+Virc1ADsRCkhBcWR0hgWHJ6E0Qyr1PCEAt2p6
-P4K0eDIWvm4KyTbkthFEhzs0L7gMfYmsI4fqVST4RBdBRNqEuz+F5nFOqr0DfiKocTn3PslD1Yx5
-w9C7D7zqSUF90kvueuVou8lXPbO+dZ3zWfpAkvsF2TMkQ1/e5uSMz14wP2Q0XOTVSZfEcIa9FAl0
-mF8w3bizEUSLCnMtKFRJO4Trr4p0LcdF8h9pTsjzjKV2aJC5kXKvNIaj9SojjrN6K9EGv+DPaujt
-KsKUpEZ1bW9HZ3Uj0JhXzhSMWBxGyQPVv2zSHKfs1Ew11ZMXq7C9loMIJQ7bTtXPwy/J1+VV6uqy
-bdhcgfsrhoTjqMqNB5Hb8vJs6xRzjPCYwPBG/gx4WDQrueIp6kkqr4w9IBgmAcvINSqlYkRrUMDu
-H//+q8ta1rlZ78ADk9fzLsI1qkFMabnEpcQR6Fa2lP78lFguqg7oBaTNxshuUSiuxTFk8FXMYbBF
-AoP756IJXoiLpxLcYyBGffRJ0EYyqgkhCwo2yoqM149/JiiWa+/33ZoXsdObMJodkO47GWDBJF+f
-hlctogzCkSeLlYMUs1iBHM1MO5BWb7sMPITT3GM4nyzNGz8Hr+XmVegFIugseIqe2q7y6qfKTO9T
-1d5JoO0IXS76ImnX7Uc8htzgcUq+DSai8XP1WBr5Q9f03epMA/DqEHdypsUzFMvPUjsks3NIUg6P
-RkGJ+ayqlYmfx9q3uCqR6q9ouYJX4lTlofFo1d43AcdVr5o1U6nkqGKyOFWXTnlno3In0UWvih+Z
-Y7xFUfcs+H6L2XVq4xqvP1mU1K33S1IUMeAQalgSDI9Gn2MO2Hkrtymzs0tg6jYbmgoPbk2WJyAq
-bkKb9o05tNtRBZQxrCuQflJlCM5KF2sm6GsC849bTew//HGZv9seiiNUmRn8hr7RNvgPbCdmtG7l
-HsReMwNQIU3oKip3JjdA/ssrzC0eAbPxTZk8bLvne4eWlnDF5ird0W7cJogn04AlSQiwjpCWtzyN
-IBTlapG239x1lPFfMwaaAjNMM5yXuJekuhOlIMlrhB4QY0MiQzhpP2W2uhGWQxcmRxFfmLTwRg55
-DZVJcxvuDLpK6Dhcakjmlre0c99CIuLHSBYrXdOGLrQR4RaSGRvhzdXUv64ioNzfevG51N9MzVcr
-yD5yHeUIRnuN7ktXJkJfuAKYIDmvBGQncPddOxL4b0Onr0UM1B1I+XULRaRLTyvFbBMmCCDSkoXI
-joqK1nyloDvD41JFu5PukMgryjkTfSH5YsKOErEgb45XzQi+naYkg/On8vxJwpVSYzlvKU9eXtGn
-UXVM+zA6AJqvQdcJZvtwJ/Q8uhKntmpO0olB9PlgDe392MM4tPZJv1GQ0BB9xTNokwTRwylQRX7U
-CNdDox5FeK5z3BcDtMIQKT+7iES9A+4L25PGqoH/gIjJDmjuBq79mKBaNHL7yt0oTQEaCE+mUd1L
-j0nOvmAkpI1YIlkjTk9TpDIxKcFN0IrS1uM8bkZnuB/KfZNt0z7caAPF57SLbPVRWhgy79exVRTp
-0gJ4rdz+EoKkjyV9IcGCCgBTY4qBQEmJiIfkMVLYCO5ChCNlGC+nXBRzZCfLRS3HMPOq1TihLR+F
-+3Y07z1IrbIppLkjB0NIBSIiT5aDRjHcjBrMNzH5YQmsO7O4Hx3rs6o5dwFjApEM7EVA7//1dWjZ
-7YyuA7I9bWoH0ePZvcd+dDsM807GDmLmIy3l3uzvg/m+yqt7WU40Nh3us6AzPxWD8YqoEE2b8XdZ
-2jSTnpNMfVTBsbZjffQGeQnDvRRJUYJIIiL2qbncSWddJIsC2mtRcobcypSP/PdOmjIfXxdnzMzl
-bQwSCwYodSZAhIs6Kic3qyx1VE/d4gJuqR7tznkT+KmKa9KSoxNNekAJpzNwVJN7fJYxlu4+5Uqc
-rxbHuxcaS99Gh6BX/LI+ysgoz2r4A7Ev7d9SNX2ZHwraVz7boBQ3uM5Xr1iazjbDCTQhzjXsu3t9
-cIy6bAtTO1k21Zt9r7NpdC96FZloz8AWjxD+8Tu7esG+W1HixrsVq4BRUx1rcqk3O8nDZQ/UkJhU
-SNYfL3Wl0WFjZPP/f9wlBs00kCjQjZm73MHfs59BTT+IJPVUWX5jejcys+urcfBkcuCBHv3zh2Ge
-CBBOG0iRaONJqFZpy840uAX5kmBS8PGPuzbn49f973oXKRk6IkYyNh02jWn7qYS3KJAzaFRzXBxS
-ABUSE1tsHew622XuN0nKG+Sw5SITULoMdyTxjkbrpYAJ+/HTXXsZaB+bHu0loX5djNzNusjcqOXe
-0svqIHPWOMzWlvu1X171+Nabv+KfSOn9brWLY2hFeZzrYw3NNPV+KSM+23S2hB2TZHSG2dLS/R0x
-iJ213wW1t/D5pWhLJpTVe9T68a+djMNIq9xGdCmH3Q0ar8CDsXss0vlLnRnP5li8ecp89AC6L3tF
-6V682F0vuf4qV7Ko8wsEaMZO4QwkgZMmp1naHwXl4hT/HpGiqAr7Bjvn6ovGWUO3GPzp+hlj8+44
-hQP+AUnYQ6RGr0rJgNcHEebnYNBwFRoi/cbpvbWcxJN3yzX1qIc6msnc6qlfuSXXeevHOdrt5rRS
-GusGcuPqJjc4NnSrkBj5i3wEE8oF6gotva/HbeKkDGudVQ9Z2wCkozM8aOqNGse0Lh24SEDeq98a
-SnSeXYPMclfpt1ybNk5CixjZho+3+NUEx7YYtToWo7vL+VndItnmTAiaW06HKgU6Prp6foZ6eYsZ
-udvxpx7tv48Xpc67UqAAdYXL7sj/LkUdHQePwx7UNUa1NJtdX3XazWLbq0btH2RCmaoj1IvpgO7K
-iq6k7xrowi5kHvqwSa1+Q7MXrnHo58u46QaUfsd4bZYtzC7sfst0k2FtH1reuiV6mRooEeykwmk9
-k3SnYepbUXZfTZ0f9OPeDp4UplxiIyAWk0aJa0X81aEwaauWzDQ76PEvM0xWugPnmSmUZzBip59v
-h+GzSV+bDN+fYXXO06rtjVXKB3Rl6+rNKrCSdUsf35kWv8PRsUvsTV+2/ihNeYzIyBLjNtqOgJxd
-45BnDAPCvYZvXKMDJULMJa1VJpHztg7X5ajvAxDSyCLtdIjwWWruQw8eE+MDuDbrKbOgT8LgKHF4
-Q5Jimo6VPu+SEY12J9yUOjMCwpczzJA6MOWDEB6ZkGf7BE17uKecONLvba79LrvcnzpsuvARkGZN
-YuI2Gyu+7MdZQ6nDMv2Gf+YkxqowBu4+dxUCjYFUsdHjGQZxv3LAjuuDlEoRjJV7NA38JDy4c7BS
-5hmQLjRDQ980IR5kSr9HsnhtG/3K68bVBLwxzLEsVhmH2MNaCT/rPXVU3PsZX7tx1E3WY2PDf4bk
-cxVjiqR0xq6a8VEvtLU5TTtFUdbyaYFsb9HXubF55Qq8TJcM98xoxX+DdsKf0WMm3hL9kWEIl33T
-ga506hUSWMysCj/RfqnZssrDaq1DQrKdDhSN5g/oQXz8FNI1+OshPIxYuZ1czOYuOigojmsd8jyU
-VAxuxabKo8pv8u7t42Wutv/JBHBaRo8Ar8WLS0kLHOwVVS4ldTB/ZpCejG7CMMy6k5ogwN3SSb1T
-aS8vg1ZvnChD8iRhNGxgBqndScZH++w10fD+4/TeeDZZ+/IdvJ+uXeYOzdLUHZ3sk52GWwM/+zx1
-VqX6FeWxrU3gWND7N819YtwV4NPq8JaL67Uk8P36F50da3bYhHhGnqoBayLICbD8/Hj4Kmfkxk+9
-AnMgN4AiAyAGCZBLZhQymkZWl4DUHDVcxd5bHRlbq1y70YxFCcrii+1jqu5HnbpdqvLGXrsm5EyX
-Dharpbts/Mu+mQUJLFXsgPkEHcqhb9cTHpdUwxRt7SfpJwmVWnrJHghWPFbWNs81ROprpg0PszXp
-Zy5xAs9bEH4IWeKjAiOvrFdG9kuktmEef/zCztzav/aGgXwmmRv55WVNE00q5vOdTh67WPdGpu5H
-d0aZfoTTqaCJGKLhUZ3hchlG8dLPkrmRmJRJZin5jzSKjGS4U6rxwcbgY6TNW1Kaifeb7OuPn/da
-RoK4COkftDA4GBfHWR8aay74x6fMabfqAB/SVdbpiCBTDbCbJOjj5a7OesRhDxMhUi7Tkhj3LgPK
-g3C0utLRTgHaKbWerWcu4rT09lpsojaCUwuxW3FUrqWfcnh67lhQHufoayn6Rp/MGzXc1SHY+0e6
-OM1Fjz+pV9uMn7ikVUClem/5gafsQy7S0juDP6fobYCnlyXiDmms3O6/lyZDXubde7k40m06VXkq
-OsglUi9NhXjppG47sL2OAyE2ZpSYfMnjW3KK17Kh96te3Ci1NpdKiUL7qVaZGTmwoYggCfh8BX3o
-WXH82znptbwP5DLJqGYwe7scn3ulibF2FpOARfMmc8OV2gSPYQAoRFXWlmRSUJzyqrsVyK7GTNiJ
-QOVVdt5lvtkFyJv24QjOdU6f48LYSp9BGEdyHmv6SyqTK1FtUtH7iAgrAh5Tmd+OC61XtC0ZUXx8
-Fqjkrt0jlgkdX6USBX3752FIdBSj1QCURg0zV+nHA+DhbdExbNezfWe5h2bpackc8pqsHYJG7ebb
-3jPXSgPMjPMyoZOuBcMan4GdZQzrvMWYkbLK5qA0BmCul1GF0lEtvoMqcTfXQKmqlT5RwrYtqNtB
-XalBBmUdH0QDdBQgjwUCddMGe0Fy1Gi+Z7m+LVON4IunBxzceHpplmEdgHJmXuxTUT3NQbC1neVZ
-lPRD13qT2680IUYD/Q9T9S7K6a3i2Zm4AOLAA5fkVmnlrXPqnVR3sBpaEJXCOwsAWxHCNTbX2Eo8
-a0X4agzBaUQdztA+FSJIGZZbdZm27ujSPzPv6zo7CNxkLlAUmI5jDeAHFy+p4+q+OskiSlvBaEPH
-MSFDw5gKBzPfnUD0GsrGal54auPnfnC9lQ7vb9S/DMvPPHmUFyiYEw/5yS5FtoCgJEQ/pruMiUJ6
-x2VwaBxYg5QDklOPGf1zLGCHxl4PLuTaSlyVzuWWo31e4hMX5sZI0rWpZwfZ7ZoXQPT1/F45WUDD
-Br6q5NFT/DMPm12DZVhkDXvJj2WIKUdR47N5M1aYCBcLaifNDL8M4se8fTMKitXZRHyYx6wHXzL0
-VdVaX5up25aUGzlmbK2W7rK5vUvaf7QSwk9UbBb2ijKk+0rTPkf58qqq8yrvF9hT8KH0YFvPs//4
-LR0n/mCyi0ZjWyPvEyINYOTFeipeWnfcanbCWBLAVxht2rTYSk7S9r9GeqHWTxt7LraJpNtz+WXR
-/u3Ya4OVrBa8q43Z2UX40JcZtLYS1E8AHsoCp6pa9/hU+W3dvHhq9L2pqaVeXNc9snVWSaxuIuqJ
-VP0kvDj5vVqYb+IwXU/LsBqyJwOWkUTrcMqh4Bjruij9xDl49T4fGTsz8bFq3Dfcg1uYe0Vv9hPg
-MscMIRtMu65CMb2MjgY7knHJLvY6lgpOdi4SUM+05OlIHfoGSwLkFvoYLhqQKmOI14VaIuvSbuRj
-yd6XgsGbgxtR4yoqhwLVQd3DQzr0Eto1xOkY9hVBwxyA95bUeajMcYRs4Ftzma9iSpkZyqjH38Mc
-7uOYJdfQZXaDpgvJJ+Ya6FleRKwJHwLXHQb1tJj6TsZrwg2Ns/xG9n818cPtnMkNOQmz2os7uVs6
-d+q6Tj1VqXamQc71sLMFnIlloIpcQzl8VyjVZ7B/4mYuMznx7IwsVATqGYMway/wO5mpxcPrVISf
-7Mp5cJs3wNFEreVG9/L6VxEsDRRaRxxb/wzlZMlZnAYD4hdlvJLGwNRGiNCDU6gwVS3/tSpoDZSq
-MQT/cPrvlZjJHt6tfvG6ojFGLXZAVCAYT7EWrs0RqF6KU7XCaYv+TbwvH2+Dq1nju/UuspV+UL2h
-zFmvAPUrYVVzQ5/mUaceb/+46znju9UusxS0+VwXIayT4E0mAKAUCmBOYr907xtFvXdGGpD4bMT9
-ZlI7JEa6/0wFQJNaYX9Ib2zOq8+DeC9HAP0wgHkXz+PaXRl0Q6meYKQeh/X0jWk2DaHT7LVnn0pR
-5RIcMF9hV0IUcIvvbn2qoAZ0jOD/+y8hTBAUAtl25l/0HU3tzaDvcRwcwzPvMIuSbYsZWmdB0AXR
-/PFy53rgrwBgC09I5y9W/HOfj6Uzd0Gbkizjvew2NMAZBCums0erb07jE42++2Ie3oIOk8VhG1ne
-LvTGl4BZkwCYDX2+m6CUClFGvJRB6h9jE273EOxcLDsqkhnjVdXjBw278iyZ79BqV2rvq0GVJJQ3
-8QLQ6/wwJ0ymqYhAiCL4j6qVVPyYTX78c6/tc2CesDoBhFEFX1ZHyQDkMYsYEuCVFOrj2mXkK9NA
-K2sQWft4sWvJONoZRFf0QQRf+Oer7RcC+sRs56xaJBN6BGK34tW40BmXeRY2KDcG5Fd/37slL76m
-CzbA7JREg/Fic7kCi6I5lzG7z5D9EVL7x7/w+sl5t95F3KgGbXBz0BQnFG1WImlYMRRVGheblcm3
-cVkoBmVbveYNE4J2v4D0sNrsgYnBOk/qnagUfvxA11j9+Pb+7zu/OMqxm06mLtsZtXU40ACd47U8
-lzyLXDUxUBGxY4UP/wjqCx1G9zF02udcKQ/WOL7FM6YI0bLHN+coEkj4srwVXrGFc5q1XwU9aZOq
-ZG61cvJMRI+mTceovE+gw1fdk8zYxT49hVtXNTXePzS6EtExYE1rye8TF4ZH92p5zMmL+kZNdCaL
-/nWYaawYNpQnIQH+uePSSPFaN3fUU/EVAMUzE/dHj+6aQF++h8BqYsqgloYPBwM0KuhUsv6m7b4K
-CdQe7Qc5DQVWOhOOQOLHLqwfoVqY+nKQGCQwXIqD0aB3DiZeJvBQJg8yrnTgSwgFYLaTfCX0CJvo
-RV9H77YFYFoZlhMrC0mNwcy1A9qcX5Ya0ShUfPtwN8YwK2mmfLwd/qM1cflGZFCCWJuOBdVlOyQ2
-l56ZCAcis8Jvgp4J3eol0+6dyr2fhu6HmA7nSfYUxCpCL/FunNDitLRfAlYSYg975REJHgZWFUBk
-iwx7fkhpP6VR+JyYw8/prYvTV5nnm4n2WUCfPU7qzMxQw2qOHslBRKcaruZ+CJr9otd+q3mkrfMK
-QNODzOOYR9657bAXO9QOmMag/Win7F4+z4jdskxMRYszQgihx44mArtYDdANqHYFchypiT+1xVpG
-54LhCSF89L27kfGxnWY7phDfBwvqt/OVqmofRo/0nDdR2T4LjnEu050yfDOK9iStq57nF/CceHWL
-XhN85buyN1+G3AuZWoSvywzR1nlDOwWE5HQnw3hBqooEc4SogDvNhwnZHPlXwxK5jHi8E1eCHAkt
-MU36+Otei69I/eNOBLDGsi47c3OemPYCJPAUOgihpvp6BAbTfkK3zY9wRJqd7cfrXet0ALzDw0FD
-G+CviTaWJE229KQJVQYihSrWcn9YOhAeAXGktC3dbecl648XvRbR3y96EdEHNU6A/OTqCVT9ri5G
-X+/+6VwkvnmtyNfdWE3i9eVxcXSyXQZqaHtf4qvCcMiGoqAcsKryfkhkC1abAXL0xz/qKgkCDXEx
-oYHZSE3wZ6BKUOxjcErXkO7R3ZxaR9oQcejt1RF+XUPdqfyMg09tcksc55pQrP1+4cvXWZp9HCFB
-dJIKV6hrKYM0+1GqU61ljEYdPuXa2gALHdt3Uxuss6X+1JfhzpmsjYpjgqGBq0Vns3NqGpnNutYW
-wtqtB/0PVuavT4HJtkUoN7W/9Fb1dF4g8iraSRtMDhkNKyaFg9WB3JiwbUj9joTKLJuNG6ZHpoeP
-IOg3UMvnKN/B48IBUvc7ptEjqvEMGHEZA2blwHqt3AeggxuwAX5nEUD4z6rVsutrlCXpnuHMhpRY
-e1aLM2Nwklp6b0z9vvCCp8Bp1zWXquIdCukjIevm9agu28GqBq2IBNMxCdQ7TYzCeGpNU6S/NJrp
-BiOhTzntm8gLHskYQFx5G6f/XEz9SmaHA2V33pY7vGAwWcKlEKr/6ObHmaZFNQK+0uKVZ32ONMxI
-VXzJGZLZi8qAdvST3j3ESYCkFrRGD3IZNb6oK6W4XEO1WctEMG0bxEjrtXxTmXJqS72ZcweJGyTk
-jcxP4xmFYuc81Y1J66XBNAVM1QEeYeSAWx/u75ZPNBts5JGrzA816lDGySqjuiVnTuEibFdtlaSX
-S3Ml7RWVjohsIGgvzNVGVA+6bb0YNPdcv2iTVSx9j/q3tlT+4pgrevS49LUHk06M3uVbpaj3Gs5r
-6fIFbiQK21tpqBrReN8wisav5Tw1lb5NG2qrAaP3SjAIdNBAe9yRAp/7FaVDPTdG3LbjIVe4FgCN
-KpN9yFQMxlsfSaPMVfeFb1rAIKvlfsrTbY6uj3RhCtMBxNUcoAD4YiLvaW92G62kb6WPt8ja1yzg
-CebAGiSyEmUvMjcbtwSlBFl2cgy0qZ3q0HflyqowPHIC2HowMifrRShrVv7ogd3r63QXTe5qijWm
-cmTygFaRM7kRqCQQ/XUKUSLxaHFjY3mJYnJHzJ/drtJPS+etrT706YSlXoGwN5YXyHDGrr7XMcdy
-GHhbMbBSmAzygW88xrUBpfPuMS7CVjom3TIPJQNKNM8RWwC9ho0gApMeHCkgr6oJOaICU0w7lgao
-Avr14ye4JuqFTgXUQ/6iKr28GeqmrppqImIjK+8PBfmj1+EE4+BGaPtTNKycoPeTNjqKXFBePwRh
-tW9obwvDTw1Qn+hTYsTveoy3Pf1U2872RaLemC9e30SoInKjkFP9NVFfzGABR2hpJxMATE0uN8Og
-7crsKLOQfGr3Dcj8QC/x2ah8ZdDPfV6Hb+nOaEURTJe6xx/PufH2rl3izNaRf8MFCU3+izIpgzBs
-aQXeB+Uy4ny6bOyIIKaFx2DuNpV7CyZ9TQLOfr/exVlCu0j1co317AVEMWU7oK+vpKuHcJkgOnnr
-srV2ZZk8gTfftiUeQ5p741NcS86g07keWnea4JL+vOHrXvGmKeERPANBeIR0qm7XxKj71+3eGrq9
-tsQ3VjSu/2ygbwxmQFP8RZLtFCueQf2RVWg6sqXJWnriLgK7Ff3v3sEkC90RlHilFo/GZCvDCtLy
-dWIVftA8yo0o4JCkaw6iFtgG1spl0Ju5hV/PlOzeb0Od/iMiqJTrvPrdZ0cbgwT7OdLAlruq75XW
-KulrjMHNFcoJBNfwLKsS2ZlPgk8YxSSh/E7hQ7E0rJQ48HMNp1arXlMucouIDwKOXDyJTVd+abiL
-+B0kS1th03L0t1F50qPkzunslTMFqzwqfK2uNmgk6PfC7qWLirBvesAt/eDG6iNK5Xfke6vZhnYL
-lkH+e0OWHurlawjyZUixURz+aUIo+S0KV5n+HATtMXGjo2JNzC9WdtPeyXBXMM8ybRlndeVE3VrH
-mExLUApmvuVpn72s8D1igACnBJ2WdQecqDywcKOOrPCIixkgG2ZiA+h7r7R3Uc6PXNnUiSpUdm7b
-Vk+IC/qjASKymoKDU2ab0QUM0torQU/18a+uQBllJqq4za4IjE1vWugDmOukSn7bkvTw9xoY2elD
-DQpOZkTY1exsWBCLspG7sCu7XYRxXmJ9w9d2J63+rkR9L823se7u6yXapV6261Vyj4Rko6xWfQrD
-P0YMizGAUbg7K7S2siVmzX7yqp+Mbu5wd2NK8Hnp020x9swo0FGq0gPsF2YewC9bD89L7ZjEr0LZ
-Nrx+qzXA+vPxIDeXqiMNZ4LGH8GWJNTJVnHXLOVuUZBoJjnymni7LCgOmfkXI4YL0LmUWOxAIXWW
-6FQxyYCrLQlNqrxMsPpkhiazNJ1vD11x46r6thZpl4Lg20CjQdTH/gqrngZnjSpw7GSr7hl9doxm
-I/soXWbBiw2Q07o2uZfrFvnAjUcLwMqHlfwRM7DX+2B2HuMlOXSWDl7ZAcqvPi642/bjeO/U+gY1
-OAzoqj2noAwNsmtjLYMUuSSbBixHUuD/qfrd4hxF2E+LfTvINlaxdwCmWIy5jJYP5/g4k66TaNh4
-aCX04BkEDRUYFULW5t6kKq/U0leAnUr0tqm3o2qGWqjuaXnC20Q4W4hIfgoiwlBwu87i+0Al862H
-DT3Rdc/FicxRx4vTyCu5vTvN26VCqCfLCu1/K71H2ZCGFsv2Rc/l76ziGgEdoA4SYiQvcNOFkfIX
-J/jVdKReJqx8xyahBE2IMFU0a+dkGxLANipi9s7/CdjjWpQLNMsZ51zSq6fERpfFrLXTRLRt23pv
-TubKjOOty/lwrcUf7X/kfU6pDpKsvVEbX63oXJgtJuGe/z//8/c4kDah74a23GnhHXZMOCcMjbno
-RW4ut5h0H7Ox9t3oVsV69Wp9t+4Fsrqt51Qpxkw7pVqBO3FJ5DARMkSjvfopyL6P06Bbq12A2Mx5
-icAxspogqvU4wJ/prqA3Nr42gbH7P6xFUwHZH08HQX+xlmvE5pQrfFBCB4jJ4GlZLOYy6lO3NFus
-JG/lKNfAC3gd4cfoAdFTnYukobKHVAv1mU4DtQQkvWNK4I+F7DYT/APuAi86TCQM2F7s4wDNT3e3
-VPiAlNqmysnVR2vvxO0n2q07N+12ggEN6uQT0eQ5SqPjzEAb9UTmxvF64ANZ5CXC+cvI7600OwbE
-2FFXXo1OfQgQD8b5NA3/dehzRBX/9lxvbFaYimE/jPWuyAsqY6RTkCFhBxyCrjkGSnpAjhMReTRb
-TGPVMI+XB14q/ajYzp0HiTe3HOJn/9D8NumYVRSQ4WgeSqDbGOPejxoNT0o7NMJAz6LCWhrbAM7U
-x1/2mqMe41ZyFModgU1dfNpBn+m6ugFtlixg/1QbvQObMOfni9lpuh2zvkMxfU5MUUU11jNzfIMQ
-FXr5jQ19FSzFPNbzSOwtCC8XLePWGLwSUB6IPNeBEm/u1NR9tuBfm5PtK58tFzS1byCWUhc2d0i6
-6fXmVjdIqpfLIotxjK2ioCqmrBe5Ymy1dhXQcT3lVJw51VWGAIvSeyvZdYJE1lWiZr4u3WWvuxVA
-ExSUgI3cFk++1v9CrIvGGR5l1AQXZ6CMExtuEvWDJM5L39CQ6o+tYd442vKf+esHO6hbWei5qH8N
-HMtWcTp1RqA749xgyY17Ipd0V9EESG/AC64s5aiqRiuPxiWn2/gzDwc8kGqBm+DWB6y3Rz5JSC/C
-hxO15Y+3te79/bP+WOuiSkViYUjHGS07kcKPUBbCA1pMxfu6fRVhgMh4SSC6no37aFWLxqNaOD6Q
-o4CedMyYJEMbSfQJG4PEM5rnPcX/a9JYR6909t2DXTu7lj/VpsZ+7uy32wOkKxuAn2DSiWCKYuG4
-8ufrqrNKm5MEcx1RvBfZV+hZDLbsHzdelRyrix3AOpx8ND/ZCJegD4xZ49wgWz27KWVFshH0dc8w
-Ik4e84gEGUmsxQUbU/iVgVPYPxUmXyKPINwbLG82MrASbiDi1vtS33/8eNeiAkBtzYLGB2NJsy++
-ZDC4UeKJOT2ckrgcgAdrewfsalVr9zPDjr53nrUYlw74PDKprfeIq9y4kIyr30I8b0QHFpP0i4dI
-oAXaRsw7avP8vofoAqBytaxlMJXjgVHNwV2ANrVoPmvu/CySDSa6auJUYlRHpUqp3Maz2PHZ8RPj
-lCp42un5NwWTiwrFMy/ydpplQXRw7zQz+zSrzZcMtzvb8Bhq58h8VCS6XvX547d7hgH+9fHJLFEd
-UoHdX960EJT0Sjc5k147PwGCwdUkop+Z4dhcvVk9m6D5EpsMpDFKAYy2D5Jp0//QgcHIrhTnFuGY
-TMr01EftLxUNmiSPn2xb+ddIjOM4d1tzwmWPeV0Ug2jySEVxTRHNcRGmgCWtZeHXPk02nvZ16n6l
-jbIZR6Rga4grUKKl0ENWYSs+b0J6FJq4YKudbILYqfz78du4ljk69LhRPmY+hybSRcytMtccyhrv
-S5kmSUteEAiiJdJMPz3kjrOhY77qrOUxPl7auJLOId2NkSkZlkXUv9hhAJ/0lHwY4wAcVIRtXUb6
-0cv8Lo7YAMVznS6/ZF4ngi6iWh90BamL/j03sCUXq6OySJ5Hy0C4z3t0uhejqbbEQApzQI/ZT1Hv
-C4oFtrB2EKKlmNZAJMgRUVPz/VioOPdMhzDVn5wcpTE9/dlWy5ePf+O1iQcBRvQ+aWKK8NSfEa3B
-TcqrXDjg6Hc9CclYmb03pK83g1M9Jg7tg0i0ZpbMXZWT/S0pm9Wo0Npr2ucw/L6ApCzJChy9/Zn3
-zvd6yX7EKTo3SPcGS/Dz44c15GEuTwbWAQRGKGQQBS73wlRr1eiCupLRQVu7TBuMvSv+ACbk9cWA
-aF4fM7XB4cHe5yFsIbfdxZ211rrwaWnzszjZZFWPIIu24WxuXaP0a+yP6K77qDuCJvzJYUOGF3Um
-iuSSMUQLsafWf3Rj7OeflKdo+vTxj7q2yaiK0EpBkonm48VvcuO872zGJScRjYzK6b53sE0K3BVg
-1EcTEOPHy13DZMDLdC2w+CSXf2lAuVmVlaFm0fxDueh/ODuv3ciVbct+EQF680qmN7IllapeiLL0
-ZNCbr+8Rumj0rlS2Et0PB7h3n32UmTQRK9aac0w5eZW+imJ8KsN9isJRhuWJZOHna2f9zYSQobZf
-HKXceVJTmtz48dfWcNOhsJTpOBoT+H+fPgZOUycQOt0nsOc9xsMOo5iy926Mgm99zMW2PTaOm5L8
-rt9L70gJkUnSs3tev8+v7bWkEdZrZs50NoHoXhbu88RErV+4tnWTvUIWXmtSOzR/lcQGyQ1zIPxP
-rNjvYXi8a5WjBFaCGpYUvEU8pWv9lOtI1Y19urx9/t2uPWYAaRwLmwrvzuVXqyfAVGrq8JiFHVKG
-eLvguS1JDRur820v+TUSB9fBRA7KPPwjt7htrLJ1y2hkIuFuUBYdHW3l1nQ5W2VntBqtzZJYTeQB
-mPUyQ92MuXmH+WhtDoiiedVA0SFr/ltTZcVyslZvYtyVpT4RexqueqazcRFtNCM+T/Gtk/X1Lw+4
-iBpHemUuj9bVmGSAJr2B24gVVkFHDaJNdraIqkeDT5aXtUnOuGj8SGAXbeugJD52thtaVvN6piko
-Roj7ETRyQ9ss9CatkFPK+FrGHWr0mJYSHbb01WxuEBauVdjc3HdFC6vJpZzFK9KuNa1ivA/DFBSC
-va6aF3CCQVzfVd6+AzAuExk+f7DeRzuXizLqGQwNLhMVlrJ/32FPKz09hYt5P5fdVgHTMTFmhn67
-1SBhxIxePeTaosCoqsScYCFEOg0A5dgfF3giEf2yOlpPZh6YqW8A6gT0uK0RHmmQfcAx51gELPRS
-oc14c8wBaEy7Jh03Pb/Gsdrvttqcl5/hpEcgb+JNiSPWdZJVh+DDBPgzkguglBYH/gdoYkhoJm6E
-TngxOPIRVRan2KneNvTyDaU81+LWiPBaoKsLfspGwE0U14e+Sa1OdTarxnCvoCxnzroe9WSj429T
-43JvpBgJLf0oSVwq4A2LA15pes/Y1LdD7R2HVN0kg+Pb2decxTkfsemgopIqU2Biie6QnAOxEyq1
-1Nx8fmOvPEz0enR2COnewTb0730tmqrDtO0M906G2YEv3jk9bpWJaTxogIaRAehlA5XB5x97bUjH
-IyyrX4789odJ76KrCc9aNCMzG9Aq5WioSbPs4g1N2ZXR0rrWs63e030ROCLANyDZXM0UhZym/CVb
-eAEnGmHK6sb3+ngmA2dGD0IlDUc3PkC9qtaMJ1BhKubEjCTpAGhVEM3b0EsfIfp8zyYP6wv5055y
-ox/0cenmg+HOmDKDR/sgZHLcPIxtS6j3JkpnU8yHEdVNnv1aonDViOLGJibrjX9fZ/lpBCVbCNvZ
-xS72yjJqBiNpcvV+NMMnQRt/aLVdbej+BC3nxiW9+svgrwP91ChJLmt7zW51o8+5pGPxV4lbHDup
-Hy33WfPXqZ87jxAEBY0ky0c6kWiYAv+kep5Dh0fPWtXkDgzJjRX0fR/88POlElBG9lgfJE5xmXu5
-MznLvZlDQUyxKyXevrax6zDG7+NkZQtlP5iwtORIGPdKWak3njR5hT98BRQ97yorcA4XC2oed30O
-Z3q5V6zOdzinNlrnx6wCZs624TlAnW/kJ78DRj58pCNDBhBcGe5lXyMReSbavCOqvdcD99Cp6Zpc
-jLXKTqy5WTDYcZBr2SpzS26B5VvmzzH/Jv8NBeRROf/FxbnvGQ8t1rRneQh6ppZygN0o47ryppVV
-m6sRmCub1jpspHGl3+qEMjXRLWPlldAlnt/34wFLrupcbt6LgzYtVVN+ynSPcMP3+rUzvcmny4AX
-Z4XIquMdHvR1XZNrj0SuXxSyK5inpbdupHHtTkoTtRRp0Wm5PK/ogC2iPp+5k7Echn4vZwFloVxH
-C1SOcMMAIqhaY22GAlDmwHxKvtf5ulG07fS1pUGuNCHV+O8ObR9jIl1B6NlTPQAr73865e/R8+Ox
-2aa5sskpj2IlXneF4afZsJK/zhpzsmIMSqXfbl0HCoPUGy+w7ERfPjc0KW1kOejmPgQsN41ndDHO
-o/uqXAJ5fR3QTEVKt9zJ19Dn5UcP1pdYS1foDVYLvITPv8GV8yvqN+TzkHkpaj8gT9KIegd1/oKk
-3YQV/TcxH+1FSrNYKQYM4UaOqgwYuqHAtRkh0nVsHJYWVEYZlBCvgX6ssh7/JLN6TawRGfu6Xfg6
-O+3n3/TqykIkp0WZhF7vg1YodlJ8nPIdM/l+bc60PNWCWi34KsNmosMbcyBrIqDmmbGOQYL0ZnHr
-O1zbw/77HS72dLd0I5HU43LftsQB0y6Ta2lYUqu2a6jTvtS4kNM9zDc++OqLYNDKlPKgjwnV+qAk
-ZtrxUhZO/n4bCE9eeeO9Of5+j3XpbjwWV0g4PBb/+cCLH9rblrIMszTptD15cyDE9Q6V4eKTEx+g
-R0bJw6uo9H6RK/uGGKAJ8XcbK3s91zmMfGvhHuVoFHvla26ou88fhSs1Id8OgpiUmroabqZ/Syua
-TmzpXrUQgdhTghIY0junOVT9OR/WKibQkHuhJfrOLmYOjeO2cmD+pv3BJnMGKoxCW3yANx3nr0s1
-rSdxZBkIjMqBz72VWg3NeLOaWzDV6xfVxHuEfApZ9aUZaNCquShmvraDk9PE/jjEQ0DzJBMrenTo
-naG7DDRkonIXtvp2cBwZ2OjPLZceXHG1zcp4L7MUu3S4dUmvlRKyR0dUI+3yD5G+iTl6+pAOy71b
-RRtdWjMLsSsgKqftuoiIhigXTmr3afECoB5r3gxWWsVeRDnb8MVaesPzW9vmp7BuT5UCzjNHICGU
-DTFKp2oWxzH9YQz6k3w5P38aPtbZPAzIkaT6iwzdS9MRiKjOGTxtuS8LjJ3mimx2DMB20CgFboDf
-Iv+5DDc+8sqEUX4mhSzUElovl/u92cUmshvB1ZpJNNKm/RL+Eb2xUkk7LQesAaa+aYisKhoUIGLw
-VZM9nOjxDlTC57/+6soAXR9q1XvtIXeY/wgDKjcuxwrW473stXkV3CCETS3Qn5kh3yjKtQ0N4vOP
-vPqo0GpjwuKoH+ORe9GkhjMb6n2oeI1vF9M+VNM3Gl84lc1VaLg3KuqrnydVkVLq5n2Y1Gt2RWRQ
-uGAMQMMlBVkG5HepX0nnYMDt/fmvu+Kl5d56MnSSY5LtvFtX/3NFncyJbDuhgFetb4Nm+/jHl5Zo
-NJH4ukR75eU+7+lA99V+Ko5x98MqWpBKRMqUE6EPaH2ToPHcAKdO0NhvY3iuZ813x1+Nc+NGXIH+
-/PtVL27+vJDbbI5YJqo52y2ifxDpdHbM/oXEDKpvPT86jD9qvdxYZoogqvPN2j5YRkWqTrsqMs0f
-VfMukQKn6RbD+epd8zi6S70DxmT53//nMqZ1kc3jmDKEN3865LGMjN3sjKxLXofbR6Fbn3axI1TT
-WHRayqcN4eyP5IWMCsZzTl0DorEatt7nD8nVBQD2Il4ONiL8T/IU+J9fp0eDF2Y5Vz4u3TekDNuO
-NMO479Yu9VBamGsdz9fcTTuV+mm2MF2ajp8W4bob+xuHD06XfNhlFcmMR2OkCMXIvRQPux2t+6Tn
-zJWEQ2AvsA6ioHaco+E64HNeKi6HPHmpZngwB0gl3hSd2qV8iTBChTFIOxo7k5ne66mydRznhHWw
-7k/zmO089k5jbFcWI9RprHZ6ax56jCSDPJ8Y30sLkrHIYRictWnrKZ6EVfuCDFZ16O6UJTwYKAj1
-pPfljhAJ6y50uiDRzH3dFKuif/eF9UXqk5wGi0332XdbDad8Eu9ksWmwf/T5dJC8ptgJg1ju3+Ff
-owOJRnRkjBgw6mdYBibu2LXB1EE36e4o810VkkJA+yq1+oCjwtYZx60s5eWL6cI20tVhF02TPy9d
-EDcRuQnDitBGavw+UMxirTKUEW69miY4GJV3dLlkpdM8ziSN9xptN6Sdpb0TLamgsbqbSWqxUAAW
-xsyhjzMSVRK+xMOYR77XeGvLBq/QLLu+CP38d65DeuaIqNCmc1p1hXF/M1FFRpBCEhBwLWcV1Zt9
-rUye+h6EDgVuq5AOaLlBwy4jpxo5sJ+5hWhB1qP6a7C3WdQFSghxmTo+bopgdvNgmIetSiUu6Bz+
-/0wW5dzBJmnORbX3YYrd9V7a6Cl9Ffmrx4EMJWSbxkgLomp5OrhCIAob82HUbkVsXsEHyI+WnVrX
-VG3GBf++fp1mloQzYKSC+/Z+sm6JcynsZCsXXeriDtVi7YzvJzqzvkWWg09w7Y2jEPf43ab5wQm6
-qEUI6dBkSzLqxwwhaYVP04a3O7WV6ncWVN2hnt9kflIPSyH1Hhm4drb7dzKnTeZieNS/NsaMURXa
-utVYd02fHQvsgAMq2ZEmqgpV23qmUQ6pVvUeeyc5AmL+nlvtF109VLl3X8TTwnxuPrvISEXKXU7N
-kI4uo+hY/zUZ9S+nnX52/XCnFm/T0txxv2Lf4J10ixySonKeDfchq9pvbmehB/Km56ZBKUN0hbhP
-oLHN5p9RTcjRqV77nHo5DR9GOwO8HD5G9cS0Ad2ZWyc4RCqfHLDBpy+QJPMvJ4ORrBeNj6WJOacR
-GMw6C0s8l06+Zy8/1dH41Vza9y/lpeL7CNE6Cb3Ed7zyTfla5MNeXobBzZ4jBGyx/lCRcAJc3Pw5
-8c9DXLbl0G7NKc58jq6/y7T9Ypi/Tbci3aIl8tQ6x5r6s21fQr3GyiNehZr1/ioaup/GsHxHpJr4
-iwslX3tAPauG1tnN69Pomg+MEFFsZTQ9nGOcJMdmWt5EXfyMFfW31k53PX21aOr+pKApl+pQluq3
-JY3vl4gic9R+4P18a/XykTPiq5ghvjvoKLJ4lbb1Q2X038XAEzAnf5Ms+baUyV04a1tolcfBJCZz
-fOZCaqpylP90idLHPhkf59QhGVQ30ZaqL82i7k9PqWjofoyvdQjmSI8jdBQIG1jAifYuuCSMq1cx
-decUJY+LsvRBlWWbwRifS5t3k6bd3knI0iaT6U/GNEFdyhRozxsey19u7P5SyeMdG/d+1ON7UZk/
-51E8hyorNc3i2Du0dX20jOgrCSh/bJ0/aFjlYzFqy8s0iT9uou9LJlZT0Ya+3sY/OgIdofa/Ioug
-KZAX5EoDJvRD51eURFjm26+Omj3aw9e4LEmI83Kc33Vx0Hu27pwH2udN0ok4HUme47RtqdIfRRYE
-JfV962WrEI/QXPLvDvqDolfPcVw8zjzs9mCSQKq8SMWjmtEbMEoUkiRPeZb+wyvtgzD11xkpYqkz
-uuixnPqpg15aHcrtOAxPfdM8eDPPZKS9TnbcBmUGJnLoKthLb4oNFQizRTibf7VR5hTGHjt8P0FD
-b3q/DttnqyILTz9FC9kxnfZUW+5J5UyQKfl64AVawvwtmUrXL5SS4jH+kfTzW2Mu58RYdiIPf2Z2
-+decaTq1reh9bbFhfeP2C5ERxDIf1gHbbaPTSyJC5vTlm9J2X3LeZVux/7yWbfds5NMGZ/1TR/5O
-Ogs4eZX+1nJrORRZ5qYump+EYf9q4uTZwwAn/+/ZIiuIn+yGy9EYzaOYxZtuJyws5fc5zJ9svd25
-0zejqd5EZb9OuDSjqHvWRu88a853NAdvYUmsCl3XckF0HzWSPjmT3RLeArhcseJLMSV9ZjlgtKzL
-ozQHzVBk6jTf90229vR6NcJ9M4buIF21k3CJL++3kNPWsu8XKTAFMAqkCLoWaK5ET270lO6pVW8x
-664tUb72ox703SmDmsHGOw7Bq2JW/FU4tNqbPPKm0tBfCkZPyWFsyyfTbL7og/NjtlpYUdrKtp5C
-xqyOou4b8jO8UA1EacLJV7FdtmcRlTx70c5VF0ZzDFzq7gac4ooyQV4TyWoDT4i/2Pp3Uyx6a1D7
-UJ3vWdiPM+sGjrOtbmMQS+BdTafCiveygho9Qhzc72AFtrJ/a+QVY816Pd44SF0ryf/7dS5KZLVO
-83outPnejrEHdWLTmRk+BQwrBWl1XJ4bJfm1KpgfzylYR+MKcvXfn49PF+l8p0z3kYxNRJFfFuMR
-x73o3VUYq8GUpv7UtjD8g4ai9/NPvzLz5uL/70+nILgYOoxF3ajJGM/32UhBjTdpQugkp216mCDU
-PPYxvBlN+BG+4dFw8Btle5f4U9Mrty4o4xb2VF+mm0rQz4aAurDSpOpbXj1lofegd/PGCF8n66tL
-mtXnX900rhQzjCxo+zAwNP8H8vCfs4yhWGPHXG6+H2LzSc/HbZ8uQcp7ojIFV/GwFDlpht5wKDxs
-5HqyC6P4HDf2faFWqwiPVd16IAmVc8b7lep03cWw6eFiy/IdgrGAHkhL0NNjWTSsE91EMp77ioBY
-nGrUxsl6gInaWx6JET9HB7MLh6aKjICkVE/4ZWjj0SVL0hs9r2uTOqyWnkMJ6+ECv7hlYZyZvZ3Z
-8zvgQHa0cts6yHlwwwnn82vsXGsccxJ2pBTuHVP/78OpaJi4Zytb7lPYP5IzoAEurf2K84PlDvum
-pagrX4e43ma6t08n65xSmkwoUpcm/tp7ycFLHDSJ2ZpZwtqJjDP0vrWkMqAPBRShbJoO2yWnnUmD
-pp1/LakCbDk1wnu9DJBbv9m0AMDjqfVamJhGung9VA99BFOEv6AteIaKcdew+U4c/IoRaxADHdnq
-hcrKY1D7XkvPwJo3Th0GFZswoV2rEFv4WDqrDtNnGlaBHLHI/1/yE+r+beyZHFh4Q8Npr1OHk6b2
-P03Bcr7Rsb5WkWOvgCbG4Nv8MArtJqoNoXvzvUHfyyWWr2eQ4zh3M18qzom/TP9GWnHj1Xnv812e
-vJH2I1qiD6Z9GFBVk0ht+gAzdM7cNwlwb6vfJXDyCaNwcqCeiBoSOr3qaVqinQhdICzaYXDJoulf
-ZkggKUFDJcLsdtb9MbPXrmg3vWYGYs5J7ICVR6YTaEgTiZ1Aw/j5Q3lFGkpLDekvQ2rcsySK/PtQ
-Ok5GhFvd08XUMXSJmhARB6t7szWt/gxFKnAJElHCORgj6/99c/jnoy8OcHbrJIrQJuYLpF0zr5bN
-eqPU1nJ/MpjL3/ilV4K25E9FuGfTQcTvc7EZidzykCOrTBJBCXXGRP66zCNaR+z2ompX8jC/WMVR
-zmQ7JdyhBV/17cNIzyOsJjTj3apOJ99ts4M9xQx436za3rUT8AeC4KI1cMutAXWYhvhJTXFxjt1W
-upHlMqiGzUFLMbDTIDB4P+T/IilR19hbzbPXZVvspKAMHeNqrprNkCp36dA8q7W30RYV73TzmKvq
-aSHcVRYfS1ufyrLxDb6i7DO/t3XK+r1zM+jhXtGtZ6GLs2ycDHoFAGLY9WLABxD9jZ7D+yShSRxm
-j2msSKH5mpRGP0vJHOvpXeuK7yVYQAACyAUoct1tgte7b4kvZTBgieEo0vo0GItPZOJaZ7hduvpZ
-UUIITofFgRKaaI/uaOEgUkF5l5uoq9byJjfegLGQkRzEj3WThWeDMIVI2FtHsfaVcEltipGFKOta
-PTd5tVFA59tDyh3pjyXdoxo7mD7x9zSSDjjmtUvyxE8PGMrWRkgun+pXSbLWIP0kj3YcHUbMeQhK
-9iE5wvPWzMp1Cn1BRYpJNyuQ/kWL6ZArwNQX+rFQuvUCTckbWHK7e0OlUwkQQo6EP38Wr4hwyahy
-oDCw99homi5Ga3KrrYulQUxZfxltlyCHIRhcujt0CF2yS8AAA7A+p9g0qAmgnK1SIkDkg6C3VBQF
-YnJlRe8ZeVeNubOhZzScXXK1rNiWdbtf202gU4HOL7rX0psPwfzFuxq1kVIkK328Zbe5NtfSpVoT
-4hvHJ+dS8jJ5HmCe3mYCw6MMoUSevvxo4uzbKQeHMHC1yrc+rqxjU41HtFzM8pVtvOBknpOHBOlw
-a26amSz2+VYyzP/lu7El2DZaqA/yMaeZc9UeWWisujz2g75y2nKdMYQqRzoUuNeAgwZyBxzjbAO7
-btM0TxYDZsV6o/W7dhpl1eAqtSNBKp53Y11yr9SsOtW6pWFUw5x1qSoNm4H4B52yQM51B9zembB9
-ORnUhmRbe/oqBiEje5Ctp57iHmwJq7HtqBsFhEnoWg/6K1Xvrs6ZJbJymSRQRCNBfoRAkJd3UPQC
-Pzxu6dhbjRR1fdUHJdCZRu0OmZqcXDwPi+ptZn3xPbIo0rHaEqcXmPsUmB3w4Z18iUZCLYg5CYTz
-DA7+fYlOsQgqwHJBQu2ixt2XlnXf5jjLqOdMfOVDnp7CoX3tNSNYynHTjCncOtqqWEbHISQgomah
-yHgLdfzZvmlqqwKp58zKmeusxhSishFKB9ZP7L02rVTB1FP8SObfKioJ2a2VwoPP38wrJQQ3w/SQ
-dnso9i69erOS6bGnsB0mcHENc1eorZyi7ToyTeqK42I7rqLKvLELXzkm6chbVORS7E8fPHHJogrh
-6iGfysspq8PIKFY2MpAwr/D030wPlsvLRckCvw+pCackzUDT9++mb1Zuo9RlAsQOBQdO5Z3V4Dsl
-0rBtF78koKHUkHki0fPmc6P8zathQBU4sJwWNw6sV0aXCIywAVKAoGm4HKJWIrGXPsKmIQ9rwmgC
-JeGwsCh+3s14jTmzwlX4/Ba/x39/+PVywC2TqE3v0nnVMsx1cw/F3JC1q3gCHw45r1coscJi16ZN
-oMmAkGL0B5wytRWtauTSZj6tTWLvUi1dGwt+fmy2moAYAN26J6Qu52THM00oU2bOrNjG3eREh6Uo
-yG/0TaBQSW9tG8s9WqKBp0CtNaubjtiUVlhb2o2BhhpzpGT8/Mdevb4chA3GprL4uSjvaN6OZm+5
-6AGLZ/lzsTzv0Hbt9cwCiREFAySozz/xekX5n4+8KOuEaHVmz3InwDRSaDKWoF2pIJ6suQocd0Bu
-xegm4+zglDdu7bW3l+cIfSmEePyFF891DjCnrnQZtOL1D6WCcc6IS79VQXIVCdVC/UJ5G95SBMme
-yuXzhPVCbuMe7+6l1rBMWVYHjCL3RBOdGmM5GKVyd9v7ee1WYt1ysLkgqjQuTS7AMdOUEzc24jLf
-jdlDnOZr8jtAYRB3bnJYH2/dSXmnPvwwBu4mHQHc6pfLhONog5K6EZFqffqra5RHOWbwPMJecxI8
-hfeYW3hrS7FXo+abR/tcJxfg86fp2spoUE5olOtUhpfCDuxjCxpH0hZki90BG0dhT1c1CejmYH4w
-b8xRr7QDsHHROsJ4wIZz6RmFuZVLIQl9ZYrTNhGHxFqYmTbgPswbb+Y1YSN3kXqJphETtMvjCNG3
-EebEHpSOoR0tk8GgR18uNR+UMjo7haD3CwHGHPzREX6zaF87I36l6H+Vw5HSoIrOomnPsJLmbNWt
-wz4HXRZtbXOTqcbeyipomuG67ZUvcswQucp5UI2vZoGjQCcvpQ3zDcKux7zuHgoP30BbGkcznF+E
-gH2g3OrMXX1JsLFwQqZdCz723y2HRqBTOh2oBVl7Veh9Q2XZS6EmPenAKs8lJH/Z1pCVw7j8MZo/
-YVoGdvdHNks/f6auyVt1TlYGtlBElx+VO9B7DTKLIdhiZcKL5Fu0JWSV01jfka4EQpSHfoFrJ9C5
-aeOhRiTRl3aAojq8cV2uPd+kQnqQtOg/fTiTEpwhWLsb0jCR2SIgWckhNTFZoOlh7PX95sZPv/p5
-sEukTlmj0Lk4A9u9R3mW4+IyrZaEM0z+rkXKxLJhhBEkprqD7LVtFsbpR1dbT0a6KrzvavkFBtXK
-ZuTkbD//QtdWbMlS+d/fR37f//QdFQ57ySTNa1pW4AkifV2J0dzCFwF6yFXjABYTOF7eeASuRA5J
-pe3/+Vy52P7nc9MmxgPJTPkeLtT+i5XVR9XST2bcPRHV+bVsQMz1pNlVTpBUBKtSnOBg3s5qt4rZ
-3iOER1WvbhwvWuXscIIQICVBaE4j13GtG9Xh9ecV7y50f3nGuixKNaHihRq4aVln+JPV+PpjMhh3
-cUvcIHv4WGXntu42rjzEFy+jtICV36f477TUN27XtT3I5JDiOjq9UpTu/162iOkC4n6bHaEZNxyh
-VyPBJfKz67jY1FQysoH1//6E4AaXzBSERN7lRyrYNopK7bA3xkiYhOZXNhKr8G/SFbuuqYIBuGM5
-38qMvaYu0GX2vETfstdelhJ21XelNnBCZ+ROKtnDQDL5ZOs7B7pRo7RrWbp5wz4lSUzhEPv5b7bI
-bONKXu69SM9Yn3CEqVzxf6+0wRhBzxd+tpTGqKjAJfI7TLugBiLSzwqLP+dXhpUoTewKLKZsldSc
-HoBIZd2fqgAa41JkGqsyT35MmnpwRHQerPgkZdPz7FDVU/6pCEZGkIvtXx0saZxrhwb9plrYm8RL
-Tno7HoDKQ7IKj96ovRRR+NCpyjfZNZNnSimqWpyCBjP4LLPbmbR5awdl9pNbNeRChhBUC0hevDXI
-xeWIrkfmUlfqXu3sbV0425DTp4Umx0GDMzXgVxDzSk23/Eva2K3EDrkT8rGFqPGJmY3Cub0MkvkJ
-V8A5J8vHCIG8I8jhWoHes/dy7mBb/WpOZ4Do35rybIlpJxVZS5Wd3ttvnnl+b/kt04NLSG7fIF50
-k/17mFAWH7uyRWHDEZumhTxQuyM+B6ETjUwpS59KTjgsyechuEX+7TADGDsNAdDBjYMDQVcgwDkP
-RRX7HAW2/UTFzcRL3kep6i/dJIC2FgnSFbmlssE+LAONwXgl4Hqp80oq/Wum8+DVWuIlJ4a9SgFR
-bq5pwgI3lIqnNmHV9la01klDf9ckah5EWDnsdLuT7DwWLsx0HayQvWzU2vbn3tkDbzzwCh2Mnm5+
-ycQBSR4abiknLnPTV7SfqZ1LZ4qN64F+KWxilZRzghznCceMIOKrOyWuWKWZszGhnQtvCdqo5dox
-aU5JV8qoCPGxu2p0mPHfZbb5qCrazu3SQzELdlSsZa44qRlpOZNYC13Zo7nYeaIHH8R0NqTvrYe+
-02sp4Mg729VPUJN+j3rNCQnsuZoTBMK/BbGbfmBVdb/YQVd9aR1rkka9uGdOBF5Xiqi89qs7mUe3
-FIdxKFfzlGyAbhz1xEKRlp1ihm95V99Z9H70zl3RcUsI5VzMQJ5VUCuvNG2CWPbKnDlQImXXs9iw
-VfmTlpzrNrU3qjr4DTgst1p+IJ3zOWY9kczFl/RIjgK3iwAtUNnXCvKQvSa8TxPjqMTOoQr1k7w6
-s/JVS9SgKYuHotZXvO+HvC0Dp7FOeDKOTStQoWRPxhTxIa3abXjD3W6N9EL1i7rbUuL87VTjCIPN
-DUxhbzoxlmwBxhIkNT5RUDFYwVDDuPvKyH87eS9p+bDbWnVD6/RMvtep+973EeTr7GVY+nU1KicZ
-2tTVMPPclnlNCtre20fevvUEDdTpGNEqMEkDbMGyFua01qbuq2GCsh7dQxOKUw1EcVCeHQXU9Dzt
-QKY+tsJZCQBRmVfv5acMOd6a9GnUyJ/iP41mkihd7qqx3y1g8+V/1IZdl/+5nnyrlnAXTrNfc/Ke
-B2+T9H8Hm9gFHcVCVLzIPx7BI2/CbpPqw06LxEuBvwo61HYoxLlDdmfV4UsxoXQCNMHjdgAoGLC+
-EI0FqBRbw3CUf0WB/Kom/doam2OCDoIFzU3alcwAK+3Jn9wnVqpVSKYA2Tjv+bPSGGvpEy4ZVt3U
-bHYdCsbliFb5EdGVgZalu2uU5kGxrTtzGUB71evQzHZhPfw2CY0SbXMnf9pUzJuMFkKTxHcSidkl
-aG/QcUrnb2oylqFVkC7PsZ1+Vb+Wuv3FFoj5sH2XeUVM48Qkj/hdhkShAcUyJIYWL0pVG7/yyKCO
-y86N5uxNj9iy2jwpVXlyyLflfUDWFJgKfIZJwdMvGkCu/aObljSgUmVjK3QUG2H4NhZhd1ae4kR/
-xpIwd8/Sdm5VOkGvy0MMySNTMAoY+h2r7tau518GkKH3f+axfM4riTObyop/HZblmB4yFDoNM3gR
-jfgEmJzQXfXwJjtaxREk2dkVQQoqWtlmLw3PCQch4XrbxlmCyhZPVck0Id2jaaYflz3Y4KtSGbDO
-X5TO9lC8tfQZ+4yso65fS2+5PjzFXusnDeMNntmc+XKceJu8Kfcz135R3rwUrG/K7cHJDD50NvRN
-m1Z3Y4mgDHOJ2ghyBQfGYIVYLRNGOJhdKKw3i5VvGl4/bKdrOwXq2OXbOEQd6hVHO4l8+XFT2APo
-E7u2AS8eJidBm1Mxy4PFI5HGLi1ZdCfqwNwEHGg5ds82SR41iI2FMGNqvCXyU8/eeO2wlU8gXETY
-kToJYeM6ZamR7m27UO7kx4iK9QSyM1WLzyDorxkarT/Gaeb3HYTGzrcxvjXWdDZzex+ZFeFhv3Wl
-DeRFkpeXXiHrLoowgHhaXQVtUx20YkERZ28c8pTViqqrzDelU//QtPppMH8MbGgj2CDbgU5OIIGm
-oLwoXrK5ey3V9GnxfonaOVZqs6fFSadX3YfULE2qrMUy+krKBGCaub9/ZhcYiceIo/AFDTKyebkg
-5TlvBv4+PHZCju3lAX3bRpv3Q+psPTN6ZdkhTSnephzNJl7HtmeawtcYHA0HxnQszPFpLNSNNoYA
-zmZkbrH6RHr8NhqK7fszlzEi68s/CQSWkVe5q6p9Fff3izfBTVgOS26dFoUbtqCYZ4S29JLsGQc6
-4Dg3KTdyTbGKEkGcsrE6FSkkZcOm69K1xohp1mtqlM4Y/TxuHrQwJ6hC3VbtBL5h4C5Yfjim95Cc
-Y79R4peySx9Eb0e+Yu+0ajrn4fw3bc+qDaK1Cb9xAZ9KtTkR8rqxQ+v+u1NH52yYnyQUN6ZmEdW3
-MBzedDHeJU72KOh8JZ15Z+VIOufuhzmh4uJ1Xg6asHahyF/Mqd1bX9IK4vToLidX6b/gAtoNNT6e
-gTyO6q42qp9iJF1uJqajtp+MsNp1wPplLPeUlX7a0aePeadqxCJReShqQSZj8jKC/awH7aFlTSt5
-uvKo8Jl1LIdJSBpfo6qbhmezoJe65Nmj1WhHoy1/Z0t2SEVxTML6KcaUHtftQ69JTdeMwtXa58pP
-sgi5agy3qnKr2vOqTh4zA56X0a0TC61oD9Br6XmUOKIsNjNWag2n4MuTxRc1O2vf88x48AzkLbXc
-SLYkAn12V/KlITF6leQNRzntVGeIwWptIzA2VjD+YyvZVhkFKhpbzDxSVpdp49sEk78S+WnO1IOZ
-ev+LpPNqihzZgvAvUoS8eW3vaWhggBcFMzuUSq7k3a+/X8192IeNXZpGKnNOZp7MF2bPatNO0PVF
-nwRmP9h2m8ofV0shd6ViGrhiQqYYfmEf+6pwwPXLihFTRikbYx/1zo2AnVNtxL9kGpwhRroyPCvW
-hWFypiXj1jSKvd6WQyUPKJN3i0iehYENkgN1XcfbBgMr/BpER3tgXhxRPbdZpuMZ8fqjoprGtzJz
-L+mc/U0Rjo9Di6d48zR5zrXPtsZIFWGTZZmW165LnqLG3E9deHWC7F+++8zqxkEPRSvGQD0UGReO
-3TqHKFevQwwuxXHXZtF1qKqDy72KAfEkeEVReZ9bdXLHelWV1T12rIuXFfcXG4ytaCTmERWNifGs
-t6mOBjDA24TRHNBGbxUiNcXxPyg8KsZ9htpf/2WWys9edq71pdCi0nfwFa5QNvLt9R3CcL8ZYXfi
-+fvK41zvtFnydMxcSZE13ZM6f658PKxlB+Jln1QYbgdz3losYf2ipt48vjlBSgKCbX+5QP740Qa/
-7b4SOGwUe0K1rthv491sB+ei4pYA0pLlPmUsuZWnIkMSZRA/UPT2f8nZcCagFjmdVJtsXGKhLbdN
-VmrwTsngrI1wumKWNqwND07fixJuBJMMLzytRiodyPZzidPaMm313S59Y9tbEd+w3tpR83eIF/Ie
-knPVF8dOCARTzscY1M8I/siPWSrvHFf2Q+8vd+qovdqjo9LTUirYO0rh+dkrUcosfAWT2dk+fC4k
-Dme8vwgdXdSFv0BG/pR5cpxFv14a92jyePoC01ROhJQTUjs76xeii0fI3XWb3MapPC91ezYz+1jl
-NIrpQGgzs3BRoI1gqOWKTc8AZLaEL01l7REg77MhuXRMYBs4AieUHrZcvvSb6Of8MQ3VGTiU4ltQ
-zf+/Sqyqczm2J32A6P5U14NLrC6lKY/BsR2Coz4M9H3ZYmRlkBat7UwKTGY6b9kt1HlF2G6dmIid
-+I/lktKQj8dl8A65Lw59Fq0Grv4MH5XKoT2FBowYxv9n7734494k2DOgIi4ajKUNQdKofUj5wSzJ
-ryOCiRp3FVkbO/0hupC2ai41/xfC72NUlpuIFNGUSqGL7G2IBEhEHFnmVt/eZvbeO8T5UtH11Mqp
-II7Ucw9KogPDYgQd4bqiqmGMG3flFod/nLvZAoFhHWXZbUe2QUc9Mdf2UdU0KNHaJnhprsRRF6kx
-IRdpr1aZj8QLgxiUhNP815nfdUjczIpKw/lmGjGqZWI2BEJgF2M1s8brj99l4vCNFRH1BajJXZvy
-5HO4xwUINxmqF3tep1BoNrWCPmKDoVzZ1REN9Hps66OuPPpioSFt6SvdrUNZYTX4s/C4YrqmaMi2
-pZXtfAvzMMp/lyOHtULaaLk3VLajiD6WZXi0l/ysV7F+6TmBv8F9RNSVtF+lKE5QFqsUZLnSDL+X
-XooIZ3HWqMF94fUkmQ7trSZcN1nyfcN6t7jF5UTkT9bdS8AQP4nulvNo4Vzbmvajwbl9l/pkS/c+
-TQkkfNadh4VMKcT12QfS8rsSgS4mEbpIwsnvLfJ1XFO3LVWSfiKes7Z5aJI6L897wtQTYuenPUWq
-afuXkA2vyDjT363IjJ005O+lyM7Gw+iwqRTNvp7QzXABNXxrroB9MBA18q9cwCHZYtP1jGl0GzSZ
-sOnOJgwZ5Kr68onUquPMcovj+N1KYbHZuQleHPEU/ys4LULJ9KNlyz1VRn83TxGG7Ia/zfFj6cSh
-G1Erl0nzK67mdTcM4ADERbb1Xle/vTfC0ppbq8NBtrqqwdrXtrOnozpJJkpqtB66UG4Hic1hfnDh
-9GXj7iOwoaT28Rl0L4LJzZb5iKCvD36fUuSP2K+rbYCyJe3wjTdOBmcjxDgn4rjW+Tq1Ea7wL9jO
-HmKMoMDxfrroxtHNyNMiBnHKs+04uyinzIMujpdy2EX9XncTMRCRPt5DpD3J4O1qwBrtlxXI+NR0
-42rkUeqU3CkzHgpfI70wF8KVdU2MMdNm1h+N0dCyZBtBgpFnL9uABb0gIdedWhFgzwUIFPX9TTce
-lt9sLdnudaOmD4+FxdrI89zRFbTp3g860n+srQQg0i+kYofnS7DRR4obe2tFBJmsmzUThtseh039
-KyyuWRyaKZZWUcgk56DAp9ttnE+XUteX7ERd4uRzvZGS4iaKrx73oP54HbBKmyXqByM2u3AkToka
-LFju3vjRCJs0SBthPMQHJ7iU4aOvprUVUJxhUozQEhqGrG2m0EfP2+pSf+DobnCVbynCZ4tOBAsE
-/f/IBJGzwUcRQtGvHQQeJbbKefypX6xeM3qJ+1l1rjBt08FDemHkOfq3vjzJ1t6WOgiAsJWExYFW
-EWjFPeh/BI4tuvfXt3hGK9QVxeYv/s6raKbFQnkfSJJCR+cUB8kuQGyi0su0zDttiaWbvWnMt8JU
-WPP7Z30UuMo9Z5x08zjsMFnd6jKmMjG/DdcqFRtE2RsT03E7HHXQwgbnhYOsw78OQzCI4nBDxSrk
-MTk//kRMoW4/RtYW8X7Ix0huAOkT0nrzxNlOPlQfPuw0euri8jufGIlqVXjTRzFKAYPzoF2uJQWQ
-X0VH6x926dB+dOuB09lwQBY7uYrDCGgFeIMnoxtT7hk09IwzMJJP61RXLeM8tHv5dlo4oXLGmoJl
-z2mOXKikS3W3mZv/M36TtIs2eFbNC0tFvfYmc4WmvFpIuOODZ3VL034TJcFuDMG1H8zwbF35hMPx
-OvmEm1g3wFktYm19Ms2s/bwRG2luPCuDMsqOM+kUGj/SiyNVBRZ12Jek5B1hOmfOpEBNGpT0D7qn
-0weZrujN+m8wgsbwY5ICe87ze1UytoeEVneEROrxEcnK51wIQWt0l19648rD9iaWr5WPlZn3OSkB
-dVgjlGSqiXs+KC/Sivb60NPXgb72wzTZEBoFrJSvsRHZ6+8xCWPfkane4i2TcLZp8/xBfeNTvumi
-BP8D9FS2+7seuj8EJ63SEGUh24E+Xx+lDKQfcP046tVFX7BnUn5dW9+1iTc/HXfV/OKFb3QHYXv+
-pm6Msz/0OMb+JAqVXiaeKlveZJNt9NfJGJ1TkTyaSKrQL1+Y0DvoTr4t7Kstegankq32cdNLmrmK
-bYJTBArMLst3Zjr98VmykSC3QS9CpkNWvQCm9qZVsqRn3XNaicSDPdqWwTGXzrFwghe3LK5L2hzj
-3t+EHFIMWR49bt+pI7jEWV5JW0E2f9bYgz6K/co85rRnGYKhYsQR7xZ1OUPt3kZfC8mm1VknuMjq
-S7pJPGatuGf5lgSN7IXyMNIT91izNUt667n09YvIQxAZ/j1xggvv8LAUxH0mHrU0B+mkwy/JFkvF
-1bey1WRQ5eNUqBE0tAmrOkF0phcWmEW24OdjNZT63UH/Hn1eL2lx1IUnePpJFxOlQRtA4dXQPEGP
-kxzTrFXpEcJCrjoOCQhlmOgTPzk6P32D/vM/d9z70Df7RAZ3faWYYfmGUPPFXDxiQLpbzeKvS0y2
-ZHQqJgC2FEND3/+Uk/9KP3OWJv4dnJAKoE5DFYHb3tP3peRU7Ogy0aXeZjej8yLzMTmK0t1kLNfa
-J/PAt/HLmPeDz6A2l9swiCdD9hBRmFjF9UZE27hqTznclJA4d08MWHVTeawxikxr+ZaZ4SMuPKxc
-7/oPLgqfX+GvxhS4QYuSrfCp68pT60erifouymjw/OGqbQEdCsa6EC+OphKobvTDTWyJOQnq5FDd
-0xaQSb3lQkdqWn80CqLfq3SuPsFsGiXTxU/rd4cMLEf7OhbUaQPTy0S3MA2//NsteRJAqiKD5yxY
-Stgrznn8/VZTVZ5jWo+qT18Yw77qA0Fh1UQytH6S5lweCmo8alouEFyq6DOZ8OTGmgf6K8s5sYPW
-8dgcOOiOHX2AdsLIQnFOm+pz5OCdw3glPCb2KCTxQjiU0r/PQjzXTnBKx/aRxT9tVN6awAb+YrZ2
-nn6VXXaycXTWra2uQoxMYSZIKl7PzvQMpBi2t0ZKf8oqhZVx/xzU8nfu9szukOdcPoeI5+3Kx5Nz
-37oOIBAgtY3PzEj4QQ/KL0OftxfNuIMAiDMn9p544YukLy+n9pnanVzs5zEQb25dfMg2/VuHw1eY
-rOfRf4Ebfkh8Qkmwj+XKVOQCEeJQmNl3kajDvMi1gG8w8uJZmozQNvVcr2rFec01lToReutyr8vO
-0TOfse3EL+uA/UBCKeNewtY/9lXKCRtfXLEc47S5GGZ2i4uIeR3SBLA/IQnqOKoKBT/bPe1eHJ6R
-R/wN2wq4EcRK+1Zm8XTtYnnuYAmGxbkUVq7Warn1XAJDYV66Yf6Mlvll8qgGGR4NfffQg0JULFCs
-6R3nHtK8Txh3q0r8ijz8P8fu5A/vKvLOwgzf8/zmMVfRVRbkxbLVzAQRC8esS8++Wg5xOF4bJcjA
-rjltQRDH5877Y1AXu+21dOUuYhFrXASB9b5JKug7A0MA9zxziDhDzizfckBR9q6LSDIzSdc8LH24
-c2r7DHHK0bEfX63uqYAdaCdxpNqKO1qL0qnZAPZKqfnZLHB0dsBYeEiDE240saLdV3WVoRELB3Zl
-rMOtYZoHPPGfUjpavXF6lF0eRv1xFGP7TwNEXi2TuKZlcOIX2zKedyYG25RaezNm7rLt3o06wRcz
-OsU6A4licR51fh5DyBqRoGHOM1zXkQAuffCuP1pY5qGl6JbjtMK+yuUAJyJIP4MhWUDWsiOUBCOy
-hIhzJTNLeBlc60ujDZHe+FNEmld5TnJiNDnU3XS8aUQyQybGtNlFgIcrYzh1bbRxzOGSYLDEIrFI
-I8Gx8aNpA34sYIPloJTFq2S/hq73ZkgP128HFmfZyUJcGVTB9+phzOj6WQjCMZ6ayOM5H5sv5S/v
-U2wwx07ySSjfawHjkPe7sLN3Bp4QRpO96TUGwPmmv1KReM/4Y/7XM3I9df5BuUwVGMZ/RcbFPc08
-mOKB9ASwxjAPfRC/CaXuVRgzJ5pd4sLdL7H4HVJWz5O5GTPvQ58GlGtzlD6cT+CEz7nI/kx18l84
-5G81t1LDLWHk8rPilNE2qWNRbq2U0WWadme297oVMMiOsyLjsDiEZxJ76QfRXXYB8HcLytAedBdD
-jErde1BfaIYoIWw6MIf/LDxMPdlo+j3od4DABbfH/ET1GlQnh2GJhTeXB8FaVwlj1UB45ifXNZlg
-LmETq2OXkKGtvpK5WNXuzwxc67iwSlW1DzGYrQp7Vdjxaak+S5ekJRpCDR7oTsBKjPsY+ccUIqDx
-oBX95h++otrhVsQ0iLm3Moz+RRNPGrB0qGSGobhXIqUpcFdOYNw1XlP6zQFPd4oz3Nt7ZzuBvOv7
-vsOo3Ey6fUWJtTj8HjrJPpmeUjApAzxD0OnqkkzfDgy7r93md5+RTszdMoDjzFRnadV/9j0Wmb+1
-Ha4j0k1eEYnTr3L8wsJki8/0WpsUO3SXXloc8CAxebEh/aquaHRvU1SM/4TmpmchkgKajboIzqHO
-7jGiFD9ODyQCroYx2OmKtRytf7TVwvfW/Z+Z1Tz4biWIjk17Yys1rK08QNtxpemiNEBeEk4Eg651
-M63PZc8aNVJ90tSO3j2Bnf6DnJBKHO0+ImkM6A0IY3H7vWag9F1b60KeR6ihWV38aSthwnZIrmMg
-NXwILvECzduyONuFOlMjZPrE0SjZ3OIeTeaoBo/06VnpGgSeNJzoeCBep5M+Dtym+BnUkzLJstNI
-A6lXJ9qVq665PSd/0g0AAw2HAsRf12kaa5u6k5VgWafQUQASCFs9D4vPZFxz0p1PFmS7MXPXi9yL
-gBhbWhVdaelnT7ID9DOydCpRHGNxb1nOHgVu5IxYbIVPff5Rh9qlHpgkoMlu917crMeFgHGijYvh
-5uqTm6+ox44LtFwBeH+HtgwsB7zfgYLVi9GHq876l3o2TpoVrKm4q856pJx4iYK9ri5unj9zx+26
-TJ3qikw6+4h39lUfBHUFXQKctdh43GM5Ylg1oEN/062NoPrVt48uiWQ77pdi3Iz5UZXTMZ3hDfGX
-jBuxS3MGXEE6E3ChABONgY8SiZY3qGP4qk2b9d5M7Re82Lb5tOxCb3gMmzi0frrIPI2N+8ua42ME
-UsULxT2dLCsDjGbedcF08R3UB7T8Q2BAefsQ9sHBB77rkv6VXvhFI9+LPoiSYl03HXMcSFL79mcC
-c9B3iD17VxQNe12ceiAtnlPd9NrS8IfZIASo8H3u6qfBY3CJoZ7/sG88m5Y8NX1+0HVyI+VVIwyQ
-6AQhxpQdVq8QSHh3V5X3vjBfImIHcL/7Fqp4eG04Hpsq/m44agZH2ShnfHkNzOIi8ShJXgRK/QA7
-wj21/K/IT587B6gTekZTgBaZRRrbBaM5CU+dfBC4LjCPasTzpPVviequ4fi6rEbCqjTyYCOo6OFl
-ixKbHhwdXhGvYt74pRsIXTjGQ3bVfG2t5lOCd2yRzIeo+bWo4Um/QhJif9kkEacwyVJG+3HE4gIG
-1M5wfKXWzHLwIjZj2eHpbWrRwlY/09qRdGB83D9gAkvqo+N/TTZEb5AyafvvgOI0nAP7VahUy49h
-FgJIUDBymXdYnYabkGnQtQIdTAug39F7D0nLMPrqOHuUMSH3KL3aHNcHLRLIWDXJ5B/6+ceX476w
-SN75ksVzn3Dz5JzDsr5pdLkkEstq4DHwtGD5MzeW+1m7C+nNdo5Zz2sNz1mVc87mjIDuSBt6CfNS
-6fKGmtZER5LCeFRQArMb/kLetmuJu+QkKNP3NIZHG8gRTAWVynTUhXsMtOL5GOHSuigzwk+OYymO
-16M1XiaZXj2ruMshuiZINNP5p1XFPwV6HZcH6Z6aOgVypkSVh7nx11Y3n/pxvvOiLmXX7HRpqsLu
-llsfSur2eThgj/w7cP6zB65srv45erfG+VLXNjiO0exEJm9OlH5EZG83bn0z/eqVcasZYpWk1T/V
-bIBXDZcaryeFVE2lMIl1x01dzL+lA9ISNRMGIuautxnjzRoLYKMfSK4sYxCL5BfhmDR8bXMJybvu
-B0mQpGevZdegwzOG79o2w20HRIdl8SYpu2vQ6HbfN9tNRvUaj65koj746zVMRuV5FK6GNi62s8uQ
-7uww+igzdeuEf+9TOZ0Hq/agMNBUpNF3hmfKU5TVAC1cRRmjGQx/VaPaWTHsRPps++NX5bvbUrlP
-KBLPY2ScZlFXMLTDV4cdyMTSa7/1vy3nTgRP3syCdNV8cAUDzAG1VpZjj6cFE010qmr/d2+KF6s7
-L87wWrj9o+8ttpwLi1Ht5hkXDVpxepihUKcw8Tf9EO7d3Nj3fXbPEc6DoTn/xXpgpO9cJlgTuRqj
-UqylgRaHdK8V92e4cqD0m76eVraX0nN0YlxllfiYjfCYY3VX8oQxPvFSnGVEXPwOhvFgkcztuwsS
-EG/5ZeC9z9XA1sJaaRn67ywLDzZjs0s+vDLsQedopPSBoPiJlbM9GVWMIwOvHYyfsuG76ccv0X9k
-ZdiuvBgJDh61v+0wfiYX8h1Pto2Yvc3SEDQVOMGnu2A3bA3JLyt77TN7nRLvwCXNmKxZZAB9hqNF
-4A8kNXg+TXZH09j813W/E4wHlxnzyHgAFmmDn9ZsXqdh+PAz+Ssj8mfXlu1/+IksK3B/zeKUn3Bq
-pA53sFe5DWHu+O5JdVazmoY/OOmAx8+X1okJhShgjHoIUzumSMQ9gHr8S6L9XSUzQwSRlIzOGIa1
-qtrkMjSfHinqDfocbzogQTrngbnGReGQA1AyO/HTKP5WD7EpswzMGAnzYZaMHFAfY4pDqRlU4Y45
-zIeq6fxUcs/wJ0e8xgw2IwAfxYdq5u9s5O2EBAMDb6lHDNzAPdethmJC02yfLD/bEumDC/X81+ih
-jlSQIZccbWs1Dwz6xDEnawhRay3NuzHEj6nkM0ELbCP7cQxUOdFyHhzzmlrB1V3yTSvWc+SuOuJF
-4mJ81JKuqoTBj8Lpp3cFd5V4hGUI8C7Cz1AOTIwBHa1dNRSrpcN+0ibxZp3101vDIOdqUcFTEHxn
-MniLRwEAWf0JxSOX8dv8jhHRX3dJ7soV2OaJ90xY/ED0mfvm9zKwDgMjfjJge4P2S6nh0bXJ+4QN
-1aoKys/JpeJKmNFzWxx9ouH/S7g2qn28TKeYv5SF9pkm6aNS3gmH9QXVWvJRcYSzQ2cahmzfuwjT
-stxmr7lbWcWPcKjhn4z30ZNfrTIOYqavgvVwm1kv94/Si/+Afaz9PL392y1O4n6mQ/mVGQZo5WH2
-xV100y/4L1DZwP2kdbxDw4yrKibUVYsOlXdTTfUzJvLFaPgbvQS8eurcT136isDtEMN4v0WEKdTM
-wBZGCf7KlAjjSi33bMBqxaOyPIG9AkdMm8lyRd5CtRrqROGTnvz2eu839mEkwHTiZ1hVIf8bnuG/
-qHHesoIMS76rbmvyh9voNJ5yu8jwNGfjfw3sb4uK1Z39++LXX4UPo249J46NfVtuXmrmjnB8CleN
-jNaFNJ6z2JdYqPmvcyvOwu7fYpw1jJRfuLjZvfEpI+gIi/g1ptFe5eOb0TJmkSXxCCRrUgZOf8s8
-/q8wfTxVIvDsir8msIsPy4RuZZwHM4j+1dPnDHYN7Sp3xw1plqc8wHCsrljoAQVBNng4wQw/7G/U
-gtNzyNS1g6kaIBIbpSmGV8dpEBTzxVGRfkiVfeAd4K+cU+EITAGRxInQWsmcgXO9rczRhO1Dcpf7
-LV0E289QTQlaCNjoTAcKNc5QwmWpoLF0/tNX3mfHk6N9ezP7YONM/iXxvasw//RBsApy+V+P2VJR
-9M99HL01yoBMwmwFBpMmyQuY9B+NrTVU15omgpNysvgwPhT9mZ61QrjY3ZMqvphNBmaJyF6UGSkW
-ksN6zoZH3wSfqZWdM+QGsQ8+GGd4UXWPpkc3XfP7qCV6SlMyAFd1ztE8d8HzoGhygZPLsXgq7GTd
-2YgpX4uo+nYDiHL9aO1YvNij/17V7U4V6u522VUVzF/VS/cpDEQ82RhitHWNJ+PmsiuQgnGc9CVK
-Wxs4wRunrR8QA56xhcey+2rj8XvxIzx/MHX2sIRrjSOigg9vceAI+htJCSCeJcgWiu4ux6qhTKt3
-EblvSBgPcZm+GmLYmDhLBEI+Re58Dqv4h7HqVy9xHgt6STk6G7qtnVt7xyrt/y5z+ixGLn9eWZR/
-O/heoZeaTE6Z/uiSPecgJEjJq8o9YxNjF1hO+WvY1FgzQXKN08GpzgO8sVMK/OpIs66bQ1/Xp3Cy
-zwT+3fFCPTe5HsCDbIC71RBhU8Rv/TRey86/NCVus9zOdQJbMPwQn3fSn1519S/Lsk/cQGujU4ek
-WF4c7BuqGjmHp5616NDDQzwJTvFo6tCxnXRwuWn9bYaOyFBA0t1c8ZSXaoWB1yPtilNiRsekFLtg
-XhsK4XpXA4rKPcpUhLxzoq3Y/zRw5U7gfci4v0GwnRrT+HJU8zOitSjiZs8AEtS2V66c1DtBd3x3
-S/wNA3bEvcaCvB/CQP99OzCZD5PmrFDzl2/Xf6bI/E+OolrnrWuux9Z8I+sdjr9Nrs7CfFtIaZrk
-5lHDdFqXlLjk2cG6DXogtj9G8AX1O3jOiEgjNpITkdl7ctVvvol6UD61TJ2AXTrSuHZtuxO5fXVt
-SL4SVndor8OyXJdtXI8vZh6/NjJ9ykvv3nr2oyHKLcon6Kb6PgzjzrSYs0usdVgmJ83xZXG/zejB
-PD/darVGxozHoNq14ZB2jo6q5W+ssfpIEEflDId1OLqKqd9lVXZyb/XiHjp/2CYwzLq3mYi6r0nh
-tq3qtTG9g+NN+2VOTtGUngst5rDHUwF4HifppjrlwIVy0wQx1QNYTwCVD0RIJCdysdtSpCerUx/N
-kOkRm14r9PFFDRBn5I670QmVVRBjSu6PlzQPkagSZmSa+zFInwTFvz3XV41pZkJcI/lrqOrDNIjT
-rApSHiEwuPb8tNrXMPgdTE9LfW4Hpwk/rsnM0fyR1SgXDJKXLQE2nP3tdil6lhpa0uZDzeRDjvFB
-/8PTJKepZiDEPgc8RQ2m0acydDWv+8Z8FaLEp2Bai6zZimRcmfYhaZnUwdpBvwjNjZoLQEsCi6nI
-ODfJTqKz8psXkVccZSMCM4f4aTwOeg9+luEyUxHFgL/5B+mJkJTute/Gby8fDjqelYTFfT0ne1mD
-dkXNsG8MTXYQNhS6285LyKb/ndi4Aufl1mmGz3/u8XiaOH2/nQL7LWd/TaH1JNtjV/lXGWJaKfNr
-MbrXYpoeRux+R4BBSTnt58x+Nsv6PXHmW1P1W7xBk3Q6JkIhTzMZPbCPNZrydECqKNuDFQAh2f4q
-7wvm0cyL/u9pja7U0Nx8yxW7iOhuhJVL3+D4ezson3IP+4EKN95pguedT0ESoHmyPv2WIZWuexvF
-8JD4qWE3us6YCUoc5xwNOLW0pXYPwig3RMRnXiSKL58nVC3RroG0Hexya8KkhH17Kyd7XyQ/RUGw
-a15sFUGlPmIFpwhXE19fJN2zhHJrs/TUV+ZXbt1MCO7KbdapxVhmwcSqUa/yrN5AbB+0yHQa0IQ4
-8SZlOqvCBCd1wGKoePm0QBVI0tEvR+sImmShasDwdW7SSx6/+eQU0sHwCteM/B7ydtnYZbdh0PSs
-2m7fj8M15oeRhR5NzyO9FJga7wxjQtrmqX2QHmZ3AQdDpS3FtseXvFTaQ5M6b5x2tmzuirJJ2PiC
-duxUZFUKy6mFmKw4LA5hFh2k0zHntfNDHDfzW1VFZ1H8iYYbR5+gVFfMlCVoagzn6MA+Ix9dtQ5b
-hcmiAXXIApjceA0EErWgV+5zEFJ4LBKc6gOcmsYVcPy2kKIV6GN8KnEULP24KSP/1C/mjsoT1GGA
-WCz584E6NkvhncM+u8zM5zRpe+6pw60sOFaNvA2CstWoaC7zLRPFyJ4rukkPkZvYOHZ2MqYQ9G8+
-c6Xt/OlzGXBrQqeZat/krD8JAhKhVFejSzfX0ih03k+FMbXfPS3NQ7WCPy9Yl8Y1qbxL6IyXYESk
-kbanSE+utfQtKS3J1KlLUlRrs0GHllHiO/beRhcznfElOCZuccpq79UPqn1F/KVh9bgmpZisB0+Q
-dFg9IIvopA317dKQ5P1V4LvkwNHogzcAj6+KH52uLtv5b4XZammLg+nNG5X7m8IPnxy3esZxADTt
-WRTfOv907pnGJ/W0JotNSAARFe9Q4G9zkgn9vgDP4dPYpYFTn5xo2TrOwkjCBoU1VFixz2Jz7eYB
-HZrYkVYGLsB5TPY8vqXJphv6XyWRWbVSm8lGi4uwW4fE5J8CVsvWnu5GgOKVB9orDtPm4dcpLr6+
-ua0HtZuNgQFZtW36l75Oz7GJeAJUQxbOS0VTr+yISzLRsmigBD7MncQfWvd15ouN3UR7uh8iZYi+
-GM/mAmiScaiNJpNyk+bg6tpcLSTQYbmd7XWR4VLaqNcWO6fYYIZq6D/rzqHeqLSMJ9g2GNo0ADGm
-/yf3Gc9D3NKOCIjrs94sM0dpJxktyaSPsuTfTARXM+a6KJmYwlfWymOWxWurJwenaSNQOyy21qJu
-X1E5kGs/7TvM9nJJ81UwhjdA83ynijF8RLfi5gGgDz/KwGYqfKlrBZuSv2HlhF9IsTVKuY+BDBfM
-ur2e2Ye4umYkCuuj2szbK6PHHvURfvJx9XvJWsQz/qmjeVcC16QUHttwD0OQUC/1h6LWpB5K2kQB
-F5XglhkJKNSuHW6DGGKulTBJ6yCltqRDSI+aV2vJgPOxmpp8BDRaNy0ZuWS4eCWH/eT2W2zs94W+
-1+EyvCU/GqG7L9riSScl6/WU5YjSA3NjzWyzgmggzOLHB/v5xTGm18pWxx57XHMcNk5UXGVOg2t0
-6Fisg6N5fSO6KGs4BLV5nrRUuHmLRvDxzP4tAD3oQvdAKmuyaLbCYW69QcSHj2/vDBdI0kczlqdq
-8Xc+edJFzFyJG23wdz2h/d4twfJCM8osmthUXbCxA5zQCE8MO6idxd3pREHtaezn8q7fhv6KCpvX
-mlypYv6rBpRgldrpU0m/jAYa2IjFFQqzF8U1SD4WqmtPtefIelaB+QrIynj4gAjEQdMVX/qWefqk
-X0VgurRT5SNh2F5nmGa5OGKztiWj99UWmb6B9/rSge3dmxmsK0XpLsbBNQP7aXu4Bw+6ebZ2jR9Q
-kN/ahs9YYIU9b2c68pSM5JKG9pPw8ouwvReX211SaFpF9+/aLlh5gCWYGLfQXe4XmMnPu1eFl3Cs
-zubgP81VhmbMebE8RkK7CoTyAyFM/tWX8z0HTCkj5+gPI4W9fOcMuGQ9uEczHkWLrAXZrc6VBg/d
-TYH5EhzFyLnnYG3jq9fFFHvipdZZylBVG9+xu3mNlHUOBTIo5R30bp/Mga2NI22BrAtYZTasp3OV
-0wNxZlgMIiHyCWLCnrA6oaJIqLHMBIcCaV+JILo23vKRtjQ4McHJqo7+xpBVuIAfEjEBvDZfMbBe
-41HFla7zP87OazluZMuiPzSIgM0EXsuwLFn0Ri8ISpTgvcfXz0rdiJlWqYKc6YfbtyNa3UABicxz
-9tmGhm2ofSLAkWORlo2L3WCiYW6hPjBtBgIhAHMnE+8mI3O2apGQFnjyN28IY4GG7jScyiArUp11
-mDWamyBxN1jj79GObouqu5apwHrYw3N7IoPK7RaldytbuqQ0vLdkeAPH5EYF6Np1feUnxsHsGhg+
-8cas7ZUGF9HFPHVdmP2VhSdDg0U26VI7d8KOkd5m0v2VSSM/D/XeQUWkWKNNCDE/r7/lTXqVlRjD
-DQxQHWNnvMt4ZE6QHMQIa3xkpdu3pdetoa9sco67jjqhdMgJCDcu5lpWGeBamJnbbV9Ym9HJbxyq
-Y7cTCK+MdeqPlERW9QidOmQ3EcNhmPS3pJ9hAc5LvYTSqDALb6nrWKkJClsrPKQ1A8+WZAS4D5rd
-340UBeq7M0yI+W33UlGWR9JlA0rXePbOEeBEH5NfqzF6J2klwNrZblYijhlaRcsUlW8wM3Uqh+Gm
-6Ker0GiZ+hSUSIL5lZiopSd7rcLGe887eDrxAGZwHL19jMOKelhaqm8894f6moymX3tZdfBFiyWT
-PNoNZWyaoUCu721v2kDsX4QYwAWMHFWhVzABUzUEpfmOzfPe4sRK7WIJVvPQMpAakg7huvkydfFL
-3n8YECsi30Tr1G4no9ipinU24hvbIVQDW1Bmchbfz1wQalG36zaDghxbhzHjlEnK9CaD2p+kZMKx
-zmQSgVIisMyp8MbmXvbVxsmidWd3+8FET4PmqQs3atnl+OiKGe/0GWpAAjml1ADAvMi4wXD5KIPq
-yp3f6zjaJ0n80bvjA8zTqJqessG78yp7z855E0QhkzqUjlG5wuJCiE3GPKEIg+tK1u6qmBUFmo2v
-GlJIvYKCAOzRSuWLPY7rlvTvoHkY4DmpYhNJz6oMaSCb+KaJ7gtZr90QogICfTAaZOYlZ4K5Y3oF
-jOQ/aXZ6JMTNECjeUd07kb3LkbrNVsvm7mK1Fc5X+D9du167Vv8+rKijAOFhWxVRtnCS9FaVJH1l
-7J1IY/jX7ydQq2LHz8lylsaos16KfVI7e40EXbfTXvGcewnMkETACAgkPIZRvws76r152efwzDng
-3Mw7dCKFlYzwgxcUkCorSDzXEqWpzk9RX/5++rhsXqGHB8LoLALgTWfRsNIqThTEQpxKxk6n25mK
-dlfa0YMsvLs4ZoQ+O09lN2yMrLzBx08K+3cvlekWev1n2eI7P8IXI3ktvx45Bf1CX6sivxnzdZit
-4I9A52jWPdPAgPzIlTb5V5l8HzhTlBFVHEuEnjAmMYpkvrBuDfY6L137TJEG333MUvR8xs41GCTK
-6ckX1o/GsHbtnPLbH30PG3N6QyAZVdU0PaFpNHyFFAfDsNZZ+VYRR1lI6Gi5dXQiF1KpuTM3kztQ
-tc6w2whXGWbG5FLcpg7mMn3zpLocrQCjgw73muug5r7z2hFlzNARV8ZSphDEKXkK2L4m8Lf32M0C
-szolV448/nueli5JGhwI/9YeszjfxZ39M68nuWiq71kHl8jIYdHrWnlf8k4Gbdp4UQLRzHjsbPs7
-boTLSGemFPjpz9TzP/qO/hQ6EJW6RcKAiR0i/LkBWttrnOBmbFdMRQf8k/3Y7dadMBa60aObMvm+
-HqfMuU87pfGZvJ3s3u0OP7ijrSEUTBHSjtnGnQ5+A4m/RFJoGDey6A/x0O+YSLr0gCMVPl1bu7IV
-uabOD6PFHlD0Nx3gSCzbR7ZS6AsBesgBfrjn7hzaY9Of+GwC9OaYZwBhxgbOrTkFXDmGJUpmueqg
-5sgmPbQgHf7SLTmpp7lb2GO/i5KW84B5t5Yk16GoyU+Yeyy3B6oLObCfJqGztHVylIX9TYzRh/Ta
-awLYdqWFj+Omxco8Tm9yfDtskt0SutvMEq+WCVmytx4iq/oZXI06U6BwbDd5WBrLwY+u+6RmzJ72
-xuLXGFg/lMV04AX2suk9dMXF+6Q0FVL6Ox8fSyzbcSCfEx3jcyjPC06dB+GEJCdHPwLDiYkM17+D
-nPqI/+KN3nnfRJtf17OFCo8SIvNmAiii4SBN8SOBL+SFeyPXr9wy/5bF1feeMU9Uhk9DSYtZJuus
-n5+7qXyzJsxtK3lttjprkNlZEIfXgZAPCUeEDbDfTO+5Zdxluf5szEj9y/o0dt0b5hBrP+G1lMVB
-VOVxsECf49jjUEhsyF8955fstKtYoxKl2k5oEsrHVv6KChzGoplUptlD9+fX2bySWvyjwNB04Yx1
-iCxbX9l2fq0P3a+JiqVPyjdyF0I6SfR75GN0eX8LUWjbev22Hv17i/jZRVb3H1YOcY+z75pgqm0k
-oW9OCEcsXVxLV8d6xI0ewibeRf7O6fT3Iq4QElvuuCI2ZU9pkKHwDMtV1agwmuZhHpqjMSSMING9
-hcl8JzUA+zCKyTUgBwq27Un1eTbsrnDqryTj3DCYV1k6rcf6tg2UdQvIquZsZLsadEZ3nt5dh7Zo
-l5NIV8nYD0vpzFQTXnAi8ObOg+A6Vf0mG8YfliZhc42Wv7Sq3FsbpfdGF2sjVBDko+TuFaXwcTBh
-Rkb+TRlQcHRd89HD9AZ7DVCZx8EC16Zd1TNkmekfRk6oqmpPaNK3wCNP/uRdu0n00LJf6CDAsTCu
-7AnBA60yWNT4SxT63VRGbypkYubgn8J6yeSEbqfEvSvz52VbTDecIpshM5ikd/suQoKLyHfR2OJR
-gSt+PN8wyMks57p1GMQJbZdB87FpPWwXXhgdgJqPi0JRu+E1O6DB47zxOe+ZfjNjpJ+kHsrsasWZ
-bMJuavfQkCDNARU4JhOdFJmCc2tBZqI4IMGr3xhUGJZn7QVpcFugAwqTRUiMxdCzu1YZSGZnXqke
-fhLouD1aG+neN/28k82M1eujntd3hW8c11EYIqoXL6ne/GjAkmBbKugSSQsUj+k4O9M2TuqNgakP
-G8GTFrWHhh+lKgAEk8u29QFK0SboQbCaQSDV+Z2iL8IMh8lQ/qjTr/JlbhLH2tt1tStgxI5eQiLm
-DLvMvJoh4bS0RngxoavFrm3aGLW7jwoQgWAi7yJeEq9DNFF7UB0JJIJTEyfAjbyASdIt5MEenzwc
-R/h7RIOOFm9UieK405ri7m3EbGNo+pcY9z0cI4/gTSi7cFYgL17vIGpRZLSy3o9u9+BpbDPV7RQj
-lM2nXVAA82eYRrd07aN1CkhssPEjENZ41bntIW2ywwz92mOMYo/pzveSdJVRj2ZxfDVxLlepjbp4
-OCZ9f83/hUKuhqndMw/dZUwTMniTVQCRz7ySbbcUJsawE7tIAvWBwDUmXEF1r+5R/U/1Lbx4/I0b
-eAw2suBVPvf3OYWaR8MhIOx1MRnY6OrqkRyxTiBGDstvpmFtTD4VJLCrjA6FDewKqt/3oNFfNdsG
-yB3hItnVTgbmVSyH506Xx9kfpoUvkJv00J4IpkFsks+vY+espLfBPmDdG8xq3SDe5j167bj83fTF
-c/eKPckNP4CTUVwN9DiqNBmCF7ox3ShOvpvsmMDv4vdEgNsTg9VFyKsro7wGelh5MX2NSZVusdXG
-tF6hubepHDuN9C33fm5x6KmNTa8ziQc8sY1N0/U7I/awrWpvkMZhoGbeaQakVNd8yjvvaA/zgQbv
-toyKA6pOHKOOlijujZgSstd2OReIY5/GKF4y3VojaNhLjcBPPb7Sc22rywZrAGxAetzhDA8hUgkG
-Ea6N4k1a8RaO6ZoIuW01H6u52hGMciXs7rnv/F+SsJ7AGPZaJ/dV4GNOgHmQ+ibZSwGob0ZdPmPm
-e2vM14MG8jza094KXZW0vC1kem3r+SrK+0NkZUs91YhO8tB9LEcPdqje7TQH3wktH26MERbU7BjX
-sT1uG0YPnZ1uexjcBSrjMEv2HkO1AXOLIU43pc+wiJymEReGQWQbrYe71osbvWsXcTXv5jZfa76J
-o0+51Ez/vdNx98EOjm1wbVUNG4l2m2r3ogV8S42VKlQ8aSFvZLMiLbOO563LSVnL6lgR5Ddj3ILv
-SEDNOEBhbitubtzqNWBggggkrxnuDyFeTRL+jxrD+NVGpyM1GhDlQKzqyHqwynKh++E2oNMySn0x
-uCuzqeGJNGsZwHbv8fglh9FEGukOw9ZnOBPvask4K8uWKZZJbpsusThHaMbGSKs5UFXNsQ0ZIb4a
-Zgz+8icNfCXq0ys78uD1RNhiJZvwHv+HfejlUOPkohUugnEGwuOMHsPp3kx6LmLLscGRbH36Jorg
-1SvUBo6g/RaMHn8KM3tNXOWpsYGodRtRnRqYq4UFLieD9ew5jcDSzDUZxyGFg8aR09vo+EQWs72G
-6pdExxBMOcAfakUr+laRhUYcR23rq0jr131G/rGFamfGvCgu0ZuSgsWEK9xlXbZ25vZQDmzB3vgE
-D2A3N5zn1bLaDoZ5KIXJIkInUSITgTgRt+Nu6pHwKPUh05BshP7wplwQHQnnJB62ozYsZFs8wCLA
-0Yd0uBroOi9S0gjmnZ7gcJ+kh0zvIUsWi4k0nqRzthnTPEhiV0ZYQMDrXvMyW9s9gwMBh6Qlegng
-rbWtVRriOM6vse3iYEmS/wS64bTVF/WAWwZefZODyh+vrJ7/qJlDcw+fYvOh7+Flp/DvYv9G23l1
-DUvSW4rCW4iR0IuEzZK49W1ARJI7If2FS1vamjIX2FhucucSqttYCBSzadUHOKh4+LkE0PR2Y21d
-jfGwHBh4tj6Nr9jGBaE21wJ2fO1VTEop36J6kVn5ziqjZR9Oh1AyG+u6hVVnOy2EmxOBMAZEGbxW
-MHWGEjY2a8OAD/5fg11aBGm17kmgysAZZUVviUuNqN69MXkbZ/GeGIhQa7d6i1lJhYiOlR1yENqd
-hB03fiuWll6+NWWQYhcFWSEIQ5CakdoYIzxM0F9Dp/jJLEcVk/7R8pptUmI34Ta4EJTQyTuTStJp
-ukXkHcfAZQaUBHdpKw6lC3bj0mQ2VACJ89OcrLdGzXsCUnr1eygWENCN/H6cmtMsLBDvfj4WPNne
-DBHgVTdJDnOjdlEv1biPE8ypaccR08pFGRhvfuqvRZm5SHuN62EGKrOaO8rzejE02v0khrWJcjnQ
-cZCyspPhBh++/egWDH8iA/JPOpz0AYam15HeJeQ6KmBcaLVG+dRYR6m5N5HrQ+5HMO5vw55hnIvz
-2HTHgj118b3rS7aLEOMBfdfKWzf3IEAkb1rQkazqOLf4aC9tz6DYj7JfZlZ8l8VdWHgBj8vGy8td
-5npYPDSB9dYNg37dmggbreHQRS2nbcBXhCe+5zDfd8e1hg+ZKbz3IOxup9CLF1MplMCCYVx59B1J
-EF1Ck5nc63gFLQo8vJYc8qg+CtIfhne9rzp+IlNC30J0Ot0lqf7Yl+Mpm6NvUaodhyotl8OUvldl
-iI4YdVwUlTkRAwiM8xttKh47ozoaqXOVWezttj0/ExP2VDjDIzGU+7Fpj7YX3eVW+RJU5ge07hf+
-RUiK/IMawAn6BiO0+sOZhl+10yBocE048IJhG2ZL0JP9dluGNUpz/9rQe+YDI6UpAZ2AznhMsFpk
-9xQWBilyI3Zg3k1rGYchnY5mrCewPpBnyC6k+Mx+OqJ95OOF1GOqfdznMfS4bwze+zCMeAjPEm6K
-8x6KhVnMuxDLt0g4T5OXYeArtvasXTd29SMpzXcLl5LPTTsveaNKYeGoj0O3/pd3NKzhwZtqfFGE
-8YYD+E7iWlth6hVhFtuQ7QMF/V9Yo2LFSqAFJpj4VZ+b57LE8mIyjJNRIxpEak2KDc1QumhnfKkA
-WafSuA4b+1+4rP/zsmfWpLlnu8HUWMYp75mReIfGwhYNyNpz32a0kYLuNfa/cuw1lHf7uSGqS4Hg
-2ojZhOOcOdlTdE2zBMQ6hVC32PY44JuNylhKuBaTyVlOe7Migbg0AOKclVl9V3a9ShP5+Xu+aHD/
-zztRtun/8A420K4lppDGiSEhdl8Lih0YerdpyNMo3mNsalUVULBAP7+w6Vx4BCDWLgFinmR3OTNv
-ThrD62aMXk5DVO7M5zg1b5Ky3fbDeKUZA6Gte7I1dg7eaZajLaWg6fHlqhoYAmJoHEXdSjocbTi2
-uAnuvS0swuGUY8lZDXIVRuQr198+v2XjQq4c8dgQu/DL4tbPbb/LCawnYMx3wlkEtb23DoyNCdXN
-KlrEvytcUZQ0FFOQcKO3m3rvza+f34Gp3sb5uvFwuxakIZoE7pytVlipZdZrjaLs3Ha6jhpYIkAg
-MCistgG1Ys9ssNJXuOtfSQIKRCeWOtkPQZgulm3Drp3Rq6qpZ0i4cUt7o5VM2t3t57dpqG/1r9t0
-HFYw7EeXWMs/F1VnOxVUE2Z401i9TmH7prUmXhvTqXRimDnWIQjNx4IpabwlyOuHN7f9MrGy1ehE
-dGCM31Of4W6ZmF8suotrTpoEG9g2nFr77L5koheTU7DH9HX8zUc9r+i2WRjdff77L/mAE8JnG9jV
-slDOQ3DEHIsMiJOlrTnfkqHdVuG84TGtStVIuexr+AzAnE//xabtuXysnmVbXP3sk6oxWXYD3efn
-UctFgXwSJCFjBKvU40y8AG177atXfWFFWrrBj7UMXTLePVuRXiNzQ7I1nyQFvqwBLpPbPMPi7D0D
-+U5datKbAQv0CZJY1X/lAH/hhSKqdR0hXGkSnqq+2H/sXlE4aV0RDsbJmuPb3kK125kPtt+sMCWg
-j9NvC2irjhpRjY9pGl5HqAgCvbyGMHPjFv395+/dvLDu/7ids/Xlx7TxkkPsNOfzL8i0APZIBLPs
-1W6jewKDV0ZKTjCMpAKYxGM4XITz9zGpt0xbX3rKWwMOQafX3+WYvKcozaoZQwPzutWigxnn786U
-3FXQJKfEfaoz+/D57V86CyyIVzb7igrKkGfrp+QJF9bYchaY7l4qBly5V7rUUOKCCXOkYiqC0HGZ
-Ru3755f21DI52zEs3RWWMB3iDtk0/nyRbcMYqvVqDsS4v80JrK6DTWcVMMznDV5xHyievnFO36hf
-nUU2IX7Oi20D/ia1sPCf1n4OAlS5iYntgGjtTx+GWT/aFXTZEf0XliT1YCC17/ZzX92QTAfTeuIb
-wSdi6O+SPH7wJxx45rl5NoXzAwb8g/oHstAfkTwdfyvyJlgmIxSXItEWxTgeOSZ+qBeqpL42MeQS
-yaY3hzu/6RgEYNLo5sMtxCpoHbAZAg/mVXlQ/KXKHt5Ip8bOL/rIcw91QrbvdLzoookfjrcXxETX
-5Hjx3fcxD3fC/2mH1qsE6SpDZAgI3uEB0NkHvvgBNkpJZjnVonaCuzqOjxNsgdTNt/D4dUyvQgwb
-TFzR5pvB0x+jyj6mEVapWQZXe0KJy02W1vgdqw5mw9o2RDJbmf3q6/X197YoWVymQzyCLfW/Tvw6
-rQsXsrFzktDY44986l+qYN9L5zbU+od5Sm5ykT99sbD+WlfUkyxoNghM90mc+XNdRfDBtMBP5Clm
-wDcG9j6MwwfSzJ/Ue2ld6xiHwV1Sa18kvVxIaaN6NtiXHEfoljy/rldb5MqVozyJ1npR2PfsBUR/
-8TH1U/biJtaPCbOOGio8dA2GSGzObcCwa3YbnLaf+HSgtdcP2O0sCXeAgWF9sXFbf3vys2mbHn6H
-whOcGmcZJgmuim7hxfKk2E8ujJ7Fb1JyqGQAcfbWePZDKJm+DfIWTVNgTe+ZZjxMSX0srvrQe1EP
-UC1wMZnHpDT2fQclKnSv0y6Cv/6hOaC1I2NuYBbgg/FX6bnhb2/owBu+eNp/nwLq/PEsoULO/s7A
-8ot2rhBpSfBqTEt68UyndtMSNv//X0sAk4RtOQRuWpY6Cv9x2MRFOWWV0yOHGp1VmGBUBgNL+A8t
-jCwH/CkKEEYzhP78qhd/HGGe/ETYnwRf/XnVjtgThuSIsLJmuBrpgAUcswqS1+eX+fvokgJ2KrEt
-xLYDlJwth8msHd1zbHmKzIEOudhPMl2HBKUYhnNtEynz+eX+3u+l5AlKgw6T13ZeiXXQhjowQp/I
-ZecOL+hVEaN55ivoYZaFJGTO2bz4/JKXvkkqFAoVaThUZefhG2mgdbWHPPk2ZQRkdulyqMRr3vxu
-MVGNGfYASWZ4Bkz9UIqdDtVs17bKgtF8ts36BID4as/OQ55ozy5jLyMl9vqLe1Rv889zUFI1U5sa
-BJJwGp69htr1zWFmrHyb6ECMVvvTx76NpAasiBPtlOOulEXZjd9TUIXOu6O1sNzB4z6/C0u1n2d3
-4dL0ezohJZZtnr+d0APGzVsZ3DqstZnGuLfbh7nX7oLSUkbngYtXQvxdYzRnFsmt01vIWa+UB7bz
-vanEI2ZE5bJ2XWi8QruGIR4uqvGh46siYSv91QSAPH1TAekF5X0EcwD/gdt4zu7SELe5WfsoCbH7
-4jddOH1clctnEJKEhvT87Uf+iBFQXoW3DnRO2KOWeRjRiE5jDY8Ip1MkM9q4yacQXmSb35Wmu3VM
-ZiY8gRbnNchL7a9ZvBZZ9Ks2Yb2Q+vCMIjOoxIidSfWcNY9WZj1rmZsB5CFuCbJjM2jLUu2oQxAR
-XBHPWCgb85UNP8Gb0gxhBe8ukvqPp74lDUV223HQq9Xnv/x3u3H+Ni117OomQlfvPAfMLeu6sYbR
-O0VG4OCI48DtNo4SYBBNyEYzvU1J2q3EGaRMnEWp499aifjhi7u4cN64Flu04apuwTjPkzcL5p9+
-y12MUbFQtXBgxG9CaL+CztyUTbJ2FdQZiPoXjLl/c23iUm2DoB/+eraHihbPUJlNRAUn8hFP8QeU
-4v2AfNzJgl9R1m90OAtalq80d/gihO3CRkdBKxzXMUiE1N2zlmCy8F6gLPVPntJilo+RxAjScRZ6
-br64BDIomtIXv/ZvmEK6FFgsdQoQHY7enyfGpOt4j0MNP5m6dgjhzcUqXRmA8qWFZgZ/nHPYnB4t
-TLVFq621mmLbZgyefnEsXwgGlvxsWwABsOP+lQc2ECfQpbrFb8/rH3q1TPLkpbaSU0KudK6ktF4o
-HpT9+lhO+xFRj+bUb5Xn3U9u99C6yYNbRB/tMELcPenpck4eDLO/trvhWVj4AKb190E6T5EUCIn5
-ZKfJfnMif1vPDLd6GNWdzx8yv31dyV5AgqgCWMfozA3p8Nc/HzE2mFQDgeOfVDchXIXhlua1V3S3
-7Afh8nphRyHmCl1xp6q4QrQP/r97z47tqf6XsvqvejpA/DNmAP8no4kfZ6D1WBNECMWoFtJDkCS3
-yqOsKuf78vr31Jc/ofrQz1fbpfXtOKbtss6I+z1f38wW7dHqkXnHZvqs46k0FccmvO+xX0cX8pyE
-4cvnF7xQqLgqeY9VLAFYvLPVLXFTERZu1KcUOphnNQ+jDyo6d+ZenY7I0J4/v96F8CxJdaw7LGJV
-Xp5HGzotMlybnu+kKPOW7x7xc4D/CNUq6F9jy/nZ2e6NWtKN7i+62f+i6rwAlHJ90xYWNSD4+Pnm
-1fot1uY0MicibyLSjn1t0dvjOzQTJIPycbCw9Ej7Zy90lV2a1S/zNgXpy6OVtP0bAb4WUxKnFVa7
-zGIIG6Appmdk2NAl2ylyg2UMnxAp6LbXZrTu0evnD/DSC3NNSTFjW87fwZtFjdtagAUxdkred6w+
-nkwreysj/COMZhcaX2JCF69nAUYBrruefr5AXCnbmsNXHTT1R2xAxgKEtAsCojN5LbruudSN9xBb
-0UUZP0pKEmWFj73nW2KTXVCmAwoZd6WUx58/hwuFPKAt+7KDaNoiBO7PPQN/Sh06eume5sx8qCPz
-Gxr5TY0j5eeXuVTnYCHIz+SB68Z5lxLYcxVZkeWeTB/n1tbYj0h1HXPdjdUV28iVDn2BmdYXXcrF
-IoPDFSSfQkM123/+uqylcNJyfDiVKUjdh+vJNp5mcKp0LlBfwui2qk3OvQxEd/kj4Sxzf/z8l1+Y
-qkgy9WxD7YfsSedfamMOpp/G0j2VEzME44hQ9Zpu29bn78p4VLGVhhCHN5RjSfk8BbeajxQ67L+a
-E1x800ywefquC9R8djq0YaiDQGf+yY1GmmJ9xnJGu0d9wdEm44lCWOEy/u3YGx1HcfYN6fYqzNxb
-HKmwqQjdH58/mEtfBHsHD0XNDP46KIo4n6fZovSKgd51YOc+HB/SgrbfkHcm9I/PL3dxBTLX4Thw
-pDRddTv/6JPnpi19G4LoCcvKjtBJ3ytemL0SQzJ2J0gdGOw01qZJvqi0Lm7UXPR/rnu2BOdRNHpR
-dx7RugPIfrfEdrek9O5fSQDHda7aN27yRsvz3A0/Nfnl8rtQd6mpkONRaasP4exkwilORpAr/VOr
-SKy27F87DC2Qpy7nbZ11txZxSeuhNXednyyGvAPWTV47Ob98/vgvfQbcB7ATm6Dt/IXshEMfMjUf
-OJJHNHBad9ObGmY/ORSKoW++t/mB7uh2LMVzTdTkgJWKr2pCT44vVjB+8VasC4uPu/FsoQoV2zwf
-ELiNRxVlpP+pvW0AbI8hBJ4GZpFiNsjEcdaCn1NTYXEuPtT9CZ8QwLiv75rx1c6trWtEeMwiNdH6
-6r0NfTBf3SXPyXoyk+a+5/Ui5N5kVISJB/yLKSwlpjJz0DCTEGK+UdENY6vvhI5fO8ehWvHqHPji
-sV98/abgu/eoDHWpmup/LHs7ybI4q3jsY2i8MM5E4x4TPC/CXZs4N9Gk3Ux++iCj6ZlIWHJ+ehd1
-rK6IKl8BVRdqMo+8hf+5k7OFOAfu1DqECv0ukfwM81LJz1UNrIbTArqG/f+hTLrQ3wEmSgf+uQu1
-8jzXFeMcw6q0wjuZlH+hdrIa7Mpwf8Tn4qZVDbMcsORz65VSeX7+6OXFNeY6rHmb/cYyzzbcvJ1y
-b+wCj2zN/FGRf2JksOrYD+20QwNNmqY7v1iRby2yFPrgmNcfJN/iTValOFDjqWkT1UvUVvmaSQld
-ccJ4mfQUBVH/BmDUnNDV5V5ileQH5uMo7WMt2cYDpzmWdPtN2BCcJ7tTCX+0orjB0eR1BcJqoOWa
-vhms1FyTx6x+mnQHz0A9fWlpygS+J3HiVeSFYFXlxiC9Mjoldb1PBm9FWOwGGukiQb7pio+G/n1R
-tXDzGBcMVrkIn6qme8GhHZaNnFDEjMkBL1Hapu6W0frzrM6XIiPGCwQcy5udrd/rg/HuzESDGUb+
-oXSiklv4/HVcXH5MyHkPpq5eyp8fgjP2XeOUqLtNOEdO7r90rPAKRCfjzNPL6nmqqu+fX/LCkUPN
-Y9oOZTqo1Tls5sRd7Qaeo53U8SoL7buZlafcFSvV1aoFx9BmOYow/KLYuoQpcmF6A4F9GoKRszOn
-LyoZB9LTTiO7WOqjuRA6lC+zpuH28MkIiRgg5/49hqWOqQyEtSB6z4PgG0LxhVlpdyU1wUAzUeru
-d8igV7MReF/d5KUXwhTE1OHyWOIvAIjt0o1b1a2GjoZDHswtuKSdh90FLOxF2+Q/ywEV4u+99T/3
-n2pXjZ58U1vGWE9PiBR/uGwh1mjfDeKLE+LSu2NWwo5h0T+651VbR0ug5rj+76l1pvn3mq/f4Fzx
-2Le/hrw+WsiUMuMrupFzabsWtoMHE6iMyfDxz1VaGe0YGNoMOGELPLmnb1rv/mwwnsCrjrHF3E2v
-Fi8vSsrrHv18FvnvA41e7SCbbBAisdBCv70O4DgmXvYgmNiaM/xOpx9+NlmOn5eSfk3urom7a6KS
-XhPGmHhQQgjgjGIE+JS5GnzWLf4NOTGyNHXFTzx+PvhiAKOADzKcJfH9fRmAKdsC29F+fgqD+xTr
-EltMb6OXLv0iOnikVRsWMWPGEB0tWYAoqvng5x/YZcRD/D7ZTIcFc7bF+mVhuuGcaWxODFx/JzG2
-VbdvsXo3GDzC88TrTAmJRrKXMUqDm38Iitcyi75YLqjueDNneCYJ2sJy+NYZx5zv9kXf6zg4zBwx
-mLW2RkDkqI2H4WxGz6rQUxWPXvVkgJrx0Rf9McuxhYs/ihDtUe/90DLtrRjKx2QiM9Z6MFTurKKB
-2Ay8nGecxvY1En/Mn/3tVDBWdWc3RVFFIkFFC6ONY4XnAtJDOa77pPppExpit1C+1Q48teYvHJw/
-Gts8IlJYOV72yp8rBu+5JIRt4SDmnn5PxQAiazLpFkpDGxjiTg72rZVFL74zP6a6/uQ10AEDxNxI
-rZI9xlN36ayJZV2jltYabkhtMb9rOrgyW6Pxm2XYhK++Pc4Y+vP8jXD6HpdXPTqbCUnGAkk9pZGG
-aiNwmSHbCV6yY/QdIskxaFoDfaA3LeuhPVYd4mAMfSptIaqqWpujPiwjD5J4P73W1rStdExepgQz
-u8SmwO2E8wZsPuIniKN4P/M6YqTXlkHsDc10azMYJHUDS9IAFctUHMa8hIEE8uuTAINj7qKew18k
-Lupkf701enev3MCCsklX/2YNQ3ZjnxYQG88L9NlrJcZR1CaVFf9ET//Tb/FHIhIFA/m6XWRRc2uA
-FzLSRaoeG88IWY//ByT84nbM6WgC0wJIn5+P2O3ZuRvzKcWa8lxvy19OUPwqJ+sXJnWYIRokaUQf
-rqx/NJl3jB2zpszgtTbYVU8xob1eeRfNAs4LdnLgDMnyi+d0qZQDp9AV4ATM6akd+x+VrFt6qZXo
-3CBmHjlq3US29+pDGqrXwPCgvBJpjEpYxl+BCGoTOf+y//fCnFd/XljTvApJZ6ydROP9GK3uihq5
-iI37oNIeo7Im/KD+wKy7SrVbLC2OiT9j1qsf0Fh8xYu8VFGScONYxIhYNqrQP+8k7gezLQm5AXdu
-rkkaP6mRfWFmT6qgIKdl+GJ//fsQVAM3GxKYboLbn9cRQuolHhrSPKkhfONTtykOjmic6xQCh+Jt
-uajiQaI3X73rS1c22Uw9z/YUWnF2DgrElSEev9bJHetdOXQ4QoTtIkUdbk7/zdmZJEeSZOn5Ki25
-t6LNA6WrFg6f4RPgmDcmCABh8zzbmntegAuK8Bq8EfsQ/NSjyI5wuAAtXZKZUpmICHMzV1N973//
-EN+ZiX/fIHf1u62R1Y8YfiKMVq1uEmQaSpdiSazEk0pNd2p4ZMd/c/EzYgGHrx6lt1yAQGKxmA5d
-RHTEsDvxV3I3uy+XsoojB88+njRRPbHb+kZNRn+iDqI7pjPOmmFdDFgGyhOoir9+2BsS7pD1PeYT
-7M+Idj9qZXhMUQ6pGTnPiM792j2KmlPyMRlryoAoXP1FaYKJQShOFPhb26+TmabnaK/84MoPUO/A
-gN6DT1Qk9UqvftG9CKaN1uDopWbpdai3P3HjngrmU1WX9M81Vr/t2kj8u8ZwU4LCkntR0tbkxURF
-d18qKIKT1vnphhJmBgWce3Slg+7iqZLgmBum2cSgIRoZARGE6BEDrd07Y4P/VoKIksjS7t1ri3Rm
-DrgPeeGoTypr7XjEp/pFuHWaaI87czR1zJbbeg/Cco9Mvp1HVMbfLMtLWxVoBrgeWLuinb+QJr75
-nDG59ItRWJdAo8U2RcAYNPFbjtO8jPfp1yvSvPTqAbU7KjQEcJTzwmwAFGi9wnX3pWiR9cK5iXE4
-SBzpJTT9GyL82ptBZUDuFxp9FPIRgQvkZbYMg+KA8cxO8h6MHrFxkGXbMm9ucv0+VjD/7VExajkO
-6eLc9SN0+H2vP/BGIrchQUd3kRuVbUzSeSeLWAH4eXVKf6VD5yplzqrCwd06lAmZQVKOuXYwEUI7
-5uOzGnMQ4H8cNiKkyrItH+Wxvu0JQRZUmQ6XDr8a7kWnX9qooVKqXL0pbtJG86+MAjPVwd9G4jO6
-4jysg7fQZEgdEyGVH/B16AlsiN6IykYVjEno1w/88/Om8tZVkA+ORuXTfAGdqWIiOjb2adNWeOjl
-r1mdLjIJa5Z2JMTkW+rRBZ6hxdGCtyZsFuq3c6TEk30M41S+4RD3xtrHyoDULdWasyrWhersrjIb
-Ukj5TeF4Qr7PT5ffL6v+uafnlRl2CArdPVULFCzpYZsrmCpYeDyY7BhRUe3yCIvC3CekNMQ3vC4n
-ohzMw/iDfL0jiAZuvpFw39qlIR7PmY3i1ts3ovSVTEaYyp3WYMonAKsRekakGCsgSYJeWa+lRVQW
-HLevvzzlM9bMAqWggUnPu/KJ1ALmPhCqqWhg3myxRisdA0ZgNfaiE3F5xOGB5+wi3zuWko6NgnMa
-hwiiHWUd/tkCjfj6I4k5xp+PmaOMtkph6s2QzhA//616QKxUl0MV6kLyTgRU7C8bdnPDCklDYybw
-9cUuUM25GoxRjmmaEvm8e6wlrdJMC5t3cbpwmzdeU8C7zYtFHowPUTVglhQehO5aTMHMvCavTH20
-gKaxYsMYa9Pm5Vb0tt98rkvfiwJVn7NDt9VPiESqyX3Cvq/uU0lsJmg5+xz/VZ4Es6ETM5QKF0/Z
-BVYx6JWTOCbHkeYK7XkZzPL6Oxz2Aipsy6rDCIDYF8ZD51Vnblh6W0a5vi87+TScUXz51sXTwHE5
-3yQo6dFd0eIex6TEohTQzB5t0RQzjedvHs1ndhEbjqZqCvuNARPrrOIoVXVAThQZ+9gc9wAD7KXB
-cNf11bs7vTdCfSdTb4mBqqgtvr72qU09X5wgDeDQpuxgDHFWYcLJjkzTF08B/iyeEiR/j/Us77Un
-E2/+McmqCVGKsGHqJp6UjvnDjlw0eumTUhCE2nf8OlN5CnJrIf5m0gHCC1EhsVr4t355kDt/Z6XM
-in38U2wbTagAwU4XywZ7nDhgUzWNviEMavv00e19/oRk25h6L2wf7rrOImnSgb7g4q0oV7cNUSlq
-gl/36WJqWDyWUn9IYuVaNLvq4N2FTf80mLip5+5hBHiDZ9E46IuNJw8KG6FwlChG+TpeDW5wY7nR
-Ta3Yj36gYnMjWe8ouUdSPsls1PV5ExLnLUAX6ANgINz7qdlz83Qb5vqV0WHWdWqFUwuXUg05DEas
-9gZWZHXVjhYJDrG2dVw6zVNN7tGlf7O72JfqVTypBJzFIuaff24vWahLjZH5rB72NEFi6nPv0GXT
-Cpx5oFoA4bWvR2SevHPoCsH6TyhXlY5TLIA2wkVO9NlWbNyXDILNVJKuvCS6hdSNkrnL6o0g7Pva
-1LKVR2JgbjQnQ+VLeWqOHjHRVA2h9SGDDjgRyn7SHikzsNOvJsCzbySgtQkijxMC5GQ6r77mACLh
-GgOWnGYp5lWCa+sjkM8oHoSpQYtPrZ9sXRKHMO3bZezNisAINIYlQijj2/2Hh1VLQPIXFjPYqwPg
-9WuzQMvMgeKAR2MTdl331ca3vYVt6duCxPZWN7clTtkqbF7wkgRPIpLlTHXnBIvKRXSQwQYTnYX4
-BtU4fK7KeZGTPuWpSy/Ui8mgVdV3397ns4Eq0lbAbtiJPn15vDNJZLi+ue+G7Nk3x7scz0xmGdOK
-51lK76VnfNdTXtiIWSu2RqOtOsanElYp/N7pAs/YY6mP8xIKgKAKcC/tDslVqcrvJsd/mZPeWGQz
-pQ1YIGSP0fhn4vv6tvb5XFCz+cDKUjiq4K8YYnX/djhqjgGgwDa9763iR6hQfYC/WPINzmv3/M77
-KE0OX295l8q73654vuO1jGQCiOj6XsIw0g4ypo7qmpu9cmwivnvnGxHJBSWHuEMOGlG8C2bQn3fI
-EAypw8gOmwj/GzIdya0lC0AIJSyViVxRmMIpdKcN5QcBusFUlfJ54jngZpAwhXKJUurFkQecqjAv
-gxMohDGCvyH60cEu5YkJEpC3j7it32LRdqPJ0bOnEdmOf1ZH0K41DneROaCKSMajV3p3prcSmwXG
-HQ+dlOGHYL4Ves+UiMZNKNJO25pIlCKadpULjale6B+jrBFRogb0pn2xlWXU1kMhUxCLCZJv2wqp
-XQ9kRmKkjmzDwI+Lpq/Dxjx/GkmCHgxlGrd45UjOQ9JIj2L4N46ClpZJP32A4lP9lbTym8jFlslJ
-gScg6rIMdYKYCocVUhco5Xql4yzEdizXgPQ45uMcq94GSTLzVSBIlGyp8pNQdZHbljZXVZGuCQkP
-JlFVLivNX9PPh1cNcFZSxt8c5RfXlskpbjmCM34+23XNUMHJttT3Ie5JpjU+pWjpEnhZhd+sdTN+
-/XopX6osdRsSEVRKaB7n3ajsjPi6J4O+dwDfBUQgVDG2k1yXY/oNWefiKeNQKaBNhbp4rmB0DQ2m
-eFqpOEB5j2LiV/Kt4I1JtaDhaDmsQw1jGKCpr+/wgsDTliH521D9TdXCterPt8dhrIwzS6vuRYhp
-b6gT+of3XFq1mTzvwuEmHLMnMVoM4DJ57GOCyWF67U9DKCaZ+96UbUcSDrB1lbUHmVTJBlVcWEbz
-1Pe+2cwvffsGEmbL0hn8Ah79+VnrVCXiZezVEwmShuNW4CgacvcodmZCVvT1s3Eu1Y0Q8RjzCfq2
-eU6EM7x+lPUg4nqlcYef2ZTJ0Yt4fxU5OJDUs6Q6WRZRf4iSY2MPdzg4nAgGuT+Qy+sd8sLaZPRy
-eUvgmwBZECDf5nh+t2axqROslXL8hwpKb9Popv1QzgImdx1uPIqjdlRp5b1sgt34ApExrjHuvROt
-oRJqmHNhAKjmK+RzP7RE32VZsJBF/TFiJddr0Q8kDXMLrJ8ikRA6SsJOifc4IW41GzofcJORvYVj
-/cMg0hJTrdpqfnrHTJQL4izSu5q27k3VhkNiV+xDGwWLLjy+J0UTYQN3m1RTFe/vGq+TU+nQoZeP
-vIIGl1qkrJRrR3BUNa/dOvoj2j9m3am8rQgIb5TgPo611a9alTiwK2YW76n3LmnWd7qCS4efYAFa
-psUa/wRyMjpp7FJTlT3owFNHEo6UDAfT8lcWVaMqEVFBbPg3i0ZlEZ4X/AyLVIoNGmQoSX8u0jAx
-xzikDt7DG10XRbjR6+6nRwQGzhXXVVc/Fx3e6UXf3UiUR6ZZHUT5bb/GuXNvwI62GnkWJTImNvbH
-qZ/n+BpGbCwpmgRMiKWtjxYvuTPr7qjr8Flat+mvpITxfAe8H/f83NLh1wjVWR+Nz61wD7Uw9cZL
-OMT1cpSeDTiSk1yBtsmx52nqUnx/iksyRHBUJBH6R4qhEmKDkNzYsBl8WseyY5pdV73IwkgmYrNN
-ovFRgK1N3hHVAx8h7LNrNJsLEtknKVkymHheKX00awt8fCuLky0hZnbSmThGpx4YxnBlECmv7yM5
-eLKBErJCfhzBLoJUJdUIS+QBGmeSRB/0cAc1KW4SK1k0VUo6DAG5rDebqtqWSCaEfSxEhV9/mZc2
-HEv71eqjJTinNsY+eHgTtNpeSEV8Sd+Wfb41Y/nnqCDqkav3ry93AadiyQieNxw+MW082+AypfEj
-T9K1fVbrU7y8joLIYwCVt6Ql0G0171GIv3awEBX019e+wPq1BY9B4GN0Ocr5AEJnhOvHcqTtjTR6
-iqzmUUPb5nTRpsxXIOw/ukg/4jp7g3nZR6hozJ1ZAZaWLi1pWBtkuY5S/e6ynGxkzjYbXRdkP6Me
-VXQb3ZYhY1u5qJ5AKOdff/BL3xHjdNOkwUfref4dOW1HOwq/lOlUMl6pFNQm6SdiXUgYk1lV+R0A
-Jk7E8xfctpCtwT0HBjtXOxRGlzuBr/El4UqD2dPUN1wcF9dIeVcpJJ8mX462M5fi269v9MRo/XRh
-VA02AKbsQO39c2ehk6lg2qraPqlbhnMIN7tWTcgDAn9S5Z4RLVNVReXlNF0JWMGTroxKvo0K/4UT
-6cWQqpekVvuJjk2+ShD30JUfvE9TWILZhJagw5HT0Ij/9XEl1cLXXPgY1yp1XqRlr4zor/JA2AgT
-i5JNR5/jayjNnZERv6bnEtyy5s6ywFbk+meid4+bBk+XqXibxWqt0/7QGO88VRSanbd36G/FYYYZ
-8lvbER4I/VnU205s7CXvUYnxEmsGMGhK5i7EYnQECuEcuUM9iuNaGK1yqb3J00wCe1OfTqfJ18/7
-0sKCagOPRXOYzJ2jRlGXNI1sjsbejvuZPCt1A7A/Y2TsTXCf+0a6cqnSdDQL9hL/wFFB/Py3Nm0Y
-PWHtyMUGz7gWFJDGC9cGFA9RbX59XxeBOZjTVDSa0EWfs4XzfMzViOT3vegDhNxWsd9bQ/sIUN0z
-jOJ0Aa4uTfOlB6kU2Iya3oyONZeRu3z9US7eNZxfXiNBHTUF8eK3u3bIVo0kOTT3iUWGkFLulEBd
-qrk0szXv4etLXfw2f7vUWZdI0IHa4qtj7uOsWqTqzyJvJgoOkV6XLD0awq+vdoEyQiVPhSoG2uAr
-551D5uKxqDeKeRI743Y0CQOXUSN12Nh2mGGlH9kgX4d1hulWczg5TVbjlYctyTcf5MJuJUYsQjaE
-1BZ29J+POMT0Ks67gOE9UQG5jHmui51cX2wMzBR73b2tU771xJqlbjb95tri6zvbsLg2rkKahVwI
-Es+f1zZrCDtN5Jl7XZYPqZtu5OJdG5tdUKbPQVvuCiS4Yq6HvuXDT+pbgFlZNJJffwzjEiDDuca4
-GaEAipazdyvsXS1rfb56AcUJciQ+ZDPFX1R46+aiLRefR+3ilVlWm1oul1GQEw1Qy0tiyp+r+I2n
-C5lOJc+q5nauanKpcbQspqllPYZ1PEkaeW1hpigTJVJF6bMF0F+56oeviVAaVcNjtKtnKrNmRnFm
-jXCHmXsDyJDK7i7u7IMaAqaShR5Y2VHQJFuduHvc1fpRIt0okJ872TspSpqxuAvKnspJa+7UpD4a
-HuSnopxBsv/x9WO7tE0g4GTKYcCkpoo+e2N6GzPDSivNPdmRO03bBJ1zEAIHgZ1TAuZsE969g6eN
-wAAF5mdy8CfyMGlz/Zvm+FKXqggIX5AjMKI471LtRoE517KKBWcu07UWkismGeL/BF2yVsp4lmf1
-NpGfEumQ5c6N32dr1R7mbZq+4Eqomk14JWHpYZn5lW4WKwH/2Q1xdWWlfbPe9AttI9Y0IBQGn1Ro
-T/9c9oTmKAYR28ZeuIKkZXyMVUBUK0Gmm4Ucdr5Mwg/+ylU83uH/G056481OtZIZffpgUm3jgJvh
-bOvuRlz3tYaxsADqfQGRRr5CgKuyHOLOmjh1EODoifu77Uh4mA9LpR83Tjer5CmhnPFQXYudRSYW
-y5WjN9tvFoJzQWO+bSEqEHW7ErjJN+vmBFWcv/Y4vINiCGH5J4LHaCt5KMk9ACjvm+hS0MsRdaMt
-7JD4L1O6F3C4WmWvfUmSnttQyAT5o4x8BZ/m1wag9kTaEFw3uUgnrRruSRe88kmAizDdrhO8ktHQ
-GHZ6pVkdWgJ6IAE1B0dZgqPmM3qgUDhIQp8WEfuMxht2VbrUXRoYrONvxzoBgsee+LT7UGOjY2O0
-Ifci0MD0nxKC0Wozvi8NPEHb6RAH16eHP4hmnMj7epLnAy77KDDtDgqV6aU/mKmfZqB6RJqC+DTw
-w/eDnrwlcrXQ9Stxjv+awudPaWFOcOwk/BsZt5YYZIERMupRMrdk30j8+UUFS+Uk87TpVIWbRWIw
-YYBTMz0xYtrqoafgGzIGv3FWHsUFI98R2N9NRZPfMPHh9H602gEaAvamYw4V2AAw4z8842XKvFjP
-N2PRGvBfpLlbELwHOeCbV+HSzsvZQ6VMEMxnHVBR5NJgYY24b9GCDY50FJSWpna/6bkvlBFwRQR7
-w+aQM88r8rgbfddOFWMv+LECcBc4rHC70il5v17d4sj6tLY15pnC3EV46f35bkPeqXw7Mo09Qbyb
-fMMkleCtCbDr1E38pRN7/5kzVPntgmebiVrUXW2WtrF3i5q9jkwUoqXFRHWEq2/pFojreDhJq5hM
-iam7HmAtkeb3X9835JtLd26K5pD+VHDf/7xzP9Ako2aWuW8M053gQuldOVhn4CrzKpnpHcGdVOa4
-zeY4Vzo4zFoo0bQ46ae1pK8G4lJxdnEmeiO9WFXyEdjFvrPsY+nPGrnlP/d71414EZJpZIbPvo0d
-YKOVL1GEF3fO082rnQUlVO5fc+y2fTVZqF6GWCGjUlaWXdSuh8o1rhwoE0bq4KQKClKqtYl7ufKS
-FvGViRRx7KX5KNS7blGswqi/GbxM8B2vAfsDv6I1Glttovb2Rm6tGyUpOV/BGUoZL0iwNYjuK9cg
-YaJpceANBEVohQgAiG0jaeG+kArs97uZzay/ZOYhNekGocBskO21TEaVFKHI0QOy1vp3wepzPf+6
-8YaZ7rwKahcs6Gf+dS44ZJLdI2bAYZoiQbzPYux2outIGQoNY1bCJ/XookQFUtsD6KJc/kiYCuhj
-dyy6du+nIaEuPfBiGVdvlgvHWPowAhVzkR7y29eL4+JLgVuweCeE38l5gZX6hakmw68CK1IbosrN
-VRVYz8KKh4HKMh2Db+raC+W8Am0RT0IBWn9ynmtV3E1TsoX3eCcudKe5zihfR1ta5NZRiE6/vsHL
-VxOye9UAGTnnoieRG6cMJ619rMXz3Cdvy/dwKFJ2lUOfDUP268td2s9U9jHHoCWk+DrD5AlOyCsk
-febeyPtlkpnTkIFt57dEM6jfbJ0X70zoljWhY7LPizx8SBqEBuxnQrwUmu6zL4Zig6AliMr8PwCq
-X9hGUGgaCj21CvNUHBm/tXx+XhpaMlDJ+Xm/KHp37nvusYlg1qkKZOhqK9wRv3cNuHyf/37ZsyVq
-hXLTa6VknOiuPtCqWJ7CUUpcsqW6/vobvHQ5OAMyTEZLNT51PkGr1GjWTFgf4JZEwG6FnkucEi0g
-tMAqv77cpXYTdhuaIEa8GByd18cZeUpxjOJmf0J/wQ923T2GHEdh6Ebz8tNsur05UEnkRxvTOLtS
-thaF5jef4sIMC/ECSmhM/YTX7Nm61WszipuIwk+P62Xi9g9SUM3smRhoiJO5E6rQQO02hqK8t7V0
-I6G7jPNHpyG/shQ8SKD5n2kh1WAB/kYURV9/wEvvFcYowJs0gbxd54ugtThIR/REAlYV8yPCezbC
-o048nq8vdQnKhY9GzYN9F9T/8yl4SihElAWALIWT3eMyL4jEeiqvWip69Iq4tNyJHkRUf19f+dJm
-zDHNwAoK7Wd/zLpMB/zXecFUuZqR8LRwqDzVmvaHhEwBOsRy8s0ldXH2n1dF3Ctqb3AGCj7xmX57
-qcdGc0fNh2WRhPFB6oYrq8UVEzZJ3UJyiuMRHTCVOf3AbV8y6aqXpooPJbSWiNZbUcs7mmSskRKP
-0FrnpzW+ifluqmqHEFEG7uRYdNkMKwjU7DyNFtq9P7kQegY/yVyXmrkkOSPeG1q41sL+Jhian8K/
-Mg23WScdvabyJ5IkE5Gqh3Nkev+ZlS9Gtzxz/Ec+kSJdL2ktMph/+bzWZb8LtfGKIUsM5BNshKGj
-GN0QjbrLUagSc6+Ln4mxpWhGgWvnXWWTkkSsAVTeKsZI/OtVcWHpw0BjhMGQVxHWpX9+Q5qcxKna
-2fKe0ZQ7iQNMCmL9yXObQxkBoX59sQsiRcFApD4WlAwcKM7WgxRn0lAh3N37baBSbL11kKoz4ajv
-dY9R8lDKxMe7ERiCZsNvIu74JY6OshG+2EMJ/1jFsoj81qQ4gqS/lJr2zX554WlAE+VgZWjggG+c
-PY206gr46wYmjWWzdtPwjc3qMU+7J9Euf/MsxJ919m6g6aD/EbUDY4qzZ0HamhfGqWPtGVwvoGVo
-qUjeyLfjaEx6JbrSe5KJtTtDKuewWHda1zyQrkR2YPLNhOdkAfnpkzDG5i+c1gCA/1wDbVWaYVZb
-1r5QF22TLiogean293UuvY7eiWXW+swms9qVwcRAmYQuSuh7q9xa8e0Zg/dNGXcqDT99pl8IqYNr
-5idsrvHTXIsLnk5TPqR6vYuLCEIYUb9w2wtNeRZ8Q8GlEZwcMlJvitqZpexiQp3TJyJXa56S9Fhk
-wVqQM6oweOl6ZY4aG61CJBekR+TXfWTMOwIFcbA6KEkUnxiHoeMQmxcWb0N9LLI2JlY+1EUK3DeL
-7cKpyKnMBFqD1UGNdbYAImsgw7xNrb0Yb6g5EobeuKqq8LFNyRYsf43LBa//64V38bLUqlTlQHiG
-fnYY+0kfJWVQ821X4Xo09Psi7Bn8p9GEvPU+RPGkXTGF/m65i7s5/0ItBPlU5oSQfuLaxg5oiqJx
-WY6LPcTXa3ifWz0wsMXo5iQVvehpe8Tv8xX0iwPBv6YY+Gl0JaIYOSVLLLtKWmUqZ+7aa61fQ5b/
-8tb/V+8jO/z6GNU//pV/f8tAYOjx6rN//cc2eCuzKvtZ/6v4bf//l/35m/5xlyX89eUvWXxku9fk
-ozr/RX/8sVz9n59u+lq//vEvs7QO6uGm+SiH24+qievTR+A+xK/8j/7wXz5Of8rdkH/8/a/X9yQg
-qaiqy+Ct/uufP1q9//0viREW04hf//ttFYkr/fOXiVv5+1//9j//x7/9r//9f/77f/vid3+8VvXf
-/+KQ/xsVPPCm6FMABKiAkRn/8ydiZKbajBuwRpCBSFI8l/y//6Xpf2MUwTTNgrMMYGODMVRZc/qR
-9jf+i/BS1cRkExf3v/7f8/jje/337/lf0iY5ZEFaV3//6/P+LthaIuxAcB4/KUyE8JYwI3/cRxao
-o6OSdQtQNjCgjSTtm+Ln4rV4DFiNQBT61BsqTlA3qpyNewYG6zLyZ4lJGjnxU/gwfrNbXigquS8N
-n2zujkr7/BSHIFhFHCjcVw7bW8Hr0c2fHQK5JjiUvYaVclMnUKENohfDtHr7bSn88yH//lA/byhc
-nNoeKQ1hZZ8G7Y1UWYNHwuS+q8kqLNSZ1yuzoOjXaqzOpQrmNjdf2cns68t+3lDEZWE3ssxYH+fN
-sJPFaHnTZtwbRb3qam9u2NJOnJZRFM9iZZgp3s+vr3hB4sElYfDgoMi4/VM5a+WRWoySOu7tUj/m
-hHh5g5xOcj9a6WkzIUd7KYfewRv7a8XzNsgqjrFkbxOzIPFlJknJEkHZorDy6def6+IXgCIeBsCp
-sjo7v5tsVLMhHllpRjlTdX+f1/7aa0haw8+joqUa8mWSWKuvr3oB+ONpiC6WPkYTOMGfZUNjhjgy
-OAZfAK4ERCLN4mJmBsMaBsvGheKb5yxFlbFYAUGJifHXl7cu3jWjajEYFyvg7K6dCsavr0TjvrH1
-Gzr1a7xRyWz1l5WuLcV6GKR8o2B+3jXFOmwQCQQ5g9ThutCSNSynOFEXGvUWs4Y7XF/3suwTWa3e
-ICUgjArYzY2mXRTeMyWCW7EdvH6pBeqtWTVTweiA9zhTlGElpfG0zcoZ9ObJQLyXkeWLrMTKBfSH
-pDOnI43DnPqZiWtkuY8t98dA5nXPmdYnT070qJHA2mbOdmi7k5d7VZDO5fRTDZBRiVTMSeWNG+ez
-3LcPloQXURjcFcNMTTHGB09Ezbf2M30dqK9dGa09ErUEGFQm2gL32evSLXcwwNZRHs4T5S0hU/ab
-r+HTsc4ioIgV2z0w33lrzwJoK6IBf70SZmxcS62+AzpaNDII7ih9s9Nd+tJ1DpcTGfaz52IrEbQU
-qWx01HILtcoPVZ7MDT9a6JU2dbRdUJkze+yWX9/kxaWOKJkDisPpM9+LYIc4HJVg3CstmZjgfMTB
-e0m4EEPCvmOXxYE8hsF9bBi5fnNtUY/9XjjpCBRI3taZYCjAcefgRCbLHZnBRJYolUKf1EyjNllF
-rba0XYckwZGMr3xa9h3v2zcn2KdjhUtzHrOnMGfAqOCTwmVQtdKOQI2jJlyHpSr65RtCmPeDjIe9
-Ocwqa9FL0kJN2u9gEvH2nt21ybcsrAPxJyAL4s/NJVHKMlGDDhsjrbgZinZa3UgFLTqx28jEt8Lp
-3K2UaeJeO3fkxydpNSfb85vFfX7EiPv//UOII/43+KIb5FKJh6HZ19ZbM5oIcZKVQVJ9ymjnxmqS
-bxY3DnGf7xq4XKXYESfbp++aYL08i1Kl2ctSvTdG+VoxXvOI1K+63A8ZsqJKPgZMbyPdXkeZfBx9
-jIKjVWkSb5fGWwQ5N9i+bYQhaUUqdYAUvSvrjVE69005V7zqlUCbferX+zgflk4SL3vMgAc/Rhs/
-jXt06Z55TUb0jaG5B4c9W+7x6GzNjVw188SNtp7tbKnjpmkRXY+cdaEe7VU8GXDDlQPrntHEre5n
-z56O536orhC6IueTJgPC5UKTd9T295LaHGUn/+Fl+sb3UvKpyx9xjcdUad1Bq3ySc/P2WhXbYmSq
-eylExkq+fJpFy9zur7V03NRhME+q8lh1Uxm0JDD9O6eWkJ4XO6ZvR8TZc7cP1yQfj2W0hau9Fx9b
-PIQIBkBvm2sEBNfylUQUtzgQZKO5zdgZmfHsMTndEpxC7qdyFafBBiLSsojdbZK2d15XLswkJBmq
-2qgFYc4mepGimVPJzsvuYajNXZxnKz8iPTu6JWDsOpLqcYKJ50bUm1qoPPq+9m4Nw+nbSWMaoDja
-tB25jFW5KXpv1Y/YEdATafahquI7Egc3IT7cWrwp/HpN3JtwSbxt8njnlEunLQl+ku6VYNjBnp6L
-O8MVaNZXA0bizk5L0+vS2UplcZ0QBSM+qoXdtd8XC+qSFdSJbYme3yseUyecnfCHoF2lcnpfeP1L
-bY+3qkgD75J7aYify1pB+J0/9kjCzbdMa5/MxtrEXnqTBPWWhnOukt9Mn4cLeWOv/cZYBIq0GKXk
-FQGK3pgvyl7thrkeNe9DoD8WRrOywurDsfPFqESLwjDWQX2w2+IRvs62dYeNbpRPpprPPaz2cr7Z
-QHNWjitt5aJbWux+/djdZwinewWXF56yeAcUDUTP85eW3m+rMX+k+d+KlaGUhBHzRenALKJCM4mC
-1sb09MRxJF3yRYQqhYo5zuNx11hwVqN4XgfqTDxWqTEfXYq+vq4WsR3t09Se4MW7SJWRqFh9SkTc
-Y/UqOdU8Ud1pppIoP6S3A6NneC/iFVQsfW5GJNjy3FIFFMLIHkZny+99lQtiA5vBIqCzxso/nZXF
-rB31lfiz7dI/5KW6klEO9W5xDXl6J3e8rus2Hg/txrO8dWnhD+d0S3GnotbivF4MiYOkuJprcbeo
-Q+9JvAj+WD9lMlzuQNqaanVb4fhqpPFHTeiIyLuUKjYTeyMuUUbdrbjNMYqPueVdW0kxgyEe6Rbo
-e8lzsze+5Cwa/uQqfpCqYt1OsltXfx7YLkAz51D2p1VgTvM2XusBEexaqU9p8mZtj9UvBZlX+lOX
-lzZV9CNJC8fGS+a5ksysdtymlrexG2NO8utKbGeyXm2lOlzoRbYitvOqM3YplW4NyVS895nZX4kX
-vGB78Jvg2mvjlVfHU41XNCGtNfPaY5DaU/zMFqJ6S1j7ehKu4cTM82Lfqv1cLLiYVzCJS1LcqhVJ
-uktVs2ZNI+J6yjVEr7VaKWuyFqQGCxYHlk7TFVv1LRizvdUMz5KcHBDO9hWMmoYgPaxzohSb2+Ig
-Fhda10XVWtxd8iA+nvgYim8egiDbmbV+nXcPI2s61P1tQtR9XsnbmF1NnHJDS3qzYvH3MLeKeCeP
-hDZzp8qorCqqvI7i3iZ+lqx3jS9ejJ9rSsi872d4aF6pprRsW1C6apiKq3q8/CQfXYnioVZhjbQ0
-wpwDntbOu2wzSEtcHqZl0Uwl94dMkC/h6gM7qNz3j3S6yyCSlh1CRdFoGaM3xY7gADx5FCUwvoq3
-UhE/iOsFWbtIM0wXY33pRPW8J2J1qCvUYtyKXa5EHLJYD+6IvtiyZ3qfXlGszzsnWFtxshob5SmB
-BNDrL10YLiL29KSdGJq/U0t7IW58iIy7ISTtVW6XuQpnxdJ2HgW4ppbMRasdVSl+Odn14CaPRGyo
-Ke2Xr06imtGAaMVLu5n1dfujt9JJ1020tRTnK/TOS1V25hUtK161i7KXJr7bXlmevok89gXPWYpH
-qhXjtEes40LsUBp9KR67TzSt2OeV6grX2VnD8ozscKlzOFeDPw1LFx12vsgVbd6WUBSY4da0KqkW
-LopsnIu7FmsjrH2W54+4zH/V0gHh6Txw0ZrkRDRVTgk5TIQKdkuxPvxO36lj8hGr+bry49ODHdti
-71sWudjHfOwPQ0GAOmsD76a5GgOPCuumQZt2uXyVZdl1M22Mclmwzk9PPhlPz81yCgy2MiTbQYBK
-lmjdK7tNlnVbMFapm3Da1AbBy8470X2bJGS3Dpuda3YP4vmkpUve67RuTM4TVMaR1D6YyrCBApdN
-UtmeS2yaRRBtM36jCFLNBsyalWEtGkhZro950hP0Hk8HbC7EwxXM1DiJHpLRO4pvu03e+dFidOOd
-6HJjDIDElgLQvtLpgB1qmEJtmMNPrO1YqvfinsPWuPY87ZjSC2cIobFs2cVaD3VjOISxCUein+ej
-uSE9484ymlepTGahHSzbvlyItTtS4Rh69OCQJ5gb2qMcvhi9tqvGfp2xSdLnbcQ3EgMlKV7yEla3
-JbrSmE1T/Klqoh5FbHjjkpToWau6MNbq/2Xu2pYTVaLor5wf0CNyaXiZhxEwmIvJRCtT54VKZSzu
-F0EU/PqzNkgOgqPO6Kmxq/KQaLrp3c3u3b1Wrw3tXZoP1ONcXD9as0gWHmhmLB3kb8d7E0riBInQ
-NBt/8R7jSF05HOiCei7pOGcb0wQrkvyehtjF7WVHcWaRudYKCVdkNshsbLJ7yWdYWCNQc7Aqsu+O
-6U7pcMBacW+4iTvapt+wGI28HNpqYYLEjRsV+cpBWhMnYBBOBqidHzrTGHJXgyDSwTl6LIT13MFq
-4nH6Sgm0BAne05C9mKn1rJjuhAwiwzH3EjaXsB1ehrJRePMVS7UAN1aXy3xBzxaFWLpp4lg+ckgm
-wWJlvtkWLtE5QmmokR37L6tQvueGoLeFvaXGMxOmEujq0Dxd9e6GKbQJsTfuBY5KDilAFgcBm0H6
-Dk96qOmcZaHqBQhmxO++b9hD6EQh/xiFXg7vTYpQhC4zl04TJVWhCjei955n2+cM12rYyoSwAP9m
-InO1JwXf5DB4ElYeRE+dkROEBhdHL3wQvCIz6CQ0fW0IAq+c4PJflj/52+Eb6v4nL/wHpN+ON8mT
-MuNwwkDBmIBtBMWcFNNGgmnQI/cUUU1cT6eGKCemh6Ggz2xHMQBIII3D8pka37oBkGN/nPLgNcq6
-wocvYJ1NLF+8UwDzU0iviLqD1ZTJEHbEW2MilgRA8ioFyCe9sSaSFRg8LgomYyS/HSc4Vji+YW1T
-HLBpAvMGcAaEkwArtnEt6P+lODSCAG3oiA/ZMjUCpKozFeRI9tjD1j0lJ3Joy4SZDvYZ9qngJdMe
-rrFHS+I8yiPFzqpLCzKnbqXB20bqaUJPul/mPTURpbEi+ic2qAeahdINZFNEkFVwyNtqVuaxHwT8
-vJlySvAEv+r0FGTDszU/2OpO7CAOdydFbJ04iOjaFoaVwOPFlhh5uNq2daGmUAS8u53SMavj8xot
-6XQGwOT8LguN4yMp8p3tKO7UDsFRENGU0mluYC853t/Gg6nvbQ3LXD9uXG5UYN+PtEzQORt+XXk2
-mHdQmMRZWkQ7EFCvCyiLB3qg3IdSroLmOV3aliZEGyPPgwdLLF6scHtvItWuYK8fQ1fEYq3KS5xO
-J0NRTwa9McWtsROrS1/QrKGIHPfZ1LPTWSrkmscgp8GgZAviWG+VThKEM+v1ahYp8VjOCsOT+Tte
-4JCq2RwpGbv33bWuIENvkgwgPpmra/GUXl77mB+65iI4WXQ3D+ylQRuoZK4d9ywBPJFcTMAqzg1P
-wT0oxnQrPqVPe2D0aaIPoAUo4bS/feKZ+xzLh9xgM80C6RG5d9U8tg0x4jXXkkZrTPnjw3+oOR6Z
-e3C6h8Q5ShsMzyQZ0uBrcwP9KRoQRadTn2LDjSDejNtBpw6b6ESndeLDGAlH8XiJcTukddgCVVDT
-KliSTd0iHpsIivjAfc60zA31YLseSxHYdaEzg+z6mGaS7yXfze1qQj++547Lvv8SIngG1nceaPg/
-IIIN8LADCVbI5g4wLJGwWfR7X6qRNsIDuxWdjTGC03cYYyzrLJHOY3X57wBEsx+AIXnWJ4AJ6mtQ
-5KQCyMGPQmv3MWGPpNYHzfuqAEb8ew9b7XaiC7H+3neOdaDCYneAq1DbAisKHq6CqD8N/CvGkPo8
-ToQHODn47O2eMVgf+D5sRBd4/ogZPqIshMLat4XlRGETOYbzOq/zrRoaM0HqgxWCHA5IT1gWLF2t
-zgNiRpIiUhH9I50/CroDKq3KeWZo1dUwA+szwBFQa62nVcsMch8mwvJdv4K3aAy6CFmWy42BVBO4
-XIlbJWXBgrY3J8BMQBYmEFBv0S8gqemuXGoGsQ9HyJcXraoaO2YA7QfLuYQV9vZejautFWKftFlK
-6daDHkLuk4ADtLdJHwpu9AaNASToanOCbllBVBmrzt47IfeBoANywowoyw1aAVTMK1kBKyaANaBr
-bc8gw42CNgMeww32H3dnrtR/eAYo0IjAFssp3wmflP6AAnDEWDdoBuxAr2QG1ocaXJmysfUy0AJB
-9H/isd+cZ6SEuVUpH+6CwFHsww+ggHFXFoRIez5B6YPPAY+I1IBlOd8YjW3Jz8Loz90JFM39H+W+
-xFmkDbrjyS/UQXO3gl0QTpE2hZh7XyQqZFV1FY7T71/2AquSkdn4sGZolu3s/n3XwW7Te23Vvar/
-eOcskvfkwy7KD4rdY1bUytdFlPnN4BikzOZU/++BOkROTNFqFhyr/2uWvu8F36i/6VEurV99X1hZ
-6/mb69al9Rvhh73Y3z5QDxphwqUtjDfIc+R2+tCIxy5tATZyu32oQ3bKanFpC3O/O8pNh3Fp/eMC
-z4+MUPWT1uzhhk+6uAmMwqYz0MQqrb3QpS08Edv4r5GdhVY5p6x2b7B5uFZbr0RfPtbWLt66xuBX
-/ZosIp90LCsr1QP0OcnqDw5Sws/yJFWXDjfTCFGuM0rVhMOk7gxSIxq8tKmqRz9v6opOZrLoeJgm
-9f7Snsz9ZJFB00qN6nGmCQAYRoCzJ2UUXD3D1JZOuppDC9znEVp32auPzw792/6aTt/48BfvyZd/
-AQAA//8=</cx:binary>
+                <cx:binary>1HxLj+VGlt5fEWptphgPRjAarV7wdd/35rOypA2RykrxzSCDwedqeqa9sQ3YXgwMjNvAwN544YEb
+bU+jDcz8oZbmP/gws0rKvFXKlAYtzChRKinJS0bEeX/fOVe/vB1+cZvf3ahPhiIvm1/cDp+9irWu
+fvHpp81tfFfcNCdFcqtkI7/SJ7ey+FR+9VVye/fpW3XTJ2X0KTYR/fQ2vlH6bnj1q1/C26I7uZW3
+NzqR5Vl7p8bzu6bNdfPMvY/e+uTmbZGUXtJoldxq9NmrP/3f//zN//iH+e//8nff/PvfvvrkrtSJ
+Hi/H6u6zV08+/OqTT49f+cHyn+SwQ92+hWeJdYIwIwhjSzz8vPokl2X07jbcO7EtSzDK2PtF9zcF
+PPiwo/fXPraR+23cvH2r7poGDnT/7++ee7Lp7y7fyrbUs9wiEOFnr77+D3/xT3/926//9z/86e//
+7tUnSSPdh/uunDe/Ob8/7adPBf+rXx5dgPMfXXmkm2NhvXTrQ9X87q+/+a//6ev/+JvnZPEjlcJP
+OCGE2jb9uFLsE2wz02IWeq+zB3t4p5ofsqPv0c53jx4r6Ls7fxYdPdXZY4u0Tzgci5pImPc/5Mgi
++QllCFk2t95L/F/m2H/4NZjmR4zy9F+DUf7+H//0x9/9uY0SMyaEje0Ho+NHemEnQphCcIKO9PJD
+9vI95vjdo8fm+N2dP4s5HgWInzhk/P4fv/mrX3/9l//zz6sg6wRCBsPv3MY0jx3HPiGcM1Ng696v
+PlTTD9rU92rq0dMfKuvRzZ+tvv7w6z+vvtgJIQhyKzn2JIiAhBFsI9Dgk8D+YDcv7uNZFb17+uMq
+enfzX7+Knt3h4+LoyQd/bHHETiixMeRa9H2pyAY1cZPaTxX1tGz5/u18XFFPn35ygJ9FRQT7/9Pf
+/6+fpli1BWK2RcVR7rFPGDG5haFUvf/5QB2woffXfnit+nCQV09LvnsV3L/uZ6mZb/72Nz+FZiCW
+WeAkiNMHT4Hk8gRG8BNiQ9rBiL5Xw0PRBiKGHb2/9qNUc//cURh7/7qfoWr+8Bff/OXvfgrVAMJj
+NkAFy35QDT5SjTgxOQBZyo7q6a/vd/TPUM27545V8+7yz0813/zmj9/893/7T//u/339f37zA8D3
+USn5EqB8oAjuM8Exe/A08AAN8M1vfvvN3/zxB+/kKcZ6lgbgJ5aFOUIfRNa5qreExSiYzeNa5GEr
+76/9cMd9/9yRdby//DO0jr/540/muJDo4AeTh6QGRcaTmCpOCOIQc8m7+++V8RBZwVBgX++v/QgF
+vXvuWEHvLv8MFfTf/vjN73/7U0TWmYmwiI0Y/nhkZSdMYAyQ69uc+MSD7vf1z1DQu+eOFfTu8r+A
+gr4/4n0bc7wbfePfc5aP4uHzd9+HxKNHn6M+H8S7evvZKwNRAmTEw8+jsn9+2dM49re/BWb1EbD7
+yNN3N43+7NXMhQpu2ogD8SYQFwDb+rv3d2A9gW2IoYAIZuRdSqVj4FfpiYnAgQF4A2k1Y7pXnzSy
+vb9FTuAKUHyMCBtAObe/5ZBPZT5GsvxWPu9+/6Rsi1OZlLr57BXQsdXDp+YNw6qEUmTC60xCOII1
+4f7tzTnQ1PBh9G9krGJSVfF0yDhZwHJ72SW5M07NKjNI8EhCP3QtEINNMcGU2lDTPV4LCWCPsSmn
+Q67Ntcpiv2DJImxxUMW5+/xSyPzYuQjlDE6HABQfrTWZpMkSEcG5qrpwkOFWYfW5qEvtMJLcpA06
+0wWOHEubblo2t8+vDrDiQ6FaFuHAR86ufiTU1mj4GI3VdOi17eka+9GA/KQe1jjHgdGETg2Hb+zC
+f35ZCOwfWda2gRxAYB/mLJNHuhQyTwUr2+lg1XrV6yiwbGNvGSrIstzP0eij6KvnV0Rgux8uyaAL
+gMA2CGbzlh4tyasM15OBp4Ot6EWlBycazdKp4mxFy9bhIVqaaXQaTcMGRdE2qpqL3LB3Basv+8o3
+jGJZDd2i5pX3/L4+qgAmwIPAsOHnSPutnLAc8wkszVI+pvGh0vE6ark3idpp0NturJZFwVfPr4rA
+KT+UBp/RJHAwNuHHemfpoEZhgQKSxiXj4Oe1z5JxTYm1DTX3qgpMEUeuru0tr9Tu+eX5R09tA6Il
+3Jwt4OjUorHgqCibDq1Nzzoz2oyKbqQdLxtKlrM9jEa1RbzY9229TtvOJUnlRnrc1KRY68TJC7wg
+Q7VTRXoZF9HBNONNyPBZ3kVeF8WXOMy8PkuvumFLMNmN0bAkCT5nTetNEDCSgvsIjSujzL1OKr8z
+pDOK2rVktZCKO31KvNbvRe8lMfNiydwpU4ech1+OeFgOZnkYijciuyZ16nRS7Maud+QwbJsaraQY
+PFKoC5RhL0LmNswrv4rtU26osyZNLuvRx6W95oa1iptxHUu6TvBNr7J1JHPPTPBSFWRhmXSjQrU3
+imqdVWlQoNtirDYvqOFjRiCgxIJwD5yDfeSFYABd0xrmg0uw3NoYHd23RbJozdhvJ+OFSPcxpVNI
+LoJTcHsqjmyuM1Q4ZBgCXT+gBW6q06YqAivOFrQhniD7pGG+PfXL5w/5UVOnkH84h+QETaejZWXc
+5+mEkumAutir4sirDC8q0oVqiDP0EGXzrZ1fVdZFW6sXwtwHsZ1a1II2FuUCuAObWHNOexR0pGn2
+WWxl4wE1yCFR62Vdsco6srRDEWR6Wg1l5amhB397IYN9bGnIxxBTgGi1mY2PlCtHTJSd9d0ha9N1
+qvBF1DZntM0Po8k2Axv9hi8Gw1jgoju8IPHZex9najg1Ay1zhinB2LQAdj8+dYGUKnDSt4eK1Gdj
+3XnNmVGnQakHX5vxTo90GTbIK8KNuCypV5RNEDP+gnEfp5jjTRyJvh9NhfJxbA+a37YT87hdrCzD
+dMt4dM54W7xg3DY6Nm9YkANBB8UOEBEf6hqXqpJZidqDaeiDNZkbZN1UWR0IrQ6jrPZjY14kY7PJ
+qL3OpHkxxZ5hZyvFGqcv8x3HxVlYh9s8NsAxbD+RfNkrvbWUuGpVgKLmBufhoYz1Ia/GpSjy5cDU
+3Rjne9Z5+cD8LGKbkPZnFglPBcRsc6hjp2Nbs2mDIsx2kS12UMd5ZZ1tJsh1Kc0OWJ+HuNuZCb/C
+XX5OY/l5RJv1lOJVw1LX7g1nbBunJua+yacrA7cXpqi+jCTdxlG51KX6MtfCY4pfssZ6Y1bsfIPn
+sJgxfDDSaGWX1C9ltqzsYUPKaavTJCgaddH0nqlzJ2HxpdDGYbLqveLZRcriIBzSNcu9SWW7YTIP
+87ZnIWSVOBtstmbY3piuEVv3CcG02nMJkXHqyEGHesfl6CUlcvMy2eawbp2Hu6LsLqNeLViRLru+
+2eJ68EJWBUXdBlDJBqp/PWq2zyu5irMvhzY75ybfZIaeHDLZ27neJCm6jmPylo/jvXbKHO9onm27
+vn1TNmpbD9FqmNTStJye2KdNk1/SON2mZu2RfFvHel3F6mwWcVvle6GWolN+hIwrlIz7FiXBfDJl
+UX9oxi3PxJ6U5UaJnaHqTTGiw7xVTgovHuoF1CUrhIydavg6qq9LkfqkrBdm0q1Ks7yqo+ELbU/n
+2Erdsi+ujDH/XGl0m9TV9XCbMnYrSfeGtXybR+VZkegdo3aAO73ORTY4rLXXcWstEmQsJqO4sZBH
+W/YFOuB+DGjWvh0Tel1b7YqnzZ2wq8WEskVtWetEn9pdfS042nXhuKWWesNwFUShdCrQbELESoTG
+zqz7JYfoN0z9lSxiZ0CxO0t59gFEYseI4iWnw66Zqmsak91sGUiN/qwoCsecKzQmmzWZynuJt0O9
+BEWkGAoVNgX5tG+5fhtmeaAT7M9iNVp2HULRN+hmkdvZoSxtJ6JyUaJpKTn1KtlcNzeGaIICh57E
+uReP5fmIrIM5OrMLAiccsEy7s9xKVG9GS76exA6evTHrqnTake+J0C7KS1/VfjfR1fxuW8WnlcIr
+k4FthPWmlNHe7MFd110+nXbbiEdrxa1lKfrlfNK51qJILMZCePXYBCTvFzqN3syOEE/6jTTDbZoY
+O4ab8ybijlXmd1oZu4ndZEYDwcTezkuorD+fjzll+UXFow0vaj/NFhnlW0jBIDd7Gxti0cKbm/y1
+0dTrzpHnIf18hHCRJSwgXHlNwryqy9c0KWOHKOoByPO7IVuOUJBFKvZCcNoS0YsuSi/aqAgqVPi8
+m3Ylj7Z2awWxKFdzODNpszN0uqC1XFVkcntrX0KlqxXbz34v2eDODl5DeIjbZBN1+SrSuUfARQss
+Axl1F0lpeygSi7l6K8D2aZGu0TAFVX3o8BDMBpeDCxa5Wgi7WaVFs8SE+22rFqpXa8zoGjdonWau
+0YYHW6jUaft6h2+TSR54O35umMUpHdyh8UKzdYcJOWFWBhatT2fj4mG2aDoOpytez9ubt4Fidpok
+cs803VT96wlsOqXxrsgGt2rMXQ5Rbc5yY1f5GnH4Zwx4ne/NqVrMJ0UTWjVQ5fVQ3Nu1OzDtElB8
+YSZrDSVkNQw+iQYXM2PZdXzVNqM3rxqB82PLdufiQWPhmR0AYcgDEemCXm5HY2nQ2FN16xnhl2bv
+pJXYjBBBzWG4BqS7TDJj2Sf2bgZa1hR5mT2eqrG5mEtg3hfnRp2/ntdLZLcoJVronC5FpoOhKrxR
+N+dz2axttepZ7M72EE7MCbnt06F0oVgPepGseV6spha9KVTsD/SLPk0XGcT0onMsEu+xshfzwcfM
+uhzT1iFmt6xwtZ042UdQgBOsvLRq9lCV7iYqN2NYXLe5i0uAXzF2Mh2lzgzFld36g+6+HHjp9L1D
+1kZerQzRLbEpggYgazmNCzUYThx2Lo/oNosgLkRiOYuU1JM3sBoq88hDLV3OYo8VeAjEedS4ITX8
+Fswzs9MlheTcjLGXqtCxIdZViASdkgu7GpYaoEpJ0kUtp2A+9WwbqY7BPL/MVfVQSyfUmwU+Q5Oq
+FG4j1KWqezdW/XK2j7inezwVdzmu1k2c3wt26upDzLlvDxfVNJyOtT7MthFZQ4BztRkAmoQj8frK
+dKWUm9ZrLbWswc7vJV9M93Ljol7WpiydJEkO/dgskWt3xVJ3degYuk29VlvcMcXbCXBWkUK0Ttt9
+yPrXs3xKFR7gI7plkE9I5GRG95qhcasJkk5p2oEBQbNOsp2EB+u8cuUoHIXG9QwgTVNfVMVwSqPc
+G6fMnYVbDvU2L7LXxRRdzNruirdwazGF+X5Gubmsl3NIQYStKCBgATVMjdt9Ixy+mxS+ms+cdtYm
+ishFCVhYZnphmtk+J8MqtMbTNGcOnYagmtiWFOSSW+2NoQo/tZNlN6jFbLsTVDgWzV6LHh8qi1yb
+6RfWQPbNNKwlBEnAedtZIzlQSSgqvkibczVEXg5Bc34rLvDFZLarNuSuEfGVrq01LtvdbA/ziQer
+20WX0qbb2TLqZNiE4Dcls9aDRn4MV7JdJT2dICeSwcAC4NkWs4GNatjMKk5N7CUiuZRh549s8Mfe
+XqUh37CcQ2KVTlRAVuRvkjA9zORApNG1obk7NeeQjNxs6N2kVMuO9p7QhTNvj2fT2oS3E5wcKtPy
+zUIGTNm7kXZXCWSTDAVaFL7qp01T8rOwiU5FmK5ngdgQmA3FrxjA4bq0V2N2pXnjF2Hu1PVwN+9N
+lpC6Z8OJ8vK0VcWdDq/jKD2ghN4Lyo2r/EyX9gZhIbzSqH3CQxAVddGQXTXaWOLGcAvAxkaReHNA
+KmJ2QQEMzp8hVrOtmivell5WQDFjvcnzVYzrJRmn/Vx6JSRbj6VVOT1qDko0Ho06d/Z7wqfTNqsd
+rkOX5OQ6HMUmY8W5XRZ7qrN1XCRuUpQrVMkzUhQXFphsGeY+1tPGVtOyb4d9PuFrePcXw5hvaRtU
+vdqLSwQMw1yMUYARc80517SShqt5y4awPJVmwbyQFSsvA1XM9+JErFIhHJrUp/PiU1ocapEvGmK/
+TuxAkPIsAxOJcmspIuswl/TCChLIptzurwrwmhBqySocLlgxOk0frVlUrAhJHbWAPvRCAa3wPHQ7
+JsnuMYxNbBtofULYMUnWhE0DpBFvD2Vibdu6WRVDEYQiBg6Ub6d0eAEpfgwygaUzkwFORSY+4uRU
+NchBirg9dCL0Kxt5EzOve2b41GCbejA8ZbGFsPIfvyx0ijlwgRiaFwDWnuJTmwAetKO0PyBR7CGu
+JoZwcjCevJiCpEqgDk/XYxW9QER8KFsQLEMMJpFNAWT50appnYVjQdLpMNOsSU78OaXPHAC3h2Vb
+rp7XpEU+AOE25dich2iZLT5YzoxrRPKpMg95Nq2isNv1KXJHwP0CyDAssaOzODAHvC2BS5MzAtlK
+Ovq9LoJCbEo2eMbID3Uc+VT2q2EotpE1nkXltAmTCsy+25WpBcnas2tgpxW2AmUai7lurZLKq3Pq
+R9jyStkesri5bOjgZzx1Jl648ZS4hm7WCsqZrtOXUlQLux1XmU2WhCJHT6ErWr7J0y4QSespZbrj
+OHid1TvPC2nmAJ4SFWB9IJ+Z6eeWyY84Ap7GlRHRtj8MlnKyaFhlgvqa8yCq2As29xHtz4ZuWkAC
+IehkHDGeQ474gJHZH9qC7QxgP4YqXlmS+GnE3A5M/vmTfWw5AjPEwO4xG9R/tFzL7DrpurA/WNas
+EBHMrM/YI5ea51XPXyKbZkbnqSCB+5hnLAg4Mcw1Hwky7nEYjVy1h3SsFiEURaRIT1u/TcugmLoF
+k5E3lMllHMrFbEl5pt6Ek17P/+RZurg/+7se3OnDug+do1tZjSqJ4ndfQPj2119dygL+3E/Ff3dx
+/v7Cd7/t3n/x4dlPLe7k3G1ujj807+bbd8Fm3u1u7r49+eWDluD3NP2eDkk81xF80v5831ydW2Rg
+Vo+M5IM+IEwOPfqmwXeNxPvH3jUAiXkiMPgBmtlKcc/Lv28A0pOZyJybFDa3hQkaft8AhNE0BEwf
+UIww0E7x3DX8rgEIjWNoU3ILHJcLJn5MA5DMEfKxlUHfkQvYHeVEsHnGF+4/YlOtDLFoMozodKBs
+cCyVpn4d8skfZFM5ERHLSDY7XGITuE2aONVQOYC9XZzn2kGdTtw+HSJnsPQ+64ckwHY1Ook+QD1j
+J44YD3AqCP7aiBd9Dvf1EH1lVLrdxUnsETWcF2HFllIkmR/zSi+Aq+gq4tlVl63N7jQUPF7oDA1L
+Q0zFLib7R9p6Z9WP+5/oI8e3TehGctMyGTjbEZGtKiBJgUyMTk2clasWSBGglE3tsjZkwbiTnbJ9
+NBnUibMErRukHFkCph1HrT4nwOqQFG8GDIRazw0HmLpigY1keCGkotnVnyoJCY5BQ/AHzOWYd9a1
+jDXleX6aySR1eWGRgIqMA0Do03VZJ1fQZMFOHo2GF6IJMEiRBlk3fjWZseHH/XTDRKGWsSqx09Us
+Xb8gRPph5wvajXN5M88fQzv5KA2PXSg62Uf5acyMragLuTXmvzgCYs9k2y5OS7+2ZOjHVBmb2O6A
+i8G1i2knXSVGvstywwkH6FGaudaQqBL4fGXK1TCaaM9ZnyyMcJKO1eWWY0p7b40NAoDY4ms+9XRH
+Bh2eWd0+yoQJZFPF/IiNxGFjUjuiTF4XorA3vFFvRUnuEHSUFiZRmV+dsu6CYE39KpwiYBjw5UBs
+CTjQHjxqNNWl2WWFw5u4cEY8GrmjEiNyEkXtFeGJAHJKR6sy8fKkrVas1a91bSaLioY7ZdRRYNid
+5co6vUKywG4WdqHXAaO9U5ZcgKb7lYgUcmWad0tWaWupqyrcwFd47oB6jBcqHWRA5WRtVMzULq77
+vSErEMKg5bnEmWtikXolqfRqqK3Ct+yB7PqGZ4BGG/u0jSwbaM2xCiYY0/JkUq2HXC/L6lSZDPAI
+K3ovrcttL6PEzVOZrQA3ziwOwAFaZBuldbvs4i4NKCzhpANH14Xq0B5ck+4q67RLSiNIeNOskDV+
+kTdJuxhynjtF1WhHFVm1KBILSIwhJmtbiTNoDa+Bn8j8Ma/P1GRZm6Enn5sASo0sjy7H6Xoyw8QZ
+MrHRYVe7kgp3CDu8skxrhkz9TrZh7NWi83ssez+yptFFFjUdKDyrfRaHazuJ2FucnEd6eskH8cds
+3EY2jGpACwa+SzTXho8CZdRLmlOay9MoNkqfkoxuTDyGTke3A4vStY5ry7FHutEowgcZ1aZbQd/S
+aSmLgkSyxJEqw4tycMq4MC4EFGSRyadFkkWlh8rc4T0XLzRQ0HENAUNeiJnwXbwZD8C0yFF4Yzqv
+p9xI69NBtdqL6mpbw7d1NiMatZcgiGZWm0q3LoHmrifl0MrcRG3euEW7EaGlrrClydWYxFfPRwxy
+DFKgWLMAC0GBCC3LDwvpOMM4L+w2PYPSx0PUbhwcChWwxljzAmd7JdpTI5MAusGfukzthwkbToIa
+7MbzXzyvloxW1znEEUDAwMuVmCBHmVGzuf+UxH2xnGgcB1MJiDwLeei3GU2hy+1XTUSDSulkMU4Y
+OM5EnbOOdm7FcuyEeR3ogmeHOh+Vg7lCewZ0uafCcHTQAL2I50WB7gvix8H9Hh9CVIdhWxvwE5sN
+75FhcRzyymqhqVbO3tUqCqTuaC0zJd3B6jvfrkcRGFq+aXWtazeSyoZRCmi20SYs/LKoLrKGJ2et
+cmoYa4GoKxL2Oo7zzf37plSW61hEB8qrZGHSN5JqvbwPrnGYRQ6qIQ6EaQOkWsliJ+LWAHwpib0G
+s2Inb/rQ2BSQnc46K079lKtyAXMltTOU8bCzoy51rJHLtQ6LXROpRWuI9KKKUe7IlMnVqHPoR+mS
+H3IsPVrqpd13bN/1LPLKKbrt8ThcjJi/lgWBT5tf9J3ejtIUbmG13Qbc7XNM6C2xQmONEiQ9M5t8
+LKM2yGRobVKus4CRIXbNrlNO0Vqlx6X0YCAL2k7EvlSRUj6ZksId7XHTpzZZNGXvimqNDAydHGle
+3dtHAbNBAU3Sq1QCaOkEWiUJrTcwrQUyC01rw6ixwmVjQd+rh40O83xDq7ZcSz+rRr3tY36GZZIv
+4QBJULfJddvVOxihjpxGjcSXeXJn8MuIkHWjSnNXc8LPlFmgvWxgOIBCQ0/XictKnnkWzAcFfCQ7
+pnGz7GrBfUyG3sFx5fZRTw5NEy2ilE1um3VZACRk7Ny/pcaVdtWk6sP9ocaQ2W5U9kZQdtIvSrD+
+TuP6IjECJbsQeqlx42btVDmZPdyMyVT5kYbuKVYFsIQUuFCDJStOQTPUjpLYsXPbhP3WkGtE1Xu2
+lUBamAkdGIVamkl8MfAYrVRKXvctPsXAAy+40ufQNFh2IfRxYotd4nQoLrvkzsbUDOyC0VU+ggX2
+Jfhz1G4NKs8N4L4PZTTJwKD5tozGbFPiFzrZH2nlA5RHwqKEwQAzfHH0qddZoi/HFCnzELY9jMhw
+qFanDPiJBoYnwO9KtCdxs1dIQlmH235p5w19wFQP89MfKT7pB9EZ2BJI0ghqz/k/jvFrnAxNHeFG
+ng5IjPvcAi3xof8SmQx5jSGh6WOE0FFQ4VZCUXlguoOojOi6msrGge9Du7yto51VMLwfwfgWeRJ0
+qWy2U1VFl9Wgvbov72gzdm5cDF+xvBg8gAIpjOIMxUJ09lqlot4YoW+Z+ksKRcPu3taBhqvOlTU0
+wHQXQHLbJoc8y4cz1UIDhY0c+qK0M1wkIhinmhN5DznMF1NUQdvE/uqFAPlBrsDw5cQ58QKjBfo6
+HnEpQtKMbVXmp/fxjIfxDW86GWAY8Vt2ZKzdDJeRm6i8WFoVsNrQ5JevBZM6IFleBoOI/L7VpcN4
+Fu77pDbctIWJI5sZ59GQpsvnt4vnlPo4nMN0hrA5hw4Y4D1OxVGd0Jhg/1w05el9SAPE4fUG8OBt
+3AXTOCaLIjRA3kDSFmNDNgl1WhFeFln4FcqRXLb2VV8Z9vWg883EAZWlUe6zuQAeZhmzTlxTglL/
++U3TY2qDwPegqMksIBwYJua9pT7KQVPKRWVpmZxyUl4bBfT6ky61zxpC7xSro8vCMPx8MuxN5pfo
+3GxZeqkrdUlUXu47Ij63jEL794/YcMm3Ilkt6xBVnhQ1dmmpXsdTMd30GvpKI7/MK8hF/Ui3xthD
+G9KKN/eVJWlLB9xe7tIigkZYw7eag8WpaZw8Kw2h1u1DR1VpcdkAQDDaZmvWbDyrOeSdwcYOU4lb
+NBNZ2UM6AQGUvTh79IFyCaKMCGBkgAHi7HiG1TJSKxlabR8e0Aka0F53qd+IyfT7MeIBQh2oeM4R
+RYoBkFTsWpqjtcE1yOF5pd1XnE8sDbQGXzOcvw0KY3/kGLoXuDCa0QqbQ1R11I363osqNa1aszFX
+Se8nVhiuqxlFjSlGq96IXifMUI6NOph7MPjtj9/OLBUgEjAwE8BnPI2omqOizQ2rP4wY/icVUhi7
+0ADivjFyE4BqMrqsGrB7X53dZ4MyAnUZRRc7AIOShTbalyR0P+Z7JCFwR5g1thDQtlClPN1SWA92
+ZACYm+cszqvWlPuontbcwXkXL6CvWy/sxmgcu01cojq+FVJXn6ez5adGBWRuDfzEJBw0WtDy77PS
+ayQ0vK1Ad4D5Kk5dW6eDo43JXKK4eLE0/NDagOGBqXEA/DCfDaXw/yfkvJrkxrEl/IsQAZIAzStd
+ua5qJ/+CUEstGhAk6ACSv/5mUS87momrjQ3FrDTbqiJhzsn88vzz4yusKI3enz7uHTALCZhZYLXS
+Nkd+r/3qBiWDI5bmquXi5V6YuXQaM1GZD///u3X/dVMBFL+HFnBLATB2/1z3Dp+LEIUje5SDXz9w
+ZkAYoE2ykIDqm9QyOFYj3VINEvGiWHuAlK3yTgty0D5aYMUskLkynWp7K9bNHEnd4eEtKDZK1WWV
+LpcTqbcbIaVO3YpDs65q9tSU3l+r7T9PZ3yRe0wavqdPXWcnmv/noOvpGJW2d9ljMPn1IaqiJtsm
+Cct2wfkVwZgppDmuaze8et6HvveHWyHUKeCDTre1VR9br4Q7XnAecy2ckxuWNv3Ls/6X2ON598cM
+Hh+1iQdt8J9vnfqN9Fd4fgDcBrQdhYrVFE2oA0F5SMXOg3gLHNTWe3G6lTpWnW6vxdo8Dnr7Ogxs
+fV6WKls762XDaFVmeBsd+q3TwMtQ5qg+zPbNxipSx6xpRexKt8wKO/7lq0Aq/edV+Mc3+aOzmcNe
+GWlL9qiU/6Uoq7MT1X+pDrz/fFr3HAPEO9y6f65MHGb1EBah++hGtnnqysLPmHUghtVMpdIRQ26Y
+UPFW9m+2Lb7AH37ffzcivY7dtm6SoqxVDOYMVyyx45EWw60Sck5Ga6LcUfpQFwvgVm+K4ajx2LEc
+DVqgv9837tFU9NazWl1YPQw5iqbjUkRfJs97cmhHHvpAtPgZrZ8o4v1lU95DsP96vNiLcAh8XNv0
+T/NrrL0tMn7tPSJwMX2safSKFonGZqjm2GwVdEA60XwIPJqgNXsrtAhuk2/rrItWhtZ2E/HWDuwv
+poz3H2cFh9CNRhb/RRl///P/2WKETwtgbMMe2yB86K32Pk4dGk2/dvlFh8+r9t2LpwQ4itCXT70c
+6gQatQKw6R0Y0V6sZ0aA68NVASix1z6e3N4af66fxDhUqdThkIaQTLLQOPHeyNsKogB10BIasCC/
+i9I6sEPKBk8dw3BF3eG3OgaWEH2qQxQnk/qLzXs3Bv58HdD4mXOXXP6jNtiQh7QcUNSj2yxDXq06
+zDtqH3YJwzPVFM/KAW+12Ri6RJgHRUljtpooczp+q0gXpTMknLi0PMg8d3yMhN4SsOvg5QzQcddx
+Lw7bosStRHucxRSPbrP9vk/r3o91YeWD0+of+xMDnHxRAWlvfl8/+5zonJV++Jey8b+uBXgGIYNt
+gBkv+O7/fNVbuDkgufCVlf5Um35NMOtlPq5BSW6QayHYEN7mRnReTrrlWzWHPzZC5wcYAbG+03lV
+HfyoSHAKoq68FI392EBaBevXd3iZKKQMhJ1h7JyMrv33yinyWevwL52gdz9P/ygSfGgwqJ8QpsIb
+vJ8w/7NeGx1tjPSO+7i3MhCcWLz2RIEKskVWINES7/WcMwRtIkQ9nAb6IsTSnTg6Vbk+TUMTxnRA
+2CWo/ODUjkqlxHRj7njOi5lnDl1irLNJVvUDjsTv/mQTCCwER5Q7HdeiNvFq0Ic0ZR3ELdyQ//8+
++a9jwr+j0xE6XQaE7I/9GMGXKchSO4+F/6XUc5VTt9L5yilM4SF83vU0nK/Ohc7289bKT0M9R8/z
+6CJ/oebnsv97YfOvlu7OQdydL4+50A/oH4UNX6jn9m3jPEYQQIt6s2ByCpsS5f5wTAgYzw/SSq/q
+9+bhKrhzzd/WDdt4MWY8d+ESg+r5vE4hYNeZl9fmLlGRzuN/WR27AfTn6kDBgBadeffW7l6j/c/q
+ML7eyjqy+Kja8oszsebJlQ1kajY2l1nIKO1Ei3epoteVeDSWtKhuDeikvvL/9lnuj+VfnyVkd00b
+Ku2//O5oduZmIK2LehASjrPMJ+iRTeJIfhIqugYLK/L9dRZMbkfpDnVaVj7L1nFTMd3G6DjIxYmX
+rRWHugviQLHl4My0+dsH/fcVAGfSgQl6f8eR82dEI5iHOfAW5MI8Mpq4bjzQzEJHhwF+Cpi/qs8B
+e0a4fe7SbMXQRN2VsF1FcAgsngpidFJslXtwLTjM/39DhP8uGfDpGJRWdMoQomGg/uOVBtbRU9Ay
++qgaMWfK9iSNWqq/GgMAuJkbL8Wl2uc8mv1E9N2PCS5kMln0pCpUwbkZxWUpXJFP86TzzmujDHpx
+br2WZ8YuXsoNGfNaMEgniDMRR3/dbaxqfKi6YblSb3nsPUISNnBwwKO1x4IbP+9WigtqDPXX/Z8Q
+GkRZAtLs5NUI0RRyAEIhf5SQXvJStd0FveUxUI4PgHy4On6rkt/NXuk+EduRlOA/MUgIAt4a1i4w
+c6iOoZdP/Lxu4kM1fhCzY450m2lO0AEVDgcffG9de8fKp6qsnyNjYbNppb+GW1M+mNb70DnWS4ye
+mgwy5pY4TEIIKpoxJtrWR9KP8UoqwDGGk3TtnO9OVQVp7wJPpcTP91cclkzFNXFZ5ogoratAJyMf
+ir+8ZuTu/uNF4yXj3ENkx/f8P23TpjW9LGbAifvJvumlvPX0uAvhvP82cirjOdD6FLQ+7s8JBOhA
+FIQDqb+Ei8r8utEvSw8mty6CW+HxL0zgUp/vjeruOTRhR2PPK8LUW5Yxc1TgZWsLeH2xzE/61S+z
+9VwxWr4iPqnw1MrHrYreAVL3GepPoLptHyQghpfEzk53GnX/nbCpu7joPjv3qlHLPM2EP+6mgBJK
+nZCVMxfA3MdC9rep3swzqQqAxr2GHBc2sIVNgYvFOAdBlM0B4KNJk0WUlqKer3LtgRnVTR33d12g
+CQiNy0qQVC1dkJHBn7AcZP2wDDqD/yBAQ+sVRVv/VkGAS+y4IFkVND/Lu88XFL6XbCAHD1aaNq4D
+qZJpEO/7w3bpan+wsijw73OaV1W/pm30xqP2qSF+UjXuksLpy9pB+bcWGsDAaXXFlePMiSpUf0PE
+MOUFBwg4hkXezu1Twbsx60Kv/G0NN8pggwFHHvj6S1uCbADDWMzW2OvCw3cSknwVbfvxnjaefPzk
+sV4xKPLuMzQNUhya+3HkBzxxl7pMisVe/YBgq7rNz0n0/In1xeeAmjDGeDTnadcu3Ggu45lG5sll
+8xzbkn5Q5jaFy/rFFTNE76GBeTC/hxFsg5ZtUP7WHwqxoJNv2c85iOCKwITPVjxb4K5BF/tMrIei
+IjqrR1JnG+DSPKQbaPXxVLIN5pTc4t3qCGXt3JwRggruqDrxFXxhfPt0vqv/8zboJ66QQlqmj5bK
+6rAfrWabnFsYxW6xqh9BV+SmM+nCWoM3BjFx3+u0qbbDGJHE5VoeLAtp4vl4MWCrbnuXCM95xA9u
+howUVeyjgbr1jesiZbd890PTXtpCLyhDcX5OS3XwG/EMAHc5mGbgMRnWLu4kJnQWcCez3uTNYINj
+MAd4rkURHph8KDYU83p8nqE60qaFpuLQ6245Lb2JkqnxDTJTFcvKGkmzxeEX7xH6IslLilVYKnF2
+KZHYvxBwZmo2iE3qU8+3LSmZ6E7eZjIMzBiyubFDtt2zQcjPzrG/zHHDgzF2RKkSiAAsdWtCD1ME
+mPxehnqbEAlvjBriyVk+e09hpMoTdSZ5x/zeQGPxF8RfyhPpmiZTI8/VzPiFa3qF7uAmhuI67hop
+81KyEXarLrK4KL0gUXf5M6LQKAM+HQfcIzEZJ36pGnrCKnUSGPEbzA945Q6nn9uagVGfQpPtq1Cz
+1eaClj9cgY8iWwnnEpRxDEWIvmxT/eKVyw20rzhsvhOl4l5WglUUxyGc+mNZT+tN2+YBjoJzM9Ej
+/irzAeTrz2UMZWz97QMMJ51FJ7M1Y0YirPH71yrBF8dTAQ9p6RfYATcuovmzhACSeHdtM6rq4iyn
+o1fqKi8W/0sw1GtiN+3l2FKPoiDXvTxj+Otif/PWdN6AREpKjwWSG/tSqx0mDt1ILxUgtkPNGUur
+Go6r5/TBCQB5N3+JFnDbYdEc9y7HpQNF5LM8dfeFzxsJRGPXyQPHW9KwMb/CvkdSxK8e+g4cdt17
+6Xa38/ZibsdSlBrEYdTOgjrO/VTiaArJ/KnEvieMQhKKQFdweJcNzj1IBbPIEfE70Amnru2iw37Y
+7S2eosVB00qdyahug2qvFrS37Ht9Xazfg24JRFIWlYFx8SxpsjSNi7Wy/n6n+1bcNn1TXgXg824O
+9pSx53FuP+9/ZkNucP4a9VCvJU19Vb33rtyu9VxcFk3fFq6fqe6qVxPhGbRSDqD6MVfBWI89evVE
+0/2TtjPxsjZEo7YZlQozbtf9JqBjlZipUUDVYecgqfOwAxeB4Fsi15lfmKs/U6/mz1JGP3sLCFLW
+3Tuk+Bwa5Ra3bUUT4w7Vy1bybH8FDS3eFGj3WEdK36JFoNu9i5a7lommfcjCosQOACsT0hVLx0HC
+qO9zJf133fP2SpEaSzjTGb2b8PuJVZbOteikfGoRXGtDprL980YlMkDTgLjRoJxP+3K13fiklRM7
+3dR/4VswXqsRcwZcTAY4qXX9SFtfZ4uary7Hhwgr5r/OXCBFBmghRBH/uSnpJ7D49xCk68aUkekg
+FuSDZhchc6i2wIDoUxeMUVISx7mEiCNiZzTOkqjWReYfJ9K20fVYT8uPrpuhP9QgoctKvUH7xO6/
+dxOsn9ZYN0zk+1Lc5HenD4eHtmSX1UwvQbGt54GJuDKyOgfFOCTrFgK720h7GGfPj7FT19if2yFf
+Wgo7UJLXIVJFirjpmLrKIrcyhs+ELBeUFcMRjwiX5wK0jhsHgI1Tfva7EuulxKN84nWHpBn/NSru
+nPciSVgTgFhWy8HFiKHHhXxiroz3oxmbu0taPg7PAX4Ejo3ATafiWTYlkNiOsasQqKmUrZuzWw14
+rmbNCsb73O824IKEdMcR0FemuQTSOkaAA/Cj646XSI4SmWuzymxal8+t8IoXOaiTM4aJhF56Um3/
+0iC2cqyQHHD7MFG4PaCKD29iQLqTtcFDxQEeGcSxMlXNuQnvFyId65P7C2sqKOJiEckdiDKDTIGO
+LYdRhjyxaHePneYn7Wxd6vFW/34vQd3NedG9epEaswlaG2401MgrYoGRFkk9bqnvERHrvrJPVT3Y
+H9MaHAaPygfl2ecNicwEsvl6bjpsp9kRKaHhkc1XJ1qqS6msGxeyGmLohE8w5hPEa5v49+Hkzs+t
+HuTD0vmHvSMHKTrXyRbN6pmp6vt+zdMeQehoYbdw+oGzwE0ELNDnfV+j+zkVPhXpLtnvW8+HVfZE
+tlvB1twsUcJEA63p9zGES+/+v2b8thY9vXLe+dCQO1TqtLKP5J7zHuzyvjca+9bbgnKOy1EPWTU2
+1RFDbubU2m9+iW4n3H/htRc7OitbR6VbRavjflqWFTJx7kCfox5Nltf7N0fLk6SmAVQyxtSWQBfm
+bj1blNy4q4GUst7JICUExy2Uzm3tnZ9N1DkpsazMW7zMagaIP48DTnJvEJkfTTxHyZIa/X0luF3D
+8h7J09VH0d7jlFGb7xdXb1hxWBRaAe0hWoU0HEB7VIXoAEGlxsbAMdqdZzpN58oJQeVQzHPpha0v
+K/MOc3V3kO7buanvqCswqgWf60RMMcGvgcqp2XF/Vg6zuEKM7i9NxHpk3dTHCcZ/THGEHvxiKbNO
+F+qiRuOlRm0z7hxHPrTQjgrHLteq+Mo9ApdzxQwNHE8sRmbmK+rJH2zBbSfuJpqoxBH5PqCE5FGM
+5QcZjiYB47s8Sd08OZXqYqE1uRbNWathPrqyeN/4ok8jUypbuO+m0sem0GE5JVKNRSqidYWLO7fn
+fUFtJU6hZjMyKep+Agd7nKx1bsWkL3Bo+xQq7XFtSvNiAbcdN+QIdd9NL1F4nETMBi0/V7VjkG/Q
+IoyZhTfM9IsyQI1aJqq8FQNqlU2+9eTz5iDgKOBF3yzBpqhIiAY0PJYzaWMZFZjoYtkzJjVUALoM
+nmKBAnovkKD/k3z0g3y7+7OoRdysqwi6+rv/SIt5wpGNZh4jun7ylnjHYu5ZrF2kX93t7FMkiMz0
+2htKUqvsu8AaOpR9j9qd43aPVPSzg51aggA4UTuPv1s3uIS+hAM2wfXOGEhcJCvcV1RUMom6yD+i
+Mp8Pu05vHSzD0dmQqWy82MAKynQ7iwNKDnrUSJQlpLNhbCe+XHgkD81ku6yuIQpXkk4vWzB3yca2
+HqqiXu4oR3mQw9jE2nOjxzqMPu6+EHIqUxrWyp537cHfqmwcB/ZEG5vUnsL/e3VNPPbzEuPEeN2a
+7ZtCki6hvCuTbvQf7HXvOLbqpZpre5AIouHTuYeikMXJ1Os7Wct3oDvRSS4KvYQz4w2EMH4J8giG
+bOkaUPe3RxXW0RAbNKV3EaNPO2XOhbyMIyRUPOWvRe2+1gXy7/hEt5kt7wELPlTwDs8Typh8bKMb
+ixod1x6lF6H8z/2iwgPEMMDMHtN40Eh89N76pMNqzeq5rG4V0oyxEO+U6Tn3qKZpi3i5w78MUb5J
+7h/JUJCk8tyXQBQml2LTH0n1sUREN1TV59Ib29SKtnmdYK9tEe9f9qpxhHUWWxY9OPdyoJCqTYAl
+qnR/4hym3U3KMO37Tv7u2EuvfuJTy260fK4iU18IhMRMM8lj+ABrvlYzT6emfIvCsD60EkTPYCO4
+uYXjJnCsdN5riwgVc+xpXzuBaPzE7Wae8MFleckYtBjRF4eeej8EaUxecLXFXSGft6bzEDrGTpha
+9wvq1hllBIztJQx+8rXM/GbZXjZ4XQFzuqcK62NgBhnenTLh8nu1WJuERMrTLj4EFvyoriS2fIeV
+gOlJVbKytn3wyrC54aElJQ1vRC/yGRZUGRL6hAO9AOJPctRbHhq6kWUgUFA1lLJJMb8IOlcJntH2
+eGZTpc3ZVfrNxVSKx46Ln5IBad47X6voa1dX44H3rLihNffiOpwhTOvztCxB3rTOeFQiDA6irl4R
+PvrOOccACPRVsVzHFg8AKvH+AmfLvzkoXJ+LF7uGIidkmk7AE81tf4XFyJNpbTEswjzB7RdpxAKe
+O7P8akI+ZlDEpsQiTQtGFmMQ3OAuxOkA72drMNTCdMdp65BubOEG9svwWMlbT8KfTR3KV3duv3Ia
+iYQhOHuAOXnt18q50Sr6jhREPIdO963kzXHzi+/wHOSH0EYGcGbG/WpCL0Bjigd4I5N/+X1/bnVc
+z06ZlsPqvNbDAlyhic5TO7oQSpxPHRvfOrkVzy6kDIBj4maUWjPGLc6iZoTgIZ3qu2TiPCp3TRZp
+9PNYSABG1H+zzKJGcnFziMl8hP6N92Xs9hwuBXK/dEgjXlbXHjnaU980UJqLfj3ha78W7tRnxIrp
+NVJwS3JbLgIgLcYqSESN/W38WYVZALL0Jw+a7z7uC8Zk843SLyMSTbrz/J8TJi8MIgqfO+S3wkD0
+GCFGMN4EmyrbdGkgfDVfIH1Gpw50HE6U5guSKvKIs37OZ4NFVrl5xxZ5sapR+VRP9wEHysukw5o8
+AvV+8Vb2ezuNIzH5MhYXjgROXoKATMESqbNsywizp5615OXPzlk8RN7z0SnlaQJs8lgjhREraj2E
+Vnt0NehvPlDa/txqftxwIj4gA3xoFZ4oK+cgWftljbewGqB0TO9rVeB7iZVCnZq+93c5agpHsPcG
+ydQKOFSPtGBWl1FwlgM0JrMg0O16v8S66CPiBgoUZoRpGk3xGCB9mFXz3DwgiwCyeb0H6+d1+Uk1
+QckU+LFrhuhorXsQKOQb0A6wT5SLVfJra/TTWvOPVc9TVrYyEQrp3g2IVu8hQOBXKutd8oYHg1sC
+kkasW1TL61ugPPypm5KiO64YgoYBZ+JMBCYCVGFbI97gIVPLXibwDY9TPedlY7/MXYMhAK5vET6Z
+vrZT3WLCgaJXXE9b4q457xDh9jHhCGljzL0p6y3DJVxksxj7OKzRPKulvq7O8MLGYskAxKLz6RpE
+St1PtYqSigk/Fco+boWLoMNQfexd9XFQDPrDLNcUo3v6CWLU7KFbaSD20epmqEQV4a8YNDIEVY6x
+TucxZHOGIA2oCfCo0JMxGhAu3ebpZC4bSIcyGiEGss8rb1SqnAZjIeBrcyBYCYEUnK4N+iZGyqRu
+3DBplm/jhq1tJ23wYKsrKb1fGNKHajbFFKEiZpg4gTihG2tsvkO7bh/aJXoKOvI+jH2ZuM7YxT1y
+y2pwRGJwgaVkg/E0IEp2UhSuP1ZaZPjrArU4IQhCJlDesXYR51BQW6tidc7GjT43boSJFoUXg3ug
+YOjRuq5jn4c1ddBlhBR4E71FK9pXz39n1iAsLxCl9EoBGB4WUhgtuV/iztKuA1YHRVkdOue7m96g
+6boj8mhspJfosvwMiPRIB/gmBEdPNA86gXbSpjSwJ0F4dAKC+qsvtybRRpj0nrbX6xpctp69Sm0h
+4gVtmzQB7D9K1FV0UKQA9amD4cupXBTmFp2GsgSlGMTRJId0QhbIVsWWtRYp06VOIk+EadjZDyqM
+fkElhGQ1fkGWF+9Ddj5AZ34aFxcGrPVE0qj60vUCAJrTo9INxWe8ni7fzPqBV/L7FixRrCK845mY
+xwKFPbpVsNQUNR0REt33ghAOHVOfy9dxZL9kMHwvC+e1MGNSTn6flrT6Uq8QFOroycW/GXdhgZyy
+53wwIFrj0W95iqEeeWT5F3/CCJeVuh5iZEN4DEsp45JU+OAMT/ClCEpg4EH71IsK2DVXiZW0OUwu
+Een6BZWEwbiYADl4zA3xhXwtNlrFa7l+mRkqQd2iKvO2gGTu5MTlrUJhisCQwDA+zj52C20h89QV
+nKLxvanH07QA7Kfj9Ms3pj0ugbmSSHjI+nXnxe8+UuVv6abwpYJpTqwbynxanedQyccAUwWRbO6S
+sW3jSKKeX1yE6kImT6IiFdYwhvWVW30QDB/QgUB8Bmb+wylrc8ZS+M7mHpOp4kY79SGAUXSYLRIH
+kQGNbrozndxcQgWPi3lMsf/dFHG7+YDJKZKmdbScXDSwCEn7Uzr53ZxsPh+SKCyCS41vpfVtki47
+CdyOR9jLMTS23Cdg9DXVkFkWFsaKl18XbK1UMP9CWqISJeb2WEevZLFofcYmTPohSIH+olYYTwSj
+IAxFw46HmUyBrZB2448+RmOlTbtefCRp1ui0BfVbX7o/osaBMSfoYRz9H4VTvrdwa3wCVV4V0Ye+
+6cLY5U2URH7B47qumuemD8+rY75KD7EY2/EW4FntnLvOwr/VHQy4ObrMvDvXUCii2R0OlT+JJ7ea
+7BOB59JB2Rs7TECcRoxh2Ii41kSWh6ZBTGLVWMV4FjY3CnPDRO8UWce8ItFF4+Dy9n6WixGnPipR
+Iega4yPgvY8ueeV2oh86F6dnhyTPdTOYouD1IUblVODI1iZ8EK19W0inbg792gv/x0R6eR3X3IHz
+cw4c0+RC6T6NoGcdGzzlCwYjXWUgXreONqd1ZuVh5Lw8WoaxD1Fn49CDuRCYrgM4Y6u0Vjx4KsMS
+/M9CIXQPXx1v22qk7URzT5pSQMdh+Lz/gokIRTqXyBtEQRv9/j2nZe/+Rvl5/61BtMhDmW1NC1fz
+h/2XAD37w6RFBQBeBJjD0/fnhkWYYtKVD5Bj10RDFEn9Bc5ey5iFYDQRdHF9FVcY/JOYda0heRfQ
+hQYXxtzSxDbogMnfpYJqExC40SfD2TBvJZsNppSkkZUvRdORy87HSme12UIipNnWV9CVp3tWIDaF
+H8YtMkKWqF+FP0JAKnCmResT3yb3Y9gt34cBTJouNFxJNGSrZ+2VuK+OU7YHhEybZFf+d+B6pFN0
+9NCyEAizSII06KOqzwOKaq9N3N4Lj5hZoZNeAksKx+nNqfrMGTDBJBx0C5ozWK4Mtzk0Zgfy6VjH
+cDxV1JpP4Qqsm21ZZ9fhGRGz338DpMbXSAPxDDkBdejzLeYjlvEo17yrR+TlQmDfEypb146P7jC+
+YQ6PORs1xs3kggPn3m1u7UlpSCuMdx929kuL6IjkFlzm+7dYLHkPQjJk1EQYvSVwepQi/LBjx+DD
+vCvFXL7YhUZxiVxkiwf/uyKGQNVfz4K6T0ws62Wy7RbvinM7l901BPP5m0ODlTKVXL+uoNBj/KTq
+t95XVACVVrl8a+FYpRGkn3PbTCVMva6Pi8iD6tKE5sGP8GMlZN1kRIeaynVbjpy4ThyS8bWWW3fC
+PzSH3vFIjoYLtjwMsnkLLnyGWQXRb+7iYeqaBOAmuHnm9WfMU4WT320nCs/Ou0e8fK2zvh0+I4YL
+PcCRT3Mwb4nfgyPzwwnrZrf+Jq5Pxez4DzyMbjYCMYhZNwN60w51uj/LFGRNG3uG8qTHmgCdS72U
+dOwZVTWmwN0tcB3KLyPwv9jDfIZX0hHc4SNmuQjUnROj57ZFBe/rkB9mJLrgliKrrNbcCr97hGh0
+9qcivDQGuZvqXsm00W/Ns1gQDxaNbDCfJ0QSsJ/X2K18kdtZY6LXbE7ITcCP8e2rCg0qrtEQcHR3
+ofKeES3QwrvjRdTaXALvGiJFhGGt/dlBIjBFG1zmIDm6axn0H5AahXA7l6/O0ubEBuwh8NZHPNEI
+OzhSiVNubrJ48p2V05BPRefizoVvWgTuFG+z4oelZMXz76dXyvCxVeMT3dCK6ar2PnJMdrP35DPy
+Frcyx5hkzPTQvH+o2kB/hfeO4Tc9O1k+68sioWZMzNqDYiMmeU4AAJiHGVitWrJK+Oifm9+Kru4B
+QVHxsW/sJ0vmCF4e+uH72mmH7tHTy/tq6HIfxxhPtfi2nzbbhqFB1dqDARJF0ou6g7AQIN02Owic
+CAOldlR5tIwP8ObVlQ4a1VUxPXPkoWgxlY/h0mRR3UPfWNIWg6miUm3fwm79WEu8tpYUy1mvgJ92
+qcBFPf48OSJD7Xs/8IoNscoOUtZtZWhosfUggledrZO5wQQTMDigNCmmJd2z6saHsDKStKEPK+Sc
+fLfCEDD0Lk7dfF7uKac9OjziEcVDM+okpAp+5B3KrZBHKy01/8femezGrmXb9VeM1+cF66LxOoy6
+UESoPlKH0JGOWNfcrNruG/4Tw3DDHf/Q8094ME5e5FEBydl/CWRe5K2CEST3XnutOcecn99VJSqN
+3WhUy8BDrFLW6rKzQ3sTcAb3LKSKPTq966BBnZ518QVqWH+mBRY31jBREKQeGzMqvkXdWDYv86it
+zh15Wgnpmo6Xex5KlaV8z8iiXp61ex21gTvmmQImmceEZo8992i8rCRWZuZvfbQKZWiRUn5nptoP
+U6nCRdmYnJ+sAppetOgVu/89CcXEyPDBK6FUiVBZ+AlfnkO2y9O6oIYYn7SkSGYxshvHLM2Vag2Q
+OCeXEKA+nDXTxydZBhTS9x4lCbXX9IAIRS/deHSKPQfHdMHIoHiwEtQf/gi6kJLlejBQZg7iSuO0
+uY6jLpv1QWUtsC39hAOa7Ap15Lb1cm3SoG7bG4Wz2Vl5Z4VKNRdydcwzL1icZyA8p+BTQ43zf8SM
+RsdOJhX5VOqaJ6utXs4NLX1Mhxk0S8jhON1dtZC9mWwDDDQmLQZ213wjQx/jtHWy6GPNPH8Mlmrj
+MxeYvuMQaVMb9QZaqDFXK2fyKJb8CmNZgXviRQm0ARxymvpLfkqG2jwek22tRjnc97vcjCMXh3mB
+rjMx57rCsFehF023sM/XUtsxSfWCnVEra4bGHZOElG6RIc9ZUm0KPsWhkTvn+3g2eizH79Qb2NJ7
+z8BNPV26H9IezttgWOGCyhdtGqITqDD5qkaozK3ylv1LuTZ8JuaB4W8MGqWUUEOGt7RbFJNCx5+I
+gq2qrCPVgTKn/FY2I0d4NqueZZTG6nmoEyrqo0R7YZ6ZJahtK082sEZ7txwyyrzQPpw/1rGj+7FU
+KZBpG6PTytotZrO9ilJhhvWiBd8+AhTrWHEzxuKbjEYjLh1XZHiMfTthUovJWnfK5tar42NN12jn
+1BDXLCk/iUDuTzjkT3buxpGd34tifFW0mv5GanbPbdY/N8KI94yI3PMrPFYpmp24fO7NWF85jCFO
+EULdvVEwosVAHCoe5m0sIo4ZPkFeAqVdZBgOO505RwxQ4feEq4hYv/wLtF6uVlQm4urIm5WWGLZl
+Z5vHsCbQ4PywtDhOL2teD1gY5U0lTijvlEOS7WiTATzL5HBZLTzOR5jArVzeJ2ybnuOV7limYlUZ
+wlyKGE46bgt7bUp1PRNqy+1nV1wJxMLP3CNOZvborRNfBmpQPppxjam+rlc4GNd5r4U7u64YLY7W
+Adc38NNAtKtw0JeWZyarPOnsJYrJcYnMvHa9jslnqSrPOOLrOf9ef5Mw95uF2L3XaUA7zh5eI99J
+T3JF/9VQTcZY4XDqCvVnZyfhXq0RlmSlJ+/NWFBpnKUseZpcIVTLkeVEBiKTThvXo9PJB2X6H61p
+TDe48mVa8XYc4Jhmw/B9kAtiUthDXC0ehpHxgVqN9s3IyVbBxX/PEENbiB5xiMJzD+a8Kq+Dqq9m
+tsOxr+btjYIfapeIeW2mnJfPfsaySmaDFyZzS+IHatIacU85rCDHFOu8NFZaIUyYJma9wWSwQEac
+b5CNrPuGz0rR7Zx1EVH9nHYiX5eCKQmE1mhjJdsSzdja8EFp9XatLCwNnYyfN/osyaFu+mwscLKd
+zLUD3VipIxMXA9t3X8Bf8HpqUZSAO1ttr5UA556mRtpMLmxan2PoowqpDlJb3523ItVrk9noJ+ZG
+iYZ1Nvb2RVwsLKdnXiLfhXrBmMOrN13RMJOfalqlMSA8Kr6bt200C/K2cEWuPmU4vWdaL+dbUQ2w
+DnC+54n+e41DGMaQUwtfpLC1L00CHlxw1vXB9Owno8uOLZwPhrjh/RBo/QkV6m7Q9F2Ueye+aIwi
+ypsVolYONBd116LkY9KOXYTD7iLiGF5YzIobvj84foVSyQBQKaFziNNG/Q1cqHkGD05ZGLuqrOOZ
+7dMQ8fG3ilyh2WrkGPuyeMO4D9mUZN3ysMYrBpI+FP9iquQoIfGpMSVO634OQi2mGNWuG02SN6rQ
+5rkZHdIMaLrZ0CBpY6VcIbh5HksPuX++LVOrYI5R3p1nsIGmB7PC0qOlk2IWJbtD2vQhW2GJaHNr
+Uu7O6JpyrjzLK0Ao7UoEC2UfgEE0HMylq6zOHc6w4xYY+T2oVHl33sDaTKa2zquNOdi/P+pcTDs5
+vOlSK1dFGgBkm1TK051lZo+yRmrWyigYkqibzDP1XQK2IEAidLAezwe4vJhLSaqvGNtF0+GFBSyT
+oqnsn/nS6G1bs+LYzCqvt+pdm2NMxiXCYcwLg1lgDek6yZPetbJ8OpxclpNl3/SlR8XxWiRRWXtr
+qL7ilkL31mWncNooZHMmUl6W0DBTWpWcBtI86vccgH5rgz3gMqveAr2ToN5aSzl01g4EOx44KCC5
+lCxNiL9znNUNbyQn0sSoxcxUcufI3ZsPeAR356F5ZEvhBurJOKmkpKUvt/f1dPo6F8mlNcprzbjQ
+MKog1mpUhBxai89ZByCR0JGj6IJ0Hy4So6xnkV9scq3UKE/aq6pUs00kOvQsLfPGnI5Zd9covrmu
+7WBYTIj5Lm/ALQhOckkJTLwIPCC5ZeJf8AjpDf1Y0CN7r/c2TMi6/dgjVWptFicW6NrPIs4mhjOv
+rWCWgKrYFo6KX5WqUlf61i08hNKdnOmcSfToMpS1GQtgs+L2rkBFbY2w9HdBFL3EUd27td70RyQq
+fsxIKDeDZ7+wk3nOsXkb9AGKFE3eRmVNk7eoLnyogFI7TD+D9+ApCp2RfsDe1GZPZtC/jGqbsrN2
+22SweMU8evRGffAsuXJruaxXQ+k/mNYY72sznvuOla7TkSdbmPla51X7bZ/2kVlzPqNfXSIdLCVC
+VpjJovRASCqD48FcdaCxiSpCP2Vpbl+dz3FOjbvIZIarG5PEJiju/CSwdn0/5BvT7hiyKVceRu2Z
+1nYGyrdAocrAiwoQKVuHKvMV1CkwWmlreL2ULs6brYKYbO10XgV0xhi4qsikKkbhqeUwUjONXg4B
+PWC2xDV7DhJljPI0JoAjJ9EmCql0e+8x00Q4D1WOK2rh50jlx9lYLToIKFtz7JulqSbRslKLI2dX
+h26HEgO2CFYYQnaYoB+9MvDmX3sHPnE8YVexbII9FI0QXvWdObNsqGyGvFGOZ8VhHPneUVYibJTw
+xxGbNi0HN1umIVEqnIBV34fshOpAgfW5shMaz52XKmiiAY3Xxo4b6uqWX9ybgwowJJCuGjlU8I6B
+v9KYmEUU6bH2jTvjs++AJVq2NGPCGFnvDUGir+j0FATFyOpoIW63sqUZ5sWFX3L6GRuXfrPPyAO1
+rFe0+UUdRWLRVkHOYaXX15rnq8uh0fqHWuvczdoeGD1ZkvcqrOjowS97kiSzcA2pD+6HNpdnahR9
+I+1XPrKYYNZB0lMtQOQ4zd8xFsLK6VrhSfZvYX+mefncIwhlninQr6IMPOwZZIFnYUQjAILBqxrd
+jfXiW4f59ElvLTkWaT9TfDZxerJqvXOYt3XdRkXqS8fz6VDK9OouYzA0aBmMsywrkXAM2Uzum8KV
+IG1zkOnpqHBc3dlWz9SiR3CqTFso9OFDVT0mcD7t2OwnZVAzaycTFswB2y0tfQ0Hq77++nnWPr1+
+Q5cn4xt5SWcH/R/2Js7q9HmaUToWWrEYWD+PXlFqrq32xvpccNDbmQfIh+lCsHg6gTSBvGk/KhhA
+XRrhW8kwXvxCXvRZrd/LFSWMOgdUX9xnQpBPYt07VVsthw58khV44cKpx3juFaxSGWgi1IRKtuhQ
+7m78PPLRkFot3N+GU0tmfwP7+4jm0IDTyRzjbAxxtvE+tcZLjMzsrFI/MgHizIfK+NBF43acDsLn
+Wu98Ez1ohDQOlE1c2vXCCYt+iVrorLTLmB8vRDdutDyIdpmD6SJGOdplwS/TeDmfR+TGzjff3KSP
+HACbq5YtRQMQZX1g1dDJVJPGVrVjBSVgUYYhkCNs8+hMrzVmN67XoKY2NIDmKpEWURrVi05iYpaE
+SMcG8+4s/Bj4WzeZypzS0OPA1TFabfzV+TAHm7db1ZO2xPBIAXEmz8j5WFkrMJKtUGX6o3h7Ch7j
+N1TKsCppwZnzW+/7p98UXIPs4Cp1CBh6a83KdUbvQcoApWaRnxkhYiqC1F7UqIRb0Y5wxCdbaNR5
+CyIHtrKkd0tf6ZN5beSpq5pQ8+S+o83Coocu1gJ+PxVBZzErXV597sSIthLmlIIZyDd36eOixF0C
+fAz4Fh2L/N4pqKlKYWYSfmo823s5D2kyVmEySwYwKCKZWjWiS/exRt+iAT++8CNr5ugEZ01AM9/P
+xTySq3CJdMbYR3Uys1PqWo+5G8rEhLNLol2Nqf5QFOUr0ioyUSosfBke7CUmf809P32ljl8sx3lT
+d872XIR+/SU/BPJovEKGiv3QkDXDgDPw9gZNhI/Ol0IV+XdDt2UsxYOSxP4CB1XD0Ff3dno7V/1t
+UKv2yZ8M94E1yxnfrfKxQF4p4mpbNYYx7+Tw1o+GeJ6lKJwzAXHxm0v97H7AVGNR4+UhE+3dVi3J
+rcIkBPdXmPAKx4KfDDNci7bChtoXFcVW0tnt1HIQrHcMwx3CP+Z+J+ezb67kox3Sxp1vENBlsWGh
+K3z7o3VqqY5Sm+BDUxDPBX342ji1dqEti1qT50ai2PjQiFDTQprYjJZ2QM3CMt2cl3+ztiWXny3/
+xhesflz6bRlzJk8r7GxHN9/9PjiycHiAzTu2Fg3fdJIZI1RW+nBcI7033fOrpmTWHM2+TuXZlSA9
+dN4ug5nvEFQvucDiiL8vnueSAL1QWisIuP2FWqGYzGX7Fcs6dhHqkG8qmE+whjax4QZ3dcKSmPJk
+xf9j16LIyw25q83jpPdHtrttZeT3ToHP7fw22S0ngxLHNXNn51fONFgpQv13azWpxXU+eeWTXP7X
+6xKuy7JwYE2FCX7ht9eFl1vS0z42jueXUbUK7CyW8tqPoCy1Bt8GiDn9VEglo/FJrnvu8SkZh/+v
+n7jPdjr2c0OmUJWd6Z19eyFSpcjONHo5JmM0rDSJHTfSNhFFGSN3cBic0IZlwfi6H2Oq/KlEzanm
+HCbnM5RyJGUQ28N+XQDq9aV2FXmGigm/uDh3KoyyYxPJrQu9tvzvLv2Tl2VibFsgvcEdKOa7ewuA
+W6YWMc2jqZfqziq7+yTLHdv15AoTEDUGgCZGUUH6nPVTQqGNOafuVHoIOFclNA2XWRcouDD4v+Og
+65CDyfxBNKmvY/GD/BsdU5bXLepSuc4cDq9SJOTt5G371+/BtFhOYXUqa+X70qrQtVTyNcs+BrIj
+gUKW2htRm1fn6gkE6H1nB0cg3/pRH9QV4wdrGctMi/KLvMNQcj5J/+Yk5e06m+EGw2Zqxv2h21mY
+W7o+9q6+vuLz4v22mLU5HVvQkuAlTZq3t09N04NcDQNhHM9iydZAG6nH9IvqIVyiKWGwPZrPOBQ8
+jEvp8fzwyr5+kRr0xQgA0GaOPEQHPYw3zDjjxddXp31klIFVU1hFdZXoQZT+b69OiCI3x0gPT2et
+Zu4xkEQ9oC2khI93Bs5bvYU0x7RyaJ1hd11mwfq8GnjWcMcEsbsQYBeuC1O5V9H6bCvzEoYk4R66
+kPZ1YfRAJF1f9qi4G2h7fNTvcV8Nga2O4fRLlgQSwVidDTCx0zxTymZQA2N1UtwsutBahYqwN9Yk
+qvv6y3+CIZgI4Tp2ZsjzmNbfvRWJ0elSXzQRTWv2B9n2bzKclnQMVH0eoHlZBbK4tSs/2Nmj6hF/
+wPAjiXXnRH7IN5dy3jjfPSZT+AEkKIvrocB4eyNQwXb6WKvB6VxX+XTHN0UKyyPPAVJmcKhoNlca
+Pax4tI51plAnpCBBF0N40Rc2xiSsMK2pwOeTJ19khJ+mefB4F9HOXhaiDJF+9HNRyndJYXYLE2Hh
+8vw/o4ZQTmnSYEF5wbisCa8ynWau1bbjXpFaezaEVjw7V/H5YAt6q8iG40K70SZxdp2TtTKaA1A0
+LDsihBjKtN8NZKvBVUfHQWYo07PkSTFQbyxzqjHepYH2eF5LMjN+SkJgz2E1ZWPlyiHwUzK1hDRz
+slrDrQI3NxY7S8mfRMtpTjABcM9dFFnHYhWVPxxzwIMboqIdoTe4cZCal31n3dFOQT5JCk3Tpy+Z
+nhwllLgclmp6rNkei6RGRoS9PCv5owanbaSXcwPT525khEuLbPT3qWVf+W1LCc+dY4yBJDnFpLwp
+8JNiEiaBA5HdqyFXMBo9DqJO8BJmnbH/5uH4pIAHITn5pkHSyfr7nRknR4wPj+f03IFVUueQ6ibF
+a6C+2HKPuikeaNIow7A5z5PPa4gt6mrTIhb45lo+WTAcalSi1GE9sAK/q1V9h6ktI/Xw1PsAvJVs
+MBdn737RyVt8RO36fAlnlMsvFX/iigNrOatiZeOk401PO3de1c3Si/Gc4sQZvzkwfGTPa+gOVZTu
+5gQi+9DFaI1ay7rKgIFE95UO0MxPa/WhSrEtiqKs7pQRYHqPnD6FCLnWRtThAfttoYdwgRhTosDQ
+fgYNFo4gL5SZiIKN1Ub/KGr+M/nhZih+/fu/Pb2kIa6UuqmAA/yZ/EAWPLXTP/7zx5P3IQPiP/7X
+fycL/ot/9O8geOsvKm1bM4BD8cxPpLK/cyDMvzioYCaQ8Vnb+pTR8HcOhPGXyuBOhwY/tZdY+P+Z
+A2H8BZTGhr5qKgZ/hX/q7xiM0+/V+qsgeI5wrNpvV3ULXJtOGr1JtgSv8NtVvdMLbVRj0JZjGh1Q
+Nz7hd3vumuAgwk3v8EwGpnFLR/ekavKGDlumW09jayMjKcaLvP5ZqcHMM+hFh6adIlIUIVIpxElG
+/quhUFsMTbhIJWeKTB0JYNV2meQQ3djv/Vy5zi1xS7P0OKtb84gO5thpA7lSPd0l6UIRzQ/JTpig
+dpm8CBSCSDHpL7Ucd5lSj68DAZoaRxgtJ+NmVJp9ZRfX2Dfv88B4scL63vdwpYQt8ZnR1vfRWRsB
+uWXjHf1lzn+JsWyVEnF+fuPr2cGQsQ4mmdv2JBFMTX8Ix084ewtk3dI+G8PHruiPSSLflJQEiOUT
+0yvgIILzKMruSY/zgyIQ+iQluVyYBN1Siq8wmjJktK7KotiLtj2MBXV2gGg/CMRJzaynyk7h9HcL
+zcFW2KItlOk0eWq1HrNdMHY0N8SkmO/kh7FXsmv2G0XvB7wvBj0z55SOyU8tTF85gvZooAH6Gwag
+ekG7rY8f0FZthXWiSzfJVVc2vvW0vWqHmjDOy9SGeRAn+37w1rDhIhvOamwdUlXZj6ihXbNrp36g
+uShMTCiO0SwL8oeieAhdcmF3or5BLPPsQ0zXHbH3KsUd9JbIVekqxWLoplp52YlyKfGUDBMqRYTO
+wumGh6ToShcZ4H6S9plNudET89rOo5MO2USowTZzoEWwsQ8m+jkU2sdxTK7SlPosyQcG44cY6Eka
+KQ9VbPzyK3JHxkfaLOjcMckYMcIs36Z36eynIZbbCc6iOeEZNfpWVoOYeyvWhiHtmWIHLsi2X7xp
+P2z9YugB45GYqi7SqbKsEMNuVPBAKCKH/jHXhTXByyCIQBWQEGO2Tf4go6dzO6wrNj93bZZPHhQO
+N2TaDCDpdzvwPxfk7xdkNsz/nwX5f/6f//jf/+P//rf/+m5N/vOf/ueazGnHkQ1bVcnTcShl/16T
+p2wecqd1Vl594gf9c022/4LbPRW/DmOgKdHnn2uy+RcLMoMhcHiIElTaZ//Cmmx96GDBPeTaVLoc
+9J+Yzb5dkvUEegVeKFKlEWk0tr8Tmljk+YD2IZiCEoCqpPs60xGQasWpbsafji+JmdeZ8wrnfJgq
+i7yqH4XFqqyV3o2U1YsKX7GhIZ8I1JxANhVb64iHzu+eCvsxGrpda9WEHQrjJ+GC6C8qfVU4Ef0h
+qQLJ1WQYUPNd6nirzi9es9x7qbX6Jgp6oi/sK9VmFdTH7LWdPnKsGrdk63KF6B5Qm+HCrEkaSQ0m
+iSUOExvJ01CcghFvrcC8PRMaYChfD+6ht4Ru4lg7hgM/w4KADMt7sYNOuJnBccE2H6JC/ECC92P6
+I41hy40LuAKq6IJvjvHnk9WbfZE9W1ZpkcG/hSJlTRXvH72mOsRrnEeZf5IS69gm9go9b8tJ2GJE
+J64iUf1q8fuycY0v/RjsiQRSWAtMMo1ngD8wP/q3mo5/FA27RuCGGkqti6Tk2ZAsuuyq5bYKVqSs
+CmAiksygG3iZyb85MUoKQTxqWz2Tr0SsgdCxyRTpSgP1JMo08EBPKgHTksW0LbWTS5lmqmMFx/N1
+VrjqyiyatVEYffOLnBsX738Rjbabw/uiI55994vgVCsj0eRkWzbQ53C+gZSWA/pt5avdtj+MXtVd
+JRndUO0f1FDcdtn9KOcYw3hSSGx7gEDBThKjhlVM7wAeP3AzFJWO0lwRk8qZzFz0RpnM407/ZpLy
+scPBK0m/UdMmNh0HWF7dP2+mUHtyf7I4OTm1tI4yj3anNa+Y0NnZzug7UiV33s2gdDzugjSSlVY5
+OM/FItKTeWmH3/S67A+9Li7HptQCRscawyW9vRxDgOs3oyo5Ja2x0SAOlBz+MDo2gb03yzu7e7YH
+9Yir9F6zs7sgR+Tb47V2/ANnG8REEJfLdCZlXDi6AHbnYu0RcCI8Y1kG/SWIh3WlemsUBKswzAjt
+Lee0B5ZkZq6q/meVmAszGzdAMvIlR/pVYHfAN51Z7hHEwDA9sOy5rEnrIM+IHVHnFTWd6pkzXwvQ
+qTn4MdPV9Os4JqrAQOFUKzZ2IJHtRWEj2q3wgBOa8qxhA5csGVExkp1ypLOcrKa/liBkcch1KZKf
+UF1Atzsb09MJ/6oWeNIWUdUuuZOzxHFuFP7YG4wGc+Oopfpz0Og/uiJcAK1ajuq4H2ukaMHzH3X8
+P4rk/5KJ9JSHWVP/+79pHxdg4gPpQ/KM64rqvO/nlqkfmKMXJZiu/FnjS67hKbNYf2yoQ8noLgIx
+k7NxniBgmy5O9swN6pJZTSOJGeSCs+e84qmpQuII5QBtN4XdWC4KJlESCo2QQLUYKp7DPdNwoAkf
+7oeJhMTK52S9fvfefsBHquxb4PCm91Y1ORa/fdpqXo2yD0kwsjx9BaDzNOqL8WcEIMlTt7ZarNM4
+PkUSYlf92tMQLRjVBjbV1kwNGIPG5t6owMp12UHXphBTUPwJ/qs6JZSlBi13FExTfKKB8S9ffn0j
+jE9uBFuupdB3UqGGvu+lmjm5LBZrzkmuu1NHjsVc07NNqSNr9/2N7XS3ASliahCBEVbrW4BBoPxu
+GnBPZTAgt9EWelQcuyQ/GoH4GaLwl4G+E8LudnUGHbqyXsN4uPCqhHyGFyeSlo4ekoyr3StDQg4K
++1Kaq4+BJ113tb0opAy5XnQRiPwRx/qm8LKA4F3zUh/HRaX5Ky/lH8JNj00iRvXWezqmYJ2grI7e
+TfrNY2pNfdm3CzJnLl1XsOrrDLzeg6A1Gi5BLEXFia1qVoSPVjCeCF9AlxF0d2GhPIZyfJn6huSC
+XEKiLLaDNDwMUfMstazeZhTe2J4v3CogY7m1d3YRXKmRf98GV3KYP0eWQAgNM0A4zjoRAAbDcLgt
+G3Ez1RAeahs1kvehqt6nUXdKbesaUcGO2dr1WO8hb2ykgAZsnt7JHa71ZPD3RWff+D0qEw1iAKpj
+FdBrtredZIunaFUA8nNhrZ041N1L8oM08F6AgE4gH/mXCvE2oAFyW75JSeFzrdR+GACpM+qtACdO
+L891HeCvLUrMh7UoN4R2PlSKib4F6yoIlqBsbgrPv8DxvEF4iQJHJrPQxomr+Jjbv350P+KFVW4O
+QzaHUo4a4v0oBqCHB0UCgXRTTny1OJlVjfIES39wgxEJSGvfck67yn2ynJoaQHf+ExXFUldObUdW
+C7OQfUXmfEtrqq4ADRfaju7ebmhQaBmHCUZmqv4Sj9hO7tVHBDD4oAjGlsdlEUDB+PrbfGgSTF+G
+IQEFM4MYMNfvlpCsohIih+iU5epGkr2NY/gLybOvo9C5+PqjPtmr337Wu35/ELBy9x4+9abVF55v
+rpLsAozc1o79rYEkKemyfaKGuzriYdOrwEXh4OOYfkT99mB29Wb679fX9NnXV5D7KMRv2qRuvLsk
+Q9LsLg7L/NQW0tpPiq2HcnCMomNkxN/MOPXPXmryiSZwMwv2h/FsFvpl0IGZPtedQxOf0h7LdWpG
+945XvXqSd9NlECysbivM+qIM0509AK1vhyP59Au7yubTcp4PCrbS5ilhFRpibVGrw24gWUtin9VK
+6UdgTqYKsRnLMuC8ijc8DdorKarmg4xdNHgsGXXiBB7RhUTNSo2Cu9DoH3u5Yxp0nZA54uEgmJ48
+szd1ILO8pYE3XjohA7n6B8qY2zgbqm8ew092Mqb6VIb0v8iPe78va/1QRyNZEaeSvTlsqnkH+EsA
+pcwFZvSwvSDc8es773x2O1SqDU5jU8Pt/fRJlapaKY24OGnDQR3CHZrH+8a3nm0PxfyQAg2X6h9J
+PewbHkdr5FXvAzxSWv6QxMYrQWVzQgzWlkefqyTEzqJcC0J9X0E9IGbkxgGLNqtkucGKfAu2FrnY
+YHNyMikegru8fc6M9uocEGToj5EZXBia2Mjlht75CbsjroRG3mt99YynDp1b7vYKEpiwVF8tDf+D
+k90VOHTdRrOXaitFnMDU0aWBoQTiJq+ChTFod8LLtz75loKPwHyySkxt42GzS2xxQXLMlTc0ixiI
+I6h5aekVAv5o9dwoxqVoImYk6Jg7wmEL/SjZzsbBiOMSTzqz0Ti2VXRbQQ7CkJ4QLRZAJ451XGUj
+kwpRX1e4IKYnBZwyaFa8VXpfulnj4KYtLkPzV50E11oWXNgsONObpsvdxQBOZ/pzciddfX2rP/bl
+qcZVclZNm8a8xdHv7SInQr0GT9Imp6hK7xDhrEevIgA0am7yqHwkNtROd0mjHRzPYehHmpN/maNv
+rxTt2oNkAbSWoDVV/6WY2jd10Dme5N1OrzNUQZtuIX903jdpwwY5k08w4inDecIAZm025p3Ulltv
+ClBFXO1Tgnd4ntQ4XVSxuRh6XLmVaH75GOHNRFuqw/Si98qvr3+0T1ZG3VCNSRrLrsCZ5u1vxgFQ
+Lm01y096EVLjjmsMQhcV+aShmn0TN3tWALz/Ef74rPc76oSC0YnbyE/FGD1KgbEpaC93LQMva5eq
+YhFDr5EZ03IVcd3Oh/4p6QwXmMSuSMSiAq4wAhik5eKi/99X2lUpUoTaHVzhGilZXG9gacuImM4/
+cKBvYgROulUypxke0xF3jcBiCx1t5of5TursO63odg626HIojjXEoVK2n52oW2qjceIg2YqBAxIi
+8V6Uv4asQRuumKtOEw9EypwmYGPeeUf89BuDBTUjyQXn2KVphwfEEEt/tNfT319MPjVf3TuK+KZG
++TAo44E3aPxPwwcOBu+HyxreTSWXg/w0xt4qUbKNT9r4aPsL5DXroVWvv35WPlm9dUNjb5PZSpEg
+q2+fldzrbNUf0vwExeKCVI+HOGwWuQeTqHFYJrSbCq/01x+JTIB/6fuHhkg2kuQoxFTt/dYdq4Ql
+pbpRnIQc3zcBWMpsKtCb+tUCkOpQ/EWmcoIxsisUcM5EP+QAi+kqAfhh4LbQYPpn8sHOpUPn+Ye8
+z9KjVc/GerCWxJ09isyEn9ObLh6DbcF5Zcbh4JqZxsKXVKCveXBplNI1eJDbOq+3owtCi3WZSEfH
+i+GUFsFPaDE77BtbRWCwmv5GYYh7xexWUQ/10vfmdiu/aqLKJluf7yKbP/o+hTn2eCNv70Cj3Qpy
++vgiIy65opoDwH8C+BbMO3JgmNjHs0K16mXaTmU5Kl+1d9DyJwoxXD1d7a7fBWbBJg6WnfEOWBsV
++G6kpcAt2joFzGxVrjfY69IhUNNDNZNFo+aGXopBygB1U8QYrUgnfolNsM6Vo03o5wjXBqHvtOcj
+bRpb69Gm1FImJlmTLGuhmy4B4jDncPq7GKf0Uj9AR5xrbf+spyONPuWnJMprq7+RxXgrK6AUFARz
+AYaCJvV+6ZE90K70GhDeyS+DxC6rgRubkkEzt6oydWsM7tXQoL5v3SYjf0oQBRsHySZN259Zl/XY
+8fxbKQfCmYYbGcn/wmvKn2P/A6VjO7PO39wufsbdi5RaCytqfToSNtCHwmQ6UqaqazFtmHLB+Z1H
+kmzZ+DGHAv/LKsJaNrnKubjP4kNewlWWunamenQPBWeXTG4PoRKCAKqGe5Uot28aTB/lmrzZbGPU
+kCaHfjazt6+aAp9U7gIrp4Gx6Cp7h6UXlmGww/G4aCM8WVo2ecyXyhD8qDt54djDViFdFX3pAc/G
+GkU2IuKVhS865mT29UupfrbumCSHy2i9VKId32202WinrQz79RQWHUWV2LSNfTFqeEkOLEdXCjHV
+Qzxu266gro+VU2M2l15X3dfeK4yRS6J0bojtuK67+qkhF7ad9j2/XuHyXff9k6Jl16Zkzv1wvLAC
+Z/31xeuf7XiWrFlkUjLUld+vYrzdUYsDqjhXCQ0kD4QuYKWcJfIYWnbKBtLeutadda05FyXUbyXo
+SVqO722uRYZYhsX5yki01zrPCP2OsBa2MK/IuC0s7VAKcTCV5MGI5V9D/YM3AS1JXa2apFt3gwrC
+xpi3DTbGHWaeH/hpkEBihWZQSFQUSPZkLlnZXkwNvH68kTV/SXd7rWn1PlD7b44qn53UEBpZaCZs
+2aIt/O4ps8uMP5kb6UltXtQ8p/nXMBKNrWgzwuljUwZJlXmHvO2fZLm6rf4fe+exW7uyXdEv4gNz
+6HLnIGlLW7lDKDJnsopky/AXueWfsj/Cg7IN36NzcAV33PIDLt4NR9IWQ1WtteYcU3bEYzQnC/aP
+nNWI9HZ+OsMZvy/3PPMsBDSoEaR8X+5rhZz1RCjRKYnDwudDPVVugWMtXjsCdX9TbqQid/Fg7FVt
+2Fit3Ix9vtSa8Idn/OsZ/rbv0GZmtmSgRTHREX97A5GoqT2JqqfGs89CDJsGy2KmaCu7w5mqxdcS
+FIGhn5AHXIzoFo1u25c0Rlx5amOoGZm+ihy5cRoVMOq41oMciE+7GvVXu23XMfGYRmtfOJAjUlvZ
+uRWuwX44VeMOMdG6MRWaOfkWRPRDF9vHLIMTrwfqug2VD62DLmL2d3//XvyuzSWSEouCwdzK5Mp/
+V930HdJChR77SXbVzuiVXV3V8EshTvIZCxZFXxkUn9Dti9JIr2IGQbFOervMb8JYP1lO8YPr40/H
+eRc1rj6nyBLk8707ZrcoHok2TU+udq0lCk4O5xw58QlNNoM0L9uZZbcvkeHognC9WDsFffyiOzet
+anyEQ3+MKv0eLhdRLekP564/1JRMCkn442o5uvq7WAowxCBKYuvK5qyQdC8rHNfKrUhrmvrT20g+
+TByZPzVWtD+8HNwZx8FAxUJufm8E6yOS3lghLi9ALDHhmzKm/lJG+qH1xHbo3S08gzkDD962shOW
+c1Qb0sTDlyzPP2iqXQAqXXuKunTtHdC3U42D2U1N9JEzGZIyw0PjJ5m7d3Jruy8ZsSs0QPek4IHG
+4347NS56r6FTEDr625Dntx9hoRy6yrnokqssFDdprF7js6C/kN/IJrn0poK1C9cfUF+h5gcb5pw7
+Ev7G3GjpadP1aNtPQWmf52cfo2rbtbfqBIoqoSpgyhLBtopIphma20apPgMNVFaO9K9O4hfZh1tp
+RRsq8J2hfcZlvHVziuKeHAuxliWK8vqhss37hItRZbRPNO+2LZpbMIhvcRwc454pQJ5dGGp+Lezo
+bnS7Y0ucTRcgqHBKaEXZNnHD43zVqEEwqTAdDLaTdNaQe8DIkr+cg4BXQxKOKyCACvrO7rbtPuop
+uhb4wK3UeXLr6D5tEZhy7TIl/eGg8BUl+m2Zop2iMYvigEx779sSbitRCqLFTU9GZJz6PN/E3BHN
+GWkAEHOlNWvXBWvTDVsyGsAApNeN2gJ113boRPbwAY4R9qOWg65pDZuw4WJDoT5WYf8+/z7zm21y
+fjCJKaeFlX6oVXWTJvnp79ce4w97MpJxvGwMOGjQfdeOYzCVRjTWySmFeafG0yuk8B3uzFigNWmJ
+7srM6ky8TAus2bixbM6mbr2e/2WkmZeV1pGW0e71viT1/CKOtUPlgK/0ikPtNB+wixI63fVmJAAK
+LeNHb5sbrcDDVluZ3yjjAXvWZS0ea6IFLJ7UIeoe/v4X/C21/CuBjN/rq1KjD/XtNjldrDSF0yZU
+ldU5yxfz0gV1IcnEOz/t2Cs5WCqurRitn3bUP15b29DJXmM5Ncxvvc+gnCmfwBBOYTq906I4wz29
+imy00XAs3bKgWRgey5TqQAA45eUNXMSULKeIzojOtAKunf3DY/unzWY+eGjMhjiJYQn9dXdNBTmS
+ozEmp6wMnpxIHEHOXSOPzxEK7FLKmGGsdsQNLqT10beVH2f1MggiDGLxKaPj/ve353fbBZsMag0k
+6qSfzTX1rx8HdnAv0gnqs0a2I0aip3lNCEB3lxbBbOZlaNHFroprB8WRN4THwrWuhYFVJY+OU63u
+yhiyCGWaiT5D67SNyrdxJGC07Kdh4B9kDXxUb1YiUvlrzMJ//aiK3Sm64zbJ1/FViTF/VNJ6Godx
+q/N6MEh7NR2BqsOwI+bKnCvbqVnMr0JeTN3CzPKneR2E3bw1u00s3SNUif388ue98NNY21k2RHBp
+75lQE+3obVPc+LZWQe9xNz3DRsOLV6Eh7+bvOVXFuUvym2qIj32iX1dWcBt0zoazbpjniLP8vqnv
+tMY5/3DD/tCKQN0zi2x4lww8xb9ehaql+kDEkJ6GMX9ROM9T0BEwqinPQQWYLJ8zosL4iA3iZl7k
+iBPbu0VPjpGy6qj5mkYe560t/oo8Nk7zyoDocQuw8NGpPWQ1+UqvYGfRTTUgeVYNmRmQxf7+t/gy
+bH9fvGGYGhwzTQa83xtijoEicUjU/BSP42Z6i7L0IFy505xiE7KVtQ5TucR8k+UBuuJNaMljHuR7
+yOULmsNbLB5bURJWBdOoqKKFq3t7aLPvdpNsS45IcaEunay5jUZAU/0IIWA66ka1HUqIs6I5zF/D
+4X8bd+k24gNYndhFXbEn8H3jLtGtJy6Jc5T25ZQdRWevEGSdujjbNoU8It2zcvU4f31UupMfkWWn
+59xzrVX3U5vt5iIhpqQovHA7Kdo6MHWIh+Nb1cEXEBBTNXozg/dDv+hLWvX9kjpzn1+nyapS2vz6
+YFhqmEaG4mSnqZc7nXzr+f9bN76vhm5fMfworXZJP2CTwqjDp7abr1Rn5+Q3ucsqBB7kkJClfF3M
+aHCOxaGvAUDwBRy9QlQQ7RkQ+E2LVbeI7FWCOkMqze38JSTobHWv3CP0v7CSaoMBeSPK4V6Qo9ZA
+cOoGi2ycaWkNAjmkeZxRoYqE/FG+jW3/hNUCDwDkAL6NNrTvptLfzhdKQjpEJXGM+dF6D7fGckfq
+fbjQUMH02vzhCv5xaWZ58VDdMcGiLvz1CpKdETuw7LiCJHeqWCyxLWuFBisgWjjTA0IWwpOyJXTl
+oQmWnTldBrRdNYbNgGPiHz6N8aejNtwFjv949Yl5/VaGjUOsqrngxNEo9aHN2n2YYXkDekxqCKY2
+uS2S9rF6jQpnoxHIKEh4sXRg9zy2Kk/hfH/m+8F32FVcYCl2KsZWIw4PdRhdqVl9IOfjoBL9ZOvV
+yu3Do5LdkLV8ZZDjp3E33VG5nV/P+e55qPgJ7bkZlM2YOj8d7//QVUF8yC7NxWen/u57BfABDAaK
+7ClsYXNqrbytlHRnqPIK1PFVl+fLnsVBL58dq4jAzb6EdbWyjWnp5XnsizrxnazHsRH6f79MfR1O
+vr9TM2cAvwPGzd9MidTp6Lf1kCQ/zvVMmbo1La99GRVbF7Bl2fIYg0vno3/gp1n1KebSbPyh5HLn
+Lfi3D0HMJbYlXNq/DXc0wSbtyLo4YQlAgdRA4ZKlcyQNfl0V9FWA746pfZEif7LIa2wBuVtLe2wP
+WoAsmDVqOwj7LdWxDKWmP9/hoVU/XQuFNnNPXyrOCan+VdABP+3tbbJGGL6hQjpU/aZq+r0U5gEv
+74BYJC7Gr1fAlck6aMpHNzEPURVcO2BSRGwsZZuuwxZ809Cch1YjatR5nBdrQ5rYhbRjivPRHSEC
+98K8cbvoOD+l82otPHsTOt1u/msceYJjX7UTyhqxyL1pYysWcp+XeWWFj4o1soHE40dVdSuls5kq
+69HTSr+tdqkXPw8TTMOke83K9r3LnGGpkKbRtLbzw9Pxx7OTx1DAwnugW+DVf10vsspzOifQ4UpR
+bbS6w+RQo+1IgxadjshPkQEsiiwez+yCFU4Fz0fE7WvBuE8G7ZnGZsSzG56c2npGoemnbXw9gI2B
+Dv8uK/lGiNlPD/TvDmqOe0AKrC8J8Tzi+vUjx9jjbK3O8xOMoRL2Dky0rVvR3bPFxlOMfV9fDvmz
+nVirCh/XgPHfpYZ0bpwWbU7ekGg4IJOtcOaKWOy1yF0mZbSaIqisfM0Pb5/x24NvqHQpSYGZYR/Y
+on79sGFZj6Xryvxk15ToIcPVpL6u5VMliUWIwDJBxVco/Iyy20bCWseqtqtl91M3Zj6R//r+zR/D
+AsCgWly87z3fLpWjAbk8P5GPvB7SG2nCQR9pHPARnNxe5em4CjKIG5wS6xLdr+dzmwXxED9cj993
+BD6Io1I1UE4Z7vcDsO4QTBWGCG3JI7i31J7Ecrk07fTeLdKVkj71kQ5076nsnD3H020BDVUeGY2v
+XJJ8cHXTPOyPmFp8/YcF/E8fDHHNLDHHf4Rj49cbRauadpXNjRrDnrxYd9EUwEStZqlY8rpucTu3
+hJul/e7vL8jvAzJD/euP/fZ8YLLmrM1Bn0Ms3kRdqS8nU90OmvNTt/iPv59jsPzSE1VhAPz6+02j
+3lsTARCnIQW1nhsfaZidIs+4IJBg1xNXiml7GSiXjHjhnCw9oS/r6rEoY7SW8DNL46QZ462LVTJN
+f7j0+Jx/ezwxC2LHoydo8K58b8lhDBllL4r6VGjQzScVshD9ioeKY96Ozu2Vil/Pr4Ven1X1uqwl
+qW2t/cTCyPrf2L6jtg7k+OBCEQYw6HHBur4RmvaKDvvOrMccFUijrQI3AZJJegZpypvEjls/aT1Q
+biEcD3ck7dkigA7/cdih7VekcnYdgH/TnDNcHDy+VkfRYxq+Y1qvyFerRRTD+jKTZWcYRIzV9i2D
+vOs4wnAZuXj7dTUgTVdF12znr0bepavESAiHzqd7s0YMqYAAWpipSoniuUvdZVhXFNShI4Ml0r6g
+lskC36blAfI1LDIgCeoJm08H1Tp1oc8e5Cyswu0WahJfZIZyXeSKTm4tQRpRW7KI91D/xoqcWMit
+iWtwLCEOrA/LhyRiRJfVkE1j/kXX3Amjrxc94K91p1ioYVoJCzZ7ICX8Q2msAIk/+JQoILpGzRk4
+KtGSnKYDyq8ryJr6Mh5ExOY5e+Tjx0EJLhtB0IKVEqjhtmG+gNnWMkUPNmQl7IYqUxaRy3WD5L7u
+BvbvMRjm03QZ+JO9KNzAWkxqMRBYSnJaDsAOtT4xNylhsUkGVLLPPiQq+1SCEVSV/bxT2/NFkWYK
+Nx72G4QM0brDimaVsuiH+j4BY2kyQF30ePkJUVuHBoydMdawCynDcOHClg4UdjeaJpqM4Kmb021d
+p+xy4aXT/7AreL8XwFh1UVKBXLBnc/23XTeGiknPp2RA2I+0HtSPmJsTuc5V2fUTq3B107QF0PPS
+WI41+py+9y7GPsW5MClMJECFQdE89xqhil1brS3y3YLukKK4pGDC9611L4pGZAL8BR/pebEgOppc
+qUi5F12MihD1IoaOAYB4AnQ8VLSjjba6UNLRr8FA+h6BC75WzxRR7dCXZNrEPYcVMgwaX4WOPLkV
+wSMGwFiCB9PWbdcuDcqJaIwFKt57YPFjeiTJveegqz+nRXGTjgyEINHJdQFkfIEVebah6UTSpQtZ
+OS7JSNkVQo1VSoZeMzi3dkET2dGB7fChrIiUEvJPiamM3qOESU3ZMVWNyCMZGG7HQIZ1RTP4txG7
+7ArRrbEk59hejskjv3+PxNR9T+kZoER1V2FrPbvBRBKK9EisqO2tyYOKmHhcqgo+R4Ys2SpujCVJ
+E6eemKC/X/K13zfj2aiNYpgWGtiS7+2zIcO8XwDsP7UkCZE4dR3r9Hw6y15lcFyGsb7QDfupMLZe
+oV5QMy5NxVww84FLZI72D0dzjZTU31ZfDC+m9SV6JLvs+9RO63hz6cbWJ8VtaavWCzPMCe5mQWJ0
+z0Jjhdp9CnWZbYrxtMZIVOkvET+/k2E2bxsvcZwki6Ay34vcfpjgBCpUFW1czJHNQbMw7ek9DAK2
+8WBpC0RmTT9+2rH5agp9YZPB5Us53kHdeK+F448NzhTd7R4S6xVQx3slxDsRBD6+KnKJ3IQ8I+ej
+rZ1jqVL8hzFZf1EaPCn68F6rMalFufFEfMIe08mcWFg8hZ28rKZ+qwZnPudbTpR7aRDpUwTaw0wh
+kmpOa0DqHqzUejdwKxqLvPRSe++j/s4gmaIvlEvtMahZLEvyUACajg8AwNH1WXcpqFw/NRghuflO
+msFlFWK3ggwLn5WpW2k5T/hNfKEQ94dai+MzS4wp+juafr7KjARHEYlpFspEAD7AYHprA/x9o1bO
+k9mHt193AOOvRg4uOF0gsApH89oUz5PtfXCe8ZlbW5nzIBHBGclziG6Q9yW9SS24GQJeKVU1gGSp
+EC6eC58d/FgTq4YwEFkzWXLLyiJ3jxguWLjmwmRL6t3oZjSj2yClLUIahR65Z09/5bF9I6ZV85Tr
+TMm3wH2qK0XVX1WiL/22oZ8RqfqRANrH2AK4YNJnqeoPpew/c9V5+roahASAz7S7J22KcbnlUO3S
+5jG91IvwfgTU7UM7YjsHYV1b5jsJJozrwVRlGlEUTfNUTvyR+ZlwWP2HOLiXMOA9e1H3jgFvlkTc
+jLKx14ytzYQAE2/0kcCpxjiVLMwxP5pFuxsHiOdFzGBfJtXBJNlqFPXWFMN17ugPdG/BvnpPLTxl
+4U0r/S4Z4vt8/rmuGt2KTt4lJBxkoGui8bPVspCSZ3wIUnvd2ObKzN2ztJJ7PQhvKtEdNJL2YkdA
+pXYQ7jJecmLBaYUgM6cDYsKY+UrghvAa5VwkypNpTheN89ErFFC2AS0i3EA3v5HaeDc/ihbzU3/U
+9LvSGsGj6+915zzxhL9WWX4HgSMcw1t44ndRE92LAFFX6+7suto5lriFG0boTKhsdI9zTRa/24aL
+xSC65udAJx0+A+/T67SP0J5HyBmhAkng15VzmxpzGI/oGMRNa9tG+kRcTezNzO13FeOU349zt3Lm
+d8MM3aRxdK1XBswvDC+ZzVtmKrgLU23DkOX09YQLTOI0eeVdmo0ETZEVy+Wi7gwasK5s3NHwWdUh
+C5ACTmoY45uhj09Y+w3cPbesqq3f67xIbY5gDMwckDxes2l+tdCe+ENODFZQ3dsqSRoIk2DvW9Om
+VrKFbd+p3p7X7tNJOKV0ZYraNcTulU6+Eyavqkg+FStmgsXiAJBkQ7zWmzE12OraEMK5CyrCimD4
+US4u9NR6rptm18tNZo13FmG0ZC2QR+jywSWvNnxXLtEQrOpC/UTNzX9L3ct27vpa/Rsv0CqLMWWV
+sfppxQ42Q3IYhB5eM+9ZECz0nLvohRtvfFesdoH846ITtgSR7sLLtcifFsZWmJU1652vdJR7rHYn
+sN6q//UepWa6Tit85MR07VqH17IcH0LDfcqEcqYMuNJcDpWF9a7muD7m/1AZ6h1tISV9abL+2dR5
+snltNvpw2ZjtkzdzDbu+WjotMoLJznI/ie2DahXFfnABLRtxiaHHJVsqiWEvhwYrTDPsLYRc9B1R
+w3qV8hTpgbExo3jZFcNMtbStRTuDBSzhmwUcbCztBfK58iYphpS4KpbkPuquS0Ocw7K9MI2C1E/g
+6knIEnOhOwsJDDOsEvTAbOBty1uqxT05PrQTk2oh9UkSxmdDoDaBI5RpdFMX5cKrtdcxcWBbGebZ
+Vp9rOT0AsLkfRx3+wDzeq9Rz2KYk9IVbAFJvNsuwmSt3oSKPMHIW8xfI0XmYcvsQCu51LvjFCVcd
+0kL1u/mZg7+9DEVwBxuJ1Z5Di8OQtx4GP2vVd7MjLZTVm8FYJa8Tc1rEB2npN5o+3Y3zwzcm7nl0
+w0uljO4kQdYcyoqPsh/eAX/V/vw3gzxKkT5PGrll7fhihRaKQlotUxUgrEgvHJA5ftBiM6qd0pvx
++Lg+LwyDdLxcnHOWrLAd34skvdLsaVW1wVmZxuuqspBACHFjjON5LoDmB4Oh+v38zx7/rIXlY9uN
+74nHqSCq38uN2zJYmX8p1omEc35+n3IaNPuNUMWnpKwno8GP5ujLmorNmII3ZMzNIq7JB0CKZ8/L
+oGmH7/MLWBrRa2DW1/D5l6OdrRGdX4sh5DWCVe974ON8pYa8rIeXeZWgI9aze9SCfuvyhs0PbJ86
+FfY49OyjuDDCXmdL5R2zs/gjQ52pWNGDZe0iy6Lo0x+LqFwOkqGHqcXhwqm8y6JT76TqUeHoPJ/a
+xAQsfDHxU8dIMZAtE2CHkqiOzuA/Z08lYbadd58b9qtBAKHfOeMhn1GsU/4qVLS8rfpRQz6lPgPB
+UzKdz9WBNJgRsE2LOrFylEPvxtfwJqIqeRJ4O3ETP45BtE0qY1kYzgdRmOnCCKMTMZqkI+qvVjB8
+ys48SY/NRrnLS3HGpfwAn4iI6vlikjhY1uoVsSfHgYpeh8yWm+qDMw43WW3cy51nchpzmYYQ1H4r
+qhE9yJCggBs+xIAzFLBwiIqgpQlgvoaRhtFVVekODGhPjfSmgCEUhvK6N/GR0ahLWabxTI4Jh6GA
+DQWFbOME1wbGaWw01Bgmdy2MdpXXP/W9drBqXL9ac+FYAJezkYxhgvCoODJKCiJt+ABBzigCe4Hd
+yXPQOE+NSdg16ts8mo/9kfic3OS20/utO9XbIWrRSvL7aWnNE+l8CI2DVE/gtXqRduSs9SqsEODy
+VIXvCck3q//P2Ps/ythLOIYs8GWy1t/2GDWIU81nfzKpXNxgMeeAmiRvubf4+K9qslDUQn4UenNQ
+xhaxjZYyjTS9K4OcSqQVbZlSR5af5UjckFGQW2B1MFeq4q1P08E3vIUiVdLAYPcvBqpqUi2aMwT4
+bgl08aNBMxzazV1Nn9qPGwtfglrsO9vKcdVeWXK0dmQmvcppzghzPsKujvd6g/0UUK+y6e19gjh+
+iZHyQA5zvBmMnNl41qd7wzhXEpUpI1KFWdPG4BHbOGLnuvBZCv0gq5wuk947h3RuYQ1BtOuKJNtG
+7Lop3TqGCARL9N2zVXAgTvXg6MCsNsLkxhqVs65Ht+6I80efdrG+i0ayIquxIVNV24jWqlEpaLTZ
+OfUEL2Ouvk+R/gJO7V0PxtVgK0eP5jNCLKj4g+Tb44pK4m6tesRsO+2dR43CgnmlKvhOCZ5XVUq0
+6LGjMl2YXmH5FtvCoE5EPjvXbdKdKIk5UREl3svj14EPLvs7Te9mEbQmKk7jQL4HCtRc3OoVseOK
+++TZq27MXnOVdcEGvAbkj8Nv26avtsUlaKR92zEeI5inpsKptp0F2nqaaDwFd3maPIiYQKb5rzC6
+KStB0cTxL1c4usVqsOomudJHlwBs71yY+WOGjMBHqmvb8WKykodafvTz+tMO+qnkYEKdmW+LvDog
+gnqPpwdHunslK9bDXHroWfmpejvBQXteMLVqToLui91oBotBn7xNI62RaAljga+UyWl3UcVwDKNR
+e7Pc8EOrmGlZkwx8oxOXmZkdPWKCTKJzwkF9kIQhkm4wHyzV+BWskV+7wzFWOHrao3fr6eMyJnfN
+9wIOKkVNiUL778Ck8La40YySI0hyXRjZY9T07zOBjsy1K2sXN/MuP0ynLHYdn/ymQjA3qlX5Nhmo
+OZJ0MfU8HJiqMBCQa+umGceukD4C50TGgZwnM242Y4e0nDhry+At1jhcoEvztXF6KQcI71F8V0Sc
+jLC5GVAi8pectOAqAQ1tUFuO46z2GRaksuMgs5MlN5B8uJu8m8/AHCWEGM+Q43fleCFd+SKp58rW
+wDZKTpVhTMegit4DL39Vupnnr3/SICbDgZ/XVWxp8Hy4Ql+WZfH89cO+jvsi7+86Qld8L+WtymkT
++xP4JTtQHlKdPfbrD4Vm9hTaiW/zI7/+nNf1VIzqOnOE7k9OdT2Y4AZR/zmLOJo+lJ4kDsJGLkna
+IQkm2duQWAJFJzq4XRlT6/i2Jyip88+x114DwnkXcdVepySidNZLaTyGHdbUVLkbyv5ZVMEZZyZJ
+mYLqzo8Y82I/rM7FHF481/YBnqNkfjOZBxHbYvvNfPiK5/2+mnfThrZxZThbvTRei1YZMItYb8SA
+L9RSYJ5RrKObBHvHEBF9O5AaZEAtaYidiS26KuexjlQTuiPmhUcGmdQcYoTmxN7EsXZSD++73rsx
+7P7THvFR4utd2mHW+0bOhbf0vR54t3qpw5ug7Rqnj7mI1pUwOtJKOjSr6JoJ/lZ2hINqIEXU7ReI
+Ce7uSy0SwpxjcYX6ZKE1xRkwl/JoP0Z40nudOEWlyG6nGioFVTq93WSGbctpnabeupoIB8bGN54s
++lG+blfntoFIw7CxXJHdfCOAlxw7q91QQJr7MiPQx6hbJB48uy7a/mV8V87dKRnei8xSNlp/n+Rp
+u2jm90m4Yt1XBkJsvu9XT1RX3npTX2kBN4kzHFSrEN7aNJmc3LtzrE/2HLEBS6bmjW07ONZqfyi9
+C73OQP8k43Hel5opZGrPnyC177mb0q0zJa+JZ0qobNpDD15cn5q3pvZtO9sOceMiRQo13+lpb0ts
+K01GM7zsydFU1OkVCuVJFNobQZPz8ViWfoax1Vcd1ANNL9BwZ48Komsm4i2+uXoO8uatHMxm4jTc
+E8RatZ+WyrkHIGgRFldqN1WbcpiwzLTNtueESPKLCllFUHk7mUENZCP/RQwb1NlCGiqfN3FIJdVt
+kgEOnMbdlWqX0xbd/qoaeyYBdVavCImaaCe7e7dyqzXn6hdCn/kdQaUy+VVsZoskA+emdpRe+hqo
+CVSv4crJ03gp3PqztsdPIUMaE91bL7tPEkKfswZxDEMRZALFMqhVfEYqSbpJkSGHWkjS6GKTpSET
+CSJXBYVYUBGSkwN1XlbDiqr/Lu7T90y3L2parrPycTHkBC7ZkjQZRNde6p1K1zvERf3qBvENIOJ2
+0TEgWIiSIPaJfcDvp2Ek85v+mlaycGcYxBGxBvkyq5Ju11X5vm8bcZRxsx8Yg2+hsOzTtn0dOvWR
+c+bEZKI+TWN6UiZCy0PU7XiNzGcVtpASyQvBL6WnjwYp8sBY6ITZ9CEpIdwWEru4DAz1lKo3GUIE
+jkjYSEyYTW0rXwj7orjIe7nIaVoTjPSuRzVAwI5It1J9qupqXOmDBSjEuYqNpNoPdflA3vcNYE1W
+dcu6YGZO3APzH/290TIyXWS9iOzRWk5QnngOYR7Zel5eNhaZPUUsN2ZL2s9gP1umcPeN9pYaSb0U
+5n1GPbuIBvVl6ka/EbjZpt5KcMBAriN9dwBzEwxkfBEasGw8jaPaNHHTuquxZGY7n03inLZwXjr3
+utquOiN7VYi/oDhM72pRLSW8hWmKrsyifGUgq9DNMB4sOpWdyoXrDG6sQnmNdoawSIKCuVOVvY8T
+kC9FmixHVIGV3UAEVtS1iip1Y8Y8NHmXLx0GHoXk1Rum/nkQOspP8roKISgsKmhy9EjbmKoIqQyV
+mccq6WTXeUPit1bJCwS+0dx/Bu1+104N4Xy5s9OKu8T76HW3Xwzz1zuK99HJcDO3o8uw2ajJQ5M1
+d0Tv7rUgfW4M90Vt5MID3c+uwKam2PSCqXFIYJfCLz25dqzy9mva8P/cup+5dZDl/ut/fxnQ/AYS
+/bd//ad//+d/+Qat++uX/je0zvsHfjP8fGj1LVtnkP/fzDr3H2gWDdxoQH7RNTBZ/x+OqOERkafi
+gJ0V8g5f1JZ9FwE9Mv/hOZYD1gOtAQI5z/zfMOt+l/0x0yeihB4j3xF18TfhZNUnrqPRPTtpMl3o
+TnRZGASQGc5R6/Ur8v12LYjR3ks3MhJXA/bYKRmWcRbtRNauIjN9/MsVPP2nsOSvCCfNnOUEvwhO
+Zlkv4CBGnLqFHXCegf2V39aMxOcKLPNUOQ9SU5dVGe/twTyj41v17bhvHHK6rc8icfa5F10ZlnJT
+mOqB4mzPUP6qmaMIi/6CwOpwai9yu1+61E1NnW8r9y4mzqro9XVUD4d61OAClEsdDi90hKmzrztF
+bpS4PiiZuhktf5qn9DUFTYGXaL4wKWeIPqEMCfZBQFN7B0MTdNdbFHEiDhFMW9o9g26GD+xRGi2J
+rtyWobkepNhEfbGwwGTlI5NweNto1mgpJeaRkLkrYfZ7q7GOHPCXVhluO7OgpEnJA+vI2yaigxEj
+ecSrgGOS5tbw592TB9mvauLLLo2IAx2x9/QbDraZc1mU2WWhR+cW+ZtUreWoVQeNGCitWc2fJhkw
+P9IpC5UlmpYjc9ujMOWqc7ytJHLXyuOVnriXBiHDqaNhFqhWBKkxjcvhFLaIhenkoLZx2+3oTMtx
+Ga3atrugWXYSlnbbkr07e2/mbxGOxZrK0Z+/pV0rq9beTrG2ARSzIfJtjrjcAulAiiEpo/OlOX14
+BastelKjJ8RKT1dGaG50QzsMj0XlbsPRQeTU7CvnR73V75iC+cFzVBMogjG/kbNO8y8PHvu+I5h9
+Q2WyQ9Bg6X1OqIvnKRdubF1L1B19m7yi3F61ApeRSGmoMtvGRrHsMghj+Za6/r1qIBsVXnMzP71m
+mH4AQV1F+fjRJMkDDWrLhwaCXZxBzBNH20/EZFcux/y6p8fBkfrZaTnDY3wa/Tac3roCdr+K3HNU
+kd56zrsAFFm16aO5gPjODwq1hUS4npiq7xakM+chc++27mhqE4K8mHsDQUBstAegYREK1zti+sYC
+FTzF03DR6vEDsHNs8w4jcCvYKGBTGPkHr6UzfFgzRkoYaySQq5raiBEcWkSMshPuCCveJj0G5cF6
+rEBbh7Bk44FtN5qya4wnHEz0bFpZw7TXlOQ+lekhgfdkRz2kCeNzsLIj43wK7F7Bjw9LMplQVxZh
+eela1OhOr+0Ld7zoZX1NqU+gSk4uGZFzQzZsEpoiiXpoO2NcWFZ9b3bIzFEDGNpagofStfDeqQmv
+ATN5MSRiM6FuBxlGfmfRNxtjglKcE4Jn2xglmBhPRbHrxhGkfHEDX/RsadMdDeJt8hXhxbtMu3MF
+TYZGfYiqOIxIvO0PuggIK0/eon7GRJRrW0leq16cynoOFLbWKAQelZgDYZAX9x5sFMPIa6hyMH+C
+1KWHEJHYEmoEr/0He2eSXEfSZecVRVmER6/h6xs84KEHOAkDCCL6vvWYlbQBTTTSBjSUaa4NlWoR
++hxZZcUEaGTVvH6zNEsmfxLvReN+/d5zviNIoANORltIiTIM+Ug82rt6/I2mBZJTrJH9HDKnunJ1
+8n2tkM5pXxcnkdDGIb/hj2FtX4b6n96DTztC3Lqu5tE6OYMnvBNR/i2zkEFFyUVh5ieD4kMthngV
+vseDrcx2lzr/GIpTNGorJ3gtcv0PSgNLCTM/7wlsCA6MVlTHhEn8/dUkzDmTltFUZ/KnLxwq9cRC
+//c+1f63tu+u00y70TV/L3txiKm8yyncBFI7EG16DHViE4V56ejJTR1Vu8Hp1yIWa3cILuq53gfa
+tMqJwuhS86SZxq7xXJT8+TI1xmXiOFtyRDdO2bJZtMey23gNC9e7S7siGqzFaNPN04qb3++BXzQ+
+3ICfv+2nHRAvtkkqeF3B+yP/FJUWhpgtbbi9DOYtCw3AlPEPIr+vjFD1M03KCmw/NqLeT7oiJADS
+k7mHtZ/znx8O53SIN2rvHHk3ZWwuRsm4odA3tTmf/cyhcDdXJrqtkrtt0XHI8FyE0bbQJHNOKQ5u
+C4EKU1C5U4VCMbV/uEjmr+oEnya/S7IjfC/zk+wSkehUGymP6RQU+7p98lv0dzhA25AY6v491rOL
+cHAPdj08uuxMRgSojr0vm+NTFXlntd1kzHlyInaasTio5Nh4uM2acZ1QVaSktOnzwW7tU5j4xzLL
+L+MGXV3dCuAa5LH5kCV/f9t/WYr9/I3UN/5pAxJeO2V1/y/fSNr5lRlVW1b+teZkZznEa1UQpHZ+
+jRwLgmy190LnmBrdLn1kzPVX9f99+i/hj/IXhdhXsbR6IoAmuyaefPZEJQv96dMkLZmhY892OPjB
+OpuKvW1UW7g2hy4gBy1h6qlrJ10Pt6RWLrquPrmDc2iCeZdQHKrSJki7J/UEEXfrsrlNBNUa83xR
+EzLrxMUfpFFfRKp//7SfLVUD7GKUF0V1zkzuK/+QfLZMphsgbB+VhaALMzfeH0TJv35tFG/adnlj
+UWb9/SIR1jxNlkirsyE6pszu83wVxeWFGFkNE7lTFVoZhMeuZ5Yej3fQVR6tN1VD5SSGtJl2bBx3
+ra5MXTJSLNud5lk4GKBChO5CkJb3+0cMpSAf6MtKyvkBLT6KbuPzSirKNLd1yXVClEygFOpoEuTd
+mhg4VtbQH2/0sDwZ7bo15N1sRsc2r3dZHn3Uy7lN0Hcl2oXJ+kmNhn5BW+nSW7niRzqW27zNVUTp
+QdTNS1U4F+aIC72io4tbnin2Hvpopcl9P8QNvPb6+8cV0gu0Hfdd4eNnS3clcbBF0Gxn272RcXXZ
+ON7eyrO1k8z4HtD8PCRjuGMzWI/zVdyZG1XD1g1RfE7Omx9dCL8gh0A/G3Ir0h7f20wYmljptkak
+5bDOcXypFR6f8aVFm06dLcZmvCzb/hGAzsGJjB3Qh8XMKFc9214kTqo2kIV5oRPvYYc7UXSrXivf
+hlns00i7txAY5qGxjlNqi4o42c5Lb6UNyZdb6lLz1iXMqFJf4+B/iBhxoya8ItYSP5fzJAHro2G8
+WLHNXEVBuIucHnj0sE8RQk0ZkLwxZSCDaGImLEFdkSiTFzWJSUmYXY+uvBq94TSV2k7dPyMrtroV
+r1TNPHnJukKBAp92g1hlawT9S4OgYaat+XEiYbBV0wIenGlfEs3UlUd1SOkj9wwHDaGFqEoSgA+k
+lS/6lnmU6+yKKcP+rh8qHVp1U/UIsvzvzqw/kXOyEbLc+gHT/kYN1g1zX83Oxmnkjcc/bcbQjOtY
+l3JbteExyMVd6NHNarRsx4hnqc4dUkM7D263hOoVQW31S2TH5aHKzGuc7vs+rpcJ87bYgCPASq5r
+/frjGBcHpwlAlHpc1RlRdt2WgwXpLONGx8R2N5AgLjsAlLS4WKm6S0IhzrnhfRdjsOrN0V5lqIQX
+OWz13qn26n61UX89zqsWQgKa7n1eFBcAU3aaELsB+vc02Eyaj5AMVupuW5X/mmQO+dfGgTb/QM5t
+A5zEk9cibrYoHblvgdDPddDu2r7aSH9c1QNSJ7O7aIZ5rxvxBaPoY6GfE85ZDh1TddsmNzzNhCe1
+rB4upzf1hdWDhU5kMzbaxdjgaOMr5ZF/1hJvq15LX9SrkCcxYidMs3yrzisJ5UI3giSV3UG9cxoP
+v6vF14yEKJHkZqyEOtxCqheM76xDFphLtJca4/PUpj0n0ejCZJnitfrbGDZsYjg1q5qlq/fBbfEC
+2GAi7Dbb0PRt2jvOPcCIi63LzpBH4iD7ER29vS053M7k2GchUU/2uMErZTU3dfcieGAdXF1Rz5wv
+0dlinLVo7Q3A8nVRQEsdgmXsR6SMK/0bFfTQc27E68UmqD6PoWp6Vk6gEccSRrBdrEqyyKH0kN4+
+btTuxXzxHGoAh2hxDHWzG4oRi+V4GcNlJOly25CV7WnmKvWOI8SHGYi7abcvTk4GhxGtUnLVkmre
+1Em3VNdVfWJdtZLntePJrfoAUq8YZd4RiLuza/1oAcQN0nE79O6V+gDqAdEJ6QNCueScpBZ81UpR
+L11C0eG1Diuj3A6ztekN79Bp6P215AI/t7Ea7PquNrMLkjd0snzjLK326NbaC0Irwtm87QJgS2I6
+T8lhaMeLxpaPRmzdQrYCL+DfEFZ61LVRqtk1scpe96Kmt0Gq45nslyKKjgNrYTfPkEKio+NPp5p5
+UFA23zmn3cQcBV1tIrcEq2Fsd9EqKxWwUhcrfwQ/loL6Hqd6wyu7KvEij7m+KVO5mZvwmCX6qSlm
+KPk+d0RnUjOd1X9z/Ts5y1NMSvWiS/yDFVBRSXBJ2AcszT/4vtwls7Fjrr6JS+vUFTymWDwgQHMG
+8gbPvMsENN7IhWoytc3S06FfcXD9a9LmTk631QMU+Y449dK9wrfjgJZuzvbk75GerwnYWkVjfDV7
+CH8IADmPkbbviyu37LL1VA3eliEhr0sER77f2iXUs7LfsBIF6IGnTPQrs6kHqN+XgqnIJjHTDSZP
+WtANsy4mlzcBiDx6slz+DqRJDlJtJj8yy4/Y0hicZWgME1wYKXADR5odv8g7kMjWbcH/13RYc3Vg
+jPH0aoO0x+Dw3NndVeeQgTYa7VMz+nhbKVKl1C4COa0QaILSNu8brV45ZXkbh83FbFivOU0rh1L3
+93XEn6qITycUQzdCLWipItQRUa3NqtLOSvAa0nuMzWwNcnhb8YL+/sf+4mTK1QEO5StG2hf5u0v7
+m9ElByMO9NuZnd/SaWjhT26o+X//o35xBuNbGCbORkcnPOFTYSdKv8w0S/5V2GF9Ww5Vu4lSA3oG
+0mabAJk/FLDGFycTDWL6TnRbiTah4/vpBOb4jWEHXlidxwLVt+pT6iGTV0IaJ3HUvOnKq++YHS2l
+Q5enDv704391bW3a1Ng5QV9/8dlGY+fbIzJ2+BL1yuh89OrRtiG9wOnr3Zy7qJTdtdXbu5HIBzOx
+D65U08uduvwJ65k6Ev/+FvziITPAcNGYdtgcvvjq8rl048lp6nPPOJBgWHPfmkfPeJrI8DHFc5U1
+07K0mj+cwr7Y6rgNP//UTzfeHAWI8QxLg+O1SNQIhA5UjII26X/4Qb/8ei7dfx/SmPvFPztGkgzm
+YKzPONCGKFjq5IyoklE90/Avll3JRR3/8EO/2qn5eo5uuxYPGzbKD0fHT6e6UAZB6nYMAWExbvP4
+sfOmW0KbVnT4N6qxYjJCdOk/k9ewxyVFFy8+qe0yGOrt1LI240jPspWq/tuGKAd65l6mbbPQPKgP
+r37PS/2drVWXxfQgKOmdOdtrpX6ypq2s44vRte85WsIhmnYmW2RBeaG2+LhiQIkLyOXhV9u773F4
+4L8XRnmqCc2YqZmQW62m9pue4dGxg7UCrCaativ1/K4lokHVzKzc19I+mYN/YbfVFeL3s6qS9W48
+dJ61nhKUMma06yaDl6hdGQT1aXeCmnmiRgnK6XKYq3XG76izjeo2G72qUnkMrDwBXdXuginb/f5B
+/9Wr53zcFZ3GC4yvvx8iDaQYs9NpFZPm5GxQ8Bl8HsetYA8Yf/nH/nOm9+eZnun+e2Z6//S//8c/
+/8///ossqp/+9E9jPeC7rrB5kwBx8YL/61yP5EB6J2QG6qzmjLL+ba7n/QPgGpxS5EP5OtRqhgz/
+OtfjDwleTtdwbYX64e/7D2RRIWj80jSFEMxK5gFdNzzYQJ/6uE1TeuZQBPPZsqEeN/U+FUiuxJRm
+HG+VlwodQZkjkx2g+aFT1+wrWdxOFSCdBA8CsWwjrEtSpTXG7EOdv+K+XcWsShE5fEiFORi69byK
+K/MVUweKGrSHrZk+hJP1vaQCr7HSLMoouAi0ZDU0yMXEUP2QCi0iGKlh2j2RYYhTVdQL02hXpRVd
+p7iHF5pWraPAO9HUeY4VoF6LEfC2vbdOzfYWtQhlI2GFBi4lYLF00PMLEru/QcgVTP3TV7e2UPk1
+/iG3GV/Oj+Hsc0xLDiPOlqqNyqX0Zb10ixGsWLLsLBQz0UQ9Bji/tSxrAf0nRteD5K5kCwij5FYS
+wONoOFcKI3+de8xWPdMu2ljW6xBf6Ndu5d3MPeSHnMWiK7kyho1Sv3b7xZS2390Y38qH4ckZrxvA
+OJMyK2MjUT6P5DFA6Z8Hy7quvn84rgQMTARYo6L/gNxAADnW7k3uhowOUa6J6KrBz+lpj1Y5cMbH
+K1ACXC38aWUjzAijaT0OELSUNFEZ6D5cM248diiJKkQjiIDy4b6zdIyahf1MkzFZCmc6S05kQam/
++XRz83h4/fgKvlecmozxGxGAuNusEfFtEy6N4oVQmm9TspqUNc2vaok8itaCHb5hS2CYEVO9xJ6f
+LH2cYosITmEhXz7UnCIAVWLDynTn4LZ3h/dC7wY2mlUt5T19o2cjG+6Vd4Ctp4nLm3b2ntPRe9a8
+fNW5fOBYvOkhS7yL3CoZlk2EuCN8icuW7arCdTgqaWGUbVyH+6jhaSMR9q9nroJiyHTMui2pXBKn
+aPGJYo4TVUDygQQy54O/t978ftrU1fzmTowus4qvBIYyKdor34te7HgeFibimkRYEw4NzpTuRKQC
+hyKUeEPAzBdv0+gOEpEf9yTq0/2IibiypgaJFN89QAa3iGqCkiLvW6Y79OGybCPzqNhH5MIO+ivp
+IP7SqVMVN+JcuamRLLXIXxUgUHCdVs02GxDl+vLZ09wVLQLjvilo+0r4OCIlTCKe/JVnyHWJLXId
+pJwgkk5wosabZoW6WOai6dagq8OF1NvyIhDZBc+/5RbWrdui9IzGBEkSabcrI0S4OLcO1n6yGnc6
+MRV9W9+alZVvgDB4h7ShLJT1rcDsvbGZ0a6wtC9qU5LsLayeIRze6WB61qKg39gt7iXpeee+8q8B
+u8plPVvlKvRSuRxD5zGe9a1n5iOAdkwcAhunDPRru0RnqbegkAPNyrZyQtw0OxjufSPYxA6LkhYa
+KxJxrH2o9ad04LQ9kNK6xaZz5QX+fIzynKhOg39xQ+tS5zquy22KgvrHdOzqrFkwUjRv+yb30Ax7
+40GaU3/ZNH278gSSzmzgEa7mzt5UemAcRR/SV0PCoOpgc080BLoi15vJ7uzdReUBYa61aG22s//c
+zHIBA0xcoEo3CYKLd0xhlrGI3qYPzStxmzuWnDCT0WGWqL1AbZOVhCKqzrV0HRp45GURrMvZZN4S
+MSme5oz0qnygqWDth2YgG6emQdHU4dHOa5ouacdjSfW4GitPO5f5QC66Yc1rw0GwjJXXXKFUGI+O
+MoVpsbvCX0mLD7p5pJf1EpuIuURmuXNT/30ua3OTxqyxMz/CLM3we5wCsnqTvpXfckJ+DTWX53Ly
+LuOkp92JCXrbBDg12G/eKpwZa8Je9y1t38WoaWsjYjAdZJxbB6fGdteZN5Z6GRq0fkmQ9htaguvU
+Yt5baWayD03x2CflOoInc5dB31i4RrrSW9E8mR4XXW8DsUbgTUQPRpC0Hfv1ZFbhVp+aU1CBRHFl
+uyykhXbDbfEyKQSBgDmTKWEvrkxUj5k4umNy57QT17+IEZZbU8XdBJLHAmbifuK+w+hNRLSbh35Y
+VkEAwcCvHkukyyEFq2Br242j2AYsSJkfo2oegMJ3xfvM8EQm9n1MvLwVIRUMSDBCpPYy1lhLNCfO
+17XQXnk6hkVrV/qiKg5DI19dqBLASldaWO4k6qG1EwcHRXNkQS3YSgui+UaLqaZnXnVJv4kyoJdl
+Zm6xONJ+rLvnAkYKjj+VQMvwGKnnBmmtAUyC9JI2RYUdJfNaNwv41UGLNzpxcD+TjyWN5sZqcbYO
+tY9BrswOXFiksD7azMBZBfl4NYdCrMomvq9Fft+ohDT69nJlBue6U/4Cs7l2syRaQqcZdFqlqcNW
+1zduvDEb79B6Vo/MtzLXoCZGDkXLpGCYNUMV66OsXJYp8ke6II/SzpjhGBkPNrJn9rVgqZFuu5KZ
+cbA4hRDuK6Bf4EqDwr8AXTxwYeOTFpnvnNwRXq/Q/Yaozv3NMBAWUKVE0ReSLOHJZ/an/WhajH/C
+QNsOxWOTN0aAftMuV9rMxs6IgBOKbl5ZuX/hD/btJLQKHbWAoKfFh7QAkJ3XKO9DaRwG4T9mwt96
+OQ6q1Aj0RWwAJpRtvfESHRl35OmI4vVLn+V5Mp0f1jgMaxmQqGlGbBdZk6w8f9ogC7cxbBjlOsZt
+nXjGwSkq8GuQE4RLTA6mUtAJ0SNEDNZhkmY00rX8vqmWtiiLle6ODLNtf5/l0zsazmzJZgSpoHOR
+hUu8MGx7aUWvtnKLYpm5jguzID8Rs4GctInz7YBTM5ryq9DbN1CCXRNGQpc2TAa8S8yg87oYfXWC
+Iq848FZeOd7lnv+OfJeWZvsE75D7kdIoSz17304Cy9uILDvLk2MJyIy4SBLzAi945PaUm3mQd5DP
+XmZ38gF1cI97bbgK5waParopeHSWvoYauSYPGX9Ju3Ls9LZtrffUbV7IWrgNsYdGnVOvIj1+SthT
+KFrPMJvbRemFYh2bxt3QgxJpncJe5U208Uf7yelsCIS6wPtYESviRSmpPhrIngwwxuomdCN3LdyC
+Rj0rAWkXS8hH2bYTWrCSTzLuh00Fh2TbTgWOgfQ2nCF1yUg+9Rb82qoIoEbOrrYWHenbl7GXpmvb
+C8ZVbFv3yvi3TJUPZ2zaH1nS7hEPWWsXd9nkPXTKbJYo29l86vCg9cqMZuFK01nmQKc8jsquppcV
+reVuZ+LuKfCzZcrY1iqLW23t/MZ97hpMfTjgfJxwiSpTbYeBVNljv8jd+zjULxGobVxcdKjalh2u
+uhJ3nRaCH8DsMijbncB/V+PDi5Uhr8WZhzIFBjO1orLsIUtDfKoN1zluPh9X36TcfRyGGOghmih8
+57VPQfl2gBE+LNtBp/8YseTOqIehsoR3kTIQKic+25VuP3i4C1HvPZq4DQ3TBtGYXXAiuGJy8Jer
+NmFlR5vxmOFXNPEtDv56wMVoocIYcDVWBgLdICaaBPtDju+R4wjxfSzW+CFV2WaY2XM/74SXXndj
+hM4NXotuQ47IS/rhMm35FcuFo9XLIjN/JF5KGGD1GriIoQf9mAieBNH4r4jTH2J8m4UycA65Bvt0
+K5SvE+PYwrLaxfg0JfG0KJUB1BodJnapvC9695J4Dk35h5gw4RutxFOobKQWA3JcpSnuUhuXaa3s
+ph/FqF1Pp6KuNx09ei666j7gUg0YquFUfUBPruyr4WWAn9VTxtYhR5/s9jxYA9KAmHKUImgl7Bbb
+T/Ra6GR1Tsnbx8W0+4XENrAgEYikCxy1Cq8QKoutq8y2Q/rQwNcIxZbxF9t+9UAkAFBxPLpsn9xd
+HNj1W4yDt8HJy6D4qWr823KcbpXpqqRyb/7l1wH2nZLBzDLAG1xiBtPxCud4hrVGvhG69djgJRZ4
+inXnFKs9VlmN/ZYrizIA6Tc+ZIkfOVfGZAuHMqktLxLH8oBzeRzJhZdvjTI0q3+pcDgPyuoc4Hkm
+o/hywgNNbCYMPVzRpdBv5D7GKR3hmJbKOm0qE7X6UnUmMQ3kZxOX9ajs1lof3Pv4r1tlxAZOrTOM
+ovjDoq31mJIkru0B9zZ1+SPaCGDOw4V6JG1c3lj4vrPcba0hWVmpvHWBFX64aiFZPqg/IPNvQopb
+J+ewYgv5Wg/FkqzF61IHRQihA6t5ga1qakoIRs42Gtqjp25qGeURB4kkWVtiEYhlYp9KXOwV0Z0i
+RjE51KdRdgTXNNdox3gPe7LUbKu8GZUlfhx9fdO1i7YbDWwXyjavDPQmTvpQWeojx3s2deh2EEdb
+Eu+HQxtP7XqyHHOroe13NcyUo7Lpq/r7EOPcx1+dL4bWoBKdZiVWnfewQp5z75IPuUU4RydAb76N
+XfzS0z2THw9GWyr5HG+9XXC+D52rqeLJ4YnxoQs0UAaArO7RWeI0m5NNrJZJKPD6IgOLacAoGGEV
+9Apa0Js7wCgYxD5wBprP848MxZUMXbAIoKqgyqoaCCd06UV8baVw3RutRAipv5MEyI3nBNLDUWjg
+KQi4CnR22BIhLcQQFzyFXmgUhEEoHIOrwAy82imchlgHB9nsDegNpsI4aBZABwnZQVeIB6w61qKA
++jBCf/hw6wXwIGa4EOoFbBNsRP4UPYwKHVHVyZNsjHfFxS8eYhPIFZJYSz1ztkJPBDAoRlgUzNDJ
+mVZ4io/+AfXZNtX1p04hLHQFs8Aqaiq4xQjlAnnWTaOwF6UCYPSQMJyGz+Z2V4ZCZNiwMhIFzSiC
+7h6iG0uYsmw3pn6mRbBtdMyD1JVsTrwPQqeYjrWz7OOto87HeYHRhFtI2u0L6mxIKu6qDgO+m9zk
+WfPQ8qeWcWzfYfDDLct904hn8ICC+P67BSLEBhUSgwyxQYcgxnqDBHNbgBSJFVvEsYc7xyv2JvEE
+jeHeQ6N/CICRMHK8c1JK9ByzBKgSkCWGMb/h0z06rX7fJdhAc7u5D0GrWK1+Ezmb2NMw9pDubTY/
+SLU9NbQOqty/VTUU48erosLKghuStXJgLWRaOyuKRQRoRQe4UirwCgCWARCLCZBlMMGaBuil1Yql
+iC0B6BYHhEs8HJOsv08HnLbKHUol/WDc92BfcIwRE+w/G+BgMrAwVj9ckw64s4JhXY7FEaIK/Svl
+3hztel/66UVdaOQ54ZrRhuANH0m5g0ayQ6azyhSXBjYrNl4GUKkX4P7vw+TksBiEgl0aGUxUmg5T
+SPO1G2qoXd4mlUW9ng0EuLkn7ux6NbERIom9810tX6STuefAsqGZjXtHdd6oUN/86Gw3yeM8sTdG
+BYQcL8X3r9PzkJQPdq8GQsDY1W6RZcXKFs31EBgnjeZ56RzmhnTdyK/vhwmNzfwaRVuUnKA+bZot
+haCwkY531krJoHKGgQejpwSnQwQNs3v/0p2NbiHTQYXAPjbDUhUJbpG9VpHx1jpcdIeK2pbB8QNP
+kqU0eJwYqoPWgkWw0x77TvNqRsOmaLpvjAOQUds6sfXNfdnQ6hIZX3LU+atTArJVm2+UCHf1M3ef
+UobfZI5xaNN0G51EcdLn+C4U+Skp2X2FclcG2fTEQ74DCnzTcRqHD/6qnqmU/I9GT9ckIC40JEWN
+T92nsXwoWBgC9/eUEemizd5bPF4pU/qFwBg7tu2lfi16ufu4PEJSKGEmJ2LKuXelsyTAK29oNAqL
+FqlUcJKsD9/6ytjGqf2WmcGuoJ7VpuLkTtOblfPHRYCNyN/T/XCSCbGJ6s9Zyjfga9OlN8vtRwPX
+8OYVcXGHEZdyF5PenQXcnvG98DLwyLJ68TlafrRsYxPWEa2IskuOlBAU4gqdlRQ2uxNyKMLAryq3
+fgWIgh25W3ZJeyGDVS5p1Bapy+Qy6liAKFeJFWTLckcukXbd0EejmufvdZzpmQXUn/PnWcWIf6xu
+1Ni7ojJ3H5/exw32wfZI++DWTYxN3zqPNHPpfYbR88xxdip/FDWO5SRNXoUyd7V1u8RPe6phiIWG
++9JhFFdkkG5yVqPFkuXLtRtVr9YEv4lgJXYKNlD91ZYJUhU0Ix+dV+YwnBhcHGoRiZXqb5THpHZX
+uQKGJREf1hH1UwKX8MN7NmBCs9UC6drTypDyWxKab5W6ZHraPRP9uB0sdpBUM18DxRoKp+9oKN7n
+mA3mo+yyC46EptZ9L2BR9+73NhWw+8JD1MGnJKxQZa2lzsJ207MVJxRuOdHxFcL1IcrfPt4Cwh0y
++FCuu+CoNwS3TGx/YMH8YQKVwfG4mdMGrH++/jgNfHzowIt3s4XYIQTQUkE/41qPg7ORxkRPOmVt
+LF38FV5GghiLRIh4y+y/f9zQCARDlPunwMi3kwXWjwDJ1ymrblPTXfuSd8sLOPrTpAMBUH2zM+M+
+FO5zUeRIpnrx2CKexe2a/NWMxXsP/snJj6OPvj0gpq3rqADHOrgK82ifpMNON7SbzGueqdzTZVcp
+ZDDNM9tVPjueybxlz8xaF7dsB5uXAsZlb2wSCnrVyK5p5yZl9xTzkPSB+dyrzFxy9hayYlJAADkh
+oYwHHY5aHwO9/5yy/TumbPjV/vrfTzPQL865f/o///ef/9s//r//+r9+MWj76S/4t0EbkgiP9COF
+/cUV9vOgjVE2hYGN2+WvEdy/GegQ5Pomwy9LMAhTg+5/HbRZ/8DEjvmaSeYMSFvvP2SgU66gvwtq
+cc8xTKfQcn3d/LAu/DRQF5b0kMpX0bm2p3srme/Mxrqw8vSmTMeb0seo/dOF+oUu+xcqcbQhyvvn
+EjYNa+3TWG+u/BK6QkwQSGnfo95dSVduZGc+j0WP76W8lcF7JMSVS94258IIG38HQyVizG8czWy6
++cPn0b+Or1leBBFEBrIV4wu/Hif0XHVAFM5uFD/2cfID4VRL27Q6ze6hjuKjcIqBg2fxWobmhjDe
+LQqoSw78rwtLazancSRsrBX9XVi0h1JP75i0sB7r07cB43LvJ9ezWf+oh/oWGXzSNevemx7bcCDA
+Qj/IqrxITfMQc3618j5a5lVBxjxu7kXPVKZL34LJOJFScBMNzosp7lsBOREZFfxbQhegqT3kCWu9
+F2QAKOBKpQGZmHl+C7Hh1uEsOpsyQ4PYXI06TSwH5gXyk67XfripThTCLN4N0a79yunRMqJIDPUX
+P9FnTr4Ywer0omu758mwdEjuSb1ptSxaaNeeTTMo9+9Npg5FQZfUa/WAM6lxGx2aH14FUU8vNJBi
+3k2k4L5DdPYFE7O5jxgM2D05beNjUnSsfo3Y+0P01sbMSPJ441g9IlrHPOdVcONHzUY3GRXZA8t5
+HgsEtR5d0Yqb4if5H3J+DfPLq8CDQJin6dqkBmCm4/d/ehXQgoqATltyBjoHtauA/Upxaqf5JiEc
+MRifc6k9dyUX1QbdTzdouCMdaTU3LMS/fyjVT/r7S8knIWmcD8PLqTufFBXJDA4wyVRMzOheT4P2
+qB4ZLRAA8wfCK/Nr3x6uf/8jv8p5CFHWyZbUBVYA31IX56cvT69ftjNWt7N6Fd0ofy1ctFIIL80e
+g2Pvjm9Eki///HO/RkyZf//Bn7R4uYWmUlRExzdZc8D+MlNnJhdDcpcGw3WTTKQsD3d6Vf/hEn+N
+tmbpUc5klj2BZ/LzNUaGVnTst/l5sL/3sHwWsr6x6MwlpfcNkulKiPjCnasj3e/9JIdDkEynSNdv
+Pdl+06qKpkedbUoGi7+/D7/Q0fG5PEsXWIuBxX9W7qGwz2pPswqeQpwmlqYvk9jcFTVHIWcc7nlm
+Xly/gAHrrg0auwuHJfP3H+EXj4JnYugmRhJgPmmSf38UimqybLOai7N3ii2sCINzrU/upvUikI7+
+jRtpyNGpMX//U3/1+nkWGxpWHTj05uescVrGtpOVXvaxE1Vg6voTC++plP61Docm69LnuKtuR2Hc
+2qjA8yuAsi9/+AxfNCc8FLZuEtisRCzOZxy7aadTxe9n54pAXaAmx9yynrBbB6h2datbMnc/OHa5
+0znz/+FH/2Ib4ke76AVdQS3gir9f9cl1jaEgU5g4yPsq1z5ee4vtDvbVgsizVTdUwPEwWRcX+sBp
+UbOfpILSDjVGEjEvkcJ8+/1HMn/1IDg0c3U0pAYxGeoj/7QmBKNHb9bRsrNex/g186sZaG/qnaSP
+sYOLzy7PrD1sXgKR3DPN+W7pe3QDHWe+4rLwzFVut29qS/9YOC37GGnVhTOg0HOIZiy5xX4GLDCN
+j3EN8LKw1uGEE6+zdiWXn7n0PbKhJ3NaClMcGJ8SUknGKEsCTKdvVkU1/Psv/JEp92nd9TBpkqfG
+I2Dx9v39C49JU44NDrWz9MF4MrKEYKatrZkslDS6d0f/R27ZaN8n7+jHHV3HRuxw6j6qJbqx0LlU
+83LoIPsMrNOpXxFs1s7buGS2Q4yfknEwOdcXokO6pCqAoN/Xg4Y6iTA/PZxAVRrVzkjNLayzYzC9
+6WP5pPb+sMwfdOBWAVqXhQtrOAQsw2gNsSK/CGxFlcrtezwDyynt36CEnXvoLX+4PEIBHT7vS2iX
+2Zp0BLY+q9Tfr0/qG1B1Rp12S2k/DE333vAlqtzcFoSsCVE9tG7/YsFeWqR1dtfSx3e78ViVDpJ0
+xI5GDl+t5EDoZeK5s+J3Lx4UdNT51uvxscs4B9PyuPUiEGoGBuoVgmnCmas3myHZAjret4y9L63N
+Bz0/GFPfUhbe+OXwACyq8iYudrtUNccYat/Kzjt7sPZUYVZO/gvuqWaRW801z5dnIl7q7vsCTEks
+z5PA+tkrI0DNoBPxPCPAGVyK3JUNwBInRLoSaJtyGF+1SvuBKuiAwdVcmD3uIZRYmsUd9juxgqB9
+5p2ENuO1y9yFFxeHT0aZ/Wjpn3YBI9jGBrYzorxoGmgyvDmt1b/bI72SknDcoSP0UXtOiX5bVJlO
+J6hP3kwEFNSenAPU8wYqoUTMiVcDOziEB56nb6XLX+9Q9pUDylW2bg7B4IpoqS6DYG18D7LLwJZr
+rY9u0/y29Nw1CtuXkWfOtgjt+f/snUdy5NiWpleEMmgxdUF30km6Uwc5gVEEobXGjmrQkx70qmoR
+/R1kP7NMBjvidY37jV4ymYQ7cHHvOf/5RTBvloo3yaND4isPVV1cQ7OmCnM3lcfVkYyEfXiwUh8a
+rQ0SGcG1jaAz8/CzyiYttbr0QpNiLkI/k4g9n1bVL1gD3FuM3xPihpTSOvhHK0aB0RWYskVz9BDA
+M5mjT2YtHwmP1Sq6o6LHxoowKWxpvOE6t2+sgLACXzbgWgmgMvm3SyXCdjBo6lXmTsgveJJBmZwc
+vtNdEuT3MBrv0uJCIdoMO+SK+fh0ZaYqq694cJTHlsAcrVKhjAxMZwbWppNWLy5zhwuyOJiDJf6p
+9Mxj0AZ3ms8E23QuGnmZtLh/kR9COYbypr5LYeDp6mvKPUul6rbhzETx0UzhW8ed/Wjb9idhBlfZ
+7N8QaH9fr+BPPslP1eFMy+bXPmBgqgAAoF0BYtV8G1XKrK5nqL5QJLJt1qraei7SLfPtxyAqo3Wg
+0gwxZNw2Fbq5yLf4Q8R+8A5dBRoDDwZV/iYwsVzThoeJ6hEYNEBRZezb+rPWDLaYxgrXQRpvde3W
+EXyyKDJiOyqmRHlbnzHE3I7z2oIPtNTvcw4rAoORJn+U/a9N3J9lVJ/80Nt1sAENOkXaVB7rNH/M
+mX4X6BcwgzAmH/CAC+6VYD7kUz2vk6r6Q8W68Iq/7tbMSVTXpVSii/5Sr+cBRqlTqYXoolzIOBnz
+4k3KYpMdI7AwL5nD60or3gw2Jq107xMj35Vu8DTU48Hrk73WHaXJ9bGHaMr8Bhu64Q875uI+8+Uj
+iq7Wsw3Vxg/nqygiSYswMdwxpsgkoMQDLNMREgqEFCmVmIdjWT9a8wFLBVq3FkJbpNJNZFfY5BLZ
+kDHaVGTlF57N1l7toBnUwaloYUeAyv3US/PCn52z2CmvMz9ArZPGt4bZwiMNbjF5cZGQ0cqgJMKx
+xSWbvD/IYlx6sqnGT7TL4quB1jetX92YUT38gd61T1MY1VBiIFsEI6zErAsudKtcDQZaII09YRVG
+1aWc0d6uTiaw7C59itrkyRyNq+wQRduss/t1ZyO3t+afS/cWQdqA2/8MHfmhzV6ntPHW42T9KdZr
+EQD8cscpVxDWWyxST46wv9Usmti9oxUjsRaBgK1GNMF8QFxF9lmvFktbnzEkUyN7Y2bj+aCCImeq
+eaYozU09OddpPGlr4mnSPygXfo0FRynBp7IsEw0i++eXD4a75qx6AcpNMtT9tTYOj2pZ3ARswat6
+UsRkud3LiSSr1fE1vCTF27Ez93i2BZgTt4wexmlLC80QP9BfG818/n358ysUJC0nqAwaJT7m146o
+aJQICCvm1lFmJUH5JO1fbJunWdCZmtHf76/3jQUCFyTlmRaM3ECkA/98VkbRG3GNVf5ppJSQWjdo
+tFvDGe6HBqVcOhwdZT7KcSQnjo86Hp7vHnbWs08SkDCz5pVa/QBl2ssvkK74WjhC9x1rIOUK41vk
+mKTN9eAlEGOH5tyYbJSkFCBNbD5i0sYMcktITvyHL7bI5r8uQowHUKnLHVW/ZsuZWlIrtYkaYjnv
+U6V8IwDtap6rB8s+4l5xGrCHzVWGvbGfXoT9rGxkI/397f32VbBYapC9wA9/qWZTp+rbMTfDU+GX
+P8Gnt8HtlA27xqtftKk763mxDfGkZSG5U/1gmu6+ydZ9kj5Jm49X5Z96bvtXcRItAZ+HElJXXeur
+y4EWwNDMPYJ4HK43p9W1bBrRIIbhcPqYgDO+Ky4MHZPhkZonDDwFq8AIHgmvS5PrGGYRyVCkJ92u
+FiG7rQbMXbG3Yea8fJmU5YobPn7pbgojbBXaDIHY8lT5NnVOrB+R77bAScz4p7g56eXDGJn3TWO8
+LKuqbaJ9b6Estd03zVHOR8q4EUFzbYdX1lhgux4x+O+PmR28QBovO/e27/QrY7yPU+PcooTDaeXM
+Qynt5ektks+NFSEAbtjETcj6uXtTu/6+HN2PPzztb+8tE332PU9Vf1Hh2GmKXYxnRTif2GwpaR+s
+vNk5DZg1SKU+hXD+UpIepZ8oB+NSp5zJs+S95+DuiHwjdVGZ/rDpGfIGf30RHFppcGU2dufrG16N
+sel3fpj89aFs4MIIwZM6ettGzwiFdLY48VOGmj3Da6b6mWu+SUkc0WXimvwmle9k4gDsMt8JcFiW
+d16P4h/D0D+RmPJmOdH78jjNyrkgOYAitJrf1SrHHAetapxcizOnn0T3kRymnpyzf7rxzrffErEK
+5j4EDNJB/nMfgxk/5klRJYhwKfzrxla3VO1x3CDB7tWNvytsWIxBWpzqcNzj3PJYFFNIQFmBMcD0
+omITpmbDVTj0HxlFuOmjwVUrYzeqt+SMoDcx1GOa+zfLua87+jbm9vSwUKkd3H05YxdSlHgjWMF0
+R8N5Lu06OTzRmmXI/LuY7mrX3jaCXDKNdbmLGRMoX4VAwbxJlr+fwUga3AeVRZGaDNIEsnZM5Gt0
+RNl81lD2VebHhJ4SAvJPHUgo9CV2qtKujCrCrYtJ9gqZmxepl6qHLXJtxofIGdjGq3ZVIOZYoYFg
+gio5r8J2xRHjre60lZfrzP6xhRZ8I5mmVxUIpMwILlNIe6aA5kxmRBLA7/Ve0z66MNTmqIvDc0yr
+tY5NMtLawNvEM6dk7MZESzjJYWB059S6urEVf2dN43U4jxs929F0wucCUe6DStkHvEWbmSxuypA+
+yp8V6IFbxwrmfUrArj0WuE23W3w13rNRP6bg56WH9xlvEp5CinlkbAC5BgpI5oz7jKNHWtSsHi4y
+zTgLOhXqIueS7DiZiJZok2rCv5GhzBeGEm3rEAvSpFI/LMTpc4QPql6+Jp15I+2MX4gJ53Dhq8Ur
+enkSxKJDapnXBrFPK9R4j7Y7fsBJOSq2Wa98T3+vgvIySsvPsUgufYy5YuQdSqa/OS20GsUBhsdn
+6rXyNmPq0FFnbyFomsmWVpn6BbR6LHo0mUybyurTJbiAfAQjoAe1GecrM3jD1MI20AUOxmEBYhEy
+maTG0n5grTB4hvOLKwqSrHm3LLUhuOy9cB9mRr1iMHwXUo6Tx/oyZ+mZlcFSD5vozFSGtymKb20N
+H6MQGiji3h0KJAAN/iqOpUxe/fBZxRWgmdaOP+sHTYvDy6i0g0ugc2OrZ3m3Vssz/E7PGRDfxAyF
+Wwa1LXhTkXbXgWa+6AFz6oRzI3AxnAui8L5Vw23R6gyLg/QQR8NPpzC6VR068Juyerv8B1hhvhA2
+p7QTVlBDl20oxZ/NcnqjxoSxAPbjlP27Hj8WbcGrhK3QAoi5gGEe/4Lk5X7Vl/a2dke49MYLshxj
+k45Q3zyPWmaO/LWTEMNVxXhA45uAGbM3lehdaPHzz8hX65U7CGkGwc6Mczz9QIB6ISOWYySvVenY
+T3KyXlFAraIxu7b8BiMeYMAcBhFEvkPq5w9S8jT4ieXdYumbES5OoofPLKErsw3m3jaKDyAoBefz
+AGKxg+nzSlc7riE33za651TVrtuGRsEhO3HsUtIZpe8elbe5NI+qUfgbWb2xEXYrnydQ1ePG7LTz
+2Qsuyi44U2asxgTtcyvjWE81tJdp23XKMVQtLDm6aF1hXRJEtbUV9Mbvxnxjsq93YABhm9GE1PMZ
+1M2NbDt96r3Lb9XYr6zg8F8UxHqySO3PaPY+4jo5GlOO98qcvapldNYqPqR2R/mrha9Gm29oi9rs
+Hk45RFd33SC+UnBg9kIIZXDv3p2yxe0D1LWbnhS1qdaJXRyyrqvWQTO84KxzlSl4YcttbBWcLbto
+C3/9zp+sbWNj5GY5l+muS1lOhQ9PtWltZ42zQj5Ao+3xAyzwBXTxB/TEKLDAMTAR60AbnzLGcs5Z
+IbaCyAcuFXwGHfwGYYyLbT/eMNkj9A8sTzAm9MSiMMCrcBqIJSrm4TKd8nWuOJj2+YcAd8MUA++o
+N85VP91hW8Mzs+BVYSDGO22SDKFZwbtTD816iIN9oigGe3i2VcP0ya7nq8gPXlq7Izgs8y/H0bHW
+OgNUjLConS1QTrcew3Xn1IQUlv64NRptNYw4MQ0q0WFm9zNiHlm0Q3uRGjrOLtD5Ef8dhzG4wIL0
+lCfwstImOc4pCjyrR1ijnEdBeyp7xd5kg3e0ZvOK4FvCnkLirIk7WBHWTMBCR6y0O9RwXrRNaVjj
+FpqveR/Hs7UexV+jw2gjxnCjx8SD5Ll9WKn7Aiu9BmMOitydwSbexN4FER1YgGDhYXv3iRh6TBPp
+kOoZ8PymwvBDfjZhAJJjBDJY6plZKBdajcmTTlg0Cadh2ZorpsYbq0WCERkTQg/WUx/owXri7npO
+fpv57bsN02rS5yvXiw5lo3EdZyNgZ43wz8PAxE4+GgwJbILnzM64KoPxaei0U5zhcM9ItdJ78j7U
+vZJFJ7KndLF6WXcWYpEEFs0IWh6k/qZHIVRW7VqhXJ7qcddApaswvAy8+QwiFhQU9dw1/Lsei5Vq
+Hp9iiECtpW0hXCPrtMuHkoHPvlH7lmTmIHklLAsXBZJWh2IPpzXdZdxSiKT5s62fTY3Bo1r7XXs2
+Tk1wSWIwuQHmNpm544mFtqaazzHuERaLEihvbYY4xk7hgiaD9Rrm1oNq1iSaFQy7naaxz4AxqTcq
+B3qQ/BbTwHBF93atC62J4SDyG0QUK/IaVp4ZiWlLv2na5sEl68ShWmeS9h4j1DR6VB2d9wC5HfdO
+kZ2q+vQT550uCEEBHcolxZ+OpZrd+gjLeMI3S8BPMXG8Fg4SjqZ7Ds36M+gh9pj58JFM2YOimcQs
+8Ak9Ucwyr3jDyeq8VVB3CTcKeSwA5djd2AXxYuZ9kYBuWgZEI/T+EFAHKh4XUHEe7qesPxs6mKa2
+muDI5O9cF85QDXr8V2oD4ifIaCUE74wjtsDrUecmns1whwDM3WQLiZgYrdS5RbWH7xkuPmmE/ycu
+Mq1OPNG6svlAFYg6eAaURDu9wKL4oFVvidUfsT4yKNAspKjeY52fYkhdfWvg3QlVkx4QIJCNjzjs
+iFPdbT7T1rsjJ/fBdq8kxWuJk6I5g+2vxRdF5LzZdgZQHnoPHjQ1m/dYV7KnUripAWeEcG6PLk5X
+RgPHSYdCsVJHu1z5briZQ+2uNuB9pTV4EtOBNSZW3spP+s9Et27NSqGSdfJ10yMw9h3wWfZSM5xf
+JWQQ0c1RabR17caHMr+3yuEBIM21zDuR3OLds0lbFdpcsjN18rVdHiVxqcTgQr6eTeIFY1peWKrg
+zLl313cFGYCY0pMEYwygscw1KYTnp5p6py5ZSNEATTF0aSu8Y8C4Cy45aIzPaqlbA/wYGrw5aCQi
+QMkq5PaSY7yaccOY93MXv/WSaGhIupNTUD0RrAAQCbb/YWGGFeNYpCFyWvX2Jsnd22qQW8oLwIsz
+XDeavcpFMM05dhlY6rGOISUm8bRy6uRyzhB21KMAhvbj7INP5y64VpHgOCX/0eSFD0lx3yCI8KLm
+hS/IUzaKM2x5nkwhNpbu/GRWlb7apcSNrVrD+gCl57M77W1qaccwnD98g4vYDOFWDbqVsiRhtwsg
+ov+1rrsXA3RVT9Ut0gN7fl/eoVJ9IKml7Z1LPysOpqLcqdjOd36vsNWgs9EUfUNoy7VpN5/KNFIW
+j8ENiS/YujyRbHNZIeaveYao+M1+oAIqkmfuK+UmL3Q2Mf9iCHwGC+SJsLqQwhdeImMPOzYe+kT7
+WCIMMRZ71lvGR4q21XNzI6mmQxI8zsH0ieD5oHQziSHRLXRJ0tUG49Pq4PDO6ZU6TVvP624nFSXR
+8joRUoIOPnQhI5LVoak3s3emJuarlrNAUwv5Sdl9xvF9kRWvaS2KEeRpKLbvh5rMGq95KVAoSCgm
+OhwkCwEeGckO8ShIFUvIsS3ytruZ/4eqQZYPVo30TMKB74tiXyf1sZU0Wcs3c848/VnnnJVkmOVz
+1QZyEHWotxy75wshHkfZd6izP9Q7TUPNzsone4B85KZ9wmWKoZL9FjvjJ/LaA5YnByLmAjI0WKJl
+wT7LcB7ZLkPerKSg5dtSYcmShNNeTi/sPuQSm8OZa6UXhc/MCgNAt6MsdWKCmK21I3cRqeSz3G81
+AB9Jpt0YuJcItXehxXKLaHhiWW2aGWzHwLyEKs76juAqS5qn0vHUbQ2jh/Q0IKwge91d2UNxzMzk
+GHi7QCE7Gbu2H8sKd4NxHWfIuIDt28w8tYZ70AasonUS5oogOep1cyYmfWsErexKtnJjqbDXi7o8
+elq4s7AgXS2/7GV3caj9sPXOW6nuJ1ZW93IVp0BdFVvzNe32mRPLNpzgdFUHE8ISQENHsV7iT77o
+h2EQziayDvqfGlMDt3xpEmfbdtEm0vXXdJqXXKdZ9xn0DdYlluLAAXy5kswVXwXoFQWSQRRrEqo7
+aIFIRuXT+UHzmmafDQoxOO1cG30ICQpq/OyJDUXa3eEvtCrK9s5jjMSvTzoyiN3UzgiulLtpwOxN
+n3cdWbjk2f1Aanzbhv0hQvclOgHh/1te+yB6l8o7b871cBta7WOQcG6ltEnYZsA2k48PgEq2y52W
+QE6Iu4c6Iib72ihSgufbB4e/UWZkz4hxwSJ+0RSPTBTSw3p6/janosV1FcqM6j3zZ7dRqWp/ra/l
+lmBkhkyCUJuhCh+RHe7GtnsS0YKOJUcu3OXKdjQMP25coiQ4NpqD4fVXy5VEZRHr6XnvmMfKvQHk
+gQ48g/lqCpucL5kW6Tq0wreubNHoK+9uv3O04Zqy+T2yoZqPsfJAJPCNrogpbbRhzPvquqDtCrTJ
+1ZKixdlDO6oelvNDbZngF3r7OZt06fauzXrpqCmUHv3+5CjTa+0tAi3OPXuYX/nJJazi89AfzzR/
+OI94VFCqmf4mb2ExMCvl7LFD+7nS4m0x6ucjuACjVOyEcl/GApwPoEDYKoa8HRHsiXikbAv89znz
+if+ROyJr2y3F9Bm7SZWHUHj9Q1/h9jUOtxCc710J1yJeUvtweza0cJw+5OE3ylUSznTiaXtJCXtt
+Ofi2w2nnVJEnpIUUbCFVycB1RCvam+y2WWRfErlw0UO8J5zGboszyhbcGokYRJGZmt3dZEDZag+t
+GtwWlf3W4GVCLPHWEXZ25nRnRoAHVzHtzYl+uwmc43RI5/4lbF6RODb+vPwTsgKU7LV/oaXzwan0
+Y4ucxS/JMKnCm1I/J2TpLFWjS5eik/hrXhDUIKNTHI3Ye42r4tBplbVtETUekDidwqS4HjnPEIeh
+fesaHx/q1HNxwMCYRC+dn96AbREJ6+ezLXrd2kzXQd5eOQ75SiAVJYj21lf617Bldp9Y+pr0cLpJ
+nN1Hs6kvm6K9NoPwaSSTikSyfhvXmrXChrRBLKxivA2+Abd2a2XTmxWX+XoSskuXqR62eiHml/0m
+8dyeJHQka5mRV2sGcz+K2NqU1KdDj6NFmI/P9ejeBBAHtKmI17GxdiNG3ORSXjsGjtWu2Z3nk3aZ
+5dNtBMyBu8RpIg/Qdbqf+Wj8mLWRCITwvQLri8zkbRl+lPiVms2wVwO0voAr2cqK/XUTdx8kCbw0
+Ie9fcttkToTUYbpL44gEhRI6Lm20Ebsf2iVykOcWhqA1dB0qvZQytzxEMhLH+YaITJQP60KumMQv
+NHgvpsXdBiWpcjyidX1bJ0gwKIpWo2Iy3SY4iM6uX3V+dR4tXFrnEmguo83mvbYS99irAT6ZNtYU
+U7B1P5vUuDJlzOdFxNUsl8OPDRFc+SHMHE9TOho2WiUSQRi2qqb7QQewibidCPNfmiA6VkFwsRBM
+LPYPDMPYnsq5WVeC1zUEB6zr9ghHBPeVFE2LlSAojhWwQDe6CtzwpWekPPtxjrwRy9DO/tlZ9/pf
+55CmckBqUgNjC4S8foBz4E8Ll6Ef57tCBw/q8SZtsDTxhF6hCVglj7qLrM+CfKdtR808tidwR2Za
+bZOtlrviwQfJOayFI20Pbr0p8E1ed35B84p2wd838RmIjsiMnyod4YWfOkd0KsxGyAtyQmogGwTC
+7tS3sMHAzeop26NaPBW0ERMhCLyKgKIoi2fuUhjtkWqTrCY4etDRtM5Zcpqj97wmDElzintFwbWF
+4VbeEvoQDg9OJKelnexiLX03eI2QGdKnWZV9P9v61u8UjEuYYsdjA1ZSxAeZjHhpgxAt2lMhrEpt
+uC8Hn/g51SnXraccu+iHlk/uGh9kMtsEiR7MTabU56k38L4nN5oa/Bx9m32TeZqV8hV8wh8gYbRT
+jm60ph3wJ/PV927mrjsP1fRaVbMnqOrcTFYkOvJX3XtW/frTtsjVg/dHAdbQv8bPMnPyGXQLulYo
+iC6EBhdrJNl5NvIZ2jgkSPfDXFEweerbQtT2ayqAzt4JzLpwtCN5hq7vf7AXrgIymzH8VN9SuYW6
+CWCbKe0+GD8F6coBka06PC0EXKFELyyUufLw/x8OKtSoXtMePoUFKUQPwTvDsLtsA33PUBlkIOfM
+zOoAy/3wQm+tT5mchkOpQRxTiOuL7rPIe8ZP+Trrnty8Y+dnX5H7FjoPfWee1X11peRYPMjPZIaU
+MS4Km2mj9cm1YHDuVF0qXYOtx0hBUWEyGwvxPX0Wtkg4GW9MaU6d0j+nQK/LdC2MDMJvq4NfKVe1
+Mr7nRuWAonUa7QgVfTYzsBWGN7reszzrP2RAZYG/B7370njpaiwMwn1s6v4MK0lSom80ZJOKSb+r
+tODtTRgccCZ61OSPYOvyURbdjyS+EWp/AaPfbHj/nOF1tKjEwrTal7rd/UV+kTemKrTHKDf2rqxc
+1kOGrjj8WLgspjC+2Hz3k6Kea60Pdthk9wwI7a7glWaGUvH3PeYolQ+y2dBtB13ylpv96Q/zJtzX
+fpmpkRmgYr4GQ/dXz3a4BVMxQJgm4/VHGSVXwrQMhuFkQnCqFBy+he6BT8hrysxA1snvP8A3RFUP
+pqqrWyJCcb/SBOhEEOy5LgKOzLqvM+fHQpkzG7Awmav+/mLfMOG5GIR7B+cykcn8c7QGBORPgWHH
+J4IZ9yGZdUJ5EZaLNgGy2rh+wFH4/SX1b2ivHpwiPCZ1eN/aV6ZGNZNA29Z1fEp8EzKLfea32kmG
+yDJcTjkSEyFLuR4csyrDub27TToxI6/uSn5poZnI3FLIHDKiVOd52zka1Tf4QhAxdbOwPGEUWjrU
+iQtP06V157jHaaN1/o9l4v81CMHSv1kvSBcwgdVUcLyvQ/eh0iLLjXMkeIZbrqUaiEP7LsinD5Gv
+KCiXs6phOl2VD6oabZHLPihVgje1gSLPhCsYnNVJ/Cmk0mUyr4CI4MadOl4jhtaPcWl/BNtFF6HI
+pjJQ8mcJfq+4UZcVDpQjrWKt4ZnddtM9qRSbbjSvQrD0xhiv8PSQ3SvIKnTtaGZktm4n8VaesUzS
+TYy08nbftiRCQXn28oh8DlsHU/Guf//cvxug49Xq6BDf9V9FF2HTto2fe/GJ5J9itdCuSmJl8Tp2
+/0Q01r57h5jUq4bOTNzUvs7F2xaXgxTnjVMWO8UaUQyGXftQSL3MakBxZF6aVsHe66ut4lQ7uVup
+ETabhdE420+Q8vf/Bgn/u9fNY3OBloMOBMnaP1+3zLS7lBcf8XsCRivc2YUUa6n0BYOQdHjLZUv8
+/Z33vqHde+jYRPcA9Vtf+DR/I23VLNtax6T0BG96WJkOXh79dB2U+T5y1B3DibtYn47wDNbqMBFt
+yLq1Cldd1Yh4VoN4iumf2UAHLJPvWJ8PDY5lwhXWhvR9Ofl7b2WWzuMIaxS2AoRsiT+tP5W8hRuL
+xB1dQx4P12bh0olOWJBwmlXhD6zFtjKiF5q16lVnk5vtI1E0yX8c6VEBYsuI3Oy7A1+L+SG1stUy
+CBBG62AWa7s2PilzT50+PAlfGH4Y1T30+AzO/FK31075lBP2UZsGUTPToXQg6MYFSIqOelteCV+o
+5lLl9WlxsMGP7Bz3+PFhKEkJgGpMOurembrrJk82wncU6mdnmTvQOrcNSZ1n9pFNmbMUWwuPC5sp
+Rv94qUcG/fHvH+Y3tEz4J7xGnsYTddSvayi2mzlIbIMs0DYnl0iG3ASEzGn9IIQ3TEYejGIfF8PP
+EMDNR/7Ww1C02guh0bjxCGbAkJJyBUxaYQnOz/8GWebXBcdnhJgC7wy6vLYIAf624AbMipsus2ng
+W1ccK05CHSe6eqVmwb0wZPzE2oNWPAgN6Q/359fz21M1lQMUmRkBXZ7s13+7NgvAwiR4SE7e1Hnr
+LHEefHwt+yA4Ga62tSfzUDFKMcy9FJwWXBc58qDe1+uFrekhiKb6ZfqmdNgekCsLsQcN570UXb//
+qLBofzk7+KyI0IhUEr6W/pXZMo0Z2pM4PRm4eq9Ldfzp00lOIkLuNKxeFnqoa2qPOu6hTp4wPEWV
+sZBdmaSQpa1hSww35Vir7roby+KvWjHpnCusIG5z4deHJdRSBLQVxpLuX+VfEvr+fiG0Ynm265r+
+QuqMwaKo6rsRnjIhvkFLHlmaW5eOU51VU3fbeP5PT9QnSjIcqevwZnwRUok79rsiVh6bKHgdbIfI
+0sF5W76ClQWwannCfo6Hte9c6BoJLF1+4bb+Ks/qQy9c9bqu99jerAqjuOqFhOTa4S7BWlmoYKhS
+HuwofDSFLGsSKV1W9jmystu8fMFN6g78nVkS1ARpTFLI/UuZSiTBeecGN4XT0UJW43pqMfOLfW1r
+NWCoQVe8VkmANUKCO5ndFzuf9JIBdYHDpeIq/2FIb5nH51XsfwYanZq1kM6nEkMb8f6ahyc2jo5W
+MLTQsktdlo4aU340AMLxSappwPC02vdwINZml22lvhcFbsmNBpr+SOb2XunIqpB+OzC19yyjdHZj
+8+C5dFVhdL/wBeXtxnA1X8+m+5Rla6tmObOhYlLq0X8jynDZKNYjbIs5LtdBDMlLh8AgWzib93Ws
+YQOl3nTmSBCmfZL9W1g/fg6XveC8V0LlSeI28gzuOQ9TenTZextgEPllW1TC0l0t+5rT50+gL+0T
+QdW30hARe6FugGduBgxHZt9cpBQLM4eT5klYGmOWb1EikF0xntyMeYMW/MBn512YBIXe72OzxDQk
+xMvPOBNSwkJwwAHUVautWkE3WoCHoiwvdcwrZiFVc4xvKsV8STR8BGylwMlOmhsbWv3SBEmbFdtG
+v/RhnLe3IGrgAwZu5r36igXInTRXU5Q/MmqChHItbar8CWngtDZmSlf6T6HX752hR4gUXNLDYoAY
+h2TVA8VIw4TGmtEjHuDTbO0wZUr+qsDC1tgKXqHV/t4FL0pdzE51oh1d6zGN09fB0i4jjg+yr4SL
+OT7L27F0xxOeo3rRv5t++mCwnnM3J7eu3BFcuBNgQRr/aohAdYPLkSeYCIvMQudT89ppVXNtOCle
+GTS7IntpsZk0nGfZaWX3EL25CK6X2jn1rj2JEAhCnxQXeR9EBtWpRER2NQGCHlxF02vIPRWghLpz
+jVv1Lsy6k93HYEggPEvLzKCXN8iDqhLOW7hif0nlmuYo63NYXuS+ufeH+qMzTXLY8amaYufdstGi
+BfroEgKxbfGHY8z/EOfBhWdSlCmKrq5tzNujUBe3q/xtAUqm3PmJsRCjfTQlTX/d69ALMMd4tRID
+r1XhM3lT+p6qw5PWzacobPu1oT6ZHd2+kEoC87O15nM/Tx/U0CXINmRIotgP9Zx9ZCDAaIw+F/2z
+tOBx7zw1/mYImmjDq2qyZ/JPpXdYhBjkgD74anXmTcZ2skjTLEWgbbAp8tINbwSshPM6yqAHTGPw
+DK38KEtLeJTOWGFPmG61yTqpcfNzAWisFliZM1JrEYnQ0i+9QlaGL6YZXMRl8yr9/tB91hlD9gSl
+ahdhDmyZH8D8wnyTyhXm1cciMBGaDoljhEA0gCrSXRQtE6rJ026UEAJhoSkVXjq4MYbZm5InzB2j
+BlC8Z29s3xXnR9ex87clasxctk7D0e5NgLH4GmWhCxsgf1QLPGxib47XPS5SoMxAhlPonrfNZR7i
+i8KaBqk3WhdfLW2bJjpT5AmGhPk2O9Wjbf+AUGOus45x8SSG3FqHH+uknf3+ZP2Vai/nqusamimJ
+yl/r/yLm/IdFhh9AgguQUNwX7CMEstX69IccFL+/4DcdBz2gismhVNm4RnxppLUhUjObvFQaWCi0
+nqK8Frlx3km34abVE9v/NkM7U8QtIgk23qGbz4eukQQCqHTI2aLjpIa7P3yq7+oww9BcmyQ34hy+
+9qZEbU5mHkKUN1RzXNtdsLVHSGbSg7o8zEK3oFuKBMVG+QrT8g/85G/E1lAEPYenYBh0Y19b/Yw0
+II+olOTUZoWLfo7TidZ9M5MdZTvZM1ZeUEnmo5oUL4z97h1+9t+4A7ZB12NgF0mY9pdqsPQDHQ2h
+TX51U11Ztr8S8QVc6uuuao+dZh/sejsK8VIA9N9f+1ecgy7XotvluyP1/vrlw2T2ptiFldwhBRQw
+R0nz8wagMdWGMxFJ2eyPU9P9Ny7rWKjudcv1eA2+fOOKN7RTsYU/CTYfM4SYrfQpw4i3naoa1DJn
+EIvsnlPo91/3G+cRT3WQ9xqqpWlYK3x5BfIsTr2kzwrUTvq5jbS/AoHEI/0UQ9kYwOKT3D5ipPwu
+uHzkh09t4W/DWDt3Iu9JwMTff55fe20+jmdhOgKWh8Za3o2/9QGwfFIiB0gul1IjsuYrObflbEow
+eYUb+G+YPHxjtuBpOiiQR3MGT33Biv52TR6oaVBkZKe6Um9FgCGCz9lB/gQh1EGBKeL2RPWYKvyx
+m/jm++q8YfJtPUP7Zbk5BAiEsx1nJx7Etdfl5+I206fRrYZ7vFbZVwKWLbf4/xsZ/RtGRjzjv/73
+t1X5i5HRf/2v//yv//k/vjcy+tsf+JeRkfMfnNCeafPysFO5dLb/Sgyx8CRyAIMRjnHoqmw1/zIy
+IhYEKwlcHVyVB/+PxBDrPzzHJhHL04lkpL/8f0sM+WV96cBHLG3LtCSI6uv7NFZ+77dj6x9V1hJ+
+psh5m507v1qBuS2h11T1A7FnqUrMLjY4CdME+KkbG78ZRpurUSsOlmbdRuEfA6m//2A4WjBY5Kj5
+2kTPQ55q0dT7NKXtIUiryylrdxiX347GsPedglLN38oGiMpz3WJUrRrWdZW46xyuUk7Iqgdvi00c
+uOuPx49stv8Q6MhNowSxEdCa7i9AJCSyZJi9wj+2zXbQkzMkp/sx6Zl+dMYTOtV3B3eGRNGxJ9D3
+ad5f2+EfSiHN+OYjWFKSGKa9eAv8cx/0EVvmgLLKsTSSXWIUSJtPZKiui5c+j89aIixlNDO1zbEc
+6nP5LF79pzCrX+oxbgNeVAbDNrkLXxU8+VwVDAOy4AQF7trzyi0YFoSXZE/2+k3p1X+yGvql7pHr
+/W/OzmO3kiTZtr9y8eYBhBaDOzlaSx6qSSCTzAytdXz9Xc6eJAVI9GtR1YVsMpQLc7Nta+uKTRoI
+ksKnBkGjD2Wa/EH5I8udtjYOcL48I6ewQMywEGqlApR7UQWnliH7zwQ//efb/k/aJCeaBOrqf/+f
++tUnN3WDvkRcAwHNiJzPP3sAlhSWZGaldAQ2sRRzZIjBuYf7EgRUWwWHBJZ7rtP/X0sLTQI+gkem
+xOkPPRyyqhcEizt97CH8NpMqB8LOLqIHjTXhV12+v1XlU4QiXpNBYxWts7RTfiQyGUMSeI3NrSZq
+u8mi5kirCyqpRYEJaQwGRhvWRu5PwYxhMuvO6Gy95gM6k6Jbxlq8HHFYG4M/mp/NC7dYfX9zn8oF
+KoAYXIhVBWs3QUl5/xrLoDd6EwbXqZeARqbuvslwqTWyH0Lkny4jvuY/XytOdfwtSiM8wTXeQlWn
+58RYmJ73QyQsYp8P64BjqgRlDosnj/PhMinyaIhTVgg6vmUN6qnwRyvH83ahZ/8wAD93xxKBqZbF
+BkITpUY48v6RhHS9lxE0n3Ji7qQ0d5IkXZoENjQg+JQimau6Z9ZJ3Ni8DW4bu3L8qTf28+NyC/Sh
+gr2D66+9nQv+eauO21RQsyVy1Br0ZbOgQYPuH9fZYwPyX4+T95f68GY93aUP1uBp/UFdNzQjyZZ+
+sOLyp6rlp7SyeKuOQp8lcGsW0g/Rbe0lo5EWXnyqO6pqKsatY3GO6+GRUza4illo5MsCmk3jF1iU
+SCs/G+mGwH+27OcI1vEjyuZ97t3a1JrEUbkuVHv//YzRPq/0+NxTNkbTw1mUfN77D0/d2IFa4Cen
+KI1uqHLLB2jeO0cyzziILsTfQ1QELdYdQ29dK0HCkIuD7IZLMDy/TCtfaaQsaSbZ0DuF2m88VRkl
+gpZGA7NH7R9sQsk4m29rmXZo3QBLb5oP/CZ+pKDYpA++291//0xfDmb2LhYCOtME3/H9M4W60Ttw
+VBMqZlhhJ/GSCtqsaAk0lDuQxg8lNKA8gSpskLZyg/IYhv8/80nTqVWrwq5N+Xi0r8oiqRXHjUEe
+ABT042fDuUsxJC5jckTeSellUQeaaq1GR4G3++nyn1cojUenZoijqaYZ+odzTGAhcVbJCJ3iscTY
+o5z6kYRQLt768jANc2Pmj9EsVoMZvi21B/zJxsXYC8+URc+h0fwwD778IJTvDYtoDWu7jykFw4CN
+Q7eed2rcZlbDUc/zcdVWTx07qUGSnh6taefXC7GzWiipw+ync6aY0e/XUhYUVjekEbAHCCreD4mE
+/bxr2tQ/laMydXV51pjkNtJ8lkvZnAJhO9eRgFI5QFbYTgI1XXw/Jj/vmhpDgVIqp3p+iyY+2D+L
+WxCQ/lLVzj+x7KAzM2YFwcxQk1mj0Bzwz2b7UvjO5PurEq1/fux/L/vhsXNVTQMMh/xTj+nxOBR7
+3Jgy1zvLvjKPhnjb6uPKwkpIUXG1dr0FRZZdRIFBMlcgyMtSNOpMnquYmYyytOQzUXpYi3cYyMEC
+CdFMbuxJm+RzE1Fh5utLKcqnBf0QPTQDMbI4u++G0pnknQ5qDDQOXfhFbdD/hzypoZjmutOeb1CU
+zbYOxlUY1jMyofNQNK3EOX0zwcajC2fk+kYbLDpr5foUgKKR2Aw3dVqsfo7HPoeeGnOHT0E8puiA
+x95/LY/G/bCyLZxEUY8VXrDAmXEd6cp+9M19U6XH7z/T5yyI+u56H6cr/LJWjeipPVVDuFYqj4hK
+U5eyn8zUoL2moURvmJJvEs+rcCswj41qHVOVQKqRH4u0OBRhc/rhlj5Hw+RBLVJ8GKprGJt9WEMJ
+mnKvzp2I8k+JT/o1TKSZ6B7zFzVOr2mP7i5e6LX56/vrfq5U8yoQFpmOA/1W/PX9qw/rRJJKEBin
+0ZL3YVRuPU+9Lw3EKSYW0EE7L+Jxk+V/Q7c/K2M1T/vhzqzWUQgMsIqW4MUOmZodg04/KK2xcL3y
+4fs7/GoxIz4iNfqWtvm0Y0YFaarGBsmSgVBNwuDQVxaGteYi9PW5o8VskOzWEOMmymicjVrZMA9+
+GDHi7b9bzjhLczJje9FVA3HEh7eU1n2O9xnre4l1Onbzc1u2DiFl2MxLV5Jw6gr68odrfpGoIjVJ
+bpZgiAWUHOX7T2Nn2RgpdeSfRj05iJFqB9Fcc4KZG9r7UtmU6VyWs2PKLXz/ysXTfHxai3w0CUoH
+bMXHLIJe0BrCQYzDOuY7uUSq3JQOWudhrKf9ENqrn0I23qzwZZVJxiFx+5j79Sw5i2jdhRfe54u+
+97d1OMz7KN27Khrr+CyiHTsC/1tCLgias1z9qRC841p604u4mIxeciRloOeMBdOf0e2+TDrj5fsX
+8ml75yZRBHFitMjifDou1pGSVpqhuMdx0GYhFl8IkOfUaBffX0YRX/Tji+dAhfTIJCDm4Pf+iweJ
+jyZPi6RjH4UH6uw7jGPWWRkd4A5PhpCNUrlPtfzsl8pq1FpUrXQHaneSk/z+/k4+h6k8MQ7tKqOe
+lDxrw/s7QTnpx4rjS0cjqR7Uwj+0NdIAhkD2V0/0316SsYv0B7rh0AMPW5OTppJHuzyVdmR48DcF
+FluiLwIGX+rpygfA1kT5jCwPNtz60sdihV14TUC4KHDNUz1jn0fdIo3kQ5p5N91gF2Pd+/6pPu3O
+4qEohJJmQ33Ccvf+ocyulweVjsYjNpPLoMy2HQ+l4RXpD9m0jKu14iNd9em9/f66n5cw5jDm0Ax0
+KNHGJ+4V1uh1q9W1fzL9nrOJher8yS3rhd3LKzRP8xrhn9LuQ4wwag4BiTH/4QY+7S7cAJIywfol
+t/NJbxNFqhIz48HEldquT+O5ax6GVt82RrCk8Lr2zPkI7sxwf8zyOF+8dLBLNm+eGh9/+zimaXJt
+TaKLk5MFD5Whn+vIQ7vs2XjRUddmMadxrrrUdXhSk60dWAd/SFal5m2bxj3EsXvCkHEqIyxoEhTd
+tuwd4J745lka6oOSj6ds7I8qxh8NJVVhvJlKe9/G985TFo2KD7ulPokfCulQiGp6pOR7TfJx9cqO
+Uly8el704CflXVnQmrNR/HjVm8OxT7Rjlo+/Ers4Rqp9Nhxvhm/fGkDsMsNr2A3btVO7J71RWxqh
+UF2bAZJPJXeB76DUHJ0JEtpNHti7xVDyJ7JdvULxAxw59TTn3BsdxhvZPkK9HjTVeaT8V5LvoyHZ
+keSZJyMJL9Pg0Sr6mQwPFRMvUBLmNvWW5kC2p9WNlVzUl0yFyoTpMlwluvo4ohy441lZYwiXyvuu
+HZRZXSIBkIf4VQucpZxVoqVq70nmNveaRR4kz3RX0CntpfvRc2iuiqVTaOOaUSBLldYiDKoPqqRt
+ddl/aDA3moLWQ7JVzFNvLVUI/vjuF08a7+k1/sUEnCnNzpT9BfIsWCTaNTd1upea35linaMSygGN
+fUER3Ikf6+vxN8DfU6AmdyEilgpfnlAOqVIr0BMYJm2SLLHsmGUVoFNfyhay2t/EB6dZepe55TJ1
+oNsVyn7Ao2ky5sMqd+jp1uU/vtmcnFx+krtn2Q6eZKncxkp+dB351gOZybCTDzZKDvvT6ZAq1sTd
+LjgB4pmFSVbPTumY66K7xDe345CeDRu3IyWcyTBwm/ZWmsFZKYVO0n7yZWvZeOANxEDjd0lVuwRp
+tx4id4kEEXGDt0nyaC1eCt7A68FoT4UUPnqBdvl+mn+xb1skVDXLUtin8CB/v75BCChouytBi1X2
+1G5AwuXdXK6hyVre7ftLfREQvbvUh6VU03oLTTdhYyRHD4iD15mKVTGXM12Q8ZW/0KLuh6jky4WE
+FYzcHJgN2Hzvn470Rhch6SEf3KvLxFj0DNk0MFZpLWj0cPP1nMhc/4nQ9+lsIuKvfy4r/vyfk2SN
+NVWI81Nwwn63ru48X1sbibOM5XBmKcYPO8WXX/Cfi31YLHM/bDMFL4qT0+t30dguJKtd+YF6J7JR
+//0XFNkK/qOzI3yUfw4qWoSooBvbq+VZbe1HwhkRV4jzuKn6Z/Wn7NxXMYVFMoLMnMq/P1HdUU7K
+saFCTu5lHZacfcl1CVjWbRgfx6rH5Aorv2bY+dXc0jN8L0PrDIdoA4EDJwd/qyKBcbvuLjLGY5nS
+EUa6sjbrlTrEOzC8i2botqUXTzWNE4oer96WBSymfXo/naKa69XVqrQfBqX+xagE58e/kMvrn7c3
+j+ZgR2kq1rBY2ym1ks6iVo62b3+p9PY5GTKX2ALJYNfd1FyTF/QgupAcaTdQlTMObkCM+qVcGJu0
+zlddlR+ZeEu5Uw9Gg3A5T6Elj751jI9GY8Mg6reapAh96YTSykKJ0yvSticXW1WbhKoZDPNOLqaD
+RYtBWx0rx7mNaXNRO+O+19utWobdzKO1z7adKW2Y/hr5j7Ux+opOzyL9oyP0/H6cfR7SOhUtwfJH
+3CHTwPV+/gT079uVTQ+XQYge2uUlStrVGCaPXVn+EOZ8PswyV0WhhHYCJHPKx+Tq0EhGWVSaf3IV
+YtRsVtNu2LTlI/6acx1b7TZZ4TQzEy4eqa5upaKbmkU4S5W9PuRXOUvno21MrNo/I1s44H39w/TW
+vzjtIPvgpC3O3ARiIk77ZzGJazd3GrsQViDwyn3FR3kVAQjGRi2OVi2FKKcIKUA2Gz0mRaWtEStc
+RjnfZ+74rPfLpDEu7ggOi42SjtKTVPQbm+DJeQqVeqazKepw8oYEgzfWqJIQBN38XalCplLMpSY/
+i/18UGEHopNsdGRXQX01W3Nec7wMHZ8mnXzx/ff/YoJYorSJxkilreRj0K05VRKPVeafCJCWmT48
+ROCJEj+894sIahAZeSk0jkWgXL+/7hewWQYD50qubsmfYbO52hF+JLl3Kqpw09IvF+nWSWT/MdrS
+QZ2rdrUMLG819O0Ck3FiYHArfbp19Ghlt3o3jUZrF/XtOsBF+ft7+6K9ChUOb4RhQNnsU39AoNq4
+kUuDd7K6bm1p5SVAzFhkycY1zL1sbpsIhFTUHey2WkUKBQsIiJzyoG9Ic7FIYxo7H91sYZJL9FW6
+uGt2XywX5X7ru8bZiv4waB59jjhWUF9StNmB9MN3VT9VMphsKBc405D4JuD4MJYz2vOTpOh4v8Yg
+YJ9HcRCsTWPW2dpZHABrpd8kKZJiFx1C6xwjz7i0Ub5GFcsJf/wN9zktWK9pmS0NlQDdmlYJ4ANa
+kaMm+SEn/nkZEnfL7Eb9xHD4uN35pZ4HNUlgRMvAYC19Jl6j+G+eGj94Rnw14k2UBLomMMKfElbw
+6wad5Ld3cstqr+H7TofHoiN1IoWM+IbFp/erc+YUf74fVZ9LxXwRQj9xymW5JaHyfnVxlMgbIAQH
+p7QKlmJrTKS/uWOcoNAfY3vTNOYBZMlBzLl4PNONMhVxauFqmAKoW1bENUr9dTB0S837IYNifjVa
+KMsxTmwd26u3Lot/Vj410wGU4ct+cmp9UVTSIdHwuK38Tdi0jx6B/RhgZQBZRW3Lg1gexDahImZH
++6+tVZKSiRvOR7M+mb1NXJ1fevaPpPeWUqsscgMDYkhNSSVvaqm/pWY353O/xdyJBBgojKp1mbhn
+awCZ6MoXNW/WYrnNXH9mczDtkf0T09KDZk0l1n67LJ+8JNrhTzMZ7XJTmU5Jz6I+lzraNbwuPYqQ
+HxLDrZfqadG2a68Gh6IEJzMo+knMA7RkIcH+7TxtvBbhNNH7H9IZXw1pFjdCKoO0kPmxhhyFFbno
+ioBYvFKw2ieRDO0r7eDKwQ9pui9Eokx02aRcTXr6s35HM4veILngYykPxS5HqEcpz0E7pAbRlvpA
+0jebpjMXyqsbmtPvx7UYth+yYiwyRP0EPvJnfU5j2XXPgCd5YQ4LK072tAbSDNEStWILSjNLFGqz
+7y+piqPSh2uKFkBEeqaQhxjiz/8Zrj55YJmI2D2Gtr/xQ0zELfgHgX/DGncldo5GisFYgAehuyCf
+tdR5JDOgi9Ffi5kuk5yLuSufZZ0OsUthgE1odOmxN5trCBUWo+LYcX666y/SPO/uWoyYf+5ao4ph
+KA2JWzfUVyk0y9pJpy7yHVBJM9js15BGOc9nrrN/hBoKV5hjQSi4dvJWVH5EbjNrwkMX4zBD3mU9
+SMkPQ+mL1ZHgCdEnRXCoWR8VqNweTM2KEpnqtBP5lzyqUzHVc4T8EqYnckJbo/5fa400nWY8hq8o
+0HK++rBXlUHp9UoqAIJ6dIUat9LyaikF5tkb+qvXBg9tNys7eET++oeBhIj101BCtMPGg8AaxYfz
+MSgF1a26YxokJwaEPVHggIw1JnVwGGYonG7CxVypaB6IskcVhpKsP5KTuk+L7qHqwo1vS7vAFzRr
+H9dT2jLLWsomWhROGz/DvbOf0pFlLs083Cm+V0BA4whkVyIXNsBnkzbkYbJpGOvW5M2tthiSTQBa
+P/b6X3bvvuTmTS7tqwdTMs5+p+Xwq0oFQ63Q5mBvXoYB8MWydfMt7uQzJ6ajM68vdFB5o/v8BgAr
+1HJfZ9pMGVhmC0FVC1V9OYz20qEtZxLL7W9Fpb0o8/Atpzcl1eUHGdwPjLUNbubLFLt7cMD0WgMi
+SkYoBvFIo22tN6BuZ7oC9hgu6N5LWJ+JbkZjUgzDrc/zleu18zwqn95AaWSJwHiF9bUmxZzpNHuZ
+HiXNodIVrPeAxvmas+AwMgv1+m+rATOsK/8+KqynHjp1Gj2MxniXuc2+k+na0uwA1Ay4rjhR5laX
+/ZbwIsVaPiEx5Lx2OG1o+iFO6m0laBpeNby2Fc7bWW9CHK8utjCUjX2U9F2Dby0NWyBaTcR0D7V5
+9q1qSxlpknpQ+Axf2RWds7CsxpxheEsese8XUmtaawGa1qjAhoq9TYJ5rjvJRFaaQ6drWy0Z7k1r
+ODWyt0erYgSQOv3MvkhtxEvtAVYlzSwPjYkrkdcLzaudxwLsE88S0LNZIt3ZQfHceQm1XrCEsKbu
+1VfXdJedkRwsY9y1Br4hZnjQQuVYFdJvZtDUq4cziKKVr2kvpAlxdtfcft1nRTaVQndO8aw9qIK5
+7prFAp3GQm96CDzSjcZAfyZ57T0m8zxh2B+jfnyMKvOulstlZBvrvEmWWhQvwPBtjNTcI7TY0EZ0
+SWd1U3RzHYB/odYL/zHUu1UsVWvOz/OeLy2H+a4LmuKiVFs54k049kKn8Xn000voudI0gt0z6zS6
+pEx53JVyAvtUL69GdBsj6eo7cMe0RRo3AKZsJYbqMxxCp81WoMFvpM4AjBKLTuJQpr24Xqflvmr1
+F2XMjpQ/IDICt1JDCzew8CVCd1QlWr9oTO8cViUARqa5YvUVxXrkjJFn7RrDuqtaAFt99uI7yT3Q
+mavW1NsyqHaKOZf68ZYMxjNorUUOGLNvxrueV1RJtjjdRavw5MWmss987WCawTYpTiNNe6SIG1i+
+Md1NxvAa5+PaKwskwNVGC2yUbP6sHZ2Hhp51FqkOngf4q8BQd71SbDzYff+BJfb6xNajfWY4xbS1
+RjjAEKTfWHw+RPaJWTeMdsQGZn4EOTUZU1rDinTuFkAT8bKOQx3pGkygyCy3QdbfbJp0lVZ6GXT/
+LmqzrTqCwx1liGCav9YLdel4yb4fGQDBm0O49JIl2kPpwV0z6+7aOresTNaMVQaiRAOW3DSEGbg8
+WbD6RilgSUx2POguKyiUBwl8oYrO22lcc7QO0OAMAupXuP5FVf27MnXvHGeNYeFJGcJLCzjV0SHw
+OnZNK2div2BWMSkt4HpieUk0bkmmmpAG+v5tfbEhfDaxBJQ07pZOALFH0MHI5foTQ++eMrooOuX1
+P7bQGoQfP21XWp39enPG7gQU7u3XDAOLgh7Ez0mqUscF2/dGzUSX++L2rI5Wba8hMKze/s9RZqUI
+OSxhCn7v9vg+yNlurIgvASRjVaTME48eO4oqeHu/WXbbKuam+Jb6vwzBT1TSGtdo9dny+jvNYeko
+9AfHdW54eeYteGs18V+bJHvOAhrXYCrWkyqbdgUARJLxpLaeU8WnRZWsRKbfN2U1rwNKNrSD2Mxx
+IEq2kd3lTrcoCMikEo6ZZ7F+d04KGxffsonCnlpp9i/VjZ4LP9+kTnar1HtPz5ehbT81nbe0JefP
+UPM0rYoFeuT8UVPotda6HksaUWPv/u3DJskkD4Y9PkyQxqz4XDi0MgquXR2wx3Ti51PoVlHaElMU
+Oj7z6m6AuZl1SGLskD7hOsGEgl62yvWTJZ0mi8IsrSUg3w0w1FkR0UQuA+vr/yqtBmkr2zcS8Lqw
+JwfUyNGjQ0GmCJWH3slBTcsxRBP/SFQ1LYZsNkTB7Y2LRxfXbxLwczjj92YMprB2htcxqyG+1cc3
+4miF48pklNWZ1MPyHUZ1kaodhiNlkM9LOetJ6mlPsZoD9OxNfUpNLoNBMkJ40vMqxF4rz/EdG1NO
+ztmLk+jKPENrNUmslbIB4IaTXOx4QDn7SwTcEriCbhIepw+qFM2sLKdd8M0br7lQq7zlZVXNIQnB
+96iltU0mLFFFG5DThlM0Ia+jn3RzerCJIxSN5oHJoDr+rEmN32XRX6vChUxSvyYciSZDpu19tEGe
+Ez33K23w+E5a5U48Hbg6VZCtrMGogKP1gAvVrckE7bjejF55ITJYelUsqB82GN+xfVVU+GOm1WyT
+lpXDFH3JmOIRPGddv/F9zV2pNOildtAsoDta054FzsVrmPcawWA2huvgl6+d6yOcZez54a+8dnkO
+RoGSPlMFIlDwf1lge0e1XxbQgySFJdm0V+Jn9DK41cht0gT2Wa/39wXA5Umr0JLXtlnDIRDkmwao
+LQKhZ0XIoUZtmFSl+Zcgay9+o59p3qx0Cjif2aZIq9c0aDQazMGLaYxxWkvbia2h0VZi56/WSo9k
+C645mOJBYhvSQvjiXkdYQkPEqF39wRFmAI921z0VTvfkplPPA8pfY8tWIf8cgZDr5bBQguKVpeFe
+bsNbRBwdEUXbcbAr6a+VQ7jUnXfT8vBqC0CmUShLCDT+juPW1NL9GHYNjWcNzOG9F9D/nJxpTzOW
+OTHQHDrv2e/cW1uWe9/y5CUgrgPV9WzO4XQbctqfyBrQgMSUSKUG/A8L/KcjbCx7iSwk1LNtWl89
+nAlon+UfegXa3mDH67HeptcoKReRix1Gq47ZFJb5rneck4Mj0KKyChhzurbLQlYKXBlXbl4fTViF
+vnHfjtEtVrRqIZPE82rzZijdsonScxKp876Tm5mf/glLbSFLSPR9p3kJKg6trSX0l7wYy4NvX43J
+0nHTcdrp/RMqhnOHjs4fljLrf1quaM8DGWJQYG3u9Fh9oVX8LBSmMR/GMLKMLs1wY7rZsULIO5re
+39TM1zZ1wooEPLZ29Utoxnu4t9NOITIOrPQhgLUIrwUHM7U6WE7DLdMvnQT9UlcA+6r6TokyskMW
++pYUbj9/oBUulMlgmxJGVcrSDrulpJO3APbdcdy3QmVbk7utjAqfn2GTxjaldGcS5t7M8rx1Rb95
+gm84eRPFi3e6Jd2cMFuECKCV2L2VfrxJkjnJqX1TpM9CaN6qyiaqpXmYS5tW89ZCFS4007WWMXxf
+PFWFrhDsGufs9PKUDtGZ1s0zYo20yLcik21LdDOXXjhFOLOTku4EOFQp1yDSPUfH1yW6yBAec4Na
+cC+1jwnVrUHRVqLiLH55LNc7o/81hX+oKXeiIp7J16HlfnMYFnxNixZNDg35LTOmKBtvmavvSilZ
+SI6yLZT2vqjRjzjFVjwQXSaLkc2I7MJF6rrHQYmOrt29ltoZUua5dItHr1lW7AlvdWnx9ohzlrlx
+xWqM8/p8CBRYYrH5qnL1Bj2+uKKbeXfV3oIF4cbhFVL5Xm61udEra12pAY57qFyTi25L69zL50PP
+ETPPD5HR7129WSlpvq7tdpFzysYuEUjuqsA8xI7ieaZcOgDfNGZVO61TzomTP/VJM9Ws6jd+WsEE
+M839GCX7KC5PUklRnk+f1eVmGK6W0l7FO6QZBMScsvGU7iEegPZGmdA/0276S47cO171M7DoFyvT
+57oWrbTM/tUp0b60nVNnqhc8nnjD2rPdRADxrFlV7UxJ9maj7v8tIuRHqPhtSmlIbJhsJdO4vQv0
+bNeRQc9QNWQq1gtCxV62JwcE89iFF7swzh3DykvFMdv85RTx0eylTYzBgMpbyiIMDWpWJxDXmlZu
+WER2g0d05VrOvIUw7vI6M+QKha+vrZBD39Qj4DC8cDeAe8eUdNG66nPVqhtV8+51p97ZpKegSLC7
+wLX0mdAVwN6hiuZwTVcx8gSNTXfwhWVFO41zdRWaYL6IIKVknPVqePXceC75yjktuVC9tTIgWMlz
+udN192JIA8ywbN3HZH6ynKXQWub5OejKBSvXsc42qp1OzRrS+3gRuVitzpejUc8Qkz2LNGYL5Jke
+lluDQ8igVIfIaf7IjG6yNqEV1/Ne0zHAuctpTRBFizZXr6MbTw1lOKsyD8Q1qxGpKIU7nyljpdbb
+r9dcdaKN3VTU4kd+rVrEV/gWdRivcI9b5hbtY22/zM0OsB8Tq9HSeWS5e9Pu9qa5jPR0Z4bSXuWz
+Z9gDJXQ56XJzqvxohX3jIgGiKznGUlOZ5Kq/rsSDDhK6z3QW5O3CU5rNwCG4VyRgjiF9dPXKaNpV
+pxabvHD23aDP+1RbiGETcuumGS+01l+6NuU5irZgx5YijSmEEm0vr8uMNc2JLwWLSuX/GdHwD57K
++UZ9lRztQG13WdE25qHBEPM/c4ar3y2CxHoyY+lOfFDxk7JHRSJOf4kKaUdYlEvTsagW4CvefjpI
+yB1olTGHs71zRkALdNrbzm+xFHFqOaKxXnJolQvlN87Iv7JQAXzJJ1ST6KoCSLXcucGQl1/S2lx2
+9jKTNSoY/trjIWhym6aBhekl9T1l2Cskn4cYe8lEeYpae2pKyi6FvkpB1tyicVhngfoq7ndsugWJ
+g99viwE+tpOiyJemX5Cy1nca+DxVTzmI1Tt/lG6irEcOf9173QPpG7av5ndP7Vvlakm+UN30fpTa
+W4CChsmJ31++EM1GIoGLK1ZNxh+PiYVQGam+s46P+HmoTYGiAltQSusty6hrgQyTrfog5LZuSmDB
+ppBE4wUPhN9dqe/k0jx3Ab0oBSVo8Zlj9zeFljdVSJJCTVWcdJboyUzW3avZ5fOikVk0m1VnkXua
+BoC8QEVtSOSspGDp+9WhY/0IkxXqo02uaAgDpT9iKig9RX8C1p7jmyZy9qjWYjIkHiCkJhjXZqtt
+O07utlywtLQ010T7GtcUUBn+S9wpl6LglJTJa93FRGm8pDb7u9OoB7FDmkqxFt/HDes1DVoU//5a
+LBeRpW3D2gANau1q1hj8Mzk89KvK+e3njKl0b4IzUaLhGCpLrx/I3owbYxYJWbJbstcZZOzSqt/U
+cQIih+2gMMyLU8HOYdyVuYY7LjkCIWuW2QhDWrDgAB9c6gekKw4B6Q57fAy7rVVb2iztqg0Kuuei
+Sa+1YRxEixOQ52XtdEdb7h7dJv+VDv1DqUA4qtsZdKaFVNq4LKI6cFBxdrl7jPWDQ/clmd57LWpX
+UVtselN6aMbqYBf5onO3Tf9iBJtI67apNSyt0VyWYsfOdfOZmi0dVWwPAjBT22TSWEMwGbmPc+Wo
+QBUpS/vJVQDn45exZ1isUHBB1/dIfGFE/NfWwtmoULhx+r+t5P5pybyWYN3krJlHVbHNi3tnoGbP
+F414Nj2b05ywzBm7oqyjOdK9rXpP4mMSLh9SpVih7RPfTMk18OJ8VLmc5pQiRFVIjNZKIWEAzv8p
+ZzUJB2ydwqqZO+FWSEV0tu1e1zaOhxtWSFJmolqzvJxxWF+JOo/nmjtcFjainQxd7AZN9LTLsqko
+CHXIBVX2W0h3e/HPlRI9xVG7UbxVj1UZ3mldsjYLFSPmfil2wV5LE4G9pWjQzJw8e7YgyLwt2Sok
+13QvxdgoZNaroSV7qjG4b+i/KS/UVvYsOvVcPbrVyMpUArAReLnqK+sYGZtYa1DGtBwJivhxbMot
+x/QdiZsQkiMb5yNx3tVFwDdJu2alAyDym+ocgvdMa5BOvLq3VxTqCqsyzY95wwaoBScDQb14qWIy
+anp0F+OJ7GoMnfg4Ii2TO3lW+vrZsda5rt/Esmj7skTQXGczowrKSVoVc8PLF22OTaFhu5Om8f44
+TfjSSM8hWCrxMC0mtSJ28inTxWgcOkMl+UnSNnYvce++xql/l9T+tqzC21Coj/0e9QMNPMGdkpFw
+jA2J94Pu2G9I9skdAX7DS+4cCEJx82g4JQS07DVkLwzjYR41JQmMhF5e4KllK2MapdvPTlFvdR6w
+BWjV1FjAdB28ICZ9jzFDOGvN9jebBokOpZ/X5HbnnNnFJQhPJJL6eU44klF3dDHQxtbGWVZtU809
+Upc0lONIkrRPtospTlGcLB9njjaAgjj+CTWlWcop/mZ1iFGP3ynVnCwni1V632VauTJMy1/2lblS
+xnKrB0+G63CWz21j7qjp2dM93BC81OGY7z/8H3vnkRvNlt35rQhvHkJ4A7Q0yEifJJMuyUxOAkya
+8N7ciJgJ6nnvRQPNekMtLUK/m9UNlAEkLaAHhap6H9/HcPfec87fDUW7z9vmuRqX0xStGj7cVYSl
+smEla7PJfoeCkKioogMsbMTCt5uDkgUPNVOYiiSXUSNWu8scaLTjvRHaDLyh2QZm5S6jMV5qpUZp
+lMZfbm9SE4uA3mbudnNUvjFX4eOP4icnZmV4TQWNdDlq0QM0yk+tNa2lhCZVpXh23ezUNNTUmjAJ
+ynFhnzoNk4kh5nhNCAl48+L5BXvCU43FvTPqz24a78xZ/OSZ/ogTvdx84JQ8yziKktw6DXR4KPqt
+S+Hi5emq9DCklru21VL6hA53UecwKGb1I82LJ83FODsaRwrCyDxFrraw7BHro3iXZ/GbkSX7kcfo
+3SToHnZAGNc74SmyjJc20J/zQ1DhSOO5z2X4MIfjnWqL7Vwt6q6654RL/XmuVco0780W07aus1eh
+NRt5B8R85tRm+lLo0wfJmNhdk7+VqXeVG3/faukE/x1jXgbK+IMs41lk+SVr1Ls6Aa0ju6IvvaVd
+GufcstdDOL+iJVp3ts6M3H7QmrlfIK94Ev0bWRcrsu8WFtmnHoC/PSufOEfnC4eANWLVPgusGGBB
+bSKs0taa20jKZvhrNq6MwwWwwAUSxzFN/2yIOaur4h6ofDc+dZwjzICScyAc0JDptW8R1n3pOAjm
+nXq8NTrxfMYeeG0XVDJVAgoDH7RzpAzgXh2NbNnnKQO0Se19dlmuUZuq7WwSp3ONUw2tZnQaR7N8
+cGzJx442pnKQqXfEB0Lk5l2axnAjLbStvZ9NYye7HUj3y8p0fkXbLgcqmxh5qYG9RKvBIJbFpiw2
+PJplq8JEUcaAyyKYfaAXxDDEX/mA1DoSO1NY1JxUS153D0q1CVAE15mQhonwBbRlqg5Lq1c2+Tg+
+dNhBye/ZMcRdPc7VSu0gTcOdJhjtkR2MvsVUnshB2E72z41cJhCYUQN4LV3/VD5JnlZpDitZ5I71
+CJCl+boTHhptztdB1m9HRAxErOivRciMdl7mtYlTTX+VBDFH5W1xhxk3YeXmqSZ7g6HLNpj80TWO
+RZY8Cbcn5177bnIn84OspQhgHavhp5Pglz8VfbjEQHsDSIWZI46jY4801C1+k1i7N1LrzUEDKBhZ
++ukg7oqpxv/A0N6Ei0jHMJjk9UxRpjz7CcPO88ukf2IxrtSkh0HuHMc2fZT/SSP7pyVHSfwyRjcr
+QgrjqiH2LL33SPmLPRzEMVJ5lWvXFM6dyJx9GuqRbxOLF4QVtO/pfoYZKSmfSh8fg9w6FH3PPOud
+ERicBICUZKESkrUIrPFs6d17M813RdIs8VouyJvS+HWEQCzo1G6vGc61vI9e4VoI693GS9hZPzUi
+fNk+yBK6IJTLCJzDnE/bXskJSoqPCTMQwxlomJx1HtpXqZPoOnIWMk2j9cQYS8zHVOMZ9+UILSG/
+DHmarvvuMVWSr2kQL5WLB1/MyA2mPdL3IvdbqpasXxJ+CEo36kC5E+6RKSCf1RvLsbawQ8wprhL0
+P4fbT7UjWSgm6A2bd1D6ba2P4JCWujx383CCEU7kltN9E92HDoqxCoGnQ7qu0s8pMPxJz1/MIH11
+0uZhyPuP2HHfPVt9iwBYlnmkEglqDiP2Kidd8b7lxwbE+hsPWJlOXbgXKqbWEZVz9lrG4G6hIDGH
+J4Lf7lts5z6fsvBjzeoWMUz7ttF9WzDEcDVCZEZR1ItqaH0d2gFJXmgkNHzIQEtDNKXWdSAIIRmI
+dA+NhhEprXZ7F3TFeRwAizKZ9TrY9tWlPNYVfkEAFOtlwSXGpSGMs4d6aDaDI3b6TBxM3X0OPEt+
+N0HH4NheVv7Uwvlx9WXkKB8c2xjrg0UV0ol3BrwMHkjpXWqCvkrD784ZYUSQ3XQfeMY6w3y3yWhs
+VRzyJNCbWIAeWkpZwH/nMmIsnCcsNKNvZSjJbalh3jGhseKanIcgJuuanK+KGjxxsdyX4IwTF8Rw
+ZY8yHirqAv7Ici5zk9ocTt2BKcbSVnnBXTpOTCoJ/4tDOXm3oo3ImqM5pcyoGFDY5luT+XnFAdLJ
++CgZGowsY0MSH42F+HDqV0GgWI5L8g0XvOFSg+NRb3p3TkC7Kwqd1xB4VDgY/KHW5jTPr15sky4l
+Y5dikW2FtD3P4x287XQ1RmGI9i2NV/z2TrKzIQCFjT+oZzVK0oWX6ve5qx89CWrFEo0yq/lZrWjQ
+q2bVTDKhjUeYDfjGY0H229y7LTEevcTmwwBzMaGurRgQjx5oPzUkZjQ857KTmI1Vncg5bmqeLVHa
+ki7AHYRMRtpO7CdGGItQYlKefm4m7ZC34k3YpN4yDh7OSmfcuQUwrx0D+qOOWFTJyBGcreq05uQP
+3qZG+y1SfiLVqld7VpdtEG7EpO7UmIDNvsSWk9ltiyWiLeqfrCHEaax4BJ6bfzUATn0+/t5YI//f
+s+u/4dml/3c8u/7Pv/zvf//nf/q3f/2nf/tf//OPv/uhQ+mm3fc//EESpfFnf8H/9ewy1L+HEo5X
+jaZbknALQ+f/eXY5f48lFz4JaNMM6bv+555d+NlocMkJZpQKEP2Pv2vLvov+4Q8Doy9b/hYsCA0Y
+jZ7zxz/+j7/IImj/6v//hReR5vwtK9xBjyhZ4WTEW+ZfU+SrMMLrtaubx3JiSwehzFYG4RaLvq6t
+tWjrrSO/36pmWpCrI3sIHzLmuiSwuZAE+lHZTDFIuQZKHrdiXdrT6yQwWZg8KAGVvtSkAWyZE2aN
+t+rUR69QF54yfZg404nLbAnyRKWwq6zsSu0FWFlhdto0mAbYJeSNiVpPslyIBW36SyFD+wqZF4qj
+CiBDohLgrjyWMlJURos6ZIxCOaiJLvJnffrJZQopDoN03yYpY4O3RB/ht635NRjJVi1nv+1J9xtl
+oh+55lStPdm/NzKDSbSfSTa4VrdHBJbHqZiOw5yg/HBY7CpXClLEY8qeeh1MreucF1c9uRjTVvR2
+fUoFFOPpSDg3bb1mWVvTCpdWR5/mVGy9TkVu5uxelGbpBtWnybXwU9OHSJpNQADNjTRlC/O76rOV
+XQfnTKZ3dlX4bQ3WMi+ZMufmLlCkFG6KOHPYmXPVuXhOg9hBXUctvITKja5Jb1+A8h46x350lA4j
+Ckd5trOeiCqYGB6GKVWablP5tkwZ85hZ8hAiSS0DgcAACs4DcbwOxVDETrzwnHlnmdZO0Sz4Kg4I
+Mknk8wRtaTTCTcGMzyAQpgqmTat/lb2+bSkZp6Fd9yRuZxbHggvKq84Zjuqd7+jqrxITzxxlwE/1
+SMgFZLTIPCf9fW0DmgYzB7kWcYz1AQLBtgwW1mi90psRujWEb5HM42uKcSu8bDkzCVOlS1bvBr4u
++HkzM6HGCL+gY6e7sfm7CFhdqCkz84FpkDVHbx2BmjMcOBJU48b6gnT/7moVelj7ghQIOB4sT6MY
+KOTeq1tYeXS80U6bHvUEq8xcP8wGnhmNTSgZeHENrAPqEy8itX6Mc0YIpTimVbR3U/PdEjFWOv2D
+06ABKCP95Nb1M4Dyl50QrKRkF+zCr22X75qBxePlS60z8b1IxFmMMNajevDrFv81JqGOnr8RE0aT
+0Wd7qJYHbHcmSMzzqaqHJ9rOJ2Oyts1c+PJCJrdZ6wqcNOjyE6FgYMrw4ANtiev1AZzVz8aZ3Br9
+vbD6B7VRHhDOct7lVbVwVGAQdZW3+lFtVeLL5z3V5l7+ltnU3kkK26h5unQ7d4+X3rwonGxa1KEH
+sGV95APIrqlCvrCf4qleieZaDelLDo83KRj8CMa62exXRkAgLtCvqT80tftgV6e2LN96u4Iw1gDY
+p5r10eZvg802pMr7ABF8wkR3Z2sd0Q2Z+dEGJAqpTGStmb0lmqgPyyknsTr87Fx9K2rlAeK7LQS6
+i/JSRqoMeChRHjtPjhZe5iratrb5Iu/dkGgY8v+oCSg2x+RihJKmExKGXih+FuiPTlp/yb/Ky+uH
+KmH9tSZfk5qjDS1CCNfuQUVO51tKdZAXgPXeSRO/ZkjM+kizxcaVfnaNwEnA9HsvWHWq7jtqvVWK
+6mkom7PWuuVCs4F3cv3XzKjoSJhbKVP0zCy7pokhnc3McDZimIRbivYoja4z5o7aB7bGv1MUMmNK
+2akJVCiS5wyhDxSbERKBOmy8j6kqDq3jfMd5fV8MFFwqpEh/qi3fZmYNNFroqzaDFmFUJB631bCM
+JmWXd3Q3YfjuyRemWoR9GKSW1Vq0BWzqWxxiyEfsUogY+Vh95p1JFcWSmQos0xxM+DvvWnfKWwwq
+tNamZqOIO9uJOT+U8OgillZQlclb7lPv1OO9EuMe17VMU+cCea03naM83Zopw3y3tGISU+snO1D9
+2rXO7HYPRTEth8S9Bu60F6W7RxD+o2QkftdiV2QMg420PVro6zEaecBdZVc4HwntOYKDYFGN8Z68
+ymnBQCz2CTLDdTzYmIJja5pZBCJ3VrwGdDwtp1FRm/gedLC0oO46PQNihxDJpe3UL5aj7uGZcSUF
+bgnpYWLJhHV13wfmsVLCNabo950HUNvk1HyBfRFj9FJO2iU3y+dC75ZqOeyNXN+GMJHJWFBoObq7
+LjnZSjUwIHka7PKc857pqXaNbn0RhnIIR+9J1Ziiq3dJo2NMiIdb1Hg9IeQ5jeCbIkO0a/VjLAjt
+UrF/Qr32Scii3+v2Q1v1NDk4TcdB89JUKMDE8NVhrSK9zyM7/HabH8LCD6PAmabhq2kq4mB6faXo
+zV0eD58ElO80m9xI+dQa3TtFEDJgiGzzqp62uVYQyxQt00js46ii88XxnWX5guJQLKKO2hp1wTLV
+xe8cQmZRMzEizLdXnidl0AYdQhQTIgPbj9xq2nJ4JD6i2FVdVdc8q4+M9Z9MNT/2hfE2y8uAZCrM
+egvr+p3uz68i5ysJBRi/9jYp0ZV2hCCPQBK+fceK7+tmfuU7/FFKuo9Qh7Y1/OCWxaTFL1u2nmB2
+j7NanF3vTQ0T4KdkIB9mnXmSecDSD9lw/Dga3hNj3prcpQ5K7wl35QzRLp8DAobt5qT1FgCacQ8B
+xu+K4knqkuzmywl6BmHqxeoZR3hd/DvVPhzdYxZQdMmfK1TCOdy+u7Pld09cdz04bygZCVUMr7oA
+hbSUnRDDa090Kq/yKHG0MIjuPcHEvR0fi0nfAJqQVW+/2P24ExY7cwHXpMjOXWOjDk/2vdq/WyyT
+0shpLfXuJ1G/uoZ8Q911r1afvmSB/VJHyF8aqGvetXASPpvqdzBxzuSQyBft1J4KcokZJDASVsj/
+o6L5nHEVCImrtxvcAmRwlJ1TlaSt+cKOeE9yJtKs+aKokyBXCIaSkEaRSXRPpCo1SKU324xWyQrh
+g3InVpx/MuJ4jhiBJnN4P7nKxmNQuUqb/Kyn7irVDewn3Yd5CrfWrHyNVb0YpubOgjBVlSQMJn3z
+qv9o60jk2yqPLsRAKi6HhBM371pJMofSfTYvQxytzGx6N2Fr0U4DLqcJszJjukMttlcYqC3KNtro
++BPNlrPjjsapPmlmAeWB2Vvl0m9nPWmLVThwdAafmZJ/gs4t4wQ2G2KwE2jqUrX7zp/inWNNT2nd
+32Eit04GM4G211/yiaY8tK2NJmcgHENQ9qLhPtUrdzEgrrX7F82dicstSh8b+WufRg+YkUWcUubJ
+m5St6KynLK839LIPQU6EJmljMOb3lTre65ruD3yy5crdCTP9SFoyMyg+CDptlI+hro+D4kGG876G
+nEKepJLvqhJr1DHfU+X6giOhd5yzEfYcEAMRzSaZd2mmv2g1x79LD77QpPX/DPzicVRrwSrUSHae
+df4Y93F1Ic5GCrfRDMkFbYS9dOFMN/O31RiXJsyXpMVe1MQm+TJ7Bm+W0cxqNpwwHb7YlM2OWCY5
+IY961P0WvfvSUWobQURjoFLtU6d/xkwjTehWCRfjDzEoeGrOEBgJirahhATsS4tJpaabEqpv80Mv
+PjMZRXwjs06egFKXaQdoAfe6RQFcxMM1AM2UPPzZEmvDHh/NiG0oMvVLpY/Zoo9PtqTdT3HlK3pL
+ljnoHb4Y4zc8r5jtiMROZVhppE0niqCqY7ZWN8HJklnVroLYYmFExxsVuiANd6ydZ1QCnC/M/6NY
+HIxEMk1LStemrr6KAJkYLc2YvPfyn3kCpZoyKRvV6p9CTb/CRILfmbZfjdNTssqUu5LPFByCv5LW
+qMjtZ/WYWIep1zgvY3x8FFKOnSi91hFezLaTbkIvfCkJ0tIt/rgyeI8uwbALDul4vOl3IV46ie8C
+B9MhGEQBqVnpExL/ZrXZ3pzQHoVn6u5d0nh7V1ojzEN6TWpGKtNsftj5XefSYvUa06ykYVpWM28z
+Wt6m+yfBRpIyDBVzw6zNvQ/DGs3SoIP/RhgXtsvwFkWu6otmKO9v31wdca9G/uMkVuETqbIMa/du
+QvKyEG6+LB3ty+3iN4wPn12pDYkq42rX87KQBO6wMKiu8bLUNTyWjOQ6KNC3U4jT7dz9ph5wgccw
+CqwIGpB5TET4Wg8PBUyPmm5m8mDraiOBoqrJd+545U7kxWG06Tfm/jGeqIJuTOuRATTrC+wh4FMW
+4RVp2zlmTckvq03khbh8lTjNQhEgD6J13oHtYYV7CQ/JcqA3EzBbFTACRZT6wCxnHRF2bHsg8uBq
+mjZ/h1nwCnMUbwNWWKBnx6LC7zNdVXLCCInoWoc6OURPYTpgaDJ9tL0Ar6vEa6B3KzdUSCNKpRAL
+iq7hRdukg0oeKSdhUFV7TsQiybi6iU4Rr5W5nFd2pcB+KBI/Iy8Zorl1NjvKeznTkp+XZ/PptL27
+7R3xbvhGGnzdHqVbmrOvqePOVIJVjzFiFk5vdeZitSKzv3XgfYEt3cLSX6tqNhbE4rGb43iwoDhe
+O317SF262SJtD5HpMgLg+jAgf2kbiEBgU5kTnbXSfA/mcc9ZO2DkcvtMwi5Zmv25N/WNILWb2IFi
+oQbM9XqNQ6uU64yEG1p/ZT03yeftW1GF9R4Z7qWBzjrV/TKwul/mNygU5KNSZuOijUT3JM89jwzv
+1AMJSSRl4a+wSOzhIxuMk6oQnano30bFp55htTMPn3nMv+241s/gYCncRFhRle6RetVvB5p9V45K
+nTC5mt6n1/LA64CZcO4SajSOZbiA42kJ8sP5jSbz2zTAeiF0JAlfcQI4WV2767qRy4v3c+EdHJkC
+Vkb+bSqhqQmB5kp+rSeVLsZ9KKQBRjN+zI0BI1x+/dBUv7XUfalT9P09lS9l8I36L9dxFdVMThu0
+3aYA4KijF2dcBtH0i13a9yi1DzZJfc2oH3malJdMKfNZvOU8nna0L/hkIZjIxTc19Z4HedDk2r5p
+nBLmp25MSnC8qoue8W70YsUDzCQUaPpAIJMVgTNFCmPe9GyokJcSilZURPEqicsLeR5+JQAybj87
+kduOnKy6U1kBccjdz+yIRqNetcARi9t9NkxhIhBsd/xx5vC1LOwLRtJxUlMzhcMuRW4Dg/INv7qn
+1giRBIf5t1rAAVc5HFsteQ2ZbIxgll4BZUzupcghfLWZN3WqxOx6bL+1Ke7DIjpRUwkKSIeqNFUf
+m7jDiCx4MXSeV4gWJvPmH8d77Ee5Cdyu1maLzDHrahzrMZ3PRsOkmbCS0Ney+DzqFz44ZvUQH2jT
+9+PoyUT3jRWbV1Evs8q7ln18F0bKa0DcMB5GJED15bTsivajCQzsk2KQmtGdv6VFkMmKHbvpvZvC
+VwGVKRuCdS3H3pYcTgmv3nU6o5oWoj+cjEWiicexTq/BxHFgz3wBTrXUNULnzGEgu7Ln4EumBNep
+LPFrXoTfQIOazJ7+qDL80B12XSTu0nx8rypaGMwm3WQ/2zP3IvfaWJ6crY0VqFfW+1rV1+047r1s
+fBqG8Q3fkolkpXHXTdUxF/a7EjyE3fg+F0DkSJ/kV4Y7wyPoKPYkcIjgDs5EnIycWZ06fWnqU44K
+MepYxZFqXMbEfTFK3skwLRmbpX429b/kGnVSNjhK8KBIYiAyaNI1zXPOMUbsNa5e1qVoaahM45Fw
++R8jV5dZhNww6ejBRCW5eMFL5Lxn3fxQhO5jUeYvbsbJJgf3cmBH9+h3sfc9VihkF2ZhnrowYOrh
+eJfbBmKGznoe0f6kuJvXGwefpYUL6OMEMR+J+jhN6z4e382gAKKfHpWKegU3uwVmLps45KEmzGpl
+NUW5xG/uX2CReHH0lKbqVtd4xEwO37RqLffOKnszi+F52hqB1uCLlzyrLRsy08KlkjZEJvQbIWKb
+qxTfaal993XwkuEpzQbAKRW7e5H6cZic+4xMTjri51JMT11bPsZ8X0PEaa17ypMns/PMGHVwHCor
+M9dXPc5eFJJ8yXLjMWRFRWDE3ozLPepILLvSceM4g59nHDNzzg0JF3LRkCgnZBkvWT19t0H7IXes
+KgngdqUPLgslU729wYRPCtPckmM35/zFweoStxOcS27R1fOz2k+niqwrHz//cHE2WlZUzy5GVDWg
+ZXEOlUbhBtVvjmlrfmp0srKFpy16E0BRz9EqkxXqyUUQCIVrQcikKN9kRzOiqbsHA7kB/mDXmhza
+RRI/N7LAgmVP2QwWqefdaTasu85UlpC8OHeU7jjG5Rqy6XfF/txE7hejnUPRdMewV79vQ9igN56T
+er5LEzLTZrnbljHUKPlwM4fpUtnwzHTtM8JpzxuR1Am2bKkrUpHEDaS+i6h5N5Jui35HUupoS4Qr
+PjMcctk3JbWnox5lPByWlC4I/O76ql6Og/fFEmL3IVguTZe3irdT/VwLoVXVl9vL46TYZK35p+8/
+8CTmGmvfpTVfiuwhrWtftUnt5kW5UgioDHT9Tbi2TOcVEsCzXQ7YJ/SvGZN5mzmbZVb7G372p/Wr
+sAwmz7zIH2X7WiqOt60dfIrlBjXxjWta+OqJ8hCU3qLLhxcRBIwd+cjDFGUfMMh9oKQ4JQExyPrE
+E3CxLIXHjmLN5oTzyPdtDpzTFPuyxQhtDmV0IP5sD9sOMMR1EAzrao8pMcdG53HCD6OxmtVtnQ53
+qRZBMHa2Qh7PRvJmj5oKLes+PIbJ5FuZzfys/8zXt3vXgvCZTN7rDd8gE+hpsj7jRH+MNSg9/Flq
+D99/wnw1dQ0XY3m7kVrniqxQ33dp8XLbIG7Ph6EiLmjeUn4Ct/0jKq9DOb1DdXxEOtqMbKiJVzD8
+cFDuSNRWhLBmzXB1Ax9NprGk06rvmQ76GLp3VTrhzUjStp0/dg2E5h7tXca0UtHjNXUUpnVnigHK
+Fyvb2zhnZBoeeKGtfhTnGj3NokWmtMiqkmliDufDMQwf/zRQW5OiTYSUWWmIlLgrD2Rx/paZfRVt
+Ay2yexfdIRYUSapGq+aeUmBULQy/b9pMBlm7dGpXtcG5KFgCVO68+t5aVJV16XL2lBv+jaTu2Jfl
+VpdCRCwlBIGC3AR8jaCfpabb0phTs7P0dv3pQv1UtPBRi+GY8eBFbV9Cr/0YmuxsItysAJvTxqpp
+m0re0KvEKKIquKgF5/icmp+Th05afUoRDVWRe7hdFyCQxJXGjoa4f56naTVl96Z8iq4wfvvZxoY8
+jJ65nKXRKIcpnH5lyS2ft1aYS1XRVprk6fHs51jOu9mRYkc9zdo2l2AGZx3pwor3VpflOp+hg5gG
+j5FuBIbLpcw5AscbqXeql9Od7brMWtV320SJE+Pyz8sS6vCbxi6sOMSgEk3rgkFZzAgXDUV58fLy
+0A7OXd1/l+rp9qwCe/7CraWEX1s111gnV1CiRhI/gfDPmGLwVhauC7KSljQuCkHdOCLgek4aFhsm
+tpQZ/I+DKScHpTu/GxLbbiDUIPhbM4K2FlR+H22p/arqK9x59Mh8qUVqrXIC2heTLNMj1X6roc8R
+TUKj2qR3CbBHnQDkK6Z6NMyJEVR8cDz7q7SHl8Qdl9b4jh/BhcHZgzY20Fmnk14Pu9FGOo0t7BTG
+S06ThJ6j/iks4+RG30k3wd2RHRNQC5tjZy4cWcxNygiUT0xyZv8S7vKlDsy+Oqgr6ZidA3W6JAKG
+dSaUJ0ZNP1DsmQGLS55hvQOO9KI0OfUXB1FvVldh1K9qnr0R5Tk4h4bwBLgRe82bt2pR/WieeolD
+cd9O7nLuy32UOYfWtt8Cpb1W7gdck4MrEawOuVqTOjKgvPN7MX16kkM0laL0jb4H6xxszLungyE4
+9y2zGDeYpYTD2L4OoKFzeRENgBKeAZcO8lgSUehEOpmXhfkQtsFqIKRqYTXitRqKQ2HJZpcZIMnc
+C4RjXFj7KgdvQWrvEOhxZtj7ASOWAL0fQ0tEglS16NeHY5wFH2rU7vG8GhYIwSzMZhtwj5rZs0Y8
+5IZ52QNWFTsv174xYb9nEntkJuqXlrdr8FXbtPO8sKzYfQY+3bStw75brbqqXI84ItiFYP8S3sM4
+NDn+sljcjWITam54ct0OQ9e6eQv6B+SY/aKKQkyR6vdsZFLpdiaEFzq6CP/QMTZgvlJ7D8N9KGiQ
+ptA6jIXlKxzsUzAg2F7kWasuZpjVVlWm/g3pjmUNic/Bhfm46xkvOnsI8NmJZXCGcs2A744VnPqV
+PZ9SShYTxhjMnjfDYdCUZcZmtKqPjok9ybckVq50Ody5/aVgMFt9rI8VCnQnSX2jhR8p1y3XFZUo
+XWzJlkm9MfQ9Lf8ZIkvaXHzT0q7iJmfDxtdWOYrqkUjw+7rg9Iymh7rsTq2Zwrb0iktpZGfMat9T
+KzuPkAd4qmh2m/wYjbRacRWvZkmubtyfZll19sPs0ZpxiNSLhgIb/Mj3DOXSIHfzY+NTt1kxs26/
+2flTYoGyufFjPyObN6yBM57FjiSQyrf5lPucGwTYbNBWRUrzINWzNVz5hSnro5kpAaGqT1s1qi05
+LWH76LM3vetof9iNgRoWNfzDMVB3NKdE7yqQVcMPo1+awaXqwzOUgIcooeTjT5I2eKj6Hk8RZ8dc
+8Dduu9/MgLarotMUbfE8hZlceHwSHCZgAj9GO60Ho/XLRrtvW2tXJoGvSR+FcuLcU/XNbW8NZ+en
+hLYZ2zu8o8mGzp4jRb+vTRu7JlmSqGR2m5hPMbOdCRB+qMZjAf8LJsIMDhhK1pgJ4Sd5jXLP2Idx
+Za7lkG/jRPP7UAb5Mwbt7r1Aealb4TXr6BCE9ZLYDvXMAK7gWS99XF7t1P11m8e60x6NMP3oR43U
+xGIZigx/rZ4UhnQb0wcNpan6BfFmffBVoPZ25CGA8i3KPCh7xmYo9U3fBmvbz9p2XXUkd0CUA6UU
+KeY8rXmN0lh5KBPXevMU7FJiJFt6/BEa40IMLH49W7qC4QU7gLKKGZdbudi6eXWODT4LzvQ3xvot
+PyeW7UjSWKdeB9ql23hX1V9i6A1RfyqL19pNDkGr+WacHo2cviyaP+2MCZ3nrJqBhpSeqPCNGqK/
+bj1LPldnQFooS/npSogE22eyNrQXz42Ws+RNaDpGI7ocpTmatsgKErVnmowbjSNvqndS2JYVRTpu
+Iye7pPAzde+a5XwVFq+qDik0jCb6jouHkX5CoVVyteEXHwSGylW3ajTGDE4K26PvjIq3bV+H6TF1
+JNjpXIZqREqrj8fRusJrZi6Y7UnB66Al5mwK1AkOmJAwnwEmFPBJB48g+PDGKs2c5//cEUj7Gyc0
+AvrwfyRzCSRX/Rtr9TYLgySHH/pUouKBwlfhiG5RIUUrVuOhy/Pl3E60Be6i6LRNeZwH776r1P/C
+mEgz/sbiSl4He6kjDdm4kr8y5hxMIqaUqEue1LSF2ijmXevaOyXTv5OcQY/QvW0RIJLM4/ep0455
+EZ3LBoPpuNwiRvZrDuUhyKiA7GDNVftBHC7Vrj44NSKVMjnG7bznLCCNYTiZTbCOfAxZ9nHaPxe2
+tzbEfGjG8M6y9n0zfXsN7zOHZSfaQyKcp9m7Tk21VvLunKrzZ5r3654takpaEn6iZ+qzF0Vdmb26
+ad3w9o9n0wIZSH6mot6ZGc7VFSgGPgFDreyrPDjbvf6lWOmTN7BkjGIXjQQHhO6DJbnurR7e64Hm
+W1X8oFfmM5qZ7zYNv9KJHKlXYc9rnZT5WC9+jSR8r71olwrlyLyKPiDdOHBF42Z+wbNggyD16DrV
+KrdN1IkcLNW0DBwCM2Z7bbbvc6Qc2vfGCvaubhzUZpnhbmM1ELisbVL131m3ViydWG93q3ofg7sa
+E5IGmvRb/kCe1ofRBH3xMLxO7XvRjqiutcWcKxsjHE/YjW/taV7F8i+8cmL+otj9D/bOZDeOPN/O
+79JrhxzzsGgvMiMiJw7JSSS1CXCQYp7nWBmGl34C4xrw1oANGBewcZ/Jrofw988qdkmUULplAxf2
+hYVuQN0imczIGH7DOd/xI830LNZvNm+2VsKPyIO34tRzsvAatDA6AsbscfhYVerZP62MUeglX8pq
+bhiSdGjqftNPigTPb/6Hd9L/XfWfm/n6Mw+h7k1+J77yH/uPv6kIb+fq81//8vSax+h6266JX7p3
+AkNIv7/9+erC/y5V9H/+u3/9P/7bf/6Db33LE7U/wIPVDVm2NKBygun4pk20PxAEo1Im/xoMyvX5
+lidqfpAp4ukYEGcR2SzyBn7XJkJWtuGKyrB8QFDaf0abSAbPd/Ay00KUqINulBVHfX+TiC1NmShQ
+qmPaWCvLmtg5U2md2ku7DkAs8fxHOyzxkFai0RMMnLGybw13mBCwLz0t/0nxJkX5sw1tc3DTkjG6
+aAXnigHeWGhnIxtUSZRSJ2GyXLKYC5HbsAu65P2tonF61WT0gwAqV4Ot3Pfd/KqPzPaMKL02xbag
+Ly94Vt7EGiN/jdEUpAnOaRkRzzyRmimfjeJ56Igno84jkrsS6mF2FeOnoI8Y1mI5QCBifuxUwJRD
+aD3rcrKvx7NSqNR5CHOD9DuEMIHf84AG4LwJeWAPPLhNHuA5D/I4h/0jg5a1UcPItTdV+dZMcPAO
+2U6VczfoZW8Zo09xvxzt8IjO50tH2RBQPkgJdURMQRFTWIjnWtAmdOKxG5mRc55AZb6WOuV+LJp4
+U1qD7ithru/bNL9VwfW5IIB2ElO99iNp1Zl96eSXS69cjGJxaKO7Y9DM4xNhCe2gzsI/uy4plBgh
+ovfcRZRPJ9SQ7mh4bYaHKkdApJMRRVjLrky185ESTKcUsynJjIQfJVOkxRPgsKG6ZnGCayQygN2M
+X/q5/qKM9q6mzEsp95g5fIop/5DbXNSUg0bwqPfwx8JP4l8GxhJKp+7mYvEyUUs2xYqIDJtOIPs4
+impTEXXnTqME1dgal2HA5lVUpwplKiaDC0ygVymeubXQ0g8UtDaFrSkqXJ1SdxA1L8aqo1Q0j5bA
+mZgfNVEbJ9pTK2rlgKKZHfZaTKllUU3Loq6uKbAJf5yNz1Jn7swy8jqVHwsJ4XJRDRZkukLpmzwY
+MuKEMX3o++zRTpkHxSECk+IizumuYzb8JNokFxGJRUj9OvorGL1T+Grl+joKks+y2Jsh4aXeYqHB
+tP6gmy3qWrZ3qSaxx4sZ6ZFRYCbb04hPE/0IIY5eTINCvzbTruQ8XXTRv2hW+lFHu5KIWSwNTiQ6
+nSGZzszuqqMBmsXinoaIx9RNkK7Fruz0Q0+bPjBN/F94DvsJVUC1mjXkfU3j3PAAQ02sHSLRhY3D
+uS66Ml30ZxKNGm4hqKP1CgArnxStXE1Lp4neTuovWtHrAdbaopgL74KIKNJc9tGR5N4AW7VOOlRx
+AcKOtPCbsfT4bNh+25vMUq3rVOId5Um74T6yyxk2j4l8aZbhuU1bqtCedrSpsuhXW9G5OlMfeLLo
+ZkHTDJDSW/r0AAnecMmQSPhAaRlFL9zTFKs0xz1NskOzzKnvFWV92zrS2obAMiu13+gL6ls7O2RZ
+f7tYhrMC4OkVNOIxDXkqOnNtUo70FI9jkqgHzXywBIQlzNpbBwnoFE4bVXT5Du1+Q9uviv5/EpMA
+W8wEOoYDoZgS1IwLQLMfLTE/mBkklPhPGSs0jBe60TjAet7bs+Xi0zqv+vlRHvLP0zRvB3AzLWOK
+knGFvlMYXUyMMAa9YtLIQCBsc0JL+5tCTDtKxh64LT5Gcf25AtWi1Qmu/mx8TBiUtAxMFjE5gZj5
+YjFKMRipgLRbmWLGMjBsscXUBRUubYOYxFjRa85gJmBAY4lJDZRmjKCVOzLCye1uh+rqLgpohBZy
+m7XhsUvvJWd0R5geUqG/BBKYDwZDSxWfnSZK/7SVxteFxr/afC4vnvLP7ane+Fv98WvF8bf/+X9N
+OaK/VSNUDv/y68Lnt4JGvJW//oVy5Jf/+N4q8fW3vpUj1gdhe1BIONc0w6F8+Fs5Yn1QAWjDrXcs
+A7ATL/d7OcJPMnQaGqKNiK7CRfFWjpgfiG2jxzAV0L0as/Q/U47wi3xXjhgyHGAD1BOZQopG4fM1
+4Ba+VTiUWpcf0Vog34mj8WIpIEJQAayjsAC7gIVoFQtAZTVuo26+woG+7mrpWQdkWcsZikqStUaF
++ObywgF4Sb0C/FIyaE4HcJgWWMwCPGav001DC7UEN5O1xo0DSLNEVsUezjoBNgNQm5NgbuqxfJ5b
+qw4UJ9PhYzLJH8POOLTjeJGBs4GV4UlVcLAWRPhAvxjfQJXQ4UROtJ1SS2JOTSCEUpgHKJTX0jJf
+hTLi58k5Pz2ZVXZ41WTBlUueK60DToK02pTvQ4kuPFW6WzihPHL6Z3W+JSqarLbuQgzLiMy4luWd
+bZXPoUKgeEhg3lByV5muxQNTbRs3NjCz9su5k+qXvQPfM7pQkTqezBGlWK0zD742C1Zyi/kaJdmZ
+SUKizJNkBulISuLjHKjngV3d2hnBRF3a3QyGfdEkbGFyILRT+RgGkOxSNRImDcU3tVp3gQOeKXIH
+UEVal0q8HirinJDbpwVzCFMRGqZzY6rvYsB6cp15i1CX5K8qwEZjuVaix0nGql7Hm95MfKOT0RKj
+JkkWPyqI7envS37vJbX3lWasFxyG8zzsisK8NfNdHF+nTgC1kOCxlrwYy9nXg7CT0GZR8rAB8/QZ
+gCQNrZHpbknQkiShIYDcExoJjVLrF0u1dXCDOk3tqrjvRsd0Y3NBMKpt4hgKbj5tl1FZmwiFPAcV
+DQJ21yRfM1RrtJ3M5BG20ZXKRbENI80rHN8RWSZTRs6b7Ae/5oPuh6GDAqRDQoJ5xUGfjHyf9ioZ
+UATyqca5BXBg5DhoWH4UvfGXOFq3SYWmszyIr+tGwl3bepdbJqaXAKZj63IQg2pGPjysZxbqWtT6
+k1xu6qTZsqBetyakN1uCQ9WuC8nwUj45Q9IhqjLwT4td2FfrtKjd0ETkJI1+g6xglGI37wdP/J3N
+7VoqTJy2tJpJ4rVMgUOD0bwS+IUlr1nYub1u4B1hTZYFe1NJ98PdtLRbRVf2MH/E8dhVk+KLTx6x
+9x6A4Jk9lCz2e8RkGdBs3I6x4yaq4kN03aYGRLLOG9JHhd8RGnyFQDmtP+umzsLiNi9l1wbEBcKH
+KWLYnk9ZcVDgBOWlP+StD6TEBIEmwUEIhm7DKeRmDG+ZWcVRRoRYjJJHGLEogzp9r2NoVOzYO52S
+k72N1WFrjGsnIDNDNbez/GnmreSmbzG4WSY+lnkzpvMxh/2bVBMI5eC+6vbjAHwlgBmXxGfFoh0A
+ux5m3DoIVCpA2HXj9ymOWdYn9jQQsRe7eGY3pjHdCLf7iNdaLsY9Ya8b3VbXxJUfMM1CKQUQZTTe
+SHIcVc99noxHTIyOl+v6pV7Y4BwYLy3lZK2qfroY2bK1mrIWVxDQrB0cHRH6MxouGkRXfJi1qmHT
+KjdqDVfMTHchN9luKlzZXlwnCHyitzxxMjAiu8uDRpDnyWEauMEhoOJwky2+NpzW51lD8i5Dw8QP
+ndkf8WKGExzZeN5zKyw6y1U5viwe1q1CDHfJNt/EZdqUPjQPF/3opu0ddGTWWq9ZUVvX2ZizLmWa
+GLLUmNFd5uh4OjhAFvwosf+PJzfi4+KCWtfTOZJmX5yEWgSLQko8p5YPupNhga05taRwN9jj0ZLU
+x1EB8aFHbK+a4MFJrGsrSDaKRavh2G0KbZ7AtJwAxnJYzrp8UbDEVKnfRgGUaIknUZhWV+C8bHpP
+BA5yzFTNccZ11OIvYq6k6NIKZ4GfAfcNgPzOmsfleab23SErpetuST+WdvYCFt2F/3ubVsZZ3bAz
+j4iQ8CKBZhz08rk3g2M6jZNvR8lxATmsJRbJMONTN8PGrbT8UjaUlyY6R8ixi7hCuqjBfrPMJrLE
++a6oWMdm83gxG122SzRmrAtUBdpxKbBvMv3WXqqbQqdlM0AlI7ZmUarB4B5Yga8RV1xrgJWpAvwl
+tTDdHwbBXV4SAMwYwh0IRSlg5hhAc/hQ8V51U7rE1zB6DDRBOasgnbPIPq8Uc6+Cei5BPjPH3rXw
+jRNQ0KBWHwwoW8ArsBYCi9YENToCH62BkSaHxHfASv/5svE8fgEiVn7p3pd7/w/XhKb9VhT+UU34
+y7/9u1/+/T+8G1F9/a2/14SKLQpC2SCElxSf32tC8wPLIfag8sk9Kwq/t5rQ+gACxWSqRRYJk3qT
+cvGtJrQ+kPDMT1MJBldMXTb/TE34XTgEWWIGvxgRxkyqMM18WxFGhpK1Bta6I6ZCiqhl2zfWPkxg
+OUeNX7X6YQzq7VdH6fhrCsQ3jl3ru6kYL+oQmqY4xLQybnsXJ6Dnsrw4fdUcI9Hu17PEOCnFu1k+
+nry5iYrPywik+5k5+Qkaffq6dmSTrtTD3a9fxIAdiub8aUYueZJQ8LRFzY/za2XDhtEZg1ktogKH
+dFeBGGh65cykaS0rk05PvOawQPk6x2W0W+rxxh6G66xDkmcNyrVuIeMjY7wCW5u1ZNCfXs2+Uxh5
+4uQArD9WT1aJSBCDLHuZKr0re9LZM/XJ0djqR8r0uljSS2qpy6oJN2pHisAoL+OqNzEjkjHgpPhF
+VR2g0RTiMBMmfCyQ6Rqvm1ktLxYGEm49TDskiymBckzIs1wxU7LHy9oJDk40vUK0f4iH7Mpom5fm
+ViGpCpHqwbLZ9wjPB2tG1qUVxKHalChz2ebBgTlrMqYUcvwsC03GSYUbTfK9AWMicBqSbCCcdgNB
+gKgd4/STPMYZEwuEDihUi9B4Gky7hsKD1jZU0l3v5PeDJUiZxkU5jzhJ2otoW2nKJ7tFlZzF2VVs
+dV7Va2zdzZssGbfoitftGHlkjz6nrOQr5C6MRsuPg7VugvYMn+42A4wbRi3IXP3CCHQOwAOKHJSM
++m1pFneOpon69raNj3T4TLOAQmMMuFZK05vb8nYp9We4nIqcPuErW6lqg7KW1OdVgBhULB590+xh
+xDq3YYO1cGXW4BbBnVrFckjD5KPR+3JQBCstppk3W76vtWDB67cDWxd84GfDom8cKm5aqAX1ibEL
+y6dQ7b+M4ChWgWbR+cebLIh9NZO9geaKLAFjxSUIQUEjlS6Sn4sZUbINVIjHq5QOr1Vc3yGJQIEU
+QM+Q+DlmW+NYwBaympyRIavDqpLRVRoYFPxqta4MViVZ61XyeJ60Eq1FLXGmtvegnjge0DoQ2cC8
+PNQyDNKouRBjKe4rbMiXNQI5NzeWHH6eiQtH+1jgjeecWcrhy4QiLpiMl7yVJnbG2jNz3G3bYB8p
+54QHNtLSukJMpE4ozpAKXWGnQIg2ukuF1GfExqKoBZLndej2TsOFBiFKX/XIhB2t+eSk0p3UAjPX
+HlrjKekLfAztFeHT6dpE9duoX+qO6yQZRg7B7Km2aXN9WSutTPZzXvNu8ouA+Bg/ipbPbD4tODtE
+MM5WdZVaAyPuFuAUPekf37S+b52B0MkOd11TcZjo04l/0zoD35BUuYzYn4FanicHd6l2o5TQphxE
+HB2lFOqOitxXcYAOFtXnT36BH9w0NYWtFrniiqaYxrvePdXhFU9K3B7nwPEaNdrUFVCeVkY0lKzN
+ylwrUrCJqRub4SeRM7zB93MD3rxiow+3dNK/ZPXdDRvqSYLGMW+PfYRaI26TBNUaVkk9De8V6l4G
+0E9SgzKebOa+72/HHqGBkndCyNlumHoejF7HGV/u2doDoNIuw6rcO1Hv5zORr85MiIgVECasKutY
+6pg6YEBzUlRyRCzTo87h8jgM4efcsuBiDn5mWpsMRi1+pogryGREjNfmyxDYZwis0Hd6cglzBsJY
+7DhrI8x3akVcjshOEdSCNN/nUv3lNB9Y6tIvkmA/hw+yAbPdqA+jVSBC5x0kk3YchEa2GT/LRnJv
+EVGEICA3uTC5jT4sg3Sj4dbrFwBj8MZhB2CXmRDGVdVwhwLweowhQfLffsju2yb8mITqfW8QBR5U
+WzOG1tIH0WU7mrfkMuI8btNnnHbccwokyicvmFYiTwdCJ9mPWjV4mIBvC844qlXcXZ3mzrUCxFYL
+X08j6VDvkYZWbqyqEAKaY1cYV90yXZ2EwMLowc0UFPBy3zocqbKFGIrOy6ou7YBJgtXeMXBxJYz2
+lvmgqLjRkZCTs5jxlMqS4KwHIyaQ/FK/PC05iS5PU8Vzq8rkVyvB25L3m8wo8M4JT4PZ7TomSraj
+nlTFQpwt5NiaVWILsc+If8YE4tSfcmuGWcNdqeMBV9EzbJE17UZiKLnsu3WrIpvTbIlw7WuIRJeY
+IC9zgEIFy/6e27GZdufiijPh9u9B9Ls0xo+NXX2auDxD7aVfUEsWavWQahCzbe0qDatjlxoXFApX
+haQhroWP13laBjUtax+lsT+I1yhGbYsIW17EnDi+nJVx73SYIRt9E8xStjJK7lzxDJIM6sLpUv//
++JqfL4cJH/3tz1d3x++Ww5Tdv/yb//qu8v76W98qb+eDbpISSf1Mbq719XLY+SDLts3a+AS0URF3
+vFXexge2wqrDgs6SEZkImsxb5W180FTV5hkgs8xFhKL+H1XemuDfqPxAmgOCxd7dz+cwQZ8W2h2V
+nXrTj2T5PHfSvaGG+zB6dsL4J88P44TB+TaTDZmKrhP1phMiyAD42yeYjLS5kAiaPDq5dSzgwHRl
+ioYk2o59wO2s3Fuz5A4GwzdlgJhm+m3NYIVgrESLN0yVL/F1HkQY6MgumKLOyZsrlbln0m/mnnjK
+st7Os+K3suKTq5GQYKUH5VWhnhUMehjrgIeA+OJcko58YeTa3rRnX5+GizAc9iW27iKbGR9JG9h4
+DEHiXVWUW4Qra0OZuW9Bra2mQ9c3+yZVN52puUyvAWq4WUmOq1Zu+yTzK8nYkzyKFyMKZ8+u8zPx
+YnzDc88DuSvUu3JIbqzY9BYGH/YCUzjTiS+6myXLw8J0ep1KUdyo1Pc46K9SJdxbebLW5wpeJWvy
+wHRlQuPFixmG7idTMLmFhepFiy/H5F5BYTmRQ1zZ03ViwThkfJlOlo/7ZTdXw7mq97hAdcwFgxEQ
+PQ9dIWpurSg7JHZ0iOtl6xjhhZUeQJiDHCo8vGcHfYK6JefDvNZmqEK5xGR2Bh+o4IZge2cCdxW/
+C2I4RFnFRmniuygn9BQw0g4OEjAUY9Ut+V5EddRTcw63+WVUZZxEC+Y0hLdVcybD+pp5tJRunjGD
+bhzfyAMU+vkVTqAA1R+sj0szhSO88Cnk3YX4O2XefWQ0LvUXs+hykwzJcTKadR7UrlVTmcE05RE3
+ldcQLu4Ss7qoMuks5VjPQmbTUj12CNoyyT6f9fKA1wArpXHUJLClBZPXyKE2GLjPjmgvWf3j0aIu
+qGUqUUY45FO8pEaw1UCWIoLfDQXZ8yp3agsts3RdG+EZJclraKibGjBLNgZnZrixa82t++SqDexb
+QA1ek9tXxtzdLCqNTp7h54eWlLfXIRRWcTovZndw+B4JEalFuIbUGn5extu4JMQcnRQPYreYEk+F
+wg70Ulm6tfjSyorPbc3YUM2slGVaS1P5nGsk5ZrmJW6Ng5GgF+vRHPeJaBAuh5GJKr9xN8PWV0Zm
+xngeA52zzcr9yBgPBkdSIup14vcJE+DYXBGpXW4qdtykvj2IK6Yt+n0t9VfSLChHWNqy8RznPHCn
+vWKx9GmLvbhg0SP3Yb3PEw1F/wx/ZjhYwB7sOfa4Y110i72OOGghmLdBAZRcYd4GKBmj8+fTaePx
+zLAFJ4UzIgvlrdbG+2Zu/TjNtoaKR9ROL6Sh3ySFcAtpWxqvG5MKneZ7D7f4II/VLiQNb0jTPYcJ
+SXAMXOcxr3uvqZdNHurHlAzbtsoOUa3y7eHWNAJffDatXAG3ROLPBweSYivuSKFjkoetno2tc12p
+49GgrdUE4wi1Xb6KFdbu7HSJkSzPUoBISOLPswnUBaCkPHFlsEk98n92XHem2CYrgJUA0wvDuPA+
+ywPjhBxS4qi85DPa5SBE3NEye9DIkQijzB0AhzoCpRsBczJDpH9Krd2mGK8DIi2ZRWMwwMCKQsMM
+cbz35y1wKGGVTIBFaYIaBZJjjZ30S6qS4JQW+1xwl6NuQmZbrRfAU0Sj+hUgqk596QryY0rLL8FU
+zeCqZMGtKgXBKgZlFaoGJkhjF4C4igXrygZ6RVeLrI0JeQ4OqwWLlRtITYljwZAnBEY18CwAC5tC
+0LQssFoMLq5PTigSRY+YlC7Ecavt6DkWRC4TNFcAoqtucZkS2LlegE9yakKpFjgv4rHgErsV7IVc
+6FZn23pQutSbDeV1qGRrJYEGK61qY5QjwVl4vuy2eLJysSV8HFDPskuE4yUoYyJ/jmH0dhD8sUiQ
+yDrBJKsBtGBT9xz5rgdZBq8SB1N2NQuW2cnlr3bMTpIl9uZ6vGyD5TLq60sD+xs7WH6hhPecwVZa
+FEYaWUx8U9oLBFdH+TsOnCix6qaOGMdM8JEB+0M1K9ng1+XFPCFu7RbcVkWpYw7qQCQM4O79qQBe
+JpNchDBDvWsd9en0VZgsq3UQSs/MgDHzbQpO8B2BNW6yyP4M8HnGvTLObXjm9MTzkVgHasRQfa0t
+HrMEek4EmYYc8pEnYdIwJnm0ozB9auSh80vkqdtAhjPVM0JoDcXDTryGdnTfq9NRdkKyL1Q2WNU1
+cEe/Lme4NM56lucNrSyOYrwWOizoNHAdWiOpQkTSGbS2LBNmM1N3AXGfZG9vK3XYmDLDkMVGN7Ec
+O0grEFlIu0A/pGCtSF9FB5HY3ZMjc8kvEpoaSSoOi3OtTBEDg9K8GTLl3orns6xFfzGxXFGO0qzd
+IBeZ5bo9izJyrRe93LXoKbXsrDfqW9WMFDeWkrNWklZfVYs/mECKoeY3lRC6QH51okwNA42V/K4S
+KkryXJSh6Y+G/sz91KsyLLa0lSGtwv/OK2kWzTM9O6OKb2suBrm40/MOgkKXYZh1iL3iJtBVNNAB
+vNk/frHvFMnibf1atFLc8pdvX6xf0qZBvtsfYX57YyWvdQ2hnrx4f/wy1g+Onon02VQsi63D+zpS
+UjuLzLeoP/Ls9rO6Ws/S58zRj3OO8mmWfn21P9UM/XPcMRisAn7989XR/77T+Q//8Mvf/927Tufr
+b33rdNgkkM+LzJAYL3SrNC1vMlgTGaxha+hdGV9ZXzU6SFVYIxCIR5fjcOJwurw1OtYHDZwmP40x
+k6aL73pTxvx2df0RoVOcdt9cbarKZNNBVKua/FHfnZb5FGVor4bqmMOVZjK3khLTSxdMdmG41hNA
+ssbyk8uO7cj7l+TythS0vLrBBuXdBT5F4PfNqCiPi4RsYiJ513m09XuhHBB79k7CAF1YP3lRpDo/
+elnWPA7mS4dS5907rWpLxufZlUfSjx4WtIRIcgdX64Gy9U1nuCgf8OE+2AZSCwumHimZa1aOPcxv
+48FoSEzl1qtcWnOKFINkvflxWJSAcYrpkazwJSl5TKmE0hEtTfxEsIWTftsvTM5lB5OyvlzMyDJk
+Y7jpRnsrurtk0r2Bna3Y48YOLLpFugxka18a7Dk0mWkzjkX882gTmkg7hEb7vLCkLw2N/Wh1l0LI
+bGOLXevg6gR2A+m4zJT1wOe2CCdKIMkHoTboRmx2wB1npV93XbSzubvZtZuGw7Yt7/L6U1DOvhrX
+Xq/15KAk+7Lut2IxLz4M0po2tUa6r4kEJd8AjHXrY1I062ZG77xUfqan+Ei0tcxy3Y4YW3cB1rFX
+WfJ7ef5Ut3W+HisOsdU8a7Ht25Wksg6PHjOSCIK2WhfBQSWmvgnB9vSGS5SvWw4vWANhx6kPpjW8
+mLF8GHObSFO6xbxmyA3MGQ/5qJCPwHY+Na6UGeqCsFGPhs6Hp/VPUVLtHCfcRAgIqlJZW0WwqwfJ
+myvMquqLknwW+ocEBGEwQodmveZwFPiXBXVgyTdk4JvZQW3ESHQZLT8q/UAmaoGrodXpYULHJYto
+K7h/hv2RYTvjcNTOqZsn5FQqkDuQnTSc0uI6iokAEteUeIfiNG8cFQhV5spnpsivUHy5vpfB+Btg
+7PTMFUt9MmQRFwM9ZNZQkxnVF5Er98ASoe4lsK7R57I2n3dkDnpzaWKmZtNtTSvdyr0RYvU0cvlC
+p1LRWocKRDrV8KWuAhOVejwJMTAuWDZoXCxfZEYaM8fNzlzHKJAG4VqjYhGSgyQmqIYfg9F9nVQl
+SklWETAUywB2fLjRmxhsiHUOIfVjQ52hBmIXkXtKmB6EkRf7jFuPL5U+XHVy/vLVzfa3W9nXq8of
+3kc0dqO2bjIVei/f78ZicGa5Ko/iGFTZ7ZQoNLeUb0IExtVtssrS5ss/flHluwcsj3FZ5/4rEw9s
+fzeoSSW5gVQYFEfK29UnaU68MJw8kUxmdjSEaYDcnYaYj8+OKhpvdSuun45AyaiCRtZ+SpefHIfT
+duPdPVxsiXm08NzXTs+Xb4SDmTVrWsSvRCSIOzAQqZApZRwJ8dvUswVIh0FH022QbKmdDgCjYy5R
+7VLOIwmw/zybrtB6CTHVDDRigj4IYY80w1WDCydlgCtON+zpq0qaNrW1nMWate7lwJ0W7dxsHTIA
+HS+dWXXwd5m7SzSfwZnDLVqf/glHw9qREb2Q1DgwnLEasfOiddJRPCOxKku35QgtvbkeIt03OK2C
+4pK8yXXVMtnm3Ld4TsRG+cCy0tcK6VAgIrObYS0WO3Oh3uQ5yN3RpEkdXRu1k1wjnpIiP2euzpbU
+y5piS2mJ+5IEGq3l741vpBsNJVMaD+sxqz+23BxnR7r4yQmj/ui5Y+qOwS7fArn97rlTKCnTGDIp
+j7nK8oNzROEyTgLWwGrpCkEfgKqdEJGJu4aj3wRJ85OaUIxS3z1xTRUzDacHwlfMM+9+hbCd0ZCW
+cQ25k2gUFbQG+rfWWa60YtmMicdU5gASwpNivHo9zjTym6VBP3xpdGOTRKCmyjt4kOdltvg/OTrf
+iV5RG2DmsWTiYRWNsS6/+svTNc+W9q9/Uf5FyXhOcmKnOkKg8PoudTuCDpLSjWOebtwiIcSe7nmK
+iR81Tn/y8t/XBN+++rsDw2aD8ye1q2NP3sLCvbiXW1fcD3lA/OSNaj/6DBjv4myCyY565Ns3Kqtq
+LTm1VR0DFliBimiSZ5y4ELh15uGNSOlVsvtSOWK12dUx9HBD/smpKN7Nt/cJU9WQswjHE82B+W5L
+GpnLmAaOxrvlYVAR+iJKAxvZpNI3JH1ct5W1++N3rdo/OvUY7gvljayIof23b3sWujykudVRy7KB
+5ZGDKwpQaaOsbbhTbjoS2kbYHlm2sGmGZgJ3S49bR346VUTHk5tXzNzRusrkiDmYKIeOPLzSr3jM
+GtGNPX+OMSZ2S+wvhDrPWDWVOXMzHarQkHqSHT6nCltRe1S2TZ5zDqUmMaxmdV/LWn/RYQRY53xz
+OOQP1nyTyza3jDy8U6T9gpKYeBB8FjgvEUYjNNNN5lG9cz2pIZlwxm6OcTtja1fZ2pW7iByYSU5W
+lRMBo0d2THDVDUpdFxgHRMUOlWKrSntpqMyzXAeIYkHduA9DbgU0wyRWzjVZEmGOmZck7VVqYtmp
+lHGTYY2RbPwNrZwpnl6S9m1Z0m0TLc9BUmyWEWp+IH+S9ODcllvkkA2p1BnjNZUhkB6iiUG/ZzZ1
+fSMLmuDAOsCJ5HQX9PG9Nhqlu4xijoaxaQqhY6f7Ql9u1TGKPAJJQOKg0SieCE35LOUJLGx8FdbI
+4KQD9+F0N3ktn/c9soU521VRtW3HAVPYInTKBFCO6T6WZjRL+T3qAim9iTRhCcIqqzUkId4s5mys
+6qVsUDAGn4ppuptbgmvsHMvLVN6pY7iNZlCc9Mox9bgyRDE8apmFfsd4qMYK85ARLe9mNpxbWOQz
+3vNYq5r10jHyKu7Mfvmk9/aaRXLkGol2X8byJytvkGfq7uS0wDtwfbWpr0nTx65gn2HftDZpR2KU
+v5TbGfaQ1eKC5QkqUSFOjLMIRjfup67fhIPuySBG+1zHOzeg4OnqVdnu9BJkrqLfKVXLSv1CaobL
+TjCntHyT0VGheIT4UB/I1+KJTKkW6+DRzzt9JhsNns1ly2FWQrKWO4DSVXUEHLItDJgJAWGgceVF
+hsYv2HgmQ4oWqxlCK580lHNLvcpCaZNs8EjdzWbrO0RdSoyctXLaavUMFE5dq07GcIsDQFWnGKSo
+2/Itz+GNNM0ADOHpDek1nJfzxmhxCFcwCxdSgOHh9TJxT2iW7I2VGkSFwz9dFNxqrHhtwtRXIKxK
+5A75pf3gOG4jqV+skd87NQliAOeGktZaZ811HkFwQqpzqSW1zT44fkwBrBgUlK1Jfp6aEiM759FT
+Ms2vqrV4CkTemAV4a5RrcEdeNGOuH5RnKyAbrIn24GjWBAUxdi7GiwAzRFblnmUOyHslLxquirwh
+jVHTL/P5ZQqz2Xcids1SbzH5L8mUGfiJxbg93ff+1Fzktsz5zx8KL/85jk408x81Ovnv/+mXv/8v
+P844+eoHvA1Q7A8mQkSKXIZ1DEp4iLwNUIRxB8OOZgNc0xiZ/L4q5l/EHAwVr2XietCpLN4mKMJi
+rMiaAxWK/a5YPf+JCQqove96As3gUrF11bZUU2fw9u1Driy7ZB7IoT1OKfJ7SFECvqeVzh3BV7gP
+T2yVZGQwfsI15CI0FxqDoIB1LbIFJj0vWsfYPOHygsGZApJjlcZyYZ2UBfDlUYV0yCOB+fGrjJOP
++XrFpgdkoPSoijuLLcUYGrilojHckr24HjtM8YnCD+8HJvbLDM6nRBgpMGSKAPdX3WBj1kAqMUvF
+qlfys6gHg8vuZjULrtMgSVd9PtxIkM4CiGfCFSPyRE6OWyQtblJJW/bnbjeN1wvMNClMiLOXwJel
+Fe9AqZp9HejHKJbXVjjdIse8E18KIAIyUORb1fLFEYg2JiavCsy2DHZbmSH8WB4ViG6SQLulAnJo
+5KQ6wks/Wa17p33s4TJoKsYFhTB1djyQyxn5ayArw1c1Z4oFUkQqxPNPIOYIpmLJN3ipgM8JVakz
+Q54ZIyxWzUASXdTcj1LDV0gvIRz9CZJdIJB2MWw7zBhPqYDd5ZayEl6lU4zKyYDdwijC0rCcSb12
+fdrmRNDzSih6JjS9FqpeDV1PhrKHxNUPE9aWBoq/Hg6fDI+vD+q7siU5zIRvLcXIiwb1ipk6HKgQ
+ICtMPwO2XyAgfyHKKgH9U9Xo9sTCrIDnCSzgSfxUC1Rgqyqw0ZYrhxgpEH4CKGhAFjQgDA5wvRbT
+mFc40eGRZQLzk+bjnV2lDwlmCBPTBgnqUCaR9gPCjFZs+18bFm5GZO9t9K1w0nC1Mt3hg+qgIDKC
++V/snVduJEnWpVfkDdfiNTRDMKiC6sVBMpiutTB3f55tDDALmR3NJuYzz7+B6sxCFv55nga6UcjK
+JiNcmF2795zvXA3y2AWO3EFiEpUEok5X1MCasd/EsBR1ynvQyuVeC9M9R2hIzjIZJtZh6HZ1REfI
+WNsxZpEK4W0YG3w5Lq6QAMcYkmMH0bGE7Cgt8L1EPcYwHwecVC7zXzpbmURC9pINCSNSRviIKrMX
+WS62jIm2Y8yYyOBcZSBoMiVoctpZUCer9Jln/VEvNzFESpBm0D+pCsM4vncZv1QCDkz72PCMWxIR
+FMO2HGBcFhJ2KQEt4O7u5FXtuumF6KJKuTOyjKkP6mVbQjPVapvkW2VkUi1ydzPz5ErHe+skbtOC
+uynzwRSAOt4VvwM5K0zUWCZIu0jpOGWPBfROIjBuI2CeMD0Rb53n5z+TuE9U2SsT/qcOB7SQPFDX
+eMvhg7YSFFr5mA7oi8Wm8oz+sFl0EioaxbcZjFFGg5LSNa5M6KMj016NUV4bW7jqx+mjBJNRaV+l
+hi+bV2h+fz2E5XRUVMe6kxAm9HPYBcVBpsFNtHhc96WDiVrBRoXzBUUZWmqYT/duNO1LKKqQMPcq
+V2X5cx0pGUYbGbdYYrtJBt604yEZp5cONmsIo1VVgbXapdjniqS3wpoULp+FGo3zPfcowElEHB1K
+Nxv+K4E6jzMLU0CGzVV5R4xFN+EUGwZ3adYNsjZ8/KXEypa6shEkUHZj8DS240skq5e2udEm/WoN
+LJ/GxGvdwKptYdYGEl7rSYytEihPOVxby8NZ2a9Sw/5Es7PVfNQMHhA1lI16yWBSQ4ANJbeUuFy9
+hgcaT68VFy2t281oM8wMJWK3lbBdYlcsTScCgsGyId8E5LYNdN4KWoEicb2NBPeGkuBrCiiazINr
+6VUm+BTvFj+lQbbuw/8dpfKEwXPjpE+TNN8ji4RHBNDFYRHUEAxGGOZJ2TunvbipvNZeFPk2gC3t
+wh5WVfXbC1dy25hfSFVCivVa/Rwd8OQzEBiOcQ7PeJBg465Cpp9K4XGq4RYU1RtVN/+aHKtYQi8j
+Yls1B2a0R39S/l2altDOBkG4ePxYQlf2IlrPHGMiAR4NuJ4qMcySUZRwzACEeqWv9xP1laJPTSE4
+y52zl0jnCrazBePZk7gLj1VMgf6cz/KQR0tCoUPo0FrYQVFjycYUzusMe9IYkDvXyRvYOGi00XX+
+njmE9GVWD+8ZyngXGnUJldqS67PEVM/Da84HPIX2eZQk6zjcNy12cYm47iTsWrHBXscSgD2YanuI
+YWL7sLF5+CWJE1O9BTe0VIhoxjIhGp7MlAKV9RaffImCXaDUds+VkrCWRc6GuQ9qWbSYuf8xTPYn
+jxP3Gnr3BMU76Y2LUo3v8wJiabgYbPugS9Gm6aQPZfApUXAgxNF/NvItnsSPquhXitXtvEx504T1
+4kkAvQpd3IIyPkjcuCXB4z0Ecp7iDEkCo3HhgocMza1wX1njyEjgJzpJuvKLQ5dO+1CzX4irfxUY
++FwhNnLtDLJppFrx7xyjPaguWDhsUodhgk+ZjzirEht9RWCQkRZfBMjEBY09EHQRwaAysm2o1OfM
+ojhh6R+kxMZxpyVJnGS9AcEgdiJH+wpydc5pk3Lz2V6CXHldkgcxdAg2ODvFSzI7N0qlrkvzOE1c
+8MRvlqHL8bAo+XwmNPmk7XcmdHmRBM/zpcK0SS/c7NaVGJ/UeBpWaq69C2In4qeIEJpljoKi0CRC
+I1lnEO09yPaDoqMLGMclTYqL1ejXDNXhYmyUPeOIvemmr5lbw4RVHhIy5lFbEHbrn7uWQODMJ7xu
+8KZ9bGeHoGJNdmVuRVp7UkgsZx36Cx+J0LDMerNT7WKX74HFY0RsLJEnkvbrTvY6DXN6EuknnHE4
+8BrYrsw7RQh+e5ks2RrdVzgClaDoIjUOqLGz7xImUJOGLmLo7U1gQAxp6/KtD95UU7lR3Ag9Emts
+LvMY3GBtGEy7wjraOG10SHUSbYf8W4LgiEYOmHOEMiRhNBwYWnUMrt1eOOyziwIP9MK3Uxx7/FEY
+FYQst1RcXYAqTadmgK9Xj4S0iy87H4kuTxsUGJHcLar4Rzh8zcWQW2mfSOjYy6Nwq2rVW2WwV8Ft
+vVqoB8EXyqBbSoIk/pw/dF+kKCCKV5ohydIvIEcblY2vWhxwZUbi1Dotv2DCxzFHWehSGGLTlA51
+9RPHEUXprrBZoXqt/gytdWBwMyxE8fJtbVB3B4X/UVnNPsnKEzFXrGlE8fUGr3KGZiU1v8mf32R9
+/DaTlH3TfUGYsZGbNSFeV6yPYBplzEdRGrtOx30rgcv9/GGn7I1Ceqz7N/47UrywWpaxd+9b/bqS
+lNL5hrLSs7wnDhGEXPbJX3VxgyWoXdpT+qnlxaeupecx1E8Jqk2meOwZhbxkZRsfpOmHxjYxRJSZ
+NNABd+QfsROGS/NrqLEXlT5XrbDqSz5iIPcJs5IwbLcatmEqbi0V6cP86Z0YK3KIWOjG8N2OfB3K
+ZXcgaUTPTllurRLD39nyZQjUbWh6BNUjM9KJLZf9Jjwx9Nhwp9PzvUQcRHyYYmxs/H49GnbqORgr
+wrGGD1fas1RleFW1b3fi+ZK1ECHA2MJbNj7GCIHn7DMEWIpKartv4EpHz1+mn1CKwBATZpXSQUqH
+V0MaXRJES6Dm8pM2RU9GfopOLdTdtk72gQGqSeOuqFQLoj3N6SINAcbsyy8ZPTccMAOMdqcgAmui
+8JAgd7t6r912g7TnM83blSMJQ/NbgCWL3EW5+Xmee6DlgXBMRgCE2tXO00+UbU9KtXS1/GVI+kd7
+gsfbOe4tr/tNYFU3kketO3zzaSSczLbvZnHYfHkGC10ZYqXRFZ9OtQEdeFFrBQOwvQ8Cbyd87WTr
+9T2I8pUsHS0ZnacN5aqvZHtTRfWbqC+eXOb6FP45h6IXP7wjfuj6M8pEes70qsJeq98QaJHxZgAd
+HZNXLV1l5FSjuaFARaGyNlwcEZW7jErjMyLUcFU7o7kOSZCTzvcuiE91H4BepQo1nGdDREvPnK6m
+ZL2XbvFW20OzaFOfnAprF0X6VX7pGes+XzdyFi/NMTOK1yHy15aF0SCr67faQW40p9jKbycVeG1Z
+fQuzeYgtVnvbfo1U/djWCC21kS0sIIZGL8szgttshzfmHlBmElRfrv6phSAdK2eHp2kpgd0dWqhA
+xXylLpF94FfWcyKXOKMgcnSxMRn1unGTY5ljgU6QT8+LB07dy086tjyZGIyVJ+1tiDRkmw7U61um
+hAvV9r7HvH0Pwp461fwxFKxWob2Y2ZxGFzxJyxWF1LZMze3M0k4tZIuROXWcN0PMKDS++u7S1cAa
+qc3gEir6Y9/HC0EPYb4YGIqjpca8nQr0dnCzm9QoD2lgU+Mb1sUhQ0KGEoiIRh/GR29RPuu1d8s8
+8JjxpkuGfgIJlRKd24UId0T4aFq8kVL5GlOFmzJ9p/PaAxCrr2Z81HKg7SOUI9BPxoB9BPzzntnS
+G7set9wYrrHrQr7guBCULMDNZB2d+tuRS1GYYZkZaSkWfX+Vj0ReffqifrE7SrLRsrEbxdegEBdb
+J7JVkC4u81t6cLNOz6kOzfUq9P2jTDUKLYTKiUzHpnMHKKLcO5bxoo8wqhV6gSjgPiiL6c4D7ok6
+Mr/5za7IbmPNg2k1Ps93wO3gfWBvEgvWITYQ4OA2YUBzmnIT8Wa2+M+JiXkemnpbDzxlZf9uk8HI
+prysi2WvcuomVQwphV6920N0LfoOcm53a2nOpfA1dvD2VuLko05/V/N2TXuFejpFA7hqqaeIwGI9
+r6lWF2kQFotMW8916gjqBS/fEXQ+Q4x4eC6EcxMXaIIH2Xpppgw4pX3j0dimqeN+zTA5ygd+DIM5
+I0rf7Xb6r788J1/NG43ZQg/PqUMMOrvzXiutP+XwZZvibbKkDBR4B0cj9VvQLZ8DdNQ2+Jx/ZxaZ
+pykrOeywmnEauyhjz8rYEBGYu1+DrG3LgYXGIaJ3ICtdbxCTazeK4jzJVILKVe5nU+o4VsSjqOCb
+C3aF+YmYA5AQoB8V9zBnmowOpZrPmTvJa2QpE7W5qLxb4SU3k7i0df+TO59nxkukRdeYxr/Madq6
+QXYqVGNbpTFB9rwt2pSumC0d5Euu0r9x+HFhMaBlrw8lneskNgGZs23pnPga+BljHq4ThgelXZ7r
+ulxabXcIMloYhsY98koKs86ZFrlF/8cxk9Mw4G6ViHB5cBNatUd5DVqBZoAm/w9tH167yXtpAgC6
+kRwyNHsGrefSHm5kF2UWsyZ985Qn1bDKlDPPwyEPjVszEtopvyUHeVcDyVgJMAGim54caAo4zi9q
+S4YgNLt7n6aMJcELu1JCGAKJY6jhMhQ+o9BGohpymA263i9qmHiHwQMvoEqwgw3hwY2dh9gO3gJF
+OwsNAm3fW2+TM945Eg5hQ4nAiWYv+aS3eYuYYdKCtanpDtMz81xLwgaO4LshbWB+h4yiYLwzQBz3
+Ua+R/CG6o8Pi7iktuhn8MqTkcUQyNj15d00dKucOXE6TtI9JEWCx1vOnkbDMmvaKvF0ygKBK0xW+
+6GNeX6OWs5K0u82LyiwylmyzYlIwZSyHXD932nCyOx8jBNIlljQH1E/vAxLDWxGo+bopMmq4G9tR
+7muctC6goJQjjzY+VcpHNbCS0A19UuT5HqsNhdsIjx6WhxJ8YjP6lLkG84vggCZSJqxkoIqIBnhQ
+QReZoXbMAhKZKyTogdMwqQA49lo0Dt0uaOctdWQoneaJbEla5gN/wtioohpSwL/yeRoCKdtDY5i3
+vFVO7l3n07BPKhecxU+r0NcyHEGnhbLoVTTjud+dRmt6wnP+ItRVXDlvTRM+T6OUNPvVD7uLgauy
+T8tjQCVdw1ZA3Z9zJlk0ACtE3D6i9Qp+LiitVrxlSrtu/Xwn320NYYfj9QeFjpg9njjU8M6Dwmhh
+0SScoFIsCzTZqJkqa5tFnC6c0N6OTruXtygz1ZdaNpiI+aWq0nmj+s85xmrAVRTp5naOlFflLt0U
+xqrU69McZaCM/nsbPvZl+4C1+l7DZdD55WG0tl5af4oixvQYvDB1vdMl0A9egF7ZQMathy6i2Jn7
+T3BNEIT7j9aI8ZkWoWOp4CiVBRXugWYxLYho+KFnNGM8cIuRlu5aTvFbpRJrFT3lSnjtzgr8T98n
+yNeMGNNFbI1pfPj/85+ZQ/vPJkGEqf/1n79IBX6Xzv6v//F//uf//vv5z19+wL/nP86/8Ak6IDAM
+XYJkma/8e/5j/Qtcmu05TGWY8UgSx7+tgva/NPSlaKAdZjOGriLI+Pf8x/qXDvpFVW2GQExu7P+W
+VfB31rShuii6UfhKD7ZtSJHJXyQsXuJo0RR73pn1iaKWsmTE1tU5a2Vw15ZmL7MyWNNhXU+xcVNZ
+7a2a6dteVRdqoULJ8e67Bgy/WZ+aUqxGSKASbEr+rJ4AMMuY7duraeJlUrqRfERkhQW6mFFljOt4
+eIHGU3LOsvHOlPmcemM9/uW+/I3KTkOE/J+qEZz1GqIh5MgGIzbrl68nxtDs6qQN7qDlPnod/Z5E
+3agBeRrDIeraDwZwB6AgRG7Wr8mT+tlRAbaxejcY2unPH8WQGpn/ELDwUXTGg2ie5eX+VcdUZXke
+MgP2z4pb6qQke/s0cC+KXtIPGxjOjFuTYOYK8S3JCiHC3a5Z1GVDYkq5NMkG1JL7CiFpJIqbEVHl
+wiqbR91keJ9C3FebI002bGNoNXVUb3X3XJXmjWM4e1FDteyDn0Ni0DrBd/F3V/b3saHq4TxQeUB5
+vDXvlyur0jguvNYJ7mrCwRWrXIuuPOit+GFEzsoFA8pcLrpX6/Ro+N4XmpktnLzbPOn38OgXZT+u
+owxWGoETD3++0FKU85/XWTOQNmqmbumMW3+VrMXGWLQas4IzGb9T3f4QhfYQx8yYYqQcQfwyVfbz
+n3/j7+B43m1muKCf0XPavxEcDDqycd/7zll3upXmghn1FfdcPk1dfkcXnBJNN3AS6dm5HgibBDVr
+wlMFBLL48wf5u6/uafMn4aX+DcIYKUWeW9S857jeZ/W4jVP1ZTA4khEVW34i7fknXdjvr5dGGLFn
+6jbMIJwAv+jC3IG4zUbwxesp/OGHLTkOVzUoFLrGhOTC97Fb0jbjPMaGh8ompIaK3ZsYiG419Ndw
+/eevPy9Wv9x67js6NcBGjuu48vr8ZTGzejFEljf559QxBjyWaH2BIB6L8joW44EwbPUh9AlbBYn7
+wFr9YSnFgap0mU8J8eF18mSa2VWr7POQ92usfTw0+kDs07DmlHt2BZ6XpFm1IGjRIZ1iP3pOfNTc
+LCupi9CwLv1LXGcbJbJ33khpPMXUIrQZ/vw1Nflq/fY1HdtSXV2iM35lbVaapZCW3PrnQk0uU9gR
+bW1sKiTMONAKeAoQDVqP4GVbIfIlWiOH3YpJ2SiTtWQG/Ni7tBZda3j/88fSf1NDctBAmIcMEh+7
+a0v2+V+v/mQ44IN824e+b+w4QkUrhWNK7dT7wA5wwHoMT+1Eg+t3MxrWuhbdQ2qwY+DqPBSMBg14
+HZkmk34KDhTWKuqsXSDEi5OU/6AlnB3wv15B9KQW4BXNUm37l+c2H3CvpAVrcdlnFyt3kV439xXI
+kaaRYq0Qb6rV3OZKechCh49e1veEPSxNwnCycKLRACiuQDhXtNvOUakSSfnwwlOrQhA2Q/smDulM
+UJOgTR9IaS72WYgrzo6SL8cVz0jh10E4nKaIuFftpEQ3oa3eldBJRtTHVtdi6m3dRy8fvyh2Q7e1
+Fr5qwsrrZbs5qfdhEx4jArWSQSMDFwVS2w9PUU/mgBf80zv1N684enEqFGw+umP8ts7rQ4aB3PPP
+IWtpXXX3fZ7uO2VtiGEfueNLZgaHSLWwGdoy9REMVV5c9Tqm79zh1aw2gUxXJpD4I2uSd31UfJgZ
+8sKk/XVCDDGpxXNcR6/W4EpzPtiNLL/Ri/6p4sBn2+QquO6CyPoNjwOHmCm878bV/8OTy4ohFcaq
+a2Oy+c8n1yXUzRhohZOVueqs4nZo81PbDhtW8a2Vp9+Z8F77IpQtqUNSi3Ufj895GD/ScHjq3PbJ
+UYpjpCayKbad4htCs55dUIn//dUd6b7qSA20zt34RW3sdl7UDgMP7ZCVu2Ec1raubgnkOev6MXbL
+nTD+SXP7+x7PjvaX3/jLehoWuZ+YBetp4grwuElMTpm+1qG/y4LDHKunP98I7W82MF5KDZ03k3iK
+tl9+YekEfuLjfjpHzEZMgTFGy9yjLZJTOQrQUdXACAObAIduXO1DWZzGGmk9TZi6dndORYMfDrfe
+1mu6Pv9QV/xN4oKGTcGBkwRTjxHALx/OSvQ+8oLWPXcSHGAhBa5BY022/t1lVcb59cF16R6XseIi
+DBruaJ6s7Z7OnTkaN4mC3J+wI6leVv3w1qutZ60cProm/ppGlU4BE6i4ZCmnYeKI/nFwe+L65Ny0
+e5PPG5zMMIctRyrYPQfngq0IXgbH0Lpy91GwzS3nViX7l/YrWMxANa6DVme8OfbS1zHe8smIAL6E
+NazvdgrvPNXZ+a725PTdZrLKfBmkxZGeF6mBXf6a1+XKQ6fbBfZTosu3GpVXOOLFLTZxbWzDLfgg
+poF6QBproO6N2NrLT+01TkulBfuAQdAUxsFKiG0SjMdmOKoa08EsIlUysY11qzWHro0fhGofkFi8
+sfDC+3Xew15KuvoI300BTJbekpFXyz8/Z7/putmpPOTeLq4TQsP0X7TkdR+l2Ih770zff6vH2UPP
+Zmq7yrEK3WWcxs8Zzi763vd//rWaqf7+RllUpej5NJd0KgqV/1xpFCcec7uwlLP+Xk/Oq3AYfM0K
+O0IK78gj3qQ9rGDhbQi7ROfWews3ByKdp/pj0dqoqdETKAkDvVIbfwxxv2FivgMrAjg4OITWsGM2
+pImAl/U1NZSDWzLRIsKeY9kIeD60TCLCGud9tLrlEKLACK14B2JsqxZpvRlD9dg3zVL0XwQcoajC
+yrlPdCh2LQmV05TbS6Wq3lJREqMBSo1kiOYa4/XcRCJ5Sb3hlc7Vk5f5P/RK3PYGTSWNNbt0P7ug
+u8Kzpx8i2+JNXj9mqMUmCUPwYTAvkFzRkUTgq3II60OyD+EIGLn/lhd812KwV+4I9rlJSMny79su
++5zjLJtROlCc11wZ3zV9+Gi5rmkMzSKhf+vH+Ojd1GQmS5CCaetL4haeMmPcJ0RBK+HwofTjO8fX
+xU/qIz2sOYVNTdWT3QsGoNlnitSDqEM+CukKNNQHheq1DF79ls+rWcwNqo52uI5+qZXbnFB4/ENg
+/b2HriYwUUa0ePLmvFslNK4JJ3pyNBIMBcoWESNkXHuVRjY4Ebq9CVRKdAjqorXFclCdj0rGUJtS
+j9a2DF6nJr5Nne7YFERTqeWtq4ZPjKWvsxSxZIpX3HvMxsa0fGrU8QGU39pMx4s3IN50U4RN8AED
+hBNqwWhYscjGiMF7Gagv7ZipvgILZtYwTZJjQBY7qJBArNKMzhSBqNA8YC0MUmGWPLQCGgXkF6Bi
+y9hTIIH44ibyh40SY9JUxmMF/DaVTs7GQw/En3C176rspR3dHaK0lWJvVTO5o777kYTIPWddol3r
+hwCs5SwODDh3kqyB7avsxUfuRjBClEUTBPcj4j3a5GgUBuXLEONtQppTQHgvUK/ICj+zpaIzENYV
+RtPDVENna0KiNN174ZhnnucbEPVPo5xW1Ppwsvz28POKgFTv8e/O0iSpv0sa8r4t8WLH2XZAdmcG
+JnoZgi96AURtDnGd71AYhWtFRSznSxVBjuSOcEt6qEw/dYXBufxNs4JW66PnHP1ibfaXKchP7xyH
+UbXUBDS04tJHziOj71LOZqQihRtA+o0UtdLKfu7ytbsnHK1Ou/dUaiC5+bLVGKti2YX9QTLh0qh8
+7Zn9pfqEs6JdStUl/rIfExMTGqXchrRhee8fK4xyUjQoI2jjmPF+wiKTDDQsGz+SmoMf2dR9tB1j
+s9Ii/6eptK0jpnsJmst0qUQbLaDM8jGy2yU+qOPPS8K/lh+fFe5jqOJVnThrp3xH4QNonykaPDbG
+hj9cPUIQtcgHF50E+X8+U435l2NBxQhaeZtc1W7zKWdvIYIxyrOnyf1Rqcz/EKy+UoDPssv547la
+CPuiPKfzMJyHe0bvFS7qAKMmqC9IzvNfDj19hx3vgN3hDvUTg3kkPPawnCck8reIHHEFM41Ozc5V
+W539hG8XgXaWCkip8Ax0f9VO+s2sEP6pbyrKR20EN8Ws6udddkki1kkkTiy2zJSMYsnkR0iyI5Pk
+brI+OpKMg56OuswNkHdvfnXzTUHysU0CckgScsgI5uTQKVqY8TMje15+1d01GtARWxx7/jHfVGip
+Eymq7qW8OkFnraK3zqXwGu0YK2zE/0wsndh6vkoAp2Q1TQLPuPbA/GRRoduZx6lzpE2m1msEG4p9
+kTIGx9LfPAUyEH1loJAIyeg0K3ScWy1gltbuNNmKDqiCO9mcjulS+3SrDdm2tuhfd7KRPdLRHuls
+Q8hYSzGsTcdbSk1U2QKXQ1/dgRVLL73zdWw6rD4yBkeORnzPey6m8FiOxWfULbW6/eLOrFv8ypC9
+x4/EzT6Fs00y+9GZWNr8L+ZgH1Wj7m3kurMYYWbBdDLuuNf3FeN+vEfVsjbcZBnajAFHNTx29ha5
+Bc7iAovl1EZLJXPh5dYbxWTIQbcD2XXiH6EF7Wuf2GU9fHarV+SpP6Duv+qgfYg6vVZDdokbd8WI
+jFGXjY4zmxDdSDFITw/IzZh+ymlEzbqAn+S7HczlLJipuuIBofhKICTjHmwqULpEwj7FMTqKkVfE
+tv3nOql4/rN1G44rlj8UfS57hNSn42E5Zt5rYWwLTdwCAXhuRqCN+msYcxemmfjbin1YD+vG4nYo
+Ur7YSFlpZS1bq7yUrcFjU7NSTXXCBMPez8jIQqib0PdeZj2P1+Aib04+CZIZOsiFKsW5zUgMTlmv
+tRLMTjk9zKIfX053c1fnndEJG8PALdRXPyCDC3UoMycuQZIkPL9hENAeg/aumMHNQBs2FumukGFL
+pZQ2MYj/tAhaXrDXWR3K/1n84coHyi+9o8DxO4+G59EkQY07k6Ub+ONYdO8xa3UDyDYex49GY+qZ
+xVOxyMNlLfRnNNNLa8SslNbn2gq3cWAgU3Bog3QJMoaxQcweV5ikgobkP0RhPhKG1OMTyEeyoDTr
+k/SOEwvBmjHvWCgX5WGpO4zz24il0+XrLYawug9E8eEjqpbPeC6HrwHVQSJ3BLkiVHKYFoOYbBDC
+ZGhPFWqnxspP7kC9U0oFny6qbWPGq7Hwb1VTvSEA4ZIO7IoUAVoTffC01cL59tPi2+eVGKIkXMIG
+ZjVvP4zJ/xKOuKn7ehsUMSC1nqXceVMY1XUTjzTES6jSZJVGIY9ZzxRaafNXu22ONnkYBqqFPlSW
+wtbX4PA/e/IhwggWvFWc4M6LVZ0pH6FbvwaW80i3593QCc+qyvc+Hn5EPVTNrtVevAglilcVy0gb
+Fj6VaURYczBItS8xW6Ghn6gDj2kPj8EpXzOVGkod4/u6N24REiQQC90uI7xUxFdXt+1N59lg+xuc
+6AANahz/1mTtc0kISIr0mluKlGcyp+WfQSe4EcISDJsKAndfrJPeWSGI9JCLkJswWOT6kqK+KSIn
+2iDt+2IAe7GIWdwlUwj1uOLl7WEFjhmGjCo7g0nOaNtOj3lrZMs8PE0mSI0SG0DwDaWDk12DEMfQ
+gptU4syUslrGGc3v7MPwzWzZ+BZqwpy+z22Qmq+QnL4n5L6OXtJNYkVQCPGILSbiLaThsDrwIze5
+RZpzjraySb17Pdu2VrbKU1QxERZw/HAFSgjRbv3Guh0Ad7QB04G6TxFlIdIArmAhXT/XilkvXXNM
+eIzaG4XQA0wA+VOfVl+DCt43BdM0RBgozEiZ2F802jhWbyyd1GBltNWNEwj0UbF76DoAIc5Ub4QA
+CZj6yVEv45IKmoOdjUCwybRdm6irIXSDFaoJAbSYyrCyUszwDWHYej/uBmFsVTKINkVXrAy6Xqsw
+Oo4jzZVJac4x6r11JiOtZBJbY2KHbA+TZ7EiqiYEwDK9MHTWbiIN+XVjCm3GRcQZGIqiZI9BmFJV
+BXx20VKw1r2yPaS1/lGjZF3aTYlHoxUvTWSN63qq19lIfWOZRYrOunuOM9R+dfEtHOM9GpgMJ1Sb
+fs49zIuzMeS7qSsRa2vdkwAsi6wmFPazEVQvkTV8T03+2BjeU5u7xTLI1HNWwnNHejFLzreCcFBu
+r14vGje8+AlrDNNtWFrEyU71Q+05b1EnpVkO+nXYfwdSEO2l0Vp3g3DfE78A15VNK0GBM9gRdBc/
+KlaxSNRdo+rnXgtuheFX66hDMTNm4qA2eABQdbDpk8Ox5Be+O4GzoOkax2LfjCPhPt1aV6AARuMu
+H5QDicKbOhnuOMV5vvPs1e11FN6z3qTWmoV91Uc+udOI1jxUL4wtOEEKV0ql23aPVBFKhW4MC9VN
+14ovbo18V3gIUPC3mEt7ZXH6hpgdx8gkCDmK1UMVta/9WAUg0H5YhQJmBdlEml/JuegJrFYvQxut
+mLDwp75LeEz5UVFLcbhK1KMPGBEmNLBDCCfhWlQk14lgUFZlwAGuQ+4xKt5TbxTRJpNcQxlK5IbO
+xu2wVVUozYtW/xR5drXyoZI4NR9qeLeOQ6nsNnITGJ76KnT/TgcrvYim/OCp7FOOGIslHZJlrYBQ
+K/TxPQqMb88LgY77RMb4qeyGUVjza3qvuOmm7J6+NgkoVb0KBgzLuR4+DqH2UhrRd5R1j/6Q/wjs
+9CsoezAXTeZv/bg6Z5p99AjZWySuJgOJUOjnqEfVQfuO0D6lZsQs0Bq/xWhccst6sSrCLise4oH3
+O3aIUxndF6qLU88jrvnFDyNpnrH+AqDzmUd4usohqjq0QfatD9WLFSI3Cj672n7vasKwjOahG42H
+rqRg7i2WbXc4h9n4Smg3qmtzq6eQzJjYoVH9UY3GppxeYp9WZ04vYnh2Ffs20ceD9Mrkwd2kstQl
+uICzAAxd1t9yAqtxF3MIAul1MRKVrOrO3Sq5hSPZXRrWeKVcHySXkmyFZi0Em2FjdMTAQsJf4c5f
+gC3sscuJinDj9G0EIlsZ30aAnznSvEsbVbhvWvVh4irUvrrUxbhkknuY700Z6+ccoGkWgv2IJ/1c
+ylUjjqgE3Vhdk9DyzcgWm0TtIFpNj5mrnaLR388/3vMVGhrZk2X7y8lt7tJ2IkAy+Gxcbh9TIva8
+OvxGBrYKSmVtl0iAI93rF87k37BHs8l0Vw9ngC5NRE7XvgUFm1uX9vSdinLn2pF3qEwyeMbxtfJH
+SzrtWYc1VPI0Qj9i3DJl2t6DC1+bgb8l8Qbo3zGPv2MdEQryxr5lwmmMX4nqvPs5fvGoeuaQhNsZ
+D48rpo/C7N+xZkJrQFpuigG8zXht5SFVlQmtBJPjENS92zg+kUT2hrJZchvrtxy+H3Lm5AQ55a6o
+GtpK9rOs0o0OaU7BwTGr0Wg/NLr6klFAT01xtvRpNRGnVfXe/WyamAPJc7VjRyhuygtlL60E5D2m
+Gj1bTnLndiASovjQ1s6b1ByHEXuKkiUpkW/Y4GUp1gbBKVS6u9C1v8IGva3lvAnN/wqj51LGdfXl
+SUP3ajru3ldxSaY+mnI2Gc7/OZHKGQOLKtlKN03vYAlQvyLbOhWtA7LTXXWRc2kMH0W/8xamzpda
+uhsTi7xRkHlq4EaNCV0oajpxUuYepUhX6VZNApOE9PoQK0SEhk7PwOmWBI4AGDjiDMdPgLmo0bNX
+j1OH9P+vKujqDRAZVEF0jlzWSjwk93gnaaJwILac556NIkqo8kqFrI64UPdMldiHWKA82c5ydPFU
+c9VDql9OTOVrU9K4oTQolhn5Fo4bfLNQfhMCskyGkAB7G7pT6F2YcyIS6oKLum6k2nvuukifhdLn
++1DvLlMTHMzJfgJZTbZDEj4YgO0JyKZTqEQ0fLWjpljUxyFrRPed1+27GN27xiBOlys3OuP/Ze88
+luPItvX8LprnjfRmoAnKZBkUEiAcwUkGySbTe5/DG5rrNfRuegl9u/ocNapQjbrnaKqOaBNNEun2
+XnuZ3/xB72MnE+Q1Rh6lnj4mghuSFJPAKAzPoiHgQOG5AS7ZBr+pL+hpdcYPHDB+1FNKfJWhGdUJ
+T4OIGVWegudnGzxWtZshj3AzH5kXMzj5I3dOwtrb740fkklZEfiKO7Q6lEBIqHD0GY8F4Rf6Ab9z
+A831LgZs2FFOgHcUmbxu6W9VT+4u4FijSawaN7AGt1Gff1ND/U+PGIh2d50dLDLD/1lW8VfE8SdY
+Aei0hveIsG1HI/pmSi/Hyl1Q4TCkW6VgMNR+xhsG4D6y856ScIzgh/o1rmH0taa5y9P0UXDXBBVJ
+UJSmHHcleo6RYJXh6Qe/DREGpSqJktUb3RywtKDm8qJ/TKzmG/awpuR7U88zJqb8fXLe4oBmfRX4
+z4Mtob8jeXYT/qqeQsN6toLHSCp/qrGEF5v+nLffpcrw6M3NN3E3Piuc7hCRqBW1gkQ051lrxBjg
+SQ3+27HCbKLgsdVhWNjj74wz7KaMshVo5ceyc9wK+VC6bxoI1kixDp0mH6oeSVnCCe4Mv5PeWU/5
+9F0wcVCAeLGN334vgMxi5YaDCu7TEiWdKEpHc/pF+b+UzWQ1zOpO7KrjPnGwn2iS4vEIzo75pZuc
+6v/Yj///Qgf/BaAbm/jPv96NMP4O6Paf/+t//8//caYUqb37AX8B3ZA9NcVoxTlzozL+g7GlZdhI
+SMkgzf7CuRn/odsGqvGGaQAbsAUoqim6Nvzv/03TgM2Z2FOpQKb+ZTOqI/jgbOIPWo2hFv+UzQ/Q
+kELXFU0qWsODhUM3KaNqYdSTWYd+BMLs0LIK5VU15ig0p6vRQg2h27x7dZcQUxemTgCmwKFxA9it
+6GdTJ2lUEcTpHPYhqs9l3S31xnSRCuBWjLtO203w5cPmsZWAz0z1JlYTFBdzji5tk4F5j6Ef6xWu
+feiN5XDsr9ydQGecvyAhJAsfQjPMD+gNBL1bByUSwxMgwDnPwfSDzmpKhBEB5qkrs4HN2iwnZ0/H
++SZiP1+5gUuvh/mqQT6H7KSuiV9/B94JkH0aITUYnjKPO8dOtmPo3LFydr3jryxSSRMNJpGgiWQu
+KSjUtFVTY5u5IMggne+DF8aMibc0BdKVt3MBcSMk6v55b+c4p7jOHUz3CKGYomwUNVyp9EzFW4EO
+c2U2aX4cEQL9RGdLFl4KOjXu6XsYo64xymw0vH7m4OY8RcvQ2eh1yvknMfIQ9rfDdvotB/KdU6Ap
+YwuhxWYTsaoq394O4EGSGtvQUN5ShniS5oUyA4zoR4QFYztlX1q/PALz1BT8BV2wGoxJ+K0KqMWr
+Bg3/bgcNfQGNQJZBZY4MDlSdhGVap3Ky6Mh2ihS9D1oMJZq8pPssEA2boqlVFy3tqBoWbAjdvdQw
+4dHTdUvyGsIiNsynQO2pQktIYMDrnfIuaKPNBGwhHGx6OwU0MKbFac1whIlf/HRlhYk3d77E0U7V
+iSbIp8jnqB85nOlFaqlOnkolPRlbLBYWU24sCgQK7MTZpIXu+vR/O2ugEGIsmSXbY1OmVK6BCS7c
+CjACpF3AzymWfTYHjsgHi07vDc8yJFou45YvSV2trKXU5vA0GDFlqyLQ11degfi556/ARHDSoUtv
+gVc8wzAg0WT2aagYnlM5R90ppYHinQzrYopQ8JYOKO2hCl6tQqYYn1/70rrGq9DCltAAw+KIAPRu
+f2PRDr0qaU1vKMpdV46gOaRlnCZLX7VulUa7Em4vgQENHhHBXAXpnePR8v56BURs3DR94kmmgmCu
+9qJcQvFqZYDSyYp+JwvVkERBmWpeNjRYGgd1mqk8wEdbGYGzHKbeBeWz6mbaegViAANmT7GzMtFm
+imgu2c6wDVOS/flVC4PvOdDvRaura9AaN7FtrG0kGruYBiQGx3Op34xg3T5/pSow8A+fE0yWgJ0q
+4ng9Ay7JSjf7Q8wyIv12cVnbgp250XV52WnVKgaHqnGa2dgU9zzDNPA807eBIsp22lXodNu2448Q
+TcI0X1MDr4fexFbAzdC5Hef+9vO7PR5w54uPL6+hlwhyEZzq6Qqwk2nAeY4oSsKPMp62xHEYY75q
+DcbMHVn0ZVE9JwEtstrYzbghlCgSTZb0EjnVBtGrXQ6fGmUwfc5u54SueZy8DNm8qgplVxkdSIPC
+P0xTs0wkZtDasubpEOnfGEW/l7sQO+h0ZbbjoTalfam4wNngSUcJ9tXG60DbQxPviaOk6dcY61yJ
+68oFeCSPbWi6qZiaIX/4VnXIdEjSiet5fCj7R7Hra7KAVu63IvCInSeXtAwQ+iSXvoLjuwDjQ1Vd
+1SzilYJPz9mpMhWaCls6ApWcTKBDhvUk9UvmMbvPv7H4hGefGBc7UjYDbIgMg+H0E2uxrOSxJVmA
+3HU3SGrXUatlPjlbc0ICMaU2zeN/Pa6g/E0LSzjJ6RZ8iNO4ouRdNs2+6YWw8uQJ1Ckjnb6YETBG
+s2P44/MHvPQe319N7Mh3UQwuuVIm3IVXtwzPMKqjlbCcpWr5+WUuJEMnD3X+uUZrKCCqml6e9zTS
+V36kb4ZIXcTA3aZ1lzMkUK5lHsqFwwFALLA7tNlFIni2PyckwRV/bkxPbn6VVXFTDCnfkIIcqapp
+Y8fhcpS/Yutw5QNeWjOaYLpYWJGIw/n0lXZIhVWYRuFew5qpasapNpiCFgeSNHdFoBUB9fPXe+Es
+Ig3gO1pkm3jhnl3SQgc5JL0kFeeS4kzIzG6JfKZYql7Kf39+OUX8vPNtQXPBYkNg2MuXPX1EXQnI
+8xUUWgAQLqy265ez0oPF63Y2BDNbMXeFRYvHsO8DP9jQd79VZgBCA7T1Ivg3XrdILUmzAagp5wr2
+yDihBorztGeNtPhVZ6GOJQk/qaWP0SocQc26Evg/LmYVoXx4OKIGFCyY06cHsppoCYB1T3j5WHbJ
+qYjMI6ZeitxvCoyhkiRdJeY1NOnHj8xlFVw1NUt3gG6e5VizGszl0IetN+BIlZMAkHS7it7vZqe6
+0WnXfv6Rj1yi04/M5sH3Q1Gx0RTx7/QxbYNMT8+sBiShTFfKXpZ45VTjsDOmeNOvZQURcwNmr6ZM
+txokcdwup6UqZT8TSq2bKULcXEKs40a79aHSWGX0LFmhq4b1ixi/xFX6q3qeGMwBVtzUMGJzHYvD
+WH3SG5S7ysL1O3UNZG8poX/R+8Fual91c2DfdvtMxvKJ1FoBQC6NdC8HzbpB0++RA2MVIGpVZMp3
+OUc7Q1LUu7w/0JU89Gq8ha4TJYF8Y/XRLzQrtp+/so87H3c6HPQ0EhiWhX32xjgMu7a1sxFqRYJv
+2kDbD3gcY7bIAUiFDDp03M+veGEnakyNEVyGg0VSeH4KS5EWxbiMjp6Re8b0Kqd/2MAc+hqrATBR
+Ncp0E5Kb8vyzHR/8lAYrm6OP/mRY/j156mOkFXch9iCb0GCRni4VrQ/9tDUsDJclRv3gnCQlWQbo
+YMyKW3YWXH9tYaOV+g9pz7+9sHDeOAtEXFgU2Aa2n5i6nO2Jbi4BH1vG4EmFet/X5aqw9CW0Gbbl
+vBW6LEyKNCd3tYkBE6PlkeIQ6p5bYj8QGTLQBHlZOdgt2B3K/DTRiR/tQMOgzZl+aG/taD3kfbpT
+AO4HjrOR01cUy5jXmb+GVEXtUHOHclxlEHjhHC8FVShsGDBBW/GbhjsJVoFlryr/d22ZC4duQ9PT
+Lq6jLU6xbkcnIOoQyy3m1dDfFGp9G0sTVSUS+jFTkqlcz6qyydvhzgEYANro1omSrTUJSyRqqlLZ
+2KSUjH4YZ1mrYYz3FcbOYBeW2Cq0wUp1mm0cS3utxX0L8eTcCDeamV9LBT8mEWRbCILi5iF6X0eC
+z7skwjCaJvdD5P0bHMZ7HyUobVin5bw2gfsAXXQ1EuK88reivzGbshul4XZmNqCFzta25Svx+Yh3
+Potc3I8ug4RmKsvZcLoc87YELu+bkyfV8xIXDXBboDsrSgNrkeXZLui8EaBiiWBHMHixw1ylSwGE
+Tasi9BdqYizMtREWq6kHwFzgA2KAW/xi4N0X1dny8x38Marz7ogWsk7Q0NAEP73XJAQZZnFpT7X6
+jeCXqNiIZFWzNCnqh0q68q2OO+LDu3l3vbN3oxdRPvYO1xNdOtE45LNuWwSMi0ZegiI177ALfkSr
+amnonlL7qxSuhKxHd625wFxhXZLQmJAVjGDcpujQfP42LlQVvA5yetIZnDcRSD99HXWUhX1u1JPn
+aC2WINgT26shYAyWODfUG5hcDws7Xc9y4CJXcOXqQob2Qzhx+BaCQ0wzyDqLYw2aJFqnWKOXj6o7
+R9Y+siS3k/Dr1n/J2dKQuttB1taDHu9SRblrJlwe8V4ZtAbnt/C+LexNZkVebUsYT6QoHmM3MrwN
+Vb7UJ/XORrgZhUvkciYs8OS1KKbzUN3NNOEq8iXKGGzAEzfEBTplQVrtTytXXHUcXmrFfvSD/j6K
+ituJ7Y44M6JNXk2laCNCLZbu5x/iAqVMUwUg3qEM502c7+nJCaQhtVknMDwWIHhumkS+m6Xv9JNc
+DQ/JKCgWwoLRzgDCRbWrhwNcaH0tllQC8bdFv7zp9aUSV9hKFLczQJ2Y/SQxfS6LfJU4IfJK/hNB
+uCiwAu0QxSrzRWUp6OFQV0nRi5xZa07NBX8iNcoNLO1Ni+YWFscrabJ/l/RNfUs69FXnpejpqnp5
+YPq1kYEKVgq+qhVxPQSLgjCu0M/8/AXpohdxtpFEkx3lfnhJBo4SpyvVQXoV6fpY9/Jg3OSms+6S
+fnv8t9QfS/pmWBaK5Nb1VmTj4e+aR0Q2003MfiV2kejQoef6NCq6a/rBXaCorwMu9WqOsFEfLsTy
+CNp+Ad7ENYaOQTOeaGAjCgmmi4YyRBas/MHfpPJXwWcSXWJJok0T5CsH7RKw+8cOsiXHSzuKbzWU
+SptWupJ9XyiyWCeiv0spTol1fgLTOgX0p8+TRxxfkh0AsJifsia/EV+vIa7g9E5IfSrb6vHKFxCh
+6uwL4D6siPaDJkMfPY8Vdav5WVlMHgxSOGzWUuzHFk6VH6cbCe7bEOsbs6s2kEBcCRnZMO5uNJ21
+V4dr2hO3eBctnRadeRqGY1XtCn1atDBMwCvcQBRbKD7inj56jbvIeenGHWLG6HEsVENaGCAexObE
+k2URJLMbdOie/fljXbB/mLFWbhHNm4RTMBakCP7+/PEvxCpNpd4RittiBYpD+d2hqzcVsvdUBIBt
+krWKp2pd+Q+zokJ80ldIAl4JCJc+9Mn1ztY7GiVNyHh78MZ23ta+ddNG8Ik5K1X7hy6BGcK3eLA1
+FALrK1IDf7Zxz740/s90Po9k3A/1ZjukIeD2f8TlzEq31o8kLx7kwrmvo/zFQVp+NB00rgtgXQzI
+1ekuG/p9WyrIdycr2Qn3CbHHCqo1XsBbccxqWb9ugIGbaXQ/Te2XKCvvixatQFJ3tUy/dIqLBCaq
+0tVKB2+IHvomVpDNuhUBLkDapzVVN4yrfZjYbhYGa6RZ1lXY7nrb2vbNtJuZdUlK4Vnt6NoT/CEz
+uBWLbrQ67xjp22RrBir4jH7HoOpLZfwaMYhstXWQjsedo+b2ps5Q07E3QJrXSVs8hTIzCLlewgdf
+F0j/xPjpKkm2cOIE0INz3wDTNJmCZO2EchC12ZQ8+El8L84QWULKwoDzUsXPkv2mJcpitJONFdlv
+uXqIpGcZNyBngDc1SMt8TF2Z0J31ZFCs85YhiJrXD9IgbzXmfImSrnSADZBZKzNZliYkYV6VXyW3
+QJ02KHrtJSQprbHzgoQZf5EVj/6KczyAedkNNCUXur6VDZC9yPomwB3oNCJcDeJA34EZ2mJa5+Ir
+gkAwvjOkiWqR0SBVXX+0Nlk70lMtH32jfEA24CZV7YW0DHGnEfeg8OIdw7j1zfLKllMu7DmobhR4
+Mqqw6gd9gGRIEYaOfR1BgnBd2/HB75ptrvevUdPSr1M9JzD3g5mu8zxYI0Wy1gx/Z3PHCtrCiTFj
+JD7fDYj2fR4KTO1jJKTRJFQbiITGh46EM2vRzMhK9tB++pnqvhv67cGwwq1uU8xYoNgiwF6TM60D
+VqnTpW+DU/zSiieR5/jMCmDGrv05frHHQ5jatynSb6Ot3BntdBd241fkrwfFukcheTUN1dZslAMS
+hc9K2hxm+86WyPiL+lsad09AWRBSNziZaor7aqOCewrnjjWt7LGR3WeS8uj78h1d5a8YtnxBpW+t
+W/0WnBeMJhQRZ/teb6MvTaGvk8bVqNlF68juxx9N0C1RnbsbM+1lMsGiG+HLqNZvn7/Li9+YEZaF
+EAHjbSqa07hqFEpaT/KseZTcruM/gU0CeFavxeAMHuVKaYAxMcPuiAOlpayIL1aRocQZ3YVRf6iH
+TVbr127qUrJBYkywV/FYs86TjQaOQpcWmuZpjr0a+2CfrtMYgm01HSazAK+Jw0quHLJZX82IsKHI
+gliGizPywmpAr0TttYr/Y/cfcrnBX+LkZQJydvYOBmoSedlrHosJZdB5ZzUmM/XSy9mbjp3uo2Hc
+K3Z9r/cIBcTx5spXEj//7ERg6EmnxRZNOFAQp18pG7Riyjpf83zUR+Q4emwZ7demtdIpm9IgWYmF
+3krffNbelUtfSDtOLn22QGK/xoymYQwtsq4aiIVAL3SKjN1it5W4nkgTgthwBdohydRtxVRErB5S
+EPfze/nYiaTVpNH3ZLDuMIk8O5MHAAY9sm6aJzAFHXlnD+S/65+mAJ855ujHfHCcrrS5LujDiMvq
+BsN8SlacpE5fPkjdMQlAwXsBhj0SkvFzgaUckxG5G1a+slZ5cGqEFfTSRYfQnMjeHXO88vCXgvH7
+uzhrQkM1lCAr8fCivy42q9iGkmLvZxrffXk1C7m0B5G1Athv6Jao10+fumvMOTSnVicUystGh6gh
+zjGupcfmsjDQgkQ5bmjuCgl/znFL7YQJZOSK1VEN+Q7r5GvH0aWViGOtakHCViwGAKd31Chxg7Jb
+r3va4CP0hl5t6nAkwaaWMXP126UffkPABQPlZBn/SvRm27TtXXx1SnbpSxiIQWnU7WSk5w3xZg6K
+2QwTwysL+rLhLwmCsijWu+ZJ1aNrT31p68NYc1j4TBJAZp0+tWxOeaHikuGJiWNX1VuRtqd9uxyV
+XT55E0m9mT4VdXRFZUW9tAD+urB6HvOq0p/bFgy2h4DmQSuMjYitXR+sQwr72NCOVaccWq4tl6+p
+Lu+l2Hb9RNl3o/M05u0bzIDNmL9Ao95WZbiKNFgIdbIu1XIhuiwOfSa7wOwB7M/nceICXIw5rWxS
+oyksYbBpp+8sreRhDCXgYjNVmZVnawERcUifxHsTPqNiheo0R4O2XYkyPrLsK9/t8tv76xbOtmuk
+NyOiaLy9eDRXMv7pJBiuyJOyIbwytb0UFglLpuhcALmzzg4HOUwRbmGE4o3I7sDGPl4q8tVVmAgb
+VODANC8GLv/5W77UdxTT8P973bP9mOdqndqZyX6cakJBvjBk1GPVYCPLWOiad+UMkySGt0bqIFII
+vTEObWMuG+XnzCAFgr8bAxUQyKGJXMkcrIUCxFVA/OKipwesrj+/44uRnOJRwYoQ+SX5HKRGSdfb
+TckdW4BAGinb6RnuXrhOCtu8mY6CaFSIrSzm3H4i6pJwo2rXjNIvtf1EG+Wf93EOSDMlwGi5SsdR
+6uOV3nUr0RxpAn9tTR2yRDfxN4sWl4AK/hdARBfa11wcKTvEDmk6nnf9Cpyjo9SuWZmqgsbV80yh
+FBr+KqZ2F4n9KBn4xQLsCYM7JWvdhh47pG7ccJbN2Fw7XO1L0RSUD2erLcQSzzFNta/Ldhkh0JUC
+8Y77kmEFXDreiznGz3EcvlSRf+BjPhosn2GS9qYk7edEfYjicYsFyHOSCyKNtMlIw2WSZ51exWCZ
+m2KIb8NKvTdIyUSnJjfitfBBDaYaThXEM8X9orZvZtMtNb26DaFMBYIcEQgYe0AnVLeCLSpOC8fe
+RUbwpZ0aN6zGPR2mLyHKfW23Szt1MyuRi0zBjVry27RuazcmJPPpaQyi5yHHLooee0tHxhympQ9A
+Lo5ZahoVOiFQ6uKD3KkIAnfgHtBgB0iSFcW2afxdn5qQ2nTqrpbhAhy7XH4pI+k78kTPufxcBM0z
+lJhbp0w3OqwwgQmC0LnRchrI/i6RAk8di6+imJ3heWI3vasdxZsa9XHSlZ9K3ezT7NHs1O9hhB5F
+mS3rCb1vZ0of5tp5ZQB6q3pyYXwRuzerUKG1y23YpZ5I7wToyCzsQ5MiqFEtEmRIMHXaU3VhkOts
+LXtyRT9ONIczOr4CiCdgVHqgbvS+x7fPm6RDq8ZuSzEmekriJ/TGevC/Aw9FwDJchg0kMvvJcmwC
+dkuHMd0WfEAx1RlxEI2ntVy2t2ICI1Mqd2q2T6jizKLZO8jW2HIKHGly6zJ28RiKU3OTgg9KEjwb
+qJn5wnux1NW63TA2WxiDtnR6WrMBPhlkb4XaHDPqScXuAsaZOKpS03S1JEICr10ElfIocAaCqQfe
+bEGegB5ud8z+67bCwDB/yIP+IPr2V0LYxXTAVgBAokMJGOFDOtBJCIIWulcU9npAhL8G/6ZwCidG
+/YqM5jKG2x8soa9cufLFffrXha2zEqhFKX8qlZzYyahiasptHOXYealbo/3ZGMOVq13qv4mI8M/n
+PD/UisEe+UWcTMWhFoPTPZaCnbK1qhdGbrAHMU5+Cs3Xz9/vxeD47rJnZ1pRhMhPAlcmt8tXLQ19
+DsAF4jRXCkrr49u0ERBCbFLg5z+200HmhkluG7aXls6zWSOS3ydIHbSdtXQapEMjrCMB8MqIQcya
+65jTN/A9fxjQl/Rw/m6P6ltRWbcwTOG3glEACvxaDwMTNWsTlM3Wn1FjVhLgvE4lTMzCaq0PyBHN
+IdIeJbr4RY3Km/NNBJQeN0s/bMCMhvjTP2GsN97UffWqdLAsnQk3GJ/p4aB3wC6C5EmTV+psdjci
+blKMobqR17cFpMibwuqfggIXH+QGEGN/m1kkUWI91RpNEkdTH0b+pwACWpxN0GqTt6oVytmOveC3
+oCMd+ZswwcW2DtHAMpCNxzQBKnCm77VAWPyMb/0su4Gh7nVtRHA/fmsHpBuyghPg82Vw4fPoMrhT
+odRrKR/mcrYcIAM0KKanIHe9GPBKKo3YE29PwfNtzIIrx6B68YICfkKFL4BwZ7urlnHE9Z3Y8sw0
+2wY58+Oif8gS6MvT7zidf1eKibcUgluI0LhJ1/5K5+R10vRVPjR7Q6rX5HqPYxftxABKch50opAx
+K9+Urnipp+Ghhz5V6gcKq52A63z+tj7CEmxGQypSjKRUIIVELvyuNy+PUo9X1Gh6yDHsLaO7b1Xz
+VTbTBDArzdnGxjQmjK98oksXhf12lAKD8+CcZb1UFcw9OtnyCvwIZEyRLDp5kirfG7a/sLP6SRuu
+fKRrVzyLDQi+ImWnj5Y3akLJVxJbTLG+DXGHMNooP8N53UDo/LceVMw8KDUt9QPALg9nFaMuLhsV
+xSEglQ9zc9WiMjPPzUtpq9vcdq4UL+IQOW03CUNRGQleygYZl8TTD2rM/dxEU4ptmBJpizTHY8lv
+x5D2d/uoNcFaGbHJi/VlfbUf+bFssnUoNgD70Mf+iHDPU7MNQV5bnoA1mf2EqnpYxChSsBOCZLzS
+ST4m/OcPSsEE3lWgu2ArnT7oEND81HUkEkOj/h6W3SNKsQBWCLF6Z97q8iHzTQzpjJckSF+SmHRA
+Rx656LDZGZZ6KUP5ieHB9/FxHtj1zcMM4LkUFn2x2e3Vzr6LcVBhU76W0izjabUdcgczGNip0RS6
+haWts6l/haHR3ORzsJR6wRi14awHqG13hf4Y1vnb59v1QqwBLWLxddEmN2imnT40TMg6N+E2eKY6
+vljS8MOPAug3uv/FNIpNMY5XACoXVpOhM7lDq4+a3D7v25Q5gPFRjUx8GzFLlKvocIwNSWRimly/
+JBlacn15L8vpNbzYsZY5+748IEgtXUZrF+DJ6aO2stklukojAF895C7wUxml7Fs8lH+0pbROKmU3
+1caDssZR+nWOZxPjxvgBJL4Oe5bKVSAdo7D8Udw5wPDUdka2pO2e9cRcWOTLzTqYXasqMb6Yv+pO
+WSLzHd7GfvjaJTbT737ble2AWw2saAfbSSPfqZX1teo5l1XS7/m7lg+HXnuou9tIa79Wg/6Mrwz1
+3xwcYEK/Nln5FM6FF8/k/I66H0rNnf30zi6sh8ma147zmEXNz0kmdUAHHSuvrLZuSohecR695Ys6
+q2VMVU3lpq4rYNWGtNXn8g8/qj1GIB4mWa9thgPD5+vr0vcGPo5AI/1yQW44fek5hoFhPuSWNynx
+rm4xgpVH1C87SKO9/rumlRVM+TfDLL78G9cFvwn9DMiocV7YZn5pDoPJdQNZftTT1lWqepMCTPVj
+/0nd1wGmLqFf/stPq4HcgRpDJgh21DjbTZkU1IGER4BXaonXjt2BOcEKIiwJeUy1Yy5Ef0uwpD5/
+2EtQyJPrikz23aFrt4mlUVDpNMOdvcBsKSNCZZBGRC/DLI2VzzKQpGkpKjFRz4uqytdeBM7i81u5
+kMyevoKz83+wSzibvqYfeSxDHP3sqwbYUrjQ8tIVpUIGvKfWpQXp7UNCHSWYImaMwTLmL8+qcltg
+bjp1DGdjc9d1ywIX0BL7Dr/SV81se5KpcdhphxxIyVBzyiOv3ANgEOVpFwz3ul+uDChsolsxF/a+
+LnH4DNUfomCcTaW8aZkVUDTt44DxBPhbB/UBupCFWT3ELYpcNhN1UTfh5vzaVOYXQesSerxaESzn
+IEIgc9h3U7itQFyIuj0YFA9dcX5OvRO1IuD4tW+vS2S8GLY/Cli6aAGo3XCLg5AXIUyUU4PP4xMi
+3rlT7yR7+JcXP9+Ao5MmMTsPN/DT5SBBUpMCZ9KP8D3xrifaWLWWI0mkLiQTUBOWNxon15Vvz489
+DbCnlz3b6+i5RRZ+NTptAVvQb1aisxaO0o2Ab2XW93/9ajYBBfd0VeAdzx6yy7Sy1VH98aQ2OnY/
+BHowmOyFHaBVotfu/9vlzh5Oy5DNT6dEOzIOdXBYmRN6YtIjJvSiBfH55T7ml3S/DFnjVHYs+rLq
+6Sd0QnNufaxYPZuMRyeLHR2O4zncNJCsBIsiNYMrW/dip1wwRnQZDjfEn7OtO489Bjd2onpSJ8Ms
+RbVJV5dzPm6gQi1sGv4CM6HRJhGRTAAhBd7q88f+m3twYHOQhsFsPIugVtK0VR9htBSqEAxMvNjH
++Y5m98Zu05VS/pzzep2Gj6V17LkIuMjnNyCe8XwNA8m2oK9wXNlHKuK7SFrVWi/506R6QVMLo8GN
+xhQHut0RY/b5pZRj3+LsYgbTHJlKSfsHZf592J7wWFcM39a82VfdhnGIaAHHCA+h/bpB25DGWbBr
+fHlrAJaRU2k3SEJl17iFqXTXOSgBhbd+SRhCQFSpIYMpSxkggoheJCI7G285OUNIz5wRFu9++kO/
+VHFiFiP9Nmu+V3a/E9PT0ZHAnFY7BFt8+NdimCfJ4yZEXivKAeAp9maM1GZhpID4IcTfVAdVJfsx
++RTWly5BHzJYVmq3Bwu9Fh3ZtIy2YsSB5seunNJnMZuT2/A206ulBEV0NFH6xggFWehponcaLdAC
+XkgK6plC58vT/cYL+nCLEE6KdXNQ4CJYbipduUXPS7TgBb6k7VGehhZY45tmVNGSRGYnRjuCYN8V
+ztIf/Y0+GneihY2y+1608VVoSINZPHX1uGsn6KPm0rf0dZV8mVoiOMMgwlRB79gAZCTmnMXwswgT
+V6ClRK8vBwRhICyWqdNaTN8F/X+CeQy+iO8CT5pBZ+NztvFtzFF/7KZ8ow4Y+UHJFb05sZklc+VY
+I13qZiNahuIIEVMOn3MtsIadGFFWaXUv+qS1pOJNv+p6N8jQaKnoVyParXYtEGSVZiUI+zAAxFLt
+tbpeCzSRNj8p1rTSWh+R/ey7pCmbqayWNAM24n2IxrDoH4vyA8mgP5WVwPgxw6RpULtiYm122I3T
+RP58sQtvpPONRTjDF17wJD6azCgOOuIaPs/4sSGMKcA3Dbic0dpqWJEy4MD+/VHsd9GGFdshQyIS
+2XL6xt+lrHB7NVqIOxeAmQlJg7K3HxyzdXsEdK8kcZeGnQYjCLzrBeqEmdZp7O1g03DwV8BbuUsx
+6KQT6A6NST+9dFERxkczu8Nj5E6AgIXYhAzXE4dqwE/Y4N7o+ZtoZY/jTYkKVIsAYQv23wSAZwAY
+FhYjExwBmgf3n7/iS5Mk2i6aBjBB4ELks/s2Sr3EsSGgK8s9x/OwteP5DpOhLxDRxQYbQNuKETHZ
+CDbn3pWri8j8IZhBSOfcIOGml3n61hqjkhMTBR1vKqOVAGAdA9qYbjo2qtiYoosPRXcvdl3eUN7G
+0RLkoBsZ19rTf/Mm/rqXs5MsmzPdV4DTkZh1bgU0RoxwUlPdZWO+jeDqhTlzvvpZHGDh1F85Qy71
+q/kQf13+LDXB0bYCnUJ7PPXNdT/sJ7gw+D5jo7NMYtBKTH4jDOsEz+LKR7hwfJ1c+WwJdNaIuU9Y
+oo1tjGR50j4hnIxhtxGXz5tpI1DYgpbsxw8jGA4RzAToWjTtNUfd+nyvz29JXPHDssDnAiUSUIMf
+2MqZbVdt73DGaZQ+HeBQQQdQ0dsQ8agH850DDP13LskmwM/KgjR4ljuNSSaFZRBRhZkTdYC6EnEF
+Q+0j/DxmRINhyZWnvDRNBnxIo8yCkw8WXMAU3+UNI3itZCrBBYEDcQUAa4JeNQcuhCu9EtBrmkDg
+WxUOKoDdK6JaDnTj8+e+vO7e3cRZ8lToqhaaWad5JtL4E5SKKYAIRfKWtNINxKxdYipLFZkI8dk/
+v/alz8zclukFqCjg8GdLvpFiC/U0YKBCVCSboDZSWjoPgAzXDe6Ntq9fyVbVC21yBgHvLilu6d0r
+z6UwSQxI5MdNLl67zVS1RgNART5VqM6YmfFgGNWL+tDY86Oo5aCT/ZhJ5gIdrVPhQCIGkUaADP1C
+t4nNpF0K4GjB3xrhH01V9Iacc1KuQ7Zr2Xeu02oLYX5Z+eiokuGI2CXwwqOhPImkQOBMTX04iH0k
+0BeCvyMKBQFOCzv7SzxhV0pWKc5yI1HohJRHZaA+itc5WZFYqYkDvl6VdwhqH8LQYp8i0j1LuzEL
+PZOQoc71bdc7q0IyXL3WdgpD40j3l8ekkFbwEfURIH9u66sA0oxC5VlJHaZRqMZDx+Z2a1FQy9qt
+bBcHrHEmQXgSEUJgeCUwu+kcHUYzPcKfeyBfqcTYPUiZsvU7pX7pUv2mvDtWAfGTKZlLgXIU4BIB
+l4gLcjMqXEF4w0HQLzLOonE7dfkto6p9TPVZZ/u5w7nPttxK1tcNYpH+QSAn6y55BvC4E0U7un97
+PNCYk0OeKV2BE88z+VZZMGkM0WjzKWfNaWkivCcCW1thdywlBytvD2odfEE8Ei0M/6Yu7kXWJu4u
+IS0VL0VAYaq8ehCZWjkmL+lsLSKE10yG+QMNlMIP9kNKqwpVtQZSUjJIXq7uYivda5qyr8ELHWFN
+2Xww0Hkx4naFmrhoMAwi0qJOjfAFHXGR1jUIGcz2I0ScjROq/4e0M1uO28rS9RMhAvNwm8iZKSZJ
+UaLkG4Ql25jnGU/f38rqc4pKZTC7q6OqoiJsy0gAG3uv9a9/+NRrL2al82qmz9Kq6gMBZZidi1JD
+CHP1AMG2pTjklZNDvJ3K8iwi7ssfjfrnAYK98AYiZmcLLhhzdcSmYS3zycKzj0bdHDOCabvM2Nnk
+MjEAbxxrIy0b0NRZSFcZB6BQgDByxJTR3WkQPoT3HybeQz4FZ61vDkr7R8esXIcln9nxwZzNQ8NR
+8vGGceukAp2ATW7I0XDd4BLe1oTozfQzY3oUUwsAHX4P1KuxOz1/fKnfMUg2CpiikmZGf3sN/Lpx
+x9u26OlqXHInp1mrRrv+u6Oml0U0erpfacOdvViqnetjD+m4pZGoaJMJeFWBZEUWDwCExnlCUWAn
+vIRRYsX1ewf+rbJag46qOyq+mDDdft0ElxDFr9KY8FFx83OL+bAYwUGjFWm9F1EySpsuqrHJmD/l
+3cpypjsnn2zsv93oux9wtfGXBYXOAkH/nJrhsYDPphOzjHMcppSvKvaXH7/KG9GbvMt3l7va9Ctl
+roqEBv5cgXDP+vwqW5iCFK6jxZOdtSUZvB/+tDxgbsg8JBMZ0V7jOxMuDV/7A553hwobE/kCctih
+paI/1KP6ScuPWm2yESDw5Ktu8/lR4FHRjnnkun18HzeXpO3hokdwEejOVYliq70WdEYrNGIAWbtc
+h1QDXkcwjsPcYX5NTWNVu+m91SIjjt9e1rvLXlUp+LR2SjzVvCx67lFloFHQXRL5+JeNwq6uQ9/D
+8XYKtDvVwS3pLdrof9/vVWVCElak1XJhZSSkwcugTEMUJ3oFreXaCA3fG8QQDTe6iEG/Q7QJ4okq
+rQ4BynVnaHxziTYEFe0RmxEqX200ghk/fiU3NySX0RCWggxYr9V8YD6QIlJo/aX6fUKSKm8kQuND
+TPidRXwL5ILdBrrFQgUAui5QLdfrZ1Woh0q0HPJ2WwTKllP9Ib4Y44mHiNSIgtWLClrq9I9v9Ua+
+IwIPl+wzZvzIja/pvCXnKxn00P7CEMJQ8YdTZGtpconF2cXYhQlOL6RRMS8UzNhrTX+odGj+0wUI
+g9e2CYZ+H43ORi+TPT7xHDZ3qKzmrT304mKDWyGJDNdWK0lXz6QrUJpI6aY7UM0IqgLAOohgTWSu
+xdS+IIJ7TKPiJAI3YW3q4P4msGw1NkcpCKWO03REGlRWDpthhw50om2nMg4U6ySwlJ73aHKxGp7r
+k0dHqLFVSwcvSJNDAlSg/tDh2Nf0SLqJqyrgU45LX+hEpzRYHjTMxJBGzhZDcS/P7mRx2rd2eJp6
+keRg+IDRwNUO38QVTr0DinQq07Ced/Xz2AR0FAV6g3Yv9+pq8T6xxoPU3FG9POfI434oUXcpwnvU
+yPJzO7Oi+1y5ECOT1o+ScpWL8a/2U7TZTumcmH4w/KiQLb8Kvb+JicNp3QvkpC6Dv1jzXlioPRYT
+olATYp+oHJhNU9ihTGMvdcjCorURfGSoCZ3JsE6HTVrhkDJG9YWOdgEdl6fOYcpcvtCcmdVRKknk
+c36v3uPuaLfXEDMXiDvgEtfsbxNhqm6SZX+xjsvxrB56kjnInSyS77Ik/ns58Kd9aYttj/wY6mGZ
+CNUUyR9/d5dT/3r/BVz+/7/m6vRSZ02N65IJSV/nGwEHZ3moFt0Hb1H46SH6b1maoRvvEnjoANyY
+ryPLpImTnkH2BAHxLnqPxt3YMOyjv+T1yN+tZyp+ZNOCVwuLXQo9abG/zpgEY8qJjz7qfLitItAU
+3PLj27u1g8q49aKGVpnx/7pSe6OOoiIwJZgr3SIVYqI3bS5+DkxkPr7UrfOTQYXUdSjCfnPWVEer
+XwYFiE6YnAl1bTzz4Kpkk6nPAv52XkNG8T32zS2TBPBARiQwm2CKXCNsThUSFGdwWSH34sr5KI21
+AMFYl8+te1HaCroue2XPzbfGoQiOEShxC7FVhQGK/ftTS3ENiWUvPaqQrWWkKSi1jv4zwcrv4nxQ
+qFuPc44ktyc9PA4/dARlI5+jke6FcVuzvckXOQfFQcjZdtU/xGFzMtvyc2FirZ6cM3wEtCh7cK07
+W9JNnAFYlNRwCHF86/J23nXeRoVXETFYAKQoOcz8KDdHxJEfMuhGHSrOodC7L8j4f/Da/33ha6/N
+Mcq7AJCB5w8Vccm/O9ACywFYO72sf2nybJRQH19Ulu1vHy1YEgnpTIQQ2/96t6lBzmaYcVoLmVxe
++GD3jCn69dTN+Nk0qxL/1P/bJa/4bE7QGISqcJ/sVmtRUUubZk2TL34ZUqHGd017b9Bj6MPe3eZV
+STos6VT0DbcpbavZYT7FMCptklVqPDsFVAIerox9eiIXCM07SM8WhGAIk7vjYD7JYSS+lPqmNO21
+rHXZuER1bRrKPh7MFVnXGzGDg6RWEWUzHAXQpy87Duz7AlCLYBKM3O/n7qiTdCoeLDWMT7G4KApO
+pvrPggmLsLJlI7QwIrQa6yQ/1F2CbcoprFjONl/ip2Q2j6EbbmcbDZiY2ETfW9wZ9bQ/haBUGkZx
+4tKoYF+iW3+x5E4CWYdNu1EBSmHH1ng3G0ns/w/MG24sKBpeCLsc63A8rz16wmF2Y08xdOZcEVLl
+4WAtMYqCYZNYHn4j6XNl5i9VPe6zKHgS054AT4usgdRgk7UXDgyDgR4Ew5HdozbJr+xytrzcN0JS
+bDH+SUN/mTfT3GHwXq49Un3sJnooEQsK8N8waeRtv/ZR/pzG/d4maTLszIOYxwp4bxoFuXmr1Puu
+NcNFwShPM1Oao2nE/qD8/Hixa7c2c3xsL9nzmMtdV6MOFDn88xTqPDjWHdQE+Z8ocSKcJeR2pVXX
+eu9oRMNa4Ci7cdZOpQMn0zgwo1bnCbsQ8yAwifz/x7/vVocLqcel7UQhw3Dl1+/fJs0aQw+GCQLr
+etUGYoUvrTVKv3T5T+RqgJZENUPIc2l0r3Ybs60qozDAyx0vQ9P6Kp+VfEjCf4mzdicvMZzMAxAc
+cBiByf+BWI2rAk2AY5vIgq5u183TqQ0Vqu6E6N7VZeAIWl/VZAIp9+S0N9t5SIAwDoTOCpPj12dr
+NtBZF7lY5R2pyhFvfykyfF8YqGV2s9fIprQ8DH/i6VmGcfLXhznaChkh4uCJGVHXY+WP7MQtuo2L
+fZDp7YnOuviuZzoU5MnXyp2oNqQ8ojq930/dPBARCujiiIyO6rryKfUe8olLXWDOPXHSwQ5IcV1Q
+EMvYUuZNUjRrzG3F++jj1Xnr43F1Bm6W8K5/I7qRPVrmXdeybdMQ2ChjxD4If+MNyjpBqMUWaLCW
+O9/EjS3MQg3swlvAkoRJ16/vDZBpshz4N2dRM01htE0paoVYJvuydAIj9czHN6q7cupdH8TvLnr9
+aXhLPnSO0XMqLubWUrqD2EBLEa9l0UPiLtu6c7cR+kO9xHmByXg2wQOb+61HEZbBwJtD87Xln2mw
+EZK+MAOyaugjZSQgOm759w5As6oyrPTI3QS0wFaP/Vd4uihrcuNBxr1pPRLhVIFdYLU5JO3Wg04m
+Mi3Prr6I9YeNMzHhJmc1d18EnbeNN1w5gcH1P4RS4y3Ok451AaSyQY9A6nwZDchGJ4pZa/hKIOy/
+bEQYkcmxKx5GJTYjsromwpvcSEJQvgnFKqLuTYv4WVgGgTI+XSzL6N4QCn+ZGAJQn2yrAM8QbOea
+KX3CKvVRydRd1REQxcwBBoIoscTUQ/JI5hTPH56sk1qbxua859vD10TaExnq2MvRLOz1kumnwaqY
+i6evaufubCKVocYeCyYkPbN8YSfEynSUM6wKTTgh3WXqOtvTZte2zUkFeZZxuYyERXYp/1CG3Qqk
+EV8bjpivYle4le3OCnYTO55o9cwRAQwkDLEYEyMpmyme7IxSJXiJ9twnGr+GSLg8eoJJ4UcIoqbK
+3Eu/ngzhUwN7UA4yQQ4zwEDRyndoqFWtPi7Ts7aYD0Gj+Un8t1D8TKI6B1TWcGKPC3oWigWibvYi
+CpWx+uz2n22SuYoE13CGQ9Lq8pQ+ET/8kDrxC6nZeuL68pdT2hOpbpDPYCTuu2oHQOmRTtHtLvdM
+oqjpBMd6qUVh+NoF6NH4IwIDif+N2CmIXHmBhRIcLAywh3T6h3TQVxEyyljEBVPTDZzNbWyuhuVg
+UxN1PKi817dO3pDvzuSVhlMmDYVl4+tXHvKiOAlHKGAwFzPuMsflYcKTrGE8QiCC1Uc/B2yFxE5q
+6PRDwh42R+2hbH/q3bgdi/Do9MmL/NsY7oAeBmeLvUeeYc9DixVvE7c/pKQSJaesKJfRUhgsx2H8
+HjK+qZaesNkfi5KuNR6I4Y4PLnJDmUGbRBJoQ4bJ3XLqJm0j1V+KB56RJ2upmMg3XHXwLKTMK3r1
+kCI/F/64oVnflHreZ/xkiocx0t7kj2rkGdMP0Y5abv2Etsmz7e+Ra9xhX1z2+KvdieZXh9ziUdNh
+jvbrlohfbFgb5FQTtxbsqEy2Y8gn1gb+nCI2LNO1N2vrrsVfKIw3WZ1usQS1lopEW3vdRGRS9t0B
+z4mdNeHUFBMePZEwyx+3u3ZjtNVOW/5pMedKDBgMZX6eTPuhGpO1kcFrzpc9Ao7DgNGm/ONh3B6N
+siNt6knc6xMTYEdNtqQ+WN0LyB9Zr/wckN5Ys9Yeexdw/VxUwHwLycNY3BP3bukhC6XfQZf1g8qV
+r2pV1P22dOOjnnwvp+KkGVjhgij0MeZ+s35KIdYCnxnVvYH+rQqMUxVOIO0m8oGrKiHuMrftBqIO
+JNAkhqckhaFKLLtQScZ7VKVbpzliPPyrNRGCwFj69U22WLtHtPkIZJNPTho8lBHuUtTMYl8VevWj
+TKqk15bF+vEZd4u48v7S12Kb1NKZbuS6dg5tLORs9zBT2WTlPiWJV6f4cVgBQjZNA7/RijsKGO3G
+qS4aflxVqGSERvTrjUdOHYVGk+vYfOhfhHeYTcGzlvpxNxzFhV/4fOIBJHMWIZJoIbgjU6UgNTeB
+xLwwBZ8W/SQT8Y8fzK1CEV4Bthdihobh3tUSyIwgTRcl1M8loxuxeSox3jHZbhSOJzE2c1rEfzmm
+i2V4lhE3kc17OZ9Y+Os4xRckfRsDe9N2xIvGPzXaUyzz96mxlo5xtLDP5fBq2G+l+9Fq5dEu+2ej
+d//6+EZuEUVglqEntBhuspzlHbzDTvoudoMIj+azKl7lFrbRfQ94QSQseBER7DupUrEKx+/xDyP6
+JlPh1LpnHH5R4V1vVuBXvGMhregX2PTdr4iURsMut2CJt/kuR73cEB23VG9OZG+EGD6mzR4+5Vg8
+a48Lqm7hU8vHFuV/VuW9EpYSmZv+6OdcLbycYXCtGI12Vs6Mxg8NC7/TiTJfHqWs6xrvVcT+qlq9
+CMFiRB0gFA05kFQ4rXiyH0x+dJeaX8WHtBLJqCmOcPNRumQD+90o+yYM1czK8ARTPvVgd8jzHsU7
+QAzlqmp4LvT8S23PR7WNt/i2/y0rjfC2lymDXEv+B9XTWMb7CZ9Ymc+rfAjyAdRhvmog++glSWhh
+mDwaXhStxKEujOuXaCr+DCfoCWtxhKq18jLfRrLyKgZ5mrmslT7aRNb06CSbKsKKrP9nwhm4meFI
+No+GsbKPi1psWh2CbGp90rLsZHFWC5NVEpS0fFVjIDCgec+K5qtNUnKA+zEpzYjadT/IMt913srW
+2w8pJnNjuhHttDy9i18SZJ12aXxDT48GDbZjJA+4kS1WtxdAMlcjTCJLf9KenZZh1ND+MCkO5FAe
++Nti6SfiFnEOjnlPYnkpnAkBqC+kn/pQqUR/QrATo4AUFkcGMiw8PNlKM6xSLxMCeKum92eQFk/G
+wttNEdmGnDbC6HCH5oWUoa+RdeSj+iwWfOKLICZtot2fQvM4J9XegT8R1ITAeq/yo2rGvGHonQKv
+elJwn/SSh1452m7yTc+s713nfBEcSGq/IHtGZOjL05yc8dkL5k8ZgIs8OkFJDGfYS5MAwvxC6MaD
+jSFaVJhrYaFK2SFaf1Wsa/lcpP4RcEJ+z1hqhwabG2n3SmM4Wp9lxHFxb2W3IU7xixp6u4ptSkqj
+ura3o7O6s9GYN74pFLEmolhic36LSXOcslMz1VTPXqyi9loOYpQ4bDtVvwy/pF6XR6mry7ZhcQXu
+zxgRjqMqd36InJbX37ZOM8cIjwkMT+TXDY8ESyVXPEU9S+eVsQaEwyRkGTlGpVWMgAaF7P7x/d+8
+rGVdwHoHHZg8nnc7XKMa7Ckth7i0OELdypbSn58Sy8XVAb+AtNkY2T0Jxa19DBt8lXAYYpHg4P56
+0SR38sVT2dxjKEZ99CpsIxnVhIgFhRtlRcbnj28TFsut5/vumld7pze5jjVg3Xc24IJJvT4Nn7WI
+NohEnixWDtLMEgVyNDPtQFm97TL4EE5zIo83WZo3bocoyuazyAvE0Fn4FD29XeXVT5WZnlLV3slG
+27F1ufiLpF23H8kYcoPHKfk+mJjGz9VjaeSfuqbvVhcZgFeHhLcyLZ6RWH6R3iGZnUOS8vFoNJQz
+wk+tTPw81r7HVYlVfwXkCl+JryoPjUer9r4LOa76rFkznUqOKyYXp+vSae9sXO5kd9Gr4s/MMd6i
+qHsWfr/F7Dq1CdXVnyxa6tb7KSWKBHCINCwJhkejzwkH7LyV25C3PEsn7xIjPnSf3JoqT0hUnIQ2
+8I05tNtRhZQxrCuYftJlCM9Kl2gm5GtC849bTeI//HGZ/7A9HEfoMjP0DX2jbcgf2E7MaN3KPVhJ
+s84gVAgIXUXlzuQEyH96hbklI2A2viuTR6rpfHKAtEQrNlfpDrhxm2CeDABLkRAQHSGQt/waYSjK
+0SKw39x1tPHfMgaaQjNMM5KXOJekuxOnIKlrRB4QE0MiQziBnzJb3YjKgaz5o5gvTFp4p4a8xcoE
+3EY7g68SPg7XHpK55S3t3LeIiLgZqWIFNW1AoY2ItJDM2IhujlThjasIKfdvvfhS6m+m5qsVYh85
+jnIMo71G9wWVifAXriAmSM0rG7ITuPuuHdn471Onb+0YuDtQ8usWjkjXmVaK2SZMEGCkJQs7Oy4q
+WvONhu5Cj0sV7UHQIbFXlO9M/IXkjYk6SsyCvDleNSP8dkBJBudPxKvzSsKVUpPIaylPXl6B06g6
+oX0EHUDN15DrBLN9eBB5HqjEua2asyAxmD4frKE9jT2KQ2uf9BsFCw3xV7yQNikQPZICVexHjXA9
+NGQLYzzXOe6LAVthiJQfXUShTjpxidoTYNUgf0DMZAc8dwPXfkxwLRo5feVsFFAAAOHJNKqTYEzy
+7QtHQmDEEssaSXqaIpWJSQlvAihKW4/zuBmd4TSU+ybbpn240Qaaz2kX2eqjQBgy79eJVRTr0gJ6
+rZz+sgUJjiW4kHBBhYCpMcXAoKTExEPqGGlshHchxpEyjJevXBxzZCXLQS2fYUYO9jjhLR+F+3Y0
+Tx6iVlkUAu7IhyGiAjGRp8rBoxhtRg3nmz350xJYD2ZxGh3ri6o5DwFjArEM7MVA779xHSC7ndF1
+ULanTe1gejy7J+JHt8Mw72TsIGE+Ain3Zn8K5lOVVye5nHhsOpxnQWe+FoPxGVMhQJvx77K0AZOe
+k0x9VOGxtmN99AZ5CMNJmqQowSQRE/vUXB4EWRfLogB4LUoulFuZ8lH/Pggo8/FxceHMXJ/GMLFQ
+gNJnQkS46qNyarPKUkf13C0u5Jbq0e6cN6GfqqQmLTk+0ZQHtHA6A0c1ORVN5tdF95orcb5aHO8k
+Mpa+jQ5Br/hlfZSRUZ7V6AdiX+DfUjV9mR8K21de26AUd7TON49YQGeb4QSeEJce9t25PjhGXbaF
+qZ0tm+7NPuksGt2LPotNtGcQi8cW/vEzu3nAvrui7BvvrlgFjJrqWJNDvdlJHS5roEbEpCKy/vhS
+N4AOmyCb/3dz1xw008CiQDdmznKHfM9+hjX9SSypp8ryG9O7U5ndvhofnkwOPNijv94Y4YkQ4bSB
+EgkYT7ZqFVhWjkVhviSEFHx8c7fmfNzdv693VZLhI2IkY9MR05i2ryW6RaGcIaOa4+KQQqiQPbEl
+1sGus13mfpeivMEOWw4yIaXLcEcK72i0XgqUsB//ulsPA+9j0wNeEunX1cjdrIvMjVrOLb2sDjJn
+jcNsbbnf+uWzHt978jfyE2m9313t6jO0ojzO9bFGZpp6P5UxJdO1vKhjkgxkmCUt6O9IQOys/V3Q
+e4ueX5q2ZMJZvcetn/zayTiMQOU2pks56m7YeAUZjN1jkc5f68x4NsfizVPmowfRfdkrSvfixe56
+yfXPciSLO79QgGbiFC5EEjRp8jUL/FHQLk7x3yNWFFVh31Hn3HzQJGvoFoM/Xb9wbN59TuFAfkAS
+9gip8atSMuj1QbR2WjhopAoNkX7n6713OdlP3l2uqUc91PFM5lRP/cotOc5bP87xbjenldJYd5gb
+Nxe5wWcDWoXFyG/iI5RQLlRXZOl9PW4TJ2VY66x6xNoGJB2d4UFTb9Q4Brp0iPWE8l79reFE59k1
+zCx3lX7PtWnjJEDE2DZ8vMRvFji2xajVsRjdXc/P6hbLNmfC0NxyOlwp8PHR1ctvqJe3mJG7Hb/2
+eP99fFH6vBsNClRXtOyO/Pfa1NFxyDjsYV0TVAvY7Pqq024W2141av9JJpSpOiK9mA74rqxAJX3X
+wBd2ofLQh01q9RvAXrTGoZ8v46YbcPod47VZtii7iPst001WUGlZ3rpl9zI1WCLESYXTeqboTsPU
+t6LsVE2dH/Tj3g6eFKZcEiMgEZNGSRhG/M2hMWmrlso0O+jxTzNMVrqD5pkplGcwYgfPt8Pw2QTX
+psL3Z1Sd87Rqe2OV8gJdWbp6swqsZN2C4zvT4nckOnaJvenL1h8FlCeIjCoxbqPtCMnZNQ55xjAg
+3GvkxjU6VCLMXNJaZRI5b+twXY76PoAhjS3STkcIn6XmPvTQMTE+QGuznjIL+SQKjpKENywppulY
+6fMuGfFod8JNqTMjYPtyhhlRB6F8CMIjE/Fsn+Bpj/aUL47ye5trf5dd7k8dMV3kCAhYk5ikzcaK
+L+tx1nDqsEy/4e85ibEqjIGzz12FUGMQVWz0eEZB3K8cuOP6IK1ShGLlhKeBn4QHdw5WyjxD0kVm
+aOibJiSDTOn3WBavbaNfed24mqA3hjmRxSrjEHtYK+EXvaePins/4203jrrJemJs+NdQfK5iQpGU
+zthVMznqhbY2p2mnKMpaXi2U7S3+OncWrxyB1+WS4V4UreRvACf8unvM7Lfs/tgwhMu+6WBXOvUK
+CyxmVoWfaD/VbFnlYbXWESHZTgeLRvMH/CA+/hWCGvz2IzyCWDmdXMLmrhAUHMe1DnseWioGtxJT
+5dHlN3n39vFlbsL/VAIkLeNHQNbi1aGkBQ7xiiqHkjqYPzJET0Y3ERhmPUhPEJBu6aTeubSXl0Gr
+N06UYXmSMBo2CIPUHqTiAz77nGhk//H13vltcu3rZ/B+unZdOzRLU3cg2Wc7DbcGefZ56qxK9RvO
+Y1ubjWPB798094nxUMBPq8N7Ka63isD3179CdqzZYRGSGXmuBqKJECeg8vPj4Zt8I3du9QbNgdoA
+iQyEGCxArpVR2GgaWV1CUnPUcBV7b3VkbK1y7UYzESU4iy+2T6i6H3XqdqnKO2vtlpEzKB0qVkt3
+WfjXuJmFCCxV7ID5BAjl0LfriYxLumGatvZV8CSRUguW7MFgJWNlbfO7hkj9nGnDp9ma9IuWOEHn
+LQw/jCzJUUGRV9YrI/spVtsojz9+YBdt7W9rw8A+k8qN+vK6p4kmlfD5TqeOXayTkan70Z1xph/R
+dCp4IoZ4eFQXulxGULzgWTI3kpAyqSyl/hGgyEiGB6UaP9kEfIzAvCWtmWS/ybr++PfeqkgwF6H8
+QxaGBuPqc9aHxpoL/vY5c9qtOqCHdJV1OmLIVEPspgj6+HI3Zz2SsEeIECWXacke964CyoNwtLrS
+0c4B3im1nq1nDuK09PZabOI2QlILe7fiqBxLP+Tj6TljYXlcdl9L0Tf6ZN7p4W4Owd7/pKuvuejJ
+J/Vqm/ETh7QKqVTvLT/wlH3IQVp6F/LnFL0N6PSyRNIhjZXb/e+tybCXefdcrj7pNp2qPBUf5BKr
+l6bCvHRStx3cXsdBEBszSky+5vE9O8Vb1dD7q16dKLU2l0qJQ/u5VpkZOaih2EES+PkK/tCz4vj3
+a9JbdR/MZYpRzWD2dj0+90qTYO0spgCL5k3mhiu1CR7DAFKIqqwtqaSQOOVVd28ju7lnotaDKq+y
+8q7rzS7A3rQPR3iuc/ocF8ZWcAZRHMn3WIMvqUyuxLVJxe8jYlsR8pjK/HZcgF7xtmRE8fG3QCd3
+6xyxTOT4Kp0o7NtfP4ZExzFaDWBp1ChzlX48QB7eFh3Ddj3bd5Z7aJYeSOaQ11TtCDRqN9/2nrlW
+GmhmfC8TPulaMKyhUu8sY1jnLcGMtFU2H0pjQOZ6GVUkHdXiO7gSd3MNlapa6RMtbNvCuh3UlRpk
+SNbJQTRgR0HyWBBQN22wFyZHjed7luvbMtXYfMn0QIMbTy/NMqwDWM7Mi306qqc5CLa2szyLk37o
+Wm9y+pUmwmio/2GqPkQ52CqZnYkLIQ4+cEltlVbeOqffSXWHqKEFUymysyCwFSFaY3NNrMSzVoSf
+jSE4j7jDGdprIYaUYblVl2nrji74mXmq6+wgdJO5wFFgOo41hB9SvKSPq/vqLBdR2gpFGz6OCRUa
+wVQkmPnuBKPXUKBrv/CrjR/7wfVWOrq/Uf86LD/y5FEeoHBOPOwnuxTbAjYlEfox3WVMFIIdl8Gh
+cVAN0g5ITT1m4OdEwA6NvR5cxLWVpCpd2i1H+7LEZw7MjZGka1PPDrLaNS9A6Ov5vXK2oIYNvFWp
+o6f4Rx42u4bIsMga9lIfyxBTPkWN1+bNRGFiXCysnTQz/DKIH/P2zShoVmcT82F+Zj34UqGvqtb6
+1kzdtqTdyAlja7V0l83tQ9L+pZUIfqJis7BWlCHdV5r2JcqXz6o6r/J+QT2FHkoPtvU8+4/f03Hi
+Dya7aDS2NfY+IdYARl6sp+KldcetZieMJSF8hdGmTYut1CRt/3MEC7V+2MRzsUyk3J7Lr4v2T8da
+G6xktZBdbczOLiKHvsyQtZWwfgL4UBY8VdU6kVPlt3Xz4qnRH01NL/Xiuu6RpbNKYnUT0U+k6qvo
+4uR+tTDfxGG6npZhNWRPBioj2a3DKUeCY6zrovQT5+DV+3xk7MzEx6pJ33APbmHuFb3ZT5DLHDNE
+bDDtugrH9DI6GqxIxiW72Ou4VHC2c7GAegaSB5E69A2RBNgt9DFaNChVxhCvC7XE1qXdyMuStS8N
+gzcHd3aNm6wcGlQHdw8P69BratcQp2PYV2wa5gC9t6TPw2WOT8iGvjWX+SqmlZmRjHr8NcLhPt6z
+5Bi6rm7wdKH4JFwDP8urHWsih8B1h0E9L6a+k/GaaEPjLL9T/d8s/Eg7Z3JDTcKs9upM7pbOnbqu
+U89Vql1kkHM97GwhZxIZqGLXUA5/KLTqM9w/STOXmZxkdkYWLgL1TECYtRf6nczU4uHzVISvduV8
+cps3yNHsWssd9PL2WxEuDRJaRxJbf93KqZKzOA0GzC/KeCXAwNRGmNDDU6gIVS3/sSpkDbSqMQL/
+cLqnBbt5jr+7+tXjisYYt9gBU4FgPMdauDZHqHopSdUKX1v0T+J9/XgZ3Kwa313vqlrpB9Ubypzr
+FbB+ZVvV3NAHPOrU4/2bu10zvrvadZWCN5/rYoR1Fr7JBAGURgHOSeyX7qlR1JMzAkCSsxH3m0nt
+sBjp/jUVgE1qhf0hvbM4b/4ezHv5BPAPg5h39XtcuyuDbijVM4rU47CevjPNBhA6z157yakUVy7h
+AfMWdiVCAbf4w63PFdKAjhH8//5NiBIEh0CWnfmbfEdTezPoexIHx/CiO8yiZNsShtZZCHRhNH98
+uUs/8NsGYItOSOc/XPHXdT6WztwFbUqxTPay2wCAMwhWTGePV9+cxmeAvlMxD29BR8jisI0sbxd6
+40vArEkIzIY+P0xISkUoI1nKMPWPsYm2ewh2LpEdFcWM8VnV408aceVZMj/g1a7U3jeDLkkkb5IF
+oNf5YU6YTNMRwRDF8B9XK+n4CZv8+HZvrXNonqg64afRBV93R8kA5TGLGBKQlRTq49pl5CvTQCtr
+MFn7+GK3PmK8M9hd8QcRfuGvj7Zf2NAnZjsX1yKZ0GMQu5WsxgVkXOZZxKDcGZDfvL93l7x6my7c
+ALNTEg3Fi83hCi0KcC5jdp9h+yOi9o/v8PaX8+56V/tGNWiDm8OmOONosxJLw4qhqNK4xKxMvk3K
+QjEo2+pz3jAhaPcLTA+rzT4xMVjnSb0Tl8KPf9AtVT+5vf9+5lefcuymk6nLcsZtHQ00ROd4Lb9L
+foscNTFUEYljRQ//COsLH0b3MXTa51wpD9Y4vsUzoQjRsic35ygWSOSyvBVesUVzmrXfhD1pU6pk
+brVy8kxMj6ZNx6i8T5DDV92TzNglPj1FW1c1Ndk/AF2J+BhwTWvJT4kLL6T7bHnMyYv6Tk90EYv+
+9jEDrBg2kicRAf664tJI8Vo3d9Rz8Q0CxTMT90cPdE2oL3+E0Gpi2qAWwIcPAzYq7FSq/qbtvokI
+1B7tT/I1FETpTCQCSR67qH5EamHqy0H2IKHh0hyMBtg5nHiZwCOZPMi40kEvIRKA2U7ylcgjbHYv
+cB292xaQaWVYzl5ZSGkMZ64d8Ob8utSYRuHi24e7MUZZCZjy8XL4l9fE9RORQQlmbToRVNdwSGwu
+PTMRPojMCr8LeyZ0q5dMOzmVe5qG7k8JHc6T7CmIVYxe4t044cVpaT+FrCTCHtbKIxY8DKwqiMgW
+Ffb8KQV+SqPwOTGHH9NbF6efZZ5vJtoXIX32JKkzM8MNqzl6FAcRSDVazf0QNPtFr/1W8yhb5xWE
+pk8yj2Me+eC2w17iUDtoGoP2ZztlJ3k9I3HLMjEVL84II4SeOJoI7mI1IDeg2xXKcaQm/tQWaxmd
+C4cnRPDR9+5Gxsd2mu2YQvwxWEi/nW90VfswegRz3kRl+yw8xrlMd8rw3Sjas0BXPb9fyHOS1S1+
+TeiVH8refBlyL2RqEX5eZoS2zhveKTAkpwcZxgtTVSyYI0wF3Gk+TNjmyD8althlxOODpBLkWGhJ
+aNLHb/fW/orVP+lEEGss6xqZm/PEtBcogefQwQg11dcjNJj2Fd82PyIRaXa2H1/vFtIB8Y4MBw1v
+gN8m2kSSNNnSUyZUGYwUuljL/dPSofAIiSMFtnS3nZesP77orR39/UWvdvRBjRMoP7l6hlW/q4vR
+17u/OheLbx4r9nV3rib79fXn4uhUuwzU8Pa+5leF4ZANRUE7YFXlaUhkCVabAXH0xzd1UwSBh7iE
+0KBspCf4daNKcOxjcApqCHr0MKfWERgiDr29OqKva+g7lR9x8Nom98xxbhnF2u8vfP04S7OPIyyI
+ztLhinQtZZBmP0p3qrWM0ejDp1xbG3ChY/thaoN1ttSvfRnunMnaqCQmGBq8Wnw2O6cGyGzWtbaw
+rd37of/iyvz2KgjZttjKTe03v1U9nReEvIp21gaTjwzAiknhYHUwNyZiG1K/o6Ayy2bjhumR6eEj
+DPoN0vI5ynfouEiA1P2OafSIazwDRlLGoFk5qF4r9xPUwQ3cAL+z2ED416rVsutrnCVBz0hmw0qs
+vbjFmTE8SS09GVO/L7zgKXDadc2hqniHQnAkbN28HtdlO1jVsBWxYDomgfqgSVAYv1rTFMGXRjPd
+ECT0mgPfRF7wSMUA48rbOP2XYupXMjscaLvzttyRBUPIEimFSP1HNz/OgBbVCPlKi1ee9SXSCCNV
+ySVnSGYvKgPa0U969xAnAZZayBo9xGX0+OKulJJyjdRmLRPBtG0wI63X8k5lyqkt9WbOHSxusJA3
+Mj+NZxyKnctUN6asF4BpCpiqQzwiyIG0PtLfLZ/dbLCxR64yP9ToQxknq4zqlpw5hYuxXbVVkl4O
+zZXAKyqIiCwgZC/M1UZcD7ptvRiAe65ftMkqFtyj/ltbKn9xzBUYPSl97cEEidG7fKsU9V4jeS1d
+vqKNxGF7K4CqEY2nhlE0eS2XqangNm2orQaC3ivhIICgwfZ4oAS+4BWlQz83Rpy24yFXOBYgjSqT
+fchUAsZbH0ujzFX3hW9a0CCr5TTl6TbH6EdQmMJ0IHE1ByQAvoTIe9qb3UYrwa308Z5Y+1Y8OJs5
+tAbZWdllryo3m7QEpYRZdnYMvKmd6tB35cqqCDxyAtR6KDIn60Uka1b+6MHd6+t0F03uaoo1pnJU
+8pBWsTO5s1HJRvTbV4gTiQfETYzlNYvJHQl/dv+Ls/NqbpvJtugvQhXQyK8AwaRAybJl2S8oywE5
+Z/z6u1pTt8qmeMW6U/MwM18wSALoPn3O3mv3tTitvbsxh8inE5a5JWBvIi/AcCaO2AvCsWwG3maC
+rBQng7zBVz7GpQGl/dfHOFu2sint12WsGFDCPAe2gHqNGEEAky4eKSSvqoE5okZTTDuWBqiC+vXj
+T3AJ6gWnAush/+FUer4zNG1Tt/XMig1W3h9L6ke3JwnGJo3Q8ud49Oxw8NMuPkpcUNHchVG9b2lv
+S4efGkKfGDLWiN/NlGwH+qmWle/LVL0yX7z8EEFFZEehpno3UV+NcEVHaGonAwFMQy234KDtq/wo
+ZyHF3O1blPmhqMjZqH1lFG99Xpt76SywolhM12YgH8++8utd2sSZrYN/IwUJJv/ZMSnHMGxqJdkH
+1TqRfLoGVswipkXHcOmD2rkmk76EgLP+vt7ZuwS7SHULjetZK4piju2Ivl4oVw/ROmN0cjdVZ+6q
+Kn1Ab77tKjKGNOfKrbhUnGGnc1xYd5rUJf27wzeD4s5zykdwdYDwgHTqftcm0P2bbm+O/V5bkytX
+1C9/baRvDGZQU7wzyfaKmSyo/qgqNAG2NN3InrgDYLem/z3YhGTBHYHEK8/i8ZRu5bCCsnyTmqUf
+tvdyR5TikLRvD5IW2IWm5zDozZ3SbxaO7O5vXZ3/AxFUqk1R/x7yo0VAgvUYa2jLHdV3K9NLh4Zg
+cMODnMDiGr1hVWIr9ynwWUYJSai+c/DhsDR6ShL6hUZSq9lsOC6yi8gcBBK5+CQWXfm1ZS/ie1As
+baWblld/G1cnEac3dm959hx6RVz6WlMHMBLErXT30kUF7JsdSEs/OIl6D6n8hnrPWyxst2gZ5J83
+5tmhWV8ilC9jRozi+KuNsOR3EK5y8RiG3TF14qNizswvPKvtbuRwV2qe5bRlWlTPjvuNIJhMSyEF
+M99ytS9uXvoua4AUTkl1Wt4fSKJy0cJNAqzwRIoZIhtmYiPqe7eydnHBl/QszokqVnZ2206krAvi
+XkcRWc/hwa7yYHIQg3SWJ9VTQ/KzLyGjLKwqTrsrQz0YDBM+gLFJ6/S3JYse/lqLIzu7a1DByRkR
+cTU7CxfEqgRyL+yrfhcTnJea38i13clWf19B38uKbSKcfbPGu8zNd4NK7ZFSbFS1N2Q4/BNgWIwB
+9NLZmZG5lY/EolkPbv3K6OaGdDemBF/WIduW08CMAo5SnR1wvzDzQH7ZuWReasc0eZKWbd0dtlqL
+rL+YDnLnUgVoOAM1/oS2JOWcbJY37VrtVgVEM8WR2ybbdYU4ZBTPeoIXoHc4YvEESlNnBaeKSQZe
+bVnQZMqnGVefnKHJWZrg3mNXDBxVbBuJdilZfFtsNEB9rBdc9TQ4G6jAiZ17/SN8doJmY+sou8xS
+LzZiTuu79FZut+ADA5cWgFmMnvxXjNDa7MPFvk/W9NCbAr2yjZRfvV9Jtx2m6dZuRAANjgC6es9b
+UEU61bW+kYMUuUm2LVqOtCT/U/X71T5KsJ+W+FaYB2a5txGmmIy59I4bZ/skk27SeAxcWAkDegap
+hgr1GpC1sTc4lddq5SvITuXqbXHejusFa6G6p+WJbxNwtjQi+RmKCF0h7TpPbkOVyrcZA3qim4GN
+E8xRzw+nUVeye/eau8ukoZ4qK7L+1GKAbEhDi8sO5cDmb3tJA0AHqYNcYmRd4GQrI+VnO/zZ9pRe
+Bq5826KgRE0ImCpetLdiGxPANi4Tnp3/StjjmBwXaJYzzjm3V8+pBZfFaLTTzGrbdc3emA3PSJKt
+w/vhmKs/Wb/k7zlnAiVZd+VsfPFE5+BsMVju+e+3v/+3DqRL6bvBljut/IY9E86ZQGM2eombK0wm
+3cd8anwnvnZivbi1/nXdM2V11yyZUk65dsq0knTiipXDAGQIo71+lcq+j8uga1c7E7EZyxqjY+Rq
+UlEtkpB8ppuS3tj01Ib67r+4Fk0FsD+uQEF/di1HT4y5ULihLB0oJsOHdTWZy6gP/dpuiZK8VqNc
+Ei+QdUQeo4tET7XPiobaGjMtEgudBs4SmPSOGQt/Is1uC4t/yF7gxoeZgoHYi30Swvx0dmtNDkil
+BXVBrT6ZezvpPtNu3TlZv5Ma0LBJP7OaPMZZfFwYaENPZG6cbEZukEldIj1/OfW9meXHkDV2EsqT
+3qt3IfBgkk+z6I9NnyOu+aeXJrC4wlyO+3FqdmVRcjIGnQKGhCfgEPbtMVSyAzhOIPIwWwzda5nH
+yw+81uKoWPaNi4m3MG3Wz+Gu/W3QMas5QEaTcaiQbhOMeztpNDw52sEIQz0LhbXStyGeqY/v7KVE
+Pcat1Cgcd6Rs6uzWjmKh6+qEtFnykOenDkSPNmEp3jZmu+13zPoO5fwlNSQVVd8szPF1lqjILa48
+0BfFUsxjXZfC3sTwctYy7vTRrRDlochzbCzxxk7NnEcT/7UxW77yxXRQU/s6sJSmtNhDsmAQ7bVu
+kDy9nB+yGMdYKgRVGcp6VismZmfVIR3XU8GJs+B0lQNgUQbXk0+dVCILlVWz2FTOuhdOjdAEghKy
+kevw5Ev9L2BdNM7IKONMcPYOVElq4U3i/CAL53VoaUgNx043rrza8o9594Vt6FYmPBf13cCx6hS7
+VxcA3TnvDZHcpCeySfc1TYDsirzgwqVsVdVo5dG45O3W/63DEQ9kWuikpPUh6x3AJ0nTi/TDSdry
+x4+1cN9/rX+udXZKBbEwZtMCy06i8GPIQmRAy1DxoemeJBgg1j+lGF3fgvtoVUvGo1raPpKjkJ50
+wpgkh40k+YStTuEZL8uew/9T2ppHt7L3/Z3V2LuOf6vL9P3SW1+vD5AuPAB8BYNOBFMUk8SVf3+u
+Jq+1JU0J15HEe4l9xZ7FYMv6ceWnkq/V2RPAdXjzYX7yIJyLPghmTQqdavUtTSkv00CqrweGEUl6
+X8QUyCCxVgdtTOnXOklhv2pCviQeQXpviLwJ5MBKegOBW+8rsf/4411aFRBqayY2PhxLmnV2J8PR
+iVNXhtPjKUmqEXmwtrfRrtaNdrsw7BgG+1FLSOnAzyMntc0euMqVDUm/eC9k5o3kwBKSfvYhUmyB
+lp7wG3VFcTtgdEFQ6a0bOZgqyMCol/AmhE0tmc+aszxKZIMBV00mlej1UakzTm7TG+z4LfGT4JQ6
+fNiJ4ptCyEUN8cyN3Z1mmhgdnBvNyD8vavuck3Zn6S5D7QLMR02h69ZfPv5132SA724+lSXUIRXZ
+/flOi0FJ1MLgnXS75QERDKkmMf3MnMTm+qs58BC0z4nBQJqgFMRo+zCdg+GHQAYjn0qZ3CI9JrMy
+Pwxx91OFQZMWyYNlKX/0VD9OS781ZlL2mNfFCYoml1KU1BTJHJdgClzSWh69DFkauNrL3P/MWiWY
+JlCwDcYVLNHyoAdWYStz3qTpUdrEpbbazmeMncqfj3+NS5WjTY8b8jHzOZhIZ2tunTvGWDVkX8pp
+kmzJSwWCZIm086sL7jgfe+ar9kZ+jI8vrV8o50B3E2RKhWWy6p89YQifREY9THAACSrSbV3F4ujm
+fp/EPADlY5OtP+W8TgJdJLU+7EtKF/G90Ikll1FHVZk+TqYOuM+9t/tPeltvWQM5mCN6zF8lvS8s
+V9zC2kEaLWVoDUaCAoiaWuynUiW5Zz5EmXiwC0hjInvt6vX54+94aeLBAiN5nzQxJXjq3xWtJU3K
+rR084PC7HqTJWFncr6Cvg9Gu71Ob9kEsWTNr7njVbH1Lq9abFFp7bfcYRd9XlJQVVYEtutdisL83
+a/4jyeDcgO4N1/D14w+ryw9z/mYQHcDCiIUMo8D5szA3Wj05qK7k6KBrHKYN+t6R+QAG5vVVx2je
+HHO1JeHB2hcRbiGn2yW9udH66GHtijc42WzW9yiLttFibB298hvij+iu+9AdURO+8rKB4YXOxCG5
+YgzRYexpxI9+Svzis/IQz58//lKXHjJORbBSQDLRfDz7Tk5SDL3FuOQkoZFxNd8ONrFJoeMhRr03
+EDF+fLlLmgx8mY6JFp/i8h0DysnrvIo0k+Yf5CI5eZW+imL6VIaHFIWjDMurk5Wvr92JFwNChtp9
+tpVy70pNaXLly19aww2bwlKm42hM4P99+hg4zX2N0OmUwJ53GQ/bjGLKwb0yCr52mbNte2ptJyX5
+XZykd6SEyCTp2QOv38e/7aWkEdZrZs50NoHonhfuy8xEbVj5bZs2e4YsHGhSO7R8lcQGyQ2zIfzP
+rNhvYXi8a5Wt+GaCGpYUvLX+lAbiNhdI1fVDur58/NkuPWYAaWwTmwrvzvlHa2bAVGpq85iFPVKG
+eLfiuS1JDZuqu+te8kskDn4HAzko8/D33OKuNcvOKaOJiYSzRVl0Y2sbp6HL2Sl7vdNobZbEaiIP
+wKyX6ep2yo17zEeBMSKK5lUDRYes+U9DlRXLyVqzjXFXlmIm9jTcDExn4yLaanp8N8fXTtaXPzzg
+Imoc6ZU5P1pXU5IBmnRHbiNWWAUdNYg22dkiqh4NPlle5ja5w0XjRTV20a7xS+JjF6ulZbUEC03B
+eoK4H0Ej17XtSm/SDDmlTM9l3KNGj2kp0WFLn432CmHhUoXNzX1TtLCanMtZ3CLtO8MsplMYpqAQ
+rKBqv4AT9OPmvnIPPYBxmcjw8YP1Nto5X5RRz2BocJiosJT9+w67WumKFC7maSn7nQKmY2bMDP12
+p0HCiBm9usi16wKjqhJzgoUQabcAlGNvWuGJRPTLmiiYjdw3Uk8H1AnocdcgPNIg+4BjzrEImOil
+Qovx5pQD0Jj3bTptB76NbXbfLbW9W1/DWUQgb+JtiSPWsZNNj+DDAPgzkQuglCYH/gdoYkhoZm6E
+ILwYHPmEKotT7NzsWnr5ulLeNfW1EeGlQFcH/JSFgJsornd9k0adm2xR9fGkoCxnzhpMItkK/G1q
+XB70FCOhKW4kiUsFvGFywCsN9wmb+m5s3JsxVbfJaHtW9jVncc4nbDqoqKTKFJhYImyScyB2QqWW
+mpuPb+yFh4lej2CHkO4dbEP/3teirXpM2/Z4sjPMDnzw3h5wq8xM40EDtIwMQC/rqAw+vuylIR2P
+sKx+OfJb7ya9q1ATnrVoQWY2olXK0VCTZtnHW5qyG72jdS2ynRjovtQ4IsA3INncLBSFnKa8NVt5
+AWcaYcrmyud6fyYDZ0YPQiUNR+jvoF5VZ8QzqDAVc2JGkrQPtMqPll3opo8Qfb5ns4v1hfxpV7nS
+D3q/dHNhuDOGzODR3gmZbCcPY8us1ZOB0tmol+OE6ibPfq5RuGnr4somJuuNf19neTWCkk2E7exi
+Z3tlGbWjnrS5epqM8FNNG3/stH2jC2+GlnPlJ734zeCvA/3UKEnOa3vN6oQ+5PykU/FHiTscO6kX
+raes/WM3T71LCIKCRpLlI51JNEyBf1I9L6HNo2duGnIHxuTKCvq2D777+lIJKCN7zHcSp7jM3dye
+7fVk5FAQU+xKiXtoLOw6jPGHONlYtXIYDVhaciSMe6Ws1CtPmvyF330EFD1vKitwDmcLah73Qw5n
+ej0pZu/ZnFNbrfdiVgEjZ9twbaDOV/KT3wAj7y5py5ABBFe6c97XSOo8q7u8J6p9EL5z7NU0IBcj
+UNmJNSfzRyv2cy3bZE7JLTA903id8m/yn1BAHpXLH1ych4Hx0GrOB5YHf2BqKQfYrTIFlTtvzMbY
+TMBc2bSCsJXGlWEnCGVqo2vGyguhSzy/b8cDllzVPt+8VxttWqqmfJX5hHDDc4fAnl/k06XDizND
+ZNXxHg960DTk2iORG1aF7Armaem1G6lfupPSRC1FWnRazs8rArBFNOQLdzKWw9Dv5VJDWSiDaIXK
+EW4ZQPhVpwdGWAPKHJlPyfc6D1pF281fOxrkShtSjf/q0fYxJhIKQs+B6gFY+fBql78m14undpfm
+yjanPIqVOOgL3UuzcSO/nTnlZMXolEq/nKbxFQapV15g2Yk+f25oUlrIctDNvQtYbltX72OcR6eq
+XH35+9qgmYqUbrmdB9Dn5aVH83OspRv0BpsVXsLHn+DC+RX1G/J5yLwUte+QJ2lEvYM6f0XSbsCK
+/pMYj9YqpVmsFCOGcD1HVQYMXVfg2kwQ6Xo2DlPzK730S4jXQD822YB/klm9VgeIjD1hFZ5gp/34
+k15cWYjkNCmT0Ou90wrFdoqPU75jBp+vy5mWp5rfqAUfZdzOdHhjDmRtBNQ804MYJMhgFNc+w6U9
+7O/PcLanO6UT1UkzraeuIw6YdplcS8OSWrULoE57UuNCTve4XLnwxRdBp5Up5UHvE6rFqCRG2vNS
+Fnb+dhsIT96408mYfr3FuvRXHosLJBwei78uePZFB8tU1nGRJp1uIG8OhLjoURmuHjnxPnpklDy8
+isrgFblyaIkBmhF/d7FyELngMPKtg3uUo1EclK+5ru4/fhQu1IR8OghiUmrqaLiZ/i2taDqxpbvV
+SgTiQAlKYMhg3y6h6i35GKiYQEPuhZaIvVUsHBqnXWXD/E2Ho0XmDFQYhbb4CG86zp/Xag7m+oZl
+wNcrGz73Tmo1NP3FbK/BVC//qAbeI+RTyKrPzUCjVi1FsfCxbZycBvbHMR59midZvaFHh94ZustI
+QyYq92EndqNty8BGb+n46cEVV7usjA8yS7FPx2s/6aVSQvboiGqkXf4u0jcxJleM6bienCraCmnN
+LOp9AVE57YIiIhqiXDmpndLiC4B6rHkLWGkVexHlbMsH6+gNLy9dl9+GTXdbKeA8cwQStbIlRum2
+WuqbKf2hj+KTfDk/fhre19k8DMiRpPqLDN1z0xGIqN4eXW09lQXGTmNDNjsGYMtvlQI3wK86f13H
+K5e8MGGU16SQhVpC6+V8vzf62EB2U/NrLSQaafNhDX/Xg75RSTstR6wBhti2RFYVLQqQevRUgz2c
+6PEeVMLH3/7iygBdH2rVW+0hd5i/hAGVE5dTBevxJHttbgU3CGFTB/RnYcg31WVgQYP4+JIXHxVa
+bUxYbPV9PPJQt6luL7p6ChW39axiPoRq+kLjC6eysQl150pFffF6UhUppW7uu0m9ZlVEBoUrxgA0
+XFKQpUN+l/qVdPFH3N4ff7sLXlrurStjHjkmEap2JnmwMzuyrIQCXjW/jZrl4R9fO6LR6sQTEu2V
+l4d8oAM9VIe5uIn7H2bRgVQiUqacCX1A65v4rev4OHX81nqZwrtm0Txn+tnaV27EBejPvx/17OYv
+K7nNxoRlolqy/VoPD3U639nG8IXEDKpvkd/YjD8aUW5NI0UQ1XtGYx1NvSJVp9sUmeZNqnGfSIHT
+fI3hfPGuuRzdpd4BY7L8+389mGlTZMs0pQzhjVebPJaJsZuVkXXJ63D9KHTtamc7QjVPRa+lXG0M
+F28iL2RSMJ5z6hoRjTWw9T5+SC4uALAX8XKwEeF/kqfAv76diEY3zHJ++bh0XpAy7HrSDOOhDxzq
+obQwAoHna+nnvUr9tJiYLg3bS4sw6KfhyuGD0yUXO68imfFojBShGDnn4mGnp3WfDJy5knD0rRXW
+QeQ3tn2jOzb4nC8VP4c8ealGeDRGSCXuHN12a/klwggVxiDtaOzMRnoSqbKzbfsW62Az3C5TtnfZ
+O/Wp25iMUOep2ovOOA4YSUZ5PtG/lyYk4zqHYXCnzTtXcSWs2qvJYFXH/l5Zw6OOglAkgyd3hKg2
+70O79xPNODRtsSmGN1/YUKQeyWmw2ITHvttpOOWTeC+LTZ39Y8jno+Q1xXbox3L/Dv/oPUg0oiNj
+xIDRsMAyMHDHBjpTB2HQ3VGW+yokhYD2VWoOPkeFnT1NO1nKyxfTgW0k1HEfzbO3rL0ftxG5CeOG
+0EZq/MFXjCJQGcrUTrOZZzgYlXvj8JOVdvu4kDQ+aLTdkHaW1r7uSAWN1f1CUouJArDQFw59nJGo
+kvAlHqc88tzWDUwLvEK77oci9PJfuYD0zBFRoU1nd+oG4/52poqMIIUkIOA6ziqqu3hamXwaBhA6
+FLidQjqg6fgtu4ycauTAfpYOogVZj+rP0dplUe8rIcRl6vi4LfzFyf1xGXcqlXhN5/C/mSzKuYNF
+0pyDau/dFLsf3LQVKX0V+a2nkQwlZJv6RAui6ng6+IVAFLbGw6Rdi9i8gA+Ql5adWsdQLcYF/75+
+vWaUhDNgpIL79nay7ohzKaxkJxdd6uIe1WJjT28nOqO5RpaDT3DpjaMQd/nehvHOCbqqRQjp0GBL
+0pvHDCFphU/Tgrc7d5Xq9SZU3bFZXmR+0gBLIXUfGbj2lvNnNuZt5mB4FF9bfcGoCm3dbM37dshu
+CuyAIyrZiSaqClXbfKJRDqlWdR8HO7kBxPw9N7vPQj1WuXsq4nllPrfcOchI65S7nBohHV1G0bH4
+OevNT7ubX/thvFeLl3lt77lfsafzTjpFDklRuVt05yGrum9Ob6IHcuentkUpQ3RFfUqgsS3G70lN
+yNGpnoecejkNHyYrA7wcPkbNzLQB3ZnTJDhEKo8csNGjL5Aky087g5EsitbD0sScU/d1Zp2FWT+V
+dn5gL79toumrsXZvH8pN6+8TROskdBPPdssX5WuRjwf5M4xO9hQhYIvFQ0XCCXBx43Xmr4e4bMux
+2xlznHkcXX+VafdZN34ZTkW6RUfkqXkXa+pr130JRYOVp36u1WzwNtHYv+rj+h2RauKtDpR87QH1
+rBqad07e3E6O8cAIEcVWRtPDvomT5Kad15e6KV5jRf2ldfP9QF8tmvvfKWjKtTqWpfptTePTGlFk
+TtoPvJ8vnSgfOSM+1wvEdxsdRRZv0q55qPThez3yBCzJnyRLvq1lch8u2g5a5c1oEJM5PfFDaqpy
+I//qGqWPQzI9LqlNMqgw0JaqX9pVPdx+SuuW7sf03IRgjkQcoaNA2MACTrR3wU/CuHoTU3fOUfK4
+KuvgV1m2HfXpqbR4N2naHeyELG0ymX5nTBPUtUyB9rzgsfzpxM5PlTzeqXVOk4hPdWW8LlP9FKqs
+1DSLY/fYNc2NqUdfSUD5bQn+QN0sH4tJW7/Mc/3bScShZGI1F13oiS7+0RPoCLX/GVkETYG8IFca
+MKEX2j+jJMIy33211ezRGr/GZUlCnJvj/G6KoxjYunMeaI83SRBxOpE8x2nbVKU/iiwISupT52ab
+EI/QUvLPjuJBEdVTHBePCw+7NRokkCpfpOJRzegN6CUKSZKnXFP8cEvrWBvieUGKWApGFwOWUy+1
+0UurY7mbxvHT0LYP7sIzGWnPsxV3fpmBiRz7CvbSi2JBBcJsES7GH22SOYWxyw4/zNDQ28Frwu7J
+rMjCE7fRSnZMr31qTOdW5UyQKXkw8gKtYf6SzKXjFUpJ8Rj/SIblpTXWu0Rf93UevmZW+cdYaDp1
+XT142mrB+sbtFyIjiGU+rA2220Knl0SEzIn1m9L1n3PeZUuxfj+XXf+k5/MWZ/2nnvyddKnh5FXi
+pePWcigyjW1TtK+EYf9s4+TJxQAn//dikhXEV3bC9UafjJt6qV+ElbCwlN+XMP9kiW7vzN/0tnqp
+K+t5xqUZRf2TNrl3i2Z/R3PwEpbEqtB1LVdE91Er6ZML2S3hNYDLBSu+FFPSZ5YDRtM8P0pz0Azr
+TJ2X09BmgSuazQT3TR/7o3TVzrVDfPmwg5wWyL5fpMAUwCiQIuhaobkSPbkVKd1Ts9lh1g3Munwe
+JuEP/W0GNYONdxr9Z8Wo+FPh0Gov8sibSkN/WTN6So5TV34yjPazGO0fi9nBitI2lvkpZMxqK+qh
+JT/DDVW/Lg04+Sq2y+6ujkqevWjvqCujOQYuTX8FTnFBmSB/E8lqA0+Iv9j8d1MsBnNUh1BdTizs
+NwvrBo6znbAwiCXwrubbwowPsoKaXEIcnO9gBXayf6vnFWPNJpiuHKQuleR/f5yzEllt0rxZCm05
+WTH2oL7e9kaGTwHDSkFaHT/PlZL8UhXMl+cULNC4glz99+vj00U63yvzKZKxiSjyy2K6wXFfD84m
+jFV/TlNv7joY/n5L0fvx1S/MvPnx//fqFARnQ4epaFo1meLllE0U1HiTZoROctomwgSh5s0Qw5vR
+ai/CNzzpNn6j7OAQf2q45c4BZdzBnhrKdFvV9LMhoK6sNKn6klefstB9EP2y1cPn2fzqkGb18Uc3
+9AvFDCML2j4MDI3/QB7+Osvoijn1zOWW0xgbn0Q+7YZ09VPeE5UpuIqHpchJM3THY+FiIxfJPozi
+u7i1ToVabSI8Vk3ngiRU7jLer1TQda/H7QAXW5bvEIxr6IG0BF0Ry6IhSISBZDz3lBpicapRGyfB
+CBN1MF0SI14nG7MLh6aKjICkVG/xy9DGo0uWpFd6XpcmdVgtXZsS1sUFfnbLwjgzBiuzljfAgexo
+5ZZ5lPPglhPOx7+xfalxzEnYllK4N0z9vw+nomHiXsxsPaWwfyRnQANc2ngV5wfTGQ9tR1FXPo9x
+s8uEe0hn8y6lNJlRpK5t/HVwk6Ob2GgSs4BZQmBH+h30vkBSGdCHAopQtm2P7ZLTzqxB086/llQB
+lpwa4b1eR8it3yxaAODx1CaoDUwjfRyM1cMQwRThT9BWPEPFtG/ZfGcOfsWENYiBjmz1QmXlMWg8
+t6NnYC5buwn9ik2Y0K5NiC18Ku1Nj+kzDStfjljk/5f8hGZ4mQYmBybe0HA+COpw0tT+0xQslysd
+60sVOfYKaGIMvo13o9B+ptqohbucdPpeDrF8A4Mc275f+FBxTvxl+ifSiiuvzluf7/zkjbQf0RJ9
+MO3dgKqa69SiD7BA58w9gwD3rvpVAiefMQonR+qJqCWh060+zWu0r0MHCIt2HB2yaIYvCySQlKCh
+EmF2twhvyqzAqbvtoBl+veQkdsDKI9MJNKSBxK5Gw/jxQ3lBGkpLDekvQ2rcsySK/PtQ2nZGhFsz
+0MUUGLrqhhARG6t7uzPM4Q6KlO8QJKKEiz9F5v9/c/jn0mcHOKuzE6XWZuYLpF0zr5bNer3UArk/
+6czlr3zTC0Fb8qsi3LPoIOL3OduM6tx0kSOrTBJBCfX6TP66zCMKInb7uuo28jC/msWNnMn2SrhH
+C74ZuoeJnkdYzWjG+02Tzp7TZUdrjhnwvpiNte9m4A8EwUUBcMudDnWYhvitmuLinPqddCPLZVAN
+26OWYmCnQaDzfsh/IylR11g7zbWCsiv2UlCGjnGzVO12TJX7dGyf1MbdaquKd7p9zFX1diXcVRYf
+a9fclmXr6XxE2Wd+a+uUzVvnZhThQRHmUy3qO9k4GUUFAGLcD/WIDyD6Ez2FpyShSRxmj2msSKF5
+QEqjl6Vkjg30roXiuQkWEIAAcgGKHGeX4PUeOuJLGQyY9XhTp83tqK8ekYmBYLhdOuJOUUIITsfV
+hhKaaI/OZOIgUkF5l9uorwJ5k1t3xFjISA7iR9Bm4Z1OmEJUWztbMQ9V7ZDaFCMLUYJGvWvzaquA
+zrfGlDsy3JR0jxrsYGLmz9NIOuCY163JJ766z1C20UNy+VSvSpJAg/STPFpxdJww5yEoOYTkCC87
+IyuDFPqCihSTbpYv/Ysm0yGnBlNfiJtC6YMVmpI7suT2J12lUwkQQo6EP34WL4hwyaiyoTCw91ho
+ms5Ga3KrbYq1RUzZfJ4shyCH0R8dujt0CB2yS8AAA7C+S7FpUBNAOdukRIDIB0F0VBQFYnJlQ+8Z
+eVeDubOlZzTeOeRqmbEl63avsVpfUIEuX4Tb0ZsPwfzF+wa1kVIkGzFds9tcmmsJqdaE+MbxyT6X
+vMyuC5hnsJjA8ChDKJGnLy+aOfv2ytEmDFyt8p2HK+umraYbtFzM8pVdvOJkXpKHBOlwZ2zbhSz2
+5VoyzP/x2dgSLAst1Dv5mN0uuWpNLDRmU94Mo9jYXRlkDKHKiQ4F7jXgoL7cAac428Ku27btJ5MB
+s2K+0PoN7FbZtLhKragmFc+9si45F2pWQbVuahjVMGedq0rDdiT+QVAWyLnuiNs7qy1PTga1Mdk1
+rtjEIGRkD7Jz1dt4AFvCamzZ6lYBYRI65oN4purdNzmzRFYugwSKaCLIjxAI8vKOiijww+OWjt3N
+RFE3VINfAp1p1f6Yqcmtg+dhVd3tIlbPJYsinaodcXq+cUiB2QEf3suXaCLUgpgTv7afwMG/LdEp
+FkEFWC5IqH3UOofSNE9djrOMes7AVz7m6W04ds+DpvtrOW3bKYVbR1sVy+g0hgRENCwUGW+hwJ/t
+GYa2KZB6LqycuWA1phCVjVA6sF5iHbR5o9ZMPesfyfJLRSUhu7VSePDxm3mhhOBmGC7SbhfF3rlX
+b1EyEbsK22ECF1c39oXaySnavifTpKk4LnbTJqqMK7vwhWOSQN6iIpdif3rniUtWta4dEXJVXk5Z
+HUZ6sbGQgYR5haf/anqwXF7OShb4fUhNOCVpOpq+fzd9o3JapSkTIHYoOHAq780W3ymRhl23eiUB
+DaWGzBOJnrvctcqfvBpHVIEjy2lx5cB6YXSJwAgbIAUImobzIWpVJ9Y6RNg05GGt1ltfSTgsrIqX
+9wteY86scBU+vsVv8d/vvr0ccMskasM9d151DHOd3EUxN2bdJp7Bh0POGxRKrLDYd2nrazIgpJi8
+EadMY0abBrm0kc+BQexdqqWBvuLnx2ar1RADoFsPhNTlnOx4pgllyoyFFVu/n+3ouBYF+Y2eARQq
+Gcxdazo3Zt3CU6DWWtRtT2xKV5s72o2+hhpzomT8+Mte/H05COuMTWXxc1be0bydjMF00AMWT/Lr
+Ynneo+06iMwEiRH5IySoj694uaL865JnZV1dd4LZs9wJMI0Umowl6DYqiCdzqXzbGZFbMbrJODvY
+5ZVbe+nt5TlCXwohHn/h2XOdA8xpKiGDVtzhoVQwzulx6XUqSK4ioVpovlDehtcUQbKncv48Yb2Q
+27jLu3uuNSxTltURo8iJaKLbVl+PeqncX/d+XrqVWLdsbC6IKvVzkwtwzDTlxI2NuMz3U/YQp3lA
+fgcoDOLODQ7r07U7Ke/Uuy/GwN2gI4Bb/XyZsG1tVFInIlJtSH/2rfIoxwyuS9hrToJn7T7mJt7a
+sj6oUfvNpX0uyAX4+Gm6tDLqlBMa5TqV4bmwA/vYisaRtAXZYrfBxlHY01VNfLo5mB+MK3PUC+0A
+bFy0jjAesOGce0ZhbuVSSEJfmeK0S+pjYq7MTFtwH8aVN/OSsJG7SL1E04gJ2vlxhOjbCHPiAEpH
+125Mg8GgS18uNR6UMrqzi5reLwQYY/Qmu/baVfva6/EzRf+zHI6UOlV0Fs0HhpU0Z6s+CIccdFm0
+s4xtpuoHM6ugaYZBNyif5ZghcpS7UdW/GgWOAkFeShfmW4Rdj3nTPxQuvoGu1G+McPlS17APlGud
+uYsvCTYWTsi0a8HH/rvl0Ai0S7sHtSBrrwq9b6isBynUpCftm+VdCclftjVk5TCtv/X2d5iWvtX/
+ls3Sj5+pS/JWwcnqfyg7j+XIlSzbfhHMoMUUoSWDDOoJjCkIOJRDq69/y9n2rLurr3VZD3JwqzKD
+QcDFEfusbTEWiujyfyp3oPdaeBZDsGWUiVmk0KEsoaKcxvlEurKqqvLYL3DtKnRuxnisEUn0pbtC
+UR39m+fyT+sbV8gAkhb1p/+Rk2KcUXF2N7hhIrNFQLJWTWpsskDTw9jr++2/+dX/8efBLlE6ZYNA
+519yYLcPCM9yprhsp8XhjCF/38FlYtnSwlgJW99D9to1C+30k29sJitdF8GnXj7DoFq7tJy83f/+
+hf7pxFYslf//fdT3/S91R41kT0xqeM3ICmaCcF/XEjS38EWAHvLUSMASDMfLf7ME/sFySClt//Pn
+qsP2v/zctEmYgaSn/AAX6vDsZPVJd8yznXRPWHW+lQ2IuR43O+mthMRYleCECebdrHfrhOs9Rngk
+e33rBfE654arMAHSBEJzCrme7/yb6PCf1yuzu9D9VY71r0GpUenMQg28tKyzwslpQvNRDNY1abEb
+5A4fZXZp627rqyS+eBnVCFj5OSXf01L/m9f1T3eQTZLieya1UpTu//2xxXQXEPe73AjNuCWFXo8Y
+l6ifXSfFtiaSUQWs//sKYRpcMVMQEgX/+iM1xjYKqXeMNyZImCojlC4Sq+hbdMW+a+RqAO5Yzv/O
+M/af1AWm8p5X6Fvu2n8NJVzZd6UxkKHTcseV7DbgTD655t6DbtRo7UaFbsFwSHES00hi//ff2cGz
+jSf5r3cv0jPOJybCdJ74f3/SFm0EM1/4tZU0RkcFrpDfUdqtaiAi/axx+JO/0qxEaeJKsJiqVFKT
+PQCRyrq/sgAa4xNkWusyF1+ToR+9Kr4MTnJWsul59ojqCf90BCMjyMX22wRLmuTGsUG/qRfuVgTi
+bLbjEag8JKvoFIzGSxFHt07XPlTVTOWUSlS1eAUFZvBZdre3KfPWHsrsJ182+EJGEFQLSF7sGuTi
+qkXXI3OppX7QO3dXF94uIvt00OR4aHCmBvwKYl6l6VafZIzdutojd0I+tmA1PtGz0cjby5WYn5gK
+uOR4+VgRkHcEOTwr0HvuQfUdXKdfz+kMEP2jKS9ONe2VImuR2fmn/BbYl5+S3zLdfExy+wbxoi8O
+P2ZCWXLqyhaFDSk2RQuVUPsjcw6ViTUyoSx1KtXhcBSfB+MW9dlRBjB2GlZAB7ceEwimBgHOuxUy
+CUkFdv1ExE3HS71HpeovfbGCthZXuCvySlWBfVgGCoPJuoLrpc9rpfSv6c6DV2uxl5xo9moFRLm5
+pggL3FApnlrBqR2sKa3jhv6jSTQCiLCq2el3Z1V5LHyY6SZYIXfZ6rUbzr13AN54ZAsdrZ5qfknH
+AUkeGm4lJy5zO9SMX6mbq8kUl6kH6qWwiXVczjFynCcmZiosvrqz8Kt1mnlbG9p5FSyrNm55dnSa
+U9yVMiJC5th9PT7OzN9lrv2oa8be79JjMVfcqIyW+dVZz3DLmapNZWoHNBf7oOrBB9Gdjah7m1Ho
+9UYKOPLq+uYZatKf0azJkMCe6zlGIPwtiN3UA6XsfnODrvvSOdU4jQZJT58IvK4SUQXtmz/ZJ7+s
+juNQrudJbIFunEzhoEjLzgnNt7yrrw61H7Pz11TcBKaci71SuQpq5bVhTBDLXukzr7RY2/ccNlxV
+4WSIS92m7lbXh7ABh+XL5QvpXEia9YQzF18ywDkK3C4CtJXOvVbghxw00UMqrJOWeEcZmWf1dGbt
+zRD6qimLW1Gba/b7MW/Lldc4Z2YyTk1boULJnqwp5oe0erdlh/vdBumFHhZ1tyPE+e506wSDzV/Z
+lbvtqrHkCrCWlaiZEwUVwygYahj/IK38j5f3ipYPu63Vt5ROL/h7nbvPvo8hX2cvw9Jv5KidlWlT
+V8PM81v6NSlo++AQB4c2qCigTqeYUoGNG2ALlrWwp40xdW+WDcp69I9NVJ1rIIqDdvc0UNPztAeZ
++thW3roCEJUF9UH9lCFntiZ9Gg38p/jTGDaO0uVejv1+AZuv/ugNty7/3BQfcon20TSHNZn3PARb
+0X8PLrYLJoqFuHhRHx7DI2+ibpuaw96Iq5eC+SroULuhqC4dsjunjl6KCaUToAmW2xGg4IrzBWss
+QKWMNQwn9Ska5Fdd9BtnbE4CHQQHmi/atfIAK90pnPwnTqp1hKcA3jg//rNqMNYxJ6ZkOHVTu9l3
+KBiXE1rlR0RXFlqW7tpozU1znau9DKC96k1kZ/uoHv7YmEZVbXNVv9pUzNuMEkIjkqtCYnYC7Q06
+TjX5m9q0ZSgVpMs9cdM3/a003We3QszH2HeZS2waJzp52O/SJIosKJYRNrTMosja+p3HFnFcdmkM
+72AH2JbV9lmT5dnD35b9gKxpZWvwGSaNmf6qAeTaP/ppSQEq1bauRkWxqazQZUTYn7WnRJh3RhLm
+7q7Gzh1pYvS63BJIHpnGoIBlXjl1d249/7aADP38bwHH57xWOLOplPx1WJZjesxQ6DT04Kt4ZE6A
+zgnV1YDZZM+QpCBi70qMFHS0ss1BDTwLEqHKD3aNt6ykWz3Jkm5CekDTTD0uu7ngq1JlsM4nqsn2
+qHpvqTP2GV5HXb9Rs+Xm8JQEbSga2hus2Zz+ciKCbd6Uh5lnv2jvQQrWN+X1MMkMPnS2zG2byutY
+IihjuERvKnwFB9pgRbVeJgbhYHahsN4uTr5t2H6MnW7cFKhjl++SCHVoUJxcEYfqx01RD6Cv2rcN
+ePFInCvKnJpdHh2WRJr4lGTRnegDfRNwoOXY3V2cPGoQGwtmxsR4SxymgbsN2mGnViBcRNiRJg5h
+4yblqFHT226hXdWPqSTnCWRnopaQRtC3HVltOCZpFvYdhMYudBl8a5zpYufuIbYl5mF/TK1dqYek
+Hi+1Qs5dFGEA8YxartpGHo1iQRHnbj38lHVJ1FXm29Krvwyjfhrsr4ELbQQb5HrQyTEkMDSUF8VL
+NnevpZ4+LcHvqvZOUm8OlDip9OqHiJilSbVNtYyhltIBmGbe79/ZB0YS0OIowooCGd68PJDykjcD
+nw+PHZNjd7mhb9sa82FIvV1gx68cO7gpJbuU1GxiO7Y93RS+xuAZTGBMp8Ien8ZC3xpjBOBsRuaW
+6E+4x+/iodj9rLmMFllf/hUQWEa2ciflQSb9wxJMcBOW45I750XjhS0o5mmhLb0ieyYrE3CcL8qt
+OlOcokQQp22dTkcKSdiw7bp0Y9Bims2aGKWzxjBPmpsR5RhV6DvZTuAbBt6CE0Zj+gDJOQkbLXkp
+u/RW9W4cau7ekNMlj+bvtL3oLojWJvrgAT6VenPG5HXrRs7Dp1fHl2yYnxQUNyFmqeRHFA3vZjVe
+hZc9VlS+RGdfnRxJ59x92RMqLrbzcjQqZx9V+Ys9tQfnOZUQp0d/Ofta/8wU0H6omeMZ8OOQ19qS
+v6oRd7kZm47afbIiue+A9Stb7ikrw7SjTp+wp2rEInF5LOoKT0bxMoL9rAfj1nKmlayuPC5Ceh3L
+caoUja/R9W3D2iyopS559ug0xslqyz/Zkh3TqjiJqH5KGEpP6vbWG0rTNaNwdQ659gsvQp4azS1Z
+7nR3XtfiMbPgeVndRjhoRXuAXkvPUiJFWVx6rMQaXsGXx4svbvbOoWfNBPAM1Ct1/FiVJFbm7K/V
+psExei3yhlTOONcZYrDa2FYMNkoY/4kjdjIjQEVjyzCPktVlxvg+weSXVX6eM/1op8ETs2e1bibo
++oIPDLPvbLt15Y7hUohtKZkGrpiQKYY38LHPEgKuW1aMmDJK2Wi7oLeuGOwcay16E6l3ojHSlf5J
+si40nTMtGTe6VuzUthwqsUeZvF3i5DHWwCBZtK7raNMAsILXEHekB/rZiqvHNsuUPSOsPyKqaXwp
+M/ucztnfFOH4OLQwxZuHybEufbbRRqIIEy/LtLx0XfIQNPpu6vyL5WU//u4zqxuCHopWwEA9LTIu
+HLO19kEun4eIuhTHXZsFl6Gq9jb3KgDiKeYVBeVtbuXRHuuwKqtbZBlnJytuTyY1tqIRwCMqEhPt
+UW1TZQ2gUW+LtWaPNnojEalJjv9BwqgYdxlqf/WbGTI/OdmpVpdCi0rfgitcoWzk26s7hOF+PQB3
+4ri7yuFc7xQseTpktiDImm5JnT9WLgxr0VHxMo/S9zeDPm8MlrB6UVOvH14sL8UBwTQ/bUr+8Gi9
+X2ZfxRA2ih2mWhfw27CbTe9UVNwSlLREuUsZS27FsciQRGnYDxS9+Sc5adZEqUVMR9kmaxtbaMNu
+k1AOzjEZrJXmTxdgacNKc+jpO0HCjaDj4QXTaiTSodl+KiGtLdNG3e3C1Ta9EfAN640ZNH+HaMHv
+ITlVfXHo4hjBlPU+evUjgj/8Y5bKOUWVeVf7y546Yq/2YMn0uJSS7h2h8PzolChlFr6Czuxs7z8W
+AsIZ7y9ARxd0/huVkd9lnhzmuF8tjX3QeTx9ATSVEyHlhFRkZ/VCVPBIc3fVJtdxKk9L3Z70zDxU
+OYliOmDazCxc4CkQDLFcse4ZgMwW/6mpjB0C5F02JOeOCWwNInBC6GGK5VO9iX7O79NQnSiHEnzH
+RPP/ESVW1akc26M6QFR+quLBJZLnUhcH79AO3kEdBuq+bAFZabhFK5xJAWSmc5btQpxX+O3GirDY
+iX4bNi4N+XhYBmefu/G+z4Jw4OrP4KhUFukpbcCAYfwfvPfijjsdY0+PiLhoAEtrMU6j5j7lH2ZJ
+fhkRTNTQVUStbdWHqEDaqLnU3DeE34egLNcBLqIpkUIXmBsfCVAccGTpG3V769lrb2HnS0TXEyun
+MXakjr2XAh0YiBF0hKuKqIYxbujKLYR/yN1sAU8zDqLsNiPboCOemGvzIGsSlGBlYrw0V/FBBakR
+JhdpL8PMReIFIAYl4TT/teZXZRI3s6JSf77qWoRqGZuNGCGwDVhNr2H98bN0CN+giIgvqJrcFJQn
+n/0dFCBoMkQv5rxKaaGZxArqiPWGMjSrAxro1djWBxV59MVCQtqSV9obi7DCaOCz8LgisqZgyDal
+kW1dA3gY4b/NkcNawW203Gky2xJEH8rSP5hLflKrWL30HMNf7zYi6krazzIujrQswpTKcqU6/E56
+LgLI4qxRjfvC6XEyHdprjblusuS7hvVucIuLCcufrLuVFEPcJLgZ1r2l59rWpB8N5PZt6uIt3bsk
+JTThs+40LHhKIa7P3pGW32TsqWASoYvAnPzWIl+HmrppiZLUE3GslclDE8R5ed5jpp5gOz/tCFJ1
+0z37bHiJx5n6bkWmbYUmfi1FdtLuWgemMm529YRuhguo4VtzBey8AauRn3ABQrLBpusZ0+jWaDLp
+pltr32eQq+rLB1yrDjPLLYqiVyOli83OTWBxRFP0E3AamJKpR8uWe6i0/qYfA4DsmrvJ4bF08b4b
+USuXSfMWVfOqGwbqANhFtvVORb+9M9Kl1TdGB0G2usjB2NWmtSOjOgomSmq0HipQbgcB5jDf2/T0
+RWPvAmpDSe3CGbTPMZObLfMRXl/v3T4lyB/Br8uNh7Il7eDGa0eNs5HGOCfiuFL+OrXmh/ALNrOD
+GMMrIN5PZ5U42hl+WtggTnm2GWcb5ZS+V8HxUg7boN+pbCKiRKSOdx9pTzI425pijeJleSI6Nt0Y
+jjxK5ZI7ZdpdwjVSC3PBXFnFxICZ1rP6aEBDy5KtYxyMHHPZeCzoBQm5ytQKDzwXRaCg768q8TDc
+ZmOIdqcSNXV4LCzWRpzmjqygTXeu1+H+Y2wEBSL1Qip2eL54a3Wk2JGzkliQibpZMWG46SFsqh9h
+cM1CaCZYCgOfSc5BUp9uN1E+nUsVX7ITVYiTz/VaCIKbILo43IPq45XBKmlWXN8Zsdn6I3ZKxGDe
+cnPG9yY2cYM0EcbT+OAEF8K/99W0MjyCMyDFCC1pw+C1zRT66DgbFeoPHN0NVPmWIHw2yERAIKi/
+IxJEzhofhQlFv7IQeJRglfPoQ71YtWbUEnez6lQBbVPGQ2ph5Dn6t748itbclMoIALOVhMWBVpHS
+ir1Xf2KILSr3V7d4RirUFcX6L3znMJhJsVDeewKn0NE6Rl6y9RCbyPQ8LfNWIbFUsjeN+SbWJWh+
+96SOAlvap4yTbh6HLZDVjQpjKh34rb+SabxGlL3WgY6b/qiMFtaQF/ai9v9aDMEgioOGCirkPlnf
+7oRNoUo/RtYW9n7Ix3BuoNIXC+PFiU9m8i57/26mwUMXlV/5xEhUK/2rOopRCmicB+1yKQmA3Co4
+GD+1S4v0o1sNnM6aRWWxE2HkB5RWKG/wZFRiyj2Dhp5xBkbySZ3qqmWch3Qv30wLJ1TOWJO37DjN
+kQuVZKn2JrPzH/CbIF00qWfVvLA0rlfOpIdoyqsFhzs+eJbXNO3XQeJtR5+69p0Zno0tHiAcr5IP
+ehOrhnJWi1hbnUwzaz9v4rXQ146R0TLKDjPuFKp+pBZHKgsQdeBLUvyOgM7pMy5QkypKunuV06mD
+TEX0ev3XG6nG8M8EAfac57eqZGwPCa3KCLHU4yOS0OVc8KnWqCy/dMbQAXsTiefKBWXmfEwypnVY
+I5Rkqol73ivPwgh26tBT14G69v00WWMaRVkpX4ER2anvMcXarsNTvYUtk3C2KXj+IL/glK+7IIF/
+gJ7KtH/VQ/cb46Qw9VEWsh3I89VRykD6HurHQa0u8oIdk/Kr2viqddj8ZNxV88YLX6sMwnTcdd1o
+J3foIcZ+JxKVXhY/VKa4iiZbq6+TMTonA3HQkVShXz4zobdXmXxbmBcz7hmcSjaK46aWNHMVmwRS
+BArMLsu3ejr9dlmyQYxvg1qETIeEfUyZ2pnCZElPKuc0EgGDPdiU3iEX1qGwvCe7LC5L2hyi3l37
+HFIMWR4cbt+pw7jEWp5xW0E2f1K1B3UUu5V+yEnPMgRDxQgR7xp0OUPtzlpdC8m6VV4nUGTVJd0k
+DrNW3LN8S4xGdrF0AOnFt0h1a5b02nPpqxeR+1Rk+O/E8s68w/1SYPeZOMTSHKSTMr/EWyyNL66R
+hZNGlA+pUFXQ0CaEdYLoTC0sahbZAs/HaAj1u736Oeq8XtLioAJP6ulHFUyUGmkAgVdD8kR7HOeY
+ZiVLBxMWfNUhJCCUYaIv/s7R+akb9Id/btm3oW92ifBu6krR/fIFoeaTvjjYgHTXmsVfl0C2RHAs
+JgpsKUBD1/0Qk/tMPnMSOvwOTkhJoU6VKjy7vaWvS8mp2JFloku9znZG5oXnY3KIS3udsVxrF88D
+14SXMe8Gl0FtLrdhiB800dOIAmIV1es42ERVe8zpTcUCcvfEgFU3lYcaUGRai5dM9+9R4YByvalf
+uChcfoQbjinlBiVKNvyHriuPrRuEE/FdkJHgucNFYQEtAsa6iJ8s1UogulEPNzEFcBLUyb68pS1F
+JvmSx8pS0/itqiDqvQrr4mLMpqpkKvhp3W6fUctRXMeCOG1gehnrFqbhl5/dkiceTVVk8JwFS0n3
+inMevl84VeUpIvWo+vSJMeyLOhAkqCacodWT1OdyXxDjEdNygUCpIs9kwpMbax7IrwzryA5aRWOz
+56A7dOQBioSR+fEpbaqPkYN39qMwdpjYI5CEhbAvhXub4/ixtrxjOrb3LPpug/LaeCblL2Zr5+mt
+7LKjCdFZpbYqCtEyCUwQV7yeneloSDFMZ4WU/phVEpRx/+jV4ldu98zu4OdcPvqI583Khcm5a22L
+IhBFahPOzIj5QU+VX/guby+YoYNQEGdO7DVx/CdBXl5O7SOxO77Yj6MXv9h18S7a9G/tD59+sppH
+94ne8F3ACcXBPhKhLvEFwsSh0LOvIpH7eRGrmH6DlhePQmeEtqnnOqwl5zXXVGoF6K3LnQo7R0d/
+BNsJL2sPfiAhlLHPfuse+irlhI3OdrwcorQ5a3p2jYqAeR3cBMCf4AR1GGWFgp/tnnZPFs/Iwf6G
+bUW5kYqV4lZm0XTpInHq6BIMi3UujFyu5HLtuQSGQj93w/wRLPPT5BANMjzqu/a+pwpRsUBB01vW
+zSd5nwB3yyp+Cxz4n2N3dIdXGTinWPdf8/zqMFfRVQbNi2WjOhNYLByyLj25ctlH/nhpZIwHds1p
+SwVxfOyc3xpxsd1eSltsAxaxqosgsN41SUX7TgMIYJ9mDhFryJnlW/Yoyl5VEIlnJu6a+6X3t1Zt
+nmiccnTsxmejeyjoDrRTfCDaijpSi9Kq2QBmKOX8qBcQnS1qLDykwfLXqrGi6KsqylAVC4vuylj7
+G03X9zDxH1IyWrVxepRdDqD+KIjA/pMA4VfLJK5uaJz4xaaM5q0OYJtQa6dHzF223atWJ3Axg2Ok
+PJAIFudR+ecxhKwqEiTMeQZ1HQng0nuv6qNjQ9+3BN1inELwVTYHOBZB6hkMyUJlLTvQkmBEFhNx
+rmRmCc+DbXyqakOgNv4U4OZVnpIcG00OdTsdr6oimSETY9rsHFMPl9pw7NpgbenDOQGwxCIxcCOB
+2PjetB7/zGOD5VQpi2fBfvVt50UTDtRviy7OshVFfGFQBe7VXZvR9bMQYkt7aAKH53xoPqW7vE6R
+xhw7zie+eK1jOg55v/U7c6vBhNCa7EWtMQqcL+orFYnzCB/zT8/I9dS5e2kzVaBpf4qMi3uaeTDF
+HekJxRpN3/de9BJLeav8iDnR7BwV9m6J4l8+YfU86esxc97VaUC4Ngfp3fqgnPAxF9nvqU7++EP+
+UnMrNdwSWi4+Kk4ZhUkdi3JjpIwuk7Rbs7lTqYCGd5wRaPvFwjwT20vXC26i8yh/t1QZ2r3KYrBR
+qXuH1heaIUIIkwzM4v+OHaCebDT1HtQ7QOAC7TE/Er161dFiWGLhzeWet1JRwlg1NDzzo23rTDCX
+dBOrQ5fgoS0/k7kIa/t7plxr2XSVqmrnA5itCjMszOi4VB+ljdMSCaEqHqhMwEi02xi4h5RGQOPQ
+VnSbn/qKbIdrEZEg5k6oaf2TajypgqVFJDMMxa2KU5ICO7Q87abqNaXb7GG6E5xBb++tzUTlXd33
+HaByPel2FSHWYvFzyCT7ZHpIqUlp1DNiMl0VkqnbgWH3ld386jPciblbBuo4M9FZWvUffQ8i85fC
+4Vpxus4rLHH6MIcX5icbONMrBSm2yC6dtNjDINF5sT75qopoVG5TVIz/+Pq6ZyHiApqNKgjOaZ3d
+IkQpbpTucQQMh9Hbqoi1HI2fttXC91b5n57VPPgujLGOTXttI1RZWzoUbcdQtYtSD3mJP2EMulLJ
+tDqXHWNUleqjau2o3eOZ6U/JCanEwewDnMYovVHCWOx+pzpQ6q6tVSDPI1SlWRX8KZQwZjs41zGQ
+6t9jLvECzduyWJuFOFNVyNSJo6pkcws9Gs9RVTxSp2elYhD6pP5ExkPjdTqq48Buiu9BPkgdLztV
+acD16ki6clExt2PlDyoBYKBhX1DxV3GaqrVN3dFIQNZJdBQUCWJTPg6Ly2Rcc1SZT+Zl2zGzV4vY
+xR42tqQqKtJSzx5nB9rPyNKJRCHGQm9ZTg4BbmCNILb8hz5/r31FqadM4pFktzsnalbjgsE41sbF
+cLXVyc1XVGPHBVouj3p/h7aMWg71fosWrFqMLr3qrH+qZ+2ouoI1EXfVGfeUEy+RdK+rs53nj9xx
+2y6Tx7rCk848wM6+qIOgrmiXUM5aTBj3IEc0o6bo0F9VahMT/arbR4VEoh13SzGux/wgy+mQzvQN
+4UtGTbxNcwZcqXQm1IU8IBoDHxUnSt4gD/6zgjarvZmaT7DYNvm0bH1nuA/ryDe+u0A/jo39ZszR
+IaBSxQuFno6XlUaNZt523nR2LdQHpPyDp9HydmnYe3uX8l2X9M/kwk+q8r2ogygpVnXTMceBJLVv
+vydqDuoOMWfngqJhp4JTh0qLY1VXtbZU+UNvEAJUcJ+7+mFwGFxiqOcP+MaTbohj0+d7FSc3QlxU
+hYEmOkaIEWGH0UsEEs7NluWtL/SnANsB6HdfsSzuTuuPh6aKvhqOmsGSJsoZV1w8vTgLGCXJU4xS
+3wNHuCOWfwvc9LGzKHXSnlEtQAPPIlXbpUZzjB15dKnAdZ5+kCPMk9a9JrK7+OPzEo6YVanKg4mg
+oqcvW5RgeiA6PCNeBd74qRIIFThGQ3ZR/dpazscEdmyRzPugeVvk8KBeIQ6xbyZOxCmdZCGC3TiC
+uKADamYQX4k1s5x6EZux7GB660q0sFHPtLYEGRgf91OYAEl9sNzPyaTR66VM2v4cUJyGs2c+xzJV
+8mM6Cx5NUGrkIu9Anfprn2nQlaQ6mBaUfkfn1cctQ+urw+wQxvjco+Rqc1TvlUggY9Ukk7vv529X
+jLvCwHnnUxSPfcLNk3MOi/qqqsslllhGQx8DpgXLn7mx3M3arU9utrX0el6p8pxRWadszjDoDhTQ
+K9bPlQpviGl1dCQpHY+KlsBs+2/I27YtdpecBGX6mkb00QZ8BNOYSGU6qMA9orTiuIBwSV2kHsCT
+41iKotVojOdJpBfHKG5iCC4JEs10/m5l8aNAr6NyL+xjU6eUnAlRxX5u3JXRzcd+nG+8qHPZNVsV
+mkq/u+bGuxQqfR724JF/edYfc+DK5uqfg1djnM91bVLH0ZptnImrFaTvAd7bjV1fdbd6ZtxqprGK
+0+rvataoVw3nGtaTRKomUzqJdcdNXcy/hEWlJWgmACL6tjcZ480ag8JGP+BcWUZULJI3zDFJ+Nrm
+7ON33Q8CI0nHXImuQYenDV+1qfubjhIdyOJ1UnYXr1Hpvqu364zoNRptwUS999dpmIzK88APhzYq
+NrPNkO5sMfooMnntYvfWp2I6DUbt0MJAU5EGXxnMlIcgqym0cBVljGYw/FWNcmtEdCfSR9MdPyvX
+3pTSfkCReBoD7TjHdUWHdvjswIFMLL32S/3Xcupi78GZWZC2nPd2zACzR6yV5eDxlGCiCY5V7f7q
+9fjJ6E6LNTwXdn/ve4MtZ9PFqLbzDEWDVJwcZijk0U/cdT/4OzvXdn2f3XKE89TQrD+RGhjpO5sJ
+1kSEY1DGK6GhxcHdK+T+9EOLln7T11NoOik5RxePYVbF77PmH3JQdyVPGPCJk0KWiaPilzeMewNn
+btdekIA4y5sGe5+rga0FWmkZ+q8s8/cmY7NLPjwz7EHmqKXkgVTxEyNnezKqGAUarB3AT9nw1fTj
+Z9y/Z6Xfhk6EBAdG7S/Tjx7xhXyFybaOZ2e9NBhNeZb3YS/gho0heTOy5z4zVyn2DlzSjMnqRUah
+T7OUCPyOpAbm02R2JI3Nn677lQAeXGbgkdFAWaT1vlu9eZ6G4d3NxFuG5c+2Lds/8ESWkLq/6uKU
+H/TUcB3u6F7lJg1zy7WPsjOacBp+Q9KhHj+fWyvCFKKgY9TTMDUjgkToAcTjnwLtb5jMDBEEQjA6
+o2lGWLXJeWg+HFzUG/Q5zrRHgnTKPX0FRWGfU6BkduK7kfyuDmJTZhmYMYr1u14yckB8DBSHUNOr
+/C1zmHdZk/nJ5JbBJ0e8xgw2IwDvxbts5q9s5O34GANT3pL3iHID91wXDsWEptk8Gm62wdIHCvX8
+V+tpHUkvQy45mkY4Dwz6RBEnq0+j1liaV22I7lPJZ1ItMLXs29JQ5QTLabD0S2p4F3vJ1228mgM7
+7LAXiYrxXguyqpIOfuBP370dc1fFd7/0KbzH/ocvBibGKB2tbDkU4dKBnzRxvFll/fTSMMgZLtJ7
+8LyvTHgv0RhTgKx++/E9F9HL/AqI6K+9JDdpx2Dz4tcsNvgHwUfu6l/LwDr0tOhBo9vrtZ9SDveu
+TV4nMFRh5ZUfk03ElTCjZ7cQfYLhP5ZwrVW7aJmOEb8pC+0jTdJ7JZ0jhPUF1VryXnGEs0NnEoZs
+19sI07LcZK/ZG1FFd3+o6T9pr6MjPlup7eOZvIquh93Marm/l070m9rHys3T689usRL7Ix3Kz0zT
+qFbuZze+xd30Rv+Lqqxnf5A63mjDjGEVYeqqRIfSucqm+h4T8aQ1/I5OQr166uwPFfrGnt0hhnF+
+xQFQqJmBLUAJbqgLhHGlkns21Grje2U4MXgFjpg2E2WI30IVDnUi4aQnv5ze+QU+DAeYLv4ewsrn
+r8EMfyPGeckKPCz5riqtye92o9x4ys0i/OOcjX8aur8tKlZ7dm+LW38WLh114zGxTPBtuX6umTuC
++OSHjQhWhdAes8gVINTc57mNT7HZv0SQNbSUH7jY2a1xCSPICIvoOSLRDvPxRWsZs8iSaKQkqxMG
+Tn/LPPpT6C5MlYB6dsVv45nFu6HTbmWcBxhE/+yocwZcQxvm9rjGzfKYewDH6oqF7hEQZIMDCWb4
+Zn+jFpwefaauLaBqFJHYKE0xPFtWg6CYL46K9F3I7B12gBtax8KKgQIiiYt9IxQ5A+dqW+mjTrcP
+yV3utmQRbD9NNiXVQoqN1rQnUOMMxVyWCBqk8+++cj46nhzp24vee2trcs+J61xi/XfveaGXiz89
+sKWi6B/7KHhppEYzCdgKHUySJMdj0n/UNsZQXWqSCE7KyeDD+FD0Z2rWCuFid0uq6Kw3GTVLRPZx
+meFiITis52y49433kRrZKUNuELnUB6MMFlV3b3p00zU/j1iiJzTFAzCsc47mufMeB0mSSzm5HIuH
+wkxWnYmY8rkIqi/bo1GuHq0Zxf+PszNbjhPp2vUNbSKAhEw4rXkuDaXJJ4QsW8zzzNX/D33ULTvs
+2N+BuztCbRUUSeZa650ezF4+F2W9ydP8zmric56ivyqn5s3XIPHEvYPR1tkbtIvFWwEVjO2kzWDa
+mowT7H5YS0UMeMwr3GfNt9rr3yfp4vmDqbONJVyt7SEVvNqTACNoLyQlMPHMmGzB6G4SrBqyqHj2
+XesJCuPOy6Kb5ncrHWcJ5YdX1xqPTuF9Iqu+2YF4nOBLhr1Y0W1trNLeF1H7cxqje7/n8OeRucm7
+wPcKvtSgs8u0e4vsOQGRICKvKrG1lYddYDYkN6cqsWYC5OqHnSiOHbixyHz86kizLqtdW5YHZzCP
+BP7d4YV6rJJZgAfYAHY7jwir1Htqh/6cNfJUZbjNcjqXAWhB90l83mH+7UVTvhiGeeAEWmpNvgvS
+6UFg31CU0Dns/H4mHdp4iAfq4PX6HDq2CQUuN7Vcx/CItJyRdDMWfMtTscDA6zFq0kOgu/sg8zdq
+XGo5xPWmZCgabmGmQuQdg9mK/aMCKxfKfg299gLAdqh07ZvIq88erkXqVVsESEDbdrYQkX0A7nhv
+Ju8dBGyPe40BeN85ar6/DTOZV53mLM3Hb9IsPwZX/xH2frFMaktf9rX+RNY7GH8dnMWEvs2hNA0S
+fT+P6WZeUmCRZwfq1s2C2HbvgheUz8xzekganhYciMzekqt+kTrswfBaozphdilC7dzU9cZPzLNl
+AvJloLpdfe6m6TytvbJ/0BPvVoXRNcnsu9o2Hyui3NxkAG4q77qu3+gGOrvAWDpZcJgxvthr1zE9
+mC2j9czWiNF4dHm91ARp5/Coau6xxOojgByVIA5rcHT1h3YTF/HBupSTtWtktw5AmOfeZiDqviSF
+2zSKW6XbO2EP22kMDu4QHdOZzGH2h5ThuRdEq+KQMC4MV5XyqB6Y9SigfEaERHJCF7tMaXQwmvy1
+6uJZYtPODH18URXkjERYqzmhslAepuSyP0WJA0WVMCNd3/YquvoU/+ZYnueZZuz7Zzd86YpyN3T+
+YcxTUh4BMDj2ZFRsSxD8BqSnpj431WHAj2vQEzh/ZDWGEwbJ05oAG/b+ej2lLUsNLmn1mo/kQ/be
+bv7Dt0lOU4kgxDwqvsV5mEafiuhqXLaVfvP9DJ+CYenH1doP+oVu7oIapQ7WDvODmLFRfWLQEoBi
+5mSc62Qn0VnJ6sFPCrayHoKZIH4aj4PWBp9FXKbnRDHgb/5KeiIgpXVum/7dTrrdHM9KwuK2HINt
+WDLtcqtuW2kz2EHYkGOtGzsgm/57YOIKnGRrUXVv/7jH42ki2nY9KPMp4f0aHOMa1vumkOfQwbQy
+TM5pb53TYXjUPOvdZRgUZMN2jM17PSufAzFeqqJd4w0aRMM+8HPoaTrSA3NfwimPOqiKYb0zFCMk
+Uy6SNkWPpp/mn0clvFJtxuZrjtjJd+80p7DoG4Tcmiq7Jjb2AwVuvMMAzjseVKDgPBlvskak0jRP
+vd89hvipYTe6jNEEBUIc3Q6nljqb3YMwynUg8emnEMaX5BsqJndTAdp2ZrbWQVKctr5kg7lNg880
+Jdg1Sdc5QaUSsoJIncXA5ftBcx8CudVxdGgL/VtiXHQA7sKqlpGBLDNFsaqViyQuVwDbu5lkOnRw
+QoS3ilBnFZjgRIJZDBUvv03lKZR0+Mvu0gUmmagaMHwdq+iUeE+SnEI6GB7hEsnvLqmnlZk1K4Sm
+x7xutm3fnT3+MrTQvW7bpJcypsY7Qxugttn5VkW70ZqYg8HSDv11iy95ls8emtR5/bAxw+oup2zy
+TXxBG95UaFU5llMTMVmek+6c2N2FokHntZEOjpvJpSjco59+uN2Frc+nVM/RlAVwajSxF6DP0EcX
+teBVQVnUwQ6ZGCZXdgWARC1oZ9uECSk4FglO5Q5MbZ4r4PhtQEVL4cdIKnEYLG2/ylx5aCd9Q+XJ
+1KEDWMy4fUYdqym1j04bn0b0OVVUH1vqcCNW+6IKL51P2aoVNJfJGkUxtOeCbtKG5OavhBkftMFh
++jceOdI2cnibOtya4GlGs29y3B58AhKBVBe9RTdX0yg09meBMbVsrlP1mNc+t6eWmXYOCvvkiP6k
+ekgaUX1wZ+VaTd8S0ZIMTX4K0mKpV/DQYkp8YW5NeDHDEV+CfWClh7i0b1IV24L4S81ocU2KMFlX
+V0A6rB6gRTShCfRt0ZAk7dnHd0mA0cwbr2IeX6Sfc7p6WI8/C8xWM9Pf6fa4yhO5SqVzFVZxj+MA
+07R7P32f80/HFjU+qaclWWx+yEAk9zYw8NcJyYSyTZnn8Nt4S5UoD8Kd1kJMSBJWMKyBwtJt7OlL
+K1F0aP6GtDLmAuzHZM/jWxqsmq59yYjMKvN8NZhwcSF2zyExyZsPqmXOnu6agvHKF9rmbKbVoywj
+XHylvi67fDNqHQLZfF21D20ZHT0d8gRTjTAVDwVNfW66HJLBTItmlMAvswb/g9Z9GUt/ZVbulu6H
+SBmiL/qjPjE0idnUeh2l3DBjcGWpLyYS6LDcjrdzkWFR2uS3GjsnT0ND1bVvZSOoN4qZxqPWFYY2
+FYMYXX4kEnke5Ja6h0BcHueXZWQrbUKkJXEoYZb8o4ngaMZcFyYTKvzcWNhoWey6uAqcpjWVb7DY
+WvplfYPlQK79sG0w20tCmq8UGV4HzPMe5cjwId36F5sBeveZa9hMOQ9lmYOmJE9YOeEXkq61LNx6
+jAwnzLrtFu2DV5xjEoXnrVpP6jPSY5v6CD95r/g+xTXkGXloaN5zH9ekCBxbs3adCqiX2l1azqAe
+TNogZ1yUMbeMSUChdm1wG8QQc5n7OmkdpNRmdAjRfsbVajLgJFZTg4RAM/OmQySXiIsXYbcdrHaN
+jf02nc91sAx7SvaaY23TOr3OScnzeooTSOlKXxkjr1lKNBBm8f0j7/OD0IZbYeb7Fntcve9Wwk3P
+YUKDqzXwWIydmHF9zT3lRrdTpX4cZqpw9eT2zMdj87vP0IMudMtIZUkWzdoX6NYrSHz4+LaiOwGS
+PlZ9digmuZHkSaceuhLLXeHveoD7vZnU9EAzihbNXxWNWpkKJzTCE50GaGeyNnOi4OxpLJPwbn4a
+8yXm2LyW5Eql48+8gwlW5Jt5V5ofRgUMrHn+GQiz9dOzCl4nqms7r4+ucZ8r/caQFXl4BwlEwOny
+Tm2Nnj5oFy4zXdqp7DFAbD9nmMaJv8dmbU1G78304/kE3s6HDmjvVo9BXSlKNx4OrjGzn7oFe7CB
+m0djU0lFQX6pK37HBCps2xtdhIegJ5fUMa++nZx8036wON1DCk0jbf45tlNWHsMSTIxr4C7rGzOT
+z2e7cE5OXxz1Tl7HIoYzJh4MG0loUzChfIUIk3xrs/EuYZiSuWIvu57CPnxmDzjFLXOPqt/7NbQW
+aLdzrjTz0M2g9Ae193v2PYG1jcxvk+5viZdaxhGiqtq7w+7m5ubG0fGhQeX2bn7bB73j1caRNoXW
+xVhl1IzrsUjogdgzDIRIkHyUR9gTVidUFAE1lh7gUBCaZyKIzpU9vUY1DY5HcHJeuj89wCpcwHeB
+PzB4rb55jPUqmyouswQNW195RIAjxyItGxe73kTD3EB9AG1mBEIA5l7F7iUlc7ZskJDmePLXbwhj
+GQ3daziVQVakOmsxazS3fuxsscY/oB3d5WV7VonEetjFc3skg8ppF4V7pxq6pCR4ECq4wDG5zAG6
+VlVtvNg4mm0NwyfampW10uAiOpinrnOz2wg8GWosskmX2jsjdoz0NqPurUwa+amvDjYqopk1WgcQ
+87PqW1Ynm7TAGK4HQLWNvfGuogGcID7KAdb4wEq37gq3XUNf2WYcdy11QmGTExBsHcy1ROHjWpia
+u12Xi+1gZxeb6thpJcIrY514AyWRKG/QqQN2E9kf+1F/i7sJFuC01AsojfPMwl3qOlZqksJWBMek
+AvBsSEaA+6BZ3f1AUTC/d4YJMb9pX0rK8lA5bEDJGs/eKWQ40UXk12pA7ySt+Fg7W/VKRhGgVbhM
+UPn6E6hT0feXvBs3gdGA+uSUSBL8So7U0qO1nsPGO9c9ujrxAKZ/GtxDhMPK/GVpib51nY/5bTLq
+bu2m5dGTDZZM6mTVlLFJigK5erDccQuxfxFgAOcDOc6FXg4CNtcQlOZ7Ns8HwYmVWPmSWc1jAyDV
+xy3CdfNlbKOXrPthQKwIPROtU7MbjXw/V6yTEV0sm1ANbEHB5ATvz5QTalE16yaFghyJ45ByysRF
+ckmh9scJmXCsMxWHTCkRWGZUeEP9oLpya6fhurXaQ2+ip0Hz1Abbedll+OjKCe/0CWpADDml0BiA
+uaFxwXD5pPxy40zvVRQe4jj60TnDI8zTsByf0t69d0vrwM558cMApA6lY1issLiQcpuCJ+SBfy5V
+5azyaaZAs/GVfQKpV1IQMHsUiXqxhmHdkP7t1489PKe52ETSsyoCGsg6utThQ66qtRNAVECgz4wG
+mXnBmWDuQa8YI3lPmpWcCHEzJIp3VPd2aO0zpG6TaNjcHay2gmmD/9PZcZv1/PdhRZ0kEx62VRmm
+CztO7uaSpCuNgx1qgH/dYWRqle+5nTRjaQw66yU/xJV90EjQdVrtFc+5F98MSAQMGYEEpyDs9kFL
+vTctuwyeOQeck7rHViawkhF+8IB8UmUliedaPGuqs2vYFf98+7hsbtDDM8JoBQHwpr2oWWklJwpi
+IU4lY6/T7Yx5sy+s8FHl7n0UAaFP9lPR9lsjLS74+Clp/dNLpbpAr/+sGnznB/hiJK9l54FT0Mv1
+9Vzk10O2DtIV/BHoHPW6Aw30yY9caaO3SdV7z5kyG1FFkULoCWMSo0jwhXVjsNe5ydoDReo955Ym
+6PmMvWMAJKrxyZPiozbEvpkS7v3mudiY0xsykpmrmrojNI2GL1fyaBhinRZvJXGUuYKOlomTHTqQ
+Ss29uR2dnqp1gt1GuEo/AZMreZfYmMt09dPc5Wg5MzrocK+ZztTcs19boowBHXFlLFQCQZySJ4ft
+azL+dm/tJDGrm+XKocvvc7VkSdJgT/i3dkujbB+11s+sGtWiLr+nLVwiI4NFr2vFQ8Ez6bVx64Yx
+RDPj1lrWd9wIl6EOpuR7yc/E9X50Lf0pdCAqdUHCgIkdIvy5HlrbaxTjZmyVoKI9/sle5LTrVhoL
+3ejQTZm8X7cxtR+Sdtb4jO5ete9Wix/cydIQCiYIaYd064xHr4bEXyApNIyLyrtj1Hd7EEmHHnCg
+wqdra1bWTK6psuMg2APy7tIyHIlUc2Mrhb7go4fs4Ye7zt6mPTa9kdfGR2+OeQYjzMjAuTWjgCuG
+oEDJrFYt1BxVJ8eGSYe3dApO6nFqF9bQ7cO44TwA79bi+BzIivyEqcNyu6e6UD37aRzYS0snR1la
+3+QQ/lBucyaAbV8IfBy3DVbmUXLJ8O2wSHaL6W5TIV+FCVmyE4+hKH/6m0EHBQqGZpsFhbHsvfDc
+xRUwe9IZi8/BFx+zxbTv+tay7lx0xfn7OGsqlPL2Hj6WWLbjQD7FOsbnUJ4XnDqP0g5ITg4/fMOO
+iAzXvzM59RD/RVu9db/JJjtXk0CFRwmRuhMBFGF/VKb8iOELucHByPSNU2Tf0qj83gHzhEXw1Be0
+mEW8TrvpuR2LNzFibluqs9norEGwMz8Kzr5UjzFHhMVgvx7fM2Hcp5n+bExI/YvqOrTtG+YQay/m
+sRT5UZbFqRdMn6PI5VCILchfHeeXarVNpFGJUm3HNAnFrVGfYY7DWDiRyjS56P68Kp1WSos+cgxN
+F/ZQBciy9ZVlZWe9bz9HKpYuLt7IXQjoJNHvkY/RZt0dRKFd43a7avAeBPGzi7TqfogM4h5n35lg
+ql2ooG+OCEeELs/K0bEeccLHoI72obe3W/09j0qExMIZVsSmHCgNUhSeQbEq6zmMpn6c+vpk9DEQ
+JLq3IJ7ulcbAPggjcg3IgYJte537PAt2VzB2GwWcG/jTKk3G9VDdNf5s3cJkVbO3qln1OtCdq7fn
+wJLNcpTJKh66fqnsiWrC9a8E3ty7EFzHstum/fAhNAWbaxDeUpSZuzYK940u1kKoIMlHyZwNpfCp
+N2FGht6l8Ck42rb+0cH0ZvbqozKP/AWuTfuyA2SZ6B8GTqiybK5o0neMR5680T07cfjYsF/oTIAj
+aWysEcEDrTKzqOFT5vr9WIRvc8jExME/BtUS5IRup8C9K/WmZZOPF06RbZ8aIOntoQ2R4CLyXdSW
+vM3DFS+aLgA5qbDPjQ0QJ7V9Cs3HovWwHHhhdAAzPi7zmdoNr9lmGjxMW4/zHvQbjJF+knootcoV
+Z7IJu6k5QEOCNMeowDZBdBJkCvadgMxEcUCCV7c1qDCEKw6SNLgdowMKk0VAjEXfsbuWKZPM1tzM
+Pfwo0XG7tDbKeai7aa/qCavXm55V97lnnNZhECCqly+JXn/UzJJgW86jSyQtUDzG02SPuyiutgam
+PmwET1rYHGtuaq4AEEwum8ZjUIo2Qff91cQEcj6/E/RFmOGADGU3nX6VN3Mb2+JgVeU+hxE7uDGJ
+mBPsMnMzQcJpaI3wYkJXi13buDUq5xDmTAT8kbyLaEm8DtFEzXHuSCARXOsoZtzIAxgV3ULmH/DJ
+w3GE/0Y0aGvRdi5RbGdcU9y9DZht9HX3EuG+h2PkiXkTyi6cFciL11uIWhQZjaoOg9M+uhrbTHk3
+Rghls3Hv54z5U0yjG7r2QVx9Ehss/AikGDat0xyTOj1O0K9dYBRrSPaeGyerlHo0jaLNyLlcJhbq
+4v4Ud92ZfwVSrfqxOYCH7lPQhBTeZOlD5DM3qmmX0sQYdmQXiaE+ELgGwuWXD/M1zn/mvoUHj79x
+DY/BQha8yqbuIaNQc2k4JIS9NiIDG11dNZAj1krEyEHxzTTE1uRVQQK7SulQ2MA2UP2++7X+qlkW
+g9wBLpJV7pVvbiLVP7e6Ok1ePy48idykg/ZEMA1ik2x6HVp7pdwt9gHrzgCrdfxol3XotaPin6Yv
+mtpX7Eku3AAno9z09DhzadL7L3RjupFfPSfeg8Dvo/dYMrcnBqsNkVeXRnFm9LByI/oakypdsNVG
+tF6BebCoHFuN9C3nYWpw6KmMbaeDxDM8sYxt3XZ7I3KxrWouSOMwUDPvNQNSqmM+Za17svrpSIN3
+V4T5EVUnjlEnIfMHI6KE7LR9xgdEkUdjFC1Bt9YIGg5KI/BTjzZ6pu10VWMNgA1Ihzuc4SJEKphB
+BGsjf1Mi2sExXRMhtyunUzmVe4JRNtJqn7vW+1SE9fhGf9BadSh9D3MCzIPmd5K9lAH1ZdDVM2a+
+d8Z07jUmz4M1HkTgzEnLu1wlZ0vPVmHWHUORLvVEIzrJRfexHFzYoXq712x8J7SsvxgDLKjJNs6R
+NexqoIfWSnYdDO4clXGQxgcXUK3H3KKPkm3hARaR0zTgwtDLdKt1cNc6edHbZhGV035qsrXmmTj6
+FEvN9N5bHXcf7ODYBteirNlItLtEe5ANw7fEWM2FiqsE8kY2K9Iyq2jaOZyUlSpPJUF+E8Yt+I74
+1Iw9FOam5OKGnV4xDIwRgWQV4H4f4NWk4P/MMIxXbnU6UqNmouzLVRWKR1EUC90Ldj6dllHoi95Z
+mXUFT6ReKx+2e4fHLzmMJtJIp+93HuBMtK8UcFaaLhMsk5wmWWJxjtCMjZFWs6eqmiILMkK06ScM
+/rInjflK2CUbK3Th9YTYYsXb4AH/h0PgZlDj1KKRDoJxAOFhQo9ht28mPRex5djgKLY+fRuG8Orn
+qQ0cQevNH1z+L8zsNbnJEmMLUesupDo1MFcLclxOevHs2rXE0swxgeOQwkHjyOhtdHwi88laQ/WL
+w1PATNnHH2pFK/pWkoVGHEdl6atQ69ZdSv6xQLUzYV4UFehNScEC4Qr2aZuu7ak5Fj1bsDs8wQPY
+TzXnebksd71hHgtpsojQSRTIRCBORM2wHzskPLP6EDQkHaA/vM0uiLaCcxL1u0HrF6rJH2ER4OhD
+OlzF6DrLE9IIpr0e43AfJ8dU7yBL5ouRNJ64tXcpaB4ksY0R5BDw2tesSNdWB3Ag4ZA0RC8xeGss
+sUoCHMe5G8vKj0KR/CfRDSeNvqh63DLw6httVP54ZXX8UjOD5h48ReZj18HLTuDfRd5F27tVBUvS
+XcrcXciB0IuYzZK49Z1PRJIzIv2FS1tY2mwusBVOfO8QqlsLBIrpuOp8HFRc/Fx8aHr7oRKbIeqX
+PYBn49H4yl2UE2pzlrDjK7cEKaV8C6tFKrK9KMJlF4zHQIGNte1CVOleC+DmhEwYfaIMXkuYOn0B
+G5u1YcAH/3+9VQiCtBrnKlFl4IyyorfEpUaW7+4Qvw2TfI8NRKiVU75FrKRchqfSCjgIrVbBjhu+
+5UuhF2914SfYRUFW8IOASc1AbYwRHibor4Gd/wTLmYtJ7yTcehcX2E04NS4EBXTy1qSStOt2Ebqn
+wXfAgGL/PmnksXCY3Tg0mTUVQGz/NEfxVs94j09Kr/4AxQICupE9DGN9naRg4t1Np5xvtjMDBHjl
+Jc5gblQO6qUK93GCOTXtNGBauSh8481LvLUsUgdpr3HuJ0Zlor6nPK8Wfa09jLJfmyiXfR0HKZFe
+Dcf/4Vk3Jwf8CQ3IP0l/1XsYmm5LepdU6zCHcaFVGuVTLU5Kcy6h40HuRzDu7YIOMM7BeWy8Z8Fe
+2+jB8RTbRYDxgL5v1J2TuRAg4jfNb0lWte07fLSXlmtQ7Ifpp5nm31V+H+Suz9dl4eXlLDM9yB9r
+X7y1fa+fGxNho+iPbdhw2vq8RXjiuzb4vjOsNXzITOm++0F7NwZutBgLOQssAOOKk2crguhimsz4
+QccraJHj4bXkkEf1kZP+0L/rXdlyi6CEnkB0Ot7HiX7riuGaTuG3MNFOfZkUy35M3ssiQEeMOi4M
+i4yIAQTG2UUb81trlCcjsTepYG+3rOmZmLCn3O5vxFAehro5WW54n4nixS/NH9C6X/iLkBT5QcXA
+CfoGEFr1wx77z8quETQ4Jhx4CdiG2RL0ZK/ZFUGF0tw7G3oHPjBQmhLQydAZjwlWi2qfgtwgRW7A
+Dsy9NMI49sl4MiM9hvWBPEO1AcVn+tOWzY2XF1KPOe/jHl9Dh/tG7773/YCH8KTgptjvgVyY+bQP
+sHwLpf00uikGvnJnTdq5tsqPuDDfBS4lfzbt/J03qpICR30cuvVfvKNhDffuWOGLIo03HMD3Ctfa
+ElOvELPYmmwfKOj/gzUqVqwEWmCCiV/1V/NclliWj4ZxNSpEg0itSbGhGUoWzYQvFUPWsTDOQW39
+Dy7r//7YL9akmWs5/lgL45p1YCTusRbYojGydp23CW2kpHuNvL859hqzd/tXQ1SHAsGxELNJ2/7i
+ZE/RNU6KIdY1gLrFtscBX2/njKWYzwKZnNR4MEsSiAuDQZy9Msvvs13vrIn883P+rcH9v69ktk3/
+l3ewgXYtNqUyroCE2H0tKHZg6N0lAd9G/h5hUztXATkL9M8fbNq/+QqYWDsEiLmK3eWLeXNcG247
+YfRy7cNibz5HiXmJi2bX9cNGM3pCWw9ka+xtvNOErS2VpOnx1KrsAQExNA7DdqVsjjYcW5wY994G
+FmF/zbDkLHu1CkLylatvf75k4ze5csRjQ+zCL4tL/2r7XYzMenxgvivOIqjt3bVvbE2obiJvEP+u
+cEWZpaGYggRbvdlWB3d6/fMVmPPT+LpuXNyuJWmIJoE7X1YrrNQi7bR6puzctbqOGlghQCAwKCh3
+PrViBzZY6ivc9TeKgALZyqVO9oMfJItlU7Nrp/SqM+oZEG7c0N5oBUi7s/vzZRrzu/rLZdo2Kxj2
+o0Os5X8XVWvZJVQTMLxxKF/HoHnTGhOvjfFa2BHMHHH0A/OWg5JGO4K8Ptyp6ZaxSFeDHdKBAb8n
+HuBuEZt/WXS/XXPKJNjAsuDUWl+uS8V6Pto5e0xXRd881PMz3TYNwvs/3//vfMAJ4bMM7GpZKF9D
+cOQUyZQRJ0tbs7/FfbMrg2nL17Qq5kbKYV/DZwDmfPI/bNquw8vqCkvw6V9eqQqTZcfXPW6PWi70
+1ZMkCRkj2Fk9DuLF0LbT/vaof7MihW5ws8LQFfDulxXp1iozFFvzVVHgq4rBZXyXpVicvadMvhOH
+mvTSY4E+QhIru785wP/mgSKqdWwpHWUSnjq/sf/avcJg1No86I2rmKK7TqDabc1Hy6tXmBLQx+l3
+ObRVe4aohluSBOcQFYGvF2cIMxcn7x7+/NzN36z7/1zOl/XlRbTxikPsOmXTJ2RaBvZIBNP01WrC
+BwKDV0ZCTjCMpJwxiQs4nAfT9yGudqCtLx3lrQGHoNWr72qI3xOUZuWEoYF5brTwaEbZuz3G9yU0
+yTF2nqrUOv758n93FgiIVxb7yhyUob6sn4JvOBdDw1lgOgc1M+CKw6xLDRQumDBHSlARhI7LJGze
+//zR7rxMvuwYQnekkKZN3CGbxn8fZFMDQzVuxYEYdXcZgdWVv21FDsN82uIV9wPF0zfO6ct812lo
+EeJnv1gWw9+4kgL/ae1nL5kq1xGxHRCtvfGHYVY3q4QuO6D/wpKk6g2k9u1h6soLyXQwrUfeEXwi
++u4+zqJHb8SBZ5rqZ1PaHzDgH+cfqFy/IXk6/aPIG2GZDFBc8lhb5MNw4pj4mB/oLPW1iCFXSDbd
+Kdh7dQsQgEmjk/V3EKugdcBm8F2YV8Vx5i+VVv9GOjV2fuGPLHNRJ6SHVseLLhy5cby9ICY6JseL
+57wPWbCX3k8rEK+KSVcRIENA8A4PgM7e9+QHs1FKMmGXi8r276soOo2wBRIn28Hj1zG9CjBsMHFF
+my69q9/C0jolIVapaQpXe0SJy0UWYviOVQfYsLYLkMyWZrf6+/r6dVtULC7TJh7BUvovJ36VVLkD
+2di+Kmjs0Y9s7F5K/9Ap+y7QusdpjC+ZzJ7+srB+WVfUkyxoNghM90mc+e+6CuGDab4Xq2sEwDf4
+1iGIgkfSzJ/m59I44hQF/n1caX9JevlNShvVs8G+ZNtSF+rr57qVIFeuGNRVNuJlnn1Prk/0Fy9T
+N6YvTiw+Rsw6Kqjw0DUAkdicGx+wa3JqnLafeHWgtVeP2O0sCXeAgSH+snGLXz352bRNF79D6UpO
+jS8ZJjGuik7uRuo6s58cGD2Lf0jJwSwDiNK32rUeAwX61qs7NE2+GN9TzXgc4+qUb7rAfZm/wHmB
+y9E8xYVx6FooUYFzTtoQ/voPzWZaOwBzM2ZhfDB8Fq4T/OMN7bv9X77tX0+B+fxxhZxDzn7NwPLy
+ZioRaSnm1ZiWdPKZTu3SEDb//7+WGEwStmUTuCnEfBT+67CJ8mJMS7tDDjXYqyDGqAwGlvQeGxhZ
+NvOn0EcYDQj950/97c0R5sktwv4k+Oq/n9oSewJIjggrrfvNQAcs4ZiVkLz+/DG/Hl1Kwk4ltoXY
+dgYlX5bDaFa27tqWuoZmT4ecH0aVrAOCUgzDPltEyvz5437d75XiG1QGHSaP7Wsl1kIbapkRekQu
+2/d4Qa/yCM0zb0EHsywgIXNKp8WfP/J37yQVCoWKMmyqsq/hG4mvtZWLPPkuAQIy22TZl/I1q/9p
+MVGNGVYPSaZ/Zpj6Y1bstKhm26aZLRjNZ8usrgwQX63Jfsxi7dkB9jISYq//co3z0/zvOaiomqlN
+DQJJOA2/PIbK8cx+Ala+i3VGjKL56WHfRlIDVsSxds1wV0rD9OJ1FFSB/W5rDSx35nF/vgoxt59f
+rsKh6Xd1QkqEZX59OoHLGDdrlH9ns9YmGuPOah6nTrv3CzEbnfsOXgnRdw1ozszjO7sTyFk3swe2
+/b0u5Q0zomJZOQ40XqmdYYgHi3J4bHmrSNhKPmufIU9Xl4z0/OIhhDmA/8BdNKX3SYDb3KT9KAix
++8s9/eb0ceZcPoOQJDSkX59+6A0YAWVlcGdD54Q9KszjgEZ0HCp4RDidIpnRhm02BvAim+y+MJ2d
+bYKZ8A00OK9BXmo+J/map+FnZcJ6IfXhGUWmX8oBO5PyOa1vIhXPWuqkDPIQt/jpqe61ZTHvqL0f
+ElwRTVgoG9PGgp/gjkmKsIJnFyr946lrSENR7W7o9XL15zv/p934+jTFfOzqJkJX92sOmFNUVS36
+wb2Ghm/jiGPD7TZOisEgmpCtZrrbgrRbhTNIEduLQse/tZTR41+u4jfnjSPYog1n7haMr3nyZg7+
+6TVcxRDmi7kW9o3oTUrt02/NbVHHa2cedfqy+oQx9798NnGplkHQD//8sofKBs9QlY5EBcfqhqf4
+I0rxrkc+bqf+Z5h2Wx3OgpZmK83p/xLC9puNjoJW2o5tkAipO19aglHgvUBZ6l3dWYtZ3EKFEaRt
+L/TMfHEIZJhpSn+521/HFMqhwGKpU4DocPT+e2KMuo73ONTwq6lrxwDeXDSnKzOgfGmgmcEf5xw2
+x5vAVFs22lqrKLYtYPDkL8fyb4KBFbdtSUYA7Li/5IH1xAm0iS6496z60P+Ps/Nabh271vWruPoe
++yCHU9u+IKlMCZSofIPSUkDOGU9/vsnlYy9RKNLlqnZXt6VeIIGJOcf4xx/KZZzFT5UWuzG50pmQ
+0jqBuRX260MxXg6IeiSjeikd5260221jx1s7Dz+afoC468rJcoq3itpd623/aGr4ACbVr94yHkLL
+REjMKzuO+osReufVxHCrg1HdevyS+nq8kp1BgqgCWMfozBXL4O/fbzE2mFQDvuG5opswbYHhFuq1
+k7cb9oNgeb3QwwBzhTa/FVVcbjZb7797zobuiP6XsvpHPe0j/hlSgH9XqaP7CWg9kkwihCJUC8mV
+H8cb4VFWFtNdcb2b+vIbog89vNrm1rdhqLrNOiPud399M1vUB61D5h2pyaOMp9KYr+vgrsN+HV3I
+YxwET4cvOFOo2CJ5j1VsAbA4e6vbwk3F1HCjdhPoYI5WbwcPVHRq1UtxOiJDezx8vZnwLIvqWDZY
+xKK83I82NBpkuDo9nyso85pnr/FzgP8I1crvniPN+Gx1+0Ys6Vr2Fu3kHak6Z4BSrq/qpkYNCD6+
+v3k1XoO1OY2MS+RNSNqxJy06fXiDZoJk0LrvNSw9ku7RCWxhl6Z1y6xJQPqycGXp3o0JvhZREicl
+VrvMYggboCmmZ2TY0MbnY2j7ywg+IVLQ806a0LqHz4dv4NwDs1WLYkbXjJ/Bm3mF25qPBTF2Ss4v
+rD4eVC19KUL8I5T6IlCOYkKz19MAowDXbUfeXyC2ZTUVh684aKqPSIGMBQip5wREp9a12baPhay8
+BdiKLoro3qIkEVb42Hu+xDrZBUXSo5CxV0J5fPg+zBTygLbsywaiaY0QuO97Bv6UMnT0wnanVN1W
+ofqKRv6swpHy8GXm6hwsBPma3HBZ2e9SfH0qQy3UbFf1cG5tlMsBqa6hnrRDeco2cipDX2CmdaRL
+mS0yOFxB8ik0RLP9/dulDYWTlOHDKUxBqi44GXXlYQKnSqYc9SWMbq08y/gsPdFd3kA4y9StD3/z
+mamKRaaeroj9kD1p/02t1V71ksiy3WJkhqCsEape023r8vRLGI8KtlIf4PCGciwuHkd/I3lIoYPu
+2Jxg9kkzwebu2zZQ897p0ASBDAKdeq4dDjTF8oTljHSH+oKjzYpGCmGBy3iboVNajuL0Fen2Kkjt
+DY5U2FQE9vvhGzP3RrB3cFPEzODHQZFH2TROGqVXBPQuAzt3wbBNctp+xbpVoX8cvtzsCmSuw3Fg
+WJZqi4/zR5881U3h6RBEXSwrW0InPSd/YvZKDMnQupA6MNiptbM6PlJpzW7UXPRf191bgtNg1nJe
+tQ7Ruj3IfrvEdreg9O6eSQDHda68rO34hZbnse0/Jevo8pupu8RUyHCotMWLsHcy4RRnhZArPbcR
+JFbd6p5bDC2Qpy6n8yptNxpxSSd9o160XrzosxZYN35urenp8O2few34HMBObIK68QPZCfouYGre
+cyQPaOCk9qZTJcx+MigUfVf/arIruqPNUJiPFVGTPVYqnqgJHWt40vzhyFPRZhYfn8bRTVGo6Or+
+gMCuHaooJflde+sA2A5DCDwN1DzBbJCJ4yT5n2NdYnFufojPZ3qEAEZddVsPz3qmndtKiMcsUhOp
+K9+awAPzlW3ynLQHNa7vOh4vQu6zlIowdoB/MYWlxBRmDhJmEqY53YjohqGRL0wZv3aOQ7HixTlw
+5LbPPn7V5L13qAxlSzTVfyx7PU7TKC257UOgPDHOROMeETxvBhdNbNyEo3QzesnWCsdHImHJ+els
+1LGyIKocA6pmajKHvIV/fZK9hTj59tgYhArtSiQvxbzU4uuKBlbCaQFdw+V/UCbN9HeAiZYB/9yG
+Wrmf64pxjqKVUu64KuVfILlajV0Z7o/4XNw0omG2eiz57GolVJ6Hb701u8ZsgzWvs99o6t6GmzVj
+5gyt75Ctmd0L8k+EDFYc+4GetGigSdO0pyct9LRFmkAfHLLqg+RbvMnKBAdqPDV1onqJ2iqeU8uC
+rjhivEx6ioCodwCMmBPasnVpYZXk+er9YOnrymIb9416XdDt10FNcJ7VugX80ZLiBkeT5xUIq4KW
+a3xVWKmZZK3T6mGUDTwD5eSpoSkz8T2JYqckLwSrKjsC6bVCN66qy7h3VoTFnkEjXcTIN23zo6Z/
+X5QN3DzGBb1WLIKHsm6fcGiHZWONKGKG+AovUdqmdsNo/XES50ueEuMFAo7lzYUu38m98mZMRIMp
+SvYhdKIWH+Hw45hdfkzIeQ6qLB7K9xfBGLq2NgrU3SqcIyPznlpWeAmik3LmyUX5OJblr8OXnDly
+qHlU3aBMB7Xah82MqK1s3zEkVxyvVi79UtPCzWxzJbpaseAY2iwHMwiOFFtzmCIXpjcwsU9DMLJ3
+5nR5aUW+5UjuwC6WeGguTBnKl1rRcDv4ZAREDJBz/xbBUsdUBsKaH75lvv+KUHyhltJtQU3Q00wU
+sv0LMujppPjOsQ8590CYgqgyXB7N/AEAsV3aUSO61cCQcMiDuQWXtHWwu4CFvWjq7LPoUSHu9tbf
+nz+RTms5fhVbxlCND4gU3222EG3Qb3vzyAkx9+yYlbBjaPSP9n7V1tISiDmut5tap5J3J3nyDc4V
+913z1WfVWkOmlCrH6EbG3HZt6gYeTKAyKsPH76u0VJrBV6QJcEI38eQeX6XO/qwxnsCrjrHF1I7P
+Gg8vjIvrDv18GnpvPY1eZSCbrBEisdACr7n24TjGTro1mdiqE/xOo+s/6zTDz0tIv0b7oo7aa6KS
+nmPGmHhQQgjgjGIE+JDaEnzWc/wbMmJkaeryTzx+PnhjAKOAD1KcJfH9feqBKZsc29Fuegj8uwTr
+Et0cXwYnWXp5eOWQVq1oxIwpfbjWrBxEUcwHD79g84iHuTvZVIMFs7fFekWu2sGUSmxODFx3SYxN
+2V42WL0rDB7heeJ1JoREA9nLGKXBzb/y8+ciDY8sF1R3PJk9PJMEbVMzeNcZx+zv9nnXyTg4TBwx
+mLU2ik/kqI6H4aSGj6LQExWPXHZkgKrR2jO7dZphCxd95AHao855l1LpJe+L+3gkM1bbKiJ3VtBA
+dAZexiNOY5cVEn/Mn73zMWesak92gqKKRIKSFkYahhLPBaSH1nDSxeWnTmiI3kD5Fjvw2KhfODh/
+1Lq6RqSwMpz0md/Le+exIIRtYSDmHndTMYDIiky6hdDQ+op5a/X6RkvDJ8+Y7hNZfnBq6IA+Ym6k
+VvElxlO3ySSZy6pCLS3VfCCxxexqOrgy50rt1cugDp49fZgw9Of+K8H4KypOO3Q2I5KMBZJ6SiMJ
+1YZvM0PWY7xkh/AXRJK1XzcK+kBnXFZ9sy5bxMEY+pTSwizL8kQd5H4ZOpDEu/G50sbzUsbkZYwx
+s4t1CtzWNF6AzQf8BHEU7yYeR4T0WlOIvaGZbnQGg6RuYEnqo2IZ86shK2Aggfx6JMDgmLuopuCL
+xEWZ7K+XWm7vhBuYX9TJ6r9Zw5Dd2KdNiI37BfrkNBbGUdQmpRZ9oqf/9Br8kYhEwUC+ahZpWG8U
+8EJGukjVI+URIev6P0DCZ7djTkcVmBZAev98xG5Pz+yIVymShOd6U3wZfv5VjNoXJnWYISokaYQf
+tlW916mzjgy1oszgsdbYVY8Rob1OcRtOJpwX7OTAGeLlkfs0V8qBU8gCcALmdMSO/UclaxdOosUy
+HxAzjwy1bmw1d+JF6stnX3GgvBJpjErYio6BCGIT2X+z/31hzqvvF5Ykp0TSGUmuWTvvg9aeUiPn
+kXLnl9J9WFSEH1QfmHWXibTB0mIdexNmvfIVGotjvMi5ipKEG0MjRkTTUYV+/yRR16tNQcgNuHN9
+TdK4K0b2uZo+iIKCnJb+yP768xAUAzcdEpisgtvv1xGmJRd4aFiqK4bwtUfdJjg4Zm1cJxA4BG/L
+RhUPEn127FnPXVllM3Uc3RFoxd45aCKuDPD41Vx7qC6KvsURImgWCepwdUzuzTR4aJG7Bv21kTdP
+GH4ijFatfhHmGkqX8pxYiWeVmm7X8MhO8O7hZ8QCjt58Sm+5BIHEYjEb+5joiPFmx18pvPyhOpdV
+HDm498mijZuF3TW3ajoFC3UU3TGdcd6Ol+WIZaC8gKr4+4eDIeEO2TxgPsH+jGj3s1HGpwzlkJqT
+84zoPGi8rag5pQCTsbYKicLVX5U2XBiE4sRhcG0HTXqi6QXaqyBcBiHqHRjQLvhETVKv9BaU/atg
+2mgtjl5qnl1FeveFG/dKMJ/qpqJ/brD67S6NNLhvDS8jKCx9ECVtQ15MXPYPlYIiOO2cLy+SMDMo
+4dyjKx11D0+VFMfcKMsXBg3RxAiIIESfGGjtwZla/LdSRJRElvYffldmJ+aI+5AfTfqiti4dn/jU
+oIyunTZ2cWeOV47Z8bU+wqhykcl3pzGV8ZFlObdVgWaA64G1K9r+C2nim88ZU0i/GYVNBTRaXmcI
+GMM2eS9wmpfxPj28Is25Vw+o3VGhIYCj7BdmI6BA55ee51aiRdZL5zbB4SB1pNfIDG6J8OtuR5UB
+eVBq9FHIRwQuUFT5eRSWG4xnbiT/0RgQG4d5fl0V7W2hPyQK5r8DKkatwCFdnLtBjA5/GPRH3kjk
+NiTo6B5yo6pLSDrvZRErAD+vyeivdOhclcxZVTq4W0cyITNIyjHXDhdCaMd8/KTBHAT4H4eNGKmy
+bMtbeWruBkKQBVWmx6UjqMcH0elXNmqojCpXb8vbrNWCpVFipjoG17H4jJ44D5vwPTIZUidESBUb
+fB0GAhvid6KyUQVjEnr4hv+831TeugrywdGo/JgvoDNVTETHhpu1XY2HXvGWN9lZLmHN0k2EmByl
+Hs3wDC2OFrw1YbNQv+0jJb4cYBin8oQj3BubACsDUrdU65RVcVmqzs0ytyGFVEcKxx3yvX+6/HlZ
+9fueXtRm1CMo9FyqFihY0uN1oWCqYOHxYLJjxGV9U8RYFBYBIaURvuFNtRDlYBEln+TrbUE0cPON
+hfvWTRbh8ZzbKG59txWlr2QywlTutRZTPgFYTdAzYsW4AJIk6JX1WllEZcFxO/zwlJ9YMwuUggYm
+Pe/KD1ILmPtIqKaigXmzxRqdtA0ZgTXYiy7E5RGHh75zEwf+tpJ0bBSc3ThEEO0o6/DPFmjE4Y8k
+5hjfbzNHGW2VwtSbIZ0hfv5H9YBYqanGOtKF5J0IqCQ4b9nNDSsiDY2ZwOGLzVDNuRqMUY5pmhJ5
+v3tsJK3WTAubd3G68DVv/baEd1uUZ0U4Pcb1iFlStBG6azEFM4uGvDL1yQKaxooNY6x1V1TXorc9
+8rnmnosCVZ+zQ7fVH4hEpslDyr6vupkkNhO0nEOB/yp3gtnQjhlKhYun7BlWMeiV0yQhx5HmCu15
+FZ4UzTEcdgYVtmXVYQRA7Avjof2qszAsvaviQnerXt4NZ5RAvvPwNHA8zjcJSnp8X3a4xzEpsSgF
+NHNAW7TCTOPlyK35yS5iw9FUTWG/MWBi7VUclaqOyIliw03MyQUYYC8Nx/t+qD+81YMR6Tcy9ZYY
+qIra4vC1d23q/uIEaQCHNmUHY4i9ChNOdmyagbgL8GfxlCD5e2pOikF7NvHmn9K8XhClCBumaZNF
+5Zi/7NhDo5c9KyVBqEPP75nKc1hYZ+J/TDpAeCEqpFYH/zaoNnIf3FgZs+IA/xTbRhMqQLDdxfLR
+nhYO2FRDo28Ig9ohe/KGgD8hvW5NfRC2D/d9b5E06UBf8PBWlOu7lqgUNcWve3cxNSqfKmnYpIly
+JZpddfTvo3Z4Hk3c1AtvMwG8wbNoHfTFxrMPhY1QOEoUo3qblqMX3lpefNso9lMQqtjcSNYHSu6J
+lE8yG3X9tI2I8xagC/QBMBC++67Z84rsOir0pdFj1rVrhTMLl1INOQxGrPYaVmS97CaLBIdEu3Y8
+Os1dTe7TpR/ZXey5ehVPKgFnsYj5+/ftJY90qTXygNXDniZITEPhb/p8VYMzj1QLILz21YTMk3cO
+XSFY/w7lqrNphQXQWrjIiT7bSoyHikGwmUnS0k/jO0jdKJn7vFkLwn6grSxbeSIG5lZzclS+lKfm
+5BMTTdUQWZ8y6IATo+wn7ZEyAzv9egE8+04CWpci8tghQE6u8+prDiASrjFgyVmeYV4luLYBAvmc
+4kGYGnT41AbptUfiEKZ9Nzl7syIwAo1hiRDKBPbw6WPVEpL8hcUM9uoAeMOlWaJl5kBxwKOxCbtq
+hnod2P6ZbenXJYntnW5eVzhlq7B5wUtSPIlIljPVGyc8qz1EBzlsMNFZiCeoJtFLXZ2WBelTvnru
+R3q5GLW6Pvb0fp4NVJG2AnbDTvTj4fHOpLHhBabbj/lLYE73BZ6ZzDJWNfezkj4q3zjWU85sxKwV
+W6PRVh3jRwmrlMHg9KFvuFjq47yEAiCsQ9xL+026rFT5w+T4rwrSG8v8ROlCFgjZYzT+uXheR2uf
+nwU1mw+sLIWjCv6KIVb3H4ej5hgACmzT7mCVvyKF6gP8xZJvcV574L98iLN0c3jLmyvv/rji/o7X
+MZIJIaLrroRhpB3mTB3VS77s0rGJ+B6cIyKSGSWH+IYcNKJ4F8yg79+QIRhSh4kdNhX+N2Q6kltL
+FoAQSlgqE7myNIVT6I02Vp8E6IYrVSpOU98BN4OEKZRLlFKvjjziVIV5GZxAIYwR/A3Rj452JS9M
+kICie8Jt/Q6LtltNjl98jch2/LN6gnatabyPzRFVRDpt/cq/N/0LsVlg3PHYSzl+COZ7qQ9MiWjc
+hCJtt62JRCmiaS8KoTHVS/1zkjUiStSQ3nQor2UZtfVYyhTEYoIU2LZCatcjmZEYqSPbMPDjounr
+sTEvnieSoEdDWSUdXjmS85i20pMY/k2ToKXl0lcAULyrv9JOfhe52DI5KfAERF2Wo04QU+GoRuoC
+pVyvdZyF2I7lBpAex3ycY9W7ME1PAhUIEiVbpnwRqi5y27J2WZfZJSHh4SKuq/NaCy7p56NlC5yV
+VsmRo3x2bZmc4pYjOOP7s13PjBScbCvdjXBPMq3pOUNLl8LLKoP2UjeTt8NLea6y1G1IRFApoXns
+d6OyM+Hrno666wC+C4hAqGJsJ72qpuwIWWf2lHGoFNCmQl3cVzB6hgZTPKtVHKD8JzHxq3gqeGNS
+LWg4Wo6XkYYxDNDU4W84I/C0ZUj+NlR/U7Vwrfr+9jiMlXFm6VRXhJgOhrqgf/gopIsul0/7aLyN
+pvxZjBZDuEw++5hgcph+92UIxSRz39uq60nCAbau824jkyrZooqLqvg0C/wjm/nc0zeQMFuWzuAX
+8Oj7Z20ylYiXaVB3JEgajjuBo2jI3ePEORGyosP3xpmrGyHiMeYT9G1znwhn+MMk62HM9SrjHj+z
+FZOjV/H+KnK4IannnOrkvIyHTZxuW3u8x8FhRzAogpFcXn9TlNY6p5crOgLfBMiCAPmuwPO7M8t1
+k2KtVOA/VFJ6m0a/GsbqJGRy1+PGozhqT5VWPcgm2E0gEBnjCuPee9EaKpGGORcGgGpxgXzul5bq
+N3kensmi/piwkhu0+BeShlMLrJ8ikRA6SsJeSVycEK81GzofcJORv0dT88sg0hJTrcZqv/xtLsoF
+cRbpfUNb965q4ya1a/ahtYJFFx7fi7KNsYG7S+uVivd3g9fJrnTo0cvHfkmDSy1S1cqVIziqmt9d
+O/oT2j9m3Zl8XRMQ3irhQ5JoF79rVeLAlswsPjL/Q9KsY7qCucNPsAAt02KN/wA5GZ20dqWpigs6
+8NyThCOl48a0gguLqlGViKggNvzIolFZhPsFP8MilWKDBhlK0vdFGqXmlETUwS680cuyjNZ603/5
+RGDgXHFV981L2eOdXg79rUR5ZJr1RpTf9ltSOA8G7GirlU/iVMbExv7c9fMcX+OEjSVFk4AJsbQN
+0OKl92bTb3UdPkvntcNSShnP98D7ycDPLR1+jVCdDfH00gn3UAtTb7yEI1wvJ+nFgCO5KBRomxx7
+vqaei+eneCRDhFtFEqF/pBgqETYI6a0NmyGgdax6ptlNPYgsjHQhNts0np4E2NoWPVE98BGiIb9C
+s3lGIvsiI0sGE8+lMsQnXYmPb21xsqXEzC56E8fozAfDGJcGkfK6G8vhsw2UkJfy0wR2EWYqqUZY
+Io/QONM0/qSH26hpeZta6VlbZ6TDEJDLerOpqm2JZELYx0JUePhhzm04lva71UdLsE9tTALw8Dbs
+NFdIRQJJv66G4tpM5K9JQdQj1x+HLzeDU7FkBM8bDp+YNu5tcLnSBrEv6ZqbN/oKL6+tIPIYQOUd
+aQl0W+1HHOGvHZ6JCvrwtWdYv7bgMQh8jC5H2R9A6Ixwg0SONdfI4ufYap80tG1OH6+r4gKE/Vcf
+61tcZ28xL/uMFI25MyvA0rJzSxovDbJcJ6n58FhONjJnm42uD/OveEAV3cV3VcTYVi7rZxDK08Mf
+fO4ZMU43TRp8tJ77z8jpetpR+KVMp9JpqVJQm6SfiHUhYUxm1dUxAEyciPsvuG0hW4N7Dgy2r3Yo
+jb5wwkDjIeFKg9nTKjA8HBcvkfJeZJB82uJ8sp1TKbk7/EV3jNYfF0bVYANgyg7U3u87C51MDdNW
+1dy06RjOIdzsOzUlDwj8SZUHRrRMVRWVl9P0JGAFX1oatXwXl8ErJ9KrIdWvaaMOCx2bfJUg7rGv
+PnmfVrAE8wUtQY8jp6ER/xvgSqpFb4XwMW5U6rxYy98Y0S+LUNgIE4uSr6aA42uszBsjJ35NLyS4
+Ze29ZYGtyM1XqvdP6xZPl5V4m8VqbbJh0xof3FUUmr3vOvS34jDDDPm96wkPhP4s6m0nMVzJf1IS
+vMTaEQyakrmPsBidgEI4R+5Rj+K4FsUXhdTdFlkugb2pz7vT5PD9nltYUG3gsWgOk7l91Cju07aV
+zclw7WQ4kU8q3QDszxkZ+wvc545IV+YqTUezYC/xNxwVxM//aNPGyRfWjlxs9I0rQQFp/ejSgOIh
+qs3D32sWmIM5TUWjCV30Plu4KKZCjUl+d0UfIOS2iv3RGdpniOqeYRSnC3B1ZZqvA0ilwGbU7HZy
+rFMZucvhjzL7reH88hoJ6qgpiBd/fGuHbNVYkiPTTS0yhJTqRgnVc7WQTmzNfzx8qdmn+cel9rpE
+gg7UDl8d003y+ixTv8qiXSg4RPp9eu7TEB6+2gxlhEqeClUMtMFX9juH3MNjUW8Vcyd2xu1oEYUe
+o0bqsKnrMcPKPvNRvoqaHNOtdrNzmqynpY8tyZEPMrNbiRGLkA0htYUd/f0WR5heJUUfMrwnKqCQ
+Mc/1sJMbyrWBmeKge3dNxlNPrZPMy1dHri0e396GxbVxFdIs5EKQeL5f22wg7LSxb7q6LG8yL1vL
+5Yc2tTdhlb2EXXVTIsEVcz30LZ9B2twBzMqikTz8MYw5QIZzjXEzQgEULXvvVjR4Wt4FPHoBxQly
+JD5kJ0pwVuOtW4i2XHwetU8uzKpeN3J1HocF0QCNfE5M+UudvHN3IdOp5Fk1fJ1lQy41jpblKrOs
+p6hJFmkrX1qYKcpEidRx9mIB9Nee+hloIpRG1fAY7ZsTlVkzozizQbjDzL0FZMhk7ybp7Y0aAaaS
+hR5a+VbQJDuduHvc1YZJIt0olF962d8pStqpvA+rgcpJa+/VtNkaPuSnsjqBZP/r8G2b2yYQcDLl
+MGBSU0XvvTGDjZlhrVWmS3bkjaatw97ZCIGDwM4pAQu2Cf/BwdNGYIAC8zM5+FN5XHSFfqQ5nutS
+FQHhC3IERhT7XardKjDnOlax4MzlutZBcsUkQ/xD2KeXSpWcFHlzncrPqbTJC+c2GPJL1R5Puyx7
+xZVQNdtoKWHpYZnFUjfLCwH/2S1xdVWtHVlv+kzbiDUNCIXBJxXa0+/LntAcxSBi23CFK0hWJdtE
+BUS1UmS6ecRhF8gk/OCvXCfTPf6/0WIw3u1Mq5jRZ48m1TYOuDnOtt7NhOu+1jIWFkB9ICDSOFAI
+cFXOx6S3Fk4Thjh64v5uOxIe5uO5Mkxrpz+p5RWhnMlYX4mdRSYWy5PjdztozwTngsb8uoOoQNTt
+hcBNjqybHVSx/9rj8A6KIYTlPwgek60UkSQPAKC8b6JLQS9H1I12ZkfEf5nSg4DD1Tp/GyqS9LyW
+QiYsnmTkK/g0v7UAtTvShuC6yWW26NTIJV1wGZAAF2O63aR4JaOhMexsqVk9WgJ6IAE1h1tZgqMW
+MHqgUNhIQp8WE/uMxht2VXauezQwWMffTU0KBI898W73ocZGx8ZoQx5EoIEZPKcEozVm8lAZeIJ2
+qzEJr3Y3fxTNOJH3zaIoRlz2UWDaPRQq089+MVPfzUD1mDQF8Wngh7ujnr6ncn2m60txjv+ewhfP
+WWkucOwk/BsZt5YaZIERMupTMndk30j8+WUNS2Un87TpVIWbRWowYYBTs9oxYrr6caDgG3MGv0le
+bcUF48AR2N9tTZPfMvHh9H6yuhEaAvamUwEV2AAw4/94wcuUebFerKeyM+C/SKdeSfAe5IAjr8Lc
+zsvZQ6VMEMxPHVBZFtJoYY3odmjBRkfaCkpL23hHeu6ZMgKuiGBv2Bxy5n5FnvRT4NmZYriCHysA
+d4HDCrcrnZL38OoWR9aPta0xzxTmLsJL7/u7DXmnDuzYNFyCeNfFmkkqwVsLYNeVlwbnTuL/N2eo
+8scF9zYTtWz6xqxsw/XKhr2OTBSipcVEdYKrb+kWiOu02UmrmEyJqbseYi2RFQ+Hvzfkm7lvborm
+kP5UcN+/f/Mg1CSjYZbptobpLXCh9JcO1hm4yrxJZnZPcCeVOW6zBc6VDg6zFko0LUmHVSPpFyNx
+qTi7OAu9lV6tOv0M7dLtLXtbBSet3PF/D67nxbwI6So2o5fAxg6w1arXOMaLu+DuFvWNBSVUHt4K
+7LYDNT1T/RyxQk6lrJz3cXc51p6xdKBMGJmDkyooSKU2Ju7lymtWJksTKeI0SKeTUO96ZXkRxcPt
+6OeC73gF2B8GNa3R1GkLdbDXcmfdKmnF+QrOUMl4QYKtQXS/8AwSJtoOB95QUIQuEAEAsa0lLXJL
+qcR+vz+xmfVXzDykNlsjFDgZZftSJqNKilHk6CFZa8OHYPV5fnDV+uOJ7rwJahcs6Bf+9VRwyCR7
+QMyAwzRFgnifxdhtR9eRchQaxkkFn9SnixIVSGOPoIty9StlKqBP/bbsOzfIIkJdBuDFKqnfLQ+O
+sfRphCrmIgPkt8OLY/alwC1YvBPC72S/wMqC0lTT8XeBFastUeXmRR1aL8KKh4HKeTaFR+ramXJe
+gbaIJ6EArX84z3Uq7qYZ2cIu3olnutNe5ZSvky2dFdZWiE4Pf8H5qwnZvWqAjOxz0dPYSzKGk5ab
+aMlpEZC3Ffg4FCk3tUOfDUP28OXm9jOVfcwxaAkpvvYweYITihpJn+kaxXCe5uYqYmDbBx3RDOqR
+rXP2mwndsiZ0TPZ+kYcPSYvQgP1MiJci03sJxFBsFLQEUZn/B6D6zDaCQtNQ6KlVmKfiyPij5QuK
+ytDSkUouKIazcvBOA9/btjHMOlWBDF1fC3fE464B89/z35fdW6JWJLeDVknGju4aAK2K5SkcpcQl
+O6rrw09w7nJwBmSYjJZq/Oh8wk5p0KyZsD7ALYmAvRZ6LnFKdIDQAqs8fLm5dhN2G5ogRrwYHO3X
+xzl5SkmC4sbdob/gBzf9A4YcW2HoRvPyZba9a45UEsXWxjTOrpVri0LzyKeYmWEhXkAJjamf8Jrd
+W7d6Y8ZJG1P46UlznnrDoxTWJ/aJGGiIk7kXqtBQ7deGonx0jXQrobtMiienJb+yEjxIoPmvrJQa
+sIBgLYqiwx9w7r3CGAV4kyaQt2t/EXQWB+mEnkjAqmJ+RHjPWnjUidtz+FJzUC58NGoe7Lug/u9P
+wTNCIeI8BGQpnfwBl3lBJNYz+aKjokeviEvLvehBRPV3+MpzmzHHNAMrKLQ//TGbKhvxX+cFU+X6
+hISnM4fKU21of0jIFKBDIqdHLqmLs3+/KuK7ovYGZ6DgE5/pj5d6ajVv0gJYFmmUbKR+XFodrpiw
+SZoOklOSTOiAqczpB+6GiklXc26q+FBCa4lpvRW1uqdJxhop9Qmtdb6s6V3MdzNV20SIMnAnx6LL
+ZlhBoGbva7TQ3sPOhdA3+EnuedTMFckZiWto0aUWDbfh2H4J/8osus57aeu3dbCQJJmIVD06Rab3
+36x8MbrlnuM/8oMU6flpZ5HB/NvntamGm0iblgxZEiCfcC0MHcXohmjUmwKFKjH3uviZGFuKZhS4
+9rSvbVKSiDWAylsnGIkfXhUzSx8GGiMMhryKsC79/oQ0OU0ytbdll9GUt0hCTAoS/dn32k0VA6Ee
+vtiMSFEwEKmPBSUDB4q99SAluTTWCHfdoAtViq33HlJ1Lhz1/f4pTh8rmfh4LwZD0Gz4TcQdvybx
+VjaiV3us4B+rWBaR35qWW5D010rTjuyXM3cDmigHK0MDB3xj725kdV/CXzcwaazaSy+L3tmsnoqs
+fxbt8pF7If6svXcDTQf9j6gdGFPs3QvS1vwoyRzLZXB9Bi1Dy0TyRnE9TcZiUOKlPpBMrN0bUnUK
+i/VG69tH0pXIDkyPTHh2FpA/PgljbP7CaQ0A+Psa6OrKjPLGstxSPeva7KwGkpeawG0K6W3ydyyz
+LmA2mTeeDCYGyiR0UULfWxfWBU/PGP0jZdyuNPzxmX4jpA6umT+wuTbICi0puTtt9ZjpzU1SxhDC
+iPqF215qyovgGwoujeDkkJF6WzbOScYuJtQ5QypytU4zkh7LPLwU5Iw6Cl/7QTlFjY1WIZZL0iOK
+qyE2TnsCBXGw2ihpnOwYh5HjEJsXle9jsy3zLiFWPtJFCtyRxTZzKnIqM4HWYHVQY+0tgNgayTDv
+MssV4w21QMIwGMu6jp66jGzB6ve4XPD6Dy+82ctSq1KVA+EZ+t5hHKRDnFZhw9Ouo8vJ0B/KaGDw
+n8UL8taHCMWTtmQKfWy5i2+z/0AtBPlU5oSQ/uDaJg5oiqJxWY4LF+LrFbzPaz00sMXoT0kqetWz
+bovf5xvoFwdCcEUx8GX0FaIYOSNLLF+mnbKSc+/S76zfQ5b/8z78X/8z3/z+GPU//pd/f89BYOjx
+mr1//cd1+F7ldf7V/K/4z/71a9//o3/c5yl/HfyVs8/85i39rPd/6dsfy9X/+elWb83bt385yZqw
+GW/bz2q8+6zbpNl9BL6H+M3/9Id/+9z9Kfdj8fn3v94+0pCkorqpwvfmr3/+6OLj739ZeCrqBhxs
+BOPCjw/71T/WkrjeP39ZfKG///WQVJ8tg7NVfvQP+Xyrm7//BcPyfxgooXOELCOwYop6NMf//AlA
+KL6bCM1s2hmWS4YBU/D3vzTrf4SXmJikQq3S+a/++ludt//8ER8XY2YDOrtwB7X++v8359tD/vdD
+/1vWpps8zJqaT/NjtxdfnmaRLhEKr6KKN+WP6iStg9TzpixGDXU6qhekcJ5V1rWcfdSk0yVqcRqa
+E7kwd+FICkB7UWanhbKt5GTVwHz540b+87P9+VkgfO+/Hz+fxJ8fhoRGMi3NOrolvWmZDO2ZJmGT
+5dsv+PzfqOba6qtNMXhszhO5UtqjEdwkPtFRY3EyUsToEDPUAeZwWLp2c1pPm1La9sq0DYJtKOJw
+iiWG6AvNHJd+/sT3SAlvdaBc1B9hj5lXexE12tKpVh3+djlpvIqy6ghhtex42eSYyIzqUvwzf5zu
+oybXyPHsw5PKp39IhwVmd4N8WmY2gfXPgamd+jq7bIhtdnphmrhKqM6Ka5i9eS6nOlSTzdhvTIx5
+Jv225W7qlLuT6V2Exdb7f8ydW3eiSBCA/8r+gbAoCPIyD9EoycRsZpys88bJGg8XTaNcJPrr92uQ
+LEiSueA5az8lAn2pqq6qrq7L8s7dfIm1Sbz80qWI66pD7UpuZPgcq+ZDtrSuO3E4dFLtVlDpkAFc
+z78T/myrWgON2ERQ6SUES82jZGJ2/jbE9DmEpYlRiGPkCkbidHVqIhLCnEyS7VO4Cgeuvwi5AqKw
+oKrZrqZd6eJedwRV3l9uIoJvZNGq1Jj1ky2OKkM/mHnGIhG3azEyQ2/kAMDt1rOdHW4zWTY0waCV
+7W96ySgiNtnfT7uOfqWJyE6766HT92xt+W0P0rbqCMwG1ow39b5jG88Eg0RUvKNYj7751vfvoYrL
+rHsXdaSmPNtRl5YssVdrcoUxeWt98V3XZLptMTeTUQK81qTYoHI5lwvUDvrCmldhZ+wkVM6iMurF
+kipW26dEpt+xKEnokrU83uGJHhGPY3zVXsKJ4as2l8AzHeKLLQIi3cctBa79l4mET/jVFRtCR7aU
+QqFqebImbSM3KYRsRPpgS8SSTpU3SkJ58Zjye/tn0sz7yVCsphS6HvYCvMSypfdXmPWGEiPL0Jz2
+VfKH65TMNlJq82mjlLmpwicnKA5CyW5gOE/7zWgTiKEZ7yjBNdH1zWfpTAChQESJMQP/22ACcaTq
+SFKx8AZMFXD4mbCDfWzHcUxAS3CpOcvPPecueL7OBJtspkOojs23Heqf68KSW9x5Dq5wz7rFWjYJ
+0jnBV3YviIYutyjYLihzee1Qws1jyNQjfc1y/OJuroAy6csHAUnsNqa42lmmzRLu+1AAj3CkmHJL
+9d0I9g+Opg2pi+yoc4uLKf4C79mSmFZvulOtcQLx9fwXe5elA/n/hbEZOGRh5/FF351QghY98bvY
+3skNTxJNgK91biOrO82c9cNL0B3qzvq6T1We5cU/qnMfQ9/RIRDzl2Tl21KwhYCryMKGhCsE9UH+
+5bz8W/h7L5WyQgq2Zkc/JzIv8ProIinzVuHxr33mgvujvlaPyPf0CXmqGQpOqD3STmEmWoXCPfxO
+8hGFLIUamhLXCH/WtIPmvJtKwu+9U5vzPExFIhUQ1w9FVdp3ZG5VplSoVh+s+qiH2qpR6LuYBPCb
+lo011hZvKiROIr+kDAD/Xxb/rr4kkU/A6GmQb4JjDWsMeeLLDmtg6CuASMXay6FMtnMEhtQZ8/Zz
+NHEE2ApNmApZwvCL4UIwb8cbwlA4meKMKxOEnx1NcJ1/aG3B0FPkZSi5D8D2ETEYOEL1MBkXI50h
+FLQDnR4o9YcM4n1i6ClsC2KkCvbQZBB9RbrekjVFRvao6jmSBEbPE5EEpyHcszrkFz4iCbklpK1a
+Gl3Pb0uwWYvWfktgNyYfF24jZYe1nWEoGDEsSlJwoDo/MJAquZw1k2u1J+ALyAIcZ/IG0mtgsJQ8
+6F43OGKfHRhKCdeeNaAxEQ5Nma/chJzv/RoYTAWbFplrpNPa+YHhZEyhJ00kNAxpeUNTqoHBUqgt
+AnRI7py3MwRGqda0pwlTgepl9RbSNMl2vDUMRaZwQWAU7RfEReVY8p5O/Xo6IUHP6ik/l/iLuGK9
+++ELJVtodnDQyKWlTqrdtRelZa/oeiGkvVD+/6kmUnMDY+VhaXDMxzl8flhgc+jaWOWqyh9tfxE9
+RnNvlz/YHaZZ2AinGEpW1QMDOnNVGP43oYZd8pVBftT/ZRo/1g4k9I9zyaGVA79p9/yp/oePCzct
+u5GQl/1X9Lu2878Wc29RP1LJESq6U9sRxhlpO4PGGioCue0IwChorqHK5NuO8LBqYjk3UB+4Wdv+
+xzvmT4LTI0STkvxkhDQGC1kD0dXjY9tF3El7+R8DLxVuTlPu8Wo4UBWtfPD722IqDfAfjVVqZ2ip
+p1nXzSJcybDsorfDTtReiax80HZJbw9zQoZSYKkgOIi6gaQT8pYCSe8PdUImc7NocBjthBzmV26a
+XsXfWwLlLQH3ak9rir3SlvbWZ3WZLt+YrxaP0ad/AQAA//8=</cx:binary>
               </cx:geoCache>
             </cx:geography>
           </cx:layoutPr>
@@ -5813,7 +5806,7 @@
           <a:p>
             <a:fld id="{666D0092-E9A7-4837-BED5-C3DA153F0806}" type="datetimeFigureOut">
               <a:rPr lang="ko-KR" altLang="en-US" smtClean="0"/>
-              <a:t>2023-11-14</a:t>
+              <a:t>2023-11-15</a:t>
             </a:fld>
             <a:endParaRPr lang="ko-KR" altLang="en-US" dirty="0"/>
           </a:p>
@@ -6011,7 +6004,7 @@
           <a:p>
             <a:fld id="{666D0092-E9A7-4837-BED5-C3DA153F0806}" type="datetimeFigureOut">
               <a:rPr lang="ko-KR" altLang="en-US" smtClean="0"/>
-              <a:t>2023-11-14</a:t>
+              <a:t>2023-11-15</a:t>
             </a:fld>
             <a:endParaRPr lang="ko-KR" altLang="en-US" dirty="0"/>
           </a:p>
@@ -6219,7 +6212,7 @@
           <a:p>
             <a:fld id="{666D0092-E9A7-4837-BED5-C3DA153F0806}" type="datetimeFigureOut">
               <a:rPr lang="ko-KR" altLang="en-US" smtClean="0"/>
-              <a:t>2023-11-14</a:t>
+              <a:t>2023-11-15</a:t>
             </a:fld>
             <a:endParaRPr lang="ko-KR" altLang="en-US" dirty="0"/>
           </a:p>
@@ -6417,7 +6410,7 @@
           <a:p>
             <a:fld id="{666D0092-E9A7-4837-BED5-C3DA153F0806}" type="datetimeFigureOut">
               <a:rPr lang="ko-KR" altLang="en-US" smtClean="0"/>
-              <a:t>2023-11-14</a:t>
+              <a:t>2023-11-15</a:t>
             </a:fld>
             <a:endParaRPr lang="ko-KR" altLang="en-US" dirty="0"/>
           </a:p>
@@ -6692,7 +6685,7 @@
           <a:p>
             <a:fld id="{666D0092-E9A7-4837-BED5-C3DA153F0806}" type="datetimeFigureOut">
               <a:rPr lang="ko-KR" altLang="en-US" smtClean="0"/>
-              <a:t>2023-11-14</a:t>
+              <a:t>2023-11-15</a:t>
             </a:fld>
             <a:endParaRPr lang="ko-KR" altLang="en-US" dirty="0"/>
           </a:p>
@@ -6957,7 +6950,7 @@
           <a:p>
             <a:fld id="{666D0092-E9A7-4837-BED5-C3DA153F0806}" type="datetimeFigureOut">
               <a:rPr lang="ko-KR" altLang="en-US" smtClean="0"/>
-              <a:t>2023-11-14</a:t>
+              <a:t>2023-11-15</a:t>
             </a:fld>
             <a:endParaRPr lang="ko-KR" altLang="en-US" dirty="0"/>
           </a:p>
@@ -7369,7 +7362,7 @@
           <a:p>
             <a:fld id="{666D0092-E9A7-4837-BED5-C3DA153F0806}" type="datetimeFigureOut">
               <a:rPr lang="ko-KR" altLang="en-US" smtClean="0"/>
-              <a:t>2023-11-14</a:t>
+              <a:t>2023-11-15</a:t>
             </a:fld>
             <a:endParaRPr lang="ko-KR" altLang="en-US" dirty="0"/>
           </a:p>
@@ -7510,7 +7503,7 @@
           <a:p>
             <a:fld id="{666D0092-E9A7-4837-BED5-C3DA153F0806}" type="datetimeFigureOut">
               <a:rPr lang="ko-KR" altLang="en-US" smtClean="0"/>
-              <a:t>2023-11-14</a:t>
+              <a:t>2023-11-15</a:t>
             </a:fld>
             <a:endParaRPr lang="ko-KR" altLang="en-US" dirty="0"/>
           </a:p>
@@ -7623,7 +7616,7 @@
           <a:p>
             <a:fld id="{666D0092-E9A7-4837-BED5-C3DA153F0806}" type="datetimeFigureOut">
               <a:rPr lang="ko-KR" altLang="en-US" smtClean="0"/>
-              <a:t>2023-11-14</a:t>
+              <a:t>2023-11-15</a:t>
             </a:fld>
             <a:endParaRPr lang="ko-KR" altLang="en-US" dirty="0"/>
           </a:p>
@@ -7934,7 +7927,7 @@
           <a:p>
             <a:fld id="{666D0092-E9A7-4837-BED5-C3DA153F0806}" type="datetimeFigureOut">
               <a:rPr lang="ko-KR" altLang="en-US" smtClean="0"/>
-              <a:t>2023-11-14</a:t>
+              <a:t>2023-11-15</a:t>
             </a:fld>
             <a:endParaRPr lang="ko-KR" altLang="en-US" dirty="0"/>
           </a:p>
@@ -8222,7 +8215,7 @@
           <a:p>
             <a:fld id="{666D0092-E9A7-4837-BED5-C3DA153F0806}" type="datetimeFigureOut">
               <a:rPr lang="ko-KR" altLang="en-US" smtClean="0"/>
-              <a:t>2023-11-14</a:t>
+              <a:t>2023-11-15</a:t>
             </a:fld>
             <a:endParaRPr lang="ko-KR" altLang="en-US" dirty="0"/>
           </a:p>
@@ -8463,7 +8456,7 @@
           <a:p>
             <a:fld id="{666D0092-E9A7-4837-BED5-C3DA153F0806}" type="datetimeFigureOut">
               <a:rPr lang="ko-KR" altLang="en-US" smtClean="0"/>
-              <a:t>2023-11-14</a:t>
+              <a:t>2023-11-15</a:t>
             </a:fld>
             <a:endParaRPr lang="ko-KR" altLang="en-US" dirty="0"/>
           </a:p>
@@ -9069,8 +9062,8 @@
         </p:nvSpPr>
         <p:spPr>
           <a:xfrm>
-            <a:off x="4657142" y="1096528"/>
-            <a:ext cx="2877712" cy="369332"/>
+            <a:off x="4657143" y="1149895"/>
+            <a:ext cx="2877711" cy="369332"/>
           </a:xfrm>
           <a:prstGeom prst="rect">
             <a:avLst/>
@@ -9086,9 +9079,9 @@
             <a:pPr algn="ctr"/>
             <a:r>
               <a:rPr lang="ko-KR" altLang="en-US" dirty="0">
-                <a:latin typeface="KoPubWorld돋움체_Pro Medium" panose="00000600000000000000" pitchFamily="50" charset="-127"/>
-                <a:ea typeface="KoPubWorld돋움체_Pro Medium" panose="00000600000000000000" pitchFamily="50" charset="-127"/>
-                <a:cs typeface="KoPubWorld돋움체_Pro Medium" panose="00000600000000000000" pitchFamily="50" charset="-127"/>
+                <a:latin typeface="KoPubWorld돋움체_Pro Bold" panose="00000800000000000000" pitchFamily="50" charset="-127"/>
+                <a:ea typeface="KoPubWorld돋움체_Pro Bold" panose="00000800000000000000" pitchFamily="50" charset="-127"/>
+                <a:cs typeface="KoPubWorld돋움체_Pro Bold" panose="00000800000000000000" pitchFamily="50" charset="-127"/>
               </a:rPr>
               <a:t>딥러닝 기반 수어 번역 서비스</a:t>
             </a:r>
@@ -13190,9 +13183,9 @@
             <a:p>
               <a:r>
                 <a:rPr lang="ko-KR" altLang="en-US" sz="1600" dirty="0">
-                  <a:latin typeface="KoPubWorld돋움체_Pro Medium" panose="00000600000000000000" pitchFamily="50" charset="-127"/>
-                  <a:ea typeface="KoPubWorld돋움체_Pro Medium" panose="00000600000000000000" pitchFamily="50" charset="-127"/>
-                  <a:cs typeface="KoPubWorld돋움체_Pro Medium" panose="00000600000000000000" pitchFamily="50" charset="-127"/>
+                  <a:latin typeface="KoPubWorld돋움체_Pro Bold" panose="00000800000000000000" pitchFamily="50" charset="-127"/>
+                  <a:ea typeface="KoPubWorld돋움체_Pro Bold" panose="00000800000000000000" pitchFamily="50" charset="-127"/>
+                  <a:cs typeface="KoPubWorld돋움체_Pro Bold" panose="00000800000000000000" pitchFamily="50" charset="-127"/>
                 </a:rPr>
                 <a:t>커뮤니티</a:t>
               </a:r>
@@ -13375,7 +13368,23 @@
                   <a:ea typeface="KoPubWorld돋움체_Pro Medium" panose="00000600000000000000" pitchFamily="50" charset="-127"/>
                   <a:cs typeface="KoPubWorld돋움체_Pro Medium" panose="00000600000000000000" pitchFamily="50" charset="-127"/>
                 </a:rPr>
-                <a:t>실제 사용하는 시설 및 사람이 피드백을 주고 다른 이들과 소통할 수 있도록 커뮤니티 기능 제공</a:t>
+                <a:t>실제 사용하는 시설 및 사람이 </a:t>
+              </a:r>
+              <a:r>
+                <a:rPr lang="ko-KR" altLang="en-US" sz="1600" dirty="0">
+                  <a:latin typeface="KoPubWorld돋움체_Pro Bold" panose="00000800000000000000" pitchFamily="50" charset="-127"/>
+                  <a:ea typeface="KoPubWorld돋움체_Pro Bold" panose="00000800000000000000" pitchFamily="50" charset="-127"/>
+                  <a:cs typeface="KoPubWorld돋움체_Pro Bold" panose="00000800000000000000" pitchFamily="50" charset="-127"/>
+                </a:rPr>
+                <a:t>피드백을 주고 다른 이들과 소통</a:t>
+              </a:r>
+              <a:r>
+                <a:rPr lang="ko-KR" altLang="en-US" sz="1600" dirty="0">
+                  <a:latin typeface="KoPubWorld돋움체_Pro Medium" panose="00000600000000000000" pitchFamily="50" charset="-127"/>
+                  <a:ea typeface="KoPubWorld돋움체_Pro Medium" panose="00000600000000000000" pitchFamily="50" charset="-127"/>
+                  <a:cs typeface="KoPubWorld돋움체_Pro Medium" panose="00000600000000000000" pitchFamily="50" charset="-127"/>
+                </a:rPr>
+                <a:t>할 수 있도록 커뮤니티 기능 제공</a:t>
               </a:r>
               <a:endParaRPr lang="en-US" altLang="ko-KR" sz="1600" dirty="0">
                 <a:latin typeface="KoPubWorld돋움체_Pro Medium" panose="00000600000000000000" pitchFamily="50" charset="-127"/>
@@ -13393,19 +13402,27 @@
               </a:pPr>
               <a:r>
                 <a:rPr lang="ko-KR" altLang="en-US" sz="1600" dirty="0">
-                  <a:latin typeface="KoPubWorld돋움체_Pro Medium" panose="00000600000000000000" pitchFamily="50" charset="-127"/>
-                  <a:ea typeface="KoPubWorld돋움체_Pro Medium" panose="00000600000000000000" pitchFamily="50" charset="-127"/>
-                  <a:cs typeface="KoPubWorld돋움체_Pro Medium" panose="00000600000000000000" pitchFamily="50" charset="-127"/>
+                  <a:latin typeface="KoPubWorld돋움체_Pro Bold" panose="00000800000000000000" pitchFamily="50" charset="-127"/>
+                  <a:ea typeface="KoPubWorld돋움체_Pro Bold" panose="00000800000000000000" pitchFamily="50" charset="-127"/>
+                  <a:cs typeface="KoPubWorld돋움체_Pro Bold" panose="00000800000000000000" pitchFamily="50" charset="-127"/>
                 </a:rPr>
                 <a:t>데이터 확보</a:t>
               </a:r>
               <a:r>
                 <a:rPr lang="en-US" altLang="ko-KR" sz="1600" dirty="0">
-                  <a:latin typeface="KoPubWorld돋움체_Pro Medium" panose="00000600000000000000" pitchFamily="50" charset="-127"/>
-                  <a:ea typeface="KoPubWorld돋움체_Pro Medium" panose="00000600000000000000" pitchFamily="50" charset="-127"/>
-                  <a:cs typeface="KoPubWorld돋움체_Pro Medium" panose="00000600000000000000" pitchFamily="50" charset="-127"/>
+                  <a:latin typeface="KoPubWorld돋움체_Pro Bold" panose="00000800000000000000" pitchFamily="50" charset="-127"/>
+                  <a:ea typeface="KoPubWorld돋움체_Pro Bold" panose="00000800000000000000" pitchFamily="50" charset="-127"/>
+                  <a:cs typeface="KoPubWorld돋움체_Pro Bold" panose="00000800000000000000" pitchFamily="50" charset="-127"/>
                 </a:rPr>
                 <a:t>,</a:t>
+              </a:r>
+              <a:r>
+                <a:rPr lang="ko-KR" altLang="en-US" sz="1600" dirty="0">
+                  <a:latin typeface="KoPubWorld돋움체_Pro Bold" panose="00000800000000000000" pitchFamily="50" charset="-127"/>
+                  <a:ea typeface="KoPubWorld돋움체_Pro Bold" panose="00000800000000000000" pitchFamily="50" charset="-127"/>
+                  <a:cs typeface="KoPubWorld돋움체_Pro Bold" panose="00000800000000000000" pitchFamily="50" charset="-127"/>
+                </a:rPr>
+                <a:t> 서비스 개선</a:t>
               </a:r>
               <a:r>
                 <a:rPr lang="ko-KR" altLang="en-US" sz="1600" dirty="0">
@@ -13413,7 +13430,7 @@
                   <a:ea typeface="KoPubWorld돋움체_Pro Medium" panose="00000600000000000000" pitchFamily="50" charset="-127"/>
                   <a:cs typeface="KoPubWorld돋움체_Pro Medium" panose="00000600000000000000" pitchFamily="50" charset="-127"/>
                 </a:rPr>
-                <a:t> 서비스 개선을 계속적으로 하기 위해 필요한 서비스</a:t>
+                <a:t>을 계속적으로 하기 위해 필요한 기능</a:t>
               </a:r>
               <a:endParaRPr lang="en-US" altLang="ko-KR" sz="1600" dirty="0">
                 <a:latin typeface="KoPubWorld돋움체_Pro Medium" panose="00000600000000000000" pitchFamily="50" charset="-127"/>
@@ -13484,8 +13501,27 @@
                   <a:ea typeface="KoPubWorld돋움체_Pro Medium" panose="00000600000000000000" pitchFamily="50" charset="-127"/>
                   <a:cs typeface="KoPubWorld돋움체_Pro Medium" panose="00000600000000000000" pitchFamily="50" charset="-127"/>
                 </a:rPr>
-                <a:t>개발 목표</a:t>
+                <a:t>개발 </a:t>
               </a:r>
+              <a:r>
+                <a:rPr lang="ko-KR" altLang="en-US" dirty="0">
+                  <a:solidFill>
+                    <a:schemeClr val="bg1"/>
+                  </a:solidFill>
+                  <a:latin typeface="KoPubWorld돋움체_Pro Medium" panose="00000600000000000000" pitchFamily="50" charset="-127"/>
+                  <a:ea typeface="KoPubWorld돋움체_Pro Medium" panose="00000600000000000000" pitchFamily="50" charset="-127"/>
+                  <a:cs typeface="KoPubWorld돋움체_Pro Medium" panose="00000600000000000000" pitchFamily="50" charset="-127"/>
+                </a:rPr>
+                <a:t>내용</a:t>
+              </a:r>
+              <a:endParaRPr lang="ko-KR" altLang="en-US" sz="1800" dirty="0">
+                <a:solidFill>
+                  <a:schemeClr val="bg1"/>
+                </a:solidFill>
+                <a:latin typeface="KoPubWorld돋움체_Pro Medium" panose="00000600000000000000" pitchFamily="50" charset="-127"/>
+                <a:ea typeface="KoPubWorld돋움체_Pro Medium" panose="00000600000000000000" pitchFamily="50" charset="-127"/>
+                <a:cs typeface="KoPubWorld돋움체_Pro Medium" panose="00000600000000000000" pitchFamily="50" charset="-127"/>
+              </a:endParaRPr>
             </a:p>
           </p:txBody>
         </p:sp>
@@ -13692,9 +13728,9 @@
           <a:p>
             <a:r>
               <a:rPr lang="ko-KR" altLang="en-US" sz="1600" dirty="0">
-                <a:latin typeface="KoPubWorld돋움체_Pro Medium" panose="00000600000000000000" pitchFamily="50" charset="-127"/>
-                <a:ea typeface="KoPubWorld돋움체_Pro Medium" panose="00000600000000000000" pitchFamily="50" charset="-127"/>
-                <a:cs typeface="KoPubWorld돋움체_Pro Medium" panose="00000600000000000000" pitchFamily="50" charset="-127"/>
+                <a:latin typeface="KoPubWorld돋움체_Pro Bold" panose="00000800000000000000" pitchFamily="50" charset="-127"/>
+                <a:ea typeface="KoPubWorld돋움체_Pro Bold" panose="00000800000000000000" pitchFamily="50" charset="-127"/>
+                <a:cs typeface="KoPubWorld돋움체_Pro Bold" panose="00000800000000000000" pitchFamily="50" charset="-127"/>
               </a:rPr>
               <a:t>사용 기술 및 도구</a:t>
             </a:r>
@@ -13873,9 +13909,9 @@
             </a:pPr>
             <a:r>
               <a:rPr lang="en-US" altLang="ko-KR" sz="1600" dirty="0">
-                <a:latin typeface="KoPubWorld돋움체_Pro Medium" panose="00000600000000000000" pitchFamily="50" charset="-127"/>
-                <a:ea typeface="KoPubWorld돋움체_Pro Medium" panose="00000600000000000000" pitchFamily="50" charset="-127"/>
-                <a:cs typeface="KoPubWorld돋움체_Pro Medium" panose="00000600000000000000" pitchFamily="50" charset="-127"/>
+                <a:latin typeface="KoPubWorld돋움체_Pro Bold" panose="00000800000000000000" pitchFamily="50" charset="-127"/>
+                <a:ea typeface="KoPubWorld돋움체_Pro Bold" panose="00000800000000000000" pitchFamily="50" charset="-127"/>
+                <a:cs typeface="KoPubWorld돋움체_Pro Bold" panose="00000800000000000000" pitchFamily="50" charset="-127"/>
               </a:rPr>
               <a:t>CNN</a:t>
             </a:r>
@@ -13901,28 +13937,36 @@
                 <a:ea typeface="KoPubWorld돋움체_Pro Medium" panose="00000600000000000000" pitchFamily="50" charset="-127"/>
                 <a:cs typeface="KoPubWorld돋움체_Pro Medium" panose="00000600000000000000" pitchFamily="50" charset="-127"/>
               </a:rPr>
-              <a:t>수어 영상을 입력으로 받아서 학습에 유용한 정보를 포함하고 있는 피쳐</a:t>
+              <a:t>수어 영상을 입력 받아 학습에 유용한 정보를 포함하고 있는 </a:t>
+            </a:r>
+            <a:r>
+              <a:rPr lang="ko-KR" altLang="en-US" sz="1600" dirty="0" err="1">
+                <a:latin typeface="KoPubWorld돋움체_Pro Bold" panose="00000800000000000000" pitchFamily="50" charset="-127"/>
+                <a:ea typeface="KoPubWorld돋움체_Pro Bold" panose="00000800000000000000" pitchFamily="50" charset="-127"/>
+                <a:cs typeface="KoPubWorld돋움체_Pro Bold" panose="00000800000000000000" pitchFamily="50" charset="-127"/>
+              </a:rPr>
+              <a:t>피쳐</a:t>
             </a:r>
             <a:r>
               <a:rPr lang="en-US" altLang="ko-KR" sz="1600" dirty="0">
-                <a:latin typeface="KoPubWorld돋움체_Pro Medium" panose="00000600000000000000" pitchFamily="50" charset="-127"/>
-                <a:ea typeface="KoPubWorld돋움체_Pro Medium" panose="00000600000000000000" pitchFamily="50" charset="-127"/>
-                <a:cs typeface="KoPubWorld돋움체_Pro Medium" panose="00000600000000000000" pitchFamily="50" charset="-127"/>
+                <a:latin typeface="KoPubWorld돋움체_Pro Bold" panose="00000800000000000000" pitchFamily="50" charset="-127"/>
+                <a:ea typeface="KoPubWorld돋움체_Pro Bold" panose="00000800000000000000" pitchFamily="50" charset="-127"/>
+                <a:cs typeface="KoPubWorld돋움체_Pro Bold" panose="00000800000000000000" pitchFamily="50" charset="-127"/>
               </a:rPr>
               <a:t>(Feature) </a:t>
             </a:r>
             <a:r>
               <a:rPr lang="ko-KR" altLang="en-US" sz="1600" dirty="0">
-                <a:latin typeface="KoPubWorld돋움체_Pro Medium" panose="00000600000000000000" pitchFamily="50" charset="-127"/>
-                <a:ea typeface="KoPubWorld돋움체_Pro Medium" panose="00000600000000000000" pitchFamily="50" charset="-127"/>
-                <a:cs typeface="KoPubWorld돋움체_Pro Medium" panose="00000600000000000000" pitchFamily="50" charset="-127"/>
+                <a:latin typeface="KoPubWorld돋움체_Pro Bold" panose="00000800000000000000" pitchFamily="50" charset="-127"/>
+                <a:ea typeface="KoPubWorld돋움체_Pro Bold" panose="00000800000000000000" pitchFamily="50" charset="-127"/>
+                <a:cs typeface="KoPubWorld돋움체_Pro Bold" panose="00000800000000000000" pitchFamily="50" charset="-127"/>
               </a:rPr>
               <a:t>형태로 인코딩</a:t>
             </a:r>
             <a:endParaRPr lang="en-US" altLang="ko-KR" sz="1600" dirty="0">
-              <a:latin typeface="KoPubWorld돋움체_Pro Medium" panose="00000600000000000000" pitchFamily="50" charset="-127"/>
-              <a:ea typeface="KoPubWorld돋움체_Pro Medium" panose="00000600000000000000" pitchFamily="50" charset="-127"/>
-              <a:cs typeface="KoPubWorld돋움체_Pro Medium" panose="00000600000000000000" pitchFamily="50" charset="-127"/>
+              <a:latin typeface="KoPubWorld돋움체_Pro Bold" panose="00000800000000000000" pitchFamily="50" charset="-127"/>
+              <a:ea typeface="KoPubWorld돋움체_Pro Bold" panose="00000800000000000000" pitchFamily="50" charset="-127"/>
+              <a:cs typeface="KoPubWorld돋움체_Pro Bold" panose="00000800000000000000" pitchFamily="50" charset="-127"/>
             </a:endParaRPr>
           </a:p>
           <a:p>
@@ -13935,11 +13979,19 @@
             </a:pPr>
             <a:r>
               <a:rPr lang="en-US" altLang="ko-KR" sz="1600" dirty="0">
+                <a:latin typeface="KoPubWorld돋움체_Pro Bold" panose="00000800000000000000" pitchFamily="50" charset="-127"/>
+                <a:ea typeface="KoPubWorld돋움체_Pro Bold" panose="00000800000000000000" pitchFamily="50" charset="-127"/>
+                <a:cs typeface="KoPubWorld돋움체_Pro Bold" panose="00000800000000000000" pitchFamily="50" charset="-127"/>
+              </a:rPr>
+              <a:t>LSTM</a:t>
+            </a:r>
+            <a:r>
+              <a:rPr lang="en-US" altLang="ko-KR" sz="1600" dirty="0">
                 <a:latin typeface="KoPubWorld돋움체_Pro Medium" panose="00000600000000000000" pitchFamily="50" charset="-127"/>
                 <a:ea typeface="KoPubWorld돋움체_Pro Medium" panose="00000600000000000000" pitchFamily="50" charset="-127"/>
                 <a:cs typeface="KoPubWorld돋움체_Pro Medium" panose="00000600000000000000" pitchFamily="50" charset="-127"/>
               </a:rPr>
-              <a:t>LSTM : </a:t>
+              <a:t> : </a:t>
             </a:r>
             <a:r>
               <a:rPr lang="ko-KR" altLang="en-US" sz="1600" dirty="0">
@@ -13947,7 +13999,23 @@
                 <a:ea typeface="KoPubWorld돋움체_Pro Medium" panose="00000600000000000000" pitchFamily="50" charset="-127"/>
                 <a:cs typeface="KoPubWorld돋움체_Pro Medium" panose="00000600000000000000" pitchFamily="50" charset="-127"/>
               </a:rPr>
-              <a:t>피쳐에서의 각 프레임에 대한 시간적 정보를 압축하여 입력 받은 수어 영상에 대응되는 글로스 집합을 추정</a:t>
+              <a:t>피쳐에서의 각 프레임에 대한 </a:t>
+            </a:r>
+            <a:r>
+              <a:rPr lang="ko-KR" altLang="en-US" sz="1600" dirty="0">
+                <a:latin typeface="KoPubWorld돋움체_Pro Bold" panose="00000800000000000000" pitchFamily="50" charset="-127"/>
+                <a:ea typeface="KoPubWorld돋움체_Pro Bold" panose="00000800000000000000" pitchFamily="50" charset="-127"/>
+                <a:cs typeface="KoPubWorld돋움체_Pro Bold" panose="00000800000000000000" pitchFamily="50" charset="-127"/>
+              </a:rPr>
+              <a:t>시간적 정보를 압축</a:t>
+            </a:r>
+            <a:r>
+              <a:rPr lang="ko-KR" altLang="en-US" sz="1600" dirty="0">
+                <a:latin typeface="KoPubWorld돋움체_Pro Medium" panose="00000600000000000000" pitchFamily="50" charset="-127"/>
+                <a:ea typeface="KoPubWorld돋움체_Pro Medium" panose="00000600000000000000" pitchFamily="50" charset="-127"/>
+                <a:cs typeface="KoPubWorld돋움체_Pro Medium" panose="00000600000000000000" pitchFamily="50" charset="-127"/>
+              </a:rPr>
+              <a:t>하여 입력 받은 수어 영상에 대응되는 글로스 집합을 추정</a:t>
             </a:r>
             <a:endParaRPr lang="en-US" altLang="ko-KR" sz="1600" dirty="0">
               <a:latin typeface="KoPubWorld돋움체_Pro Medium" panose="00000600000000000000" pitchFamily="50" charset="-127"/>
@@ -13965,11 +14033,19 @@
             </a:pPr>
             <a:r>
               <a:rPr lang="en-US" altLang="ko-KR" sz="1600" dirty="0">
+                <a:latin typeface="KoPubWorld돋움체_Pro Bold" panose="00000800000000000000" pitchFamily="50" charset="-127"/>
+                <a:ea typeface="KoPubWorld돋움체_Pro Bold" panose="00000800000000000000" pitchFamily="50" charset="-127"/>
+                <a:cs typeface="KoPubWorld돋움체_Pro Bold" panose="00000800000000000000" pitchFamily="50" charset="-127"/>
+              </a:rPr>
+              <a:t>MediaPipe</a:t>
+            </a:r>
+            <a:r>
+              <a:rPr lang="en-US" altLang="ko-KR" sz="1600" dirty="0">
                 <a:latin typeface="KoPubWorld돋움체_Pro Medium" panose="00000600000000000000" pitchFamily="50" charset="-127"/>
                 <a:ea typeface="KoPubWorld돋움체_Pro Medium" panose="00000600000000000000" pitchFamily="50" charset="-127"/>
                 <a:cs typeface="KoPubWorld돋움체_Pro Medium" panose="00000600000000000000" pitchFamily="50" charset="-127"/>
               </a:rPr>
-              <a:t>MediaPipe : </a:t>
+              <a:t> : </a:t>
             </a:r>
             <a:r>
               <a:rPr lang="ko-KR" altLang="en-US" sz="1600" dirty="0">
@@ -14009,12 +14085,36 @@
                 <a:ea typeface="KoPubWorld돋움체_Pro Medium" panose="00000600000000000000" pitchFamily="50" charset="-127"/>
                 <a:cs typeface="KoPubWorld돋움체_Pro Medium" panose="00000600000000000000" pitchFamily="50" charset="-127"/>
               </a:rPr>
-              <a:t>얼굴을 인식하여 학습하고 입력된 영상 분류</a:t>
+              <a:t>얼굴을 인식하여 </a:t>
+            </a:r>
+            <a:r>
+              <a:rPr lang="ko-KR" altLang="en-US" sz="1600" dirty="0">
+                <a:latin typeface="KoPubWorld돋움체_Pro Bold" panose="00000800000000000000" pitchFamily="50" charset="-127"/>
+                <a:ea typeface="KoPubWorld돋움체_Pro Bold" panose="00000800000000000000" pitchFamily="50" charset="-127"/>
+                <a:cs typeface="KoPubWorld돋움체_Pro Bold" panose="00000800000000000000" pitchFamily="50" charset="-127"/>
+              </a:rPr>
+              <a:t>학습</a:t>
+            </a:r>
+            <a:r>
+              <a:rPr lang="ko-KR" altLang="en-US" sz="1600" dirty="0">
+                <a:latin typeface="KoPubWorld돋움체_Pro Medium" panose="00000600000000000000" pitchFamily="50" charset="-127"/>
+                <a:ea typeface="KoPubWorld돋움체_Pro Medium" panose="00000600000000000000" pitchFamily="50" charset="-127"/>
+                <a:cs typeface="KoPubWorld돋움체_Pro Medium" panose="00000600000000000000" pitchFamily="50" charset="-127"/>
+              </a:rPr>
+              <a:t>하고 </a:t>
+            </a:r>
+            <a:r>
+              <a:rPr lang="ko-KR" altLang="en-US" sz="1600" dirty="0">
+                <a:latin typeface="KoPubWorld돋움체_Pro Bold" panose="00000800000000000000" pitchFamily="50" charset="-127"/>
+                <a:ea typeface="KoPubWorld돋움체_Pro Bold" panose="00000800000000000000" pitchFamily="50" charset="-127"/>
+                <a:cs typeface="KoPubWorld돋움체_Pro Bold" panose="00000800000000000000" pitchFamily="50" charset="-127"/>
+              </a:rPr>
+              <a:t>입력된 영상 분류</a:t>
             </a:r>
             <a:endParaRPr lang="en-US" altLang="ko-KR" sz="1600" dirty="0">
-              <a:latin typeface="KoPubWorld돋움체_Pro Medium" panose="00000600000000000000" pitchFamily="50" charset="-127"/>
-              <a:ea typeface="KoPubWorld돋움체_Pro Medium" panose="00000600000000000000" pitchFamily="50" charset="-127"/>
-              <a:cs typeface="KoPubWorld돋움체_Pro Medium" panose="00000600000000000000" pitchFamily="50" charset="-127"/>
+              <a:latin typeface="KoPubWorld돋움체_Pro Bold" panose="00000800000000000000" pitchFamily="50" charset="-127"/>
+              <a:ea typeface="KoPubWorld돋움체_Pro Bold" panose="00000800000000000000" pitchFamily="50" charset="-127"/>
+              <a:cs typeface="KoPubWorld돋움체_Pro Bold" panose="00000800000000000000" pitchFamily="50" charset="-127"/>
             </a:endParaRPr>
           </a:p>
           <a:p>
@@ -14026,12 +14126,28 @@
               <a:buChar char="l"/>
             </a:pPr>
             <a:r>
+              <a:rPr lang="en-US" altLang="ko-KR" sz="1600" dirty="0" err="1">
+                <a:latin typeface="KoPubWorld돋움체_Pro Bold" panose="00000800000000000000" pitchFamily="50" charset="-127"/>
+                <a:ea typeface="KoPubWorld돋움체_Pro Bold" panose="00000800000000000000" pitchFamily="50" charset="-127"/>
+                <a:cs typeface="KoPubWorld돋움체_Pro Bold" panose="00000800000000000000" pitchFamily="50" charset="-127"/>
+              </a:rPr>
+              <a:t>Openai</a:t>
+            </a:r>
+            <a:r>
+              <a:rPr lang="en-US" altLang="ko-KR" sz="1600" dirty="0">
+                <a:latin typeface="KoPubWorld돋움체_Pro Bold" panose="00000800000000000000" pitchFamily="50" charset="-127"/>
+                <a:ea typeface="KoPubWorld돋움체_Pro Bold" panose="00000800000000000000" pitchFamily="50" charset="-127"/>
+                <a:cs typeface="KoPubWorld돋움체_Pro Bold" panose="00000800000000000000" pitchFamily="50" charset="-127"/>
+              </a:rPr>
+              <a:t> </a:t>
+            </a:r>
+            <a:r>
               <a:rPr lang="en-US" altLang="ko-KR" sz="1600" dirty="0">
                 <a:latin typeface="KoPubWorld돋움체_Pro Medium" panose="00000600000000000000" pitchFamily="50" charset="-127"/>
                 <a:ea typeface="KoPubWorld돋움체_Pro Medium" panose="00000600000000000000" pitchFamily="50" charset="-127"/>
                 <a:cs typeface="KoPubWorld돋움체_Pro Medium" panose="00000600000000000000" pitchFamily="50" charset="-127"/>
               </a:rPr>
-              <a:t>Openai : </a:t>
+              <a:t>: </a:t>
             </a:r>
             <a:r>
               <a:rPr lang="ko-KR" altLang="en-US" sz="1600" dirty="0">
@@ -14039,12 +14155,20 @@
                 <a:ea typeface="KoPubWorld돋움체_Pro Medium" panose="00000600000000000000" pitchFamily="50" charset="-127"/>
                 <a:cs typeface="KoPubWorld돋움체_Pro Medium" panose="00000600000000000000" pitchFamily="50" charset="-127"/>
               </a:rPr>
-              <a:t>수어 인식결과를 자연스러운 문장으로 변환</a:t>
+              <a:t>수어 인식결과를 </a:t>
+            </a:r>
+            <a:r>
+              <a:rPr lang="ko-KR" altLang="en-US" sz="1600" dirty="0">
+                <a:latin typeface="KoPubWorld돋움체_Pro Bold" panose="00000800000000000000" pitchFamily="50" charset="-127"/>
+                <a:ea typeface="KoPubWorld돋움체_Pro Bold" panose="00000800000000000000" pitchFamily="50" charset="-127"/>
+                <a:cs typeface="KoPubWorld돋움체_Pro Bold" panose="00000800000000000000" pitchFamily="50" charset="-127"/>
+              </a:rPr>
+              <a:t>자연스러운 문장으로 변환</a:t>
             </a:r>
             <a:endParaRPr lang="en-US" altLang="ko-KR" sz="1600" dirty="0">
-              <a:latin typeface="KoPubWorld돋움체_Pro Medium" panose="00000600000000000000" pitchFamily="50" charset="-127"/>
-              <a:ea typeface="KoPubWorld돋움체_Pro Medium" panose="00000600000000000000" pitchFamily="50" charset="-127"/>
-              <a:cs typeface="KoPubWorld돋움체_Pro Medium" panose="00000600000000000000" pitchFamily="50" charset="-127"/>
+              <a:latin typeface="KoPubWorld돋움체_Pro Bold" panose="00000800000000000000" pitchFamily="50" charset="-127"/>
+              <a:ea typeface="KoPubWorld돋움체_Pro Bold" panose="00000800000000000000" pitchFamily="50" charset="-127"/>
+              <a:cs typeface="KoPubWorld돋움체_Pro Bold" panose="00000800000000000000" pitchFamily="50" charset="-127"/>
             </a:endParaRPr>
           </a:p>
           <a:p>
@@ -14057,11 +14181,27 @@
             </a:pPr>
             <a:r>
               <a:rPr lang="en-US" altLang="ko-KR" sz="1600" dirty="0">
+                <a:latin typeface="KoPubWorld돋움체_Pro Bold" panose="00000800000000000000" pitchFamily="50" charset="-127"/>
+                <a:ea typeface="KoPubWorld돋움체_Pro Bold" panose="00000800000000000000" pitchFamily="50" charset="-127"/>
+                <a:cs typeface="KoPubWorld돋움체_Pro Bold" panose="00000800000000000000" pitchFamily="50" charset="-127"/>
+              </a:rPr>
+              <a:t>Text-to-</a:t>
+            </a:r>
+            <a:r>
+              <a:rPr lang="en-US" altLang="ko-KR" sz="1600" dirty="0" err="1">
+                <a:latin typeface="KoPubWorld돋움체_Pro Bold" panose="00000800000000000000" pitchFamily="50" charset="-127"/>
+                <a:ea typeface="KoPubWorld돋움체_Pro Bold" panose="00000800000000000000" pitchFamily="50" charset="-127"/>
+                <a:cs typeface="KoPubWorld돋움체_Pro Bold" panose="00000800000000000000" pitchFamily="50" charset="-127"/>
+              </a:rPr>
+              <a:t>SpeachAPI</a:t>
+            </a:r>
+            <a:r>
+              <a:rPr lang="en-US" altLang="ko-KR" sz="1600" dirty="0">
                 <a:latin typeface="KoPubWorld돋움체_Pro Medium" panose="00000600000000000000" pitchFamily="50" charset="-127"/>
                 <a:ea typeface="KoPubWorld돋움체_Pro Medium" panose="00000600000000000000" pitchFamily="50" charset="-127"/>
                 <a:cs typeface="KoPubWorld돋움체_Pro Medium" panose="00000600000000000000" pitchFamily="50" charset="-127"/>
               </a:rPr>
-              <a:t>Text-to-SpeachAPI : </a:t>
+              <a:t> : </a:t>
             </a:r>
             <a:r>
               <a:rPr lang="ko-KR" altLang="en-US" sz="1600" dirty="0">
@@ -14069,12 +14209,20 @@
                 <a:ea typeface="KoPubWorld돋움체_Pro Medium" panose="00000600000000000000" pitchFamily="50" charset="-127"/>
                 <a:cs typeface="KoPubWorld돋움체_Pro Medium" panose="00000600000000000000" pitchFamily="50" charset="-127"/>
               </a:rPr>
-              <a:t>변환한 문장을 음성으로 출력</a:t>
+              <a:t>변환한 문장을 </a:t>
+            </a:r>
+            <a:r>
+              <a:rPr lang="ko-KR" altLang="en-US" sz="1600" dirty="0">
+                <a:latin typeface="KoPubWorld돋움체_Pro Bold" panose="00000800000000000000" pitchFamily="50" charset="-127"/>
+                <a:ea typeface="KoPubWorld돋움체_Pro Bold" panose="00000800000000000000" pitchFamily="50" charset="-127"/>
+                <a:cs typeface="KoPubWorld돋움체_Pro Bold" panose="00000800000000000000" pitchFamily="50" charset="-127"/>
+              </a:rPr>
+              <a:t>음성으로 출력</a:t>
             </a:r>
             <a:endParaRPr lang="en-US" altLang="ko-KR" sz="1600" dirty="0">
-              <a:latin typeface="KoPubWorld돋움체_Pro Medium" panose="00000600000000000000" pitchFamily="50" charset="-127"/>
-              <a:ea typeface="KoPubWorld돋움체_Pro Medium" panose="00000600000000000000" pitchFamily="50" charset="-127"/>
-              <a:cs typeface="KoPubWorld돋움체_Pro Medium" panose="00000600000000000000" pitchFamily="50" charset="-127"/>
+              <a:latin typeface="KoPubWorld돋움체_Pro Bold" panose="00000800000000000000" pitchFamily="50" charset="-127"/>
+              <a:ea typeface="KoPubWorld돋움체_Pro Bold" panose="00000800000000000000" pitchFamily="50" charset="-127"/>
+              <a:cs typeface="KoPubWorld돋움체_Pro Bold" panose="00000800000000000000" pitchFamily="50" charset="-127"/>
             </a:endParaRPr>
           </a:p>
         </p:txBody>
@@ -14116,11 +14264,19 @@
             </a:pPr>
             <a:r>
               <a:rPr lang="ko-KR" altLang="en-US" sz="1600" dirty="0">
+                <a:latin typeface="KoPubWorld돋움체_Pro Bold" panose="00000800000000000000" pitchFamily="50" charset="-127"/>
+                <a:ea typeface="KoPubWorld돋움체_Pro Bold" panose="00000800000000000000" pitchFamily="50" charset="-127"/>
+                <a:cs typeface="KoPubWorld돋움체_Pro Bold" panose="00000800000000000000" pitchFamily="50" charset="-127"/>
+              </a:rPr>
+              <a:t>한국 수어사전</a:t>
+            </a:r>
+            <a:r>
+              <a:rPr lang="ko-KR" altLang="en-US" sz="1600" dirty="0">
                 <a:latin typeface="KoPubWorld돋움체_Pro Medium" panose="00000600000000000000" pitchFamily="50" charset="-127"/>
                 <a:ea typeface="KoPubWorld돋움체_Pro Medium" panose="00000600000000000000" pitchFamily="50" charset="-127"/>
                 <a:cs typeface="KoPubWorld돋움체_Pro Medium" panose="00000600000000000000" pitchFamily="50" charset="-127"/>
               </a:rPr>
-              <a:t>한국 수어사전 </a:t>
+              <a:t> </a:t>
             </a:r>
             <a:r>
               <a:rPr lang="en-US" altLang="ko-KR" sz="1600" dirty="0">
@@ -14486,9 +14642,9 @@
             <a:p>
               <a:r>
                 <a:rPr lang="ko-KR" altLang="en-US" sz="1600" dirty="0">
-                  <a:latin typeface="KoPubWorld돋움체_Pro Medium" panose="00000600000000000000" pitchFamily="50" charset="-127"/>
-                  <a:ea typeface="KoPubWorld돋움체_Pro Medium" panose="00000600000000000000" pitchFamily="50" charset="-127"/>
-                  <a:cs typeface="KoPubWorld돋움체_Pro Medium" panose="00000600000000000000" pitchFamily="50" charset="-127"/>
+                  <a:latin typeface="KoPubWorld돋움체_Pro Bold" panose="00000800000000000000" pitchFamily="50" charset="-127"/>
+                  <a:ea typeface="KoPubWorld돋움체_Pro Bold" panose="00000800000000000000" pitchFamily="50" charset="-127"/>
+                  <a:cs typeface="KoPubWorld돋움체_Pro Bold" panose="00000800000000000000" pitchFamily="50" charset="-127"/>
                 </a:rPr>
                 <a:t>데이터 확보방안</a:t>
               </a:r>
@@ -14667,11 +14823,19 @@
               </a:pPr>
               <a:r>
                 <a:rPr lang="en-US" altLang="ko-KR" sz="1600" dirty="0">
+                  <a:latin typeface="KoPubWorld돋움체_Pro Bold" panose="00000800000000000000" pitchFamily="50" charset="-127"/>
+                  <a:ea typeface="KoPubWorld돋움체_Pro Bold" panose="00000800000000000000" pitchFamily="50" charset="-127"/>
+                  <a:cs typeface="KoPubWorld돋움체_Pro Bold" panose="00000800000000000000" pitchFamily="50" charset="-127"/>
+                </a:rPr>
+                <a:t>AI Hub</a:t>
+              </a:r>
+              <a:r>
+                <a:rPr lang="en-US" altLang="ko-KR" sz="1600" dirty="0">
                   <a:latin typeface="KoPubWorld돋움체_Pro Medium" panose="00000600000000000000" pitchFamily="50" charset="-127"/>
                   <a:ea typeface="KoPubWorld돋움체_Pro Medium" panose="00000600000000000000" pitchFamily="50" charset="-127"/>
                   <a:cs typeface="KoPubWorld돋움체_Pro Medium" panose="00000600000000000000" pitchFamily="50" charset="-127"/>
                 </a:rPr>
-                <a:t>AI Hub : </a:t>
+                <a:t> : </a:t>
               </a:r>
               <a:r>
                 <a:rPr lang="ko-KR" altLang="en-US" sz="1600" dirty="0">
@@ -15026,7 +15190,7 @@
         <p:spPr>
           <a:xfrm>
             <a:off x="1039383" y="419900"/>
-            <a:ext cx="2137124" cy="369332"/>
+            <a:ext cx="992579" cy="369332"/>
           </a:xfrm>
           <a:prstGeom prst="rect">
             <a:avLst/>
@@ -15046,22 +15210,6 @@
                 <a:cs typeface="KoPubWorld돋움체_Pro Medium" panose="00000600000000000000" pitchFamily="50" charset="-127"/>
               </a:rPr>
               <a:t>기대효과</a:t>
-            </a:r>
-            <a:r>
-              <a:rPr lang="en-US" altLang="ko-KR" dirty="0">
-                <a:latin typeface="KoPubWorld돋움체_Pro Medium" panose="00000600000000000000" pitchFamily="50" charset="-127"/>
-                <a:ea typeface="KoPubWorld돋움체_Pro Medium" panose="00000600000000000000" pitchFamily="50" charset="-127"/>
-                <a:cs typeface="KoPubWorld돋움체_Pro Medium" panose="00000600000000000000" pitchFamily="50" charset="-127"/>
-              </a:rPr>
-              <a:t> </a:t>
-            </a:r>
-            <a:r>
-              <a:rPr lang="ko-KR" altLang="en-US" dirty="0">
-                <a:latin typeface="KoPubWorld돋움체_Pro Medium" panose="00000600000000000000" pitchFamily="50" charset="-127"/>
-                <a:ea typeface="KoPubWorld돋움체_Pro Medium" panose="00000600000000000000" pitchFamily="50" charset="-127"/>
-                <a:cs typeface="KoPubWorld돋움체_Pro Medium" panose="00000600000000000000" pitchFamily="50" charset="-127"/>
-              </a:rPr>
-              <a:t>및 활용방안</a:t>
             </a:r>
           </a:p>
         </p:txBody>
@@ -15279,9 +15427,9 @@
           <a:p>
             <a:r>
               <a:rPr lang="ko-KR" altLang="en-US" sz="1600" dirty="0">
-                <a:latin typeface="KoPubWorld돋움체_Pro Medium" panose="00000600000000000000" pitchFamily="50" charset="-127"/>
-                <a:ea typeface="KoPubWorld돋움체_Pro Medium" panose="00000600000000000000" pitchFamily="50" charset="-127"/>
-                <a:cs typeface="KoPubWorld돋움체_Pro Medium" panose="00000600000000000000" pitchFamily="50" charset="-127"/>
+                <a:latin typeface="KoPubWorld돋움체_Pro Bold" panose="00000800000000000000" pitchFamily="50" charset="-127"/>
+                <a:ea typeface="KoPubWorld돋움체_Pro Bold" panose="00000800000000000000" pitchFamily="50" charset="-127"/>
+                <a:cs typeface="KoPubWorld돋움체_Pro Bold" panose="00000800000000000000" pitchFamily="50" charset="-127"/>
               </a:rPr>
               <a:t>실용적 효과</a:t>
             </a:r>
@@ -16079,9 +16227,9 @@
           <a:p>
             <a:r>
               <a:rPr lang="ko-KR" altLang="en-US" sz="1600" dirty="0">
-                <a:latin typeface="KoPubWorld돋움체_Pro Medium" panose="00000600000000000000" pitchFamily="50" charset="-127"/>
-                <a:ea typeface="KoPubWorld돋움체_Pro Medium" panose="00000600000000000000" pitchFamily="50" charset="-127"/>
-                <a:cs typeface="KoPubWorld돋움체_Pro Medium" panose="00000600000000000000" pitchFamily="50" charset="-127"/>
+                <a:latin typeface="KoPubWorld돋움체_Pro Bold" panose="00000800000000000000" pitchFamily="50" charset="-127"/>
+                <a:ea typeface="KoPubWorld돋움체_Pro Bold" panose="00000800000000000000" pitchFamily="50" charset="-127"/>
+                <a:cs typeface="KoPubWorld돋움체_Pro Bold" panose="00000800000000000000" pitchFamily="50" charset="-127"/>
               </a:rPr>
               <a:t>사회적 효과</a:t>
             </a:r>
@@ -16614,827 +16762,6 @@
           <a:chExt cx="0" cy="0"/>
         </a:xfrm>
       </p:grpSpPr>
-      <p:cxnSp>
-        <p:nvCxnSpPr>
-          <p:cNvPr id="8" name="직선 연결선 7">
-            <a:extLst>
-              <a:ext uri="{FF2B5EF4-FFF2-40B4-BE49-F238E27FC236}">
-                <a16:creationId xmlns:a16="http://schemas.microsoft.com/office/drawing/2014/main" id="{20D10229-C03C-2887-B745-8DAF5B257F7D}"/>
-              </a:ext>
-            </a:extLst>
-          </p:cNvPr>
-          <p:cNvCxnSpPr>
-            <a:cxnSpLocks/>
-            <a:stCxn id="19" idx="2"/>
-            <a:endCxn id="17" idx="1"/>
-          </p:cNvCxnSpPr>
-          <p:nvPr/>
-        </p:nvCxnSpPr>
-        <p:spPr>
-          <a:xfrm flipV="1">
-            <a:off x="2472350" y="2337490"/>
-            <a:ext cx="3237087" cy="2598366"/>
-          </a:xfrm>
-          <a:prstGeom prst="line">
-            <a:avLst/>
-          </a:prstGeom>
-          <a:ln w="381000" cap="rnd">
-            <a:solidFill>
-              <a:srgbClr val="48778E"/>
-            </a:solidFill>
-            <a:round/>
-          </a:ln>
-        </p:spPr>
-        <p:style>
-          <a:lnRef idx="1">
-            <a:schemeClr val="accent1"/>
-          </a:lnRef>
-          <a:fillRef idx="0">
-            <a:schemeClr val="accent1"/>
-          </a:fillRef>
-          <a:effectRef idx="0">
-            <a:schemeClr val="accent1"/>
-          </a:effectRef>
-          <a:fontRef idx="minor">
-            <a:schemeClr val="tx1"/>
-          </a:fontRef>
-        </p:style>
-      </p:cxnSp>
-      <p:cxnSp>
-        <p:nvCxnSpPr>
-          <p:cNvPr id="9" name="직선 연결선 8">
-            <a:extLst>
-              <a:ext uri="{FF2B5EF4-FFF2-40B4-BE49-F238E27FC236}">
-                <a16:creationId xmlns:a16="http://schemas.microsoft.com/office/drawing/2014/main" id="{1BE3960E-9A01-34AB-89D1-81582F063B96}"/>
-              </a:ext>
-            </a:extLst>
-          </p:cNvPr>
-          <p:cNvCxnSpPr>
-            <a:cxnSpLocks/>
-            <a:stCxn id="17" idx="3"/>
-            <a:endCxn id="22" idx="2"/>
-          </p:cNvCxnSpPr>
-          <p:nvPr/>
-        </p:nvCxnSpPr>
-        <p:spPr>
-          <a:xfrm>
-            <a:off x="6482560" y="2337490"/>
-            <a:ext cx="3237090" cy="2598366"/>
-          </a:xfrm>
-          <a:prstGeom prst="line">
-            <a:avLst/>
-          </a:prstGeom>
-          <a:ln w="381000" cap="rnd">
-            <a:solidFill>
-              <a:srgbClr val="48778E"/>
-            </a:solidFill>
-            <a:round/>
-          </a:ln>
-        </p:spPr>
-        <p:style>
-          <a:lnRef idx="1">
-            <a:schemeClr val="accent1"/>
-          </a:lnRef>
-          <a:fillRef idx="0">
-            <a:schemeClr val="accent1"/>
-          </a:fillRef>
-          <a:effectRef idx="0">
-            <a:schemeClr val="accent1"/>
-          </a:effectRef>
-          <a:fontRef idx="minor">
-            <a:schemeClr val="tx1"/>
-          </a:fontRef>
-        </p:style>
-      </p:cxnSp>
-      <p:cxnSp>
-        <p:nvCxnSpPr>
-          <p:cNvPr id="12" name="직선 연결선 11">
-            <a:extLst>
-              <a:ext uri="{FF2B5EF4-FFF2-40B4-BE49-F238E27FC236}">
-                <a16:creationId xmlns:a16="http://schemas.microsoft.com/office/drawing/2014/main" id="{2FD77AB4-D4AD-2CAA-20CC-3BDA65682D99}"/>
-              </a:ext>
-            </a:extLst>
-          </p:cNvPr>
-          <p:cNvCxnSpPr>
-            <a:cxnSpLocks/>
-            <a:stCxn id="5" idx="3"/>
-            <a:endCxn id="6" idx="1"/>
-          </p:cNvCxnSpPr>
-          <p:nvPr/>
-        </p:nvCxnSpPr>
-        <p:spPr>
-          <a:xfrm>
-            <a:off x="3854051" y="5041989"/>
-            <a:ext cx="4483900" cy="0"/>
-          </a:xfrm>
-          <a:prstGeom prst="line">
-            <a:avLst/>
-          </a:prstGeom>
-          <a:ln w="381000" cap="rnd">
-            <a:solidFill>
-              <a:srgbClr val="48778E"/>
-            </a:solidFill>
-            <a:round/>
-          </a:ln>
-        </p:spPr>
-        <p:style>
-          <a:lnRef idx="1">
-            <a:schemeClr val="accent1"/>
-          </a:lnRef>
-          <a:fillRef idx="0">
-            <a:schemeClr val="accent1"/>
-          </a:fillRef>
-          <a:effectRef idx="0">
-            <a:schemeClr val="accent1"/>
-          </a:effectRef>
-          <a:fontRef idx="minor">
-            <a:schemeClr val="tx1"/>
-          </a:fontRef>
-        </p:style>
-      </p:cxnSp>
-      <p:sp>
-        <p:nvSpPr>
-          <p:cNvPr id="4" name="TextBox 3">
-            <a:extLst>
-              <a:ext uri="{FF2B5EF4-FFF2-40B4-BE49-F238E27FC236}">
-                <a16:creationId xmlns:a16="http://schemas.microsoft.com/office/drawing/2014/main" id="{E75318D4-094D-0539-9AFD-50788DF57538}"/>
-              </a:ext>
-            </a:extLst>
-          </p:cNvPr>
-          <p:cNvSpPr txBox="1"/>
-          <p:nvPr/>
-        </p:nvSpPr>
-        <p:spPr>
-          <a:xfrm>
-            <a:off x="193878" y="150640"/>
-            <a:ext cx="968535" cy="769441"/>
-          </a:xfrm>
-          <a:prstGeom prst="rect">
-            <a:avLst/>
-          </a:prstGeom>
-          <a:noFill/>
-        </p:spPr>
-        <p:txBody>
-          <a:bodyPr wrap="none" rtlCol="0">
-            <a:spAutoFit/>
-          </a:bodyPr>
-          <a:lstStyle/>
-          <a:p>
-            <a:pPr algn="r"/>
-            <a:r>
-              <a:rPr lang="en-US" altLang="ko-KR" sz="4400" dirty="0">
-                <a:solidFill>
-                  <a:srgbClr val="48778E"/>
-                </a:solidFill>
-                <a:latin typeface="가나초콜릿" panose="020B0600000101010101" pitchFamily="34" charset="-127"/>
-                <a:ea typeface="가나초콜릿" panose="020B0600000101010101" pitchFamily="34" charset="-127"/>
-              </a:rPr>
-              <a:t>05</a:t>
-            </a:r>
-            <a:endParaRPr lang="ko-KR" altLang="en-US" sz="4400" dirty="0">
-              <a:solidFill>
-                <a:srgbClr val="48778E"/>
-              </a:solidFill>
-              <a:latin typeface="가나초콜릿" panose="020B0600000101010101" pitchFamily="34" charset="-127"/>
-              <a:ea typeface="가나초콜릿" panose="020B0600000101010101" pitchFamily="34" charset="-127"/>
-            </a:endParaRPr>
-          </a:p>
-        </p:txBody>
-      </p:sp>
-      <p:sp>
-        <p:nvSpPr>
-          <p:cNvPr id="2" name="직사각형 1">
-            <a:extLst>
-              <a:ext uri="{FF2B5EF4-FFF2-40B4-BE49-F238E27FC236}">
-                <a16:creationId xmlns:a16="http://schemas.microsoft.com/office/drawing/2014/main" id="{A191A642-74DF-6DCF-9744-DDD82E1B6BEE}"/>
-              </a:ext>
-            </a:extLst>
-          </p:cNvPr>
-          <p:cNvSpPr/>
-          <p:nvPr/>
-        </p:nvSpPr>
-        <p:spPr>
-          <a:xfrm>
-            <a:off x="426471" y="764814"/>
-            <a:ext cx="11765529" cy="45719"/>
-          </a:xfrm>
-          <a:prstGeom prst="rect">
-            <a:avLst/>
-          </a:prstGeom>
-          <a:solidFill>
-            <a:srgbClr val="48778E"/>
-          </a:solidFill>
-          <a:ln w="0" cap="flat">
-            <a:noFill/>
-            <a:prstDash val="solid"/>
-            <a:miter/>
-          </a:ln>
-        </p:spPr>
-        <p:style>
-          <a:lnRef idx="2">
-            <a:schemeClr val="accent1">
-              <a:shade val="15000"/>
-            </a:schemeClr>
-          </a:lnRef>
-          <a:fillRef idx="1">
-            <a:schemeClr val="accent1"/>
-          </a:fillRef>
-          <a:effectRef idx="0">
-            <a:schemeClr val="accent1"/>
-          </a:effectRef>
-          <a:fontRef idx="minor">
-            <a:schemeClr val="lt1"/>
-          </a:fontRef>
-        </p:style>
-        <p:txBody>
-          <a:bodyPr rtlCol="0" anchor="ctr"/>
-          <a:lstStyle/>
-          <a:p>
-            <a:pPr algn="ctr"/>
-            <a:endParaRPr lang="ko-KR" altLang="en-US" dirty="0"/>
-          </a:p>
-        </p:txBody>
-      </p:sp>
-      <p:sp>
-        <p:nvSpPr>
-          <p:cNvPr id="23" name="TextBox 22">
-            <a:extLst>
-              <a:ext uri="{FF2B5EF4-FFF2-40B4-BE49-F238E27FC236}">
-                <a16:creationId xmlns:a16="http://schemas.microsoft.com/office/drawing/2014/main" id="{85D28A39-1CA7-25B4-8C2F-5066788DDCBF}"/>
-              </a:ext>
-            </a:extLst>
-          </p:cNvPr>
-          <p:cNvSpPr txBox="1"/>
-          <p:nvPr/>
-        </p:nvSpPr>
-        <p:spPr>
-          <a:xfrm>
-            <a:off x="1039383" y="419900"/>
-            <a:ext cx="2137124" cy="369332"/>
-          </a:xfrm>
-          <a:prstGeom prst="rect">
-            <a:avLst/>
-          </a:prstGeom>
-          <a:noFill/>
-        </p:spPr>
-        <p:txBody>
-          <a:bodyPr wrap="none" rtlCol="0">
-            <a:spAutoFit/>
-          </a:bodyPr>
-          <a:lstStyle/>
-          <a:p>
-            <a:r>
-              <a:rPr lang="ko-KR" altLang="en-US" dirty="0">
-                <a:latin typeface="KoPubWorld돋움체_Pro Medium" panose="00000600000000000000" pitchFamily="50" charset="-127"/>
-                <a:ea typeface="KoPubWorld돋움체_Pro Medium" panose="00000600000000000000" pitchFamily="50" charset="-127"/>
-                <a:cs typeface="KoPubWorld돋움체_Pro Medium" panose="00000600000000000000" pitchFamily="50" charset="-127"/>
-              </a:rPr>
-              <a:t>기대효과</a:t>
-            </a:r>
-            <a:r>
-              <a:rPr lang="en-US" altLang="ko-KR" dirty="0">
-                <a:latin typeface="KoPubWorld돋움체_Pro Medium" panose="00000600000000000000" pitchFamily="50" charset="-127"/>
-                <a:ea typeface="KoPubWorld돋움체_Pro Medium" panose="00000600000000000000" pitchFamily="50" charset="-127"/>
-                <a:cs typeface="KoPubWorld돋움체_Pro Medium" panose="00000600000000000000" pitchFamily="50" charset="-127"/>
-              </a:rPr>
-              <a:t> </a:t>
-            </a:r>
-            <a:r>
-              <a:rPr lang="ko-KR" altLang="en-US" dirty="0">
-                <a:latin typeface="KoPubWorld돋움체_Pro Medium" panose="00000600000000000000" pitchFamily="50" charset="-127"/>
-                <a:ea typeface="KoPubWorld돋움체_Pro Medium" panose="00000600000000000000" pitchFamily="50" charset="-127"/>
-                <a:cs typeface="KoPubWorld돋움체_Pro Medium" panose="00000600000000000000" pitchFamily="50" charset="-127"/>
-              </a:rPr>
-              <a:t>및 활용방안</a:t>
-            </a:r>
-          </a:p>
-        </p:txBody>
-      </p:sp>
-      <p:sp>
-        <p:nvSpPr>
-          <p:cNvPr id="25" name="사각형: 둥근 모서리 24">
-            <a:extLst>
-              <a:ext uri="{FF2B5EF4-FFF2-40B4-BE49-F238E27FC236}">
-                <a16:creationId xmlns:a16="http://schemas.microsoft.com/office/drawing/2014/main" id="{A0AF1343-4188-4390-3BA4-8E52A99251BE}"/>
-              </a:ext>
-            </a:extLst>
-          </p:cNvPr>
-          <p:cNvSpPr/>
-          <p:nvPr/>
-        </p:nvSpPr>
-        <p:spPr>
-          <a:xfrm>
-            <a:off x="4714300" y="1799199"/>
-            <a:ext cx="2763399" cy="2102395"/>
-          </a:xfrm>
-          <a:prstGeom prst="roundRect">
-            <a:avLst>
-              <a:gd name="adj" fmla="val 13167"/>
-            </a:avLst>
-          </a:prstGeom>
-          <a:solidFill>
-            <a:schemeClr val="bg1"/>
-          </a:solidFill>
-          <a:ln>
-            <a:noFill/>
-          </a:ln>
-          <a:effectLst>
-            <a:outerShdw blurRad="63500" algn="ctr" rotWithShape="0">
-              <a:prstClr val="black">
-                <a:alpha val="40000"/>
-              </a:prstClr>
-            </a:outerShdw>
-          </a:effectLst>
-        </p:spPr>
-        <p:style>
-          <a:lnRef idx="2">
-            <a:schemeClr val="accent1">
-              <a:shade val="15000"/>
-            </a:schemeClr>
-          </a:lnRef>
-          <a:fillRef idx="1">
-            <a:schemeClr val="accent1"/>
-          </a:fillRef>
-          <a:effectRef idx="0">
-            <a:schemeClr val="accent1"/>
-          </a:effectRef>
-          <a:fontRef idx="minor">
-            <a:schemeClr val="lt1"/>
-          </a:fontRef>
-        </p:style>
-        <p:txBody>
-          <a:bodyPr rtlCol="0" anchor="ctr"/>
-          <a:lstStyle/>
-          <a:p>
-            <a:pPr algn="ctr"/>
-            <a:endParaRPr lang="ko-KR" altLang="en-US" dirty="0"/>
-          </a:p>
-        </p:txBody>
-      </p:sp>
-      <p:sp>
-        <p:nvSpPr>
-          <p:cNvPr id="38" name="사각형: 둥근 모서리 37">
-            <a:extLst>
-              <a:ext uri="{FF2B5EF4-FFF2-40B4-BE49-F238E27FC236}">
-                <a16:creationId xmlns:a16="http://schemas.microsoft.com/office/drawing/2014/main" id="{19A01049-9ABF-A1AC-5F32-923B6C2671FD}"/>
-              </a:ext>
-            </a:extLst>
-          </p:cNvPr>
-          <p:cNvSpPr/>
-          <p:nvPr/>
-        </p:nvSpPr>
-        <p:spPr>
-          <a:xfrm>
-            <a:off x="609600" y="1075166"/>
-            <a:ext cx="1541929" cy="392631"/>
-          </a:xfrm>
-          <a:prstGeom prst="roundRect">
-            <a:avLst>
-              <a:gd name="adj" fmla="val 50000"/>
-            </a:avLst>
-          </a:prstGeom>
-          <a:solidFill>
-            <a:srgbClr val="48778E"/>
-          </a:solidFill>
-          <a:ln w="0" cap="flat">
-            <a:noFill/>
-            <a:prstDash val="solid"/>
-            <a:miter/>
-          </a:ln>
-        </p:spPr>
-        <p:style>
-          <a:lnRef idx="2">
-            <a:schemeClr val="accent1">
-              <a:shade val="15000"/>
-            </a:schemeClr>
-          </a:lnRef>
-          <a:fillRef idx="1">
-            <a:schemeClr val="accent1"/>
-          </a:fillRef>
-          <a:effectRef idx="0">
-            <a:schemeClr val="accent1"/>
-          </a:effectRef>
-          <a:fontRef idx="minor">
-            <a:schemeClr val="lt1"/>
-          </a:fontRef>
-        </p:style>
-        <p:txBody>
-          <a:bodyPr lIns="0" tIns="72000" rIns="0" rtlCol="0" anchor="ctr"/>
-          <a:lstStyle/>
-          <a:p>
-            <a:pPr algn="ctr"/>
-            <a:r>
-              <a:rPr lang="ko-KR" altLang="en-US" dirty="0">
-                <a:solidFill>
-                  <a:schemeClr val="bg1"/>
-                </a:solidFill>
-                <a:latin typeface="KoPubWorld돋움체_Pro Medium" panose="00000600000000000000" pitchFamily="50" charset="-127"/>
-                <a:ea typeface="KoPubWorld돋움체_Pro Medium" panose="00000600000000000000" pitchFamily="50" charset="-127"/>
-                <a:cs typeface="KoPubWorld돋움체_Pro Medium" panose="00000600000000000000" pitchFamily="50" charset="-127"/>
-              </a:rPr>
-              <a:t>활용방안</a:t>
-            </a:r>
-          </a:p>
-        </p:txBody>
-      </p:sp>
-      <p:sp>
-        <p:nvSpPr>
-          <p:cNvPr id="5" name="사각형: 둥근 모서리 4">
-            <a:extLst>
-              <a:ext uri="{FF2B5EF4-FFF2-40B4-BE49-F238E27FC236}">
-                <a16:creationId xmlns:a16="http://schemas.microsoft.com/office/drawing/2014/main" id="{13117EDB-6591-0B44-1D6F-4B61C6F4F617}"/>
-              </a:ext>
-            </a:extLst>
-          </p:cNvPr>
-          <p:cNvSpPr/>
-          <p:nvPr/>
-        </p:nvSpPr>
-        <p:spPr>
-          <a:xfrm>
-            <a:off x="1090652" y="3990791"/>
-            <a:ext cx="2763399" cy="2102395"/>
-          </a:xfrm>
-          <a:prstGeom prst="roundRect">
-            <a:avLst>
-              <a:gd name="adj" fmla="val 13167"/>
-            </a:avLst>
-          </a:prstGeom>
-          <a:solidFill>
-            <a:schemeClr val="bg1"/>
-          </a:solidFill>
-          <a:ln>
-            <a:noFill/>
-          </a:ln>
-          <a:effectLst>
-            <a:outerShdw blurRad="63500" algn="ctr" rotWithShape="0">
-              <a:prstClr val="black">
-                <a:alpha val="40000"/>
-              </a:prstClr>
-            </a:outerShdw>
-          </a:effectLst>
-        </p:spPr>
-        <p:style>
-          <a:lnRef idx="2">
-            <a:schemeClr val="accent1">
-              <a:shade val="15000"/>
-            </a:schemeClr>
-          </a:lnRef>
-          <a:fillRef idx="1">
-            <a:schemeClr val="accent1"/>
-          </a:fillRef>
-          <a:effectRef idx="0">
-            <a:schemeClr val="accent1"/>
-          </a:effectRef>
-          <a:fontRef idx="minor">
-            <a:schemeClr val="lt1"/>
-          </a:fontRef>
-        </p:style>
-        <p:txBody>
-          <a:bodyPr rtlCol="0" anchor="ctr"/>
-          <a:lstStyle/>
-          <a:p>
-            <a:pPr algn="ctr"/>
-            <a:endParaRPr lang="ko-KR" altLang="en-US" dirty="0"/>
-          </a:p>
-        </p:txBody>
-      </p:sp>
-      <p:sp>
-        <p:nvSpPr>
-          <p:cNvPr id="6" name="사각형: 둥근 모서리 5">
-            <a:extLst>
-              <a:ext uri="{FF2B5EF4-FFF2-40B4-BE49-F238E27FC236}">
-                <a16:creationId xmlns:a16="http://schemas.microsoft.com/office/drawing/2014/main" id="{4DBAE5A0-4662-F34D-0C9E-4D574A2C0494}"/>
-              </a:ext>
-            </a:extLst>
-          </p:cNvPr>
-          <p:cNvSpPr/>
-          <p:nvPr/>
-        </p:nvSpPr>
-        <p:spPr>
-          <a:xfrm>
-            <a:off x="8337951" y="3990791"/>
-            <a:ext cx="2763399" cy="2102395"/>
-          </a:xfrm>
-          <a:prstGeom prst="roundRect">
-            <a:avLst>
-              <a:gd name="adj" fmla="val 13167"/>
-            </a:avLst>
-          </a:prstGeom>
-          <a:solidFill>
-            <a:schemeClr val="bg1"/>
-          </a:solidFill>
-          <a:ln>
-            <a:noFill/>
-          </a:ln>
-          <a:effectLst>
-            <a:outerShdw blurRad="63500" algn="ctr" rotWithShape="0">
-              <a:prstClr val="black">
-                <a:alpha val="40000"/>
-              </a:prstClr>
-            </a:outerShdw>
-          </a:effectLst>
-        </p:spPr>
-        <p:style>
-          <a:lnRef idx="2">
-            <a:schemeClr val="accent1">
-              <a:shade val="15000"/>
-            </a:schemeClr>
-          </a:lnRef>
-          <a:fillRef idx="1">
-            <a:schemeClr val="accent1"/>
-          </a:fillRef>
-          <a:effectRef idx="0">
-            <a:schemeClr val="accent1"/>
-          </a:effectRef>
-          <a:fontRef idx="minor">
-            <a:schemeClr val="lt1"/>
-          </a:fontRef>
-        </p:style>
-        <p:txBody>
-          <a:bodyPr rtlCol="0" anchor="ctr"/>
-          <a:lstStyle/>
-          <a:p>
-            <a:pPr algn="ctr"/>
-            <a:endParaRPr lang="ko-KR" altLang="en-US" dirty="0"/>
-          </a:p>
-        </p:txBody>
-      </p:sp>
-      <p:pic>
-        <p:nvPicPr>
-          <p:cNvPr id="17" name="그림 16" descr="스크린샷, 다채로움, 그래픽, 라인이(가) 표시된 사진&#10;&#10;자동 생성된 설명">
-            <a:extLst>
-              <a:ext uri="{FF2B5EF4-FFF2-40B4-BE49-F238E27FC236}">
-                <a16:creationId xmlns:a16="http://schemas.microsoft.com/office/drawing/2014/main" id="{6A162738-61C0-9B0B-AB14-105C25257F7D}"/>
-              </a:ext>
-            </a:extLst>
-          </p:cNvPr>
-          <p:cNvPicPr>
-            <a:picLocks noChangeAspect="1"/>
-          </p:cNvPicPr>
-          <p:nvPr/>
-        </p:nvPicPr>
-        <p:blipFill>
-          <a:blip r:embed="rId2">
-            <a:extLst>
-              <a:ext uri="{28A0092B-C50C-407E-A947-70E740481C1C}">
-                <a14:useLocalDpi xmlns:a14="http://schemas.microsoft.com/office/drawing/2010/main" val="0"/>
-              </a:ext>
-            </a:extLst>
-          </a:blip>
-          <a:stretch>
-            <a:fillRect/>
-          </a:stretch>
-        </p:blipFill>
-        <p:spPr>
-          <a:xfrm>
-            <a:off x="5709437" y="1950928"/>
-            <a:ext cx="773123" cy="773123"/>
-          </a:xfrm>
-          <a:prstGeom prst="rect">
-            <a:avLst/>
-          </a:prstGeom>
-        </p:spPr>
-      </p:pic>
-      <p:pic>
-        <p:nvPicPr>
-          <p:cNvPr id="19" name="그림 18" descr="원, 스크린샷, 그래픽, 다채로움이(가) 표시된 사진&#10;&#10;자동 생성된 설명">
-            <a:extLst>
-              <a:ext uri="{FF2B5EF4-FFF2-40B4-BE49-F238E27FC236}">
-                <a16:creationId xmlns:a16="http://schemas.microsoft.com/office/drawing/2014/main" id="{80B562DE-9F7B-030A-8687-C4AE6849F21B}"/>
-              </a:ext>
-            </a:extLst>
-          </p:cNvPr>
-          <p:cNvPicPr>
-            <a:picLocks noChangeAspect="1"/>
-          </p:cNvPicPr>
-          <p:nvPr/>
-        </p:nvPicPr>
-        <p:blipFill>
-          <a:blip r:embed="rId3">
-            <a:extLst>
-              <a:ext uri="{28A0092B-C50C-407E-A947-70E740481C1C}">
-                <a14:useLocalDpi xmlns:a14="http://schemas.microsoft.com/office/drawing/2010/main" val="0"/>
-              </a:ext>
-            </a:extLst>
-          </a:blip>
-          <a:stretch>
-            <a:fillRect/>
-          </a:stretch>
-        </p:blipFill>
-        <p:spPr>
-          <a:xfrm>
-            <a:off x="2085787" y="4162730"/>
-            <a:ext cx="773126" cy="773126"/>
-          </a:xfrm>
-          <a:prstGeom prst="rect">
-            <a:avLst/>
-          </a:prstGeom>
-        </p:spPr>
-      </p:pic>
-      <p:pic>
-        <p:nvPicPr>
-          <p:cNvPr id="22" name="그림 21" descr="클립아트, 만화 영화이(가) 표시된 사진&#10;&#10;자동 생성된 설명">
-            <a:extLst>
-              <a:ext uri="{FF2B5EF4-FFF2-40B4-BE49-F238E27FC236}">
-                <a16:creationId xmlns:a16="http://schemas.microsoft.com/office/drawing/2014/main" id="{2F977527-708B-DB53-205B-7194AF1300D9}"/>
-              </a:ext>
-            </a:extLst>
-          </p:cNvPr>
-          <p:cNvPicPr>
-            <a:picLocks noChangeAspect="1"/>
-          </p:cNvPicPr>
-          <p:nvPr/>
-        </p:nvPicPr>
-        <p:blipFill>
-          <a:blip r:embed="rId4">
-            <a:extLst>
-              <a:ext uri="{28A0092B-C50C-407E-A947-70E740481C1C}">
-                <a14:useLocalDpi xmlns:a14="http://schemas.microsoft.com/office/drawing/2010/main" val="0"/>
-              </a:ext>
-            </a:extLst>
-          </a:blip>
-          <a:stretch>
-            <a:fillRect/>
-          </a:stretch>
-        </p:blipFill>
-        <p:spPr>
-          <a:xfrm>
-            <a:off x="9333087" y="4162730"/>
-            <a:ext cx="773126" cy="773126"/>
-          </a:xfrm>
-          <a:prstGeom prst="rect">
-            <a:avLst/>
-          </a:prstGeom>
-        </p:spPr>
-      </p:pic>
-      <p:sp>
-        <p:nvSpPr>
-          <p:cNvPr id="24" name="TextBox 23">
-            <a:extLst>
-              <a:ext uri="{FF2B5EF4-FFF2-40B4-BE49-F238E27FC236}">
-                <a16:creationId xmlns:a16="http://schemas.microsoft.com/office/drawing/2014/main" id="{7F018FDC-A5C1-0C38-20FA-A0C662B5E746}"/>
-              </a:ext>
-            </a:extLst>
-          </p:cNvPr>
-          <p:cNvSpPr txBox="1"/>
-          <p:nvPr/>
-        </p:nvSpPr>
-        <p:spPr>
-          <a:xfrm>
-            <a:off x="4840633" y="2751566"/>
-            <a:ext cx="2510734" cy="830997"/>
-          </a:xfrm>
-          <a:prstGeom prst="rect">
-            <a:avLst/>
-          </a:prstGeom>
-          <a:noFill/>
-        </p:spPr>
-        <p:txBody>
-          <a:bodyPr wrap="square" rtlCol="0">
-            <a:spAutoFit/>
-          </a:bodyPr>
-          <a:lstStyle/>
-          <a:p>
-            <a:pPr marR="0" indent="-127000" fontAlgn="base">
-              <a:spcBef>
-                <a:spcPts val="0"/>
-              </a:spcBef>
-              <a:spcAft>
-                <a:spcPts val="0"/>
-              </a:spcAft>
-              <a:buClr>
-                <a:srgbClr val="48778E"/>
-              </a:buClr>
-            </a:pPr>
-            <a:r>
-              <a:rPr lang="ko-KR" altLang="en-US" sz="1600" dirty="0">
-                <a:latin typeface="KoPubWorld돋움체_Pro Medium" panose="00000600000000000000" pitchFamily="50" charset="-127"/>
-                <a:ea typeface="KoPubWorld돋움체_Pro Medium" panose="00000600000000000000" pitchFamily="50" charset="-127"/>
-                <a:cs typeface="KoPubWorld돋움체_Pro Medium" panose="00000600000000000000" pitchFamily="50" charset="-127"/>
-              </a:rPr>
-              <a:t>농인의 좀 더 원활한 교통수단 이용을 위해 수어번역기 활용</a:t>
-            </a:r>
-          </a:p>
-        </p:txBody>
-      </p:sp>
-      <p:sp>
-        <p:nvSpPr>
-          <p:cNvPr id="29" name="TextBox 28">
-            <a:extLst>
-              <a:ext uri="{FF2B5EF4-FFF2-40B4-BE49-F238E27FC236}">
-                <a16:creationId xmlns:a16="http://schemas.microsoft.com/office/drawing/2014/main" id="{831F74CE-DD09-8346-175A-35B931F272C4}"/>
-              </a:ext>
-            </a:extLst>
-          </p:cNvPr>
-          <p:cNvSpPr txBox="1"/>
-          <p:nvPr/>
-        </p:nvSpPr>
-        <p:spPr>
-          <a:xfrm>
-            <a:off x="1216985" y="4975912"/>
-            <a:ext cx="2510734" cy="584775"/>
-          </a:xfrm>
-          <a:prstGeom prst="rect">
-            <a:avLst/>
-          </a:prstGeom>
-          <a:noFill/>
-        </p:spPr>
-        <p:txBody>
-          <a:bodyPr wrap="square" rtlCol="0">
-            <a:spAutoFit/>
-          </a:bodyPr>
-          <a:lstStyle/>
-          <a:p>
-            <a:pPr indent="-127000" fontAlgn="base">
-              <a:buClr>
-                <a:srgbClr val="48778E"/>
-              </a:buClr>
-            </a:pPr>
-            <a:r>
-              <a:rPr lang="ko-KR" altLang="en-US" sz="1600" dirty="0">
-                <a:latin typeface="KoPubWorld돋움체_Pro Medium" panose="00000600000000000000" pitchFamily="50" charset="-127"/>
-                <a:ea typeface="KoPubWorld돋움체_Pro Medium" panose="00000600000000000000" pitchFamily="50" charset="-127"/>
-                <a:cs typeface="KoPubWorld돋움체_Pro Medium" panose="00000600000000000000" pitchFamily="50" charset="-127"/>
-              </a:rPr>
-              <a:t>수어를 모르는 사람들도 수어 사전을 활용하여 수어 학습</a:t>
-            </a:r>
-          </a:p>
-        </p:txBody>
-      </p:sp>
-      <p:sp>
-        <p:nvSpPr>
-          <p:cNvPr id="30" name="TextBox 29">
-            <a:extLst>
-              <a:ext uri="{FF2B5EF4-FFF2-40B4-BE49-F238E27FC236}">
-                <a16:creationId xmlns:a16="http://schemas.microsoft.com/office/drawing/2014/main" id="{74F5F785-A677-C3AE-AE19-1134BF324BCF}"/>
-              </a:ext>
-            </a:extLst>
-          </p:cNvPr>
-          <p:cNvSpPr txBox="1"/>
-          <p:nvPr/>
-        </p:nvSpPr>
-        <p:spPr>
-          <a:xfrm>
-            <a:off x="8464281" y="4975912"/>
-            <a:ext cx="2510734" cy="830997"/>
-          </a:xfrm>
-          <a:prstGeom prst="rect">
-            <a:avLst/>
-          </a:prstGeom>
-          <a:noFill/>
-        </p:spPr>
-        <p:txBody>
-          <a:bodyPr wrap="square" rtlCol="0">
-            <a:spAutoFit/>
-          </a:bodyPr>
-          <a:lstStyle/>
-          <a:p>
-            <a:pPr indent="-127000" fontAlgn="base">
-              <a:buClr>
-                <a:srgbClr val="48778E"/>
-              </a:buClr>
-            </a:pPr>
-            <a:r>
-              <a:rPr lang="ko-KR" altLang="en-US" sz="1600" dirty="0">
-                <a:latin typeface="KoPubWorld돋움체_Pro Medium" panose="00000600000000000000" pitchFamily="50" charset="-127"/>
-                <a:ea typeface="KoPubWorld돋움체_Pro Medium" panose="00000600000000000000" pitchFamily="50" charset="-127"/>
-                <a:cs typeface="KoPubWorld돋움체_Pro Medium" panose="00000600000000000000" pitchFamily="50" charset="-127"/>
-              </a:rPr>
-              <a:t>농인과 의사소통이 필요한 경우 수어번역기와 수어 사전을 동시에 활용</a:t>
-            </a:r>
-          </a:p>
-        </p:txBody>
-      </p:sp>
-    </p:spTree>
-    <p:extLst>
-      <p:ext uri="{BB962C8B-B14F-4D97-AF65-F5344CB8AC3E}">
-        <p14:creationId xmlns:p14="http://schemas.microsoft.com/office/powerpoint/2010/main" val="163590417"/>
-      </p:ext>
-    </p:extLst>
-  </p:cSld>
-  <p:clrMapOvr>
-    <a:masterClrMapping/>
-  </p:clrMapOvr>
-</p:sld>
-</file>
-
-<file path=ppt/slides/slide14.xml><?xml version="1.0" encoding="utf-8"?>
-<p:sld xmlns:a="http://schemas.openxmlformats.org/drawingml/2006/main" xmlns:r="http://schemas.openxmlformats.org/officeDocument/2006/relationships" xmlns:p="http://schemas.openxmlformats.org/presentationml/2006/main">
-  <p:cSld>
-    <p:spTree>
-      <p:nvGrpSpPr>
-        <p:cNvPr id="1" name=""/>
-        <p:cNvGrpSpPr/>
-        <p:nvPr/>
-      </p:nvGrpSpPr>
-      <p:grpSpPr>
-        <a:xfrm>
-          <a:off x="0" y="0"/>
-          <a:ext cx="0" cy="0"/>
-          <a:chOff x="0" y="0"/>
-          <a:chExt cx="0" cy="0"/>
-        </a:xfrm>
-      </p:grpSpPr>
       <p:pic>
         <p:nvPicPr>
           <p:cNvPr id="9" name="그래픽 8">
@@ -17868,8 +17195,8 @@
         </p:nvSpPr>
         <p:spPr>
           <a:xfrm>
-            <a:off x="5958797" y="1664876"/>
-            <a:ext cx="764953" cy="707886"/>
+            <a:off x="5862647" y="1664876"/>
+            <a:ext cx="559769" cy="707886"/>
           </a:xfrm>
           <a:prstGeom prst="rect">
             <a:avLst/>
@@ -17892,7 +17219,7 @@
                 <a:ea typeface="가나초콜릿" panose="020B0600000101010101" pitchFamily="34" charset="-127"/>
                 <a:cs typeface="KoPubWorld돋움체_Pro Medium" panose="00000600000000000000" pitchFamily="50" charset="-127"/>
               </a:rPr>
-              <a:t>01</a:t>
+              <a:t>0</a:t>
             </a:r>
             <a:endParaRPr lang="ko-KR" altLang="en-US" sz="4000" dirty="0">
               <a:solidFill>
@@ -18199,7 +17526,7 @@
         <p:spPr>
           <a:xfrm>
             <a:off x="6856800" y="4823792"/>
-            <a:ext cx="2137124" cy="369332"/>
+            <a:ext cx="992579" cy="369332"/>
           </a:xfrm>
           <a:prstGeom prst="rect">
             <a:avLst/>
@@ -18221,7 +17548,7 @@
                 <a:ea typeface="KoPubWorld돋움체_Pro Medium" panose="00000600000000000000" pitchFamily="50" charset="-127"/>
                 <a:cs typeface="KoPubWorld돋움체_Pro Medium" panose="00000600000000000000" pitchFamily="50" charset="-127"/>
               </a:rPr>
-              <a:t>기대효과 및 활용방안</a:t>
+              <a:t>기대효과</a:t>
             </a:r>
           </a:p>
         </p:txBody>
@@ -18265,6 +17592,57 @@
                 <a:cs typeface="KoPubWorld돋움체_Pro Medium" panose="00000600000000000000" pitchFamily="50" charset="-127"/>
               </a:rPr>
               <a:t>05</a:t>
+            </a:r>
+            <a:endParaRPr lang="ko-KR" altLang="en-US" sz="4000" dirty="0">
+              <a:solidFill>
+                <a:schemeClr val="bg1"/>
+              </a:solidFill>
+              <a:latin typeface="가나초콜릿" panose="020B0600000101010101" pitchFamily="34" charset="-127"/>
+              <a:ea typeface="가나초콜릿" panose="020B0600000101010101" pitchFamily="34" charset="-127"/>
+              <a:cs typeface="KoPubWorld돋움체_Pro Medium" panose="00000600000000000000" pitchFamily="50" charset="-127"/>
+            </a:endParaRPr>
+          </a:p>
+        </p:txBody>
+      </p:sp>
+      <p:sp>
+        <p:nvSpPr>
+          <p:cNvPr id="2" name="TextBox 1">
+            <a:extLst>
+              <a:ext uri="{FF2B5EF4-FFF2-40B4-BE49-F238E27FC236}">
+                <a16:creationId xmlns:a16="http://schemas.microsoft.com/office/drawing/2014/main" id="{438D33D2-9F33-45FE-15B2-127948A127D7}"/>
+              </a:ext>
+            </a:extLst>
+          </p:cNvPr>
+          <p:cNvSpPr txBox="1"/>
+          <p:nvPr/>
+        </p:nvSpPr>
+        <p:spPr>
+          <a:xfrm>
+            <a:off x="6360526" y="1664876"/>
+            <a:ext cx="389850" cy="707886"/>
+          </a:xfrm>
+          <a:prstGeom prst="rect">
+            <a:avLst/>
+          </a:prstGeom>
+          <a:noFill/>
+        </p:spPr>
+        <p:txBody>
+          <a:bodyPr wrap="none" rtlCol="0">
+            <a:spAutoFit/>
+          </a:bodyPr>
+          <a:lstStyle/>
+          <a:p>
+            <a:pPr algn="r"/>
+            <a:r>
+              <a:rPr lang="en-US" altLang="ko-KR" sz="4000" dirty="0">
+                <a:solidFill>
+                  <a:schemeClr val="bg1"/>
+                </a:solidFill>
+                <a:latin typeface="가나초콜릿" panose="020B0600000101010101" pitchFamily="34" charset="-127"/>
+                <a:ea typeface="가나초콜릿" panose="020B0600000101010101" pitchFamily="34" charset="-127"/>
+                <a:cs typeface="KoPubWorld돋움체_Pro Medium" panose="00000600000000000000" pitchFamily="50" charset="-127"/>
+              </a:rPr>
+              <a:t>1</a:t>
             </a:r>
             <a:endParaRPr lang="ko-KR" altLang="en-US" sz="4000" dirty="0">
               <a:solidFill>
@@ -18540,9 +17918,9 @@
           <a:p>
             <a:r>
               <a:rPr lang="ko-KR" altLang="en-US" sz="1600" dirty="0">
-                <a:latin typeface="KoPubWorld돋움체_Pro Medium" panose="00000600000000000000" pitchFamily="50" charset="-127"/>
-                <a:ea typeface="KoPubWorld돋움체_Pro Medium" panose="00000600000000000000" pitchFamily="50" charset="-127"/>
-                <a:cs typeface="KoPubWorld돋움체_Pro Medium" panose="00000600000000000000" pitchFamily="50" charset="-127"/>
+                <a:latin typeface="KoPubWorld돋움체_Pro Bold" panose="00000800000000000000" pitchFamily="50" charset="-127"/>
+                <a:ea typeface="KoPubWorld돋움체_Pro Bold" panose="00000800000000000000" pitchFamily="50" charset="-127"/>
+                <a:cs typeface="KoPubWorld돋움체_Pro Bold" panose="00000800000000000000" pitchFamily="50" charset="-127"/>
               </a:rPr>
               <a:t>청각장애인의 수 증가</a:t>
             </a:r>
@@ -18699,7 +18077,7 @@
         <p:spPr>
           <a:xfrm>
             <a:off x="1028490" y="1969869"/>
-            <a:ext cx="10286790" cy="338554"/>
+            <a:ext cx="8675773" cy="338554"/>
           </a:xfrm>
           <a:prstGeom prst="rect">
             <a:avLst/>
@@ -18733,15 +18111,31 @@
                 <a:ea typeface="KoPubWorld돋움체_Pro Medium" panose="00000600000000000000" pitchFamily="50" charset="-127"/>
                 <a:cs typeface="KoPubWorld돋움체_Pro Medium" panose="00000600000000000000" pitchFamily="50" charset="-127"/>
               </a:rPr>
-              <a:t>년 기준 국내 청각장애인의 수는 약 </a:t>
+              <a:t>년 기준 국내 </a:t>
+            </a:r>
+            <a:r>
+              <a:rPr lang="ko-KR" altLang="en-US" sz="1600" dirty="0">
+                <a:latin typeface="KoPubWorld돋움체_Pro Bold" panose="00000800000000000000" pitchFamily="50" charset="-127"/>
+                <a:ea typeface="KoPubWorld돋움체_Pro Bold" panose="00000800000000000000" pitchFamily="50" charset="-127"/>
+                <a:cs typeface="KoPubWorld돋움체_Pro Bold" panose="00000800000000000000" pitchFamily="50" charset="-127"/>
+              </a:rPr>
+              <a:t>청각장애인의 수는 약 </a:t>
             </a:r>
             <a:r>
               <a:rPr lang="en-US" altLang="ko-KR" sz="1600" dirty="0">
-                <a:latin typeface="KoPubWorld돋움체_Pro Medium" panose="00000600000000000000" pitchFamily="50" charset="-127"/>
-                <a:ea typeface="KoPubWorld돋움체_Pro Medium" panose="00000600000000000000" pitchFamily="50" charset="-127"/>
-                <a:cs typeface="KoPubWorld돋움체_Pro Medium" panose="00000600000000000000" pitchFamily="50" charset="-127"/>
+                <a:latin typeface="KoPubWorld돋움체_Pro Bold" panose="00000800000000000000" pitchFamily="50" charset="-127"/>
+                <a:ea typeface="KoPubWorld돋움체_Pro Bold" panose="00000800000000000000" pitchFamily="50" charset="-127"/>
+                <a:cs typeface="KoPubWorld돋움체_Pro Bold" panose="00000800000000000000" pitchFamily="50" charset="-127"/>
               </a:rPr>
               <a:t>42</a:t>
+            </a:r>
+            <a:r>
+              <a:rPr lang="ko-KR" altLang="en-US" sz="1600" dirty="0">
+                <a:latin typeface="KoPubWorld돋움체_Pro Bold" panose="00000800000000000000" pitchFamily="50" charset="-127"/>
+                <a:ea typeface="KoPubWorld돋움체_Pro Bold" panose="00000800000000000000" pitchFamily="50" charset="-127"/>
+                <a:cs typeface="KoPubWorld돋움체_Pro Bold" panose="00000800000000000000" pitchFamily="50" charset="-127"/>
+              </a:rPr>
+              <a:t>만명</a:t>
             </a:r>
             <a:r>
               <a:rPr lang="ko-KR" altLang="en-US" sz="1600" dirty="0">
@@ -18749,15 +18143,15 @@
                 <a:ea typeface="KoPubWorld돋움체_Pro Medium" panose="00000600000000000000" pitchFamily="50" charset="-127"/>
                 <a:cs typeface="KoPubWorld돋움체_Pro Medium" panose="00000600000000000000" pitchFamily="50" charset="-127"/>
               </a:rPr>
-              <a:t>만명으로 집계됨</a:t>
-            </a:r>
-            <a:r>
-              <a:rPr lang="en-US" altLang="ko-KR" sz="1600" dirty="0">
-                <a:latin typeface="KoPubWorld돋움체_Pro Medium" panose="00000600000000000000" pitchFamily="50" charset="-127"/>
-                <a:ea typeface="KoPubWorld돋움체_Pro Medium" panose="00000600000000000000" pitchFamily="50" charset="-127"/>
-                <a:cs typeface="KoPubWorld돋움체_Pro Medium" panose="00000600000000000000" pitchFamily="50" charset="-127"/>
-              </a:rPr>
-              <a:t>. </a:t>
+              <a:t>으로 전체 등록 장애인 중 </a:t>
+            </a:r>
+            <a:r>
+              <a:rPr lang="ko-KR" altLang="en-US" sz="1600" dirty="0">
+                <a:latin typeface="KoPubWorld돋움체_Pro Bold" panose="00000800000000000000" pitchFamily="50" charset="-127"/>
+                <a:ea typeface="KoPubWorld돋움체_Pro Bold" panose="00000800000000000000" pitchFamily="50" charset="-127"/>
+                <a:cs typeface="KoPubWorld돋움체_Pro Bold" panose="00000800000000000000" pitchFamily="50" charset="-127"/>
+              </a:rPr>
+              <a:t>두 번째</a:t>
             </a:r>
             <a:r>
               <a:rPr lang="ko-KR" altLang="en-US" sz="1600" dirty="0">
@@ -18765,7 +18159,7 @@
                 <a:ea typeface="KoPubWorld돋움체_Pro Medium" panose="00000600000000000000" pitchFamily="50" charset="-127"/>
                 <a:cs typeface="KoPubWorld돋움체_Pro Medium" panose="00000600000000000000" pitchFamily="50" charset="-127"/>
               </a:rPr>
-              <a:t>전체 등록 장애인 중 두 번째로 많은 수를 차지하고 있음</a:t>
+              <a:t>로 많은 수로 집계됨</a:t>
             </a:r>
           </a:p>
         </p:txBody>
@@ -18866,7 +18260,7 @@
         <p:spPr>
           <a:xfrm>
             <a:off x="1028491" y="4782141"/>
-            <a:ext cx="10286790" cy="1323439"/>
+            <a:ext cx="10286790" cy="1077218"/>
           </a:xfrm>
           <a:prstGeom prst="rect">
             <a:avLst/>
@@ -18892,7 +18286,63 @@
                 <a:ea typeface="KoPubWorld돋움체_Pro Medium" panose="00000600000000000000" pitchFamily="50" charset="-127"/>
                 <a:cs typeface="KoPubWorld돋움체_Pro Medium" panose="00000600000000000000" pitchFamily="50" charset="-127"/>
               </a:rPr>
-              <a:t>청각장애인 중 수화언어</a:t>
+              <a:t>청각장애인 중 </a:t>
+            </a:r>
+            <a:r>
+              <a:rPr lang="ko-KR" altLang="en-US" sz="1600" dirty="0">
+                <a:latin typeface="KoPubWorld돋움체_Pro Bold" panose="00000800000000000000" pitchFamily="50" charset="-127"/>
+                <a:ea typeface="KoPubWorld돋움체_Pro Bold" panose="00000800000000000000" pitchFamily="50" charset="-127"/>
+                <a:cs typeface="KoPubWorld돋움체_Pro Bold" panose="00000800000000000000" pitchFamily="50" charset="-127"/>
+              </a:rPr>
+              <a:t>수화언어</a:t>
+            </a:r>
+            <a:r>
+              <a:rPr lang="en-US" altLang="ko-KR" sz="1600" dirty="0">
+                <a:latin typeface="KoPubWorld돋움체_Pro Bold" panose="00000800000000000000" pitchFamily="50" charset="-127"/>
+                <a:ea typeface="KoPubWorld돋움체_Pro Bold" panose="00000800000000000000" pitchFamily="50" charset="-127"/>
+                <a:cs typeface="KoPubWorld돋움체_Pro Bold" panose="00000800000000000000" pitchFamily="50" charset="-127"/>
+              </a:rPr>
+              <a:t>(</a:t>
+            </a:r>
+            <a:r>
+              <a:rPr lang="ko-KR" altLang="en-US" sz="1600" dirty="0">
+                <a:latin typeface="KoPubWorld돋움체_Pro Bold" panose="00000800000000000000" pitchFamily="50" charset="-127"/>
+                <a:ea typeface="KoPubWorld돋움체_Pro Bold" panose="00000800000000000000" pitchFamily="50" charset="-127"/>
+                <a:cs typeface="KoPubWorld돋움체_Pro Bold" panose="00000800000000000000" pitchFamily="50" charset="-127"/>
+              </a:rPr>
+              <a:t>이하 </a:t>
+            </a:r>
+            <a:r>
+              <a:rPr lang="ko-KR" altLang="en-US" sz="1600" dirty="0" err="1">
+                <a:latin typeface="KoPubWorld돋움체_Pro Bold" panose="00000800000000000000" pitchFamily="50" charset="-127"/>
+                <a:ea typeface="KoPubWorld돋움체_Pro Bold" panose="00000800000000000000" pitchFamily="50" charset="-127"/>
+                <a:cs typeface="KoPubWorld돋움체_Pro Bold" panose="00000800000000000000" pitchFamily="50" charset="-127"/>
+              </a:rPr>
+              <a:t>수어</a:t>
+            </a:r>
+            <a:r>
+              <a:rPr lang="en-US" altLang="ko-KR" sz="1600" dirty="0">
+                <a:latin typeface="KoPubWorld돋움체_Pro Bold" panose="00000800000000000000" pitchFamily="50" charset="-127"/>
+                <a:ea typeface="KoPubWorld돋움체_Pro Bold" panose="00000800000000000000" pitchFamily="50" charset="-127"/>
+                <a:cs typeface="KoPubWorld돋움체_Pro Bold" panose="00000800000000000000" pitchFamily="50" charset="-127"/>
+              </a:rPr>
+              <a:t>)</a:t>
+            </a:r>
+            <a:r>
+              <a:rPr lang="ko-KR" altLang="en-US" sz="1600" dirty="0">
+                <a:latin typeface="KoPubWorld돋움체_Pro Bold" panose="00000800000000000000" pitchFamily="50" charset="-127"/>
+                <a:ea typeface="KoPubWorld돋움체_Pro Bold" panose="00000800000000000000" pitchFamily="50" charset="-127"/>
+                <a:cs typeface="KoPubWorld돋움체_Pro Bold" panose="00000800000000000000" pitchFamily="50" charset="-127"/>
+              </a:rPr>
+              <a:t>를 사용하는 이들을 농인</a:t>
+            </a:r>
+            <a:r>
+              <a:rPr lang="ko-KR" altLang="en-US" sz="1600" dirty="0">
+                <a:latin typeface="KoPubWorld돋움체_Pro Medium" panose="00000600000000000000" pitchFamily="50" charset="-127"/>
+                <a:ea typeface="KoPubWorld돋움체_Pro Medium" panose="00000600000000000000" pitchFamily="50" charset="-127"/>
+                <a:cs typeface="KoPubWorld돋움체_Pro Medium" panose="00000600000000000000" pitchFamily="50" charset="-127"/>
+              </a:rPr>
+              <a:t>이라고 칭함</a:t>
             </a:r>
             <a:r>
               <a:rPr lang="en-US" altLang="ko-KR" sz="1600" dirty="0">
@@ -18900,7 +18350,7 @@
                 <a:ea typeface="KoPubWorld돋움체_Pro Medium" panose="00000600000000000000" pitchFamily="50" charset="-127"/>
                 <a:cs typeface="KoPubWorld돋움체_Pro Medium" panose="00000600000000000000" pitchFamily="50" charset="-127"/>
               </a:rPr>
-              <a:t>(</a:t>
+              <a:t>. </a:t>
             </a:r>
             <a:r>
               <a:rPr lang="ko-KR" altLang="en-US" sz="1600" dirty="0">
@@ -18908,15 +18358,15 @@
                 <a:ea typeface="KoPubWorld돋움체_Pro Medium" panose="00000600000000000000" pitchFamily="50" charset="-127"/>
                 <a:cs typeface="KoPubWorld돋움체_Pro Medium" panose="00000600000000000000" pitchFamily="50" charset="-127"/>
               </a:rPr>
-              <a:t>이하 수어</a:t>
-            </a:r>
-            <a:r>
-              <a:rPr lang="en-US" altLang="ko-KR" sz="1600" dirty="0">
+              <a:t>여기서 </a:t>
+            </a:r>
+            <a:r>
+              <a:rPr lang="ko-KR" altLang="en-US" sz="1600" dirty="0" err="1">
                 <a:latin typeface="KoPubWorld돋움체_Pro Medium" panose="00000600000000000000" pitchFamily="50" charset="-127"/>
                 <a:ea typeface="KoPubWorld돋움체_Pro Medium" panose="00000600000000000000" pitchFamily="50" charset="-127"/>
                 <a:cs typeface="KoPubWorld돋움체_Pro Medium" panose="00000600000000000000" pitchFamily="50" charset="-127"/>
               </a:rPr>
-              <a:t>)</a:t>
+              <a:t>수어는</a:t>
             </a:r>
             <a:r>
               <a:rPr lang="ko-KR" altLang="en-US" sz="1600" dirty="0">
@@ -18924,15 +18374,15 @@
                 <a:ea typeface="KoPubWorld돋움체_Pro Medium" panose="00000600000000000000" pitchFamily="50" charset="-127"/>
                 <a:cs typeface="KoPubWorld돋움체_Pro Medium" panose="00000600000000000000" pitchFamily="50" charset="-127"/>
               </a:rPr>
-              <a:t>를 사용하는 이들을 농인이라고 칭함</a:t>
-            </a:r>
-            <a:r>
-              <a:rPr lang="en-US" altLang="ko-KR" sz="1600" dirty="0">
-                <a:latin typeface="KoPubWorld돋움체_Pro Medium" panose="00000600000000000000" pitchFamily="50" charset="-127"/>
-                <a:ea typeface="KoPubWorld돋움체_Pro Medium" panose="00000600000000000000" pitchFamily="50" charset="-127"/>
-                <a:cs typeface="KoPubWorld돋움체_Pro Medium" panose="00000600000000000000" pitchFamily="50" charset="-127"/>
-              </a:rPr>
-              <a:t>. </a:t>
+              <a:t> 특정 언어에 기반을 두는 것이 아닌 </a:t>
+            </a:r>
+            <a:r>
+              <a:rPr lang="ko-KR" altLang="en-US" sz="1600" dirty="0">
+                <a:latin typeface="KoPubWorld돋움체_Pro Bold" panose="00000800000000000000" pitchFamily="50" charset="-127"/>
+                <a:ea typeface="KoPubWorld돋움체_Pro Bold" panose="00000800000000000000" pitchFamily="50" charset="-127"/>
+                <a:cs typeface="KoPubWorld돋움체_Pro Bold" panose="00000800000000000000" pitchFamily="50" charset="-127"/>
+              </a:rPr>
+              <a:t>고유한 언어</a:t>
             </a:r>
             <a:r>
               <a:rPr lang="ko-KR" altLang="en-US" sz="1600" dirty="0">
@@ -18940,7 +18390,7 @@
                 <a:ea typeface="KoPubWorld돋움체_Pro Medium" panose="00000600000000000000" pitchFamily="50" charset="-127"/>
                 <a:cs typeface="KoPubWorld돋움체_Pro Medium" panose="00000600000000000000" pitchFamily="50" charset="-127"/>
               </a:rPr>
-              <a:t>수어는 특정 언어에 기반을 두는 것이 아닌 고유한 독립된 언어임</a:t>
+              <a:t>임</a:t>
             </a:r>
             <a:endParaRPr lang="en-US" altLang="ko-KR" sz="1600" dirty="0">
               <a:latin typeface="KoPubWorld돋움체_Pro Medium" panose="00000600000000000000" pitchFamily="50" charset="-127"/>
@@ -18957,12 +18407,44 @@
               <a:buChar char="l"/>
             </a:pPr>
             <a:r>
+              <a:rPr lang="ko-KR" altLang="en-US" sz="1600" dirty="0" err="1">
+                <a:latin typeface="KoPubWorld돋움체_Pro Medium" panose="00000600000000000000" pitchFamily="50" charset="-127"/>
+                <a:ea typeface="KoPubWorld돋움체_Pro Medium" panose="00000600000000000000" pitchFamily="50" charset="-127"/>
+                <a:cs typeface="KoPubWorld돋움체_Pro Medium" panose="00000600000000000000" pitchFamily="50" charset="-127"/>
+              </a:rPr>
+              <a:t>한국농아인협회에서는</a:t>
+            </a:r>
+            <a:r>
               <a:rPr lang="ko-KR" altLang="en-US" sz="1600" dirty="0">
                 <a:latin typeface="KoPubWorld돋움체_Pro Medium" panose="00000600000000000000" pitchFamily="50" charset="-127"/>
                 <a:ea typeface="KoPubWorld돋움체_Pro Medium" panose="00000600000000000000" pitchFamily="50" charset="-127"/>
                 <a:cs typeface="KoPubWorld돋움체_Pro Medium" panose="00000600000000000000" pitchFamily="50" charset="-127"/>
               </a:rPr>
-              <a:t>한국농아인협회에서는 국내 농인 중 문맹률을 </a:t>
+              <a:t> </a:t>
+            </a:r>
+            <a:r>
+              <a:rPr lang="ko-KR" altLang="en-US" sz="1600" dirty="0">
+                <a:latin typeface="KoPubWorld돋움체_Pro Bold" panose="00000800000000000000" pitchFamily="50" charset="-127"/>
+                <a:ea typeface="KoPubWorld돋움체_Pro Bold" panose="00000800000000000000" pitchFamily="50" charset="-127"/>
+                <a:cs typeface="KoPubWorld돋움체_Pro Bold" panose="00000800000000000000" pitchFamily="50" charset="-127"/>
+              </a:rPr>
+              <a:t>국내 농인 중 문맹률을 </a:t>
+            </a:r>
+            <a:r>
+              <a:rPr lang="en-US" altLang="ko-KR" sz="1600" dirty="0">
+                <a:latin typeface="KoPubWorld돋움체_Pro Bold" panose="00000800000000000000" pitchFamily="50" charset="-127"/>
+                <a:ea typeface="KoPubWorld돋움체_Pro Bold" panose="00000800000000000000" pitchFamily="50" charset="-127"/>
+                <a:cs typeface="KoPubWorld돋움체_Pro Bold" panose="00000800000000000000" pitchFamily="50" charset="-127"/>
+              </a:rPr>
+              <a:t>10~20%</a:t>
+            </a:r>
+            <a:r>
+              <a:rPr lang="ko-KR" altLang="en-US" sz="1600" dirty="0">
+                <a:latin typeface="KoPubWorld돋움체_Pro Medium" panose="00000600000000000000" pitchFamily="50" charset="-127"/>
+                <a:ea typeface="KoPubWorld돋움체_Pro Medium" panose="00000600000000000000" pitchFamily="50" charset="-127"/>
+                <a:cs typeface="KoPubWorld돋움체_Pro Medium" panose="00000600000000000000" pitchFamily="50" charset="-127"/>
+              </a:rPr>
+              <a:t>로 추정하고 있고</a:t>
             </a:r>
             <a:r>
               <a:rPr lang="en-US" altLang="ko-KR" sz="1600" dirty="0">
@@ -18970,7 +18452,7 @@
                 <a:ea typeface="KoPubWorld돋움체_Pro Medium" panose="00000600000000000000" pitchFamily="50" charset="-127"/>
                 <a:cs typeface="KoPubWorld돋움체_Pro Medium" panose="00000600000000000000" pitchFamily="50" charset="-127"/>
               </a:rPr>
-              <a:t>10~20%</a:t>
+              <a:t>, </a:t>
             </a:r>
             <a:r>
               <a:rPr lang="ko-KR" altLang="en-US" sz="1600" dirty="0">
@@ -18978,7 +18460,7 @@
                 <a:ea typeface="KoPubWorld돋움체_Pro Medium" panose="00000600000000000000" pitchFamily="50" charset="-127"/>
                 <a:cs typeface="KoPubWorld돋움체_Pro Medium" panose="00000600000000000000" pitchFamily="50" charset="-127"/>
               </a:rPr>
-              <a:t>로 추정하고 있고</a:t>
+              <a:t>통계청 조사 결과</a:t>
             </a:r>
             <a:r>
               <a:rPr lang="en-US" altLang="ko-KR" sz="1600" dirty="0">
@@ -18990,19 +18472,43 @@
             </a:r>
             <a:r>
               <a:rPr lang="ko-KR" altLang="en-US" sz="1600" dirty="0">
-                <a:latin typeface="KoPubWorld돋움체_Pro Medium" panose="00000600000000000000" pitchFamily="50" charset="-127"/>
-                <a:ea typeface="KoPubWorld돋움체_Pro Medium" panose="00000600000000000000" pitchFamily="50" charset="-127"/>
-                <a:cs typeface="KoPubWorld돋움체_Pro Medium" panose="00000600000000000000" pitchFamily="50" charset="-127"/>
-              </a:rPr>
-              <a:t>통계청 조사 결과</a:t>
+                <a:latin typeface="KoPubWorld돋움체_Pro Bold" panose="00000800000000000000" pitchFamily="50" charset="-127"/>
+                <a:ea typeface="KoPubWorld돋움체_Pro Bold" panose="00000800000000000000" pitchFamily="50" charset="-127"/>
+                <a:cs typeface="KoPubWorld돋움체_Pro Bold" panose="00000800000000000000" pitchFamily="50" charset="-127"/>
+              </a:rPr>
+              <a:t>약 </a:t>
             </a:r>
             <a:r>
               <a:rPr lang="en-US" altLang="ko-KR" sz="1600" dirty="0">
-                <a:latin typeface="KoPubWorld돋움체_Pro Medium" panose="00000600000000000000" pitchFamily="50" charset="-127"/>
-                <a:ea typeface="KoPubWorld돋움체_Pro Medium" panose="00000600000000000000" pitchFamily="50" charset="-127"/>
-                <a:cs typeface="KoPubWorld돋움체_Pro Medium" panose="00000600000000000000" pitchFamily="50" charset="-127"/>
-              </a:rPr>
-              <a:t>, </a:t>
+                <a:latin typeface="KoPubWorld돋움체_Pro Bold" panose="00000800000000000000" pitchFamily="50" charset="-127"/>
+                <a:ea typeface="KoPubWorld돋움체_Pro Bold" panose="00000800000000000000" pitchFamily="50" charset="-127"/>
+                <a:cs typeface="KoPubWorld돋움체_Pro Bold" panose="00000800000000000000" pitchFamily="50" charset="-127"/>
+              </a:rPr>
+              <a:t>40%</a:t>
+            </a:r>
+            <a:r>
+              <a:rPr lang="ko-KR" altLang="en-US" sz="1600" dirty="0">
+                <a:latin typeface="KoPubWorld돋움체_Pro Bold" panose="00000800000000000000" pitchFamily="50" charset="-127"/>
+                <a:ea typeface="KoPubWorld돋움체_Pro Bold" panose="00000800000000000000" pitchFamily="50" charset="-127"/>
+                <a:cs typeface="KoPubWorld돋움체_Pro Bold" panose="00000800000000000000" pitchFamily="50" charset="-127"/>
+              </a:rPr>
+              <a:t>의 </a:t>
+            </a:r>
+            <a:r>
+              <a:rPr lang="ko-KR" altLang="en-US" sz="1600" dirty="0" err="1">
+                <a:latin typeface="KoPubWorld돋움체_Pro Bold" panose="00000800000000000000" pitchFamily="50" charset="-127"/>
+                <a:ea typeface="KoPubWorld돋움체_Pro Bold" panose="00000800000000000000" pitchFamily="50" charset="-127"/>
+                <a:cs typeface="KoPubWorld돋움체_Pro Bold" panose="00000800000000000000" pitchFamily="50" charset="-127"/>
+              </a:rPr>
+              <a:t>농인은</a:t>
+            </a:r>
+            <a:r>
+              <a:rPr lang="ko-KR" altLang="en-US" sz="1600" dirty="0">
+                <a:latin typeface="KoPubWorld돋움체_Pro Bold" panose="00000800000000000000" pitchFamily="50" charset="-127"/>
+                <a:ea typeface="KoPubWorld돋움체_Pro Bold" panose="00000800000000000000" pitchFamily="50" charset="-127"/>
+                <a:cs typeface="KoPubWorld돋움체_Pro Bold" panose="00000800000000000000" pitchFamily="50" charset="-127"/>
+              </a:rPr>
+              <a:t> 자막서비스를 이용하지 않고</a:t>
             </a:r>
             <a:r>
               <a:rPr lang="ko-KR" altLang="en-US" sz="1600" dirty="0">
@@ -19010,93 +18516,21 @@
                 <a:ea typeface="KoPubWorld돋움체_Pro Medium" panose="00000600000000000000" pitchFamily="50" charset="-127"/>
                 <a:cs typeface="KoPubWorld돋움체_Pro Medium" panose="00000600000000000000" pitchFamily="50" charset="-127"/>
               </a:rPr>
-              <a:t>약 </a:t>
+              <a:t> 자막 서비스를 이용할 경우 </a:t>
+            </a:r>
+            <a:r>
+              <a:rPr lang="ko-KR" altLang="en-US" sz="1600" dirty="0">
+                <a:latin typeface="KoPubWorld돋움체_Pro Bold" panose="00000800000000000000" pitchFamily="50" charset="-127"/>
+                <a:ea typeface="KoPubWorld돋움체_Pro Bold" panose="00000800000000000000" pitchFamily="50" charset="-127"/>
+                <a:cs typeface="KoPubWorld돋움체_Pro Bold" panose="00000800000000000000" pitchFamily="50" charset="-127"/>
+              </a:rPr>
+              <a:t>내용을 모두 이해하는 경우는 </a:t>
             </a:r>
             <a:r>
               <a:rPr lang="en-US" altLang="ko-KR" sz="1600" dirty="0">
-                <a:latin typeface="KoPubWorld돋움체_Pro Medium" panose="00000600000000000000" pitchFamily="50" charset="-127"/>
-                <a:ea typeface="KoPubWorld돋움체_Pro Medium" panose="00000600000000000000" pitchFamily="50" charset="-127"/>
-                <a:cs typeface="KoPubWorld돋움체_Pro Medium" panose="00000600000000000000" pitchFamily="50" charset="-127"/>
-              </a:rPr>
-              <a:t>40%</a:t>
-            </a:r>
-            <a:r>
-              <a:rPr lang="ko-KR" altLang="en-US" sz="1600" dirty="0">
-                <a:latin typeface="KoPubWorld돋움체_Pro Medium" panose="00000600000000000000" pitchFamily="50" charset="-127"/>
-                <a:ea typeface="KoPubWorld돋움체_Pro Medium" panose="00000600000000000000" pitchFamily="50" charset="-127"/>
-                <a:cs typeface="KoPubWorld돋움체_Pro Medium" panose="00000600000000000000" pitchFamily="50" charset="-127"/>
-              </a:rPr>
-              <a:t>의 농인은 자막서비스를 이용하지 않고 </a:t>
-            </a:r>
-            <a:r>
-              <a:rPr lang="en-US" altLang="ko-KR" sz="1600" dirty="0">
-                <a:latin typeface="KoPubWorld돋움체_Pro Medium" panose="00000600000000000000" pitchFamily="50" charset="-127"/>
-                <a:ea typeface="KoPubWorld돋움체_Pro Medium" panose="00000600000000000000" pitchFamily="50" charset="-127"/>
-                <a:cs typeface="KoPubWorld돋움체_Pro Medium" panose="00000600000000000000" pitchFamily="50" charset="-127"/>
-              </a:rPr>
-              <a:t>‘</a:t>
-            </a:r>
-            <a:r>
-              <a:rPr lang="ko-KR" altLang="en-US" sz="1600" dirty="0">
-                <a:latin typeface="KoPubWorld돋움체_Pro Medium" panose="00000600000000000000" pitchFamily="50" charset="-127"/>
-                <a:ea typeface="KoPubWorld돋움체_Pro Medium" panose="00000600000000000000" pitchFamily="50" charset="-127"/>
-                <a:cs typeface="KoPubWorld돋움체_Pro Medium" panose="00000600000000000000" pitchFamily="50" charset="-127"/>
-              </a:rPr>
-              <a:t>농인이 방송을 접할 때 자막 서비스를 이용할 경우 내용을 이해하는 정도</a:t>
-            </a:r>
-            <a:r>
-              <a:rPr lang="en-US" altLang="ko-KR" sz="1600" dirty="0">
-                <a:latin typeface="KoPubWorld돋움체_Pro Medium" panose="00000600000000000000" pitchFamily="50" charset="-127"/>
-                <a:ea typeface="KoPubWorld돋움체_Pro Medium" panose="00000600000000000000" pitchFamily="50" charset="-127"/>
-                <a:cs typeface="KoPubWorld돋움체_Pro Medium" panose="00000600000000000000" pitchFamily="50" charset="-127"/>
-              </a:rPr>
-              <a:t>’ </a:t>
-            </a:r>
-            <a:r>
-              <a:rPr lang="ko-KR" altLang="en-US" sz="1600" dirty="0">
-                <a:latin typeface="KoPubWorld돋움체_Pro Medium" panose="00000600000000000000" pitchFamily="50" charset="-127"/>
-                <a:ea typeface="KoPubWorld돋움체_Pro Medium" panose="00000600000000000000" pitchFamily="50" charset="-127"/>
-                <a:cs typeface="KoPubWorld돋움체_Pro Medium" panose="00000600000000000000" pitchFamily="50" charset="-127"/>
-              </a:rPr>
-              <a:t>문항에서 </a:t>
-            </a:r>
-            <a:r>
-              <a:rPr lang="en-US" altLang="ko-KR" sz="1600" dirty="0">
-                <a:latin typeface="KoPubWorld돋움체_Pro Medium" panose="00000600000000000000" pitchFamily="50" charset="-127"/>
-                <a:ea typeface="KoPubWorld돋움체_Pro Medium" panose="00000600000000000000" pitchFamily="50" charset="-127"/>
-                <a:cs typeface="KoPubWorld돋움체_Pro Medium" panose="00000600000000000000" pitchFamily="50" charset="-127"/>
-              </a:rPr>
-              <a:t>‘</a:t>
-            </a:r>
-            <a:r>
-              <a:rPr lang="ko-KR" altLang="en-US" sz="1600" dirty="0">
-                <a:latin typeface="KoPubWorld돋움체_Pro Medium" panose="00000600000000000000" pitchFamily="50" charset="-127"/>
-                <a:ea typeface="KoPubWorld돋움체_Pro Medium" panose="00000600000000000000" pitchFamily="50" charset="-127"/>
-                <a:cs typeface="KoPubWorld돋움체_Pro Medium" panose="00000600000000000000" pitchFamily="50" charset="-127"/>
-              </a:rPr>
-              <a:t>모두 이해하는 경우</a:t>
-            </a:r>
-            <a:r>
-              <a:rPr lang="en-US" altLang="ko-KR" sz="1600" dirty="0">
-                <a:latin typeface="KoPubWorld돋움체_Pro Medium" panose="00000600000000000000" pitchFamily="50" charset="-127"/>
-                <a:ea typeface="KoPubWorld돋움체_Pro Medium" panose="00000600000000000000" pitchFamily="50" charset="-127"/>
-                <a:cs typeface="KoPubWorld돋움체_Pro Medium" panose="00000600000000000000" pitchFamily="50" charset="-127"/>
-              </a:rPr>
-              <a:t>’</a:t>
-            </a:r>
-            <a:r>
-              <a:rPr lang="ko-KR" altLang="en-US" sz="1600" dirty="0">
-                <a:latin typeface="KoPubWorld돋움체_Pro Medium" panose="00000600000000000000" pitchFamily="50" charset="-127"/>
-                <a:ea typeface="KoPubWorld돋움체_Pro Medium" panose="00000600000000000000" pitchFamily="50" charset="-127"/>
-                <a:cs typeface="KoPubWorld돋움체_Pro Medium" panose="00000600000000000000" pitchFamily="50" charset="-127"/>
-              </a:rPr>
-              <a:t>는 </a:t>
-            </a:r>
-            <a:r>
-              <a:rPr lang="en-US" altLang="ko-KR" sz="1600" dirty="0">
-                <a:latin typeface="KoPubWorld돋움체_Pro Medium" panose="00000600000000000000" pitchFamily="50" charset="-127"/>
-                <a:ea typeface="KoPubWorld돋움체_Pro Medium" panose="00000600000000000000" pitchFamily="50" charset="-127"/>
-                <a:cs typeface="KoPubWorld돋움체_Pro Medium" panose="00000600000000000000" pitchFamily="50" charset="-127"/>
+                <a:latin typeface="KoPubWorld돋움체_Pro Bold" panose="00000800000000000000" pitchFamily="50" charset="-127"/>
+                <a:ea typeface="KoPubWorld돋움체_Pro Bold" panose="00000800000000000000" pitchFamily="50" charset="-127"/>
+                <a:cs typeface="KoPubWorld돋움체_Pro Bold" panose="00000800000000000000" pitchFamily="50" charset="-127"/>
               </a:rPr>
               <a:t>12.3%</a:t>
             </a:r>
@@ -19710,9 +19144,9 @@
             <a:p>
               <a:r>
                 <a:rPr lang="ko-KR" altLang="en-US" sz="1600" dirty="0">
-                  <a:latin typeface="KoPubWorld돋움체_Pro Medium" panose="00000600000000000000" pitchFamily="50" charset="-127"/>
-                  <a:ea typeface="KoPubWorld돋움체_Pro Medium" panose="00000600000000000000" pitchFamily="50" charset="-127"/>
-                  <a:cs typeface="KoPubWorld돋움체_Pro Medium" panose="00000600000000000000" pitchFamily="50" charset="-127"/>
+                  <a:latin typeface="KoPubWorld돋움체_Pro Bold" panose="00000800000000000000" pitchFamily="50" charset="-127"/>
+                  <a:ea typeface="KoPubWorld돋움체_Pro Bold" panose="00000800000000000000" pitchFamily="50" charset="-127"/>
+                  <a:cs typeface="KoPubWorld돋움체_Pro Bold" panose="00000800000000000000" pitchFamily="50" charset="-127"/>
                 </a:rPr>
                 <a:t>수어의 사용정도</a:t>
               </a:r>
@@ -19911,15 +19345,31 @@
                   <a:ea typeface="KoPubWorld돋움체_Pro Medium" panose="00000600000000000000" pitchFamily="50" charset="-127"/>
                   <a:cs typeface="KoPubWorld돋움체_Pro Medium" panose="00000600000000000000" pitchFamily="50" charset="-127"/>
                 </a:rPr>
-                <a:t>청인 간 의사소통 및 정보전달에 있어 한국어 기반인 필담</a:t>
+                <a:t>청인 간 의사소통 및 정보전달에 있어 </a:t>
+              </a:r>
+              <a:r>
+                <a:rPr lang="ko-KR" altLang="en-US" sz="1600" dirty="0">
+                  <a:latin typeface="KoPubWorld돋움체_Pro Bold" panose="00000800000000000000" pitchFamily="50" charset="-127"/>
+                  <a:ea typeface="KoPubWorld돋움체_Pro Bold" panose="00000800000000000000" pitchFamily="50" charset="-127"/>
+                  <a:cs typeface="KoPubWorld돋움체_Pro Bold" panose="00000800000000000000" pitchFamily="50" charset="-127"/>
+                </a:rPr>
+                <a:t>한국어 기반인 필담</a:t>
               </a:r>
               <a:r>
                 <a:rPr lang="en-US" altLang="ko-KR" sz="1600" dirty="0">
-                  <a:latin typeface="KoPubWorld돋움체_Pro Medium" panose="00000600000000000000" pitchFamily="50" charset="-127"/>
-                  <a:ea typeface="KoPubWorld돋움체_Pro Medium" panose="00000600000000000000" pitchFamily="50" charset="-127"/>
-                  <a:cs typeface="KoPubWorld돋움체_Pro Medium" panose="00000600000000000000" pitchFamily="50" charset="-127"/>
+                  <a:latin typeface="KoPubWorld돋움체_Pro Bold" panose="00000800000000000000" pitchFamily="50" charset="-127"/>
+                  <a:ea typeface="KoPubWorld돋움체_Pro Bold" panose="00000800000000000000" pitchFamily="50" charset="-127"/>
+                  <a:cs typeface="KoPubWorld돋움체_Pro Bold" panose="00000800000000000000" pitchFamily="50" charset="-127"/>
                 </a:rPr>
                 <a:t>, </a:t>
+              </a:r>
+              <a:r>
+                <a:rPr lang="ko-KR" altLang="en-US" sz="1600" dirty="0">
+                  <a:latin typeface="KoPubWorld돋움체_Pro Bold" panose="00000800000000000000" pitchFamily="50" charset="-127"/>
+                  <a:ea typeface="KoPubWorld돋움체_Pro Bold" panose="00000800000000000000" pitchFamily="50" charset="-127"/>
+                  <a:cs typeface="KoPubWorld돋움체_Pro Bold" panose="00000800000000000000" pitchFamily="50" charset="-127"/>
+                </a:rPr>
+                <a:t>자막은 의사소통의 대안이 되기에 어려움</a:t>
               </a:r>
               <a:r>
                 <a:rPr lang="ko-KR" altLang="en-US" sz="1600" dirty="0">
@@ -19927,7 +19377,7 @@
                   <a:ea typeface="KoPubWorld돋움체_Pro Medium" panose="00000600000000000000" pitchFamily="50" charset="-127"/>
                   <a:cs typeface="KoPubWorld돋움체_Pro Medium" panose="00000600000000000000" pitchFamily="50" charset="-127"/>
                 </a:rPr>
-                <a:t>자막은 의사소통의 대안이 되기 어려움이 있음</a:t>
+                <a:t>이 있음</a:t>
               </a:r>
               <a:endParaRPr lang="en-US" altLang="ko-KR" sz="1600" dirty="0">
                 <a:latin typeface="KoPubWorld돋움체_Pro Medium" panose="00000600000000000000" pitchFamily="50" charset="-127"/>
@@ -20025,19 +19475,43 @@
               </a:r>
               <a:r>
                 <a:rPr lang="ko-KR" altLang="en-US" sz="1600" dirty="0">
-                  <a:latin typeface="KoPubWorld돋움체_Pro Medium" panose="00000600000000000000" pitchFamily="50" charset="-127"/>
-                  <a:ea typeface="KoPubWorld돋움체_Pro Medium" panose="00000600000000000000" pitchFamily="50" charset="-127"/>
-                  <a:cs typeface="KoPubWorld돋움체_Pro Medium" panose="00000600000000000000" pitchFamily="50" charset="-127"/>
+                  <a:latin typeface="KoPubWorld돋움체_Pro Bold" panose="00000800000000000000" pitchFamily="50" charset="-127"/>
+                  <a:ea typeface="KoPubWorld돋움체_Pro Bold" panose="00000800000000000000" pitchFamily="50" charset="-127"/>
+                  <a:cs typeface="KoPubWorld돋움체_Pro Bold" panose="00000800000000000000" pitchFamily="50" charset="-127"/>
                 </a:rPr>
                 <a:t>모두 </a:t>
               </a:r>
               <a:r>
                 <a:rPr lang="en-US" altLang="ko-KR" sz="1600" dirty="0">
-                  <a:latin typeface="KoPubWorld돋움체_Pro Medium" panose="00000600000000000000" pitchFamily="50" charset="-127"/>
-                  <a:ea typeface="KoPubWorld돋움체_Pro Medium" panose="00000600000000000000" pitchFamily="50" charset="-127"/>
-                  <a:cs typeface="KoPubWorld돋움체_Pro Medium" panose="00000600000000000000" pitchFamily="50" charset="-127"/>
+                  <a:latin typeface="KoPubWorld돋움체_Pro Bold" panose="00000800000000000000" pitchFamily="50" charset="-127"/>
+                  <a:ea typeface="KoPubWorld돋움체_Pro Bold" panose="00000800000000000000" pitchFamily="50" charset="-127"/>
+                  <a:cs typeface="KoPubWorld돋움체_Pro Bold" panose="00000800000000000000" pitchFamily="50" charset="-127"/>
                 </a:rPr>
-                <a:t>1</a:t>
+                <a:t>‘</a:t>
+              </a:r>
+              <a:r>
+                <a:rPr lang="ko-KR" altLang="en-US" sz="1600" dirty="0" err="1">
+                  <a:latin typeface="KoPubWorld돋움체_Pro Bold" panose="00000800000000000000" pitchFamily="50" charset="-127"/>
+                  <a:ea typeface="KoPubWorld돋움체_Pro Bold" panose="00000800000000000000" pitchFamily="50" charset="-127"/>
+                  <a:cs typeface="KoPubWorld돋움체_Pro Bold" panose="00000800000000000000" pitchFamily="50" charset="-127"/>
+                </a:rPr>
+                <a:t>수어</a:t>
+              </a:r>
+              <a:r>
+                <a:rPr lang="en-US" altLang="ko-KR" sz="1600" dirty="0">
+                  <a:latin typeface="KoPubWorld돋움체_Pro Bold" panose="00000800000000000000" pitchFamily="50" charset="-127"/>
+                  <a:ea typeface="KoPubWorld돋움체_Pro Bold" panose="00000800000000000000" pitchFamily="50" charset="-127"/>
+                  <a:cs typeface="KoPubWorld돋움체_Pro Bold" panose="00000800000000000000" pitchFamily="50" charset="-127"/>
+                </a:rPr>
+                <a:t>’</a:t>
+              </a:r>
+              <a:r>
+                <a:rPr lang="ko-KR" altLang="en-US" sz="1600" dirty="0">
+                  <a:latin typeface="KoPubWorld돋움체_Pro Bold" panose="00000800000000000000" pitchFamily="50" charset="-127"/>
+                  <a:ea typeface="KoPubWorld돋움체_Pro Bold" panose="00000800000000000000" pitchFamily="50" charset="-127"/>
+                  <a:cs typeface="KoPubWorld돋움체_Pro Bold" panose="00000800000000000000" pitchFamily="50" charset="-127"/>
+                </a:rPr>
+                <a:t>를 사용한 의사소통을 가장 선호</a:t>
               </a:r>
               <a:r>
                 <a:rPr lang="ko-KR" altLang="en-US" sz="1600" dirty="0">
@@ -20045,39 +19519,7 @@
                   <a:ea typeface="KoPubWorld돋움체_Pro Medium" panose="00000600000000000000" pitchFamily="50" charset="-127"/>
                   <a:cs typeface="KoPubWorld돋움체_Pro Medium" panose="00000600000000000000" pitchFamily="50" charset="-127"/>
                 </a:rPr>
-                <a:t>위는 </a:t>
-              </a:r>
-              <a:r>
-                <a:rPr lang="en-US" altLang="ko-KR" sz="1600" dirty="0">
-                  <a:latin typeface="KoPubWorld돋움체_Pro Medium" panose="00000600000000000000" pitchFamily="50" charset="-127"/>
-                  <a:ea typeface="KoPubWorld돋움체_Pro Medium" panose="00000600000000000000" pitchFamily="50" charset="-127"/>
-                  <a:cs typeface="KoPubWorld돋움체_Pro Medium" panose="00000600000000000000" pitchFamily="50" charset="-127"/>
-                </a:rPr>
-                <a:t>‘</a:t>
-              </a:r>
-              <a:r>
-                <a:rPr lang="ko-KR" altLang="en-US" sz="1600" dirty="0">
-                  <a:latin typeface="KoPubWorld돋움체_Pro Medium" panose="00000600000000000000" pitchFamily="50" charset="-127"/>
-                  <a:ea typeface="KoPubWorld돋움체_Pro Medium" panose="00000600000000000000" pitchFamily="50" charset="-127"/>
-                  <a:cs typeface="KoPubWorld돋움체_Pro Medium" panose="00000600000000000000" pitchFamily="50" charset="-127"/>
-                </a:rPr>
-                <a:t>수어</a:t>
-              </a:r>
-              <a:r>
-                <a:rPr lang="en-US" altLang="ko-KR" sz="1600" dirty="0">
-                  <a:latin typeface="KoPubWorld돋움체_Pro Medium" panose="00000600000000000000" pitchFamily="50" charset="-127"/>
-                  <a:ea typeface="KoPubWorld돋움체_Pro Medium" panose="00000600000000000000" pitchFamily="50" charset="-127"/>
-                  <a:cs typeface="KoPubWorld돋움체_Pro Medium" panose="00000600000000000000" pitchFamily="50" charset="-127"/>
-                </a:rPr>
-                <a:t>’</a:t>
-              </a:r>
-              <a:r>
-                <a:rPr lang="ko-KR" altLang="en-US" sz="1600" dirty="0">
-                  <a:latin typeface="KoPubWorld돋움체_Pro Medium" panose="00000600000000000000" pitchFamily="50" charset="-127"/>
-                  <a:ea typeface="KoPubWorld돋움체_Pro Medium" panose="00000600000000000000" pitchFamily="50" charset="-127"/>
-                  <a:cs typeface="KoPubWorld돋움체_Pro Medium" panose="00000600000000000000" pitchFamily="50" charset="-127"/>
-                </a:rPr>
-                <a:t>를 사용한 의사소통을 선호함을 알 수 있음</a:t>
+                <a:t>함</a:t>
               </a:r>
             </a:p>
           </p:txBody>
@@ -20476,9 +19918,9 @@
           <a:p>
             <a:r>
               <a:rPr lang="ko-KR" altLang="en-US" sz="1600" dirty="0">
-                <a:latin typeface="KoPubWorld돋움체_Pro Medium" panose="00000600000000000000" pitchFamily="50" charset="-127"/>
-                <a:ea typeface="KoPubWorld돋움체_Pro Medium" panose="00000600000000000000" pitchFamily="50" charset="-127"/>
-                <a:cs typeface="KoPubWorld돋움체_Pro Medium" panose="00000600000000000000" pitchFamily="50" charset="-127"/>
+                <a:latin typeface="KoPubWorld돋움체_Pro Bold" panose="00000800000000000000" pitchFamily="50" charset="-127"/>
+                <a:ea typeface="KoPubWorld돋움체_Pro Bold" panose="00000800000000000000" pitchFamily="50" charset="-127"/>
+                <a:cs typeface="KoPubWorld돋움체_Pro Bold" panose="00000800000000000000" pitchFamily="50" charset="-127"/>
               </a:rPr>
               <a:t>필요성</a:t>
             </a:r>
@@ -20661,7 +20103,23 @@
                 <a:ea typeface="KoPubWorld돋움체_Pro Medium" panose="00000600000000000000" pitchFamily="50" charset="-127"/>
                 <a:cs typeface="KoPubWorld돋움체_Pro Medium" panose="00000600000000000000" pitchFamily="50" charset="-127"/>
               </a:rPr>
-              <a:t>사회 전반에 걸친 청인 중심의 정보전달 체계로 인하여 일상생활</a:t>
+              <a:t>사회 전반에 걸친 </a:t>
+            </a:r>
+            <a:r>
+              <a:rPr lang="ko-KR" altLang="en-US" sz="1600" dirty="0">
+                <a:latin typeface="KoPubWorld돋움체_Pro Bold" panose="00000800000000000000" pitchFamily="50" charset="-127"/>
+                <a:ea typeface="KoPubWorld돋움체_Pro Bold" panose="00000800000000000000" pitchFamily="50" charset="-127"/>
+                <a:cs typeface="KoPubWorld돋움체_Pro Bold" panose="00000800000000000000" pitchFamily="50" charset="-127"/>
+              </a:rPr>
+              <a:t>청인 중심의 정보전달 체계</a:t>
+            </a:r>
+            <a:r>
+              <a:rPr lang="ko-KR" altLang="en-US" sz="1600" dirty="0">
+                <a:latin typeface="KoPubWorld돋움체_Pro Medium" panose="00000600000000000000" pitchFamily="50" charset="-127"/>
+                <a:ea typeface="KoPubWorld돋움체_Pro Medium" panose="00000600000000000000" pitchFamily="50" charset="-127"/>
+                <a:cs typeface="KoPubWorld돋움체_Pro Medium" panose="00000600000000000000" pitchFamily="50" charset="-127"/>
+              </a:rPr>
+              <a:t>로 인하여 일상생활</a:t>
             </a:r>
             <a:r>
               <a:rPr lang="en-US" altLang="ko-KR" sz="1600" dirty="0">
@@ -20715,7 +20173,23 @@
                 <a:ea typeface="KoPubWorld돋움체_Pro Medium" panose="00000600000000000000" pitchFamily="50" charset="-127"/>
                 <a:cs typeface="KoPubWorld돋움체_Pro Medium" panose="00000600000000000000" pitchFamily="50" charset="-127"/>
               </a:rPr>
-              <a:t>농인들 또한 사회의 구성원으로서 청인들과 같은 분야에서 동등한 서비스를 제공받는 것은 기본권임</a:t>
+              <a:t>농인들 또한 사회의 구성원으로서 청인들과 같은 분야에서 </a:t>
+            </a:r>
+            <a:r>
+              <a:rPr lang="ko-KR" altLang="en-US" sz="1600" dirty="0">
+                <a:latin typeface="KoPubWorld돋움체_Pro Bold" panose="00000800000000000000" pitchFamily="50" charset="-127"/>
+                <a:ea typeface="KoPubWorld돋움체_Pro Bold" panose="00000800000000000000" pitchFamily="50" charset="-127"/>
+                <a:cs typeface="KoPubWorld돋움체_Pro Bold" panose="00000800000000000000" pitchFamily="50" charset="-127"/>
+              </a:rPr>
+              <a:t>동등한 서비스를 제공받는 것은 기본권</a:t>
+            </a:r>
+            <a:r>
+              <a:rPr lang="ko-KR" altLang="en-US" sz="1600" dirty="0">
+                <a:latin typeface="KoPubWorld돋움체_Pro Medium" panose="00000600000000000000" pitchFamily="50" charset="-127"/>
+                <a:ea typeface="KoPubWorld돋움체_Pro Medium" panose="00000600000000000000" pitchFamily="50" charset="-127"/>
+                <a:cs typeface="KoPubWorld돋움체_Pro Medium" panose="00000600000000000000" pitchFamily="50" charset="-127"/>
+              </a:rPr>
+              <a:t>임</a:t>
             </a:r>
             <a:endParaRPr lang="en-US" altLang="ko-KR" sz="1600" dirty="0">
               <a:latin typeface="KoPubWorld돋움체_Pro Medium" panose="00000600000000000000" pitchFamily="50" charset="-127"/>
@@ -20737,7 +20211,15 @@
                 <a:ea typeface="KoPubWorld돋움체_Pro Medium" panose="00000600000000000000" pitchFamily="50" charset="-127"/>
                 <a:cs typeface="KoPubWorld돋움체_Pro Medium" panose="00000600000000000000" pitchFamily="50" charset="-127"/>
               </a:rPr>
-              <a:t>차별금지법을 통해 이러한 기본권을 보장하려 하지만 실질적으로 부족한 상황이기 때문에 수어 번역 서비스를 제공하여 기본권을 보장받을 수 있도록 도우려고 함</a:t>
+              <a:t>차별금지법을 통해 이러한 기본권을 보장하려 하지만 실질적으로 부족한 상황이기 때문에 </a:t>
+            </a:r>
+            <a:r>
+              <a:rPr lang="ko-KR" altLang="en-US" sz="1600" dirty="0">
+                <a:latin typeface="KoPubWorld돋움체_Pro Bold" panose="00000800000000000000" pitchFamily="50" charset="-127"/>
+                <a:ea typeface="KoPubWorld돋움체_Pro Bold" panose="00000800000000000000" pitchFamily="50" charset="-127"/>
+                <a:cs typeface="KoPubWorld돋움체_Pro Bold" panose="00000800000000000000" pitchFamily="50" charset="-127"/>
+              </a:rPr>
+              <a:t>수어 번역 서비스를 제공하여 기본권을 보장받을 수 있도록 도우려고 함</a:t>
             </a:r>
           </a:p>
         </p:txBody>
@@ -20792,9 +20274,9 @@
             <a:p>
               <a:r>
                 <a:rPr lang="ko-KR" altLang="en-US" sz="1600" dirty="0">
-                  <a:latin typeface="KoPubWorld돋움체_Pro Medium" panose="00000600000000000000" pitchFamily="50" charset="-127"/>
-                  <a:ea typeface="KoPubWorld돋움체_Pro Medium" panose="00000600000000000000" pitchFamily="50" charset="-127"/>
-                  <a:cs typeface="KoPubWorld돋움체_Pro Medium" panose="00000600000000000000" pitchFamily="50" charset="-127"/>
+                  <a:latin typeface="KoPubWorld돋움체_Pro Bold" panose="00000800000000000000" pitchFamily="50" charset="-127"/>
+                  <a:ea typeface="KoPubWorld돋움체_Pro Bold" panose="00000800000000000000" pitchFamily="50" charset="-127"/>
+                  <a:cs typeface="KoPubWorld돋움체_Pro Bold" panose="00000800000000000000" pitchFamily="50" charset="-127"/>
                 </a:rPr>
                 <a:t>수어통역사 현황</a:t>
               </a:r>
@@ -20997,11 +20479,19 @@
               </a:r>
               <a:r>
                 <a:rPr lang="en-US" altLang="ko-KR" sz="1600" dirty="0">
-                  <a:latin typeface="KoPubWorld돋움체_Pro Medium" panose="00000600000000000000" pitchFamily="50" charset="-127"/>
-                  <a:ea typeface="KoPubWorld돋움체_Pro Medium" panose="00000600000000000000" pitchFamily="50" charset="-127"/>
-                  <a:cs typeface="KoPubWorld돋움체_Pro Medium" panose="00000600000000000000" pitchFamily="50" charset="-127"/>
+                  <a:latin typeface="KoPubWorld돋움체_Pro Bold" panose="00000800000000000000" pitchFamily="50" charset="-127"/>
+                  <a:ea typeface="KoPubWorld돋움체_Pro Bold" panose="00000800000000000000" pitchFamily="50" charset="-127"/>
+                  <a:cs typeface="KoPubWorld돋움체_Pro Bold" panose="00000800000000000000" pitchFamily="50" charset="-127"/>
                 </a:rPr>
                 <a:t>1,973</a:t>
+              </a:r>
+              <a:r>
+                <a:rPr lang="ko-KR" altLang="en-US" sz="1600" dirty="0">
+                  <a:latin typeface="KoPubWorld돋움체_Pro Bold" panose="00000800000000000000" pitchFamily="50" charset="-127"/>
+                  <a:ea typeface="KoPubWorld돋움체_Pro Bold" panose="00000800000000000000" pitchFamily="50" charset="-127"/>
+                  <a:cs typeface="KoPubWorld돋움체_Pro Bold" panose="00000800000000000000" pitchFamily="50" charset="-127"/>
+                </a:rPr>
+                <a:t>명</a:t>
               </a:r>
               <a:r>
                 <a:rPr lang="ko-KR" altLang="en-US" sz="1600" dirty="0">
@@ -21009,7 +20499,7 @@
                   <a:ea typeface="KoPubWorld돋움체_Pro Medium" panose="00000600000000000000" pitchFamily="50" charset="-127"/>
                   <a:cs typeface="KoPubWorld돋움체_Pro Medium" panose="00000600000000000000" pitchFamily="50" charset="-127"/>
                 </a:rPr>
-                <a:t>명으로 청각장애인에 비해 인력이 많이 부족한 상황임</a:t>
+                <a:t>으로 청각장애인 수에 비해 인력이 많이 부족함</a:t>
               </a:r>
               <a:endParaRPr lang="en-US" altLang="ko-KR" sz="1600" dirty="0">
                 <a:latin typeface="KoPubWorld돋움체_Pro Medium" panose="00000600000000000000" pitchFamily="50" charset="-127"/>
@@ -21043,11 +20533,19 @@
               </a:r>
               <a:r>
                 <a:rPr lang="ko-KR" altLang="en-US" sz="1600" dirty="0">
+                  <a:latin typeface="KoPubWorld돋움체_Pro Bold" panose="00000800000000000000" pitchFamily="50" charset="-127"/>
+                  <a:ea typeface="KoPubWorld돋움체_Pro Bold" panose="00000800000000000000" pitchFamily="50" charset="-127"/>
+                  <a:cs typeface="KoPubWorld돋움체_Pro Bold" panose="00000800000000000000" pitchFamily="50" charset="-127"/>
+                </a:rPr>
+                <a:t>지방은 인력이 현저히 떨어져</a:t>
+              </a:r>
+              <a:r>
+                <a:rPr lang="ko-KR" altLang="en-US" sz="1600" dirty="0">
                   <a:latin typeface="KoPubWorld돋움체_Pro Medium" panose="00000600000000000000" pitchFamily="50" charset="-127"/>
                   <a:ea typeface="KoPubWorld돋움체_Pro Medium" panose="00000600000000000000" pitchFamily="50" charset="-127"/>
                   <a:cs typeface="KoPubWorld돋움체_Pro Medium" panose="00000600000000000000" pitchFamily="50" charset="-127"/>
                 </a:rPr>
-                <a:t>지방은 인력이 현저히 떨어지기 때문에 지방의 농인들은 통역서비스를 누리기 어려움</a:t>
+                <a:t> 지방의 농인들은 통역서비스를 누리기 어려움</a:t>
               </a:r>
             </a:p>
           </p:txBody>
@@ -22124,9 +21622,9 @@
             <a:p>
               <a:r>
                 <a:rPr lang="ko-KR" altLang="en-US" sz="1600" dirty="0">
-                  <a:latin typeface="KoPubWorld돋움체_Pro Medium" panose="00000600000000000000" pitchFamily="50" charset="-127"/>
-                  <a:ea typeface="KoPubWorld돋움체_Pro Medium" panose="00000600000000000000" pitchFamily="50" charset="-127"/>
-                  <a:cs typeface="KoPubWorld돋움체_Pro Medium" panose="00000600000000000000" pitchFamily="50" charset="-127"/>
+                  <a:latin typeface="KoPubWorld돋움체_Pro Bold" panose="00000800000000000000" pitchFamily="50" charset="-127"/>
+                  <a:ea typeface="KoPubWorld돋움체_Pro Bold" panose="00000800000000000000" pitchFamily="50" charset="-127"/>
+                  <a:cs typeface="KoPubWorld돋움체_Pro Bold" panose="00000800000000000000" pitchFamily="50" charset="-127"/>
                 </a:rPr>
                 <a:t>개발 목표</a:t>
               </a:r>
@@ -22309,7 +21807,39 @@
                   <a:ea typeface="KoPubWorld돋움체_Pro Medium" panose="00000600000000000000" pitchFamily="50" charset="-127"/>
                   <a:cs typeface="KoPubWorld돋움체_Pro Medium" panose="00000600000000000000" pitchFamily="50" charset="-127"/>
                 </a:rPr>
-                <a:t>사회서비스를 누리는데 필수적인 교통서비스분야에 접근성을 높이기 위한 수어 번역 서비스 제공</a:t>
+                <a:t>사회서비스를 누리는데 </a:t>
+              </a:r>
+              <a:r>
+                <a:rPr lang="ko-KR" altLang="en-US" sz="1600" dirty="0">
+                  <a:latin typeface="KoPubWorld돋움체_Pro Bold" panose="00000800000000000000" pitchFamily="50" charset="-127"/>
+                  <a:ea typeface="KoPubWorld돋움체_Pro Bold" panose="00000800000000000000" pitchFamily="50" charset="-127"/>
+                  <a:cs typeface="KoPubWorld돋움체_Pro Bold" panose="00000800000000000000" pitchFamily="50" charset="-127"/>
+                </a:rPr>
+                <a:t>필수적인 교통서비스분야</a:t>
+              </a:r>
+              <a:r>
+                <a:rPr lang="ko-KR" altLang="en-US" sz="1600" dirty="0">
+                  <a:latin typeface="KoPubWorld돋움체_Pro Medium" panose="00000600000000000000" pitchFamily="50" charset="-127"/>
+                  <a:ea typeface="KoPubWorld돋움체_Pro Medium" panose="00000600000000000000" pitchFamily="50" charset="-127"/>
+                  <a:cs typeface="KoPubWorld돋움체_Pro Medium" panose="00000600000000000000" pitchFamily="50" charset="-127"/>
+                </a:rPr>
+                <a:t>에 접근성을 높이기 위한 </a:t>
+              </a:r>
+              <a:r>
+                <a:rPr lang="ko-KR" altLang="en-US" sz="1600" dirty="0">
+                  <a:latin typeface="KoPubWorld돋움체_Pro Bold" panose="00000800000000000000" pitchFamily="50" charset="-127"/>
+                  <a:ea typeface="KoPubWorld돋움체_Pro Bold" panose="00000800000000000000" pitchFamily="50" charset="-127"/>
+                  <a:cs typeface="KoPubWorld돋움체_Pro Bold" panose="00000800000000000000" pitchFamily="50" charset="-127"/>
+                </a:rPr>
+                <a:t>수어 번역 서비스</a:t>
+              </a:r>
+              <a:r>
+                <a:rPr lang="ko-KR" altLang="en-US" sz="1600" dirty="0">
+                  <a:latin typeface="KoPubWorld돋움체_Pro Medium" panose="00000600000000000000" pitchFamily="50" charset="-127"/>
+                  <a:ea typeface="KoPubWorld돋움체_Pro Medium" panose="00000600000000000000" pitchFamily="50" charset="-127"/>
+                  <a:cs typeface="KoPubWorld돋움체_Pro Medium" panose="00000600000000000000" pitchFamily="50" charset="-127"/>
+                </a:rPr>
+                <a:t> 제공</a:t>
               </a:r>
               <a:endParaRPr lang="en-US" altLang="ko-KR" sz="1600" dirty="0">
                 <a:latin typeface="KoPubWorld돋움체_Pro Medium" panose="00000600000000000000" pitchFamily="50" charset="-127"/>
@@ -23543,9 +23073,9 @@
             <a:p>
               <a:r>
                 <a:rPr lang="ko-KR" altLang="en-US" sz="1600" dirty="0">
-                  <a:latin typeface="KoPubWorld돋움체_Pro Medium" panose="00000600000000000000" pitchFamily="50" charset="-127"/>
-                  <a:ea typeface="KoPubWorld돋움체_Pro Medium" panose="00000600000000000000" pitchFamily="50" charset="-127"/>
-                  <a:cs typeface="KoPubWorld돋움체_Pro Medium" panose="00000600000000000000" pitchFamily="50" charset="-127"/>
+                  <a:latin typeface="KoPubWorld돋움체_Pro Bold" panose="00000800000000000000" pitchFamily="50" charset="-127"/>
+                  <a:ea typeface="KoPubWorld돋움체_Pro Bold" panose="00000800000000000000" pitchFamily="50" charset="-127"/>
+                  <a:cs typeface="KoPubWorld돋움체_Pro Bold" panose="00000800000000000000" pitchFamily="50" charset="-127"/>
                 </a:rPr>
                 <a:t>수어 번역</a:t>
               </a:r>
@@ -23744,7 +23274,7 @@
                   <a:ea typeface="KoPubWorld돋움체_Pro Medium" panose="00000600000000000000" pitchFamily="50" charset="-127"/>
                   <a:cs typeface="KoPubWorld돋움체_Pro Medium" panose="00000600000000000000" pitchFamily="50" charset="-127"/>
                 </a:rPr>
-                <a:t>택시에서 운용할 수 있는 서비스</a:t>
+                <a:t>택시에서 운용할 수 있는 기능</a:t>
               </a:r>
               <a:endParaRPr lang="en-US" altLang="ko-KR" sz="1600" dirty="0">
                 <a:latin typeface="KoPubWorld돋움체_Pro Medium" panose="00000600000000000000" pitchFamily="50" charset="-127"/>
@@ -23766,15 +23296,15 @@
                   <a:ea typeface="KoPubWorld돋움체_Pro Medium" panose="00000600000000000000" pitchFamily="50" charset="-127"/>
                   <a:cs typeface="KoPubWorld돋움체_Pro Medium" panose="00000600000000000000" pitchFamily="50" charset="-127"/>
                 </a:rPr>
-                <a:t>농인이 카메라 앞에서 수어를 하면 동작을 인식하여 알맞게 번역한 후 청인에게 텍스트</a:t>
+                <a:t>농인이 카메라 앞에서 </a:t>
               </a:r>
               <a:r>
-                <a:rPr lang="en-US" altLang="ko-KR" sz="1600" dirty="0">
-                  <a:latin typeface="KoPubWorld돋움체_Pro Medium" panose="00000600000000000000" pitchFamily="50" charset="-127"/>
-                  <a:ea typeface="KoPubWorld돋움체_Pro Medium" panose="00000600000000000000" pitchFamily="50" charset="-127"/>
-                  <a:cs typeface="KoPubWorld돋움체_Pro Medium" panose="00000600000000000000" pitchFamily="50" charset="-127"/>
+                <a:rPr lang="ko-KR" altLang="en-US" sz="1600" dirty="0">
+                  <a:latin typeface="KoPubWorld돋움체_Pro Bold" panose="00000800000000000000" pitchFamily="50" charset="-127"/>
+                  <a:ea typeface="KoPubWorld돋움체_Pro Bold" panose="00000800000000000000" pitchFamily="50" charset="-127"/>
+                  <a:cs typeface="KoPubWorld돋움체_Pro Bold" panose="00000800000000000000" pitchFamily="50" charset="-127"/>
                 </a:rPr>
-                <a:t>, </a:t>
+                <a:t>수어를 하면 동작을 인식</a:t>
               </a:r>
               <a:r>
                 <a:rPr lang="ko-KR" altLang="en-US" sz="1600" dirty="0">
@@ -23782,12 +23312,52 @@
                   <a:ea typeface="KoPubWorld돋움체_Pro Medium" panose="00000600000000000000" pitchFamily="50" charset="-127"/>
                   <a:cs typeface="KoPubWorld돋움체_Pro Medium" panose="00000600000000000000" pitchFamily="50" charset="-127"/>
                 </a:rPr>
+                <a:t>하여 알맞게 </a:t>
+              </a:r>
+              <a:r>
+                <a:rPr lang="ko-KR" altLang="en-US" sz="1600" dirty="0">
+                  <a:latin typeface="KoPubWorld돋움체_Pro Bold" panose="00000800000000000000" pitchFamily="50" charset="-127"/>
+                  <a:ea typeface="KoPubWorld돋움체_Pro Bold" panose="00000800000000000000" pitchFamily="50" charset="-127"/>
+                  <a:cs typeface="KoPubWorld돋움체_Pro Bold" panose="00000800000000000000" pitchFamily="50" charset="-127"/>
+                </a:rPr>
+                <a:t>번역한 후</a:t>
+              </a:r>
+              <a:r>
+                <a:rPr lang="ko-KR" altLang="en-US" sz="1600" dirty="0">
+                  <a:latin typeface="KoPubWorld돋움체_Pro Medium" panose="00000600000000000000" pitchFamily="50" charset="-127"/>
+                  <a:ea typeface="KoPubWorld돋움체_Pro Medium" panose="00000600000000000000" pitchFamily="50" charset="-127"/>
+                  <a:cs typeface="KoPubWorld돋움체_Pro Medium" panose="00000600000000000000" pitchFamily="50" charset="-127"/>
+                </a:rPr>
+                <a:t> 청인에게 </a:t>
+              </a:r>
+              <a:r>
+                <a:rPr lang="ko-KR" altLang="en-US" sz="1600" dirty="0">
+                  <a:latin typeface="KoPubWorld돋움체_Pro Bold" panose="00000800000000000000" pitchFamily="50" charset="-127"/>
+                  <a:ea typeface="KoPubWorld돋움체_Pro Bold" panose="00000800000000000000" pitchFamily="50" charset="-127"/>
+                  <a:cs typeface="KoPubWorld돋움체_Pro Bold" panose="00000800000000000000" pitchFamily="50" charset="-127"/>
+                </a:rPr>
+                <a:t>텍스트</a:t>
+              </a:r>
+              <a:r>
+                <a:rPr lang="en-US" altLang="ko-KR" sz="1600" dirty="0">
+                  <a:latin typeface="KoPubWorld돋움체_Pro Bold" panose="00000800000000000000" pitchFamily="50" charset="-127"/>
+                  <a:ea typeface="KoPubWorld돋움체_Pro Bold" panose="00000800000000000000" pitchFamily="50" charset="-127"/>
+                  <a:cs typeface="KoPubWorld돋움체_Pro Bold" panose="00000800000000000000" pitchFamily="50" charset="-127"/>
+                </a:rPr>
+                <a:t>, </a:t>
+              </a:r>
+              <a:r>
+                <a:rPr lang="ko-KR" altLang="en-US" sz="1600" dirty="0">
+                  <a:latin typeface="KoPubWorld돋움체_Pro Bold" panose="00000800000000000000" pitchFamily="50" charset="-127"/>
+                  <a:ea typeface="KoPubWorld돋움체_Pro Bold" panose="00000800000000000000" pitchFamily="50" charset="-127"/>
+                  <a:cs typeface="KoPubWorld돋움체_Pro Bold" panose="00000800000000000000" pitchFamily="50" charset="-127"/>
+                </a:rPr>
                 <a:t>음성으로 출력</a:t>
               </a:r>
               <a:endParaRPr lang="en-US" altLang="ko-KR" sz="1600" dirty="0">
-                <a:latin typeface="KoPubWorld돋움체_Pro Medium" panose="00000600000000000000" pitchFamily="50" charset="-127"/>
-                <a:ea typeface="KoPubWorld돋움체_Pro Medium" panose="00000600000000000000" pitchFamily="50" charset="-127"/>
-                <a:cs typeface="KoPubWorld돋움체_Pro Medium" panose="00000600000000000000" pitchFamily="50" charset="-127"/>
+                <a:latin typeface="KoPubWorld돋움체_Pro Bold" panose="00000800000000000000" pitchFamily="50" charset="-127"/>
+                <a:ea typeface="KoPubWorld돋움체_Pro Bold" panose="00000800000000000000" pitchFamily="50" charset="-127"/>
+                <a:cs typeface="KoPubWorld돋움체_Pro Bold" panose="00000800000000000000" pitchFamily="50" charset="-127"/>
               </a:endParaRPr>
             </a:p>
           </p:txBody>
@@ -23853,8 +23423,27 @@
                   <a:ea typeface="KoPubWorld돋움체_Pro Medium" panose="00000600000000000000" pitchFamily="50" charset="-127"/>
                   <a:cs typeface="KoPubWorld돋움체_Pro Medium" panose="00000600000000000000" pitchFamily="50" charset="-127"/>
                 </a:rPr>
-                <a:t>개발 목표</a:t>
+                <a:t>개발 </a:t>
               </a:r>
+              <a:r>
+                <a:rPr lang="ko-KR" altLang="en-US" dirty="0">
+                  <a:solidFill>
+                    <a:schemeClr val="bg1"/>
+                  </a:solidFill>
+                  <a:latin typeface="KoPubWorld돋움체_Pro Medium" panose="00000600000000000000" pitchFamily="50" charset="-127"/>
+                  <a:ea typeface="KoPubWorld돋움체_Pro Medium" panose="00000600000000000000" pitchFamily="50" charset="-127"/>
+                  <a:cs typeface="KoPubWorld돋움체_Pro Medium" panose="00000600000000000000" pitchFamily="50" charset="-127"/>
+                </a:rPr>
+                <a:t>내용</a:t>
+              </a:r>
+              <a:endParaRPr lang="ko-KR" altLang="en-US" sz="1800" dirty="0">
+                <a:solidFill>
+                  <a:schemeClr val="bg1"/>
+                </a:solidFill>
+                <a:latin typeface="KoPubWorld돋움체_Pro Medium" panose="00000600000000000000" pitchFamily="50" charset="-127"/>
+                <a:ea typeface="KoPubWorld돋움체_Pro Medium" panose="00000600000000000000" pitchFamily="50" charset="-127"/>
+                <a:cs typeface="KoPubWorld돋움체_Pro Medium" panose="00000600000000000000" pitchFamily="50" charset="-127"/>
+              </a:endParaRPr>
             </a:p>
           </p:txBody>
         </p:sp>
@@ -24674,9 +24263,9 @@
             <a:p>
               <a:r>
                 <a:rPr lang="ko-KR" altLang="en-US" sz="1600" dirty="0">
-                  <a:latin typeface="KoPubWorld돋움체_Pro Medium" panose="00000600000000000000" pitchFamily="50" charset="-127"/>
-                  <a:ea typeface="KoPubWorld돋움체_Pro Medium" panose="00000600000000000000" pitchFamily="50" charset="-127"/>
-                  <a:cs typeface="KoPubWorld돋움체_Pro Medium" panose="00000600000000000000" pitchFamily="50" charset="-127"/>
+                  <a:latin typeface="KoPubWorld돋움체_Pro Bold" panose="00000800000000000000" pitchFamily="50" charset="-127"/>
+                  <a:ea typeface="KoPubWorld돋움체_Pro Bold" panose="00000800000000000000" pitchFamily="50" charset="-127"/>
+                  <a:cs typeface="KoPubWorld돋움체_Pro Bold" panose="00000800000000000000" pitchFamily="50" charset="-127"/>
                 </a:rPr>
                 <a:t>수어 번역</a:t>
               </a:r>
@@ -24875,7 +24464,15 @@
                   <a:ea typeface="KoPubWorld돋움체_Pro Medium" panose="00000600000000000000" pitchFamily="50" charset="-127"/>
                   <a:cs typeface="KoPubWorld돋움체_Pro Medium" panose="00000600000000000000" pitchFamily="50" charset="-127"/>
                 </a:rPr>
-                <a:t>농인이 불안하지 않도록 대기시간동안 안내영상을 출력</a:t>
+                <a:t>농인이 불안하지 않도록 </a:t>
+              </a:r>
+              <a:r>
+                <a:rPr lang="ko-KR" altLang="en-US" sz="1600" dirty="0">
+                  <a:latin typeface="KoPubWorld돋움체_Pro Bold" panose="00000800000000000000" pitchFamily="50" charset="-127"/>
+                  <a:ea typeface="KoPubWorld돋움체_Pro Bold" panose="00000800000000000000" pitchFamily="50" charset="-127"/>
+                  <a:cs typeface="KoPubWorld돋움체_Pro Bold" panose="00000800000000000000" pitchFamily="50" charset="-127"/>
+                </a:rPr>
+                <a:t>대기시간동안 안내영상을 출력</a:t>
               </a:r>
             </a:p>
           </p:txBody>
@@ -24941,8 +24538,27 @@
                   <a:ea typeface="KoPubWorld돋움체_Pro Medium" panose="00000600000000000000" pitchFamily="50" charset="-127"/>
                   <a:cs typeface="KoPubWorld돋움체_Pro Medium" panose="00000600000000000000" pitchFamily="50" charset="-127"/>
                 </a:rPr>
-                <a:t>개발 목표</a:t>
+                <a:t>개발 </a:t>
               </a:r>
+              <a:r>
+                <a:rPr lang="ko-KR" altLang="en-US" dirty="0">
+                  <a:solidFill>
+                    <a:schemeClr val="bg1"/>
+                  </a:solidFill>
+                  <a:latin typeface="KoPubWorld돋움체_Pro Medium" panose="00000600000000000000" pitchFamily="50" charset="-127"/>
+                  <a:ea typeface="KoPubWorld돋움체_Pro Medium" panose="00000600000000000000" pitchFamily="50" charset="-127"/>
+                  <a:cs typeface="KoPubWorld돋움체_Pro Medium" panose="00000600000000000000" pitchFamily="50" charset="-127"/>
+                </a:rPr>
+                <a:t>내용</a:t>
+              </a:r>
+              <a:endParaRPr lang="ko-KR" altLang="en-US" sz="1800" dirty="0">
+                <a:solidFill>
+                  <a:schemeClr val="bg1"/>
+                </a:solidFill>
+                <a:latin typeface="KoPubWorld돋움체_Pro Medium" panose="00000600000000000000" pitchFamily="50" charset="-127"/>
+                <a:ea typeface="KoPubWorld돋움체_Pro Medium" panose="00000600000000000000" pitchFamily="50" charset="-127"/>
+                <a:cs typeface="KoPubWorld돋움체_Pro Medium" panose="00000600000000000000" pitchFamily="50" charset="-127"/>
+              </a:endParaRPr>
             </a:p>
           </p:txBody>
         </p:sp>
@@ -25604,42 +25220,6 @@
           </a:prstGeom>
         </p:spPr>
       </p:pic>
-      <p:pic>
-        <p:nvPicPr>
-          <p:cNvPr id="27" name="그래픽 26">
-            <a:extLst>
-              <a:ext uri="{FF2B5EF4-FFF2-40B4-BE49-F238E27FC236}">
-                <a16:creationId xmlns:a16="http://schemas.microsoft.com/office/drawing/2014/main" id="{ADC25F63-4C09-A1A6-05C2-BBEE5A0D682E}"/>
-              </a:ext>
-            </a:extLst>
-          </p:cNvPr>
-          <p:cNvPicPr>
-            <a:picLocks noChangeAspect="1"/>
-          </p:cNvPicPr>
-          <p:nvPr/>
-        </p:nvPicPr>
-        <p:blipFill>
-          <a:blip r:embed="rId11">
-            <a:extLst>
-              <a:ext uri="{96DAC541-7B7A-43D3-8B79-37D633B846F1}">
-                <asvg:svgBlip xmlns:asvg="http://schemas.microsoft.com/office/drawing/2016/SVG/main" r:embed="rId12"/>
-              </a:ext>
-            </a:extLst>
-          </a:blip>
-          <a:stretch>
-            <a:fillRect/>
-          </a:stretch>
-        </p:blipFill>
-        <p:spPr>
-          <a:xfrm>
-            <a:off x="4580891" y="3385079"/>
-            <a:ext cx="496827" cy="428075"/>
-          </a:xfrm>
-          <a:prstGeom prst="rect">
-            <a:avLst/>
-          </a:prstGeom>
-        </p:spPr>
-      </p:pic>
       <p:grpSp>
         <p:nvGrpSpPr>
           <p:cNvPr id="8" name="그룹 7">
@@ -25690,9 +25270,9 @@
             <a:p>
               <a:r>
                 <a:rPr lang="ko-KR" altLang="en-US" sz="1600" dirty="0">
-                  <a:latin typeface="KoPubWorld돋움체_Pro Medium" panose="00000600000000000000" pitchFamily="50" charset="-127"/>
-                  <a:ea typeface="KoPubWorld돋움체_Pro Medium" panose="00000600000000000000" pitchFamily="50" charset="-127"/>
-                  <a:cs typeface="KoPubWorld돋움체_Pro Medium" panose="00000600000000000000" pitchFamily="50" charset="-127"/>
+                  <a:latin typeface="KoPubWorld돋움체_Pro Bold" panose="00000800000000000000" pitchFamily="50" charset="-127"/>
+                  <a:ea typeface="KoPubWorld돋움체_Pro Bold" panose="00000800000000000000" pitchFamily="50" charset="-127"/>
+                  <a:cs typeface="KoPubWorld돋움체_Pro Bold" panose="00000800000000000000" pitchFamily="50" charset="-127"/>
                 </a:rPr>
                 <a:t>수어 사전</a:t>
               </a:r>
@@ -25875,7 +25455,23 @@
                   <a:ea typeface="KoPubWorld돋움체_Pro Medium" panose="00000600000000000000" pitchFamily="50" charset="-127"/>
                   <a:cs typeface="KoPubWorld돋움체_Pro Medium" panose="00000600000000000000" pitchFamily="50" charset="-127"/>
                 </a:rPr>
-                <a:t>농인과의 의사소통이 급하게 필요한 경우 활용</a:t>
+                <a:t>농인과의 </a:t>
+              </a:r>
+              <a:r>
+                <a:rPr lang="ko-KR" altLang="en-US" sz="1600" dirty="0">
+                  <a:latin typeface="KoPubWorld돋움체_Pro Bold" panose="00000800000000000000" pitchFamily="50" charset="-127"/>
+                  <a:ea typeface="KoPubWorld돋움체_Pro Bold" panose="00000800000000000000" pitchFamily="50" charset="-127"/>
+                  <a:cs typeface="KoPubWorld돋움체_Pro Bold" panose="00000800000000000000" pitchFamily="50" charset="-127"/>
+                </a:rPr>
+                <a:t>의사소통이 급하게 필요한 경우</a:t>
+              </a:r>
+              <a:r>
+                <a:rPr lang="ko-KR" altLang="en-US" sz="1600" dirty="0">
+                  <a:latin typeface="KoPubWorld돋움체_Pro Medium" panose="00000600000000000000" pitchFamily="50" charset="-127"/>
+                  <a:ea typeface="KoPubWorld돋움체_Pro Medium" panose="00000600000000000000" pitchFamily="50" charset="-127"/>
+                  <a:cs typeface="KoPubWorld돋움체_Pro Medium" panose="00000600000000000000" pitchFamily="50" charset="-127"/>
+                </a:rPr>
+                <a:t> 활용</a:t>
               </a:r>
               <a:endParaRPr lang="en-US" altLang="ko-KR" sz="1600" dirty="0">
                 <a:latin typeface="KoPubWorld돋움체_Pro Medium" panose="00000600000000000000" pitchFamily="50" charset="-127"/>
@@ -25897,7 +25493,23 @@
                   <a:ea typeface="KoPubWorld돋움체_Pro Medium" panose="00000600000000000000" pitchFamily="50" charset="-127"/>
                   <a:cs typeface="KoPubWorld돋움체_Pro Medium" panose="00000600000000000000" pitchFamily="50" charset="-127"/>
                 </a:rPr>
-                <a:t>청인들이 수어에 대해 정보를 얻을 수 있도록 하는 서비스</a:t>
+                <a:t>청인들이 </a:t>
+              </a:r>
+              <a:r>
+                <a:rPr lang="ko-KR" altLang="en-US" sz="1600" dirty="0">
+                  <a:latin typeface="KoPubWorld돋움체_Pro Bold" panose="00000800000000000000" pitchFamily="50" charset="-127"/>
+                  <a:ea typeface="KoPubWorld돋움체_Pro Bold" panose="00000800000000000000" pitchFamily="50" charset="-127"/>
+                  <a:cs typeface="KoPubWorld돋움체_Pro Bold" panose="00000800000000000000" pitchFamily="50" charset="-127"/>
+                </a:rPr>
+                <a:t>수어에 대해 정보</a:t>
+              </a:r>
+              <a:r>
+                <a:rPr lang="ko-KR" altLang="en-US" sz="1600" dirty="0">
+                  <a:latin typeface="KoPubWorld돋움체_Pro Medium" panose="00000600000000000000" pitchFamily="50" charset="-127"/>
+                  <a:ea typeface="KoPubWorld돋움체_Pro Medium" panose="00000600000000000000" pitchFamily="50" charset="-127"/>
+                  <a:cs typeface="KoPubWorld돋움체_Pro Medium" panose="00000600000000000000" pitchFamily="50" charset="-127"/>
+                </a:rPr>
+                <a:t>를 얻을 수 있도록 하는 기능</a:t>
               </a:r>
               <a:r>
                 <a:rPr lang="en-US" altLang="ko-KR" sz="1600" dirty="0">
@@ -25992,12 +25604,67 @@
                   <a:ea typeface="KoPubWorld돋움체_Pro Medium" panose="00000600000000000000" pitchFamily="50" charset="-127"/>
                   <a:cs typeface="KoPubWorld돋움체_Pro Medium" panose="00000600000000000000" pitchFamily="50" charset="-127"/>
                 </a:rPr>
-                <a:t>개발 목표</a:t>
+                <a:t>개발 </a:t>
               </a:r>
+              <a:r>
+                <a:rPr lang="ko-KR" altLang="en-US" dirty="0">
+                  <a:solidFill>
+                    <a:schemeClr val="bg1"/>
+                  </a:solidFill>
+                  <a:latin typeface="KoPubWorld돋움체_Pro Medium" panose="00000600000000000000" pitchFamily="50" charset="-127"/>
+                  <a:ea typeface="KoPubWorld돋움체_Pro Medium" panose="00000600000000000000" pitchFamily="50" charset="-127"/>
+                  <a:cs typeface="KoPubWorld돋움체_Pro Medium" panose="00000600000000000000" pitchFamily="50" charset="-127"/>
+                </a:rPr>
+                <a:t>내용</a:t>
+              </a:r>
+              <a:endParaRPr lang="ko-KR" altLang="en-US" sz="1800" dirty="0">
+                <a:solidFill>
+                  <a:schemeClr val="bg1"/>
+                </a:solidFill>
+                <a:latin typeface="KoPubWorld돋움체_Pro Medium" panose="00000600000000000000" pitchFamily="50" charset="-127"/>
+                <a:ea typeface="KoPubWorld돋움체_Pro Medium" panose="00000600000000000000" pitchFamily="50" charset="-127"/>
+                <a:cs typeface="KoPubWorld돋움체_Pro Medium" panose="00000600000000000000" pitchFamily="50" charset="-127"/>
+              </a:endParaRPr>
             </a:p>
           </p:txBody>
         </p:sp>
       </p:grpSp>
+      <p:pic>
+        <p:nvPicPr>
+          <p:cNvPr id="3" name="그래픽 2">
+            <a:extLst>
+              <a:ext uri="{FF2B5EF4-FFF2-40B4-BE49-F238E27FC236}">
+                <a16:creationId xmlns:a16="http://schemas.microsoft.com/office/drawing/2014/main" id="{ADAEBDFC-E100-1F1D-E79D-128306A4D603}"/>
+              </a:ext>
+            </a:extLst>
+          </p:cNvPr>
+          <p:cNvPicPr>
+            <a:picLocks noChangeAspect="1"/>
+          </p:cNvPicPr>
+          <p:nvPr/>
+        </p:nvPicPr>
+        <p:blipFill>
+          <a:blip r:embed="rId11">
+            <a:extLst>
+              <a:ext uri="{96DAC541-7B7A-43D3-8B79-37D633B846F1}">
+                <asvg:svgBlip xmlns:asvg="http://schemas.microsoft.com/office/drawing/2016/SVG/main" r:embed="rId12"/>
+              </a:ext>
+            </a:extLst>
+          </a:blip>
+          <a:stretch>
+            <a:fillRect/>
+          </a:stretch>
+        </p:blipFill>
+        <p:spPr>
+          <a:xfrm>
+            <a:off x="4580891" y="3388139"/>
+            <a:ext cx="496827" cy="428075"/>
+          </a:xfrm>
+          <a:prstGeom prst="rect">
+            <a:avLst/>
+          </a:prstGeom>
+        </p:spPr>
+      </p:pic>
     </p:spTree>
     <p:extLst>
       <p:ext uri="{BB962C8B-B14F-4D97-AF65-F5344CB8AC3E}">
@@ -26307,6 +25974,15 @@
 </file>
 
 <file path=customXml/item1.xml><?xml version="1.0" encoding="utf-8"?>
+<?mso-contentType ?>
+<FormTemplates xmlns="http://schemas.microsoft.com/sharepoint/v3/contenttype/forms">
+  <Display>DocumentLibraryForm</Display>
+  <Edit>DocumentLibraryForm</Edit>
+  <New>DocumentLibraryForm</New>
+</FormTemplates>
+</file>
+
+<file path=customXml/item2.xml><?xml version="1.0" encoding="utf-8"?>
 <ct:contentTypeSchema xmlns:ct="http://schemas.microsoft.com/office/2006/metadata/contentType" xmlns:ma="http://schemas.microsoft.com/office/2006/metadata/properties/metaAttributes" ct:_="" ma:_="" ma:contentTypeName="문서" ma:contentTypeID="0x0101005C8A48F420ACAC4EA802A1F80B3CE4B4" ma:contentTypeVersion="4" ma:contentTypeDescription="새 문서를 만듭니다." ma:contentTypeScope="" ma:versionID="910260a3f45322448586415a471f327a">
   <xsd:schema xmlns:xsd="http://www.w3.org/2001/XMLSchema" xmlns:xs="http://www.w3.org/2001/XMLSchema" xmlns:p="http://schemas.microsoft.com/office/2006/metadata/properties" xmlns:ns3="9d627310-3f1d-4820-b1db-302420b5a55d" targetNamespace="http://schemas.microsoft.com/office/2006/metadata/properties" ma:root="true" ma:fieldsID="8d96658863e80cc5b089b56f9a54dd83" ns3:_="">
     <xsd:import namespace="9d627310-3f1d-4820-b1db-302420b5a55d"/>
@@ -26450,15 +26126,6 @@
 </ct:contentTypeSchema>
 </file>
 
-<file path=customXml/item2.xml><?xml version="1.0" encoding="utf-8"?>
-<?mso-contentType ?>
-<FormTemplates xmlns="http://schemas.microsoft.com/sharepoint/v3/contenttype/forms">
-  <Display>DocumentLibraryForm</Display>
-  <Edit>DocumentLibraryForm</Edit>
-  <New>DocumentLibraryForm</New>
-</FormTemplates>
-</file>
-
 <file path=customXml/item3.xml><?xml version="1.0" encoding="utf-8"?>
 <p:properties xmlns:p="http://schemas.microsoft.com/office/2006/metadata/properties" xmlns:xsi="http://www.w3.org/2001/XMLSchema-instance" xmlns:pc="http://schemas.microsoft.com/office/infopath/2007/PartnerControls">
   <documentManagement>
@@ -26468,6 +26135,14 @@
 </file>
 
 <file path=customXml/itemProps1.xml><?xml version="1.0" encoding="utf-8"?>
+<ds:datastoreItem xmlns:ds="http://schemas.openxmlformats.org/officeDocument/2006/customXml" ds:itemID="{422B7CB1-3651-424B-A21B-CF63B6818BDA}">
+  <ds:schemaRefs>
+    <ds:schemaRef ds:uri="http://schemas.microsoft.com/sharepoint/v3/contenttype/forms"/>
+  </ds:schemaRefs>
+</ds:datastoreItem>
+</file>
+
+<file path=customXml/itemProps2.xml><?xml version="1.0" encoding="utf-8"?>
 <ds:datastoreItem xmlns:ds="http://schemas.openxmlformats.org/officeDocument/2006/customXml" ds:itemID="{C0F82728-5ECE-45F3-864C-53F563D1D986}">
   <ds:schemaRefs>
     <ds:schemaRef ds:uri="http://schemas.microsoft.com/office/2006/metadata/contentType"/>
@@ -26481,14 +26156,6 @@
     <ds:schemaRef ds:uri="http://purl.org/dc/elements/1.1/"/>
     <ds:schemaRef ds:uri="http://purl.org/dc/terms/"/>
     <ds:schemaRef ds:uri="http://schemas.microsoft.com/internal/obd"/>
-  </ds:schemaRefs>
-</ds:datastoreItem>
-</file>
-
-<file path=customXml/itemProps2.xml><?xml version="1.0" encoding="utf-8"?>
-<ds:datastoreItem xmlns:ds="http://schemas.openxmlformats.org/officeDocument/2006/customXml" ds:itemID="{422B7CB1-3651-424B-A21B-CF63B6818BDA}">
-  <ds:schemaRefs>
-    <ds:schemaRef ds:uri="http://schemas.microsoft.com/sharepoint/v3/contenttype/forms"/>
   </ds:schemaRefs>
 </ds:datastoreItem>
 </file>
